--- a/Final_project/MScA_31008_Final_Project_Presentation - Pitchbook Industry Classification.pptx
+++ b/Final_project/MScA_31008_Final_Project_Presentation - Pitchbook Industry Classification.pptx
@@ -113,6 +113,11 @@
       </a:defRPr>
     </a:lvl9pPr>
   </p:defaultTextStyle>
+  <p:extLst>
+    <p:ext uri="{EFAFB233-063F-42B5-8137-9DF3F51BA10A}">
+      <p15:sldGuideLst xmlns:p15="http://schemas.microsoft.com/office/powerpoint/2012/main"/>
+    </p:ext>
+  </p:extLst>
 </p:presentation>
 </file>
 
@@ -198,7 +203,7 @@
           <a:p>
             <a:fld id="{935E1275-E3BC-4924-9D21-14A811C77763}" type="datetimeFigureOut">
               <a:rPr lang="en-US" smtClean="0"/>
-              <a:t>2/27/2023</a:t>
+              <a:t>2/28/2023</a:t>
             </a:fld>
             <a:endParaRPr lang="en-US"/>
           </a:p>
@@ -1212,7 +1217,7 @@
           <a:p>
             <a:fld id="{38744EF7-277B-4C2F-8C3D-AA5604BF70B5}" type="datetimeFigureOut">
               <a:rPr lang="en-US" smtClean="0"/>
-              <a:t>2/27/2023</a:t>
+              <a:t>2/28/2023</a:t>
             </a:fld>
             <a:endParaRPr lang="en-US"/>
           </a:p>
@@ -1410,7 +1415,7 @@
           <a:p>
             <a:fld id="{38744EF7-277B-4C2F-8C3D-AA5604BF70B5}" type="datetimeFigureOut">
               <a:rPr lang="en-US" smtClean="0"/>
-              <a:t>2/27/2023</a:t>
+              <a:t>2/28/2023</a:t>
             </a:fld>
             <a:endParaRPr lang="en-US"/>
           </a:p>
@@ -1618,7 +1623,7 @@
           <a:p>
             <a:fld id="{38744EF7-277B-4C2F-8C3D-AA5604BF70B5}" type="datetimeFigureOut">
               <a:rPr lang="en-US" smtClean="0"/>
-              <a:t>2/27/2023</a:t>
+              <a:t>2/28/2023</a:t>
             </a:fld>
             <a:endParaRPr lang="en-US"/>
           </a:p>
@@ -1816,7 +1821,7 @@
           <a:p>
             <a:fld id="{38744EF7-277B-4C2F-8C3D-AA5604BF70B5}" type="datetimeFigureOut">
               <a:rPr lang="en-US" smtClean="0"/>
-              <a:t>2/27/2023</a:t>
+              <a:t>2/28/2023</a:t>
             </a:fld>
             <a:endParaRPr lang="en-US"/>
           </a:p>
@@ -2091,7 +2096,7 @@
           <a:p>
             <a:fld id="{38744EF7-277B-4C2F-8C3D-AA5604BF70B5}" type="datetimeFigureOut">
               <a:rPr lang="en-US" smtClean="0"/>
-              <a:t>2/27/2023</a:t>
+              <a:t>2/28/2023</a:t>
             </a:fld>
             <a:endParaRPr lang="en-US"/>
           </a:p>
@@ -2356,7 +2361,7 @@
           <a:p>
             <a:fld id="{38744EF7-277B-4C2F-8C3D-AA5604BF70B5}" type="datetimeFigureOut">
               <a:rPr lang="en-US" smtClean="0"/>
-              <a:t>2/27/2023</a:t>
+              <a:t>2/28/2023</a:t>
             </a:fld>
             <a:endParaRPr lang="en-US"/>
           </a:p>
@@ -2768,7 +2773,7 @@
           <a:p>
             <a:fld id="{38744EF7-277B-4C2F-8C3D-AA5604BF70B5}" type="datetimeFigureOut">
               <a:rPr lang="en-US" smtClean="0"/>
-              <a:t>2/27/2023</a:t>
+              <a:t>2/28/2023</a:t>
             </a:fld>
             <a:endParaRPr lang="en-US"/>
           </a:p>
@@ -2909,7 +2914,7 @@
           <a:p>
             <a:fld id="{38744EF7-277B-4C2F-8C3D-AA5604BF70B5}" type="datetimeFigureOut">
               <a:rPr lang="en-US" smtClean="0"/>
-              <a:t>2/27/2023</a:t>
+              <a:t>2/28/2023</a:t>
             </a:fld>
             <a:endParaRPr lang="en-US"/>
           </a:p>
@@ -3022,7 +3027,7 @@
           <a:p>
             <a:fld id="{38744EF7-277B-4C2F-8C3D-AA5604BF70B5}" type="datetimeFigureOut">
               <a:rPr lang="en-US" smtClean="0"/>
-              <a:t>2/27/2023</a:t>
+              <a:t>2/28/2023</a:t>
             </a:fld>
             <a:endParaRPr lang="en-US"/>
           </a:p>
@@ -3333,7 +3338,7 @@
           <a:p>
             <a:fld id="{38744EF7-277B-4C2F-8C3D-AA5604BF70B5}" type="datetimeFigureOut">
               <a:rPr lang="en-US" smtClean="0"/>
-              <a:t>2/27/2023</a:t>
+              <a:t>2/28/2023</a:t>
             </a:fld>
             <a:endParaRPr lang="en-US"/>
           </a:p>
@@ -3621,7 +3626,7 @@
           <a:p>
             <a:fld id="{38744EF7-277B-4C2F-8C3D-AA5604BF70B5}" type="datetimeFigureOut">
               <a:rPr lang="en-US" smtClean="0"/>
-              <a:t>2/27/2023</a:t>
+              <a:t>2/28/2023</a:t>
             </a:fld>
             <a:endParaRPr lang="en-US"/>
           </a:p>
@@ -3862,7 +3867,7 @@
           <a:p>
             <a:fld id="{38744EF7-277B-4C2F-8C3D-AA5604BF70B5}" type="datetimeFigureOut">
               <a:rPr lang="en-US" smtClean="0"/>
-              <a:t>2/27/2023</a:t>
+              <a:t>2/28/2023</a:t>
             </a:fld>
             <a:endParaRPr lang="en-US"/>
           </a:p>
@@ -5759,6 +5764,1924 @@
           </a:prstGeom>
         </p:spPr>
       </p:pic>
+      <p:pic>
+        <p:nvPicPr>
+          <p:cNvPr id="13" name="Picture 10" descr="Salesforce: We bring companies and customers together on the #1 CRM.">
+            <a:extLst>
+              <a:ext uri="{FF2B5EF4-FFF2-40B4-BE49-F238E27FC236}">
+                <a16:creationId xmlns:a16="http://schemas.microsoft.com/office/drawing/2014/main" id="{41EBB564-BD5D-4CE6-8D29-4D4B16CFBDA5}"/>
+              </a:ext>
+            </a:extLst>
+          </p:cNvPr>
+          <p:cNvPicPr>
+            <a:picLocks noChangeAspect="1" noChangeArrowheads="1"/>
+          </p:cNvPicPr>
+          <p:nvPr/>
+        </p:nvPicPr>
+        <p:blipFill>
+          <a:blip r:embed="rId4" cstate="print">
+            <a:extLst>
+              <a:ext uri="{28A0092B-C50C-407E-A947-70E740481C1C}">
+                <a14:useLocalDpi xmlns:a14="http://schemas.microsoft.com/office/drawing/2010/main" val="0"/>
+              </a:ext>
+            </a:extLst>
+          </a:blip>
+          <a:srcRect/>
+          <a:stretch>
+            <a:fillRect/>
+          </a:stretch>
+        </p:blipFill>
+        <p:spPr bwMode="auto">
+          <a:xfrm>
+            <a:off x="342435" y="3908309"/>
+            <a:ext cx="683028" cy="535495"/>
+          </a:xfrm>
+          <a:prstGeom prst="rect">
+            <a:avLst/>
+          </a:prstGeom>
+          <a:noFill/>
+          <a:extLst>
+            <a:ext uri="{909E8E84-426E-40DD-AFC4-6F175D3DCCD1}">
+              <a14:hiddenFill xmlns:a14="http://schemas.microsoft.com/office/drawing/2010/main">
+                <a:solidFill>
+                  <a:srgbClr val="FFFFFF"/>
+                </a:solidFill>
+              </a14:hiddenFill>
+            </a:ext>
+          </a:extLst>
+        </p:spPr>
+      </p:pic>
+      <p:pic>
+        <p:nvPicPr>
+          <p:cNvPr id="16" name="Picture 15" descr="PitchBook Adds New Performance Datasets &amp;amp;amp; Research to Strengthen Fund  Manager Due Diligence Workflow">
+            <a:extLst>
+              <a:ext uri="{FF2B5EF4-FFF2-40B4-BE49-F238E27FC236}">
+                <a16:creationId xmlns:a16="http://schemas.microsoft.com/office/drawing/2014/main" id="{C39262CC-2F29-4CB2-9566-691595B76535}"/>
+              </a:ext>
+            </a:extLst>
+          </p:cNvPr>
+          <p:cNvPicPr>
+            <a:picLocks noChangeAspect="1" noChangeArrowheads="1"/>
+          </p:cNvPicPr>
+          <p:nvPr/>
+        </p:nvPicPr>
+        <p:blipFill>
+          <a:blip r:embed="rId5" cstate="print">
+            <a:extLst>
+              <a:ext uri="{28A0092B-C50C-407E-A947-70E740481C1C}">
+                <a14:useLocalDpi xmlns:a14="http://schemas.microsoft.com/office/drawing/2010/main" val="0"/>
+              </a:ext>
+            </a:extLst>
+          </a:blip>
+          <a:srcRect/>
+          <a:stretch>
+            <a:fillRect/>
+          </a:stretch>
+        </p:blipFill>
+        <p:spPr bwMode="auto">
+          <a:xfrm>
+            <a:off x="342435" y="2356335"/>
+            <a:ext cx="739660" cy="258881"/>
+          </a:xfrm>
+          <a:prstGeom prst="rect">
+            <a:avLst/>
+          </a:prstGeom>
+          <a:noFill/>
+          <a:extLst>
+            <a:ext uri="{909E8E84-426E-40DD-AFC4-6F175D3DCCD1}">
+              <a14:hiddenFill xmlns:a14="http://schemas.microsoft.com/office/drawing/2010/main">
+                <a:solidFill>
+                  <a:srgbClr val="FFFFFF"/>
+                </a:solidFill>
+              </a14:hiddenFill>
+            </a:ext>
+          </a:extLst>
+        </p:spPr>
+      </p:pic>
+      <p:sp>
+        <p:nvSpPr>
+          <p:cNvPr id="17" name="Rectangle 16">
+            <a:extLst>
+              <a:ext uri="{FF2B5EF4-FFF2-40B4-BE49-F238E27FC236}">
+                <a16:creationId xmlns:a16="http://schemas.microsoft.com/office/drawing/2014/main" id="{EC3B3DC5-34C2-4B09-9D0E-4559CE9A6EBC}"/>
+              </a:ext>
+            </a:extLst>
+          </p:cNvPr>
+          <p:cNvSpPr/>
+          <p:nvPr/>
+        </p:nvSpPr>
+        <p:spPr>
+          <a:xfrm>
+            <a:off x="163303" y="1083183"/>
+            <a:ext cx="1145549" cy="5064497"/>
+          </a:xfrm>
+          <a:prstGeom prst="rect">
+            <a:avLst/>
+          </a:prstGeom>
+          <a:noFill/>
+        </p:spPr>
+        <p:style>
+          <a:lnRef idx="2">
+            <a:schemeClr val="accent1">
+              <a:shade val="50000"/>
+            </a:schemeClr>
+          </a:lnRef>
+          <a:fillRef idx="1">
+            <a:schemeClr val="accent1"/>
+          </a:fillRef>
+          <a:effectRef idx="0">
+            <a:schemeClr val="accent1"/>
+          </a:effectRef>
+          <a:fontRef idx="minor">
+            <a:schemeClr val="lt1"/>
+          </a:fontRef>
+        </p:style>
+        <p:txBody>
+          <a:bodyPr rtlCol="0" anchor="ctr"/>
+          <a:lstStyle/>
+          <a:p>
+            <a:pPr algn="ctr" defTabSz="685800"/>
+            <a:endParaRPr lang="en-US" sz="1350">
+              <a:solidFill>
+                <a:prstClr val="white"/>
+              </a:solidFill>
+              <a:latin typeface="Calibri" panose="020F0502020204030204"/>
+            </a:endParaRPr>
+          </a:p>
+        </p:txBody>
+      </p:sp>
+      <p:sp>
+        <p:nvSpPr>
+          <p:cNvPr id="18" name="TextBox 17">
+            <a:extLst>
+              <a:ext uri="{FF2B5EF4-FFF2-40B4-BE49-F238E27FC236}">
+                <a16:creationId xmlns:a16="http://schemas.microsoft.com/office/drawing/2014/main" id="{5AA5FB52-8FFE-4B96-870F-816154B5728C}"/>
+              </a:ext>
+            </a:extLst>
+          </p:cNvPr>
+          <p:cNvSpPr txBox="1"/>
+          <p:nvPr/>
+        </p:nvSpPr>
+        <p:spPr>
+          <a:xfrm>
+            <a:off x="142926" y="1084218"/>
+            <a:ext cx="1452072" cy="246221"/>
+          </a:xfrm>
+          <a:prstGeom prst="rect">
+            <a:avLst/>
+          </a:prstGeom>
+          <a:noFill/>
+        </p:spPr>
+        <p:txBody>
+          <a:bodyPr wrap="square" rtlCol="0">
+            <a:spAutoFit/>
+          </a:bodyPr>
+          <a:lstStyle/>
+          <a:p>
+            <a:pPr defTabSz="685800">
+              <a:defRPr/>
+            </a:pPr>
+            <a:r>
+              <a:rPr lang="en-US" sz="1000" b="1" dirty="0">
+                <a:solidFill>
+                  <a:srgbClr val="0070C0"/>
+                </a:solidFill>
+                <a:latin typeface="Verdana" panose="020B0604030504040204" pitchFamily="34" charset="0"/>
+                <a:ea typeface="Verdana" panose="020B0604030504040204" pitchFamily="34" charset="0"/>
+              </a:rPr>
+              <a:t>Data Sources</a:t>
+            </a:r>
+          </a:p>
+        </p:txBody>
+      </p:sp>
+      <p:sp>
+        <p:nvSpPr>
+          <p:cNvPr id="19" name="Rectangle 18">
+            <a:extLst>
+              <a:ext uri="{FF2B5EF4-FFF2-40B4-BE49-F238E27FC236}">
+                <a16:creationId xmlns:a16="http://schemas.microsoft.com/office/drawing/2014/main" id="{5AEA7AF5-10CC-40EC-AD0A-2BF07F9ABD0B}"/>
+              </a:ext>
+            </a:extLst>
+          </p:cNvPr>
+          <p:cNvSpPr/>
+          <p:nvPr/>
+        </p:nvSpPr>
+        <p:spPr>
+          <a:xfrm>
+            <a:off x="1891874" y="5528948"/>
+            <a:ext cx="8408252" cy="618732"/>
+          </a:xfrm>
+          <a:prstGeom prst="rect">
+            <a:avLst/>
+          </a:prstGeom>
+          <a:noFill/>
+          <a:ln w="28575">
+            <a:solidFill>
+              <a:schemeClr val="accent1">
+                <a:lumMod val="50000"/>
+              </a:schemeClr>
+            </a:solidFill>
+            <a:prstDash val="solid"/>
+          </a:ln>
+        </p:spPr>
+        <p:style>
+          <a:lnRef idx="2">
+            <a:schemeClr val="accent1">
+              <a:shade val="50000"/>
+            </a:schemeClr>
+          </a:lnRef>
+          <a:fillRef idx="1">
+            <a:schemeClr val="accent1"/>
+          </a:fillRef>
+          <a:effectRef idx="0">
+            <a:schemeClr val="accent1"/>
+          </a:effectRef>
+          <a:fontRef idx="minor">
+            <a:schemeClr val="lt1"/>
+          </a:fontRef>
+        </p:style>
+        <p:txBody>
+          <a:bodyPr rtlCol="0" anchor="ctr"/>
+          <a:lstStyle/>
+          <a:p>
+            <a:pPr algn="ctr" defTabSz="685800">
+              <a:defRPr/>
+            </a:pPr>
+            <a:endParaRPr lang="en-US" sz="1350">
+              <a:solidFill>
+                <a:prstClr val="white"/>
+              </a:solidFill>
+              <a:latin typeface="Calibri" panose="020F0502020204030204"/>
+            </a:endParaRPr>
+          </a:p>
+        </p:txBody>
+      </p:sp>
+      <p:sp>
+        <p:nvSpPr>
+          <p:cNvPr id="20" name="TextBox 19">
+            <a:extLst>
+              <a:ext uri="{FF2B5EF4-FFF2-40B4-BE49-F238E27FC236}">
+                <a16:creationId xmlns:a16="http://schemas.microsoft.com/office/drawing/2014/main" id="{77B39831-C01E-4DA5-94AD-BFDA8D6A2DE1}"/>
+              </a:ext>
+            </a:extLst>
+          </p:cNvPr>
+          <p:cNvSpPr txBox="1"/>
+          <p:nvPr/>
+        </p:nvSpPr>
+        <p:spPr>
+          <a:xfrm>
+            <a:off x="2757451" y="5674856"/>
+            <a:ext cx="6285837" cy="323165"/>
+          </a:xfrm>
+          <a:prstGeom prst="rect">
+            <a:avLst/>
+          </a:prstGeom>
+          <a:noFill/>
+        </p:spPr>
+        <p:txBody>
+          <a:bodyPr wrap="square" rtlCol="0">
+            <a:spAutoFit/>
+          </a:bodyPr>
+          <a:lstStyle/>
+          <a:p>
+            <a:pPr algn="ctr" defTabSz="685800">
+              <a:defRPr/>
+            </a:pPr>
+            <a:r>
+              <a:rPr lang="en-US" sz="1500" dirty="0">
+                <a:solidFill>
+                  <a:prstClr val="black"/>
+                </a:solidFill>
+                <a:latin typeface="Verdana" panose="020B0604030504040204" pitchFamily="34" charset="0"/>
+                <a:ea typeface="Verdana" panose="020B0604030504040204" pitchFamily="34" charset="0"/>
+              </a:rPr>
+              <a:t>Big Data Storage</a:t>
+            </a:r>
+          </a:p>
+        </p:txBody>
+      </p:sp>
+      <p:pic>
+        <p:nvPicPr>
+          <p:cNvPr id="21" name="Picture 20">
+            <a:extLst>
+              <a:ext uri="{FF2B5EF4-FFF2-40B4-BE49-F238E27FC236}">
+                <a16:creationId xmlns:a16="http://schemas.microsoft.com/office/drawing/2014/main" id="{13FF8F27-A02C-4F8E-BD22-AC116D5D0369}"/>
+              </a:ext>
+            </a:extLst>
+          </p:cNvPr>
+          <p:cNvPicPr>
+            <a:picLocks noChangeAspect="1"/>
+          </p:cNvPicPr>
+          <p:nvPr/>
+        </p:nvPicPr>
+        <p:blipFill>
+          <a:blip r:embed="rId6" cstate="print">
+            <a:extLst>
+              <a:ext uri="{28A0092B-C50C-407E-A947-70E740481C1C}">
+                <a14:useLocalDpi xmlns:a14="http://schemas.microsoft.com/office/drawing/2010/main" val="0"/>
+              </a:ext>
+            </a:extLst>
+          </a:blip>
+          <a:stretch>
+            <a:fillRect/>
+          </a:stretch>
+        </p:blipFill>
+        <p:spPr>
+          <a:xfrm>
+            <a:off x="2260773" y="4443804"/>
+            <a:ext cx="545996" cy="545996"/>
+          </a:xfrm>
+          <a:prstGeom prst="rect">
+            <a:avLst/>
+          </a:prstGeom>
+          <a:ln w="28575">
+            <a:solidFill>
+              <a:srgbClr val="00B050"/>
+            </a:solidFill>
+          </a:ln>
+        </p:spPr>
+      </p:pic>
+      <p:sp>
+        <p:nvSpPr>
+          <p:cNvPr id="22" name="TextBox 21">
+            <a:extLst>
+              <a:ext uri="{FF2B5EF4-FFF2-40B4-BE49-F238E27FC236}">
+                <a16:creationId xmlns:a16="http://schemas.microsoft.com/office/drawing/2014/main" id="{2024A3C5-CBDF-4FED-8226-3E8615C515AC}"/>
+              </a:ext>
+            </a:extLst>
+          </p:cNvPr>
+          <p:cNvSpPr txBox="1"/>
+          <p:nvPr/>
+        </p:nvSpPr>
+        <p:spPr>
+          <a:xfrm>
+            <a:off x="1478839" y="4545685"/>
+            <a:ext cx="971378" cy="307777"/>
+          </a:xfrm>
+          <a:prstGeom prst="rect">
+            <a:avLst/>
+          </a:prstGeom>
+          <a:noFill/>
+        </p:spPr>
+        <p:txBody>
+          <a:bodyPr wrap="square" rtlCol="0">
+            <a:spAutoFit/>
+          </a:bodyPr>
+          <a:lstStyle/>
+          <a:p>
+            <a:pPr defTabSz="685800"/>
+            <a:r>
+              <a:rPr lang="en-US" sz="700" dirty="0">
+                <a:solidFill>
+                  <a:prstClr val="black"/>
+                </a:solidFill>
+                <a:latin typeface="Verdana" panose="020B0604030504040204" pitchFamily="34" charset="0"/>
+                <a:ea typeface="Verdana" panose="020B0604030504040204" pitchFamily="34" charset="0"/>
+              </a:rPr>
+              <a:t>Pull Salesforce</a:t>
+            </a:r>
+          </a:p>
+          <a:p>
+            <a:pPr defTabSz="685800"/>
+            <a:r>
+              <a:rPr lang="en-US" sz="700" dirty="0">
+                <a:solidFill>
+                  <a:prstClr val="black"/>
+                </a:solidFill>
+                <a:latin typeface="Verdana" panose="020B0604030504040204" pitchFamily="34" charset="0"/>
+                <a:ea typeface="Verdana" panose="020B0604030504040204" pitchFamily="34" charset="0"/>
+              </a:rPr>
+              <a:t>Data</a:t>
+            </a:r>
+          </a:p>
+        </p:txBody>
+      </p:sp>
+      <p:sp>
+        <p:nvSpPr>
+          <p:cNvPr id="23" name="TextBox 22">
+            <a:extLst>
+              <a:ext uri="{FF2B5EF4-FFF2-40B4-BE49-F238E27FC236}">
+                <a16:creationId xmlns:a16="http://schemas.microsoft.com/office/drawing/2014/main" id="{5638FFCF-1E84-4648-A1DC-61E7C37E9A7E}"/>
+              </a:ext>
+            </a:extLst>
+          </p:cNvPr>
+          <p:cNvSpPr txBox="1"/>
+          <p:nvPr/>
+        </p:nvSpPr>
+        <p:spPr>
+          <a:xfrm rot="16200000">
+            <a:off x="2671839" y="4918628"/>
+            <a:ext cx="1007658" cy="200055"/>
+          </a:xfrm>
+          <a:prstGeom prst="rect">
+            <a:avLst/>
+          </a:prstGeom>
+          <a:noFill/>
+        </p:spPr>
+        <p:txBody>
+          <a:bodyPr wrap="square" rtlCol="0">
+            <a:spAutoFit/>
+          </a:bodyPr>
+          <a:lstStyle/>
+          <a:p>
+            <a:pPr defTabSz="685800"/>
+            <a:r>
+              <a:rPr lang="en-US" sz="700" dirty="0">
+                <a:solidFill>
+                  <a:prstClr val="black"/>
+                </a:solidFill>
+                <a:latin typeface="Verdana" panose="020B0604030504040204" pitchFamily="34" charset="0"/>
+                <a:ea typeface="Verdana" panose="020B0604030504040204" pitchFamily="34" charset="0"/>
+              </a:rPr>
+              <a:t>Write to Storage</a:t>
+            </a:r>
+          </a:p>
+        </p:txBody>
+      </p:sp>
+      <p:cxnSp>
+        <p:nvCxnSpPr>
+          <p:cNvPr id="24" name="Connector: Elbow 23">
+            <a:extLst>
+              <a:ext uri="{FF2B5EF4-FFF2-40B4-BE49-F238E27FC236}">
+                <a16:creationId xmlns:a16="http://schemas.microsoft.com/office/drawing/2014/main" id="{4264AF24-8A9D-45AE-A66F-32A6C5AE4AF5}"/>
+              </a:ext>
+            </a:extLst>
+          </p:cNvPr>
+          <p:cNvCxnSpPr>
+            <a:stCxn id="21" idx="3"/>
+          </p:cNvCxnSpPr>
+          <p:nvPr/>
+        </p:nvCxnSpPr>
+        <p:spPr>
+          <a:xfrm>
+            <a:off x="2806769" y="4716802"/>
+            <a:ext cx="309293" cy="812146"/>
+          </a:xfrm>
+          <a:prstGeom prst="bentConnector2">
+            <a:avLst/>
+          </a:prstGeom>
+          <a:ln w="19050">
+            <a:tailEnd type="triangle"/>
+          </a:ln>
+        </p:spPr>
+        <p:style>
+          <a:lnRef idx="1">
+            <a:schemeClr val="accent1"/>
+          </a:lnRef>
+          <a:fillRef idx="0">
+            <a:schemeClr val="accent1"/>
+          </a:fillRef>
+          <a:effectRef idx="0">
+            <a:schemeClr val="accent1"/>
+          </a:effectRef>
+          <a:fontRef idx="minor">
+            <a:schemeClr val="tx1"/>
+          </a:fontRef>
+        </p:style>
+      </p:cxnSp>
+      <p:sp>
+        <p:nvSpPr>
+          <p:cNvPr id="25" name="TextBox 24">
+            <a:extLst>
+              <a:ext uri="{FF2B5EF4-FFF2-40B4-BE49-F238E27FC236}">
+                <a16:creationId xmlns:a16="http://schemas.microsoft.com/office/drawing/2014/main" id="{83D83695-BEA1-4CF5-9C2E-ACDDB8EF41A2}"/>
+              </a:ext>
+            </a:extLst>
+          </p:cNvPr>
+          <p:cNvSpPr txBox="1"/>
+          <p:nvPr/>
+        </p:nvSpPr>
+        <p:spPr>
+          <a:xfrm>
+            <a:off x="2163027" y="4978163"/>
+            <a:ext cx="819907" cy="184666"/>
+          </a:xfrm>
+          <a:prstGeom prst="rect">
+            <a:avLst/>
+          </a:prstGeom>
+          <a:noFill/>
+        </p:spPr>
+        <p:txBody>
+          <a:bodyPr wrap="square" rtlCol="0">
+            <a:spAutoFit/>
+          </a:bodyPr>
+          <a:lstStyle/>
+          <a:p>
+            <a:pPr marL="0" marR="0" lvl="0" indent="0" algn="l" defTabSz="914400" rtl="0" eaLnBrk="1" fontAlgn="auto" latinLnBrk="0" hangingPunct="1">
+              <a:lnSpc>
+                <a:spcPct val="100000"/>
+              </a:lnSpc>
+              <a:spcBef>
+                <a:spcPts val="0"/>
+              </a:spcBef>
+              <a:spcAft>
+                <a:spcPts val="0"/>
+              </a:spcAft>
+              <a:buClrTx/>
+              <a:buSzTx/>
+              <a:buFontTx/>
+              <a:buNone/>
+              <a:tabLst/>
+              <a:defRPr/>
+            </a:pPr>
+            <a:r>
+              <a:rPr kumimoji="0" lang="en-US" sz="600" b="0" i="0" u="none" strike="noStrike" kern="1200" cap="none" spc="0" normalizeH="0" baseline="0" noProof="0" dirty="0">
+                <a:ln>
+                  <a:noFill/>
+                </a:ln>
+                <a:solidFill>
+                  <a:prstClr val="black"/>
+                </a:solidFill>
+                <a:effectLst/>
+                <a:uLnTx/>
+                <a:uFillTx/>
+                <a:latin typeface="Verdana" panose="020B0604030504040204" pitchFamily="34" charset="0"/>
+                <a:ea typeface="Verdana" panose="020B0604030504040204" pitchFamily="34" charset="0"/>
+              </a:rPr>
+              <a:t>ETL Workspace</a:t>
+            </a:r>
+            <a:endParaRPr kumimoji="0" lang="en-US" sz="1000" b="0" i="0" u="none" strike="noStrike" kern="1200" cap="none" spc="0" normalizeH="0" baseline="0" noProof="0" dirty="0">
+              <a:ln>
+                <a:noFill/>
+              </a:ln>
+              <a:solidFill>
+                <a:prstClr val="black"/>
+              </a:solidFill>
+              <a:effectLst/>
+              <a:uLnTx/>
+              <a:uFillTx/>
+              <a:latin typeface="Verdana" panose="020B0604030504040204" pitchFamily="34" charset="0"/>
+              <a:ea typeface="Verdana" panose="020B0604030504040204" pitchFamily="34" charset="0"/>
+            </a:endParaRPr>
+          </a:p>
+        </p:txBody>
+      </p:sp>
+      <p:cxnSp>
+        <p:nvCxnSpPr>
+          <p:cNvPr id="26" name="Connector: Elbow 25">
+            <a:extLst>
+              <a:ext uri="{FF2B5EF4-FFF2-40B4-BE49-F238E27FC236}">
+                <a16:creationId xmlns:a16="http://schemas.microsoft.com/office/drawing/2014/main" id="{1783BDD4-878F-4021-83EA-28D516E56075}"/>
+              </a:ext>
+            </a:extLst>
+          </p:cNvPr>
+          <p:cNvCxnSpPr>
+            <a:endCxn id="21" idx="0"/>
+          </p:cNvCxnSpPr>
+          <p:nvPr/>
+        </p:nvCxnSpPr>
+        <p:spPr>
+          <a:xfrm rot="16200000" flipH="1">
+            <a:off x="942297" y="2852329"/>
+            <a:ext cx="1958029" cy="1224919"/>
+          </a:xfrm>
+          <a:prstGeom prst="bentConnector3">
+            <a:avLst>
+              <a:gd name="adj1" fmla="val 1940"/>
+            </a:avLst>
+          </a:prstGeom>
+          <a:ln w="19050">
+            <a:tailEnd type="triangle"/>
+          </a:ln>
+        </p:spPr>
+        <p:style>
+          <a:lnRef idx="1">
+            <a:schemeClr val="accent1"/>
+          </a:lnRef>
+          <a:fillRef idx="0">
+            <a:schemeClr val="accent1"/>
+          </a:fillRef>
+          <a:effectRef idx="0">
+            <a:schemeClr val="accent1"/>
+          </a:effectRef>
+          <a:fontRef idx="minor">
+            <a:schemeClr val="tx1"/>
+          </a:fontRef>
+        </p:style>
+      </p:cxnSp>
+      <p:sp>
+        <p:nvSpPr>
+          <p:cNvPr id="27" name="TextBox 26">
+            <a:extLst>
+              <a:ext uri="{FF2B5EF4-FFF2-40B4-BE49-F238E27FC236}">
+                <a16:creationId xmlns:a16="http://schemas.microsoft.com/office/drawing/2014/main" id="{91D4E00A-750B-449C-BD3B-EB88E42CD1CF}"/>
+              </a:ext>
+            </a:extLst>
+          </p:cNvPr>
+          <p:cNvSpPr txBox="1"/>
+          <p:nvPr/>
+        </p:nvSpPr>
+        <p:spPr>
+          <a:xfrm>
+            <a:off x="1560960" y="2367583"/>
+            <a:ext cx="971378" cy="307777"/>
+          </a:xfrm>
+          <a:prstGeom prst="rect">
+            <a:avLst/>
+          </a:prstGeom>
+          <a:noFill/>
+        </p:spPr>
+        <p:txBody>
+          <a:bodyPr wrap="square" rtlCol="0">
+            <a:spAutoFit/>
+          </a:bodyPr>
+          <a:lstStyle/>
+          <a:p>
+            <a:pPr defTabSz="685800"/>
+            <a:r>
+              <a:rPr lang="en-US" sz="700" dirty="0">
+                <a:latin typeface="Verdana" panose="020B0604030504040204" pitchFamily="34" charset="0"/>
+                <a:ea typeface="Verdana" panose="020B0604030504040204" pitchFamily="34" charset="0"/>
+              </a:rPr>
+              <a:t>Pull Pitchbook</a:t>
+            </a:r>
+          </a:p>
+          <a:p>
+            <a:pPr defTabSz="685800"/>
+            <a:r>
+              <a:rPr lang="en-US" sz="700" dirty="0">
+                <a:latin typeface="Verdana" panose="020B0604030504040204" pitchFamily="34" charset="0"/>
+                <a:ea typeface="Verdana" panose="020B0604030504040204" pitchFamily="34" charset="0"/>
+              </a:rPr>
+              <a:t>Data</a:t>
+            </a:r>
+          </a:p>
+        </p:txBody>
+      </p:sp>
+      <p:sp>
+        <p:nvSpPr>
+          <p:cNvPr id="28" name="Oval 27">
+            <a:extLst>
+              <a:ext uri="{FF2B5EF4-FFF2-40B4-BE49-F238E27FC236}">
+                <a16:creationId xmlns:a16="http://schemas.microsoft.com/office/drawing/2014/main" id="{21B6F05A-BA46-4582-AEF9-420CCAE211BB}"/>
+              </a:ext>
+            </a:extLst>
+          </p:cNvPr>
+          <p:cNvSpPr/>
+          <p:nvPr/>
+        </p:nvSpPr>
+        <p:spPr>
+          <a:xfrm>
+            <a:off x="1345624" y="2207653"/>
+            <a:ext cx="257832" cy="255102"/>
+          </a:xfrm>
+          <a:prstGeom prst="ellipse">
+            <a:avLst/>
+          </a:prstGeom>
+          <a:solidFill>
+            <a:srgbClr val="00B050"/>
+          </a:solidFill>
+          <a:ln>
+            <a:solidFill>
+              <a:srgbClr val="00B050"/>
+            </a:solidFill>
+          </a:ln>
+        </p:spPr>
+        <p:style>
+          <a:lnRef idx="2">
+            <a:schemeClr val="accent1">
+              <a:shade val="50000"/>
+            </a:schemeClr>
+          </a:lnRef>
+          <a:fillRef idx="1">
+            <a:schemeClr val="accent1"/>
+          </a:fillRef>
+          <a:effectRef idx="0">
+            <a:schemeClr val="accent1"/>
+          </a:effectRef>
+          <a:fontRef idx="minor">
+            <a:schemeClr val="lt1"/>
+          </a:fontRef>
+        </p:style>
+        <p:txBody>
+          <a:bodyPr rtlCol="0" anchor="ctr"/>
+          <a:lstStyle/>
+          <a:p>
+            <a:pPr algn="ctr"/>
+            <a:r>
+              <a:rPr lang="en-US" sz="1600" dirty="0">
+                <a:solidFill>
+                  <a:schemeClr val="tx1"/>
+                </a:solidFill>
+              </a:rPr>
+              <a:t>1</a:t>
+            </a:r>
+          </a:p>
+        </p:txBody>
+      </p:sp>
+      <p:sp>
+        <p:nvSpPr>
+          <p:cNvPr id="29" name="Oval 28">
+            <a:extLst>
+              <a:ext uri="{FF2B5EF4-FFF2-40B4-BE49-F238E27FC236}">
+                <a16:creationId xmlns:a16="http://schemas.microsoft.com/office/drawing/2014/main" id="{5F1AF841-0C87-448B-8B47-08ABC0E97915}"/>
+              </a:ext>
+            </a:extLst>
+          </p:cNvPr>
+          <p:cNvSpPr/>
+          <p:nvPr/>
+        </p:nvSpPr>
+        <p:spPr>
+          <a:xfrm>
+            <a:off x="1329229" y="4404550"/>
+            <a:ext cx="257832" cy="255102"/>
+          </a:xfrm>
+          <a:prstGeom prst="ellipse">
+            <a:avLst/>
+          </a:prstGeom>
+          <a:solidFill>
+            <a:srgbClr val="00B050"/>
+          </a:solidFill>
+          <a:ln>
+            <a:solidFill>
+              <a:srgbClr val="00B050"/>
+            </a:solidFill>
+          </a:ln>
+        </p:spPr>
+        <p:style>
+          <a:lnRef idx="2">
+            <a:schemeClr val="accent1">
+              <a:shade val="50000"/>
+            </a:schemeClr>
+          </a:lnRef>
+          <a:fillRef idx="1">
+            <a:schemeClr val="accent1"/>
+          </a:fillRef>
+          <a:effectRef idx="0">
+            <a:schemeClr val="accent1"/>
+          </a:effectRef>
+          <a:fontRef idx="minor">
+            <a:schemeClr val="lt1"/>
+          </a:fontRef>
+        </p:style>
+        <p:txBody>
+          <a:bodyPr rtlCol="0" anchor="ctr"/>
+          <a:lstStyle/>
+          <a:p>
+            <a:pPr algn="ctr"/>
+            <a:r>
+              <a:rPr lang="en-US" sz="1600" dirty="0">
+                <a:solidFill>
+                  <a:schemeClr val="tx1"/>
+                </a:solidFill>
+              </a:rPr>
+              <a:t>2</a:t>
+            </a:r>
+          </a:p>
+        </p:txBody>
+      </p:sp>
+      <p:sp>
+        <p:nvSpPr>
+          <p:cNvPr id="30" name="Oval 29">
+            <a:extLst>
+              <a:ext uri="{FF2B5EF4-FFF2-40B4-BE49-F238E27FC236}">
+                <a16:creationId xmlns:a16="http://schemas.microsoft.com/office/drawing/2014/main" id="{98F9C689-803B-4616-964B-749E51D67ECA}"/>
+              </a:ext>
+            </a:extLst>
+          </p:cNvPr>
+          <p:cNvSpPr/>
+          <p:nvPr/>
+        </p:nvSpPr>
+        <p:spPr>
+          <a:xfrm>
+            <a:off x="2832499" y="5162347"/>
+            <a:ext cx="257832" cy="255102"/>
+          </a:xfrm>
+          <a:prstGeom prst="ellipse">
+            <a:avLst/>
+          </a:prstGeom>
+          <a:solidFill>
+            <a:srgbClr val="00B050"/>
+          </a:solidFill>
+          <a:ln>
+            <a:solidFill>
+              <a:srgbClr val="00B050"/>
+            </a:solidFill>
+          </a:ln>
+        </p:spPr>
+        <p:style>
+          <a:lnRef idx="2">
+            <a:schemeClr val="accent1">
+              <a:shade val="50000"/>
+            </a:schemeClr>
+          </a:lnRef>
+          <a:fillRef idx="1">
+            <a:schemeClr val="accent1"/>
+          </a:fillRef>
+          <a:effectRef idx="0">
+            <a:schemeClr val="accent1"/>
+          </a:effectRef>
+          <a:fontRef idx="minor">
+            <a:schemeClr val="lt1"/>
+          </a:fontRef>
+        </p:style>
+        <p:txBody>
+          <a:bodyPr rtlCol="0" anchor="ctr"/>
+          <a:lstStyle/>
+          <a:p>
+            <a:pPr algn="ctr"/>
+            <a:r>
+              <a:rPr lang="en-US" sz="1600" dirty="0">
+                <a:solidFill>
+                  <a:schemeClr val="tx1"/>
+                </a:solidFill>
+              </a:rPr>
+              <a:t>3</a:t>
+            </a:r>
+          </a:p>
+        </p:txBody>
+      </p:sp>
+      <p:sp>
+        <p:nvSpPr>
+          <p:cNvPr id="31" name="Rectangle 30">
+            <a:extLst>
+              <a:ext uri="{FF2B5EF4-FFF2-40B4-BE49-F238E27FC236}">
+                <a16:creationId xmlns:a16="http://schemas.microsoft.com/office/drawing/2014/main" id="{C01B0650-0C8B-48C3-A897-C53A7959F8F4}"/>
+              </a:ext>
+            </a:extLst>
+          </p:cNvPr>
+          <p:cNvSpPr/>
+          <p:nvPr/>
+        </p:nvSpPr>
+        <p:spPr>
+          <a:xfrm>
+            <a:off x="3544566" y="1388855"/>
+            <a:ext cx="6451690" cy="3326934"/>
+          </a:xfrm>
+          <a:prstGeom prst="rect">
+            <a:avLst/>
+          </a:prstGeom>
+          <a:solidFill>
+            <a:schemeClr val="accent5">
+              <a:lumMod val="20000"/>
+              <a:lumOff val="80000"/>
+            </a:schemeClr>
+          </a:solidFill>
+          <a:ln w="19050">
+            <a:prstDash val="sysDash"/>
+          </a:ln>
+        </p:spPr>
+        <p:style>
+          <a:lnRef idx="2">
+            <a:schemeClr val="accent1">
+              <a:shade val="50000"/>
+            </a:schemeClr>
+          </a:lnRef>
+          <a:fillRef idx="1">
+            <a:schemeClr val="accent1"/>
+          </a:fillRef>
+          <a:effectRef idx="0">
+            <a:schemeClr val="accent1"/>
+          </a:effectRef>
+          <a:fontRef idx="minor">
+            <a:schemeClr val="lt1"/>
+          </a:fontRef>
+        </p:style>
+        <p:txBody>
+          <a:bodyPr rtlCol="0" anchor="ctr"/>
+          <a:lstStyle/>
+          <a:p>
+            <a:pPr algn="ctr"/>
+            <a:endParaRPr lang="en-US"/>
+          </a:p>
+        </p:txBody>
+      </p:sp>
+      <p:sp>
+        <p:nvSpPr>
+          <p:cNvPr id="32" name="TextBox 31">
+            <a:extLst>
+              <a:ext uri="{FF2B5EF4-FFF2-40B4-BE49-F238E27FC236}">
+                <a16:creationId xmlns:a16="http://schemas.microsoft.com/office/drawing/2014/main" id="{F5A3D09E-4A63-449F-9BF2-5DD037A6524A}"/>
+              </a:ext>
+            </a:extLst>
+          </p:cNvPr>
+          <p:cNvSpPr txBox="1"/>
+          <p:nvPr/>
+        </p:nvSpPr>
+        <p:spPr>
+          <a:xfrm>
+            <a:off x="3531718" y="1366736"/>
+            <a:ext cx="1607518" cy="307777"/>
+          </a:xfrm>
+          <a:prstGeom prst="rect">
+            <a:avLst/>
+          </a:prstGeom>
+          <a:noFill/>
+        </p:spPr>
+        <p:txBody>
+          <a:bodyPr wrap="square" rtlCol="0">
+            <a:spAutoFit/>
+          </a:bodyPr>
+          <a:lstStyle/>
+          <a:p>
+            <a:pPr defTabSz="685800">
+              <a:defRPr/>
+            </a:pPr>
+            <a:r>
+              <a:rPr lang="en-US" sz="1400" b="1" dirty="0">
+                <a:solidFill>
+                  <a:srgbClr val="0070C0"/>
+                </a:solidFill>
+                <a:latin typeface="Verdana" panose="020B0604030504040204" pitchFamily="34" charset="0"/>
+                <a:ea typeface="Verdana" panose="020B0604030504040204" pitchFamily="34" charset="0"/>
+              </a:rPr>
+              <a:t>Manual Ops</a:t>
+            </a:r>
+          </a:p>
+        </p:txBody>
+      </p:sp>
+      <p:cxnSp>
+        <p:nvCxnSpPr>
+          <p:cNvPr id="36" name="Connector: Elbow 35">
+            <a:extLst>
+              <a:ext uri="{FF2B5EF4-FFF2-40B4-BE49-F238E27FC236}">
+                <a16:creationId xmlns:a16="http://schemas.microsoft.com/office/drawing/2014/main" id="{1A550721-F38E-4FF0-98D5-D24CE729AC53}"/>
+              </a:ext>
+            </a:extLst>
+          </p:cNvPr>
+          <p:cNvCxnSpPr>
+            <a:cxnSpLocks/>
+          </p:cNvCxnSpPr>
+          <p:nvPr/>
+        </p:nvCxnSpPr>
+        <p:spPr>
+          <a:xfrm rot="16200000" flipH="1">
+            <a:off x="4454266" y="4551986"/>
+            <a:ext cx="1654960" cy="285020"/>
+          </a:xfrm>
+          <a:prstGeom prst="bentConnector3">
+            <a:avLst>
+              <a:gd name="adj1" fmla="val 56974"/>
+            </a:avLst>
+          </a:prstGeom>
+          <a:ln w="19050">
+            <a:tailEnd type="triangle"/>
+          </a:ln>
+        </p:spPr>
+        <p:style>
+          <a:lnRef idx="1">
+            <a:schemeClr val="accent1"/>
+          </a:lnRef>
+          <a:fillRef idx="0">
+            <a:schemeClr val="accent1"/>
+          </a:fillRef>
+          <a:effectRef idx="0">
+            <a:schemeClr val="accent1"/>
+          </a:effectRef>
+          <a:fontRef idx="minor">
+            <a:schemeClr val="tx1"/>
+          </a:fontRef>
+        </p:style>
+      </p:cxnSp>
+      <p:sp>
+        <p:nvSpPr>
+          <p:cNvPr id="37" name="TextBox 36">
+            <a:extLst>
+              <a:ext uri="{FF2B5EF4-FFF2-40B4-BE49-F238E27FC236}">
+                <a16:creationId xmlns:a16="http://schemas.microsoft.com/office/drawing/2014/main" id="{A1D6D7F8-250F-4110-8DF6-AED166D84B05}"/>
+              </a:ext>
+            </a:extLst>
+          </p:cNvPr>
+          <p:cNvSpPr txBox="1"/>
+          <p:nvPr/>
+        </p:nvSpPr>
+        <p:spPr>
+          <a:xfrm rot="16200000">
+            <a:off x="4683089" y="4163269"/>
+            <a:ext cx="900285" cy="307777"/>
+          </a:xfrm>
+          <a:prstGeom prst="rect">
+            <a:avLst/>
+          </a:prstGeom>
+          <a:noFill/>
+        </p:spPr>
+        <p:txBody>
+          <a:bodyPr wrap="square" rtlCol="0">
+            <a:spAutoFit/>
+          </a:bodyPr>
+          <a:lstStyle/>
+          <a:p>
+            <a:pPr defTabSz="685800"/>
+            <a:r>
+              <a:rPr lang="en-US" sz="700" dirty="0">
+                <a:solidFill>
+                  <a:prstClr val="black"/>
+                </a:solidFill>
+                <a:latin typeface="Verdana" panose="020B0604030504040204" pitchFamily="34" charset="0"/>
+                <a:ea typeface="Verdana" panose="020B0604030504040204" pitchFamily="34" charset="0"/>
+              </a:rPr>
+              <a:t>Read Data from Storage</a:t>
+            </a:r>
+          </a:p>
+        </p:txBody>
+      </p:sp>
+      <p:sp>
+        <p:nvSpPr>
+          <p:cNvPr id="40" name="Rectangle 39">
+            <a:extLst>
+              <a:ext uri="{FF2B5EF4-FFF2-40B4-BE49-F238E27FC236}">
+                <a16:creationId xmlns:a16="http://schemas.microsoft.com/office/drawing/2014/main" id="{14B2A4B9-CA6F-4282-8265-9F5527139CCC}"/>
+              </a:ext>
+            </a:extLst>
+          </p:cNvPr>
+          <p:cNvSpPr/>
+          <p:nvPr/>
+        </p:nvSpPr>
+        <p:spPr>
+          <a:xfrm>
+            <a:off x="4460213" y="2038582"/>
+            <a:ext cx="4754880" cy="1828435"/>
+          </a:xfrm>
+          <a:prstGeom prst="rect">
+            <a:avLst/>
+          </a:prstGeom>
+          <a:solidFill>
+            <a:schemeClr val="bg1"/>
+          </a:solidFill>
+          <a:ln>
+            <a:solidFill>
+              <a:srgbClr val="002060"/>
+            </a:solidFill>
+          </a:ln>
+        </p:spPr>
+        <p:style>
+          <a:lnRef idx="2">
+            <a:schemeClr val="accent1">
+              <a:shade val="50000"/>
+            </a:schemeClr>
+          </a:lnRef>
+          <a:fillRef idx="1">
+            <a:schemeClr val="accent1"/>
+          </a:fillRef>
+          <a:effectRef idx="0">
+            <a:schemeClr val="accent1"/>
+          </a:effectRef>
+          <a:fontRef idx="minor">
+            <a:schemeClr val="lt1"/>
+          </a:fontRef>
+        </p:style>
+        <p:txBody>
+          <a:bodyPr rtlCol="0" anchor="ctr"/>
+          <a:lstStyle/>
+          <a:p>
+            <a:pPr algn="ctr"/>
+            <a:endParaRPr lang="en-US"/>
+          </a:p>
+        </p:txBody>
+      </p:sp>
+      <p:sp>
+        <p:nvSpPr>
+          <p:cNvPr id="41" name="Rectangle 40">
+            <a:extLst>
+              <a:ext uri="{FF2B5EF4-FFF2-40B4-BE49-F238E27FC236}">
+                <a16:creationId xmlns:a16="http://schemas.microsoft.com/office/drawing/2014/main" id="{C73AA105-3A45-41A5-8851-76B4B0C24718}"/>
+              </a:ext>
+            </a:extLst>
+          </p:cNvPr>
+          <p:cNvSpPr/>
+          <p:nvPr/>
+        </p:nvSpPr>
+        <p:spPr>
+          <a:xfrm>
+            <a:off x="4460213" y="2032512"/>
+            <a:ext cx="4754879" cy="353929"/>
+          </a:xfrm>
+          <a:prstGeom prst="rect">
+            <a:avLst/>
+          </a:prstGeom>
+          <a:solidFill>
+            <a:schemeClr val="accent2">
+              <a:lumMod val="40000"/>
+              <a:lumOff val="60000"/>
+            </a:schemeClr>
+          </a:solidFill>
+        </p:spPr>
+        <p:style>
+          <a:lnRef idx="2">
+            <a:schemeClr val="accent1">
+              <a:shade val="50000"/>
+            </a:schemeClr>
+          </a:lnRef>
+          <a:fillRef idx="1">
+            <a:schemeClr val="accent1"/>
+          </a:fillRef>
+          <a:effectRef idx="0">
+            <a:schemeClr val="accent1"/>
+          </a:effectRef>
+          <a:fontRef idx="minor">
+            <a:schemeClr val="lt1"/>
+          </a:fontRef>
+        </p:style>
+        <p:txBody>
+          <a:bodyPr rtlCol="0" anchor="ctr"/>
+          <a:lstStyle/>
+          <a:p>
+            <a:pPr algn="ctr"/>
+            <a:endParaRPr lang="en-US"/>
+          </a:p>
+        </p:txBody>
+      </p:sp>
+      <p:sp>
+        <p:nvSpPr>
+          <p:cNvPr id="42" name="TextBox 41">
+            <a:extLst>
+              <a:ext uri="{FF2B5EF4-FFF2-40B4-BE49-F238E27FC236}">
+                <a16:creationId xmlns:a16="http://schemas.microsoft.com/office/drawing/2014/main" id="{EF413964-0740-4941-BC3D-1B766C6E3702}"/>
+              </a:ext>
+            </a:extLst>
+          </p:cNvPr>
+          <p:cNvSpPr txBox="1"/>
+          <p:nvPr/>
+        </p:nvSpPr>
+        <p:spPr>
+          <a:xfrm>
+            <a:off x="4548307" y="2088877"/>
+            <a:ext cx="4373749" cy="246221"/>
+          </a:xfrm>
+          <a:prstGeom prst="rect">
+            <a:avLst/>
+          </a:prstGeom>
+          <a:noFill/>
+        </p:spPr>
+        <p:txBody>
+          <a:bodyPr wrap="square" rtlCol="0">
+            <a:spAutoFit/>
+          </a:bodyPr>
+          <a:lstStyle/>
+          <a:p>
+            <a:pPr algn="ctr"/>
+            <a:r>
+              <a:rPr lang="en-US" sz="1000" b="1" dirty="0">
+                <a:latin typeface="Verdana" panose="020B0604030504040204" pitchFamily="34" charset="0"/>
+                <a:ea typeface="Verdana" panose="020B0604030504040204" pitchFamily="34" charset="0"/>
+              </a:rPr>
+              <a:t>Manual Industry Classification Process</a:t>
+            </a:r>
+          </a:p>
+        </p:txBody>
+      </p:sp>
+      <p:grpSp>
+        <p:nvGrpSpPr>
+          <p:cNvPr id="33" name="Group 32">
+            <a:extLst>
+              <a:ext uri="{FF2B5EF4-FFF2-40B4-BE49-F238E27FC236}">
+                <a16:creationId xmlns:a16="http://schemas.microsoft.com/office/drawing/2014/main" id="{1A4EAEAE-3F9D-4997-9BDB-845327C73B64}"/>
+              </a:ext>
+            </a:extLst>
+          </p:cNvPr>
+          <p:cNvGrpSpPr/>
+          <p:nvPr/>
+        </p:nvGrpSpPr>
+        <p:grpSpPr>
+          <a:xfrm>
+            <a:off x="6511211" y="2882008"/>
+            <a:ext cx="652882" cy="516947"/>
+            <a:chOff x="3050627" y="2651409"/>
+            <a:chExt cx="652882" cy="516947"/>
+          </a:xfrm>
+        </p:grpSpPr>
+        <p:pic>
+          <p:nvPicPr>
+            <p:cNvPr id="34" name="Graphic 33">
+              <a:extLst>
+                <a:ext uri="{FF2B5EF4-FFF2-40B4-BE49-F238E27FC236}">
+                  <a16:creationId xmlns:a16="http://schemas.microsoft.com/office/drawing/2014/main" id="{8604B077-1235-4454-8D5A-2A92DF71DBD9}"/>
+                </a:ext>
+              </a:extLst>
+            </p:cNvPr>
+            <p:cNvPicPr>
+              <a:picLocks noChangeAspect="1"/>
+            </p:cNvPicPr>
+            <p:nvPr/>
+          </p:nvPicPr>
+          <p:blipFill>
+            <a:blip r:embed="rId7" cstate="hqprint">
+              <a:extLst>
+                <a:ext uri="{28A0092B-C50C-407E-A947-70E740481C1C}">
+                  <a14:useLocalDpi xmlns:a14="http://schemas.microsoft.com/office/drawing/2010/main" val="0"/>
+                </a:ext>
+                <a:ext uri="{96DAC541-7B7A-43D3-8B79-37D633B846F1}">
+                  <asvg:svgBlip xmlns:asvg="http://schemas.microsoft.com/office/drawing/2016/SVG/main" r:embed="rId8"/>
+                </a:ext>
+              </a:extLst>
+            </a:blip>
+            <a:stretch>
+              <a:fillRect/>
+            </a:stretch>
+          </p:blipFill>
+          <p:spPr>
+            <a:xfrm>
+              <a:off x="3226028" y="2651409"/>
+              <a:ext cx="247647" cy="247647"/>
+            </a:xfrm>
+            <a:prstGeom prst="rect">
+              <a:avLst/>
+            </a:prstGeom>
+          </p:spPr>
+        </p:pic>
+        <p:sp>
+          <p:nvSpPr>
+            <p:cNvPr id="35" name="TextBox 34">
+              <a:extLst>
+                <a:ext uri="{FF2B5EF4-FFF2-40B4-BE49-F238E27FC236}">
+                  <a16:creationId xmlns:a16="http://schemas.microsoft.com/office/drawing/2014/main" id="{8B8B8930-C297-4530-9FF0-62DD0BFCB0D3}"/>
+                </a:ext>
+              </a:extLst>
+            </p:cNvPr>
+            <p:cNvSpPr txBox="1"/>
+            <p:nvPr/>
+          </p:nvSpPr>
+          <p:spPr>
+            <a:xfrm>
+              <a:off x="3050627" y="2860579"/>
+              <a:ext cx="652882" cy="307777"/>
+            </a:xfrm>
+            <a:prstGeom prst="rect">
+              <a:avLst/>
+            </a:prstGeom>
+            <a:noFill/>
+          </p:spPr>
+          <p:txBody>
+            <a:bodyPr wrap="square" rtlCol="0">
+              <a:spAutoFit/>
+            </a:bodyPr>
+            <a:lstStyle/>
+            <a:p>
+              <a:pPr algn="ctr"/>
+              <a:r>
+                <a:rPr lang="en-US" sz="700" dirty="0">
+                  <a:latin typeface="Verdana" panose="020B0604030504040204" pitchFamily="34" charset="0"/>
+                  <a:ea typeface="Verdana" panose="020B0604030504040204" pitchFamily="34" charset="0"/>
+                </a:rPr>
+                <a:t>Custom Web App</a:t>
+              </a:r>
+            </a:p>
+          </p:txBody>
+        </p:sp>
+      </p:grpSp>
+      <p:cxnSp>
+        <p:nvCxnSpPr>
+          <p:cNvPr id="43" name="Connector: Elbow 42">
+            <a:extLst>
+              <a:ext uri="{FF2B5EF4-FFF2-40B4-BE49-F238E27FC236}">
+                <a16:creationId xmlns:a16="http://schemas.microsoft.com/office/drawing/2014/main" id="{BC66B013-7FE9-42D5-90D8-968E06A99738}"/>
+              </a:ext>
+            </a:extLst>
+          </p:cNvPr>
+          <p:cNvCxnSpPr>
+            <a:cxnSpLocks/>
+          </p:cNvCxnSpPr>
+          <p:nvPr/>
+        </p:nvCxnSpPr>
+        <p:spPr>
+          <a:xfrm rot="16200000" flipH="1">
+            <a:off x="7782149" y="4527099"/>
+            <a:ext cx="1666561" cy="360338"/>
+          </a:xfrm>
+          <a:prstGeom prst="bentConnector3">
+            <a:avLst>
+              <a:gd name="adj1" fmla="val 56925"/>
+            </a:avLst>
+          </a:prstGeom>
+          <a:ln w="19050">
+            <a:tailEnd type="triangle"/>
+          </a:ln>
+        </p:spPr>
+        <p:style>
+          <a:lnRef idx="1">
+            <a:schemeClr val="accent1"/>
+          </a:lnRef>
+          <a:fillRef idx="0">
+            <a:schemeClr val="accent1"/>
+          </a:fillRef>
+          <a:effectRef idx="0">
+            <a:schemeClr val="accent1"/>
+          </a:effectRef>
+          <a:fontRef idx="minor">
+            <a:schemeClr val="tx1"/>
+          </a:fontRef>
+        </p:style>
+      </p:cxnSp>
+      <p:sp>
+        <p:nvSpPr>
+          <p:cNvPr id="44" name="TextBox 43">
+            <a:extLst>
+              <a:ext uri="{FF2B5EF4-FFF2-40B4-BE49-F238E27FC236}">
+                <a16:creationId xmlns:a16="http://schemas.microsoft.com/office/drawing/2014/main" id="{2C6D4931-538C-4A26-A193-65C79A1697F4}"/>
+              </a:ext>
+            </a:extLst>
+          </p:cNvPr>
+          <p:cNvSpPr txBox="1"/>
+          <p:nvPr/>
+        </p:nvSpPr>
+        <p:spPr>
+          <a:xfrm rot="16200000">
+            <a:off x="7907834" y="4163990"/>
+            <a:ext cx="1040892" cy="307777"/>
+          </a:xfrm>
+          <a:prstGeom prst="rect">
+            <a:avLst/>
+          </a:prstGeom>
+          <a:noFill/>
+        </p:spPr>
+        <p:txBody>
+          <a:bodyPr wrap="square" rtlCol="0">
+            <a:spAutoFit/>
+          </a:bodyPr>
+          <a:lstStyle/>
+          <a:p>
+            <a:pPr defTabSz="685800"/>
+            <a:r>
+              <a:rPr lang="en-US" sz="700" dirty="0">
+                <a:solidFill>
+                  <a:prstClr val="black"/>
+                </a:solidFill>
+                <a:latin typeface="Verdana" panose="020B0604030504040204" pitchFamily="34" charset="0"/>
+                <a:ea typeface="Verdana" panose="020B0604030504040204" pitchFamily="34" charset="0"/>
+              </a:rPr>
+              <a:t>Write Classification Data to Storage</a:t>
+            </a:r>
+          </a:p>
+        </p:txBody>
+      </p:sp>
+      <p:sp>
+        <p:nvSpPr>
+          <p:cNvPr id="45" name="Oval 44">
+            <a:extLst>
+              <a:ext uri="{FF2B5EF4-FFF2-40B4-BE49-F238E27FC236}">
+                <a16:creationId xmlns:a16="http://schemas.microsoft.com/office/drawing/2014/main" id="{7138C5CB-641F-4349-8F6F-B42C97A987EB}"/>
+              </a:ext>
+            </a:extLst>
+          </p:cNvPr>
+          <p:cNvSpPr/>
+          <p:nvPr/>
+        </p:nvSpPr>
+        <p:spPr>
+          <a:xfrm>
+            <a:off x="8820775" y="4849049"/>
+            <a:ext cx="257832" cy="255102"/>
+          </a:xfrm>
+          <a:prstGeom prst="ellipse">
+            <a:avLst/>
+          </a:prstGeom>
+          <a:solidFill>
+            <a:srgbClr val="00B050"/>
+          </a:solidFill>
+          <a:ln>
+            <a:solidFill>
+              <a:srgbClr val="00B050"/>
+            </a:solidFill>
+          </a:ln>
+        </p:spPr>
+        <p:style>
+          <a:lnRef idx="2">
+            <a:schemeClr val="accent1">
+              <a:shade val="50000"/>
+            </a:schemeClr>
+          </a:lnRef>
+          <a:fillRef idx="1">
+            <a:schemeClr val="accent1"/>
+          </a:fillRef>
+          <a:effectRef idx="0">
+            <a:schemeClr val="accent1"/>
+          </a:effectRef>
+          <a:fontRef idx="minor">
+            <a:schemeClr val="lt1"/>
+          </a:fontRef>
+        </p:style>
+        <p:txBody>
+          <a:bodyPr rtlCol="0" anchor="ctr"/>
+          <a:lstStyle/>
+          <a:p>
+            <a:pPr algn="ctr"/>
+            <a:r>
+              <a:rPr lang="en-US" sz="1600" dirty="0">
+                <a:solidFill>
+                  <a:schemeClr val="tx1"/>
+                </a:solidFill>
+              </a:rPr>
+              <a:t>5</a:t>
+            </a:r>
+          </a:p>
+        </p:txBody>
+      </p:sp>
+      <p:sp>
+        <p:nvSpPr>
+          <p:cNvPr id="46" name="Oval 45">
+            <a:extLst>
+              <a:ext uri="{FF2B5EF4-FFF2-40B4-BE49-F238E27FC236}">
+                <a16:creationId xmlns:a16="http://schemas.microsoft.com/office/drawing/2014/main" id="{8AB52846-2F80-4389-BE4B-66428973BB5A}"/>
+              </a:ext>
+            </a:extLst>
+          </p:cNvPr>
+          <p:cNvSpPr/>
+          <p:nvPr/>
+        </p:nvSpPr>
+        <p:spPr>
+          <a:xfrm>
+            <a:off x="4370240" y="1923874"/>
+            <a:ext cx="257832" cy="255102"/>
+          </a:xfrm>
+          <a:prstGeom prst="ellipse">
+            <a:avLst/>
+          </a:prstGeom>
+          <a:solidFill>
+            <a:srgbClr val="00B050"/>
+          </a:solidFill>
+          <a:ln>
+            <a:solidFill>
+              <a:srgbClr val="00B050"/>
+            </a:solidFill>
+          </a:ln>
+        </p:spPr>
+        <p:style>
+          <a:lnRef idx="2">
+            <a:schemeClr val="accent1">
+              <a:shade val="50000"/>
+            </a:schemeClr>
+          </a:lnRef>
+          <a:fillRef idx="1">
+            <a:schemeClr val="accent1"/>
+          </a:fillRef>
+          <a:effectRef idx="0">
+            <a:schemeClr val="accent1"/>
+          </a:effectRef>
+          <a:fontRef idx="minor">
+            <a:schemeClr val="lt1"/>
+          </a:fontRef>
+        </p:style>
+        <p:txBody>
+          <a:bodyPr rtlCol="0" anchor="ctr"/>
+          <a:lstStyle/>
+          <a:p>
+            <a:pPr algn="ctr"/>
+            <a:r>
+              <a:rPr lang="en-US" sz="1600" dirty="0">
+                <a:solidFill>
+                  <a:schemeClr val="tx1"/>
+                </a:solidFill>
+              </a:rPr>
+              <a:t>4</a:t>
+            </a:r>
+          </a:p>
+        </p:txBody>
+      </p:sp>
+      <p:pic>
+        <p:nvPicPr>
+          <p:cNvPr id="47" name="Picture 46">
+            <a:extLst>
+              <a:ext uri="{FF2B5EF4-FFF2-40B4-BE49-F238E27FC236}">
+                <a16:creationId xmlns:a16="http://schemas.microsoft.com/office/drawing/2014/main" id="{465EB137-C0C3-4341-B778-F2EE07BEF0F5}"/>
+              </a:ext>
+            </a:extLst>
+          </p:cNvPr>
+          <p:cNvPicPr>
+            <a:picLocks noChangeAspect="1"/>
+          </p:cNvPicPr>
+          <p:nvPr/>
+        </p:nvPicPr>
+        <p:blipFill>
+          <a:blip r:embed="rId9"/>
+          <a:stretch>
+            <a:fillRect/>
+          </a:stretch>
+        </p:blipFill>
+        <p:spPr>
+          <a:xfrm>
+            <a:off x="10981458" y="3151962"/>
+            <a:ext cx="619005" cy="554075"/>
+          </a:xfrm>
+          <a:prstGeom prst="rect">
+            <a:avLst/>
+          </a:prstGeom>
+        </p:spPr>
+      </p:pic>
+      <p:cxnSp>
+        <p:nvCxnSpPr>
+          <p:cNvPr id="48" name="Connector: Elbow 47">
+            <a:extLst>
+              <a:ext uri="{FF2B5EF4-FFF2-40B4-BE49-F238E27FC236}">
+                <a16:creationId xmlns:a16="http://schemas.microsoft.com/office/drawing/2014/main" id="{36ED0596-75EA-443C-9972-B60D107BE827}"/>
+              </a:ext>
+            </a:extLst>
+          </p:cNvPr>
+          <p:cNvCxnSpPr>
+            <a:stCxn id="47" idx="2"/>
+          </p:cNvCxnSpPr>
+          <p:nvPr/>
+        </p:nvCxnSpPr>
+        <p:spPr>
+          <a:xfrm rot="5400000">
+            <a:off x="9729406" y="4276758"/>
+            <a:ext cx="2132277" cy="990835"/>
+          </a:xfrm>
+          <a:prstGeom prst="bentConnector2">
+            <a:avLst/>
+          </a:prstGeom>
+          <a:ln w="19050">
+            <a:tailEnd type="triangle"/>
+          </a:ln>
+        </p:spPr>
+        <p:style>
+          <a:lnRef idx="1">
+            <a:schemeClr val="accent1"/>
+          </a:lnRef>
+          <a:fillRef idx="0">
+            <a:schemeClr val="accent1"/>
+          </a:fillRef>
+          <a:effectRef idx="0">
+            <a:schemeClr val="accent1"/>
+          </a:effectRef>
+          <a:fontRef idx="minor">
+            <a:schemeClr val="tx1"/>
+          </a:fontRef>
+        </p:style>
+      </p:cxnSp>
+      <p:sp>
+        <p:nvSpPr>
+          <p:cNvPr id="49" name="TextBox 48">
+            <a:extLst>
+              <a:ext uri="{FF2B5EF4-FFF2-40B4-BE49-F238E27FC236}">
+                <a16:creationId xmlns:a16="http://schemas.microsoft.com/office/drawing/2014/main" id="{17C2C95E-2992-4817-80C0-0CA1988CF736}"/>
+              </a:ext>
+            </a:extLst>
+          </p:cNvPr>
+          <p:cNvSpPr txBox="1"/>
+          <p:nvPr/>
+        </p:nvSpPr>
+        <p:spPr>
+          <a:xfrm rot="5400000">
+            <a:off x="10636429" y="4812960"/>
+            <a:ext cx="1497644" cy="200055"/>
+          </a:xfrm>
+          <a:prstGeom prst="rect">
+            <a:avLst/>
+          </a:prstGeom>
+          <a:noFill/>
+        </p:spPr>
+        <p:txBody>
+          <a:bodyPr wrap="square" rtlCol="0">
+            <a:spAutoFit/>
+          </a:bodyPr>
+          <a:lstStyle/>
+          <a:p>
+            <a:pPr defTabSz="685800"/>
+            <a:r>
+              <a:rPr lang="en-US" sz="700" dirty="0">
+                <a:solidFill>
+                  <a:prstClr val="black"/>
+                </a:solidFill>
+                <a:latin typeface="Verdana" panose="020B0604030504040204" pitchFamily="34" charset="0"/>
+                <a:ea typeface="Verdana" panose="020B0604030504040204" pitchFamily="34" charset="0"/>
+              </a:rPr>
+              <a:t>Consume  data for reporting</a:t>
+            </a:r>
+          </a:p>
+        </p:txBody>
+      </p:sp>
+      <p:sp>
+        <p:nvSpPr>
+          <p:cNvPr id="50" name="Oval 49">
+            <a:extLst>
+              <a:ext uri="{FF2B5EF4-FFF2-40B4-BE49-F238E27FC236}">
+                <a16:creationId xmlns:a16="http://schemas.microsoft.com/office/drawing/2014/main" id="{CC9722A1-6D04-411F-99C9-70B2A5E05922}"/>
+              </a:ext>
+            </a:extLst>
+          </p:cNvPr>
+          <p:cNvSpPr/>
+          <p:nvPr/>
+        </p:nvSpPr>
+        <p:spPr>
+          <a:xfrm>
+            <a:off x="10776808" y="5521976"/>
+            <a:ext cx="257832" cy="255102"/>
+          </a:xfrm>
+          <a:prstGeom prst="ellipse">
+            <a:avLst/>
+          </a:prstGeom>
+          <a:solidFill>
+            <a:srgbClr val="00B050"/>
+          </a:solidFill>
+          <a:ln>
+            <a:solidFill>
+              <a:srgbClr val="00B050"/>
+            </a:solidFill>
+          </a:ln>
+        </p:spPr>
+        <p:style>
+          <a:lnRef idx="2">
+            <a:schemeClr val="accent1">
+              <a:shade val="50000"/>
+            </a:schemeClr>
+          </a:lnRef>
+          <a:fillRef idx="1">
+            <a:schemeClr val="accent1"/>
+          </a:fillRef>
+          <a:effectRef idx="0">
+            <a:schemeClr val="accent1"/>
+          </a:effectRef>
+          <a:fontRef idx="minor">
+            <a:schemeClr val="lt1"/>
+          </a:fontRef>
+        </p:style>
+        <p:txBody>
+          <a:bodyPr rtlCol="0" anchor="ctr"/>
+          <a:lstStyle/>
+          <a:p>
+            <a:pPr algn="ctr"/>
+            <a:r>
+              <a:rPr lang="en-US" sz="1600" dirty="0">
+                <a:solidFill>
+                  <a:schemeClr val="tx1"/>
+                </a:solidFill>
+              </a:rPr>
+              <a:t>7</a:t>
+            </a:r>
+          </a:p>
+        </p:txBody>
+      </p:sp>
+      <p:cxnSp>
+        <p:nvCxnSpPr>
+          <p:cNvPr id="51" name="Connector: Elbow 50">
+            <a:extLst>
+              <a:ext uri="{FF2B5EF4-FFF2-40B4-BE49-F238E27FC236}">
+                <a16:creationId xmlns:a16="http://schemas.microsoft.com/office/drawing/2014/main" id="{7017DE55-6EB2-4B85-9577-ED0EB2D44A5D}"/>
+              </a:ext>
+            </a:extLst>
+          </p:cNvPr>
+          <p:cNvCxnSpPr/>
+          <p:nvPr/>
+        </p:nvCxnSpPr>
+        <p:spPr>
+          <a:xfrm rot="10800000">
+            <a:off x="683950" y="4443804"/>
+            <a:ext cx="1207925" cy="1394510"/>
+          </a:xfrm>
+          <a:prstGeom prst="bentConnector2">
+            <a:avLst/>
+          </a:prstGeom>
+          <a:ln w="19050">
+            <a:tailEnd type="triangle"/>
+          </a:ln>
+        </p:spPr>
+        <p:style>
+          <a:lnRef idx="1">
+            <a:schemeClr val="accent1"/>
+          </a:lnRef>
+          <a:fillRef idx="0">
+            <a:schemeClr val="accent1"/>
+          </a:fillRef>
+          <a:effectRef idx="0">
+            <a:schemeClr val="accent1"/>
+          </a:effectRef>
+          <a:fontRef idx="minor">
+            <a:schemeClr val="tx1"/>
+          </a:fontRef>
+        </p:style>
+      </p:cxnSp>
+      <p:sp>
+        <p:nvSpPr>
+          <p:cNvPr id="52" name="TextBox 51">
+            <a:extLst>
+              <a:ext uri="{FF2B5EF4-FFF2-40B4-BE49-F238E27FC236}">
+                <a16:creationId xmlns:a16="http://schemas.microsoft.com/office/drawing/2014/main" id="{D3E770E2-B783-4C50-BE04-1894BF6FBB5D}"/>
+              </a:ext>
+            </a:extLst>
+          </p:cNvPr>
+          <p:cNvSpPr txBox="1"/>
+          <p:nvPr/>
+        </p:nvSpPr>
+        <p:spPr>
+          <a:xfrm>
+            <a:off x="816134" y="5661810"/>
+            <a:ext cx="1075739" cy="200055"/>
+          </a:xfrm>
+          <a:prstGeom prst="rect">
+            <a:avLst/>
+          </a:prstGeom>
+          <a:noFill/>
+        </p:spPr>
+        <p:txBody>
+          <a:bodyPr wrap="square" rtlCol="0">
+            <a:spAutoFit/>
+          </a:bodyPr>
+          <a:lstStyle/>
+          <a:p>
+            <a:pPr defTabSz="685800"/>
+            <a:r>
+              <a:rPr lang="en-US" sz="700" dirty="0">
+                <a:solidFill>
+                  <a:prstClr val="black"/>
+                </a:solidFill>
+                <a:latin typeface="Verdana" panose="020B0604030504040204" pitchFamily="34" charset="0"/>
+                <a:ea typeface="Verdana" panose="020B0604030504040204" pitchFamily="34" charset="0"/>
+              </a:rPr>
+              <a:t>Write Data to CRM</a:t>
+            </a:r>
+          </a:p>
+        </p:txBody>
+      </p:sp>
+      <p:sp>
+        <p:nvSpPr>
+          <p:cNvPr id="53" name="Oval 52">
+            <a:extLst>
+              <a:ext uri="{FF2B5EF4-FFF2-40B4-BE49-F238E27FC236}">
+                <a16:creationId xmlns:a16="http://schemas.microsoft.com/office/drawing/2014/main" id="{7213C148-6573-4E90-94F1-C55521056F85}"/>
+              </a:ext>
+            </a:extLst>
+          </p:cNvPr>
+          <p:cNvSpPr/>
+          <p:nvPr/>
+        </p:nvSpPr>
+        <p:spPr>
+          <a:xfrm>
+            <a:off x="718536" y="5366621"/>
+            <a:ext cx="257832" cy="255102"/>
+          </a:xfrm>
+          <a:prstGeom prst="ellipse">
+            <a:avLst/>
+          </a:prstGeom>
+          <a:solidFill>
+            <a:srgbClr val="00B050"/>
+          </a:solidFill>
+          <a:ln>
+            <a:solidFill>
+              <a:srgbClr val="00B050"/>
+            </a:solidFill>
+          </a:ln>
+        </p:spPr>
+        <p:style>
+          <a:lnRef idx="2">
+            <a:schemeClr val="accent1">
+              <a:shade val="50000"/>
+            </a:schemeClr>
+          </a:lnRef>
+          <a:fillRef idx="1">
+            <a:schemeClr val="accent1"/>
+          </a:fillRef>
+          <a:effectRef idx="0">
+            <a:schemeClr val="accent1"/>
+          </a:effectRef>
+          <a:fontRef idx="minor">
+            <a:schemeClr val="lt1"/>
+          </a:fontRef>
+        </p:style>
+        <p:txBody>
+          <a:bodyPr rtlCol="0" anchor="ctr"/>
+          <a:lstStyle/>
+          <a:p>
+            <a:pPr algn="ctr"/>
+            <a:r>
+              <a:rPr lang="en-US" sz="1600" dirty="0">
+                <a:solidFill>
+                  <a:schemeClr val="tx1"/>
+                </a:solidFill>
+              </a:rPr>
+              <a:t>6</a:t>
+            </a:r>
+          </a:p>
+        </p:txBody>
+      </p:sp>
+      <p:sp>
+        <p:nvSpPr>
+          <p:cNvPr id="57" name="object 49">
+            <a:extLst>
+              <a:ext uri="{FF2B5EF4-FFF2-40B4-BE49-F238E27FC236}">
+                <a16:creationId xmlns:a16="http://schemas.microsoft.com/office/drawing/2014/main" id="{EE4015E8-6836-406A-8D89-92762F084D3F}"/>
+              </a:ext>
+            </a:extLst>
+          </p:cNvPr>
+          <p:cNvSpPr txBox="1"/>
+          <p:nvPr/>
+        </p:nvSpPr>
+        <p:spPr>
+          <a:xfrm>
+            <a:off x="10150228" y="1391101"/>
+            <a:ext cx="1950036" cy="659155"/>
+          </a:xfrm>
+          <a:prstGeom prst="rect">
+            <a:avLst/>
+          </a:prstGeom>
+          <a:ln>
+            <a:solidFill>
+              <a:schemeClr val="tx1"/>
+            </a:solidFill>
+            <a:prstDash val="sysDash"/>
+          </a:ln>
+        </p:spPr>
+        <p:txBody>
+          <a:bodyPr vert="horz" wrap="square" lIns="0" tIns="12700" rIns="0" bIns="0" rtlCol="0">
+            <a:spAutoFit/>
+          </a:bodyPr>
+          <a:lstStyle/>
+          <a:p>
+            <a:pPr marL="298450" indent="-285750">
+              <a:lnSpc>
+                <a:spcPct val="100000"/>
+              </a:lnSpc>
+              <a:spcBef>
+                <a:spcPts val="100"/>
+              </a:spcBef>
+              <a:buFont typeface="Wingdings" panose="05000000000000000000" pitchFamily="2" charset="2"/>
+              <a:buChar char="ü"/>
+            </a:pPr>
+            <a:r>
+              <a:rPr lang="en-US" sz="700" spc="40" dirty="0">
+                <a:latin typeface="Verdana"/>
+                <a:cs typeface="Verdana"/>
+              </a:rPr>
+              <a:t>Business users manually identify the Industry classifier based on domain knowledge and company description from Pitchbook data and update the company records in Salesforce CRM</a:t>
+            </a:r>
+          </a:p>
+        </p:txBody>
+      </p:sp>
+      <p:cxnSp>
+        <p:nvCxnSpPr>
+          <p:cNvPr id="4" name="Straight Arrow Connector 3">
+            <a:extLst>
+              <a:ext uri="{FF2B5EF4-FFF2-40B4-BE49-F238E27FC236}">
+                <a16:creationId xmlns:a16="http://schemas.microsoft.com/office/drawing/2014/main" id="{824CE4B6-72B4-4A3A-A43F-4B4BC619B8B4}"/>
+              </a:ext>
+            </a:extLst>
+          </p:cNvPr>
+          <p:cNvCxnSpPr>
+            <a:stCxn id="41" idx="3"/>
+            <a:endCxn id="57" idx="1"/>
+          </p:cNvCxnSpPr>
+          <p:nvPr/>
+        </p:nvCxnSpPr>
+        <p:spPr>
+          <a:xfrm flipV="1">
+            <a:off x="9215092" y="1720679"/>
+            <a:ext cx="935136" cy="488798"/>
+          </a:xfrm>
+          <a:prstGeom prst="straightConnector1">
+            <a:avLst/>
+          </a:prstGeom>
+          <a:ln>
+            <a:solidFill>
+              <a:schemeClr val="tx1"/>
+            </a:solidFill>
+            <a:prstDash val="sysDash"/>
+            <a:tailEnd type="triangle"/>
+          </a:ln>
+        </p:spPr>
+        <p:style>
+          <a:lnRef idx="1">
+            <a:schemeClr val="accent1"/>
+          </a:lnRef>
+          <a:fillRef idx="0">
+            <a:schemeClr val="accent1"/>
+          </a:fillRef>
+          <a:effectRef idx="0">
+            <a:schemeClr val="accent1"/>
+          </a:effectRef>
+          <a:fontRef idx="minor">
+            <a:schemeClr val="tx1"/>
+          </a:fontRef>
+        </p:style>
+      </p:cxnSp>
+      <p:cxnSp>
+        <p:nvCxnSpPr>
+          <p:cNvPr id="58" name="Straight Arrow Connector 57">
+            <a:extLst>
+              <a:ext uri="{FF2B5EF4-FFF2-40B4-BE49-F238E27FC236}">
+                <a16:creationId xmlns:a16="http://schemas.microsoft.com/office/drawing/2014/main" id="{947B3479-A9C0-45A7-A6B2-10D60CAE7F15}"/>
+              </a:ext>
+            </a:extLst>
+          </p:cNvPr>
+          <p:cNvCxnSpPr>
+            <a:cxnSpLocks/>
+          </p:cNvCxnSpPr>
+          <p:nvPr/>
+        </p:nvCxnSpPr>
+        <p:spPr>
+          <a:xfrm>
+            <a:off x="1308852" y="4715789"/>
+            <a:ext cx="951921" cy="1013"/>
+          </a:xfrm>
+          <a:prstGeom prst="straightConnector1">
+            <a:avLst/>
+          </a:prstGeom>
+          <a:ln w="19050">
+            <a:tailEnd type="triangle"/>
+          </a:ln>
+        </p:spPr>
+        <p:style>
+          <a:lnRef idx="1">
+            <a:schemeClr val="accent1"/>
+          </a:lnRef>
+          <a:fillRef idx="0">
+            <a:schemeClr val="accent1"/>
+          </a:fillRef>
+          <a:effectRef idx="0">
+            <a:schemeClr val="accent1"/>
+          </a:effectRef>
+          <a:fontRef idx="minor">
+            <a:schemeClr val="tx1"/>
+          </a:fontRef>
+        </p:style>
+      </p:cxnSp>
     </p:spTree>
     <p:extLst>
       <p:ext uri="{BB962C8B-B14F-4D97-AF65-F5344CB8AC3E}">
@@ -6373,6 +8296,2609 @@
                 <a:ea typeface="Verdana" panose="020B0604030504040204" pitchFamily="34" charset="0"/>
               </a:rPr>
               <a:t>Data Sources</a:t>
+            </a:r>
+          </a:p>
+        </p:txBody>
+      </p:sp>
+      <p:sp>
+        <p:nvSpPr>
+          <p:cNvPr id="16" name="Rectangle 15">
+            <a:extLst>
+              <a:ext uri="{FF2B5EF4-FFF2-40B4-BE49-F238E27FC236}">
+                <a16:creationId xmlns:a16="http://schemas.microsoft.com/office/drawing/2014/main" id="{125D889D-1E47-4B19-BC14-D4D1D5F10E0D}"/>
+              </a:ext>
+            </a:extLst>
+          </p:cNvPr>
+          <p:cNvSpPr/>
+          <p:nvPr/>
+        </p:nvSpPr>
+        <p:spPr>
+          <a:xfrm>
+            <a:off x="1891874" y="5528948"/>
+            <a:ext cx="8408252" cy="618732"/>
+          </a:xfrm>
+          <a:prstGeom prst="rect">
+            <a:avLst/>
+          </a:prstGeom>
+          <a:noFill/>
+          <a:ln w="28575">
+            <a:solidFill>
+              <a:schemeClr val="accent1">
+                <a:lumMod val="50000"/>
+              </a:schemeClr>
+            </a:solidFill>
+            <a:prstDash val="solid"/>
+          </a:ln>
+        </p:spPr>
+        <p:style>
+          <a:lnRef idx="2">
+            <a:schemeClr val="accent1">
+              <a:shade val="50000"/>
+            </a:schemeClr>
+          </a:lnRef>
+          <a:fillRef idx="1">
+            <a:schemeClr val="accent1"/>
+          </a:fillRef>
+          <a:effectRef idx="0">
+            <a:schemeClr val="accent1"/>
+          </a:effectRef>
+          <a:fontRef idx="minor">
+            <a:schemeClr val="lt1"/>
+          </a:fontRef>
+        </p:style>
+        <p:txBody>
+          <a:bodyPr rtlCol="0" anchor="ctr"/>
+          <a:lstStyle/>
+          <a:p>
+            <a:pPr algn="ctr" defTabSz="685800">
+              <a:defRPr/>
+            </a:pPr>
+            <a:endParaRPr lang="en-US" sz="1350">
+              <a:solidFill>
+                <a:prstClr val="white"/>
+              </a:solidFill>
+              <a:latin typeface="Calibri" panose="020F0502020204030204"/>
+            </a:endParaRPr>
+          </a:p>
+        </p:txBody>
+      </p:sp>
+      <p:pic>
+        <p:nvPicPr>
+          <p:cNvPr id="17" name="Picture 16">
+            <a:extLst>
+              <a:ext uri="{FF2B5EF4-FFF2-40B4-BE49-F238E27FC236}">
+                <a16:creationId xmlns:a16="http://schemas.microsoft.com/office/drawing/2014/main" id="{1B2BCCD4-4894-4A59-8E7E-B6806590F330}"/>
+              </a:ext>
+            </a:extLst>
+          </p:cNvPr>
+          <p:cNvPicPr>
+            <a:picLocks noChangeAspect="1"/>
+          </p:cNvPicPr>
+          <p:nvPr/>
+        </p:nvPicPr>
+        <p:blipFill>
+          <a:blip r:embed="rId6" cstate="print">
+            <a:extLst>
+              <a:ext uri="{28A0092B-C50C-407E-A947-70E740481C1C}">
+                <a14:useLocalDpi xmlns:a14="http://schemas.microsoft.com/office/drawing/2010/main" val="0"/>
+              </a:ext>
+            </a:extLst>
+          </a:blip>
+          <a:stretch>
+            <a:fillRect/>
+          </a:stretch>
+        </p:blipFill>
+        <p:spPr>
+          <a:xfrm>
+            <a:off x="2260773" y="4443804"/>
+            <a:ext cx="545996" cy="545996"/>
+          </a:xfrm>
+          <a:prstGeom prst="rect">
+            <a:avLst/>
+          </a:prstGeom>
+          <a:ln w="28575">
+            <a:solidFill>
+              <a:srgbClr val="00B050"/>
+            </a:solidFill>
+          </a:ln>
+        </p:spPr>
+      </p:pic>
+      <p:cxnSp>
+        <p:nvCxnSpPr>
+          <p:cNvPr id="4" name="Straight Arrow Connector 3">
+            <a:extLst>
+              <a:ext uri="{FF2B5EF4-FFF2-40B4-BE49-F238E27FC236}">
+                <a16:creationId xmlns:a16="http://schemas.microsoft.com/office/drawing/2014/main" id="{841C28C2-A797-4B69-9D96-1FB6F23D306A}"/>
+              </a:ext>
+            </a:extLst>
+          </p:cNvPr>
+          <p:cNvCxnSpPr>
+            <a:cxnSpLocks/>
+            <a:endCxn id="17" idx="1"/>
+          </p:cNvCxnSpPr>
+          <p:nvPr/>
+        </p:nvCxnSpPr>
+        <p:spPr>
+          <a:xfrm>
+            <a:off x="1308852" y="4715789"/>
+            <a:ext cx="951921" cy="1013"/>
+          </a:xfrm>
+          <a:prstGeom prst="straightConnector1">
+            <a:avLst/>
+          </a:prstGeom>
+          <a:ln w="19050">
+            <a:tailEnd type="triangle"/>
+          </a:ln>
+        </p:spPr>
+        <p:style>
+          <a:lnRef idx="1">
+            <a:schemeClr val="accent1"/>
+          </a:lnRef>
+          <a:fillRef idx="0">
+            <a:schemeClr val="accent1"/>
+          </a:fillRef>
+          <a:effectRef idx="0">
+            <a:schemeClr val="accent1"/>
+          </a:effectRef>
+          <a:fontRef idx="minor">
+            <a:schemeClr val="tx1"/>
+          </a:fontRef>
+        </p:style>
+      </p:cxnSp>
+      <p:sp>
+        <p:nvSpPr>
+          <p:cNvPr id="22" name="TextBox 21">
+            <a:extLst>
+              <a:ext uri="{FF2B5EF4-FFF2-40B4-BE49-F238E27FC236}">
+                <a16:creationId xmlns:a16="http://schemas.microsoft.com/office/drawing/2014/main" id="{658ABA94-8AD9-486F-9AB3-A16869C4DB7A}"/>
+              </a:ext>
+            </a:extLst>
+          </p:cNvPr>
+          <p:cNvSpPr txBox="1"/>
+          <p:nvPr/>
+        </p:nvSpPr>
+        <p:spPr>
+          <a:xfrm>
+            <a:off x="1478839" y="4545685"/>
+            <a:ext cx="971378" cy="307777"/>
+          </a:xfrm>
+          <a:prstGeom prst="rect">
+            <a:avLst/>
+          </a:prstGeom>
+          <a:noFill/>
+        </p:spPr>
+        <p:txBody>
+          <a:bodyPr wrap="square" rtlCol="0">
+            <a:spAutoFit/>
+          </a:bodyPr>
+          <a:lstStyle/>
+          <a:p>
+            <a:pPr defTabSz="685800"/>
+            <a:r>
+              <a:rPr lang="en-US" sz="700" dirty="0">
+                <a:solidFill>
+                  <a:prstClr val="black"/>
+                </a:solidFill>
+                <a:latin typeface="Verdana" panose="020B0604030504040204" pitchFamily="34" charset="0"/>
+                <a:ea typeface="Verdana" panose="020B0604030504040204" pitchFamily="34" charset="0"/>
+              </a:rPr>
+              <a:t>Pull Salesforce</a:t>
+            </a:r>
+          </a:p>
+          <a:p>
+            <a:pPr defTabSz="685800"/>
+            <a:r>
+              <a:rPr lang="en-US" sz="700" dirty="0">
+                <a:solidFill>
+                  <a:prstClr val="black"/>
+                </a:solidFill>
+                <a:latin typeface="Verdana" panose="020B0604030504040204" pitchFamily="34" charset="0"/>
+                <a:ea typeface="Verdana" panose="020B0604030504040204" pitchFamily="34" charset="0"/>
+              </a:rPr>
+              <a:t>Data</a:t>
+            </a:r>
+          </a:p>
+        </p:txBody>
+      </p:sp>
+      <p:sp>
+        <p:nvSpPr>
+          <p:cNvPr id="24" name="TextBox 23">
+            <a:extLst>
+              <a:ext uri="{FF2B5EF4-FFF2-40B4-BE49-F238E27FC236}">
+                <a16:creationId xmlns:a16="http://schemas.microsoft.com/office/drawing/2014/main" id="{4EA891C7-0709-4733-B6DA-7D8783A1F219}"/>
+              </a:ext>
+            </a:extLst>
+          </p:cNvPr>
+          <p:cNvSpPr txBox="1"/>
+          <p:nvPr/>
+        </p:nvSpPr>
+        <p:spPr>
+          <a:xfrm rot="16200000">
+            <a:off x="2652212" y="4881245"/>
+            <a:ext cx="1046911" cy="200055"/>
+          </a:xfrm>
+          <a:prstGeom prst="rect">
+            <a:avLst/>
+          </a:prstGeom>
+          <a:noFill/>
+        </p:spPr>
+        <p:txBody>
+          <a:bodyPr wrap="square" rtlCol="0">
+            <a:spAutoFit/>
+          </a:bodyPr>
+          <a:lstStyle/>
+          <a:p>
+            <a:pPr defTabSz="685800"/>
+            <a:r>
+              <a:rPr lang="en-US" sz="700" dirty="0">
+                <a:solidFill>
+                  <a:prstClr val="black"/>
+                </a:solidFill>
+                <a:latin typeface="Verdana" panose="020B0604030504040204" pitchFamily="34" charset="0"/>
+                <a:ea typeface="Verdana" panose="020B0604030504040204" pitchFamily="34" charset="0"/>
+              </a:rPr>
+              <a:t>Write to Storage</a:t>
+            </a:r>
+          </a:p>
+        </p:txBody>
+      </p:sp>
+      <p:cxnSp>
+        <p:nvCxnSpPr>
+          <p:cNvPr id="13" name="Connector: Elbow 12">
+            <a:extLst>
+              <a:ext uri="{FF2B5EF4-FFF2-40B4-BE49-F238E27FC236}">
+                <a16:creationId xmlns:a16="http://schemas.microsoft.com/office/drawing/2014/main" id="{38DD889F-5258-4017-A03A-874DB620AD7A}"/>
+              </a:ext>
+            </a:extLst>
+          </p:cNvPr>
+          <p:cNvCxnSpPr>
+            <a:stCxn id="17" idx="3"/>
+          </p:cNvCxnSpPr>
+          <p:nvPr/>
+        </p:nvCxnSpPr>
+        <p:spPr>
+          <a:xfrm>
+            <a:off x="2806769" y="4716802"/>
+            <a:ext cx="309293" cy="812146"/>
+          </a:xfrm>
+          <a:prstGeom prst="bentConnector2">
+            <a:avLst/>
+          </a:prstGeom>
+          <a:ln w="19050">
+            <a:tailEnd type="triangle"/>
+          </a:ln>
+        </p:spPr>
+        <p:style>
+          <a:lnRef idx="1">
+            <a:schemeClr val="accent1"/>
+          </a:lnRef>
+          <a:fillRef idx="0">
+            <a:schemeClr val="accent1"/>
+          </a:fillRef>
+          <a:effectRef idx="0">
+            <a:schemeClr val="accent1"/>
+          </a:effectRef>
+          <a:fontRef idx="minor">
+            <a:schemeClr val="tx1"/>
+          </a:fontRef>
+        </p:style>
+      </p:cxnSp>
+      <p:sp>
+        <p:nvSpPr>
+          <p:cNvPr id="26" name="TextBox 25">
+            <a:extLst>
+              <a:ext uri="{FF2B5EF4-FFF2-40B4-BE49-F238E27FC236}">
+                <a16:creationId xmlns:a16="http://schemas.microsoft.com/office/drawing/2014/main" id="{21772218-08BA-4FAE-91A6-01BCB579EEF3}"/>
+              </a:ext>
+            </a:extLst>
+          </p:cNvPr>
+          <p:cNvSpPr txBox="1"/>
+          <p:nvPr/>
+        </p:nvSpPr>
+        <p:spPr>
+          <a:xfrm>
+            <a:off x="2757451" y="5674856"/>
+            <a:ext cx="6285837" cy="323165"/>
+          </a:xfrm>
+          <a:prstGeom prst="rect">
+            <a:avLst/>
+          </a:prstGeom>
+          <a:noFill/>
+        </p:spPr>
+        <p:txBody>
+          <a:bodyPr wrap="square" rtlCol="0">
+            <a:spAutoFit/>
+          </a:bodyPr>
+          <a:lstStyle/>
+          <a:p>
+            <a:pPr algn="ctr" defTabSz="685800">
+              <a:defRPr/>
+            </a:pPr>
+            <a:r>
+              <a:rPr lang="en-US" sz="1500" dirty="0">
+                <a:solidFill>
+                  <a:prstClr val="black"/>
+                </a:solidFill>
+                <a:latin typeface="Verdana" panose="020B0604030504040204" pitchFamily="34" charset="0"/>
+                <a:ea typeface="Verdana" panose="020B0604030504040204" pitchFamily="34" charset="0"/>
+              </a:rPr>
+              <a:t>Big Data Storage</a:t>
+            </a:r>
+          </a:p>
+        </p:txBody>
+      </p:sp>
+      <p:sp>
+        <p:nvSpPr>
+          <p:cNvPr id="27" name="TextBox 26">
+            <a:extLst>
+              <a:ext uri="{FF2B5EF4-FFF2-40B4-BE49-F238E27FC236}">
+                <a16:creationId xmlns:a16="http://schemas.microsoft.com/office/drawing/2014/main" id="{1BE0C4D5-F6AE-42D1-BF04-C4D8BDC689C6}"/>
+              </a:ext>
+            </a:extLst>
+          </p:cNvPr>
+          <p:cNvSpPr txBox="1"/>
+          <p:nvPr/>
+        </p:nvSpPr>
+        <p:spPr>
+          <a:xfrm>
+            <a:off x="2171905" y="4969285"/>
+            <a:ext cx="819907" cy="184666"/>
+          </a:xfrm>
+          <a:prstGeom prst="rect">
+            <a:avLst/>
+          </a:prstGeom>
+          <a:noFill/>
+        </p:spPr>
+        <p:txBody>
+          <a:bodyPr wrap="square" rtlCol="0">
+            <a:spAutoFit/>
+          </a:bodyPr>
+          <a:lstStyle/>
+          <a:p>
+            <a:pPr marL="0" marR="0" lvl="0" indent="0" algn="l" defTabSz="914400" rtl="0" eaLnBrk="1" fontAlgn="auto" latinLnBrk="0" hangingPunct="1">
+              <a:lnSpc>
+                <a:spcPct val="100000"/>
+              </a:lnSpc>
+              <a:spcBef>
+                <a:spcPts val="0"/>
+              </a:spcBef>
+              <a:spcAft>
+                <a:spcPts val="0"/>
+              </a:spcAft>
+              <a:buClrTx/>
+              <a:buSzTx/>
+              <a:buFontTx/>
+              <a:buNone/>
+              <a:tabLst/>
+              <a:defRPr/>
+            </a:pPr>
+            <a:r>
+              <a:rPr kumimoji="0" lang="en-US" sz="600" b="0" i="0" u="none" strike="noStrike" kern="1200" cap="none" spc="0" normalizeH="0" baseline="0" noProof="0" dirty="0">
+                <a:ln>
+                  <a:noFill/>
+                </a:ln>
+                <a:solidFill>
+                  <a:prstClr val="black"/>
+                </a:solidFill>
+                <a:effectLst/>
+                <a:uLnTx/>
+                <a:uFillTx/>
+                <a:latin typeface="Verdana" panose="020B0604030504040204" pitchFamily="34" charset="0"/>
+                <a:ea typeface="Verdana" panose="020B0604030504040204" pitchFamily="34" charset="0"/>
+              </a:rPr>
+              <a:t>ETL Workspace</a:t>
+            </a:r>
+            <a:endParaRPr kumimoji="0" lang="en-US" sz="1000" b="0" i="0" u="none" strike="noStrike" kern="1200" cap="none" spc="0" normalizeH="0" baseline="0" noProof="0" dirty="0">
+              <a:ln>
+                <a:noFill/>
+              </a:ln>
+              <a:solidFill>
+                <a:prstClr val="black"/>
+              </a:solidFill>
+              <a:effectLst/>
+              <a:uLnTx/>
+              <a:uFillTx/>
+              <a:latin typeface="Verdana" panose="020B0604030504040204" pitchFamily="34" charset="0"/>
+              <a:ea typeface="Verdana" panose="020B0604030504040204" pitchFamily="34" charset="0"/>
+            </a:endParaRPr>
+          </a:p>
+        </p:txBody>
+      </p:sp>
+      <p:sp>
+        <p:nvSpPr>
+          <p:cNvPr id="28" name="Rectangle 27">
+            <a:extLst>
+              <a:ext uri="{FF2B5EF4-FFF2-40B4-BE49-F238E27FC236}">
+                <a16:creationId xmlns:a16="http://schemas.microsoft.com/office/drawing/2014/main" id="{5C9781D5-BBE5-4C33-83E7-FE83DAE33E45}"/>
+              </a:ext>
+            </a:extLst>
+          </p:cNvPr>
+          <p:cNvSpPr/>
+          <p:nvPr/>
+        </p:nvSpPr>
+        <p:spPr>
+          <a:xfrm>
+            <a:off x="3544566" y="1388855"/>
+            <a:ext cx="6451690" cy="3326934"/>
+          </a:xfrm>
+          <a:prstGeom prst="rect">
+            <a:avLst/>
+          </a:prstGeom>
+          <a:solidFill>
+            <a:schemeClr val="accent5">
+              <a:lumMod val="20000"/>
+              <a:lumOff val="80000"/>
+            </a:schemeClr>
+          </a:solidFill>
+          <a:ln w="19050">
+            <a:prstDash val="sysDash"/>
+          </a:ln>
+        </p:spPr>
+        <p:style>
+          <a:lnRef idx="2">
+            <a:schemeClr val="accent1">
+              <a:shade val="50000"/>
+            </a:schemeClr>
+          </a:lnRef>
+          <a:fillRef idx="1">
+            <a:schemeClr val="accent1"/>
+          </a:fillRef>
+          <a:effectRef idx="0">
+            <a:schemeClr val="accent1"/>
+          </a:effectRef>
+          <a:fontRef idx="minor">
+            <a:schemeClr val="lt1"/>
+          </a:fontRef>
+        </p:style>
+        <p:txBody>
+          <a:bodyPr rtlCol="0" anchor="ctr"/>
+          <a:lstStyle/>
+          <a:p>
+            <a:pPr algn="ctr"/>
+            <a:endParaRPr lang="en-US"/>
+          </a:p>
+        </p:txBody>
+      </p:sp>
+      <p:sp>
+        <p:nvSpPr>
+          <p:cNvPr id="29" name="TextBox 28">
+            <a:extLst>
+              <a:ext uri="{FF2B5EF4-FFF2-40B4-BE49-F238E27FC236}">
+                <a16:creationId xmlns:a16="http://schemas.microsoft.com/office/drawing/2014/main" id="{51A4BF3A-B3E0-4663-A00E-2C2428864DBA}"/>
+              </a:ext>
+            </a:extLst>
+          </p:cNvPr>
+          <p:cNvSpPr txBox="1"/>
+          <p:nvPr/>
+        </p:nvSpPr>
+        <p:spPr>
+          <a:xfrm>
+            <a:off x="3531718" y="1366736"/>
+            <a:ext cx="1016589" cy="307777"/>
+          </a:xfrm>
+          <a:prstGeom prst="rect">
+            <a:avLst/>
+          </a:prstGeom>
+          <a:noFill/>
+        </p:spPr>
+        <p:txBody>
+          <a:bodyPr wrap="square" rtlCol="0">
+            <a:spAutoFit/>
+          </a:bodyPr>
+          <a:lstStyle/>
+          <a:p>
+            <a:pPr defTabSz="685800">
+              <a:defRPr/>
+            </a:pPr>
+            <a:r>
+              <a:rPr lang="en-US" sz="1400" b="1" dirty="0">
+                <a:solidFill>
+                  <a:srgbClr val="0070C0"/>
+                </a:solidFill>
+                <a:latin typeface="Verdana" panose="020B0604030504040204" pitchFamily="34" charset="0"/>
+                <a:ea typeface="Verdana" panose="020B0604030504040204" pitchFamily="34" charset="0"/>
+              </a:rPr>
+              <a:t>MLOps</a:t>
+            </a:r>
+          </a:p>
+        </p:txBody>
+      </p:sp>
+      <p:sp>
+        <p:nvSpPr>
+          <p:cNvPr id="30" name="Rectangle 29">
+            <a:extLst>
+              <a:ext uri="{FF2B5EF4-FFF2-40B4-BE49-F238E27FC236}">
+                <a16:creationId xmlns:a16="http://schemas.microsoft.com/office/drawing/2014/main" id="{D9E0FD4B-464D-4454-A4A6-265E22473BE9}"/>
+              </a:ext>
+            </a:extLst>
+          </p:cNvPr>
+          <p:cNvSpPr/>
+          <p:nvPr/>
+        </p:nvSpPr>
+        <p:spPr>
+          <a:xfrm>
+            <a:off x="4460213" y="2038582"/>
+            <a:ext cx="4754880" cy="1828435"/>
+          </a:xfrm>
+          <a:prstGeom prst="rect">
+            <a:avLst/>
+          </a:prstGeom>
+          <a:solidFill>
+            <a:schemeClr val="bg1"/>
+          </a:solidFill>
+          <a:ln>
+            <a:solidFill>
+              <a:srgbClr val="002060"/>
+            </a:solidFill>
+          </a:ln>
+        </p:spPr>
+        <p:style>
+          <a:lnRef idx="2">
+            <a:schemeClr val="accent1">
+              <a:shade val="50000"/>
+            </a:schemeClr>
+          </a:lnRef>
+          <a:fillRef idx="1">
+            <a:schemeClr val="accent1"/>
+          </a:fillRef>
+          <a:effectRef idx="0">
+            <a:schemeClr val="accent1"/>
+          </a:effectRef>
+          <a:fontRef idx="minor">
+            <a:schemeClr val="lt1"/>
+          </a:fontRef>
+        </p:style>
+        <p:txBody>
+          <a:bodyPr rtlCol="0" anchor="ctr"/>
+          <a:lstStyle/>
+          <a:p>
+            <a:pPr algn="ctr"/>
+            <a:endParaRPr lang="en-US"/>
+          </a:p>
+        </p:txBody>
+      </p:sp>
+      <p:sp>
+        <p:nvSpPr>
+          <p:cNvPr id="31" name="Rectangle 30">
+            <a:extLst>
+              <a:ext uri="{FF2B5EF4-FFF2-40B4-BE49-F238E27FC236}">
+                <a16:creationId xmlns:a16="http://schemas.microsoft.com/office/drawing/2014/main" id="{E45E4DF9-47E2-4629-9F10-2A33FE808CF2}"/>
+              </a:ext>
+            </a:extLst>
+          </p:cNvPr>
+          <p:cNvSpPr/>
+          <p:nvPr/>
+        </p:nvSpPr>
+        <p:spPr>
+          <a:xfrm>
+            <a:off x="4460213" y="2032512"/>
+            <a:ext cx="4754879" cy="353929"/>
+          </a:xfrm>
+          <a:prstGeom prst="rect">
+            <a:avLst/>
+          </a:prstGeom>
+          <a:solidFill>
+            <a:schemeClr val="accent2">
+              <a:lumMod val="40000"/>
+              <a:lumOff val="60000"/>
+            </a:schemeClr>
+          </a:solidFill>
+        </p:spPr>
+        <p:style>
+          <a:lnRef idx="2">
+            <a:schemeClr val="accent1">
+              <a:shade val="50000"/>
+            </a:schemeClr>
+          </a:lnRef>
+          <a:fillRef idx="1">
+            <a:schemeClr val="accent1"/>
+          </a:fillRef>
+          <a:effectRef idx="0">
+            <a:schemeClr val="accent1"/>
+          </a:effectRef>
+          <a:fontRef idx="minor">
+            <a:schemeClr val="lt1"/>
+          </a:fontRef>
+        </p:style>
+        <p:txBody>
+          <a:bodyPr rtlCol="0" anchor="ctr"/>
+          <a:lstStyle/>
+          <a:p>
+            <a:pPr algn="ctr"/>
+            <a:endParaRPr lang="en-US"/>
+          </a:p>
+        </p:txBody>
+      </p:sp>
+      <p:sp>
+        <p:nvSpPr>
+          <p:cNvPr id="32" name="TextBox 31">
+            <a:extLst>
+              <a:ext uri="{FF2B5EF4-FFF2-40B4-BE49-F238E27FC236}">
+                <a16:creationId xmlns:a16="http://schemas.microsoft.com/office/drawing/2014/main" id="{ECFC1547-ADC5-41A3-A44F-984E6504D6AE}"/>
+              </a:ext>
+            </a:extLst>
+          </p:cNvPr>
+          <p:cNvSpPr txBox="1"/>
+          <p:nvPr/>
+        </p:nvSpPr>
+        <p:spPr>
+          <a:xfrm>
+            <a:off x="4548307" y="2088877"/>
+            <a:ext cx="4373749" cy="246221"/>
+          </a:xfrm>
+          <a:prstGeom prst="rect">
+            <a:avLst/>
+          </a:prstGeom>
+          <a:noFill/>
+        </p:spPr>
+        <p:txBody>
+          <a:bodyPr wrap="square" rtlCol="0">
+            <a:spAutoFit/>
+          </a:bodyPr>
+          <a:lstStyle/>
+          <a:p>
+            <a:pPr algn="ctr"/>
+            <a:r>
+              <a:rPr lang="en-US" sz="1000" b="1" dirty="0">
+                <a:latin typeface="Verdana" panose="020B0604030504040204" pitchFamily="34" charset="0"/>
+                <a:ea typeface="Verdana" panose="020B0604030504040204" pitchFamily="34" charset="0"/>
+              </a:rPr>
+              <a:t>Model Development (Industry Classification )</a:t>
+            </a:r>
+          </a:p>
+        </p:txBody>
+      </p:sp>
+      <p:sp>
+        <p:nvSpPr>
+          <p:cNvPr id="33" name="Rectangle 32">
+            <a:extLst>
+              <a:ext uri="{FF2B5EF4-FFF2-40B4-BE49-F238E27FC236}">
+                <a16:creationId xmlns:a16="http://schemas.microsoft.com/office/drawing/2014/main" id="{14FA37FB-B9A4-4011-A301-DFA50A6A9B01}"/>
+              </a:ext>
+            </a:extLst>
+          </p:cNvPr>
+          <p:cNvSpPr/>
+          <p:nvPr/>
+        </p:nvSpPr>
+        <p:spPr>
+          <a:xfrm>
+            <a:off x="5296030" y="3235506"/>
+            <a:ext cx="640080" cy="392103"/>
+          </a:xfrm>
+          <a:prstGeom prst="rect">
+            <a:avLst/>
+          </a:prstGeom>
+          <a:solidFill>
+            <a:schemeClr val="bg1"/>
+          </a:solidFill>
+          <a:ln>
+            <a:solidFill>
+              <a:schemeClr val="accent1">
+                <a:lumMod val="60000"/>
+                <a:lumOff val="40000"/>
+              </a:schemeClr>
+            </a:solidFill>
+            <a:prstDash val="dash"/>
+          </a:ln>
+        </p:spPr>
+        <p:style>
+          <a:lnRef idx="2">
+            <a:schemeClr val="accent1">
+              <a:shade val="50000"/>
+            </a:schemeClr>
+          </a:lnRef>
+          <a:fillRef idx="1">
+            <a:schemeClr val="accent1"/>
+          </a:fillRef>
+          <a:effectRef idx="0">
+            <a:schemeClr val="accent1"/>
+          </a:effectRef>
+          <a:fontRef idx="minor">
+            <a:schemeClr val="lt1"/>
+          </a:fontRef>
+        </p:style>
+        <p:txBody>
+          <a:bodyPr rtlCol="0" anchor="ctr"/>
+          <a:lstStyle/>
+          <a:p>
+            <a:pPr algn="ctr"/>
+            <a:endParaRPr lang="en-US"/>
+          </a:p>
+        </p:txBody>
+      </p:sp>
+      <p:sp>
+        <p:nvSpPr>
+          <p:cNvPr id="34" name="TextBox 33">
+            <a:extLst>
+              <a:ext uri="{FF2B5EF4-FFF2-40B4-BE49-F238E27FC236}">
+                <a16:creationId xmlns:a16="http://schemas.microsoft.com/office/drawing/2014/main" id="{DC105A1C-354E-4070-8C1C-128EBDF61D2C}"/>
+              </a:ext>
+            </a:extLst>
+          </p:cNvPr>
+          <p:cNvSpPr txBox="1"/>
+          <p:nvPr/>
+        </p:nvSpPr>
+        <p:spPr>
+          <a:xfrm>
+            <a:off x="5100246" y="3313041"/>
+            <a:ext cx="1030384" cy="200055"/>
+          </a:xfrm>
+          <a:prstGeom prst="rect">
+            <a:avLst/>
+          </a:prstGeom>
+          <a:noFill/>
+        </p:spPr>
+        <p:txBody>
+          <a:bodyPr wrap="square" rtlCol="0">
+            <a:spAutoFit/>
+          </a:bodyPr>
+          <a:lstStyle/>
+          <a:p>
+            <a:pPr algn="ctr"/>
+            <a:r>
+              <a:rPr lang="en-US" sz="700" dirty="0">
+                <a:latin typeface="Verdana" panose="020B0604030504040204" pitchFamily="34" charset="0"/>
+                <a:ea typeface="Verdana" panose="020B0604030504040204" pitchFamily="34" charset="0"/>
+              </a:rPr>
+              <a:t>EDA</a:t>
+            </a:r>
+          </a:p>
+        </p:txBody>
+      </p:sp>
+      <p:sp>
+        <p:nvSpPr>
+          <p:cNvPr id="35" name="Rectangle 34">
+            <a:extLst>
+              <a:ext uri="{FF2B5EF4-FFF2-40B4-BE49-F238E27FC236}">
+                <a16:creationId xmlns:a16="http://schemas.microsoft.com/office/drawing/2014/main" id="{C711A91E-DF3B-40B1-B2C7-23F49728682C}"/>
+              </a:ext>
+            </a:extLst>
+          </p:cNvPr>
+          <p:cNvSpPr/>
+          <p:nvPr/>
+        </p:nvSpPr>
+        <p:spPr>
+          <a:xfrm>
+            <a:off x="6080483" y="3244384"/>
+            <a:ext cx="640080" cy="393192"/>
+          </a:xfrm>
+          <a:prstGeom prst="rect">
+            <a:avLst/>
+          </a:prstGeom>
+          <a:solidFill>
+            <a:schemeClr val="bg1"/>
+          </a:solidFill>
+          <a:ln>
+            <a:solidFill>
+              <a:schemeClr val="accent1">
+                <a:lumMod val="60000"/>
+                <a:lumOff val="40000"/>
+              </a:schemeClr>
+            </a:solidFill>
+            <a:prstDash val="dash"/>
+          </a:ln>
+        </p:spPr>
+        <p:style>
+          <a:lnRef idx="2">
+            <a:schemeClr val="accent1">
+              <a:shade val="50000"/>
+            </a:schemeClr>
+          </a:lnRef>
+          <a:fillRef idx="1">
+            <a:schemeClr val="accent1"/>
+          </a:fillRef>
+          <a:effectRef idx="0">
+            <a:schemeClr val="accent1"/>
+          </a:effectRef>
+          <a:fontRef idx="minor">
+            <a:schemeClr val="lt1"/>
+          </a:fontRef>
+        </p:style>
+        <p:txBody>
+          <a:bodyPr rtlCol="0" anchor="ctr"/>
+          <a:lstStyle/>
+          <a:p>
+            <a:pPr algn="ctr"/>
+            <a:endParaRPr lang="en-US"/>
+          </a:p>
+        </p:txBody>
+      </p:sp>
+      <p:sp>
+        <p:nvSpPr>
+          <p:cNvPr id="36" name="TextBox 35">
+            <a:extLst>
+              <a:ext uri="{FF2B5EF4-FFF2-40B4-BE49-F238E27FC236}">
+                <a16:creationId xmlns:a16="http://schemas.microsoft.com/office/drawing/2014/main" id="{31214E36-1C23-4AD0-B8B8-969F49A23296}"/>
+              </a:ext>
+            </a:extLst>
+          </p:cNvPr>
+          <p:cNvSpPr txBox="1"/>
+          <p:nvPr/>
+        </p:nvSpPr>
+        <p:spPr>
+          <a:xfrm>
+            <a:off x="5892529" y="3277356"/>
+            <a:ext cx="1030384" cy="307777"/>
+          </a:xfrm>
+          <a:prstGeom prst="rect">
+            <a:avLst/>
+          </a:prstGeom>
+          <a:noFill/>
+        </p:spPr>
+        <p:txBody>
+          <a:bodyPr wrap="square" rtlCol="0">
+            <a:spAutoFit/>
+          </a:bodyPr>
+          <a:lstStyle/>
+          <a:p>
+            <a:pPr algn="ctr"/>
+            <a:r>
+              <a:rPr lang="en-US" sz="700" dirty="0">
+                <a:latin typeface="Verdana" panose="020B0604030504040204" pitchFamily="34" charset="0"/>
+                <a:ea typeface="Verdana" panose="020B0604030504040204" pitchFamily="34" charset="0"/>
+              </a:rPr>
+              <a:t>Feature </a:t>
+            </a:r>
+          </a:p>
+          <a:p>
+            <a:pPr algn="ctr"/>
+            <a:r>
+              <a:rPr lang="en-US" sz="700" dirty="0">
+                <a:latin typeface="Verdana" panose="020B0604030504040204" pitchFamily="34" charset="0"/>
+                <a:ea typeface="Verdana" panose="020B0604030504040204" pitchFamily="34" charset="0"/>
+              </a:rPr>
+              <a:t>Engineering</a:t>
+            </a:r>
+          </a:p>
+        </p:txBody>
+      </p:sp>
+      <p:sp>
+        <p:nvSpPr>
+          <p:cNvPr id="37" name="Rectangle 36">
+            <a:extLst>
+              <a:ext uri="{FF2B5EF4-FFF2-40B4-BE49-F238E27FC236}">
+                <a16:creationId xmlns:a16="http://schemas.microsoft.com/office/drawing/2014/main" id="{A721C456-E85F-4A8E-88F9-EA71796B31DF}"/>
+              </a:ext>
+            </a:extLst>
+          </p:cNvPr>
+          <p:cNvSpPr/>
+          <p:nvPr/>
+        </p:nvSpPr>
+        <p:spPr>
+          <a:xfrm>
+            <a:off x="6864930" y="3244990"/>
+            <a:ext cx="640080" cy="393192"/>
+          </a:xfrm>
+          <a:prstGeom prst="rect">
+            <a:avLst/>
+          </a:prstGeom>
+          <a:solidFill>
+            <a:schemeClr val="bg1"/>
+          </a:solidFill>
+          <a:ln>
+            <a:solidFill>
+              <a:schemeClr val="accent1">
+                <a:lumMod val="60000"/>
+                <a:lumOff val="40000"/>
+              </a:schemeClr>
+            </a:solidFill>
+            <a:prstDash val="dash"/>
+          </a:ln>
+        </p:spPr>
+        <p:style>
+          <a:lnRef idx="2">
+            <a:schemeClr val="accent1">
+              <a:shade val="50000"/>
+            </a:schemeClr>
+          </a:lnRef>
+          <a:fillRef idx="1">
+            <a:schemeClr val="accent1"/>
+          </a:fillRef>
+          <a:effectRef idx="0">
+            <a:schemeClr val="accent1"/>
+          </a:effectRef>
+          <a:fontRef idx="minor">
+            <a:schemeClr val="lt1"/>
+          </a:fontRef>
+        </p:style>
+        <p:txBody>
+          <a:bodyPr rtlCol="0" anchor="ctr"/>
+          <a:lstStyle/>
+          <a:p>
+            <a:pPr algn="ctr"/>
+            <a:endParaRPr lang="en-US"/>
+          </a:p>
+        </p:txBody>
+      </p:sp>
+      <p:sp>
+        <p:nvSpPr>
+          <p:cNvPr id="38" name="TextBox 37">
+            <a:extLst>
+              <a:ext uri="{FF2B5EF4-FFF2-40B4-BE49-F238E27FC236}">
+                <a16:creationId xmlns:a16="http://schemas.microsoft.com/office/drawing/2014/main" id="{E971F756-C891-4FD6-92DE-B582B1CFEC2B}"/>
+              </a:ext>
+            </a:extLst>
+          </p:cNvPr>
+          <p:cNvSpPr txBox="1"/>
+          <p:nvPr/>
+        </p:nvSpPr>
+        <p:spPr>
+          <a:xfrm>
+            <a:off x="6675014" y="3320966"/>
+            <a:ext cx="1030384" cy="200055"/>
+          </a:xfrm>
+          <a:prstGeom prst="rect">
+            <a:avLst/>
+          </a:prstGeom>
+          <a:noFill/>
+        </p:spPr>
+        <p:txBody>
+          <a:bodyPr wrap="square" rtlCol="0">
+            <a:spAutoFit/>
+          </a:bodyPr>
+          <a:lstStyle/>
+          <a:p>
+            <a:pPr algn="ctr"/>
+            <a:r>
+              <a:rPr lang="en-US" sz="700" dirty="0">
+                <a:latin typeface="Verdana" panose="020B0604030504040204" pitchFamily="34" charset="0"/>
+                <a:ea typeface="Verdana" panose="020B0604030504040204" pitchFamily="34" charset="0"/>
+              </a:rPr>
+              <a:t>Model</a:t>
+            </a:r>
+          </a:p>
+        </p:txBody>
+      </p:sp>
+      <p:sp>
+        <p:nvSpPr>
+          <p:cNvPr id="39" name="Rectangle 38">
+            <a:extLst>
+              <a:ext uri="{FF2B5EF4-FFF2-40B4-BE49-F238E27FC236}">
+                <a16:creationId xmlns:a16="http://schemas.microsoft.com/office/drawing/2014/main" id="{97767C31-BFD9-44F4-A621-93003930F756}"/>
+              </a:ext>
+            </a:extLst>
+          </p:cNvPr>
+          <p:cNvSpPr/>
+          <p:nvPr/>
+        </p:nvSpPr>
+        <p:spPr>
+          <a:xfrm>
+            <a:off x="7650886" y="3245288"/>
+            <a:ext cx="640080" cy="393192"/>
+          </a:xfrm>
+          <a:prstGeom prst="rect">
+            <a:avLst/>
+          </a:prstGeom>
+          <a:solidFill>
+            <a:schemeClr val="bg1"/>
+          </a:solidFill>
+          <a:ln>
+            <a:solidFill>
+              <a:schemeClr val="accent1">
+                <a:lumMod val="60000"/>
+                <a:lumOff val="40000"/>
+              </a:schemeClr>
+            </a:solidFill>
+            <a:prstDash val="dash"/>
+          </a:ln>
+        </p:spPr>
+        <p:style>
+          <a:lnRef idx="2">
+            <a:schemeClr val="accent1">
+              <a:shade val="50000"/>
+            </a:schemeClr>
+          </a:lnRef>
+          <a:fillRef idx="1">
+            <a:schemeClr val="accent1"/>
+          </a:fillRef>
+          <a:effectRef idx="0">
+            <a:schemeClr val="accent1"/>
+          </a:effectRef>
+          <a:fontRef idx="minor">
+            <a:schemeClr val="lt1"/>
+          </a:fontRef>
+        </p:style>
+        <p:txBody>
+          <a:bodyPr rtlCol="0" anchor="ctr"/>
+          <a:lstStyle/>
+          <a:p>
+            <a:pPr algn="ctr"/>
+            <a:endParaRPr lang="en-US"/>
+          </a:p>
+        </p:txBody>
+      </p:sp>
+      <p:sp>
+        <p:nvSpPr>
+          <p:cNvPr id="40" name="TextBox 39">
+            <a:extLst>
+              <a:ext uri="{FF2B5EF4-FFF2-40B4-BE49-F238E27FC236}">
+                <a16:creationId xmlns:a16="http://schemas.microsoft.com/office/drawing/2014/main" id="{87272C51-029D-45CE-95A5-1BFDA05B3935}"/>
+              </a:ext>
+            </a:extLst>
+          </p:cNvPr>
+          <p:cNvSpPr txBox="1"/>
+          <p:nvPr/>
+        </p:nvSpPr>
+        <p:spPr>
+          <a:xfrm>
+            <a:off x="7451181" y="3321609"/>
+            <a:ext cx="1030384" cy="307777"/>
+          </a:xfrm>
+          <a:prstGeom prst="rect">
+            <a:avLst/>
+          </a:prstGeom>
+          <a:noFill/>
+        </p:spPr>
+        <p:txBody>
+          <a:bodyPr wrap="square" rtlCol="0">
+            <a:spAutoFit/>
+          </a:bodyPr>
+          <a:lstStyle/>
+          <a:p>
+            <a:pPr algn="ctr"/>
+            <a:r>
+              <a:rPr lang="en-US" sz="700" dirty="0">
+                <a:latin typeface="Verdana" panose="020B0604030504040204" pitchFamily="34" charset="0"/>
+                <a:ea typeface="Verdana" panose="020B0604030504040204" pitchFamily="34" charset="0"/>
+              </a:rPr>
+              <a:t>Train</a:t>
+            </a:r>
+          </a:p>
+          <a:p>
+            <a:pPr algn="ctr"/>
+            <a:endParaRPr lang="en-US" sz="700" dirty="0"/>
+          </a:p>
+        </p:txBody>
+      </p:sp>
+      <p:sp>
+        <p:nvSpPr>
+          <p:cNvPr id="41" name="Rectangle 40">
+            <a:extLst>
+              <a:ext uri="{FF2B5EF4-FFF2-40B4-BE49-F238E27FC236}">
+                <a16:creationId xmlns:a16="http://schemas.microsoft.com/office/drawing/2014/main" id="{D6E8ED81-6C1A-4D6F-B4C3-0EB876FDD5AB}"/>
+              </a:ext>
+            </a:extLst>
+          </p:cNvPr>
+          <p:cNvSpPr/>
+          <p:nvPr/>
+        </p:nvSpPr>
+        <p:spPr>
+          <a:xfrm>
+            <a:off x="8438527" y="3246110"/>
+            <a:ext cx="640080" cy="322610"/>
+          </a:xfrm>
+          <a:prstGeom prst="rect">
+            <a:avLst/>
+          </a:prstGeom>
+          <a:solidFill>
+            <a:schemeClr val="bg1"/>
+          </a:solidFill>
+          <a:ln>
+            <a:solidFill>
+              <a:schemeClr val="accent1">
+                <a:lumMod val="60000"/>
+                <a:lumOff val="40000"/>
+              </a:schemeClr>
+            </a:solidFill>
+            <a:prstDash val="dash"/>
+          </a:ln>
+        </p:spPr>
+        <p:style>
+          <a:lnRef idx="2">
+            <a:schemeClr val="accent1">
+              <a:shade val="50000"/>
+            </a:schemeClr>
+          </a:lnRef>
+          <a:fillRef idx="1">
+            <a:schemeClr val="accent1"/>
+          </a:fillRef>
+          <a:effectRef idx="0">
+            <a:schemeClr val="accent1"/>
+          </a:effectRef>
+          <a:fontRef idx="minor">
+            <a:schemeClr val="lt1"/>
+          </a:fontRef>
+        </p:style>
+        <p:txBody>
+          <a:bodyPr rtlCol="0" anchor="ctr"/>
+          <a:lstStyle/>
+          <a:p>
+            <a:pPr algn="ctr"/>
+            <a:endParaRPr lang="en-US"/>
+          </a:p>
+        </p:txBody>
+      </p:sp>
+      <p:cxnSp>
+        <p:nvCxnSpPr>
+          <p:cNvPr id="42" name="Connector: Elbow 41">
+            <a:extLst>
+              <a:ext uri="{FF2B5EF4-FFF2-40B4-BE49-F238E27FC236}">
+                <a16:creationId xmlns:a16="http://schemas.microsoft.com/office/drawing/2014/main" id="{543087DB-1E39-4FD7-BE01-5B06B3A0DCE7}"/>
+              </a:ext>
+            </a:extLst>
+          </p:cNvPr>
+          <p:cNvCxnSpPr>
+            <a:cxnSpLocks/>
+          </p:cNvCxnSpPr>
+          <p:nvPr/>
+        </p:nvCxnSpPr>
+        <p:spPr>
+          <a:xfrm rot="10800000" flipV="1">
+            <a:off x="4835849" y="2971095"/>
+            <a:ext cx="3963866" cy="264958"/>
+          </a:xfrm>
+          <a:prstGeom prst="bentConnector2">
+            <a:avLst/>
+          </a:prstGeom>
+          <a:ln w="19050" cap="flat">
+            <a:solidFill>
+              <a:schemeClr val="tx1"/>
+            </a:solidFill>
+            <a:tailEnd type="triangle"/>
+          </a:ln>
+        </p:spPr>
+        <p:style>
+          <a:lnRef idx="1">
+            <a:schemeClr val="accent1"/>
+          </a:lnRef>
+          <a:fillRef idx="0">
+            <a:schemeClr val="accent1"/>
+          </a:fillRef>
+          <a:effectRef idx="0">
+            <a:schemeClr val="accent1"/>
+          </a:effectRef>
+          <a:fontRef idx="minor">
+            <a:schemeClr val="tx1"/>
+          </a:fontRef>
+        </p:style>
+      </p:cxnSp>
+      <p:cxnSp>
+        <p:nvCxnSpPr>
+          <p:cNvPr id="43" name="Straight Connector 42">
+            <a:extLst>
+              <a:ext uri="{FF2B5EF4-FFF2-40B4-BE49-F238E27FC236}">
+                <a16:creationId xmlns:a16="http://schemas.microsoft.com/office/drawing/2014/main" id="{AF787C88-DC12-41F7-9E17-7E373505228C}"/>
+              </a:ext>
+            </a:extLst>
+          </p:cNvPr>
+          <p:cNvCxnSpPr>
+            <a:cxnSpLocks/>
+          </p:cNvCxnSpPr>
+          <p:nvPr/>
+        </p:nvCxnSpPr>
+        <p:spPr>
+          <a:xfrm>
+            <a:off x="8799715" y="2961858"/>
+            <a:ext cx="0" cy="292608"/>
+          </a:xfrm>
+          <a:prstGeom prst="line">
+            <a:avLst/>
+          </a:prstGeom>
+          <a:ln w="19050">
+            <a:solidFill>
+              <a:schemeClr val="tx1"/>
+            </a:solidFill>
+          </a:ln>
+        </p:spPr>
+        <p:style>
+          <a:lnRef idx="1">
+            <a:schemeClr val="accent1"/>
+          </a:lnRef>
+          <a:fillRef idx="0">
+            <a:schemeClr val="accent1"/>
+          </a:fillRef>
+          <a:effectRef idx="0">
+            <a:schemeClr val="accent1"/>
+          </a:effectRef>
+          <a:fontRef idx="minor">
+            <a:schemeClr val="tx1"/>
+          </a:fontRef>
+        </p:style>
+      </p:cxnSp>
+      <p:sp>
+        <p:nvSpPr>
+          <p:cNvPr id="44" name="TextBox 43">
+            <a:extLst>
+              <a:ext uri="{FF2B5EF4-FFF2-40B4-BE49-F238E27FC236}">
+                <a16:creationId xmlns:a16="http://schemas.microsoft.com/office/drawing/2014/main" id="{ABB066E3-F4CC-4590-8C01-E94CF0E0B989}"/>
+              </a:ext>
+            </a:extLst>
+          </p:cNvPr>
+          <p:cNvSpPr txBox="1"/>
+          <p:nvPr/>
+        </p:nvSpPr>
+        <p:spPr>
+          <a:xfrm>
+            <a:off x="6258575" y="2796775"/>
+            <a:ext cx="1030384" cy="215444"/>
+          </a:xfrm>
+          <a:prstGeom prst="rect">
+            <a:avLst/>
+          </a:prstGeom>
+          <a:noFill/>
+        </p:spPr>
+        <p:txBody>
+          <a:bodyPr wrap="square" rtlCol="0">
+            <a:spAutoFit/>
+          </a:bodyPr>
+          <a:lstStyle/>
+          <a:p>
+            <a:pPr algn="ctr"/>
+            <a:r>
+              <a:rPr lang="en-US" sz="800" i="1" dirty="0">
+                <a:latin typeface="Verdana" panose="020B0604030504040204" pitchFamily="34" charset="0"/>
+                <a:ea typeface="Verdana" panose="020B0604030504040204" pitchFamily="34" charset="0"/>
+              </a:rPr>
+              <a:t>Iterate</a:t>
+            </a:r>
+          </a:p>
+        </p:txBody>
+      </p:sp>
+      <p:sp>
+        <p:nvSpPr>
+          <p:cNvPr id="45" name="TextBox 44">
+            <a:extLst>
+              <a:ext uri="{FF2B5EF4-FFF2-40B4-BE49-F238E27FC236}">
+                <a16:creationId xmlns:a16="http://schemas.microsoft.com/office/drawing/2014/main" id="{72D432FC-E86C-4D7A-A10F-6D3AA8751B8C}"/>
+              </a:ext>
+            </a:extLst>
+          </p:cNvPr>
+          <p:cNvSpPr txBox="1"/>
+          <p:nvPr/>
+        </p:nvSpPr>
+        <p:spPr>
+          <a:xfrm>
+            <a:off x="4715452" y="2433341"/>
+            <a:ext cx="898385" cy="307777"/>
+          </a:xfrm>
+          <a:prstGeom prst="rect">
+            <a:avLst/>
+          </a:prstGeom>
+          <a:noFill/>
+        </p:spPr>
+        <p:txBody>
+          <a:bodyPr wrap="square" rtlCol="0">
+            <a:spAutoFit/>
+          </a:bodyPr>
+          <a:lstStyle/>
+          <a:p>
+            <a:pPr algn="ctr"/>
+            <a:r>
+              <a:rPr lang="en-US" sz="700" dirty="0">
+                <a:latin typeface="Verdana" panose="020B0604030504040204" pitchFamily="34" charset="0"/>
+                <a:ea typeface="Verdana" panose="020B0604030504040204" pitchFamily="34" charset="0"/>
+              </a:rPr>
+              <a:t>Jupyter </a:t>
+            </a:r>
+          </a:p>
+          <a:p>
+            <a:pPr algn="ctr"/>
+            <a:r>
+              <a:rPr lang="en-US" sz="700" dirty="0">
+                <a:latin typeface="Verdana" panose="020B0604030504040204" pitchFamily="34" charset="0"/>
+                <a:ea typeface="Verdana" panose="020B0604030504040204" pitchFamily="34" charset="0"/>
+              </a:rPr>
+              <a:t>Workspace</a:t>
+            </a:r>
+          </a:p>
+        </p:txBody>
+      </p:sp>
+      <p:cxnSp>
+        <p:nvCxnSpPr>
+          <p:cNvPr id="46" name="Straight Arrow Connector 45">
+            <a:extLst>
+              <a:ext uri="{FF2B5EF4-FFF2-40B4-BE49-F238E27FC236}">
+                <a16:creationId xmlns:a16="http://schemas.microsoft.com/office/drawing/2014/main" id="{EA86DA8F-9BBD-4980-83DE-7492D7FD33DB}"/>
+              </a:ext>
+            </a:extLst>
+          </p:cNvPr>
+          <p:cNvCxnSpPr>
+            <a:cxnSpLocks/>
+          </p:cNvCxnSpPr>
+          <p:nvPr/>
+        </p:nvCxnSpPr>
+        <p:spPr>
+          <a:xfrm>
+            <a:off x="5151736" y="3419053"/>
+            <a:ext cx="144294" cy="0"/>
+          </a:xfrm>
+          <a:prstGeom prst="straightConnector1">
+            <a:avLst/>
+          </a:prstGeom>
+          <a:ln w="22225">
+            <a:solidFill>
+              <a:schemeClr val="tx1"/>
+            </a:solidFill>
+            <a:tailEnd type="triangle"/>
+          </a:ln>
+        </p:spPr>
+        <p:style>
+          <a:lnRef idx="1">
+            <a:schemeClr val="accent1"/>
+          </a:lnRef>
+          <a:fillRef idx="0">
+            <a:schemeClr val="accent1"/>
+          </a:fillRef>
+          <a:effectRef idx="0">
+            <a:schemeClr val="accent1"/>
+          </a:effectRef>
+          <a:fontRef idx="minor">
+            <a:schemeClr val="tx1"/>
+          </a:fontRef>
+        </p:style>
+      </p:cxnSp>
+      <p:cxnSp>
+        <p:nvCxnSpPr>
+          <p:cNvPr id="47" name="Straight Arrow Connector 46">
+            <a:extLst>
+              <a:ext uri="{FF2B5EF4-FFF2-40B4-BE49-F238E27FC236}">
+                <a16:creationId xmlns:a16="http://schemas.microsoft.com/office/drawing/2014/main" id="{8A26EA9E-A7CF-4E59-A46D-2F9E190B12BE}"/>
+              </a:ext>
+            </a:extLst>
+          </p:cNvPr>
+          <p:cNvCxnSpPr>
+            <a:cxnSpLocks/>
+          </p:cNvCxnSpPr>
+          <p:nvPr/>
+        </p:nvCxnSpPr>
+        <p:spPr>
+          <a:xfrm>
+            <a:off x="5936189" y="3419053"/>
+            <a:ext cx="144294" cy="0"/>
+          </a:xfrm>
+          <a:prstGeom prst="straightConnector1">
+            <a:avLst/>
+          </a:prstGeom>
+          <a:ln w="22225">
+            <a:solidFill>
+              <a:schemeClr val="tx1"/>
+            </a:solidFill>
+            <a:tailEnd type="triangle"/>
+          </a:ln>
+        </p:spPr>
+        <p:style>
+          <a:lnRef idx="1">
+            <a:schemeClr val="accent1"/>
+          </a:lnRef>
+          <a:fillRef idx="0">
+            <a:schemeClr val="accent1"/>
+          </a:fillRef>
+          <a:effectRef idx="0">
+            <a:schemeClr val="accent1"/>
+          </a:effectRef>
+          <a:fontRef idx="minor">
+            <a:schemeClr val="tx1"/>
+          </a:fontRef>
+        </p:style>
+      </p:cxnSp>
+      <p:cxnSp>
+        <p:nvCxnSpPr>
+          <p:cNvPr id="48" name="Straight Arrow Connector 47">
+            <a:extLst>
+              <a:ext uri="{FF2B5EF4-FFF2-40B4-BE49-F238E27FC236}">
+                <a16:creationId xmlns:a16="http://schemas.microsoft.com/office/drawing/2014/main" id="{AF993763-1C66-47D2-9660-1DE20F06046D}"/>
+              </a:ext>
+            </a:extLst>
+          </p:cNvPr>
+          <p:cNvCxnSpPr>
+            <a:cxnSpLocks/>
+          </p:cNvCxnSpPr>
+          <p:nvPr/>
+        </p:nvCxnSpPr>
+        <p:spPr>
+          <a:xfrm>
+            <a:off x="6720563" y="3419053"/>
+            <a:ext cx="144294" cy="0"/>
+          </a:xfrm>
+          <a:prstGeom prst="straightConnector1">
+            <a:avLst/>
+          </a:prstGeom>
+          <a:ln w="22225">
+            <a:solidFill>
+              <a:schemeClr val="tx1"/>
+            </a:solidFill>
+            <a:tailEnd type="triangle"/>
+          </a:ln>
+        </p:spPr>
+        <p:style>
+          <a:lnRef idx="1">
+            <a:schemeClr val="accent1"/>
+          </a:lnRef>
+          <a:fillRef idx="0">
+            <a:schemeClr val="accent1"/>
+          </a:fillRef>
+          <a:effectRef idx="0">
+            <a:schemeClr val="accent1"/>
+          </a:effectRef>
+          <a:fontRef idx="minor">
+            <a:schemeClr val="tx1"/>
+          </a:fontRef>
+        </p:style>
+      </p:cxnSp>
+      <p:cxnSp>
+        <p:nvCxnSpPr>
+          <p:cNvPr id="49" name="Straight Arrow Connector 48">
+            <a:extLst>
+              <a:ext uri="{FF2B5EF4-FFF2-40B4-BE49-F238E27FC236}">
+                <a16:creationId xmlns:a16="http://schemas.microsoft.com/office/drawing/2014/main" id="{82F09527-465A-4831-B478-EB26FE2C4F2F}"/>
+              </a:ext>
+            </a:extLst>
+          </p:cNvPr>
+          <p:cNvCxnSpPr>
+            <a:cxnSpLocks/>
+          </p:cNvCxnSpPr>
+          <p:nvPr/>
+        </p:nvCxnSpPr>
+        <p:spPr>
+          <a:xfrm>
+            <a:off x="7506592" y="3437212"/>
+            <a:ext cx="144294" cy="0"/>
+          </a:xfrm>
+          <a:prstGeom prst="straightConnector1">
+            <a:avLst/>
+          </a:prstGeom>
+          <a:ln w="22225">
+            <a:solidFill>
+              <a:schemeClr val="tx1"/>
+            </a:solidFill>
+            <a:tailEnd type="triangle"/>
+          </a:ln>
+        </p:spPr>
+        <p:style>
+          <a:lnRef idx="1">
+            <a:schemeClr val="accent1"/>
+          </a:lnRef>
+          <a:fillRef idx="0">
+            <a:schemeClr val="accent1"/>
+          </a:fillRef>
+          <a:effectRef idx="0">
+            <a:schemeClr val="accent1"/>
+          </a:effectRef>
+          <a:fontRef idx="minor">
+            <a:schemeClr val="tx1"/>
+          </a:fontRef>
+        </p:style>
+      </p:cxnSp>
+      <p:cxnSp>
+        <p:nvCxnSpPr>
+          <p:cNvPr id="50" name="Straight Arrow Connector 49">
+            <a:extLst>
+              <a:ext uri="{FF2B5EF4-FFF2-40B4-BE49-F238E27FC236}">
+                <a16:creationId xmlns:a16="http://schemas.microsoft.com/office/drawing/2014/main" id="{536E0E6F-08CE-41E5-99FB-24F251647928}"/>
+              </a:ext>
+            </a:extLst>
+          </p:cNvPr>
+          <p:cNvCxnSpPr>
+            <a:cxnSpLocks/>
+          </p:cNvCxnSpPr>
+          <p:nvPr/>
+        </p:nvCxnSpPr>
+        <p:spPr>
+          <a:xfrm>
+            <a:off x="8290966" y="3437212"/>
+            <a:ext cx="144294" cy="0"/>
+          </a:xfrm>
+          <a:prstGeom prst="straightConnector1">
+            <a:avLst/>
+          </a:prstGeom>
+          <a:ln w="22225">
+            <a:solidFill>
+              <a:schemeClr val="tx1"/>
+            </a:solidFill>
+            <a:tailEnd type="triangle"/>
+          </a:ln>
+        </p:spPr>
+        <p:style>
+          <a:lnRef idx="1">
+            <a:schemeClr val="accent1"/>
+          </a:lnRef>
+          <a:fillRef idx="0">
+            <a:schemeClr val="accent1"/>
+          </a:fillRef>
+          <a:effectRef idx="0">
+            <a:schemeClr val="accent1"/>
+          </a:effectRef>
+          <a:fontRef idx="minor">
+            <a:schemeClr val="tx1"/>
+          </a:fontRef>
+        </p:style>
+      </p:cxnSp>
+      <p:sp>
+        <p:nvSpPr>
+          <p:cNvPr id="53" name="Rectangle 52">
+            <a:extLst>
+              <a:ext uri="{FF2B5EF4-FFF2-40B4-BE49-F238E27FC236}">
+                <a16:creationId xmlns:a16="http://schemas.microsoft.com/office/drawing/2014/main" id="{2F5124EA-E15E-45C3-8658-116471C8488D}"/>
+              </a:ext>
+            </a:extLst>
+          </p:cNvPr>
+          <p:cNvSpPr/>
+          <p:nvPr/>
+        </p:nvSpPr>
+        <p:spPr>
+          <a:xfrm>
+            <a:off x="4499156" y="3239236"/>
+            <a:ext cx="640080" cy="393286"/>
+          </a:xfrm>
+          <a:prstGeom prst="rect">
+            <a:avLst/>
+          </a:prstGeom>
+          <a:solidFill>
+            <a:schemeClr val="bg1"/>
+          </a:solidFill>
+          <a:ln>
+            <a:solidFill>
+              <a:schemeClr val="accent1">
+                <a:lumMod val="60000"/>
+                <a:lumOff val="40000"/>
+              </a:schemeClr>
+            </a:solidFill>
+            <a:prstDash val="dash"/>
+          </a:ln>
+        </p:spPr>
+        <p:style>
+          <a:lnRef idx="2">
+            <a:schemeClr val="accent1">
+              <a:shade val="50000"/>
+            </a:schemeClr>
+          </a:lnRef>
+          <a:fillRef idx="1">
+            <a:schemeClr val="accent1"/>
+          </a:fillRef>
+          <a:effectRef idx="0">
+            <a:schemeClr val="accent1"/>
+          </a:effectRef>
+          <a:fontRef idx="minor">
+            <a:schemeClr val="lt1"/>
+          </a:fontRef>
+        </p:style>
+        <p:txBody>
+          <a:bodyPr rtlCol="0" anchor="ctr"/>
+          <a:lstStyle/>
+          <a:p>
+            <a:pPr algn="ctr"/>
+            <a:endParaRPr lang="en-US"/>
+          </a:p>
+        </p:txBody>
+      </p:sp>
+      <p:sp>
+        <p:nvSpPr>
+          <p:cNvPr id="54" name="TextBox 53">
+            <a:extLst>
+              <a:ext uri="{FF2B5EF4-FFF2-40B4-BE49-F238E27FC236}">
+                <a16:creationId xmlns:a16="http://schemas.microsoft.com/office/drawing/2014/main" id="{FA4A292E-E064-4A32-846E-F0ADA6C40B65}"/>
+              </a:ext>
+            </a:extLst>
+          </p:cNvPr>
+          <p:cNvSpPr txBox="1"/>
+          <p:nvPr/>
+        </p:nvSpPr>
+        <p:spPr>
+          <a:xfrm>
+            <a:off x="4303134" y="3283222"/>
+            <a:ext cx="1030384" cy="307777"/>
+          </a:xfrm>
+          <a:prstGeom prst="rect">
+            <a:avLst/>
+          </a:prstGeom>
+          <a:noFill/>
+        </p:spPr>
+        <p:txBody>
+          <a:bodyPr wrap="square" rtlCol="0">
+            <a:spAutoFit/>
+          </a:bodyPr>
+          <a:lstStyle/>
+          <a:p>
+            <a:pPr algn="ctr"/>
+            <a:r>
+              <a:rPr lang="en-US" sz="700" dirty="0">
+                <a:latin typeface="Verdana" panose="020B0604030504040204" pitchFamily="34" charset="0"/>
+                <a:ea typeface="Verdana" panose="020B0604030504040204" pitchFamily="34" charset="0"/>
+              </a:rPr>
+              <a:t>Raw </a:t>
+            </a:r>
+          </a:p>
+          <a:p>
+            <a:pPr algn="ctr"/>
+            <a:r>
+              <a:rPr lang="en-US" sz="700" dirty="0">
+                <a:latin typeface="Verdana" panose="020B0604030504040204" pitchFamily="34" charset="0"/>
+                <a:ea typeface="Verdana" panose="020B0604030504040204" pitchFamily="34" charset="0"/>
+              </a:rPr>
+              <a:t>Data</a:t>
+            </a:r>
+          </a:p>
+        </p:txBody>
+      </p:sp>
+      <p:cxnSp>
+        <p:nvCxnSpPr>
+          <p:cNvPr id="55" name="Connector: Elbow 54">
+            <a:extLst>
+              <a:ext uri="{FF2B5EF4-FFF2-40B4-BE49-F238E27FC236}">
+                <a16:creationId xmlns:a16="http://schemas.microsoft.com/office/drawing/2014/main" id="{CCE1DDC7-9DA7-4AC4-9B7F-D4CAAA9E362F}"/>
+              </a:ext>
+            </a:extLst>
+          </p:cNvPr>
+          <p:cNvCxnSpPr>
+            <a:cxnSpLocks/>
+          </p:cNvCxnSpPr>
+          <p:nvPr/>
+        </p:nvCxnSpPr>
+        <p:spPr>
+          <a:xfrm rot="16200000" flipH="1">
+            <a:off x="4454266" y="4551986"/>
+            <a:ext cx="1654960" cy="285020"/>
+          </a:xfrm>
+          <a:prstGeom prst="bentConnector3">
+            <a:avLst>
+              <a:gd name="adj1" fmla="val 56974"/>
+            </a:avLst>
+          </a:prstGeom>
+          <a:ln w="19050">
+            <a:tailEnd type="triangle"/>
+          </a:ln>
+        </p:spPr>
+        <p:style>
+          <a:lnRef idx="1">
+            <a:schemeClr val="accent1"/>
+          </a:lnRef>
+          <a:fillRef idx="0">
+            <a:schemeClr val="accent1"/>
+          </a:fillRef>
+          <a:effectRef idx="0">
+            <a:schemeClr val="accent1"/>
+          </a:effectRef>
+          <a:fontRef idx="minor">
+            <a:schemeClr val="tx1"/>
+          </a:fontRef>
+        </p:style>
+      </p:cxnSp>
+      <p:sp>
+        <p:nvSpPr>
+          <p:cNvPr id="59" name="TextBox 58">
+            <a:extLst>
+              <a:ext uri="{FF2B5EF4-FFF2-40B4-BE49-F238E27FC236}">
+                <a16:creationId xmlns:a16="http://schemas.microsoft.com/office/drawing/2014/main" id="{2EA577B4-234A-4A0A-AB92-9E84F4CBAE96}"/>
+              </a:ext>
+            </a:extLst>
+          </p:cNvPr>
+          <p:cNvSpPr txBox="1"/>
+          <p:nvPr/>
+        </p:nvSpPr>
+        <p:spPr>
+          <a:xfrm rot="16200000">
+            <a:off x="4736914" y="4109444"/>
+            <a:ext cx="792636" cy="307777"/>
+          </a:xfrm>
+          <a:prstGeom prst="rect">
+            <a:avLst/>
+          </a:prstGeom>
+          <a:noFill/>
+        </p:spPr>
+        <p:txBody>
+          <a:bodyPr wrap="square" rtlCol="0">
+            <a:spAutoFit/>
+          </a:bodyPr>
+          <a:lstStyle/>
+          <a:p>
+            <a:pPr defTabSz="685800"/>
+            <a:r>
+              <a:rPr lang="en-US" sz="700" dirty="0">
+                <a:solidFill>
+                  <a:prstClr val="black"/>
+                </a:solidFill>
+                <a:latin typeface="Verdana" panose="020B0604030504040204" pitchFamily="34" charset="0"/>
+                <a:ea typeface="Verdana" panose="020B0604030504040204" pitchFamily="34" charset="0"/>
+              </a:rPr>
+              <a:t>Read Data from Storage</a:t>
+            </a:r>
+          </a:p>
+        </p:txBody>
+      </p:sp>
+      <p:sp>
+        <p:nvSpPr>
+          <p:cNvPr id="60" name="TextBox 59">
+            <a:extLst>
+              <a:ext uri="{FF2B5EF4-FFF2-40B4-BE49-F238E27FC236}">
+                <a16:creationId xmlns:a16="http://schemas.microsoft.com/office/drawing/2014/main" id="{E9901C2B-87F3-4F8F-A743-F98AEF1F628D}"/>
+              </a:ext>
+            </a:extLst>
+          </p:cNvPr>
+          <p:cNvSpPr txBox="1"/>
+          <p:nvPr/>
+        </p:nvSpPr>
+        <p:spPr>
+          <a:xfrm>
+            <a:off x="8280406" y="3256953"/>
+            <a:ext cx="1030384" cy="415498"/>
+          </a:xfrm>
+          <a:prstGeom prst="rect">
+            <a:avLst/>
+          </a:prstGeom>
+          <a:noFill/>
+        </p:spPr>
+        <p:txBody>
+          <a:bodyPr wrap="square" rtlCol="0">
+            <a:spAutoFit/>
+          </a:bodyPr>
+          <a:lstStyle/>
+          <a:p>
+            <a:pPr algn="ctr"/>
+            <a:r>
+              <a:rPr lang="en-US" sz="700" dirty="0">
+                <a:latin typeface="Verdana" panose="020B0604030504040204" pitchFamily="34" charset="0"/>
+                <a:ea typeface="Verdana" panose="020B0604030504040204" pitchFamily="34" charset="0"/>
+              </a:rPr>
+              <a:t>Evaluate </a:t>
+            </a:r>
+          </a:p>
+          <a:p>
+            <a:pPr algn="ctr"/>
+            <a:r>
+              <a:rPr lang="en-US" sz="700" dirty="0">
+                <a:latin typeface="Verdana" panose="020B0604030504040204" pitchFamily="34" charset="0"/>
+                <a:ea typeface="Verdana" panose="020B0604030504040204" pitchFamily="34" charset="0"/>
+              </a:rPr>
+              <a:t>Model</a:t>
+            </a:r>
+          </a:p>
+          <a:p>
+            <a:pPr algn="ctr"/>
+            <a:endParaRPr lang="en-US" sz="700" dirty="0"/>
+          </a:p>
+        </p:txBody>
+      </p:sp>
+      <p:pic>
+        <p:nvPicPr>
+          <p:cNvPr id="1026" name="Picture 2" descr="Project Jupyter - Wikipedia">
+            <a:extLst>
+              <a:ext uri="{FF2B5EF4-FFF2-40B4-BE49-F238E27FC236}">
+                <a16:creationId xmlns:a16="http://schemas.microsoft.com/office/drawing/2014/main" id="{F8F7A80C-6C19-4EED-BC82-8F0DF96D2657}"/>
+              </a:ext>
+            </a:extLst>
+          </p:cNvPr>
+          <p:cNvPicPr>
+            <a:picLocks noChangeAspect="1" noChangeArrowheads="1"/>
+          </p:cNvPicPr>
+          <p:nvPr/>
+        </p:nvPicPr>
+        <p:blipFill>
+          <a:blip r:embed="rId7">
+            <a:extLst>
+              <a:ext uri="{28A0092B-C50C-407E-A947-70E740481C1C}">
+                <a14:useLocalDpi xmlns:a14="http://schemas.microsoft.com/office/drawing/2010/main" val="0"/>
+              </a:ext>
+            </a:extLst>
+          </a:blip>
+          <a:srcRect/>
+          <a:stretch>
+            <a:fillRect/>
+          </a:stretch>
+        </p:blipFill>
+        <p:spPr bwMode="auto">
+          <a:xfrm>
+            <a:off x="4548307" y="2425798"/>
+            <a:ext cx="318856" cy="370977"/>
+          </a:xfrm>
+          <a:prstGeom prst="rect">
+            <a:avLst/>
+          </a:prstGeom>
+          <a:noFill/>
+          <a:extLst>
+            <a:ext uri="{909E8E84-426E-40DD-AFC4-6F175D3DCCD1}">
+              <a14:hiddenFill xmlns:a14="http://schemas.microsoft.com/office/drawing/2010/main">
+                <a:solidFill>
+                  <a:srgbClr val="FFFFFF"/>
+                </a:solidFill>
+              </a14:hiddenFill>
+            </a:ext>
+          </a:extLst>
+        </p:spPr>
+      </p:pic>
+      <p:cxnSp>
+        <p:nvCxnSpPr>
+          <p:cNvPr id="62" name="Connector: Elbow 61">
+            <a:extLst>
+              <a:ext uri="{FF2B5EF4-FFF2-40B4-BE49-F238E27FC236}">
+                <a16:creationId xmlns:a16="http://schemas.microsoft.com/office/drawing/2014/main" id="{356036CF-A1D0-4927-81FD-E62E4535C8CA}"/>
+              </a:ext>
+            </a:extLst>
+          </p:cNvPr>
+          <p:cNvCxnSpPr>
+            <a:cxnSpLocks/>
+          </p:cNvCxnSpPr>
+          <p:nvPr/>
+        </p:nvCxnSpPr>
+        <p:spPr>
+          <a:xfrm rot="16200000" flipH="1">
+            <a:off x="7782149" y="4527099"/>
+            <a:ext cx="1666561" cy="360338"/>
+          </a:xfrm>
+          <a:prstGeom prst="bentConnector3">
+            <a:avLst>
+              <a:gd name="adj1" fmla="val 56925"/>
+            </a:avLst>
+          </a:prstGeom>
+          <a:ln w="19050">
+            <a:tailEnd type="triangle"/>
+          </a:ln>
+        </p:spPr>
+        <p:style>
+          <a:lnRef idx="1">
+            <a:schemeClr val="accent1"/>
+          </a:lnRef>
+          <a:fillRef idx="0">
+            <a:schemeClr val="accent1"/>
+          </a:fillRef>
+          <a:effectRef idx="0">
+            <a:schemeClr val="accent1"/>
+          </a:effectRef>
+          <a:fontRef idx="minor">
+            <a:schemeClr val="tx1"/>
+          </a:fontRef>
+        </p:style>
+      </p:cxnSp>
+      <p:sp>
+        <p:nvSpPr>
+          <p:cNvPr id="68" name="TextBox 67">
+            <a:extLst>
+              <a:ext uri="{FF2B5EF4-FFF2-40B4-BE49-F238E27FC236}">
+                <a16:creationId xmlns:a16="http://schemas.microsoft.com/office/drawing/2014/main" id="{ACE723F9-FC06-44CE-9275-D41554B3C33B}"/>
+              </a:ext>
+            </a:extLst>
+          </p:cNvPr>
+          <p:cNvSpPr txBox="1"/>
+          <p:nvPr/>
+        </p:nvSpPr>
+        <p:spPr>
+          <a:xfrm rot="16200000">
+            <a:off x="7907834" y="4181746"/>
+            <a:ext cx="1040892" cy="307777"/>
+          </a:xfrm>
+          <a:prstGeom prst="rect">
+            <a:avLst/>
+          </a:prstGeom>
+          <a:noFill/>
+        </p:spPr>
+        <p:txBody>
+          <a:bodyPr wrap="square" rtlCol="0">
+            <a:spAutoFit/>
+          </a:bodyPr>
+          <a:lstStyle/>
+          <a:p>
+            <a:pPr defTabSz="685800"/>
+            <a:r>
+              <a:rPr lang="en-US" sz="700" dirty="0">
+                <a:solidFill>
+                  <a:prstClr val="black"/>
+                </a:solidFill>
+                <a:latin typeface="Verdana" panose="020B0604030504040204" pitchFamily="34" charset="0"/>
+                <a:ea typeface="Verdana" panose="020B0604030504040204" pitchFamily="34" charset="0"/>
+              </a:rPr>
+              <a:t>Write Classification Data to Storage</a:t>
+            </a:r>
+          </a:p>
+        </p:txBody>
+      </p:sp>
+      <p:cxnSp>
+        <p:nvCxnSpPr>
+          <p:cNvPr id="79" name="Connector: Elbow 78">
+            <a:extLst>
+              <a:ext uri="{FF2B5EF4-FFF2-40B4-BE49-F238E27FC236}">
+                <a16:creationId xmlns:a16="http://schemas.microsoft.com/office/drawing/2014/main" id="{CA946652-F80A-4C8C-842D-0DBA2BACBA5A}"/>
+              </a:ext>
+            </a:extLst>
+          </p:cNvPr>
+          <p:cNvCxnSpPr>
+            <a:stCxn id="16" idx="1"/>
+            <a:endCxn id="18" idx="2"/>
+          </p:cNvCxnSpPr>
+          <p:nvPr/>
+        </p:nvCxnSpPr>
+        <p:spPr>
+          <a:xfrm rot="10800000">
+            <a:off x="683950" y="4443804"/>
+            <a:ext cx="1207925" cy="1394510"/>
+          </a:xfrm>
+          <a:prstGeom prst="bentConnector2">
+            <a:avLst/>
+          </a:prstGeom>
+          <a:ln w="19050">
+            <a:tailEnd type="triangle"/>
+          </a:ln>
+        </p:spPr>
+        <p:style>
+          <a:lnRef idx="1">
+            <a:schemeClr val="accent1"/>
+          </a:lnRef>
+          <a:fillRef idx="0">
+            <a:schemeClr val="accent1"/>
+          </a:fillRef>
+          <a:effectRef idx="0">
+            <a:schemeClr val="accent1"/>
+          </a:effectRef>
+          <a:fontRef idx="minor">
+            <a:schemeClr val="tx1"/>
+          </a:fontRef>
+        </p:style>
+      </p:cxnSp>
+      <p:sp>
+        <p:nvSpPr>
+          <p:cNvPr id="81" name="TextBox 80">
+            <a:extLst>
+              <a:ext uri="{FF2B5EF4-FFF2-40B4-BE49-F238E27FC236}">
+                <a16:creationId xmlns:a16="http://schemas.microsoft.com/office/drawing/2014/main" id="{AC90A995-6DD8-4A1A-B6A6-515A80C58DC3}"/>
+              </a:ext>
+            </a:extLst>
+          </p:cNvPr>
+          <p:cNvSpPr txBox="1"/>
+          <p:nvPr/>
+        </p:nvSpPr>
+        <p:spPr>
+          <a:xfrm>
+            <a:off x="816134" y="5661810"/>
+            <a:ext cx="1013365" cy="200055"/>
+          </a:xfrm>
+          <a:prstGeom prst="rect">
+            <a:avLst/>
+          </a:prstGeom>
+          <a:noFill/>
+        </p:spPr>
+        <p:txBody>
+          <a:bodyPr wrap="square" rtlCol="0">
+            <a:spAutoFit/>
+          </a:bodyPr>
+          <a:lstStyle/>
+          <a:p>
+            <a:pPr defTabSz="685800"/>
+            <a:r>
+              <a:rPr lang="en-US" sz="700" dirty="0">
+                <a:solidFill>
+                  <a:prstClr val="black"/>
+                </a:solidFill>
+                <a:latin typeface="Verdana" panose="020B0604030504040204" pitchFamily="34" charset="0"/>
+                <a:ea typeface="Verdana" panose="020B0604030504040204" pitchFamily="34" charset="0"/>
+              </a:rPr>
+              <a:t>Write Data to CRM</a:t>
+            </a:r>
+          </a:p>
+        </p:txBody>
+      </p:sp>
+      <p:cxnSp>
+        <p:nvCxnSpPr>
+          <p:cNvPr id="82" name="Connector: Elbow 81">
+            <a:extLst>
+              <a:ext uri="{FF2B5EF4-FFF2-40B4-BE49-F238E27FC236}">
+                <a16:creationId xmlns:a16="http://schemas.microsoft.com/office/drawing/2014/main" id="{F6EB83C5-9697-4DDC-91C2-DB8A97F13247}"/>
+              </a:ext>
+            </a:extLst>
+          </p:cNvPr>
+          <p:cNvCxnSpPr>
+            <a:endCxn id="17" idx="0"/>
+          </p:cNvCxnSpPr>
+          <p:nvPr/>
+        </p:nvCxnSpPr>
+        <p:spPr>
+          <a:xfrm rot="16200000" flipH="1">
+            <a:off x="942297" y="2852329"/>
+            <a:ext cx="1958029" cy="1224919"/>
+          </a:xfrm>
+          <a:prstGeom prst="bentConnector3">
+            <a:avLst>
+              <a:gd name="adj1" fmla="val 1940"/>
+            </a:avLst>
+          </a:prstGeom>
+          <a:ln w="19050">
+            <a:tailEnd type="triangle"/>
+          </a:ln>
+        </p:spPr>
+        <p:style>
+          <a:lnRef idx="1">
+            <a:schemeClr val="accent1"/>
+          </a:lnRef>
+          <a:fillRef idx="0">
+            <a:schemeClr val="accent1"/>
+          </a:fillRef>
+          <a:effectRef idx="0">
+            <a:schemeClr val="accent1"/>
+          </a:effectRef>
+          <a:fontRef idx="minor">
+            <a:schemeClr val="tx1"/>
+          </a:fontRef>
+        </p:style>
+      </p:cxnSp>
+      <p:sp>
+        <p:nvSpPr>
+          <p:cNvPr id="85" name="TextBox 84">
+            <a:extLst>
+              <a:ext uri="{FF2B5EF4-FFF2-40B4-BE49-F238E27FC236}">
+                <a16:creationId xmlns:a16="http://schemas.microsoft.com/office/drawing/2014/main" id="{5E30ABCC-A48E-428F-B620-3B289AD81F50}"/>
+              </a:ext>
+            </a:extLst>
+          </p:cNvPr>
+          <p:cNvSpPr txBox="1"/>
+          <p:nvPr/>
+        </p:nvSpPr>
+        <p:spPr>
+          <a:xfrm>
+            <a:off x="1560960" y="2367583"/>
+            <a:ext cx="971378" cy="307777"/>
+          </a:xfrm>
+          <a:prstGeom prst="rect">
+            <a:avLst/>
+          </a:prstGeom>
+          <a:noFill/>
+        </p:spPr>
+        <p:txBody>
+          <a:bodyPr wrap="square" rtlCol="0">
+            <a:spAutoFit/>
+          </a:bodyPr>
+          <a:lstStyle/>
+          <a:p>
+            <a:pPr defTabSz="685800"/>
+            <a:r>
+              <a:rPr lang="en-US" sz="700" dirty="0">
+                <a:solidFill>
+                  <a:prstClr val="black"/>
+                </a:solidFill>
+                <a:latin typeface="Verdana" panose="020B0604030504040204" pitchFamily="34" charset="0"/>
+                <a:ea typeface="Verdana" panose="020B0604030504040204" pitchFamily="34" charset="0"/>
+              </a:rPr>
+              <a:t>Pull Pitchbook</a:t>
+            </a:r>
+          </a:p>
+          <a:p>
+            <a:pPr defTabSz="685800"/>
+            <a:r>
+              <a:rPr lang="en-US" sz="700" dirty="0">
+                <a:solidFill>
+                  <a:prstClr val="black"/>
+                </a:solidFill>
+                <a:latin typeface="Verdana" panose="020B0604030504040204" pitchFamily="34" charset="0"/>
+                <a:ea typeface="Verdana" panose="020B0604030504040204" pitchFamily="34" charset="0"/>
+              </a:rPr>
+              <a:t>Data</a:t>
+            </a:r>
+          </a:p>
+        </p:txBody>
+      </p:sp>
+      <p:sp>
+        <p:nvSpPr>
+          <p:cNvPr id="86" name="Oval 85">
+            <a:extLst>
+              <a:ext uri="{FF2B5EF4-FFF2-40B4-BE49-F238E27FC236}">
+                <a16:creationId xmlns:a16="http://schemas.microsoft.com/office/drawing/2014/main" id="{E17853A1-5A7D-4FB4-A1FA-4628395F74A6}"/>
+              </a:ext>
+            </a:extLst>
+          </p:cNvPr>
+          <p:cNvSpPr/>
+          <p:nvPr/>
+        </p:nvSpPr>
+        <p:spPr>
+          <a:xfrm>
+            <a:off x="1345624" y="2207653"/>
+            <a:ext cx="257832" cy="255102"/>
+          </a:xfrm>
+          <a:prstGeom prst="ellipse">
+            <a:avLst/>
+          </a:prstGeom>
+          <a:solidFill>
+            <a:srgbClr val="00B050"/>
+          </a:solidFill>
+          <a:ln>
+            <a:solidFill>
+              <a:srgbClr val="00B050"/>
+            </a:solidFill>
+          </a:ln>
+        </p:spPr>
+        <p:style>
+          <a:lnRef idx="2">
+            <a:schemeClr val="accent1">
+              <a:shade val="50000"/>
+            </a:schemeClr>
+          </a:lnRef>
+          <a:fillRef idx="1">
+            <a:schemeClr val="accent1"/>
+          </a:fillRef>
+          <a:effectRef idx="0">
+            <a:schemeClr val="accent1"/>
+          </a:effectRef>
+          <a:fontRef idx="minor">
+            <a:schemeClr val="lt1"/>
+          </a:fontRef>
+        </p:style>
+        <p:txBody>
+          <a:bodyPr rtlCol="0" anchor="ctr"/>
+          <a:lstStyle/>
+          <a:p>
+            <a:pPr algn="ctr"/>
+            <a:r>
+              <a:rPr lang="en-US" sz="1600" dirty="0">
+                <a:solidFill>
+                  <a:schemeClr val="tx1"/>
+                </a:solidFill>
+              </a:rPr>
+              <a:t>1</a:t>
+            </a:r>
+          </a:p>
+        </p:txBody>
+      </p:sp>
+      <p:sp>
+        <p:nvSpPr>
+          <p:cNvPr id="87" name="Oval 86">
+            <a:extLst>
+              <a:ext uri="{FF2B5EF4-FFF2-40B4-BE49-F238E27FC236}">
+                <a16:creationId xmlns:a16="http://schemas.microsoft.com/office/drawing/2014/main" id="{89209E01-D81E-4F64-B783-C0580418C63A}"/>
+              </a:ext>
+            </a:extLst>
+          </p:cNvPr>
+          <p:cNvSpPr/>
+          <p:nvPr/>
+        </p:nvSpPr>
+        <p:spPr>
+          <a:xfrm>
+            <a:off x="1329229" y="4404550"/>
+            <a:ext cx="257832" cy="255102"/>
+          </a:xfrm>
+          <a:prstGeom prst="ellipse">
+            <a:avLst/>
+          </a:prstGeom>
+          <a:solidFill>
+            <a:srgbClr val="00B050"/>
+          </a:solidFill>
+          <a:ln>
+            <a:solidFill>
+              <a:srgbClr val="00B050"/>
+            </a:solidFill>
+          </a:ln>
+        </p:spPr>
+        <p:style>
+          <a:lnRef idx="2">
+            <a:schemeClr val="accent1">
+              <a:shade val="50000"/>
+            </a:schemeClr>
+          </a:lnRef>
+          <a:fillRef idx="1">
+            <a:schemeClr val="accent1"/>
+          </a:fillRef>
+          <a:effectRef idx="0">
+            <a:schemeClr val="accent1"/>
+          </a:effectRef>
+          <a:fontRef idx="minor">
+            <a:schemeClr val="lt1"/>
+          </a:fontRef>
+        </p:style>
+        <p:txBody>
+          <a:bodyPr rtlCol="0" anchor="ctr"/>
+          <a:lstStyle/>
+          <a:p>
+            <a:pPr algn="ctr"/>
+            <a:r>
+              <a:rPr lang="en-US" sz="1600" dirty="0">
+                <a:solidFill>
+                  <a:schemeClr val="tx1"/>
+                </a:solidFill>
+              </a:rPr>
+              <a:t>2</a:t>
+            </a:r>
+          </a:p>
+        </p:txBody>
+      </p:sp>
+      <p:sp>
+        <p:nvSpPr>
+          <p:cNvPr id="88" name="Oval 87">
+            <a:extLst>
+              <a:ext uri="{FF2B5EF4-FFF2-40B4-BE49-F238E27FC236}">
+                <a16:creationId xmlns:a16="http://schemas.microsoft.com/office/drawing/2014/main" id="{992A98A2-45C5-43EC-B962-92362925FA99}"/>
+              </a:ext>
+            </a:extLst>
+          </p:cNvPr>
+          <p:cNvSpPr/>
+          <p:nvPr/>
+        </p:nvSpPr>
+        <p:spPr>
+          <a:xfrm>
+            <a:off x="2832499" y="5162347"/>
+            <a:ext cx="257832" cy="255102"/>
+          </a:xfrm>
+          <a:prstGeom prst="ellipse">
+            <a:avLst/>
+          </a:prstGeom>
+          <a:solidFill>
+            <a:srgbClr val="00B050"/>
+          </a:solidFill>
+          <a:ln>
+            <a:solidFill>
+              <a:srgbClr val="00B050"/>
+            </a:solidFill>
+          </a:ln>
+        </p:spPr>
+        <p:style>
+          <a:lnRef idx="2">
+            <a:schemeClr val="accent1">
+              <a:shade val="50000"/>
+            </a:schemeClr>
+          </a:lnRef>
+          <a:fillRef idx="1">
+            <a:schemeClr val="accent1"/>
+          </a:fillRef>
+          <a:effectRef idx="0">
+            <a:schemeClr val="accent1"/>
+          </a:effectRef>
+          <a:fontRef idx="minor">
+            <a:schemeClr val="lt1"/>
+          </a:fontRef>
+        </p:style>
+        <p:txBody>
+          <a:bodyPr rtlCol="0" anchor="ctr"/>
+          <a:lstStyle/>
+          <a:p>
+            <a:pPr algn="ctr"/>
+            <a:r>
+              <a:rPr lang="en-US" sz="1600" dirty="0">
+                <a:solidFill>
+                  <a:schemeClr val="tx1"/>
+                </a:solidFill>
+              </a:rPr>
+              <a:t>3</a:t>
+            </a:r>
+          </a:p>
+        </p:txBody>
+      </p:sp>
+      <p:sp>
+        <p:nvSpPr>
+          <p:cNvPr id="89" name="Oval 88">
+            <a:extLst>
+              <a:ext uri="{FF2B5EF4-FFF2-40B4-BE49-F238E27FC236}">
+                <a16:creationId xmlns:a16="http://schemas.microsoft.com/office/drawing/2014/main" id="{EF0702E4-EA77-4017-895A-2A639B88E663}"/>
+              </a:ext>
+            </a:extLst>
+          </p:cNvPr>
+          <p:cNvSpPr/>
+          <p:nvPr/>
+        </p:nvSpPr>
+        <p:spPr>
+          <a:xfrm>
+            <a:off x="4370240" y="1923874"/>
+            <a:ext cx="257832" cy="255102"/>
+          </a:xfrm>
+          <a:prstGeom prst="ellipse">
+            <a:avLst/>
+          </a:prstGeom>
+          <a:solidFill>
+            <a:srgbClr val="00B050"/>
+          </a:solidFill>
+          <a:ln>
+            <a:solidFill>
+              <a:srgbClr val="00B050"/>
+            </a:solidFill>
+          </a:ln>
+        </p:spPr>
+        <p:style>
+          <a:lnRef idx="2">
+            <a:schemeClr val="accent1">
+              <a:shade val="50000"/>
+            </a:schemeClr>
+          </a:lnRef>
+          <a:fillRef idx="1">
+            <a:schemeClr val="accent1"/>
+          </a:fillRef>
+          <a:effectRef idx="0">
+            <a:schemeClr val="accent1"/>
+          </a:effectRef>
+          <a:fontRef idx="minor">
+            <a:schemeClr val="lt1"/>
+          </a:fontRef>
+        </p:style>
+        <p:txBody>
+          <a:bodyPr rtlCol="0" anchor="ctr"/>
+          <a:lstStyle/>
+          <a:p>
+            <a:pPr algn="ctr"/>
+            <a:r>
+              <a:rPr lang="en-US" sz="1600" dirty="0">
+                <a:solidFill>
+                  <a:schemeClr val="tx1"/>
+                </a:solidFill>
+              </a:rPr>
+              <a:t>4</a:t>
+            </a:r>
+          </a:p>
+        </p:txBody>
+      </p:sp>
+      <p:sp>
+        <p:nvSpPr>
+          <p:cNvPr id="90" name="Oval 89">
+            <a:extLst>
+              <a:ext uri="{FF2B5EF4-FFF2-40B4-BE49-F238E27FC236}">
+                <a16:creationId xmlns:a16="http://schemas.microsoft.com/office/drawing/2014/main" id="{51C6827D-58B6-4046-B846-4DD56244A528}"/>
+              </a:ext>
+            </a:extLst>
+          </p:cNvPr>
+          <p:cNvSpPr/>
+          <p:nvPr/>
+        </p:nvSpPr>
+        <p:spPr>
+          <a:xfrm>
+            <a:off x="8820775" y="4849049"/>
+            <a:ext cx="257832" cy="255102"/>
+          </a:xfrm>
+          <a:prstGeom prst="ellipse">
+            <a:avLst/>
+          </a:prstGeom>
+          <a:solidFill>
+            <a:srgbClr val="00B050"/>
+          </a:solidFill>
+          <a:ln>
+            <a:solidFill>
+              <a:srgbClr val="00B050"/>
+            </a:solidFill>
+          </a:ln>
+        </p:spPr>
+        <p:style>
+          <a:lnRef idx="2">
+            <a:schemeClr val="accent1">
+              <a:shade val="50000"/>
+            </a:schemeClr>
+          </a:lnRef>
+          <a:fillRef idx="1">
+            <a:schemeClr val="accent1"/>
+          </a:fillRef>
+          <a:effectRef idx="0">
+            <a:schemeClr val="accent1"/>
+          </a:effectRef>
+          <a:fontRef idx="minor">
+            <a:schemeClr val="lt1"/>
+          </a:fontRef>
+        </p:style>
+        <p:txBody>
+          <a:bodyPr rtlCol="0" anchor="ctr"/>
+          <a:lstStyle/>
+          <a:p>
+            <a:pPr algn="ctr"/>
+            <a:r>
+              <a:rPr lang="en-US" sz="1600" dirty="0">
+                <a:solidFill>
+                  <a:schemeClr val="tx1"/>
+                </a:solidFill>
+              </a:rPr>
+              <a:t>5</a:t>
+            </a:r>
+          </a:p>
+        </p:txBody>
+      </p:sp>
+      <p:sp>
+        <p:nvSpPr>
+          <p:cNvPr id="91" name="Oval 90">
+            <a:extLst>
+              <a:ext uri="{FF2B5EF4-FFF2-40B4-BE49-F238E27FC236}">
+                <a16:creationId xmlns:a16="http://schemas.microsoft.com/office/drawing/2014/main" id="{A4E3637B-93B3-4F5B-85E9-DDE0E03DF1F1}"/>
+              </a:ext>
+            </a:extLst>
+          </p:cNvPr>
+          <p:cNvSpPr/>
+          <p:nvPr/>
+        </p:nvSpPr>
+        <p:spPr>
+          <a:xfrm>
+            <a:off x="718536" y="5366621"/>
+            <a:ext cx="257832" cy="255102"/>
+          </a:xfrm>
+          <a:prstGeom prst="ellipse">
+            <a:avLst/>
+          </a:prstGeom>
+          <a:solidFill>
+            <a:srgbClr val="00B050"/>
+          </a:solidFill>
+          <a:ln>
+            <a:solidFill>
+              <a:srgbClr val="00B050"/>
+            </a:solidFill>
+          </a:ln>
+        </p:spPr>
+        <p:style>
+          <a:lnRef idx="2">
+            <a:schemeClr val="accent1">
+              <a:shade val="50000"/>
+            </a:schemeClr>
+          </a:lnRef>
+          <a:fillRef idx="1">
+            <a:schemeClr val="accent1"/>
+          </a:fillRef>
+          <a:effectRef idx="0">
+            <a:schemeClr val="accent1"/>
+          </a:effectRef>
+          <a:fontRef idx="minor">
+            <a:schemeClr val="lt1"/>
+          </a:fontRef>
+        </p:style>
+        <p:txBody>
+          <a:bodyPr rtlCol="0" anchor="ctr"/>
+          <a:lstStyle/>
+          <a:p>
+            <a:pPr algn="ctr"/>
+            <a:r>
+              <a:rPr lang="en-US" sz="1600" dirty="0">
+                <a:solidFill>
+                  <a:schemeClr val="tx1"/>
+                </a:solidFill>
+              </a:rPr>
+              <a:t>6</a:t>
+            </a:r>
+          </a:p>
+        </p:txBody>
+      </p:sp>
+      <p:pic>
+        <p:nvPicPr>
+          <p:cNvPr id="92" name="Picture 91">
+            <a:extLst>
+              <a:ext uri="{FF2B5EF4-FFF2-40B4-BE49-F238E27FC236}">
+                <a16:creationId xmlns:a16="http://schemas.microsoft.com/office/drawing/2014/main" id="{86051244-474D-43EC-8A9A-C63EFFF93217}"/>
+              </a:ext>
+            </a:extLst>
+          </p:cNvPr>
+          <p:cNvPicPr>
+            <a:picLocks noChangeAspect="1"/>
+          </p:cNvPicPr>
+          <p:nvPr/>
+        </p:nvPicPr>
+        <p:blipFill>
+          <a:blip r:embed="rId8"/>
+          <a:stretch>
+            <a:fillRect/>
+          </a:stretch>
+        </p:blipFill>
+        <p:spPr>
+          <a:xfrm>
+            <a:off x="10981458" y="3151962"/>
+            <a:ext cx="619005" cy="554075"/>
+          </a:xfrm>
+          <a:prstGeom prst="rect">
+            <a:avLst/>
+          </a:prstGeom>
+        </p:spPr>
+      </p:pic>
+      <p:cxnSp>
+        <p:nvCxnSpPr>
+          <p:cNvPr id="93" name="Connector: Elbow 92">
+            <a:extLst>
+              <a:ext uri="{FF2B5EF4-FFF2-40B4-BE49-F238E27FC236}">
+                <a16:creationId xmlns:a16="http://schemas.microsoft.com/office/drawing/2014/main" id="{4E1564B6-3444-4A58-8385-70194B01B66D}"/>
+              </a:ext>
+            </a:extLst>
+          </p:cNvPr>
+          <p:cNvCxnSpPr>
+            <a:stCxn id="92" idx="2"/>
+            <a:endCxn id="16" idx="3"/>
+          </p:cNvCxnSpPr>
+          <p:nvPr/>
+        </p:nvCxnSpPr>
+        <p:spPr>
+          <a:xfrm rot="5400000">
+            <a:off x="9729406" y="4276758"/>
+            <a:ext cx="2132277" cy="990835"/>
+          </a:xfrm>
+          <a:prstGeom prst="bentConnector2">
+            <a:avLst/>
+          </a:prstGeom>
+          <a:ln w="19050">
+            <a:tailEnd type="triangle"/>
+          </a:ln>
+        </p:spPr>
+        <p:style>
+          <a:lnRef idx="1">
+            <a:schemeClr val="accent1"/>
+          </a:lnRef>
+          <a:fillRef idx="0">
+            <a:schemeClr val="accent1"/>
+          </a:fillRef>
+          <a:effectRef idx="0">
+            <a:schemeClr val="accent1"/>
+          </a:effectRef>
+          <a:fontRef idx="minor">
+            <a:schemeClr val="tx1"/>
+          </a:fontRef>
+        </p:style>
+      </p:cxnSp>
+      <p:sp>
+        <p:nvSpPr>
+          <p:cNvPr id="95" name="TextBox 94">
+            <a:extLst>
+              <a:ext uri="{FF2B5EF4-FFF2-40B4-BE49-F238E27FC236}">
+                <a16:creationId xmlns:a16="http://schemas.microsoft.com/office/drawing/2014/main" id="{BA2002F3-14E3-4E06-B209-5E2366BA93C8}"/>
+              </a:ext>
+            </a:extLst>
+          </p:cNvPr>
+          <p:cNvSpPr txBox="1"/>
+          <p:nvPr/>
+        </p:nvSpPr>
+        <p:spPr>
+          <a:xfrm rot="5400000">
+            <a:off x="10636429" y="4812960"/>
+            <a:ext cx="1497644" cy="200055"/>
+          </a:xfrm>
+          <a:prstGeom prst="rect">
+            <a:avLst/>
+          </a:prstGeom>
+          <a:noFill/>
+        </p:spPr>
+        <p:txBody>
+          <a:bodyPr wrap="square" rtlCol="0">
+            <a:spAutoFit/>
+          </a:bodyPr>
+          <a:lstStyle/>
+          <a:p>
+            <a:pPr defTabSz="685800"/>
+            <a:r>
+              <a:rPr lang="en-US" sz="700" dirty="0">
+                <a:solidFill>
+                  <a:prstClr val="black"/>
+                </a:solidFill>
+                <a:latin typeface="Verdana" panose="020B0604030504040204" pitchFamily="34" charset="0"/>
+                <a:ea typeface="Verdana" panose="020B0604030504040204" pitchFamily="34" charset="0"/>
+              </a:rPr>
+              <a:t>Consume  data for reporting</a:t>
+            </a:r>
+          </a:p>
+        </p:txBody>
+      </p:sp>
+      <p:sp>
+        <p:nvSpPr>
+          <p:cNvPr id="96" name="Oval 95">
+            <a:extLst>
+              <a:ext uri="{FF2B5EF4-FFF2-40B4-BE49-F238E27FC236}">
+                <a16:creationId xmlns:a16="http://schemas.microsoft.com/office/drawing/2014/main" id="{8DA57651-3609-479B-972A-31BA7C1A6385}"/>
+              </a:ext>
+            </a:extLst>
+          </p:cNvPr>
+          <p:cNvSpPr/>
+          <p:nvPr/>
+        </p:nvSpPr>
+        <p:spPr>
+          <a:xfrm>
+            <a:off x="10776808" y="5521976"/>
+            <a:ext cx="257832" cy="255102"/>
+          </a:xfrm>
+          <a:prstGeom prst="ellipse">
+            <a:avLst/>
+          </a:prstGeom>
+          <a:solidFill>
+            <a:srgbClr val="00B050"/>
+          </a:solidFill>
+          <a:ln>
+            <a:solidFill>
+              <a:srgbClr val="00B050"/>
+            </a:solidFill>
+          </a:ln>
+        </p:spPr>
+        <p:style>
+          <a:lnRef idx="2">
+            <a:schemeClr val="accent1">
+              <a:shade val="50000"/>
+            </a:schemeClr>
+          </a:lnRef>
+          <a:fillRef idx="1">
+            <a:schemeClr val="accent1"/>
+          </a:fillRef>
+          <a:effectRef idx="0">
+            <a:schemeClr val="accent1"/>
+          </a:effectRef>
+          <a:fontRef idx="minor">
+            <a:schemeClr val="lt1"/>
+          </a:fontRef>
+        </p:style>
+        <p:txBody>
+          <a:bodyPr rtlCol="0" anchor="ctr"/>
+          <a:lstStyle/>
+          <a:p>
+            <a:pPr algn="ctr"/>
+            <a:r>
+              <a:rPr lang="en-US" sz="1600" dirty="0">
+                <a:solidFill>
+                  <a:schemeClr val="tx1"/>
+                </a:solidFill>
+              </a:rPr>
+              <a:t>7</a:t>
             </a:r>
           </a:p>
         </p:txBody>

--- a/Final_project/MScA_31008_Final_Project_Presentation - Pitchbook Industry Classification.pptx
+++ b/Final_project/MScA_31008_Final_Project_Presentation - Pitchbook Industry Classification.pptx
@@ -10903,6 +10903,104 @@
           </a:p>
         </p:txBody>
       </p:sp>
+      <p:sp>
+        <p:nvSpPr>
+          <p:cNvPr id="97" name="object 49">
+            <a:extLst>
+              <a:ext uri="{FF2B5EF4-FFF2-40B4-BE49-F238E27FC236}">
+                <a16:creationId xmlns:a16="http://schemas.microsoft.com/office/drawing/2014/main" id="{4AF98DBE-812F-45EA-BB1E-21CD393DCF91}"/>
+              </a:ext>
+            </a:extLst>
+          </p:cNvPr>
+          <p:cNvSpPr txBox="1"/>
+          <p:nvPr/>
+        </p:nvSpPr>
+        <p:spPr>
+          <a:xfrm>
+            <a:off x="10150228" y="1391101"/>
+            <a:ext cx="1950036" cy="766877"/>
+          </a:xfrm>
+          <a:prstGeom prst="rect">
+            <a:avLst/>
+          </a:prstGeom>
+          <a:ln>
+            <a:solidFill>
+              <a:schemeClr val="tx1"/>
+            </a:solidFill>
+            <a:prstDash val="sysDash"/>
+          </a:ln>
+        </p:spPr>
+        <p:txBody>
+          <a:bodyPr vert="horz" wrap="square" lIns="0" tIns="12700" rIns="0" bIns="0" rtlCol="0">
+            <a:spAutoFit/>
+          </a:bodyPr>
+          <a:lstStyle/>
+          <a:p>
+            <a:pPr marL="298450" indent="-285750">
+              <a:lnSpc>
+                <a:spcPct val="100000"/>
+              </a:lnSpc>
+              <a:spcBef>
+                <a:spcPts val="100"/>
+              </a:spcBef>
+              <a:buFont typeface="Wingdings" panose="05000000000000000000" pitchFamily="2" charset="2"/>
+              <a:buChar char="ü"/>
+            </a:pPr>
+            <a:r>
+              <a:rPr lang="en-US" sz="700" spc="40" dirty="0">
+                <a:latin typeface="Verdana"/>
+                <a:cs typeface="Verdana"/>
+              </a:rPr>
+              <a:t>Fine tunned Machine Learning model that predict the industry classification based on company description plus other attributes from Pitchbook data and update the company records in Salesforce CRM</a:t>
+            </a:r>
+          </a:p>
+        </p:txBody>
+      </p:sp>
+      <p:cxnSp>
+        <p:nvCxnSpPr>
+          <p:cNvPr id="98" name="Straight Arrow Connector 97">
+            <a:extLst>
+              <a:ext uri="{FF2B5EF4-FFF2-40B4-BE49-F238E27FC236}">
+                <a16:creationId xmlns:a16="http://schemas.microsoft.com/office/drawing/2014/main" id="{075DF8A5-1786-4737-A05D-9B83DAD9C4C7}"/>
+              </a:ext>
+            </a:extLst>
+          </p:cNvPr>
+          <p:cNvCxnSpPr>
+            <a:endCxn id="97" idx="1"/>
+          </p:cNvCxnSpPr>
+          <p:nvPr/>
+        </p:nvCxnSpPr>
+        <p:spPr>
+          <a:xfrm flipV="1">
+            <a:off x="9215092" y="1774540"/>
+            <a:ext cx="935136" cy="434947"/>
+          </a:xfrm>
+          <a:prstGeom prst="straightConnector1">
+            <a:avLst/>
+          </a:prstGeom>
+          <a:ln>
+            <a:solidFill>
+              <a:schemeClr val="tx1"/>
+            </a:solidFill>
+            <a:prstDash val="sysDash"/>
+            <a:tailEnd type="triangle"/>
+          </a:ln>
+        </p:spPr>
+        <p:style>
+          <a:lnRef idx="1">
+            <a:schemeClr val="accent1"/>
+          </a:lnRef>
+          <a:fillRef idx="0">
+            <a:schemeClr val="accent1"/>
+          </a:fillRef>
+          <a:effectRef idx="0">
+            <a:schemeClr val="accent1"/>
+          </a:effectRef>
+          <a:fontRef idx="minor">
+            <a:schemeClr val="tx1"/>
+          </a:fontRef>
+        </p:style>
+      </p:cxnSp>
     </p:spTree>
     <p:extLst>
       <p:ext uri="{BB962C8B-B14F-4D97-AF65-F5344CB8AC3E}">

--- a/Final_project/MScA_31008_Final_Project_Presentation - Pitchbook Industry Classification.pptx
+++ b/Final_project/MScA_31008_Final_Project_Presentation - Pitchbook Industry Classification.pptx
@@ -5,7 +5,7 @@
     <p:sldMasterId id="2147483648" r:id="rId1"/>
   </p:sldMasterIdLst>
   <p:notesMasterIdLst>
-    <p:notesMasterId r:id="rId9"/>
+    <p:notesMasterId r:id="rId10"/>
   </p:notesMasterIdLst>
   <p:sldIdLst>
     <p:sldId id="261" r:id="rId2"/>
@@ -15,6 +15,7 @@
     <p:sldId id="264" r:id="rId6"/>
     <p:sldId id="263" r:id="rId7"/>
     <p:sldId id="265" r:id="rId8"/>
+    <p:sldId id="267" r:id="rId9"/>
   </p:sldIdLst>
   <p:sldSz cx="12192000" cy="6858000"/>
   <p:notesSz cx="6858000" cy="9144000"/>
@@ -203,7 +204,7 @@
           <a:p>
             <a:fld id="{935E1275-E3BC-4924-9D21-14A811C77763}" type="datetimeFigureOut">
               <a:rPr lang="en-US" smtClean="0"/>
-              <a:t>2/28/2023</a:t>
+              <a:t>3/2/2023</a:t>
             </a:fld>
             <a:endParaRPr lang="en-US"/>
           </a:p>
@@ -1070,6 +1071,126 @@
 </p:notes>
 </file>
 
+<file path=ppt/notesSlides/notesSlide6.xml><?xml version="1.0" encoding="utf-8"?>
+<p:notes xmlns:a="http://schemas.openxmlformats.org/drawingml/2006/main" xmlns:r="http://schemas.openxmlformats.org/officeDocument/2006/relationships" xmlns:p="http://schemas.openxmlformats.org/presentationml/2006/main">
+  <p:cSld>
+    <p:spTree>
+      <p:nvGrpSpPr>
+        <p:cNvPr id="1" name=""/>
+        <p:cNvGrpSpPr/>
+        <p:nvPr/>
+      </p:nvGrpSpPr>
+      <p:grpSpPr>
+        <a:xfrm>
+          <a:off x="0" y="0"/>
+          <a:ext cx="0" cy="0"/>
+          <a:chOff x="0" y="0"/>
+          <a:chExt cx="0" cy="0"/>
+        </a:xfrm>
+      </p:grpSpPr>
+      <p:sp>
+        <p:nvSpPr>
+          <p:cNvPr id="2" name="Slide Image Placeholder 1"/>
+          <p:cNvSpPr>
+            <a:spLocks noGrp="1" noRot="1" noChangeAspect="1"/>
+          </p:cNvSpPr>
+          <p:nvPr>
+            <p:ph type="sldImg"/>
+          </p:nvPr>
+        </p:nvSpPr>
+        <p:spPr/>
+      </p:sp>
+      <p:sp>
+        <p:nvSpPr>
+          <p:cNvPr id="3" name="Notes Placeholder 2"/>
+          <p:cNvSpPr>
+            <a:spLocks noGrp="1"/>
+          </p:cNvSpPr>
+          <p:nvPr>
+            <p:ph type="body" idx="1"/>
+          </p:nvPr>
+        </p:nvSpPr>
+        <p:spPr/>
+        <p:txBody>
+          <a:bodyPr/>
+          <a:lstStyle/>
+          <a:p>
+            <a:r>
+              <a:rPr lang="en-US" sz="1200" b="0" i="0" kern="1200" dirty="0">
+                <a:solidFill>
+                  <a:schemeClr val="tx1"/>
+                </a:solidFill>
+                <a:effectLst/>
+                <a:latin typeface="+mn-lt"/>
+                <a:ea typeface="+mn-ea"/>
+                <a:cs typeface="+mn-cs"/>
+              </a:rPr>
+              <a:t>The </a:t>
+            </a:r>
+            <a:r>
+              <a:rPr lang="en-US" sz="1200" b="1" i="0" kern="1200" dirty="0">
+                <a:solidFill>
+                  <a:schemeClr val="tx1"/>
+                </a:solidFill>
+                <a:effectLst/>
+                <a:latin typeface="+mn-lt"/>
+                <a:ea typeface="+mn-ea"/>
+                <a:cs typeface="+mn-cs"/>
+              </a:rPr>
+              <a:t>Irving Fisher Committee</a:t>
+            </a:r>
+            <a:r>
+              <a:rPr lang="en-US" sz="1200" b="0" i="0" kern="1200" dirty="0">
+                <a:solidFill>
+                  <a:schemeClr val="tx1"/>
+                </a:solidFill>
+                <a:effectLst/>
+                <a:latin typeface="+mn-lt"/>
+                <a:ea typeface="+mn-ea"/>
+                <a:cs typeface="+mn-cs"/>
+              </a:rPr>
+              <a:t> is a forum of central bank economists and statisticians, discussing statistical issues of interest to central banks</a:t>
+            </a:r>
+            <a:endParaRPr lang="en-US" dirty="0"/>
+          </a:p>
+        </p:txBody>
+      </p:sp>
+      <p:sp>
+        <p:nvSpPr>
+          <p:cNvPr id="4" name="Slide Number Placeholder 3"/>
+          <p:cNvSpPr>
+            <a:spLocks noGrp="1"/>
+          </p:cNvSpPr>
+          <p:nvPr>
+            <p:ph type="sldNum" sz="quarter" idx="5"/>
+          </p:nvPr>
+        </p:nvSpPr>
+        <p:spPr/>
+        <p:txBody>
+          <a:bodyPr/>
+          <a:lstStyle/>
+          <a:p>
+            <a:fld id="{159A4FC4-B7B2-41AD-A47A-6BEA82EF40C3}" type="slidenum">
+              <a:rPr lang="en-US" smtClean="0"/>
+              <a:t>8</a:t>
+            </a:fld>
+            <a:endParaRPr lang="en-US"/>
+          </a:p>
+        </p:txBody>
+      </p:sp>
+    </p:spTree>
+    <p:extLst>
+      <p:ext uri="{BB962C8B-B14F-4D97-AF65-F5344CB8AC3E}">
+        <p14:creationId xmlns:p14="http://schemas.microsoft.com/office/powerpoint/2010/main" val="2657907164"/>
+      </p:ext>
+    </p:extLst>
+  </p:cSld>
+  <p:clrMapOvr>
+    <a:masterClrMapping/>
+  </p:clrMapOvr>
+</p:notes>
+</file>
+
 <file path=ppt/slideLayouts/slideLayout1.xml><?xml version="1.0" encoding="utf-8"?>
 <p:sldLayout xmlns:a="http://schemas.openxmlformats.org/drawingml/2006/main" xmlns:r="http://schemas.openxmlformats.org/officeDocument/2006/relationships" xmlns:p="http://schemas.openxmlformats.org/presentationml/2006/main" type="title" preserve="1">
   <p:cSld name="Title Slide">
@@ -1217,7 +1338,7 @@
           <a:p>
             <a:fld id="{38744EF7-277B-4C2F-8C3D-AA5604BF70B5}" type="datetimeFigureOut">
               <a:rPr lang="en-US" smtClean="0"/>
-              <a:t>2/28/2023</a:t>
+              <a:t>3/2/2023</a:t>
             </a:fld>
             <a:endParaRPr lang="en-US"/>
           </a:p>
@@ -1415,7 +1536,7 @@
           <a:p>
             <a:fld id="{38744EF7-277B-4C2F-8C3D-AA5604BF70B5}" type="datetimeFigureOut">
               <a:rPr lang="en-US" smtClean="0"/>
-              <a:t>2/28/2023</a:t>
+              <a:t>3/2/2023</a:t>
             </a:fld>
             <a:endParaRPr lang="en-US"/>
           </a:p>
@@ -1623,7 +1744,7 @@
           <a:p>
             <a:fld id="{38744EF7-277B-4C2F-8C3D-AA5604BF70B5}" type="datetimeFigureOut">
               <a:rPr lang="en-US" smtClean="0"/>
-              <a:t>2/28/2023</a:t>
+              <a:t>3/2/2023</a:t>
             </a:fld>
             <a:endParaRPr lang="en-US"/>
           </a:p>
@@ -1821,7 +1942,7 @@
           <a:p>
             <a:fld id="{38744EF7-277B-4C2F-8C3D-AA5604BF70B5}" type="datetimeFigureOut">
               <a:rPr lang="en-US" smtClean="0"/>
-              <a:t>2/28/2023</a:t>
+              <a:t>3/2/2023</a:t>
             </a:fld>
             <a:endParaRPr lang="en-US"/>
           </a:p>
@@ -2096,7 +2217,7 @@
           <a:p>
             <a:fld id="{38744EF7-277B-4C2F-8C3D-AA5604BF70B5}" type="datetimeFigureOut">
               <a:rPr lang="en-US" smtClean="0"/>
-              <a:t>2/28/2023</a:t>
+              <a:t>3/2/2023</a:t>
             </a:fld>
             <a:endParaRPr lang="en-US"/>
           </a:p>
@@ -2361,7 +2482,7 @@
           <a:p>
             <a:fld id="{38744EF7-277B-4C2F-8C3D-AA5604BF70B5}" type="datetimeFigureOut">
               <a:rPr lang="en-US" smtClean="0"/>
-              <a:t>2/28/2023</a:t>
+              <a:t>3/2/2023</a:t>
             </a:fld>
             <a:endParaRPr lang="en-US"/>
           </a:p>
@@ -2773,7 +2894,7 @@
           <a:p>
             <a:fld id="{38744EF7-277B-4C2F-8C3D-AA5604BF70B5}" type="datetimeFigureOut">
               <a:rPr lang="en-US" smtClean="0"/>
-              <a:t>2/28/2023</a:t>
+              <a:t>3/2/2023</a:t>
             </a:fld>
             <a:endParaRPr lang="en-US"/>
           </a:p>
@@ -2914,7 +3035,7 @@
           <a:p>
             <a:fld id="{38744EF7-277B-4C2F-8C3D-AA5604BF70B5}" type="datetimeFigureOut">
               <a:rPr lang="en-US" smtClean="0"/>
-              <a:t>2/28/2023</a:t>
+              <a:t>3/2/2023</a:t>
             </a:fld>
             <a:endParaRPr lang="en-US"/>
           </a:p>
@@ -3027,7 +3148,7 @@
           <a:p>
             <a:fld id="{38744EF7-277B-4C2F-8C3D-AA5604BF70B5}" type="datetimeFigureOut">
               <a:rPr lang="en-US" smtClean="0"/>
-              <a:t>2/28/2023</a:t>
+              <a:t>3/2/2023</a:t>
             </a:fld>
             <a:endParaRPr lang="en-US"/>
           </a:p>
@@ -3338,7 +3459,7 @@
           <a:p>
             <a:fld id="{38744EF7-277B-4C2F-8C3D-AA5604BF70B5}" type="datetimeFigureOut">
               <a:rPr lang="en-US" smtClean="0"/>
-              <a:t>2/28/2023</a:t>
+              <a:t>3/2/2023</a:t>
             </a:fld>
             <a:endParaRPr lang="en-US"/>
           </a:p>
@@ -3626,7 +3747,7 @@
           <a:p>
             <a:fld id="{38744EF7-277B-4C2F-8C3D-AA5604BF70B5}" type="datetimeFigureOut">
               <a:rPr lang="en-US" smtClean="0"/>
-              <a:t>2/28/2023</a:t>
+              <a:t>3/2/2023</a:t>
             </a:fld>
             <a:endParaRPr lang="en-US"/>
           </a:p>
@@ -3867,7 +3988,7 @@
           <a:p>
             <a:fld id="{38744EF7-277B-4C2F-8C3D-AA5604BF70B5}" type="datetimeFigureOut">
               <a:rPr lang="en-US" smtClean="0"/>
-              <a:t>2/28/2023</a:t>
+              <a:t>3/2/2023</a:t>
             </a:fld>
             <a:endParaRPr lang="en-US"/>
           </a:p>
@@ -4675,7 +4796,7 @@
         <p:spPr>
           <a:xfrm>
             <a:off x="838199" y="1590674"/>
-            <a:ext cx="4810125" cy="4105226"/>
+            <a:ext cx="5882197" cy="4105226"/>
           </a:xfrm>
           <a:prstGeom prst="rect">
             <a:avLst/>
@@ -4796,7 +4917,7 @@
                 <a:latin typeface="Verdana" panose="020B0604030504040204" pitchFamily="34" charset="0"/>
                 <a:ea typeface="Verdana" panose="020B0604030504040204" pitchFamily="34" charset="0"/>
               </a:rPr>
-              <a:t>Data Exploration</a:t>
+              <a:t>Data Exploration &amp; Feature Engineering</a:t>
             </a:r>
           </a:p>
           <a:p>
@@ -14068,7 +14189,7 @@
                 <a:ea typeface="Verdana" panose="020B0604030504040204" pitchFamily="34" charset="0"/>
                 <a:cs typeface="+mj-cs"/>
               </a:rPr>
-              <a:t>Data Mining Techniques</a:t>
+              <a:t>Feature Engineering</a:t>
             </a:r>
           </a:p>
         </p:txBody>
@@ -14447,7 +14568,7 @@
         <p:spPr>
           <a:xfrm>
             <a:off x="538578" y="1806712"/>
-            <a:ext cx="11100047" cy="3952859"/>
+            <a:ext cx="11100047" cy="2099463"/>
           </a:xfrm>
           <a:prstGeom prst="rect">
             <a:avLst/>
@@ -14455,7 +14576,7 @@
         </p:spPr>
         <p:txBody>
           <a:bodyPr vert="horz" lIns="91440" tIns="45720" rIns="91440" bIns="45720" rtlCol="0">
-            <a:normAutofit fontScale="85000" lnSpcReduction="20000"/>
+            <a:normAutofit/>
           </a:bodyPr>
           <a:lstStyle>
             <a:lvl1pPr marL="228600" indent="-228600" algn="l" defTabSz="914400" rtl="0" eaLnBrk="1" latinLnBrk="0" hangingPunct="1">
@@ -14624,20 +14745,20 @@
           <a:p>
             <a:pPr algn="just"/>
             <a:r>
-              <a:rPr lang="en-US" sz="2000" dirty="0">
+              <a:rPr lang="en-US" sz="1400" dirty="0">
                 <a:solidFill>
                   <a:srgbClr val="374151"/>
                 </a:solidFill>
                 <a:latin typeface="Verdana" panose="020B0604030504040204" pitchFamily="34" charset="0"/>
                 <a:ea typeface="Verdana" panose="020B0604030504040204" pitchFamily="34" charset="0"/>
               </a:rPr>
-              <a:t>Sentence embedding refers to the process of converting a sentence into a numerical vector representation. This vector representation captures the meaning and context of the sentence in a way that can be used by machine learning algorithms for various natural language processing (NLP) tasks, such as text classification, sentiment analysis, and language translation.</a:t>
+              <a:t>Sentence embedding is often used in sentence transformation tasks to compare the meaning of different sentences or to generate new sentences that have similar meanings. It refers to the process of converting a sentence into a numerical vector representation. This vector representation captures the meaning and context of the sentence in a way that can be used by machine learning algorithms for various natural language processing (NLP) tasks, such as text classification, sentiment analysis, and language translation. </a:t>
             </a:r>
           </a:p>
           <a:p>
             <a:pPr algn="just"/>
             <a:r>
-              <a:rPr lang="en-US" sz="2000" dirty="0">
+              <a:rPr lang="en-US" sz="1400" dirty="0">
                 <a:solidFill>
                   <a:srgbClr val="374151"/>
                 </a:solidFill>
@@ -14650,54 +14771,25 @@
           <a:p>
             <a:pPr lvl="1" algn="just"/>
             <a:r>
-              <a:rPr lang="en-US" sz="2000" dirty="0">
+              <a:rPr lang="en-US" sz="1400" dirty="0">
                 <a:solidFill>
                   <a:srgbClr val="374151"/>
                 </a:solidFill>
                 <a:latin typeface="Verdana" panose="020B0604030504040204" pitchFamily="34" charset="0"/>
                 <a:ea typeface="Verdana" panose="020B0604030504040204" pitchFamily="34" charset="0"/>
               </a:rPr>
-              <a:t>Bag-of-Words: This approach represents a sentence as a vector of word frequencies, where each element of the vector represents the frequency of a particular word in the sentence.</a:t>
+              <a:t>Bag-of-Words: In this approach, the sentence is first preprocessed to remove stop words, punctuation, and other irrelevant elements. Then, the bag-of-words technique is used to represent the sentence as a vector of word frequencies. The resulting vector is used as the vector representation of the sentence.</a:t>
             </a:r>
           </a:p>
           <a:p>
             <a:pPr lvl="1" algn="just"/>
-            <a:r>
-              <a:rPr lang="en-US" sz="2000" dirty="0">
-                <a:solidFill>
-                  <a:srgbClr val="374151"/>
-                </a:solidFill>
-                <a:latin typeface="Verdana" panose="020B0604030504040204" pitchFamily="34" charset="0"/>
-                <a:ea typeface="Verdana" panose="020B0604030504040204" pitchFamily="34" charset="0"/>
-              </a:rPr>
-              <a:t>Word Embeddings: This approach represents each word in a sentence as a vector in a high-dimensional space, where words that have similar meanings are closer together. The sentence is then represented as a vector that is the sum or average of the word vectors in the sentence.</a:t>
-            </a:r>
-          </a:p>
-          <a:p>
-            <a:pPr lvl="1" algn="just"/>
-            <a:r>
-              <a:rPr lang="en-US" sz="2000" dirty="0">
-                <a:solidFill>
-                  <a:srgbClr val="374151"/>
-                </a:solidFill>
-                <a:latin typeface="Verdana" panose="020B0604030504040204" pitchFamily="34" charset="0"/>
-                <a:ea typeface="Verdana" panose="020B0604030504040204" pitchFamily="34" charset="0"/>
-              </a:rPr>
-              <a:t>Transformers: This approach uses deep neural networks to encode a sentence as a fixed-length vector. Transformers have achieved state-of-the-art performance on many NLP tasks, including sentence classification and language modeling.</a:t>
-            </a:r>
-          </a:p>
-          <a:p>
-            <a:pPr algn="just"/>
-            <a:r>
-              <a:rPr lang="en-US" sz="2000" dirty="0">
-                <a:solidFill>
-                  <a:srgbClr val="374151"/>
-                </a:solidFill>
-                <a:latin typeface="Verdana" panose="020B0604030504040204" pitchFamily="34" charset="0"/>
-                <a:ea typeface="Verdana" panose="020B0604030504040204" pitchFamily="34" charset="0"/>
-              </a:rPr>
-              <a:t>Sentence embedding is often used in sentence transformation tasks to compare the meaning of different sentences or to generate new sentences that have similar meanings. By representing sentences as numerical vectors, machine learning algorithms can compare and manipulate sentences in a way that is not possible with raw text.</a:t>
-            </a:r>
+            <a:endParaRPr lang="en-US" sz="2000" dirty="0">
+              <a:solidFill>
+                <a:srgbClr val="374151"/>
+              </a:solidFill>
+              <a:latin typeface="Verdana" panose="020B0604030504040204" pitchFamily="34" charset="0"/>
+              <a:ea typeface="Verdana" panose="020B0604030504040204" pitchFamily="34" charset="0"/>
+            </a:endParaRPr>
           </a:p>
           <a:p>
             <a:endParaRPr lang="en-US" dirty="0"/>
@@ -14765,15 +14857,2607 @@
                 <a:ea typeface="Verdana" panose="020B0604030504040204" pitchFamily="34" charset="0"/>
                 <a:cs typeface="+mj-cs"/>
               </a:rPr>
-              <a:t>Sentence transform</a:t>
-            </a:r>
-          </a:p>
-        </p:txBody>
-      </p:sp>
+              <a:t>Sentence embedding</a:t>
+            </a:r>
+          </a:p>
+        </p:txBody>
+      </p:sp>
+      <p:grpSp>
+        <p:nvGrpSpPr>
+          <p:cNvPr id="41" name="Group 40">
+            <a:extLst>
+              <a:ext uri="{FF2B5EF4-FFF2-40B4-BE49-F238E27FC236}">
+                <a16:creationId xmlns:a16="http://schemas.microsoft.com/office/drawing/2014/main" id="{5995507C-32EF-4E10-9260-801F76B7A948}"/>
+              </a:ext>
+            </a:extLst>
+          </p:cNvPr>
+          <p:cNvGrpSpPr/>
+          <p:nvPr/>
+        </p:nvGrpSpPr>
+        <p:grpSpPr>
+          <a:xfrm>
+            <a:off x="3403769" y="4042450"/>
+            <a:ext cx="5021140" cy="1452831"/>
+            <a:chOff x="3403769" y="3731729"/>
+            <a:chExt cx="5021140" cy="1452831"/>
+          </a:xfrm>
+        </p:grpSpPr>
+        <p:sp>
+          <p:nvSpPr>
+            <p:cNvPr id="17" name="Rectangle 16">
+              <a:extLst>
+                <a:ext uri="{FF2B5EF4-FFF2-40B4-BE49-F238E27FC236}">
+                  <a16:creationId xmlns:a16="http://schemas.microsoft.com/office/drawing/2014/main" id="{0CF5F28E-810B-4DC4-99FD-0D2D36888859}"/>
+                </a:ext>
+              </a:extLst>
+            </p:cNvPr>
+            <p:cNvSpPr/>
+            <p:nvPr/>
+          </p:nvSpPr>
+          <p:spPr>
+            <a:xfrm>
+              <a:off x="3403769" y="3737800"/>
+              <a:ext cx="5021140" cy="1446760"/>
+            </a:xfrm>
+            <a:prstGeom prst="rect">
+              <a:avLst/>
+            </a:prstGeom>
+            <a:solidFill>
+              <a:schemeClr val="bg1"/>
+            </a:solidFill>
+            <a:ln>
+              <a:solidFill>
+                <a:srgbClr val="002060"/>
+              </a:solidFill>
+            </a:ln>
+          </p:spPr>
+          <p:style>
+            <a:lnRef idx="2">
+              <a:schemeClr val="accent1">
+                <a:shade val="50000"/>
+              </a:schemeClr>
+            </a:lnRef>
+            <a:fillRef idx="1">
+              <a:schemeClr val="accent1"/>
+            </a:fillRef>
+            <a:effectRef idx="0">
+              <a:schemeClr val="accent1"/>
+            </a:effectRef>
+            <a:fontRef idx="minor">
+              <a:schemeClr val="lt1"/>
+            </a:fontRef>
+          </p:style>
+          <p:txBody>
+            <a:bodyPr rtlCol="0" anchor="ctr"/>
+            <a:lstStyle/>
+            <a:p>
+              <a:pPr algn="ctr"/>
+              <a:endParaRPr lang="en-US"/>
+            </a:p>
+          </p:txBody>
+        </p:sp>
+        <p:sp>
+          <p:nvSpPr>
+            <p:cNvPr id="18" name="Rectangle 17">
+              <a:extLst>
+                <a:ext uri="{FF2B5EF4-FFF2-40B4-BE49-F238E27FC236}">
+                  <a16:creationId xmlns:a16="http://schemas.microsoft.com/office/drawing/2014/main" id="{AAD7FE50-F364-491A-A860-975715C76EA8}"/>
+                </a:ext>
+              </a:extLst>
+            </p:cNvPr>
+            <p:cNvSpPr/>
+            <p:nvPr/>
+          </p:nvSpPr>
+          <p:spPr>
+            <a:xfrm>
+              <a:off x="3403769" y="3731729"/>
+              <a:ext cx="5021140" cy="353929"/>
+            </a:xfrm>
+            <a:prstGeom prst="rect">
+              <a:avLst/>
+            </a:prstGeom>
+            <a:solidFill>
+              <a:schemeClr val="accent2">
+                <a:lumMod val="40000"/>
+                <a:lumOff val="60000"/>
+              </a:schemeClr>
+            </a:solidFill>
+          </p:spPr>
+          <p:style>
+            <a:lnRef idx="2">
+              <a:schemeClr val="accent1">
+                <a:shade val="50000"/>
+              </a:schemeClr>
+            </a:lnRef>
+            <a:fillRef idx="1">
+              <a:schemeClr val="accent1"/>
+            </a:fillRef>
+            <a:effectRef idx="0">
+              <a:schemeClr val="accent1"/>
+            </a:effectRef>
+            <a:fontRef idx="minor">
+              <a:schemeClr val="lt1"/>
+            </a:fontRef>
+          </p:style>
+          <p:txBody>
+            <a:bodyPr rtlCol="0" anchor="ctr"/>
+            <a:lstStyle/>
+            <a:p>
+              <a:pPr algn="ctr"/>
+              <a:endParaRPr lang="en-US"/>
+            </a:p>
+          </p:txBody>
+        </p:sp>
+        <p:sp>
+          <p:nvSpPr>
+            <p:cNvPr id="19" name="TextBox 18">
+              <a:extLst>
+                <a:ext uri="{FF2B5EF4-FFF2-40B4-BE49-F238E27FC236}">
+                  <a16:creationId xmlns:a16="http://schemas.microsoft.com/office/drawing/2014/main" id="{67083432-3999-4A39-97A6-2EDCBECBDFF0}"/>
+                </a:ext>
+              </a:extLst>
+            </p:cNvPr>
+            <p:cNvSpPr txBox="1"/>
+            <p:nvPr/>
+          </p:nvSpPr>
+          <p:spPr>
+            <a:xfrm>
+              <a:off x="3727464" y="3785582"/>
+              <a:ext cx="4373749" cy="246221"/>
+            </a:xfrm>
+            <a:prstGeom prst="rect">
+              <a:avLst/>
+            </a:prstGeom>
+            <a:noFill/>
+          </p:spPr>
+          <p:txBody>
+            <a:bodyPr wrap="square" rtlCol="0">
+              <a:spAutoFit/>
+            </a:bodyPr>
+            <a:lstStyle/>
+            <a:p>
+              <a:pPr algn="ctr"/>
+              <a:r>
+                <a:rPr lang="en-US" sz="1000" b="1" dirty="0">
+                  <a:latin typeface="Verdana" panose="020B0604030504040204" pitchFamily="34" charset="0"/>
+                  <a:ea typeface="Verdana" panose="020B0604030504040204" pitchFamily="34" charset="0"/>
+                </a:rPr>
+                <a:t>Bag-of-words Embedding</a:t>
+              </a:r>
+            </a:p>
+          </p:txBody>
+        </p:sp>
+        <p:sp>
+          <p:nvSpPr>
+            <p:cNvPr id="28" name="Rectangle 27">
+              <a:extLst>
+                <a:ext uri="{FF2B5EF4-FFF2-40B4-BE49-F238E27FC236}">
+                  <a16:creationId xmlns:a16="http://schemas.microsoft.com/office/drawing/2014/main" id="{9488AB13-93CA-4FAA-A321-C1C47BDEB62A}"/>
+                </a:ext>
+              </a:extLst>
+            </p:cNvPr>
+            <p:cNvSpPr/>
+            <p:nvPr/>
+          </p:nvSpPr>
+          <p:spPr>
+            <a:xfrm>
+              <a:off x="3491863" y="4391741"/>
+              <a:ext cx="1030384" cy="393286"/>
+            </a:xfrm>
+            <a:prstGeom prst="rect">
+              <a:avLst/>
+            </a:prstGeom>
+            <a:solidFill>
+              <a:schemeClr val="accent1">
+                <a:lumMod val="40000"/>
+                <a:lumOff val="60000"/>
+              </a:schemeClr>
+            </a:solidFill>
+            <a:ln>
+              <a:solidFill>
+                <a:schemeClr val="accent1">
+                  <a:lumMod val="60000"/>
+                  <a:lumOff val="40000"/>
+                </a:schemeClr>
+              </a:solidFill>
+              <a:prstDash val="solid"/>
+            </a:ln>
+          </p:spPr>
+          <p:style>
+            <a:lnRef idx="2">
+              <a:schemeClr val="accent1">
+                <a:shade val="50000"/>
+              </a:schemeClr>
+            </a:lnRef>
+            <a:fillRef idx="1">
+              <a:schemeClr val="accent1"/>
+            </a:fillRef>
+            <a:effectRef idx="0">
+              <a:schemeClr val="accent1"/>
+            </a:effectRef>
+            <a:fontRef idx="minor">
+              <a:schemeClr val="lt1"/>
+            </a:fontRef>
+          </p:style>
+          <p:txBody>
+            <a:bodyPr rtlCol="0" anchor="ctr"/>
+            <a:lstStyle/>
+            <a:p>
+              <a:pPr algn="ctr"/>
+              <a:r>
+                <a:rPr lang="en-US" sz="800" dirty="0">
+                  <a:solidFill>
+                    <a:schemeClr val="tx1"/>
+                  </a:solidFill>
+                  <a:latin typeface="Verdana" panose="020B0604030504040204" pitchFamily="34" charset="0"/>
+                  <a:ea typeface="Verdana" panose="020B0604030504040204" pitchFamily="34" charset="0"/>
+                </a:rPr>
+                <a:t>Sentence</a:t>
+              </a:r>
+              <a:endParaRPr lang="en-US" dirty="0">
+                <a:solidFill>
+                  <a:schemeClr val="tx1"/>
+                </a:solidFill>
+              </a:endParaRPr>
+            </a:p>
+          </p:txBody>
+        </p:sp>
+        <p:sp>
+          <p:nvSpPr>
+            <p:cNvPr id="33" name="Rectangle 32">
+              <a:extLst>
+                <a:ext uri="{FF2B5EF4-FFF2-40B4-BE49-F238E27FC236}">
+                  <a16:creationId xmlns:a16="http://schemas.microsoft.com/office/drawing/2014/main" id="{357831D5-8F7C-45AB-B63B-BFD34CEBD211}"/>
+                </a:ext>
+              </a:extLst>
+            </p:cNvPr>
+            <p:cNvSpPr/>
+            <p:nvPr/>
+          </p:nvSpPr>
+          <p:spPr>
+            <a:xfrm>
+              <a:off x="4750824" y="4391741"/>
+              <a:ext cx="1030384" cy="393286"/>
+            </a:xfrm>
+            <a:prstGeom prst="rect">
+              <a:avLst/>
+            </a:prstGeom>
+            <a:solidFill>
+              <a:schemeClr val="accent1">
+                <a:lumMod val="40000"/>
+                <a:lumOff val="60000"/>
+              </a:schemeClr>
+            </a:solidFill>
+            <a:ln>
+              <a:solidFill>
+                <a:schemeClr val="accent1">
+                  <a:lumMod val="60000"/>
+                  <a:lumOff val="40000"/>
+                </a:schemeClr>
+              </a:solidFill>
+              <a:prstDash val="solid"/>
+            </a:ln>
+          </p:spPr>
+          <p:style>
+            <a:lnRef idx="2">
+              <a:schemeClr val="accent1">
+                <a:shade val="50000"/>
+              </a:schemeClr>
+            </a:lnRef>
+            <a:fillRef idx="1">
+              <a:schemeClr val="accent1"/>
+            </a:fillRef>
+            <a:effectRef idx="0">
+              <a:schemeClr val="accent1"/>
+            </a:effectRef>
+            <a:fontRef idx="minor">
+              <a:schemeClr val="lt1"/>
+            </a:fontRef>
+          </p:style>
+          <p:txBody>
+            <a:bodyPr rtlCol="0" anchor="ctr"/>
+            <a:lstStyle/>
+            <a:p>
+              <a:pPr algn="ctr"/>
+              <a:r>
+                <a:rPr lang="en-US" sz="800" dirty="0">
+                  <a:solidFill>
+                    <a:schemeClr val="tx1"/>
+                  </a:solidFill>
+                  <a:latin typeface="Verdana" panose="020B0604030504040204" pitchFamily="34" charset="0"/>
+                  <a:ea typeface="Verdana" panose="020B0604030504040204" pitchFamily="34" charset="0"/>
+                </a:rPr>
+                <a:t>Text Preprocessing</a:t>
+              </a:r>
+              <a:endParaRPr lang="en-US" dirty="0">
+                <a:solidFill>
+                  <a:schemeClr val="tx1"/>
+                </a:solidFill>
+              </a:endParaRPr>
+            </a:p>
+          </p:txBody>
+        </p:sp>
+        <p:sp>
+          <p:nvSpPr>
+            <p:cNvPr id="34" name="Rectangle 33">
+              <a:extLst>
+                <a:ext uri="{FF2B5EF4-FFF2-40B4-BE49-F238E27FC236}">
+                  <a16:creationId xmlns:a16="http://schemas.microsoft.com/office/drawing/2014/main" id="{ADE91EC7-F93A-4034-9CF0-1110D8BA7924}"/>
+                </a:ext>
+              </a:extLst>
+            </p:cNvPr>
+            <p:cNvSpPr/>
+            <p:nvPr/>
+          </p:nvSpPr>
+          <p:spPr>
+            <a:xfrm>
+              <a:off x="6033446" y="4391741"/>
+              <a:ext cx="1030384" cy="393286"/>
+            </a:xfrm>
+            <a:prstGeom prst="rect">
+              <a:avLst/>
+            </a:prstGeom>
+            <a:solidFill>
+              <a:schemeClr val="accent1">
+                <a:lumMod val="40000"/>
+                <a:lumOff val="60000"/>
+              </a:schemeClr>
+            </a:solidFill>
+            <a:ln>
+              <a:solidFill>
+                <a:schemeClr val="accent1">
+                  <a:lumMod val="60000"/>
+                  <a:lumOff val="40000"/>
+                </a:schemeClr>
+              </a:solidFill>
+              <a:prstDash val="solid"/>
+            </a:ln>
+          </p:spPr>
+          <p:style>
+            <a:lnRef idx="2">
+              <a:schemeClr val="accent1">
+                <a:shade val="50000"/>
+              </a:schemeClr>
+            </a:lnRef>
+            <a:fillRef idx="1">
+              <a:schemeClr val="accent1"/>
+            </a:fillRef>
+            <a:effectRef idx="0">
+              <a:schemeClr val="accent1"/>
+            </a:effectRef>
+            <a:fontRef idx="minor">
+              <a:schemeClr val="lt1"/>
+            </a:fontRef>
+          </p:style>
+          <p:txBody>
+            <a:bodyPr rtlCol="0" anchor="ctr"/>
+            <a:lstStyle/>
+            <a:p>
+              <a:pPr algn="ctr"/>
+              <a:r>
+                <a:rPr lang="en-US" sz="800" dirty="0">
+                  <a:solidFill>
+                    <a:schemeClr val="tx1"/>
+                  </a:solidFill>
+                  <a:latin typeface="Verdana" panose="020B0604030504040204" pitchFamily="34" charset="0"/>
+                  <a:ea typeface="Verdana" panose="020B0604030504040204" pitchFamily="34" charset="0"/>
+                </a:rPr>
+                <a:t>Bag-of-Words Encoding</a:t>
+              </a:r>
+              <a:endParaRPr lang="en-US" dirty="0">
+                <a:solidFill>
+                  <a:schemeClr val="tx1"/>
+                </a:solidFill>
+              </a:endParaRPr>
+            </a:p>
+          </p:txBody>
+        </p:sp>
+        <p:sp>
+          <p:nvSpPr>
+            <p:cNvPr id="35" name="Rectangle 34">
+              <a:extLst>
+                <a:ext uri="{FF2B5EF4-FFF2-40B4-BE49-F238E27FC236}">
+                  <a16:creationId xmlns:a16="http://schemas.microsoft.com/office/drawing/2014/main" id="{C6F9EAC8-8BAA-4A81-B649-DEA5DEFEFB62}"/>
+                </a:ext>
+              </a:extLst>
+            </p:cNvPr>
+            <p:cNvSpPr/>
+            <p:nvPr/>
+          </p:nvSpPr>
+          <p:spPr>
+            <a:xfrm>
+              <a:off x="7316068" y="4391741"/>
+              <a:ext cx="1030384" cy="393286"/>
+            </a:xfrm>
+            <a:prstGeom prst="rect">
+              <a:avLst/>
+            </a:prstGeom>
+            <a:solidFill>
+              <a:schemeClr val="accent1">
+                <a:lumMod val="40000"/>
+                <a:lumOff val="60000"/>
+              </a:schemeClr>
+            </a:solidFill>
+            <a:ln>
+              <a:solidFill>
+                <a:schemeClr val="accent1">
+                  <a:lumMod val="60000"/>
+                  <a:lumOff val="40000"/>
+                </a:schemeClr>
+              </a:solidFill>
+              <a:prstDash val="solid"/>
+            </a:ln>
+          </p:spPr>
+          <p:style>
+            <a:lnRef idx="2">
+              <a:schemeClr val="accent1">
+                <a:shade val="50000"/>
+              </a:schemeClr>
+            </a:lnRef>
+            <a:fillRef idx="1">
+              <a:schemeClr val="accent1"/>
+            </a:fillRef>
+            <a:effectRef idx="0">
+              <a:schemeClr val="accent1"/>
+            </a:effectRef>
+            <a:fontRef idx="minor">
+              <a:schemeClr val="lt1"/>
+            </a:fontRef>
+          </p:style>
+          <p:txBody>
+            <a:bodyPr rtlCol="0" anchor="ctr"/>
+            <a:lstStyle/>
+            <a:p>
+              <a:pPr algn="ctr"/>
+              <a:r>
+                <a:rPr lang="en-US" sz="800" dirty="0">
+                  <a:solidFill>
+                    <a:schemeClr val="tx1"/>
+                  </a:solidFill>
+                  <a:latin typeface="Verdana" panose="020B0604030504040204" pitchFamily="34" charset="0"/>
+                  <a:ea typeface="Verdana" panose="020B0604030504040204" pitchFamily="34" charset="0"/>
+                </a:rPr>
+                <a:t>Vector Representation</a:t>
+              </a:r>
+              <a:endParaRPr lang="en-US" dirty="0">
+                <a:solidFill>
+                  <a:schemeClr val="tx1"/>
+                </a:solidFill>
+              </a:endParaRPr>
+            </a:p>
+          </p:txBody>
+        </p:sp>
+        <p:cxnSp>
+          <p:nvCxnSpPr>
+            <p:cNvPr id="37" name="Straight Arrow Connector 36">
+              <a:extLst>
+                <a:ext uri="{FF2B5EF4-FFF2-40B4-BE49-F238E27FC236}">
+                  <a16:creationId xmlns:a16="http://schemas.microsoft.com/office/drawing/2014/main" id="{6CC2C195-021C-44FE-85A3-6BF393CC00E2}"/>
+                </a:ext>
+              </a:extLst>
+            </p:cNvPr>
+            <p:cNvCxnSpPr>
+              <a:cxnSpLocks/>
+              <a:endCxn id="33" idx="1"/>
+            </p:cNvCxnSpPr>
+            <p:nvPr/>
+          </p:nvCxnSpPr>
+          <p:spPr>
+            <a:xfrm>
+              <a:off x="4522247" y="4588384"/>
+              <a:ext cx="228577" cy="0"/>
+            </a:xfrm>
+            <a:prstGeom prst="straightConnector1">
+              <a:avLst/>
+            </a:prstGeom>
+            <a:ln w="22225">
+              <a:solidFill>
+                <a:schemeClr val="tx1"/>
+              </a:solidFill>
+              <a:tailEnd type="triangle"/>
+            </a:ln>
+          </p:spPr>
+          <p:style>
+            <a:lnRef idx="1">
+              <a:schemeClr val="accent1"/>
+            </a:lnRef>
+            <a:fillRef idx="0">
+              <a:schemeClr val="accent1"/>
+            </a:fillRef>
+            <a:effectRef idx="0">
+              <a:schemeClr val="accent1"/>
+            </a:effectRef>
+            <a:fontRef idx="minor">
+              <a:schemeClr val="tx1"/>
+            </a:fontRef>
+          </p:style>
+        </p:cxnSp>
+        <p:cxnSp>
+          <p:nvCxnSpPr>
+            <p:cNvPr id="38" name="Straight Arrow Connector 37">
+              <a:extLst>
+                <a:ext uri="{FF2B5EF4-FFF2-40B4-BE49-F238E27FC236}">
+                  <a16:creationId xmlns:a16="http://schemas.microsoft.com/office/drawing/2014/main" id="{4917F33C-C485-483B-84FE-DFF56A137C1C}"/>
+                </a:ext>
+              </a:extLst>
+            </p:cNvPr>
+            <p:cNvCxnSpPr>
+              <a:cxnSpLocks/>
+              <a:endCxn id="34" idx="1"/>
+            </p:cNvCxnSpPr>
+            <p:nvPr/>
+          </p:nvCxnSpPr>
+          <p:spPr>
+            <a:xfrm>
+              <a:off x="5781208" y="4588384"/>
+              <a:ext cx="252238" cy="0"/>
+            </a:xfrm>
+            <a:prstGeom prst="straightConnector1">
+              <a:avLst/>
+            </a:prstGeom>
+            <a:ln w="22225">
+              <a:solidFill>
+                <a:schemeClr val="tx1"/>
+              </a:solidFill>
+              <a:tailEnd type="triangle"/>
+            </a:ln>
+          </p:spPr>
+          <p:style>
+            <a:lnRef idx="1">
+              <a:schemeClr val="accent1"/>
+            </a:lnRef>
+            <a:fillRef idx="0">
+              <a:schemeClr val="accent1"/>
+            </a:fillRef>
+            <a:effectRef idx="0">
+              <a:schemeClr val="accent1"/>
+            </a:effectRef>
+            <a:fontRef idx="minor">
+              <a:schemeClr val="tx1"/>
+            </a:fontRef>
+          </p:style>
+        </p:cxnSp>
+        <p:cxnSp>
+          <p:nvCxnSpPr>
+            <p:cNvPr id="39" name="Straight Arrow Connector 38">
+              <a:extLst>
+                <a:ext uri="{FF2B5EF4-FFF2-40B4-BE49-F238E27FC236}">
+                  <a16:creationId xmlns:a16="http://schemas.microsoft.com/office/drawing/2014/main" id="{5B0A8132-3233-456A-9D85-73A6FB8EE017}"/>
+                </a:ext>
+              </a:extLst>
+            </p:cNvPr>
+            <p:cNvCxnSpPr>
+              <a:cxnSpLocks/>
+              <a:endCxn id="35" idx="1"/>
+            </p:cNvCxnSpPr>
+            <p:nvPr/>
+          </p:nvCxnSpPr>
+          <p:spPr>
+            <a:xfrm>
+              <a:off x="7063830" y="4588384"/>
+              <a:ext cx="252238" cy="0"/>
+            </a:xfrm>
+            <a:prstGeom prst="straightConnector1">
+              <a:avLst/>
+            </a:prstGeom>
+            <a:ln w="22225">
+              <a:solidFill>
+                <a:schemeClr val="tx1"/>
+              </a:solidFill>
+              <a:tailEnd type="triangle"/>
+            </a:ln>
+          </p:spPr>
+          <p:style>
+            <a:lnRef idx="1">
+              <a:schemeClr val="accent1"/>
+            </a:lnRef>
+            <a:fillRef idx="0">
+              <a:schemeClr val="accent1"/>
+            </a:fillRef>
+            <a:effectRef idx="0">
+              <a:schemeClr val="accent1"/>
+            </a:effectRef>
+            <a:fontRef idx="minor">
+              <a:schemeClr val="tx1"/>
+            </a:fontRef>
+          </p:style>
+        </p:cxnSp>
+      </p:grpSp>
     </p:spTree>
     <p:extLst>
       <p:ext uri="{BB962C8B-B14F-4D97-AF65-F5344CB8AC3E}">
         <p14:creationId xmlns:p14="http://schemas.microsoft.com/office/powerpoint/2010/main" val="4025291405"/>
+      </p:ext>
+    </p:extLst>
+  </p:cSld>
+  <p:clrMapOvr>
+    <a:masterClrMapping/>
+  </p:clrMapOvr>
+</p:sld>
+</file>
+
+<file path=ppt/slides/slide8.xml><?xml version="1.0" encoding="utf-8"?>
+<p:sld xmlns:a="http://schemas.openxmlformats.org/drawingml/2006/main" xmlns:r="http://schemas.openxmlformats.org/officeDocument/2006/relationships" xmlns:p="http://schemas.openxmlformats.org/presentationml/2006/main">
+  <p:cSld>
+    <p:spTree>
+      <p:nvGrpSpPr>
+        <p:cNvPr id="1" name=""/>
+        <p:cNvGrpSpPr/>
+        <p:nvPr/>
+      </p:nvGrpSpPr>
+      <p:grpSpPr>
+        <a:xfrm>
+          <a:off x="0" y="0"/>
+          <a:ext cx="0" cy="0"/>
+          <a:chOff x="0" y="0"/>
+          <a:chExt cx="0" cy="0"/>
+        </a:xfrm>
+      </p:grpSpPr>
+      <p:sp>
+        <p:nvSpPr>
+          <p:cNvPr id="76" name="Title 1">
+            <a:extLst>
+              <a:ext uri="{FF2B5EF4-FFF2-40B4-BE49-F238E27FC236}">
+                <a16:creationId xmlns:a16="http://schemas.microsoft.com/office/drawing/2014/main" id="{77C709C5-536F-43E0-8949-0992532DEB8C}"/>
+              </a:ext>
+            </a:extLst>
+          </p:cNvPr>
+          <p:cNvSpPr>
+            <a:spLocks noGrp="1"/>
+          </p:cNvSpPr>
+          <p:nvPr>
+            <p:ph type="title"/>
+          </p:nvPr>
+        </p:nvSpPr>
+        <p:spPr>
+          <a:xfrm>
+            <a:off x="-227150" y="392211"/>
+            <a:ext cx="10515600" cy="817723"/>
+          </a:xfrm>
+        </p:spPr>
+        <p:txBody>
+          <a:bodyPr>
+            <a:normAutofit/>
+          </a:bodyPr>
+          <a:lstStyle/>
+          <a:p>
+            <a:pPr marL="457200" lvl="1">
+              <a:lnSpc>
+                <a:spcPct val="150000"/>
+              </a:lnSpc>
+            </a:pPr>
+            <a:r>
+              <a:rPr lang="en-US" sz="2400" b="1" kern="1200" dirty="0">
+                <a:solidFill>
+                  <a:srgbClr val="9E2946"/>
+                </a:solidFill>
+                <a:latin typeface="Verdana" panose="020B0604030504040204" pitchFamily="34" charset="0"/>
+                <a:ea typeface="Verdana" panose="020B0604030504040204" pitchFamily="34" charset="0"/>
+                <a:cs typeface="+mj-cs"/>
+              </a:rPr>
+              <a:t>Data Mining Techniques</a:t>
+            </a:r>
+          </a:p>
+        </p:txBody>
+      </p:sp>
+      <p:sp>
+        <p:nvSpPr>
+          <p:cNvPr id="3" name="Slide Number Placeholder 2">
+            <a:extLst>
+              <a:ext uri="{FF2B5EF4-FFF2-40B4-BE49-F238E27FC236}">
+                <a16:creationId xmlns:a16="http://schemas.microsoft.com/office/drawing/2014/main" id="{26DF549E-0929-4558-B72A-C49F4959F13A}"/>
+              </a:ext>
+            </a:extLst>
+          </p:cNvPr>
+          <p:cNvSpPr>
+            <a:spLocks noGrp="1"/>
+          </p:cNvSpPr>
+          <p:nvPr>
+            <p:ph type="sldNum" sz="quarter" idx="12"/>
+          </p:nvPr>
+        </p:nvSpPr>
+        <p:spPr/>
+        <p:txBody>
+          <a:bodyPr/>
+          <a:lstStyle/>
+          <a:p>
+            <a:fld id="{CE94D1BC-D86E-4D7F-8F02-7A51C792EE04}" type="slidenum">
+              <a:rPr lang="en-US" smtClean="0"/>
+              <a:t>8</a:t>
+            </a:fld>
+            <a:endParaRPr lang="en-US"/>
+          </a:p>
+        </p:txBody>
+      </p:sp>
+      <p:sp>
+        <p:nvSpPr>
+          <p:cNvPr id="8" name="Rectangle: Rounded Corners 7">
+            <a:extLst>
+              <a:ext uri="{FF2B5EF4-FFF2-40B4-BE49-F238E27FC236}">
+                <a16:creationId xmlns:a16="http://schemas.microsoft.com/office/drawing/2014/main" id="{A94466D1-B61C-4EF1-908E-89E940596724}"/>
+              </a:ext>
+            </a:extLst>
+          </p:cNvPr>
+          <p:cNvSpPr/>
+          <p:nvPr/>
+        </p:nvSpPr>
+        <p:spPr>
+          <a:xfrm>
+            <a:off x="4775911" y="285726"/>
+            <a:ext cx="1352550" cy="390525"/>
+          </a:xfrm>
+          <a:prstGeom prst="roundRect">
+            <a:avLst/>
+          </a:prstGeom>
+          <a:solidFill>
+            <a:schemeClr val="bg1">
+              <a:lumMod val="75000"/>
+            </a:schemeClr>
+          </a:solidFill>
+          <a:ln>
+            <a:noFill/>
+          </a:ln>
+        </p:spPr>
+        <p:style>
+          <a:lnRef idx="2">
+            <a:schemeClr val="accent1">
+              <a:shade val="50000"/>
+            </a:schemeClr>
+          </a:lnRef>
+          <a:fillRef idx="1">
+            <a:schemeClr val="accent1"/>
+          </a:fillRef>
+          <a:effectRef idx="0">
+            <a:schemeClr val="accent1"/>
+          </a:effectRef>
+          <a:fontRef idx="minor">
+            <a:schemeClr val="lt1"/>
+          </a:fontRef>
+        </p:style>
+        <p:txBody>
+          <a:bodyPr rtlCol="0" anchor="ctr"/>
+          <a:lstStyle/>
+          <a:p>
+            <a:pPr algn="ctr"/>
+            <a:r>
+              <a:rPr lang="en-US" sz="1000" dirty="0">
+                <a:latin typeface="Verdana" panose="020B0604030504040204" pitchFamily="34" charset="0"/>
+                <a:ea typeface="Verdana" panose="020B0604030504040204" pitchFamily="34" charset="0"/>
+              </a:rPr>
+              <a:t>Background</a:t>
+            </a:r>
+          </a:p>
+        </p:txBody>
+      </p:sp>
+      <p:sp>
+        <p:nvSpPr>
+          <p:cNvPr id="10" name="Rectangle: Rounded Corners 9">
+            <a:extLst>
+              <a:ext uri="{FF2B5EF4-FFF2-40B4-BE49-F238E27FC236}">
+                <a16:creationId xmlns:a16="http://schemas.microsoft.com/office/drawing/2014/main" id="{D0CF06AE-5C66-40BE-AF92-C9254A0C3FD7}"/>
+              </a:ext>
+            </a:extLst>
+          </p:cNvPr>
+          <p:cNvSpPr/>
+          <p:nvPr/>
+        </p:nvSpPr>
+        <p:spPr>
+          <a:xfrm>
+            <a:off x="6188785" y="285727"/>
+            <a:ext cx="1352550" cy="390525"/>
+          </a:xfrm>
+          <a:prstGeom prst="roundRect">
+            <a:avLst/>
+          </a:prstGeom>
+          <a:solidFill>
+            <a:schemeClr val="bg1">
+              <a:lumMod val="75000"/>
+            </a:schemeClr>
+          </a:solidFill>
+          <a:ln>
+            <a:noFill/>
+          </a:ln>
+        </p:spPr>
+        <p:style>
+          <a:lnRef idx="2">
+            <a:schemeClr val="accent1">
+              <a:shade val="50000"/>
+            </a:schemeClr>
+          </a:lnRef>
+          <a:fillRef idx="1">
+            <a:schemeClr val="accent1"/>
+          </a:fillRef>
+          <a:effectRef idx="0">
+            <a:schemeClr val="accent1"/>
+          </a:effectRef>
+          <a:fontRef idx="minor">
+            <a:schemeClr val="lt1"/>
+          </a:fontRef>
+        </p:style>
+        <p:txBody>
+          <a:bodyPr rtlCol="0" anchor="ctr"/>
+          <a:lstStyle/>
+          <a:p>
+            <a:pPr algn="ctr"/>
+            <a:r>
+              <a:rPr lang="en-US" sz="1000" dirty="0">
+                <a:latin typeface="Verdana" panose="020B0604030504040204" pitchFamily="34" charset="0"/>
+                <a:ea typeface="Verdana" panose="020B0604030504040204" pitchFamily="34" charset="0"/>
+              </a:rPr>
+              <a:t>Architecture</a:t>
+            </a:r>
+          </a:p>
+        </p:txBody>
+      </p:sp>
+      <p:sp>
+        <p:nvSpPr>
+          <p:cNvPr id="11" name="Rectangle: Rounded Corners 10">
+            <a:extLst>
+              <a:ext uri="{FF2B5EF4-FFF2-40B4-BE49-F238E27FC236}">
+                <a16:creationId xmlns:a16="http://schemas.microsoft.com/office/drawing/2014/main" id="{9B2AA2F4-54FD-4548-A211-ABBC31F90EE6}"/>
+              </a:ext>
+            </a:extLst>
+          </p:cNvPr>
+          <p:cNvSpPr/>
+          <p:nvPr/>
+        </p:nvSpPr>
+        <p:spPr>
+          <a:xfrm>
+            <a:off x="7601659" y="285726"/>
+            <a:ext cx="1352550" cy="390525"/>
+          </a:xfrm>
+          <a:prstGeom prst="roundRect">
+            <a:avLst/>
+          </a:prstGeom>
+          <a:solidFill>
+            <a:srgbClr val="9E2946"/>
+          </a:solidFill>
+          <a:ln>
+            <a:noFill/>
+          </a:ln>
+        </p:spPr>
+        <p:style>
+          <a:lnRef idx="2">
+            <a:schemeClr val="accent1">
+              <a:shade val="50000"/>
+            </a:schemeClr>
+          </a:lnRef>
+          <a:fillRef idx="1">
+            <a:schemeClr val="accent1"/>
+          </a:fillRef>
+          <a:effectRef idx="0">
+            <a:schemeClr val="accent1"/>
+          </a:effectRef>
+          <a:fontRef idx="minor">
+            <a:schemeClr val="lt1"/>
+          </a:fontRef>
+        </p:style>
+        <p:txBody>
+          <a:bodyPr rtlCol="0" anchor="ctr"/>
+          <a:lstStyle/>
+          <a:p>
+            <a:pPr algn="ctr"/>
+            <a:r>
+              <a:rPr lang="en-US" sz="1000" dirty="0">
+                <a:latin typeface="Verdana" panose="020B0604030504040204" pitchFamily="34" charset="0"/>
+                <a:ea typeface="Verdana" panose="020B0604030504040204" pitchFamily="34" charset="0"/>
+              </a:rPr>
+              <a:t>Methodology</a:t>
+            </a:r>
+          </a:p>
+        </p:txBody>
+      </p:sp>
+      <p:sp>
+        <p:nvSpPr>
+          <p:cNvPr id="12" name="Rectangle: Rounded Corners 11">
+            <a:extLst>
+              <a:ext uri="{FF2B5EF4-FFF2-40B4-BE49-F238E27FC236}">
+                <a16:creationId xmlns:a16="http://schemas.microsoft.com/office/drawing/2014/main" id="{E7FD3417-382B-42E9-8B4D-A235C22130CA}"/>
+              </a:ext>
+            </a:extLst>
+          </p:cNvPr>
+          <p:cNvSpPr/>
+          <p:nvPr/>
+        </p:nvSpPr>
+        <p:spPr>
+          <a:xfrm>
+            <a:off x="9014533" y="285726"/>
+            <a:ext cx="1352550" cy="390525"/>
+          </a:xfrm>
+          <a:prstGeom prst="roundRect">
+            <a:avLst/>
+          </a:prstGeom>
+          <a:solidFill>
+            <a:schemeClr val="bg1">
+              <a:lumMod val="75000"/>
+            </a:schemeClr>
+          </a:solidFill>
+          <a:ln>
+            <a:noFill/>
+          </a:ln>
+        </p:spPr>
+        <p:style>
+          <a:lnRef idx="2">
+            <a:schemeClr val="accent1">
+              <a:shade val="50000"/>
+            </a:schemeClr>
+          </a:lnRef>
+          <a:fillRef idx="1">
+            <a:schemeClr val="accent1"/>
+          </a:fillRef>
+          <a:effectRef idx="0">
+            <a:schemeClr val="accent1"/>
+          </a:effectRef>
+          <a:fontRef idx="minor">
+            <a:schemeClr val="lt1"/>
+          </a:fontRef>
+        </p:style>
+        <p:txBody>
+          <a:bodyPr rtlCol="0" anchor="ctr"/>
+          <a:lstStyle/>
+          <a:p>
+            <a:pPr algn="ctr"/>
+            <a:r>
+              <a:rPr lang="en-US" sz="1000" dirty="0">
+                <a:latin typeface="Verdana" panose="020B0604030504040204" pitchFamily="34" charset="0"/>
+                <a:ea typeface="Verdana" panose="020B0604030504040204" pitchFamily="34" charset="0"/>
+              </a:rPr>
+              <a:t>Application</a:t>
+            </a:r>
+          </a:p>
+        </p:txBody>
+      </p:sp>
+      <p:sp>
+        <p:nvSpPr>
+          <p:cNvPr id="14" name="Rectangle: Rounded Corners 13">
+            <a:extLst>
+              <a:ext uri="{FF2B5EF4-FFF2-40B4-BE49-F238E27FC236}">
+                <a16:creationId xmlns:a16="http://schemas.microsoft.com/office/drawing/2014/main" id="{66AC8B29-1893-4A94-9715-56E1E25E3B7A}"/>
+              </a:ext>
+            </a:extLst>
+          </p:cNvPr>
+          <p:cNvSpPr/>
+          <p:nvPr/>
+        </p:nvSpPr>
+        <p:spPr>
+          <a:xfrm>
+            <a:off x="10427407" y="285726"/>
+            <a:ext cx="1352550" cy="390525"/>
+          </a:xfrm>
+          <a:prstGeom prst="roundRect">
+            <a:avLst/>
+          </a:prstGeom>
+          <a:solidFill>
+            <a:schemeClr val="bg1">
+              <a:lumMod val="75000"/>
+            </a:schemeClr>
+          </a:solidFill>
+          <a:ln>
+            <a:noFill/>
+          </a:ln>
+        </p:spPr>
+        <p:style>
+          <a:lnRef idx="2">
+            <a:schemeClr val="accent1">
+              <a:shade val="50000"/>
+            </a:schemeClr>
+          </a:lnRef>
+          <a:fillRef idx="1">
+            <a:schemeClr val="accent1"/>
+          </a:fillRef>
+          <a:effectRef idx="0">
+            <a:schemeClr val="accent1"/>
+          </a:effectRef>
+          <a:fontRef idx="minor">
+            <a:schemeClr val="lt1"/>
+          </a:fontRef>
+        </p:style>
+        <p:txBody>
+          <a:bodyPr rtlCol="0" anchor="ctr"/>
+          <a:lstStyle/>
+          <a:p>
+            <a:pPr algn="ctr"/>
+            <a:r>
+              <a:rPr lang="en-US" sz="1000" dirty="0">
+                <a:latin typeface="Verdana" panose="020B0604030504040204" pitchFamily="34" charset="0"/>
+                <a:ea typeface="Verdana" panose="020B0604030504040204" pitchFamily="34" charset="0"/>
+              </a:rPr>
+              <a:t>Conclusion</a:t>
+            </a:r>
+          </a:p>
+        </p:txBody>
+      </p:sp>
+      <p:pic>
+        <p:nvPicPr>
+          <p:cNvPr id="15" name="Picture 14">
+            <a:extLst>
+              <a:ext uri="{FF2B5EF4-FFF2-40B4-BE49-F238E27FC236}">
+                <a16:creationId xmlns:a16="http://schemas.microsoft.com/office/drawing/2014/main" id="{59A5F746-0E95-4CB3-A1F8-8161B70AD447}"/>
+              </a:ext>
+            </a:extLst>
+          </p:cNvPr>
+          <p:cNvPicPr>
+            <a:picLocks noChangeAspect="1"/>
+          </p:cNvPicPr>
+          <p:nvPr/>
+        </p:nvPicPr>
+        <p:blipFill>
+          <a:blip r:embed="rId3"/>
+          <a:stretch>
+            <a:fillRect/>
+          </a:stretch>
+        </p:blipFill>
+        <p:spPr>
+          <a:xfrm>
+            <a:off x="261546" y="6238912"/>
+            <a:ext cx="1885714" cy="600000"/>
+          </a:xfrm>
+          <a:prstGeom prst="rect">
+            <a:avLst/>
+          </a:prstGeom>
+        </p:spPr>
+      </p:pic>
+      <p:sp>
+        <p:nvSpPr>
+          <p:cNvPr id="13" name="Subtitle 2">
+            <a:extLst>
+              <a:ext uri="{FF2B5EF4-FFF2-40B4-BE49-F238E27FC236}">
+                <a16:creationId xmlns:a16="http://schemas.microsoft.com/office/drawing/2014/main" id="{C1689B62-8D24-4BB5-BCEE-3B54AEAC8471}"/>
+              </a:ext>
+            </a:extLst>
+          </p:cNvPr>
+          <p:cNvSpPr txBox="1">
+            <a:spLocks/>
+          </p:cNvSpPr>
+          <p:nvPr/>
+        </p:nvSpPr>
+        <p:spPr>
+          <a:xfrm>
+            <a:off x="538578" y="1806712"/>
+            <a:ext cx="11100047" cy="3952859"/>
+          </a:xfrm>
+          <a:prstGeom prst="rect">
+            <a:avLst/>
+          </a:prstGeom>
+        </p:spPr>
+        <p:txBody>
+          <a:bodyPr vert="horz" lIns="91440" tIns="45720" rIns="91440" bIns="45720" rtlCol="0">
+            <a:normAutofit/>
+          </a:bodyPr>
+          <a:lstStyle>
+            <a:lvl1pPr marL="228600" indent="-228600" algn="l" defTabSz="914400" rtl="0" eaLnBrk="1" latinLnBrk="0" hangingPunct="1">
+              <a:lnSpc>
+                <a:spcPct val="90000"/>
+              </a:lnSpc>
+              <a:spcBef>
+                <a:spcPts val="1000"/>
+              </a:spcBef>
+              <a:buFont typeface="Arial" panose="020B0604020202020204" pitchFamily="34" charset="0"/>
+              <a:buChar char="•"/>
+              <a:defRPr sz="2800" kern="1200">
+                <a:solidFill>
+                  <a:schemeClr val="tx1"/>
+                </a:solidFill>
+                <a:latin typeface="+mn-lt"/>
+                <a:ea typeface="+mn-ea"/>
+                <a:cs typeface="+mn-cs"/>
+              </a:defRPr>
+            </a:lvl1pPr>
+            <a:lvl2pPr marL="685800" indent="-228600" algn="l" defTabSz="914400" rtl="0" eaLnBrk="1" latinLnBrk="0" hangingPunct="1">
+              <a:lnSpc>
+                <a:spcPct val="90000"/>
+              </a:lnSpc>
+              <a:spcBef>
+                <a:spcPts val="500"/>
+              </a:spcBef>
+              <a:buFont typeface="Arial" panose="020B0604020202020204" pitchFamily="34" charset="0"/>
+              <a:buChar char="•"/>
+              <a:defRPr sz="2400" kern="1200">
+                <a:solidFill>
+                  <a:schemeClr val="tx1"/>
+                </a:solidFill>
+                <a:latin typeface="+mn-lt"/>
+                <a:ea typeface="+mn-ea"/>
+                <a:cs typeface="+mn-cs"/>
+              </a:defRPr>
+            </a:lvl2pPr>
+            <a:lvl3pPr marL="1143000" indent="-228600" algn="l" defTabSz="914400" rtl="0" eaLnBrk="1" latinLnBrk="0" hangingPunct="1">
+              <a:lnSpc>
+                <a:spcPct val="90000"/>
+              </a:lnSpc>
+              <a:spcBef>
+                <a:spcPts val="500"/>
+              </a:spcBef>
+              <a:buFont typeface="Arial" panose="020B0604020202020204" pitchFamily="34" charset="0"/>
+              <a:buChar char="•"/>
+              <a:defRPr sz="2000" kern="1200">
+                <a:solidFill>
+                  <a:schemeClr val="tx1"/>
+                </a:solidFill>
+                <a:latin typeface="+mn-lt"/>
+                <a:ea typeface="+mn-ea"/>
+                <a:cs typeface="+mn-cs"/>
+              </a:defRPr>
+            </a:lvl3pPr>
+            <a:lvl4pPr marL="1600200" indent="-228600" algn="l" defTabSz="914400" rtl="0" eaLnBrk="1" latinLnBrk="0" hangingPunct="1">
+              <a:lnSpc>
+                <a:spcPct val="90000"/>
+              </a:lnSpc>
+              <a:spcBef>
+                <a:spcPts val="500"/>
+              </a:spcBef>
+              <a:buFont typeface="Arial" panose="020B0604020202020204" pitchFamily="34" charset="0"/>
+              <a:buChar char="•"/>
+              <a:defRPr sz="1800" kern="1200">
+                <a:solidFill>
+                  <a:schemeClr val="tx1"/>
+                </a:solidFill>
+                <a:latin typeface="+mn-lt"/>
+                <a:ea typeface="+mn-ea"/>
+                <a:cs typeface="+mn-cs"/>
+              </a:defRPr>
+            </a:lvl4pPr>
+            <a:lvl5pPr marL="2057400" indent="-228600" algn="l" defTabSz="914400" rtl="0" eaLnBrk="1" latinLnBrk="0" hangingPunct="1">
+              <a:lnSpc>
+                <a:spcPct val="90000"/>
+              </a:lnSpc>
+              <a:spcBef>
+                <a:spcPts val="500"/>
+              </a:spcBef>
+              <a:buFont typeface="Arial" panose="020B0604020202020204" pitchFamily="34" charset="0"/>
+              <a:buChar char="•"/>
+              <a:defRPr sz="1800" kern="1200">
+                <a:solidFill>
+                  <a:schemeClr val="tx1"/>
+                </a:solidFill>
+                <a:latin typeface="+mn-lt"/>
+                <a:ea typeface="+mn-ea"/>
+                <a:cs typeface="+mn-cs"/>
+              </a:defRPr>
+            </a:lvl5pPr>
+            <a:lvl6pPr marL="2514600" indent="-228600" algn="l" defTabSz="914400" rtl="0" eaLnBrk="1" latinLnBrk="0" hangingPunct="1">
+              <a:lnSpc>
+                <a:spcPct val="90000"/>
+              </a:lnSpc>
+              <a:spcBef>
+                <a:spcPts val="500"/>
+              </a:spcBef>
+              <a:buFont typeface="Arial" panose="020B0604020202020204" pitchFamily="34" charset="0"/>
+              <a:buChar char="•"/>
+              <a:defRPr sz="1800" kern="1200">
+                <a:solidFill>
+                  <a:schemeClr val="tx1"/>
+                </a:solidFill>
+                <a:latin typeface="+mn-lt"/>
+                <a:ea typeface="+mn-ea"/>
+                <a:cs typeface="+mn-cs"/>
+              </a:defRPr>
+            </a:lvl6pPr>
+            <a:lvl7pPr marL="2971800" indent="-228600" algn="l" defTabSz="914400" rtl="0" eaLnBrk="1" latinLnBrk="0" hangingPunct="1">
+              <a:lnSpc>
+                <a:spcPct val="90000"/>
+              </a:lnSpc>
+              <a:spcBef>
+                <a:spcPts val="500"/>
+              </a:spcBef>
+              <a:buFont typeface="Arial" panose="020B0604020202020204" pitchFamily="34" charset="0"/>
+              <a:buChar char="•"/>
+              <a:defRPr sz="1800" kern="1200">
+                <a:solidFill>
+                  <a:schemeClr val="tx1"/>
+                </a:solidFill>
+                <a:latin typeface="+mn-lt"/>
+                <a:ea typeface="+mn-ea"/>
+                <a:cs typeface="+mn-cs"/>
+              </a:defRPr>
+            </a:lvl7pPr>
+            <a:lvl8pPr marL="3429000" indent="-228600" algn="l" defTabSz="914400" rtl="0" eaLnBrk="1" latinLnBrk="0" hangingPunct="1">
+              <a:lnSpc>
+                <a:spcPct val="90000"/>
+              </a:lnSpc>
+              <a:spcBef>
+                <a:spcPts val="500"/>
+              </a:spcBef>
+              <a:buFont typeface="Arial" panose="020B0604020202020204" pitchFamily="34" charset="0"/>
+              <a:buChar char="•"/>
+              <a:defRPr sz="1800" kern="1200">
+                <a:solidFill>
+                  <a:schemeClr val="tx1"/>
+                </a:solidFill>
+                <a:latin typeface="+mn-lt"/>
+                <a:ea typeface="+mn-ea"/>
+                <a:cs typeface="+mn-cs"/>
+              </a:defRPr>
+            </a:lvl8pPr>
+            <a:lvl9pPr marL="3886200" indent="-228600" algn="l" defTabSz="914400" rtl="0" eaLnBrk="1" latinLnBrk="0" hangingPunct="1">
+              <a:lnSpc>
+                <a:spcPct val="90000"/>
+              </a:lnSpc>
+              <a:spcBef>
+                <a:spcPts val="500"/>
+              </a:spcBef>
+              <a:buFont typeface="Arial" panose="020B0604020202020204" pitchFamily="34" charset="0"/>
+              <a:buChar char="•"/>
+              <a:defRPr sz="1800" kern="1200">
+                <a:solidFill>
+                  <a:schemeClr val="tx1"/>
+                </a:solidFill>
+                <a:latin typeface="+mn-lt"/>
+                <a:ea typeface="+mn-ea"/>
+                <a:cs typeface="+mn-cs"/>
+              </a:defRPr>
+            </a:lvl9pPr>
+          </a:lstStyle>
+          <a:p>
+            <a:pPr lvl="1" algn="just"/>
+            <a:r>
+              <a:rPr lang="en-US" sz="1400" dirty="0">
+                <a:solidFill>
+                  <a:srgbClr val="374151"/>
+                </a:solidFill>
+                <a:latin typeface="Verdana" panose="020B0604030504040204" pitchFamily="34" charset="0"/>
+                <a:ea typeface="Verdana" panose="020B0604030504040204" pitchFamily="34" charset="0"/>
+              </a:rPr>
+              <a:t>Word Embeddings: This approach represents each word in a sentence as a vector in a high-dimensional space, where words that have similar meanings are closer together. The sentence is then represented as a vector that is the sum or average of the word vectors in the sentence.</a:t>
+            </a:r>
+          </a:p>
+          <a:p>
+            <a:pPr lvl="1" algn="just"/>
+            <a:endParaRPr lang="en-US" sz="1600" dirty="0">
+              <a:solidFill>
+                <a:srgbClr val="374151"/>
+              </a:solidFill>
+              <a:latin typeface="Verdana" panose="020B0604030504040204" pitchFamily="34" charset="0"/>
+              <a:ea typeface="Verdana" panose="020B0604030504040204" pitchFamily="34" charset="0"/>
+            </a:endParaRPr>
+          </a:p>
+          <a:p>
+            <a:pPr lvl="1" algn="just"/>
+            <a:endParaRPr lang="en-US" sz="1600" dirty="0">
+              <a:solidFill>
+                <a:srgbClr val="374151"/>
+              </a:solidFill>
+              <a:latin typeface="Verdana" panose="020B0604030504040204" pitchFamily="34" charset="0"/>
+              <a:ea typeface="Verdana" panose="020B0604030504040204" pitchFamily="34" charset="0"/>
+            </a:endParaRPr>
+          </a:p>
+          <a:p>
+            <a:pPr marL="457200" lvl="1" indent="0" algn="just">
+              <a:buNone/>
+            </a:pPr>
+            <a:endParaRPr lang="en-US" sz="1600" dirty="0">
+              <a:solidFill>
+                <a:srgbClr val="374151"/>
+              </a:solidFill>
+              <a:latin typeface="Verdana" panose="020B0604030504040204" pitchFamily="34" charset="0"/>
+              <a:ea typeface="Verdana" panose="020B0604030504040204" pitchFamily="34" charset="0"/>
+            </a:endParaRPr>
+          </a:p>
+          <a:p>
+            <a:pPr lvl="1" algn="just"/>
+            <a:endParaRPr lang="en-US" sz="1600" dirty="0">
+              <a:solidFill>
+                <a:srgbClr val="374151"/>
+              </a:solidFill>
+              <a:latin typeface="Verdana" panose="020B0604030504040204" pitchFamily="34" charset="0"/>
+              <a:ea typeface="Verdana" panose="020B0604030504040204" pitchFamily="34" charset="0"/>
+            </a:endParaRPr>
+          </a:p>
+          <a:p>
+            <a:pPr lvl="1" algn="just"/>
+            <a:endParaRPr lang="en-US" sz="1600" dirty="0">
+              <a:solidFill>
+                <a:srgbClr val="374151"/>
+              </a:solidFill>
+              <a:latin typeface="Verdana" panose="020B0604030504040204" pitchFamily="34" charset="0"/>
+              <a:ea typeface="Verdana" panose="020B0604030504040204" pitchFamily="34" charset="0"/>
+            </a:endParaRPr>
+          </a:p>
+          <a:p>
+            <a:pPr marL="457200" lvl="1" indent="0" algn="just">
+              <a:buNone/>
+            </a:pPr>
+            <a:endParaRPr lang="en-US" sz="1600" dirty="0">
+              <a:solidFill>
+                <a:srgbClr val="374151"/>
+              </a:solidFill>
+              <a:latin typeface="Verdana" panose="020B0604030504040204" pitchFamily="34" charset="0"/>
+              <a:ea typeface="Verdana" panose="020B0604030504040204" pitchFamily="34" charset="0"/>
+            </a:endParaRPr>
+          </a:p>
+          <a:p>
+            <a:pPr lvl="1" algn="just"/>
+            <a:r>
+              <a:rPr lang="en-US" sz="1400" dirty="0">
+                <a:solidFill>
+                  <a:srgbClr val="374151"/>
+                </a:solidFill>
+                <a:latin typeface="Verdana" panose="020B0604030504040204" pitchFamily="34" charset="0"/>
+                <a:ea typeface="Verdana" panose="020B0604030504040204" pitchFamily="34" charset="0"/>
+              </a:rPr>
+              <a:t>Transformers: This approach uses deep neural networks to encode a sentence as a fixed-length vector. Transformers have achieved state-of-the-art performance on many NLP tasks, including sentence classification and language modeling.</a:t>
+            </a:r>
+          </a:p>
+          <a:p>
+            <a:pPr marL="0" indent="0">
+              <a:buNone/>
+            </a:pPr>
+            <a:endParaRPr lang="en-US" dirty="0"/>
+          </a:p>
+        </p:txBody>
+      </p:sp>
+      <p:sp>
+        <p:nvSpPr>
+          <p:cNvPr id="16" name="Title 1">
+            <a:extLst>
+              <a:ext uri="{FF2B5EF4-FFF2-40B4-BE49-F238E27FC236}">
+                <a16:creationId xmlns:a16="http://schemas.microsoft.com/office/drawing/2014/main" id="{A373279E-1449-42AE-BE88-6BD97BA6035F}"/>
+              </a:ext>
+            </a:extLst>
+          </p:cNvPr>
+          <p:cNvSpPr txBox="1">
+            <a:spLocks/>
+          </p:cNvSpPr>
+          <p:nvPr/>
+        </p:nvSpPr>
+        <p:spPr>
+          <a:xfrm>
+            <a:off x="-227150" y="918509"/>
+            <a:ext cx="10515600" cy="817723"/>
+          </a:xfrm>
+          <a:prstGeom prst="rect">
+            <a:avLst/>
+          </a:prstGeom>
+        </p:spPr>
+        <p:txBody>
+          <a:bodyPr vert="horz" lIns="91440" tIns="45720" rIns="91440" bIns="45720" rtlCol="0" anchor="ctr">
+            <a:normAutofit/>
+          </a:bodyPr>
+          <a:lstStyle>
+            <a:lvl1pPr algn="l" defTabSz="914400" rtl="0" eaLnBrk="1" latinLnBrk="0" hangingPunct="1">
+              <a:lnSpc>
+                <a:spcPct val="90000"/>
+              </a:lnSpc>
+              <a:spcBef>
+                <a:spcPct val="0"/>
+              </a:spcBef>
+              <a:buNone/>
+              <a:defRPr sz="4400" kern="1200">
+                <a:solidFill>
+                  <a:schemeClr val="tx1"/>
+                </a:solidFill>
+                <a:latin typeface="+mj-lt"/>
+                <a:ea typeface="+mj-ea"/>
+                <a:cs typeface="+mj-cs"/>
+              </a:defRPr>
+            </a:lvl1pPr>
+          </a:lstStyle>
+          <a:p>
+            <a:pPr marL="457200" lvl="1">
+              <a:lnSpc>
+                <a:spcPct val="150000"/>
+              </a:lnSpc>
+            </a:pPr>
+            <a:r>
+              <a:rPr lang="en-US" b="1" dirty="0">
+                <a:solidFill>
+                  <a:srgbClr val="9E2946"/>
+                </a:solidFill>
+                <a:latin typeface="Verdana" panose="020B0604030504040204" pitchFamily="34" charset="0"/>
+                <a:ea typeface="Verdana" panose="020B0604030504040204" pitchFamily="34" charset="0"/>
+                <a:cs typeface="+mj-cs"/>
+              </a:rPr>
+              <a:t>Sentence embedding</a:t>
+            </a:r>
+          </a:p>
+        </p:txBody>
+      </p:sp>
+      <p:grpSp>
+        <p:nvGrpSpPr>
+          <p:cNvPr id="2" name="Group 1">
+            <a:extLst>
+              <a:ext uri="{FF2B5EF4-FFF2-40B4-BE49-F238E27FC236}">
+                <a16:creationId xmlns:a16="http://schemas.microsoft.com/office/drawing/2014/main" id="{83DD80F1-908B-4BCB-822B-0565D1353038}"/>
+              </a:ext>
+            </a:extLst>
+          </p:cNvPr>
+          <p:cNvGrpSpPr/>
+          <p:nvPr/>
+        </p:nvGrpSpPr>
+        <p:grpSpPr>
+          <a:xfrm>
+            <a:off x="3501424" y="2533243"/>
+            <a:ext cx="5021140" cy="1399561"/>
+            <a:chOff x="3501424" y="2622023"/>
+            <a:chExt cx="5021140" cy="1399561"/>
+          </a:xfrm>
+        </p:grpSpPr>
+        <p:sp>
+          <p:nvSpPr>
+            <p:cNvPr id="18" name="Rectangle 17">
+              <a:extLst>
+                <a:ext uri="{FF2B5EF4-FFF2-40B4-BE49-F238E27FC236}">
+                  <a16:creationId xmlns:a16="http://schemas.microsoft.com/office/drawing/2014/main" id="{0A933423-54C6-4486-A02E-AA602C5DB145}"/>
+                </a:ext>
+              </a:extLst>
+            </p:cNvPr>
+            <p:cNvSpPr/>
+            <p:nvPr/>
+          </p:nvSpPr>
+          <p:spPr>
+            <a:xfrm>
+              <a:off x="3501424" y="2628094"/>
+              <a:ext cx="5021140" cy="1393490"/>
+            </a:xfrm>
+            <a:prstGeom prst="rect">
+              <a:avLst/>
+            </a:prstGeom>
+            <a:solidFill>
+              <a:schemeClr val="bg1"/>
+            </a:solidFill>
+            <a:ln>
+              <a:solidFill>
+                <a:srgbClr val="002060"/>
+              </a:solidFill>
+            </a:ln>
+          </p:spPr>
+          <p:style>
+            <a:lnRef idx="2">
+              <a:schemeClr val="accent1">
+                <a:shade val="50000"/>
+              </a:schemeClr>
+            </a:lnRef>
+            <a:fillRef idx="1">
+              <a:schemeClr val="accent1"/>
+            </a:fillRef>
+            <a:effectRef idx="0">
+              <a:schemeClr val="accent1"/>
+            </a:effectRef>
+            <a:fontRef idx="minor">
+              <a:schemeClr val="lt1"/>
+            </a:fontRef>
+          </p:style>
+          <p:txBody>
+            <a:bodyPr rtlCol="0" anchor="ctr"/>
+            <a:lstStyle/>
+            <a:p>
+              <a:pPr algn="ctr"/>
+              <a:endParaRPr lang="en-US"/>
+            </a:p>
+          </p:txBody>
+        </p:sp>
+        <p:sp>
+          <p:nvSpPr>
+            <p:cNvPr id="19" name="Rectangle 18">
+              <a:extLst>
+                <a:ext uri="{FF2B5EF4-FFF2-40B4-BE49-F238E27FC236}">
+                  <a16:creationId xmlns:a16="http://schemas.microsoft.com/office/drawing/2014/main" id="{D628755C-F8F9-422B-BD81-084F2023C8D2}"/>
+                </a:ext>
+              </a:extLst>
+            </p:cNvPr>
+            <p:cNvSpPr/>
+            <p:nvPr/>
+          </p:nvSpPr>
+          <p:spPr>
+            <a:xfrm>
+              <a:off x="3501424" y="2622023"/>
+              <a:ext cx="5021140" cy="353929"/>
+            </a:xfrm>
+            <a:prstGeom prst="rect">
+              <a:avLst/>
+            </a:prstGeom>
+            <a:solidFill>
+              <a:schemeClr val="accent2">
+                <a:lumMod val="40000"/>
+                <a:lumOff val="60000"/>
+              </a:schemeClr>
+            </a:solidFill>
+          </p:spPr>
+          <p:style>
+            <a:lnRef idx="2">
+              <a:schemeClr val="accent1">
+                <a:shade val="50000"/>
+              </a:schemeClr>
+            </a:lnRef>
+            <a:fillRef idx="1">
+              <a:schemeClr val="accent1"/>
+            </a:fillRef>
+            <a:effectRef idx="0">
+              <a:schemeClr val="accent1"/>
+            </a:effectRef>
+            <a:fontRef idx="minor">
+              <a:schemeClr val="lt1"/>
+            </a:fontRef>
+          </p:style>
+          <p:txBody>
+            <a:bodyPr rtlCol="0" anchor="ctr"/>
+            <a:lstStyle/>
+            <a:p>
+              <a:pPr algn="ctr"/>
+              <a:endParaRPr lang="en-US"/>
+            </a:p>
+          </p:txBody>
+        </p:sp>
+        <p:sp>
+          <p:nvSpPr>
+            <p:cNvPr id="20" name="TextBox 19">
+              <a:extLst>
+                <a:ext uri="{FF2B5EF4-FFF2-40B4-BE49-F238E27FC236}">
+                  <a16:creationId xmlns:a16="http://schemas.microsoft.com/office/drawing/2014/main" id="{A4EE3352-A54A-4AEF-980F-EB8FCA40886F}"/>
+                </a:ext>
+              </a:extLst>
+            </p:cNvPr>
+            <p:cNvSpPr txBox="1"/>
+            <p:nvPr/>
+          </p:nvSpPr>
+          <p:spPr>
+            <a:xfrm>
+              <a:off x="3825119" y="2675876"/>
+              <a:ext cx="4373749" cy="246221"/>
+            </a:xfrm>
+            <a:prstGeom prst="rect">
+              <a:avLst/>
+            </a:prstGeom>
+            <a:noFill/>
+          </p:spPr>
+          <p:txBody>
+            <a:bodyPr wrap="square" rtlCol="0">
+              <a:spAutoFit/>
+            </a:bodyPr>
+            <a:lstStyle/>
+            <a:p>
+              <a:pPr algn="ctr"/>
+              <a:r>
+                <a:rPr lang="en-US" sz="1000" b="1" dirty="0">
+                  <a:latin typeface="Verdana" panose="020B0604030504040204" pitchFamily="34" charset="0"/>
+                  <a:ea typeface="Verdana" panose="020B0604030504040204" pitchFamily="34" charset="0"/>
+                </a:rPr>
+                <a:t>Word Embedding</a:t>
+              </a:r>
+            </a:p>
+          </p:txBody>
+        </p:sp>
+        <p:sp>
+          <p:nvSpPr>
+            <p:cNvPr id="21" name="Rectangle 20">
+              <a:extLst>
+                <a:ext uri="{FF2B5EF4-FFF2-40B4-BE49-F238E27FC236}">
+                  <a16:creationId xmlns:a16="http://schemas.microsoft.com/office/drawing/2014/main" id="{4D0D36AC-A6BC-40C5-B846-644FB968FC59}"/>
+                </a:ext>
+              </a:extLst>
+            </p:cNvPr>
+            <p:cNvSpPr/>
+            <p:nvPr/>
+          </p:nvSpPr>
+          <p:spPr>
+            <a:xfrm>
+              <a:off x="3589518" y="3228771"/>
+              <a:ext cx="1030384" cy="393286"/>
+            </a:xfrm>
+            <a:prstGeom prst="rect">
+              <a:avLst/>
+            </a:prstGeom>
+            <a:solidFill>
+              <a:schemeClr val="accent1">
+                <a:lumMod val="40000"/>
+                <a:lumOff val="60000"/>
+              </a:schemeClr>
+            </a:solidFill>
+            <a:ln>
+              <a:solidFill>
+                <a:schemeClr val="accent1">
+                  <a:lumMod val="60000"/>
+                  <a:lumOff val="40000"/>
+                </a:schemeClr>
+              </a:solidFill>
+              <a:prstDash val="solid"/>
+            </a:ln>
+          </p:spPr>
+          <p:style>
+            <a:lnRef idx="2">
+              <a:schemeClr val="accent1">
+                <a:shade val="50000"/>
+              </a:schemeClr>
+            </a:lnRef>
+            <a:fillRef idx="1">
+              <a:schemeClr val="accent1"/>
+            </a:fillRef>
+            <a:effectRef idx="0">
+              <a:schemeClr val="accent1"/>
+            </a:effectRef>
+            <a:fontRef idx="minor">
+              <a:schemeClr val="lt1"/>
+            </a:fontRef>
+          </p:style>
+          <p:txBody>
+            <a:bodyPr rtlCol="0" anchor="ctr"/>
+            <a:lstStyle/>
+            <a:p>
+              <a:pPr algn="ctr"/>
+              <a:r>
+                <a:rPr lang="en-US" sz="800" dirty="0">
+                  <a:solidFill>
+                    <a:schemeClr val="tx1"/>
+                  </a:solidFill>
+                  <a:latin typeface="Verdana" panose="020B0604030504040204" pitchFamily="34" charset="0"/>
+                  <a:ea typeface="Verdana" panose="020B0604030504040204" pitchFamily="34" charset="0"/>
+                </a:rPr>
+                <a:t>Sentence</a:t>
+              </a:r>
+              <a:endParaRPr lang="en-US" dirty="0">
+                <a:solidFill>
+                  <a:schemeClr val="tx1"/>
+                </a:solidFill>
+              </a:endParaRPr>
+            </a:p>
+          </p:txBody>
+        </p:sp>
+        <p:sp>
+          <p:nvSpPr>
+            <p:cNvPr id="22" name="Rectangle 21">
+              <a:extLst>
+                <a:ext uri="{FF2B5EF4-FFF2-40B4-BE49-F238E27FC236}">
+                  <a16:creationId xmlns:a16="http://schemas.microsoft.com/office/drawing/2014/main" id="{AFA73868-1222-4BE4-83F0-D3C928179520}"/>
+                </a:ext>
+              </a:extLst>
+            </p:cNvPr>
+            <p:cNvSpPr/>
+            <p:nvPr/>
+          </p:nvSpPr>
+          <p:spPr>
+            <a:xfrm>
+              <a:off x="4848479" y="3228771"/>
+              <a:ext cx="1030384" cy="393286"/>
+            </a:xfrm>
+            <a:prstGeom prst="rect">
+              <a:avLst/>
+            </a:prstGeom>
+            <a:solidFill>
+              <a:schemeClr val="accent1">
+                <a:lumMod val="40000"/>
+                <a:lumOff val="60000"/>
+              </a:schemeClr>
+            </a:solidFill>
+            <a:ln>
+              <a:solidFill>
+                <a:schemeClr val="accent1">
+                  <a:lumMod val="60000"/>
+                  <a:lumOff val="40000"/>
+                </a:schemeClr>
+              </a:solidFill>
+              <a:prstDash val="solid"/>
+            </a:ln>
+          </p:spPr>
+          <p:style>
+            <a:lnRef idx="2">
+              <a:schemeClr val="accent1">
+                <a:shade val="50000"/>
+              </a:schemeClr>
+            </a:lnRef>
+            <a:fillRef idx="1">
+              <a:schemeClr val="accent1"/>
+            </a:fillRef>
+            <a:effectRef idx="0">
+              <a:schemeClr val="accent1"/>
+            </a:effectRef>
+            <a:fontRef idx="minor">
+              <a:schemeClr val="lt1"/>
+            </a:fontRef>
+          </p:style>
+          <p:txBody>
+            <a:bodyPr rtlCol="0" anchor="ctr"/>
+            <a:lstStyle/>
+            <a:p>
+              <a:pPr algn="ctr"/>
+              <a:r>
+                <a:rPr lang="en-US" sz="800" dirty="0">
+                  <a:solidFill>
+                    <a:schemeClr val="tx1"/>
+                  </a:solidFill>
+                  <a:latin typeface="Verdana" panose="020B0604030504040204" pitchFamily="34" charset="0"/>
+                  <a:ea typeface="Verdana" panose="020B0604030504040204" pitchFamily="34" charset="0"/>
+                </a:rPr>
+                <a:t>Text Preprocessing</a:t>
+              </a:r>
+              <a:endParaRPr lang="en-US" dirty="0">
+                <a:solidFill>
+                  <a:schemeClr val="tx1"/>
+                </a:solidFill>
+              </a:endParaRPr>
+            </a:p>
+          </p:txBody>
+        </p:sp>
+        <p:sp>
+          <p:nvSpPr>
+            <p:cNvPr id="23" name="Rectangle 22">
+              <a:extLst>
+                <a:ext uri="{FF2B5EF4-FFF2-40B4-BE49-F238E27FC236}">
+                  <a16:creationId xmlns:a16="http://schemas.microsoft.com/office/drawing/2014/main" id="{FE511459-7BAC-4E43-8D45-07A29B5830DE}"/>
+                </a:ext>
+              </a:extLst>
+            </p:cNvPr>
+            <p:cNvSpPr/>
+            <p:nvPr/>
+          </p:nvSpPr>
+          <p:spPr>
+            <a:xfrm>
+              <a:off x="6131101" y="3228771"/>
+              <a:ext cx="1030384" cy="393286"/>
+            </a:xfrm>
+            <a:prstGeom prst="rect">
+              <a:avLst/>
+            </a:prstGeom>
+            <a:solidFill>
+              <a:schemeClr val="accent1">
+                <a:lumMod val="40000"/>
+                <a:lumOff val="60000"/>
+              </a:schemeClr>
+            </a:solidFill>
+            <a:ln>
+              <a:solidFill>
+                <a:schemeClr val="accent1">
+                  <a:lumMod val="60000"/>
+                  <a:lumOff val="40000"/>
+                </a:schemeClr>
+              </a:solidFill>
+              <a:prstDash val="solid"/>
+            </a:ln>
+          </p:spPr>
+          <p:style>
+            <a:lnRef idx="2">
+              <a:schemeClr val="accent1">
+                <a:shade val="50000"/>
+              </a:schemeClr>
+            </a:lnRef>
+            <a:fillRef idx="1">
+              <a:schemeClr val="accent1"/>
+            </a:fillRef>
+            <a:effectRef idx="0">
+              <a:schemeClr val="accent1"/>
+            </a:effectRef>
+            <a:fontRef idx="minor">
+              <a:schemeClr val="lt1"/>
+            </a:fontRef>
+          </p:style>
+          <p:txBody>
+            <a:bodyPr rtlCol="0" anchor="ctr"/>
+            <a:lstStyle/>
+            <a:p>
+              <a:pPr algn="ctr"/>
+              <a:r>
+                <a:rPr lang="en-US" sz="800" dirty="0">
+                  <a:solidFill>
+                    <a:schemeClr val="tx1"/>
+                  </a:solidFill>
+                  <a:latin typeface="Verdana" panose="020B0604030504040204" pitchFamily="34" charset="0"/>
+                  <a:ea typeface="Verdana" panose="020B0604030504040204" pitchFamily="34" charset="0"/>
+                </a:rPr>
+                <a:t>Word Embedding Encoding</a:t>
+              </a:r>
+              <a:endParaRPr lang="en-US" dirty="0">
+                <a:solidFill>
+                  <a:schemeClr val="tx1"/>
+                </a:solidFill>
+              </a:endParaRPr>
+            </a:p>
+          </p:txBody>
+        </p:sp>
+        <p:sp>
+          <p:nvSpPr>
+            <p:cNvPr id="24" name="Rectangle 23">
+              <a:extLst>
+                <a:ext uri="{FF2B5EF4-FFF2-40B4-BE49-F238E27FC236}">
+                  <a16:creationId xmlns:a16="http://schemas.microsoft.com/office/drawing/2014/main" id="{92C6C728-7124-4F1B-96A7-CCD61619E0B6}"/>
+                </a:ext>
+              </a:extLst>
+            </p:cNvPr>
+            <p:cNvSpPr/>
+            <p:nvPr/>
+          </p:nvSpPr>
+          <p:spPr>
+            <a:xfrm>
+              <a:off x="7413723" y="3228771"/>
+              <a:ext cx="1030384" cy="393286"/>
+            </a:xfrm>
+            <a:prstGeom prst="rect">
+              <a:avLst/>
+            </a:prstGeom>
+            <a:solidFill>
+              <a:schemeClr val="accent1">
+                <a:lumMod val="40000"/>
+                <a:lumOff val="60000"/>
+              </a:schemeClr>
+            </a:solidFill>
+            <a:ln>
+              <a:solidFill>
+                <a:schemeClr val="accent1">
+                  <a:lumMod val="60000"/>
+                  <a:lumOff val="40000"/>
+                </a:schemeClr>
+              </a:solidFill>
+              <a:prstDash val="solid"/>
+            </a:ln>
+          </p:spPr>
+          <p:style>
+            <a:lnRef idx="2">
+              <a:schemeClr val="accent1">
+                <a:shade val="50000"/>
+              </a:schemeClr>
+            </a:lnRef>
+            <a:fillRef idx="1">
+              <a:schemeClr val="accent1"/>
+            </a:fillRef>
+            <a:effectRef idx="0">
+              <a:schemeClr val="accent1"/>
+            </a:effectRef>
+            <a:fontRef idx="minor">
+              <a:schemeClr val="lt1"/>
+            </a:fontRef>
+          </p:style>
+          <p:txBody>
+            <a:bodyPr rtlCol="0" anchor="ctr"/>
+            <a:lstStyle/>
+            <a:p>
+              <a:pPr algn="ctr"/>
+              <a:r>
+                <a:rPr lang="en-US" sz="800" dirty="0">
+                  <a:solidFill>
+                    <a:schemeClr val="tx1"/>
+                  </a:solidFill>
+                  <a:latin typeface="Verdana" panose="020B0604030504040204" pitchFamily="34" charset="0"/>
+                  <a:ea typeface="Verdana" panose="020B0604030504040204" pitchFamily="34" charset="0"/>
+                </a:rPr>
+                <a:t>Sentence Vector Representation</a:t>
+              </a:r>
+              <a:endParaRPr lang="en-US" dirty="0">
+                <a:solidFill>
+                  <a:schemeClr val="tx1"/>
+                </a:solidFill>
+              </a:endParaRPr>
+            </a:p>
+          </p:txBody>
+        </p:sp>
+        <p:cxnSp>
+          <p:nvCxnSpPr>
+            <p:cNvPr id="25" name="Straight Arrow Connector 24">
+              <a:extLst>
+                <a:ext uri="{FF2B5EF4-FFF2-40B4-BE49-F238E27FC236}">
+                  <a16:creationId xmlns:a16="http://schemas.microsoft.com/office/drawing/2014/main" id="{ED90C481-8962-4EAA-896E-859A97BF4B18}"/>
+                </a:ext>
+              </a:extLst>
+            </p:cNvPr>
+            <p:cNvCxnSpPr>
+              <a:cxnSpLocks/>
+              <a:endCxn id="22" idx="1"/>
+            </p:cNvCxnSpPr>
+            <p:nvPr/>
+          </p:nvCxnSpPr>
+          <p:spPr>
+            <a:xfrm>
+              <a:off x="4619902" y="3425414"/>
+              <a:ext cx="228577" cy="0"/>
+            </a:xfrm>
+            <a:prstGeom prst="straightConnector1">
+              <a:avLst/>
+            </a:prstGeom>
+            <a:ln w="22225">
+              <a:solidFill>
+                <a:schemeClr val="tx1"/>
+              </a:solidFill>
+              <a:tailEnd type="triangle"/>
+            </a:ln>
+          </p:spPr>
+          <p:style>
+            <a:lnRef idx="1">
+              <a:schemeClr val="accent1"/>
+            </a:lnRef>
+            <a:fillRef idx="0">
+              <a:schemeClr val="accent1"/>
+            </a:fillRef>
+            <a:effectRef idx="0">
+              <a:schemeClr val="accent1"/>
+            </a:effectRef>
+            <a:fontRef idx="minor">
+              <a:schemeClr val="tx1"/>
+            </a:fontRef>
+          </p:style>
+        </p:cxnSp>
+        <p:cxnSp>
+          <p:nvCxnSpPr>
+            <p:cNvPr id="26" name="Straight Arrow Connector 25">
+              <a:extLst>
+                <a:ext uri="{FF2B5EF4-FFF2-40B4-BE49-F238E27FC236}">
+                  <a16:creationId xmlns:a16="http://schemas.microsoft.com/office/drawing/2014/main" id="{D6C92EEF-3C8C-4B5E-90F8-26270AF47927}"/>
+                </a:ext>
+              </a:extLst>
+            </p:cNvPr>
+            <p:cNvCxnSpPr>
+              <a:cxnSpLocks/>
+              <a:endCxn id="23" idx="1"/>
+            </p:cNvCxnSpPr>
+            <p:nvPr/>
+          </p:nvCxnSpPr>
+          <p:spPr>
+            <a:xfrm>
+              <a:off x="5878863" y="3425414"/>
+              <a:ext cx="252238" cy="0"/>
+            </a:xfrm>
+            <a:prstGeom prst="straightConnector1">
+              <a:avLst/>
+            </a:prstGeom>
+            <a:ln w="22225">
+              <a:solidFill>
+                <a:schemeClr val="tx1"/>
+              </a:solidFill>
+              <a:tailEnd type="triangle"/>
+            </a:ln>
+          </p:spPr>
+          <p:style>
+            <a:lnRef idx="1">
+              <a:schemeClr val="accent1"/>
+            </a:lnRef>
+            <a:fillRef idx="0">
+              <a:schemeClr val="accent1"/>
+            </a:fillRef>
+            <a:effectRef idx="0">
+              <a:schemeClr val="accent1"/>
+            </a:effectRef>
+            <a:fontRef idx="minor">
+              <a:schemeClr val="tx1"/>
+            </a:fontRef>
+          </p:style>
+        </p:cxnSp>
+        <p:cxnSp>
+          <p:nvCxnSpPr>
+            <p:cNvPr id="27" name="Straight Arrow Connector 26">
+              <a:extLst>
+                <a:ext uri="{FF2B5EF4-FFF2-40B4-BE49-F238E27FC236}">
+                  <a16:creationId xmlns:a16="http://schemas.microsoft.com/office/drawing/2014/main" id="{52274DB1-E73E-4F5F-84D8-C172D0CFD741}"/>
+                </a:ext>
+              </a:extLst>
+            </p:cNvPr>
+            <p:cNvCxnSpPr>
+              <a:cxnSpLocks/>
+              <a:endCxn id="24" idx="1"/>
+            </p:cNvCxnSpPr>
+            <p:nvPr/>
+          </p:nvCxnSpPr>
+          <p:spPr>
+            <a:xfrm>
+              <a:off x="7161485" y="3425414"/>
+              <a:ext cx="252238" cy="0"/>
+            </a:xfrm>
+            <a:prstGeom prst="straightConnector1">
+              <a:avLst/>
+            </a:prstGeom>
+            <a:ln w="22225">
+              <a:solidFill>
+                <a:schemeClr val="tx1"/>
+              </a:solidFill>
+              <a:tailEnd type="triangle"/>
+            </a:ln>
+          </p:spPr>
+          <p:style>
+            <a:lnRef idx="1">
+              <a:schemeClr val="accent1"/>
+            </a:lnRef>
+            <a:fillRef idx="0">
+              <a:schemeClr val="accent1"/>
+            </a:fillRef>
+            <a:effectRef idx="0">
+              <a:schemeClr val="accent1"/>
+            </a:effectRef>
+            <a:fontRef idx="minor">
+              <a:schemeClr val="tx1"/>
+            </a:fontRef>
+          </p:style>
+        </p:cxnSp>
+      </p:grpSp>
+      <p:grpSp>
+        <p:nvGrpSpPr>
+          <p:cNvPr id="28" name="Group 27">
+            <a:extLst>
+              <a:ext uri="{FF2B5EF4-FFF2-40B4-BE49-F238E27FC236}">
+                <a16:creationId xmlns:a16="http://schemas.microsoft.com/office/drawing/2014/main" id="{A7292490-81DB-4938-97F7-B3A61F43C9A6}"/>
+              </a:ext>
+            </a:extLst>
+          </p:cNvPr>
+          <p:cNvGrpSpPr/>
+          <p:nvPr/>
+        </p:nvGrpSpPr>
+        <p:grpSpPr>
+          <a:xfrm>
+            <a:off x="3501424" y="4786081"/>
+            <a:ext cx="5021140" cy="1452831"/>
+            <a:chOff x="3403769" y="3731729"/>
+            <a:chExt cx="5021140" cy="1452831"/>
+          </a:xfrm>
+        </p:grpSpPr>
+        <p:sp>
+          <p:nvSpPr>
+            <p:cNvPr id="29" name="Rectangle 28">
+              <a:extLst>
+                <a:ext uri="{FF2B5EF4-FFF2-40B4-BE49-F238E27FC236}">
+                  <a16:creationId xmlns:a16="http://schemas.microsoft.com/office/drawing/2014/main" id="{E5957867-43E3-432F-B7F9-65EC0A3F0765}"/>
+                </a:ext>
+              </a:extLst>
+            </p:cNvPr>
+            <p:cNvSpPr/>
+            <p:nvPr/>
+          </p:nvSpPr>
+          <p:spPr>
+            <a:xfrm>
+              <a:off x="3403769" y="3737800"/>
+              <a:ext cx="5021140" cy="1446760"/>
+            </a:xfrm>
+            <a:prstGeom prst="rect">
+              <a:avLst/>
+            </a:prstGeom>
+            <a:solidFill>
+              <a:schemeClr val="bg1"/>
+            </a:solidFill>
+            <a:ln>
+              <a:solidFill>
+                <a:srgbClr val="002060"/>
+              </a:solidFill>
+            </a:ln>
+          </p:spPr>
+          <p:style>
+            <a:lnRef idx="2">
+              <a:schemeClr val="accent1">
+                <a:shade val="50000"/>
+              </a:schemeClr>
+            </a:lnRef>
+            <a:fillRef idx="1">
+              <a:schemeClr val="accent1"/>
+            </a:fillRef>
+            <a:effectRef idx="0">
+              <a:schemeClr val="accent1"/>
+            </a:effectRef>
+            <a:fontRef idx="minor">
+              <a:schemeClr val="lt1"/>
+            </a:fontRef>
+          </p:style>
+          <p:txBody>
+            <a:bodyPr rtlCol="0" anchor="ctr"/>
+            <a:lstStyle/>
+            <a:p>
+              <a:pPr algn="ctr"/>
+              <a:endParaRPr lang="en-US"/>
+            </a:p>
+          </p:txBody>
+        </p:sp>
+        <p:sp>
+          <p:nvSpPr>
+            <p:cNvPr id="30" name="Rectangle 29">
+              <a:extLst>
+                <a:ext uri="{FF2B5EF4-FFF2-40B4-BE49-F238E27FC236}">
+                  <a16:creationId xmlns:a16="http://schemas.microsoft.com/office/drawing/2014/main" id="{B9F2943D-2044-40B3-8847-5DE23560BC04}"/>
+                </a:ext>
+              </a:extLst>
+            </p:cNvPr>
+            <p:cNvSpPr/>
+            <p:nvPr/>
+          </p:nvSpPr>
+          <p:spPr>
+            <a:xfrm>
+              <a:off x="3403769" y="3731729"/>
+              <a:ext cx="5021140" cy="353929"/>
+            </a:xfrm>
+            <a:prstGeom prst="rect">
+              <a:avLst/>
+            </a:prstGeom>
+            <a:solidFill>
+              <a:schemeClr val="accent2">
+                <a:lumMod val="40000"/>
+                <a:lumOff val="60000"/>
+              </a:schemeClr>
+            </a:solidFill>
+          </p:spPr>
+          <p:style>
+            <a:lnRef idx="2">
+              <a:schemeClr val="accent1">
+                <a:shade val="50000"/>
+              </a:schemeClr>
+            </a:lnRef>
+            <a:fillRef idx="1">
+              <a:schemeClr val="accent1"/>
+            </a:fillRef>
+            <a:effectRef idx="0">
+              <a:schemeClr val="accent1"/>
+            </a:effectRef>
+            <a:fontRef idx="minor">
+              <a:schemeClr val="lt1"/>
+            </a:fontRef>
+          </p:style>
+          <p:txBody>
+            <a:bodyPr rtlCol="0" anchor="ctr"/>
+            <a:lstStyle/>
+            <a:p>
+              <a:pPr algn="ctr"/>
+              <a:endParaRPr lang="en-US"/>
+            </a:p>
+          </p:txBody>
+        </p:sp>
+        <p:sp>
+          <p:nvSpPr>
+            <p:cNvPr id="31" name="TextBox 30">
+              <a:extLst>
+                <a:ext uri="{FF2B5EF4-FFF2-40B4-BE49-F238E27FC236}">
+                  <a16:creationId xmlns:a16="http://schemas.microsoft.com/office/drawing/2014/main" id="{C9D001D4-4F0C-44C0-945C-47D5AD7B5CE3}"/>
+                </a:ext>
+              </a:extLst>
+            </p:cNvPr>
+            <p:cNvSpPr txBox="1"/>
+            <p:nvPr/>
+          </p:nvSpPr>
+          <p:spPr>
+            <a:xfrm>
+              <a:off x="3727464" y="3785582"/>
+              <a:ext cx="4373749" cy="246221"/>
+            </a:xfrm>
+            <a:prstGeom prst="rect">
+              <a:avLst/>
+            </a:prstGeom>
+            <a:noFill/>
+          </p:spPr>
+          <p:txBody>
+            <a:bodyPr wrap="square" rtlCol="0">
+              <a:spAutoFit/>
+            </a:bodyPr>
+            <a:lstStyle/>
+            <a:p>
+              <a:pPr algn="ctr"/>
+              <a:r>
+                <a:rPr lang="en-US" sz="1000" b="1" dirty="0">
+                  <a:latin typeface="Verdana" panose="020B0604030504040204" pitchFamily="34" charset="0"/>
+                  <a:ea typeface="Verdana" panose="020B0604030504040204" pitchFamily="34" charset="0"/>
+                </a:rPr>
+                <a:t>Transformers Embedding</a:t>
+              </a:r>
+            </a:p>
+          </p:txBody>
+        </p:sp>
+        <p:sp>
+          <p:nvSpPr>
+            <p:cNvPr id="32" name="Rectangle 31">
+              <a:extLst>
+                <a:ext uri="{FF2B5EF4-FFF2-40B4-BE49-F238E27FC236}">
+                  <a16:creationId xmlns:a16="http://schemas.microsoft.com/office/drawing/2014/main" id="{41232D91-E3BD-46A5-9810-9621C8349D77}"/>
+                </a:ext>
+              </a:extLst>
+            </p:cNvPr>
+            <p:cNvSpPr/>
+            <p:nvPr/>
+          </p:nvSpPr>
+          <p:spPr>
+            <a:xfrm>
+              <a:off x="3491863" y="4391741"/>
+              <a:ext cx="1030384" cy="393286"/>
+            </a:xfrm>
+            <a:prstGeom prst="rect">
+              <a:avLst/>
+            </a:prstGeom>
+            <a:solidFill>
+              <a:schemeClr val="accent1">
+                <a:lumMod val="40000"/>
+                <a:lumOff val="60000"/>
+              </a:schemeClr>
+            </a:solidFill>
+            <a:ln>
+              <a:solidFill>
+                <a:schemeClr val="accent1">
+                  <a:lumMod val="60000"/>
+                  <a:lumOff val="40000"/>
+                </a:schemeClr>
+              </a:solidFill>
+              <a:prstDash val="solid"/>
+            </a:ln>
+          </p:spPr>
+          <p:style>
+            <a:lnRef idx="2">
+              <a:schemeClr val="accent1">
+                <a:shade val="50000"/>
+              </a:schemeClr>
+            </a:lnRef>
+            <a:fillRef idx="1">
+              <a:schemeClr val="accent1"/>
+            </a:fillRef>
+            <a:effectRef idx="0">
+              <a:schemeClr val="accent1"/>
+            </a:effectRef>
+            <a:fontRef idx="minor">
+              <a:schemeClr val="lt1"/>
+            </a:fontRef>
+          </p:style>
+          <p:txBody>
+            <a:bodyPr rtlCol="0" anchor="ctr"/>
+            <a:lstStyle/>
+            <a:p>
+              <a:pPr algn="ctr"/>
+              <a:r>
+                <a:rPr lang="en-US" sz="800" dirty="0">
+                  <a:solidFill>
+                    <a:schemeClr val="tx1"/>
+                  </a:solidFill>
+                  <a:latin typeface="Verdana" panose="020B0604030504040204" pitchFamily="34" charset="0"/>
+                  <a:ea typeface="Verdana" panose="020B0604030504040204" pitchFamily="34" charset="0"/>
+                </a:rPr>
+                <a:t>Sentence</a:t>
+              </a:r>
+              <a:endParaRPr lang="en-US" dirty="0">
+                <a:solidFill>
+                  <a:schemeClr val="tx1"/>
+                </a:solidFill>
+              </a:endParaRPr>
+            </a:p>
+          </p:txBody>
+        </p:sp>
+        <p:sp>
+          <p:nvSpPr>
+            <p:cNvPr id="33" name="Rectangle 32">
+              <a:extLst>
+                <a:ext uri="{FF2B5EF4-FFF2-40B4-BE49-F238E27FC236}">
+                  <a16:creationId xmlns:a16="http://schemas.microsoft.com/office/drawing/2014/main" id="{E3570944-53FD-48C1-BD32-4C5FC0EC3F8C}"/>
+                </a:ext>
+              </a:extLst>
+            </p:cNvPr>
+            <p:cNvSpPr/>
+            <p:nvPr/>
+          </p:nvSpPr>
+          <p:spPr>
+            <a:xfrm>
+              <a:off x="4750824" y="4391741"/>
+              <a:ext cx="1030384" cy="393286"/>
+            </a:xfrm>
+            <a:prstGeom prst="rect">
+              <a:avLst/>
+            </a:prstGeom>
+            <a:solidFill>
+              <a:schemeClr val="accent1">
+                <a:lumMod val="40000"/>
+                <a:lumOff val="60000"/>
+              </a:schemeClr>
+            </a:solidFill>
+            <a:ln>
+              <a:solidFill>
+                <a:schemeClr val="accent1">
+                  <a:lumMod val="60000"/>
+                  <a:lumOff val="40000"/>
+                </a:schemeClr>
+              </a:solidFill>
+              <a:prstDash val="solid"/>
+            </a:ln>
+          </p:spPr>
+          <p:style>
+            <a:lnRef idx="2">
+              <a:schemeClr val="accent1">
+                <a:shade val="50000"/>
+              </a:schemeClr>
+            </a:lnRef>
+            <a:fillRef idx="1">
+              <a:schemeClr val="accent1"/>
+            </a:fillRef>
+            <a:effectRef idx="0">
+              <a:schemeClr val="accent1"/>
+            </a:effectRef>
+            <a:fontRef idx="minor">
+              <a:schemeClr val="lt1"/>
+            </a:fontRef>
+          </p:style>
+          <p:txBody>
+            <a:bodyPr rtlCol="0" anchor="ctr"/>
+            <a:lstStyle/>
+            <a:p>
+              <a:pPr algn="ctr"/>
+              <a:r>
+                <a:rPr lang="en-US" sz="800" dirty="0">
+                  <a:solidFill>
+                    <a:schemeClr val="tx1"/>
+                  </a:solidFill>
+                  <a:latin typeface="Verdana" panose="020B0604030504040204" pitchFamily="34" charset="0"/>
+                  <a:ea typeface="Verdana" panose="020B0604030504040204" pitchFamily="34" charset="0"/>
+                </a:rPr>
+                <a:t>Text Preprocessing</a:t>
+              </a:r>
+              <a:endParaRPr lang="en-US" dirty="0">
+                <a:solidFill>
+                  <a:schemeClr val="tx1"/>
+                </a:solidFill>
+              </a:endParaRPr>
+            </a:p>
+          </p:txBody>
+        </p:sp>
+        <p:sp>
+          <p:nvSpPr>
+            <p:cNvPr id="34" name="Rectangle 33">
+              <a:extLst>
+                <a:ext uri="{FF2B5EF4-FFF2-40B4-BE49-F238E27FC236}">
+                  <a16:creationId xmlns:a16="http://schemas.microsoft.com/office/drawing/2014/main" id="{71034437-8365-46EC-8FE7-5D63540315BF}"/>
+                </a:ext>
+              </a:extLst>
+            </p:cNvPr>
+            <p:cNvSpPr/>
+            <p:nvPr/>
+          </p:nvSpPr>
+          <p:spPr>
+            <a:xfrm>
+              <a:off x="6033446" y="4391741"/>
+              <a:ext cx="1030384" cy="393286"/>
+            </a:xfrm>
+            <a:prstGeom prst="rect">
+              <a:avLst/>
+            </a:prstGeom>
+            <a:solidFill>
+              <a:schemeClr val="accent1">
+                <a:lumMod val="40000"/>
+                <a:lumOff val="60000"/>
+              </a:schemeClr>
+            </a:solidFill>
+            <a:ln>
+              <a:solidFill>
+                <a:schemeClr val="accent1">
+                  <a:lumMod val="60000"/>
+                  <a:lumOff val="40000"/>
+                </a:schemeClr>
+              </a:solidFill>
+              <a:prstDash val="solid"/>
+            </a:ln>
+          </p:spPr>
+          <p:style>
+            <a:lnRef idx="2">
+              <a:schemeClr val="accent1">
+                <a:shade val="50000"/>
+              </a:schemeClr>
+            </a:lnRef>
+            <a:fillRef idx="1">
+              <a:schemeClr val="accent1"/>
+            </a:fillRef>
+            <a:effectRef idx="0">
+              <a:schemeClr val="accent1"/>
+            </a:effectRef>
+            <a:fontRef idx="minor">
+              <a:schemeClr val="lt1"/>
+            </a:fontRef>
+          </p:style>
+          <p:txBody>
+            <a:bodyPr rtlCol="0" anchor="ctr"/>
+            <a:lstStyle/>
+            <a:p>
+              <a:pPr algn="ctr"/>
+              <a:r>
+                <a:rPr lang="en-US" sz="800" dirty="0">
+                  <a:solidFill>
+                    <a:schemeClr val="tx1"/>
+                  </a:solidFill>
+                  <a:latin typeface="Verdana" panose="020B0604030504040204" pitchFamily="34" charset="0"/>
+                  <a:ea typeface="Verdana" panose="020B0604030504040204" pitchFamily="34" charset="0"/>
+                </a:rPr>
+                <a:t>Transform Encoding</a:t>
+              </a:r>
+              <a:endParaRPr lang="en-US" dirty="0">
+                <a:solidFill>
+                  <a:schemeClr val="tx1"/>
+                </a:solidFill>
+              </a:endParaRPr>
+            </a:p>
+          </p:txBody>
+        </p:sp>
+        <p:sp>
+          <p:nvSpPr>
+            <p:cNvPr id="35" name="Rectangle 34">
+              <a:extLst>
+                <a:ext uri="{FF2B5EF4-FFF2-40B4-BE49-F238E27FC236}">
+                  <a16:creationId xmlns:a16="http://schemas.microsoft.com/office/drawing/2014/main" id="{692D7E1D-F605-40BC-91D6-590826D11888}"/>
+                </a:ext>
+              </a:extLst>
+            </p:cNvPr>
+            <p:cNvSpPr/>
+            <p:nvPr/>
+          </p:nvSpPr>
+          <p:spPr>
+            <a:xfrm>
+              <a:off x="7316068" y="4391741"/>
+              <a:ext cx="1030384" cy="393286"/>
+            </a:xfrm>
+            <a:prstGeom prst="rect">
+              <a:avLst/>
+            </a:prstGeom>
+            <a:solidFill>
+              <a:schemeClr val="accent1">
+                <a:lumMod val="40000"/>
+                <a:lumOff val="60000"/>
+              </a:schemeClr>
+            </a:solidFill>
+            <a:ln>
+              <a:solidFill>
+                <a:schemeClr val="accent1">
+                  <a:lumMod val="60000"/>
+                  <a:lumOff val="40000"/>
+                </a:schemeClr>
+              </a:solidFill>
+              <a:prstDash val="solid"/>
+            </a:ln>
+          </p:spPr>
+          <p:style>
+            <a:lnRef idx="2">
+              <a:schemeClr val="accent1">
+                <a:shade val="50000"/>
+              </a:schemeClr>
+            </a:lnRef>
+            <a:fillRef idx="1">
+              <a:schemeClr val="accent1"/>
+            </a:fillRef>
+            <a:effectRef idx="0">
+              <a:schemeClr val="accent1"/>
+            </a:effectRef>
+            <a:fontRef idx="minor">
+              <a:schemeClr val="lt1"/>
+            </a:fontRef>
+          </p:style>
+          <p:txBody>
+            <a:bodyPr rtlCol="0" anchor="ctr"/>
+            <a:lstStyle/>
+            <a:p>
+              <a:pPr algn="ctr"/>
+              <a:r>
+                <a:rPr lang="en-US" sz="800" dirty="0">
+                  <a:solidFill>
+                    <a:schemeClr val="tx1"/>
+                  </a:solidFill>
+                  <a:latin typeface="Verdana" panose="020B0604030504040204" pitchFamily="34" charset="0"/>
+                  <a:ea typeface="Verdana" panose="020B0604030504040204" pitchFamily="34" charset="0"/>
+                </a:rPr>
+                <a:t>Sentence Vector Representation</a:t>
+              </a:r>
+              <a:endParaRPr lang="en-US" dirty="0">
+                <a:solidFill>
+                  <a:schemeClr val="tx1"/>
+                </a:solidFill>
+              </a:endParaRPr>
+            </a:p>
+          </p:txBody>
+        </p:sp>
+        <p:cxnSp>
+          <p:nvCxnSpPr>
+            <p:cNvPr id="36" name="Straight Arrow Connector 35">
+              <a:extLst>
+                <a:ext uri="{FF2B5EF4-FFF2-40B4-BE49-F238E27FC236}">
+                  <a16:creationId xmlns:a16="http://schemas.microsoft.com/office/drawing/2014/main" id="{2AFFF932-BE03-4460-9DDF-9E352C8118F3}"/>
+                </a:ext>
+              </a:extLst>
+            </p:cNvPr>
+            <p:cNvCxnSpPr>
+              <a:cxnSpLocks/>
+              <a:endCxn id="33" idx="1"/>
+            </p:cNvCxnSpPr>
+            <p:nvPr/>
+          </p:nvCxnSpPr>
+          <p:spPr>
+            <a:xfrm>
+              <a:off x="4522247" y="4588384"/>
+              <a:ext cx="228577" cy="0"/>
+            </a:xfrm>
+            <a:prstGeom prst="straightConnector1">
+              <a:avLst/>
+            </a:prstGeom>
+            <a:ln w="22225">
+              <a:solidFill>
+                <a:schemeClr val="tx1"/>
+              </a:solidFill>
+              <a:tailEnd type="triangle"/>
+            </a:ln>
+          </p:spPr>
+          <p:style>
+            <a:lnRef idx="1">
+              <a:schemeClr val="accent1"/>
+            </a:lnRef>
+            <a:fillRef idx="0">
+              <a:schemeClr val="accent1"/>
+            </a:fillRef>
+            <a:effectRef idx="0">
+              <a:schemeClr val="accent1"/>
+            </a:effectRef>
+            <a:fontRef idx="minor">
+              <a:schemeClr val="tx1"/>
+            </a:fontRef>
+          </p:style>
+        </p:cxnSp>
+        <p:cxnSp>
+          <p:nvCxnSpPr>
+            <p:cNvPr id="37" name="Straight Arrow Connector 36">
+              <a:extLst>
+                <a:ext uri="{FF2B5EF4-FFF2-40B4-BE49-F238E27FC236}">
+                  <a16:creationId xmlns:a16="http://schemas.microsoft.com/office/drawing/2014/main" id="{A469E036-69CA-45A7-891A-D3F4CB513111}"/>
+                </a:ext>
+              </a:extLst>
+            </p:cNvPr>
+            <p:cNvCxnSpPr>
+              <a:cxnSpLocks/>
+              <a:endCxn id="34" idx="1"/>
+            </p:cNvCxnSpPr>
+            <p:nvPr/>
+          </p:nvCxnSpPr>
+          <p:spPr>
+            <a:xfrm>
+              <a:off x="5781208" y="4588384"/>
+              <a:ext cx="252238" cy="0"/>
+            </a:xfrm>
+            <a:prstGeom prst="straightConnector1">
+              <a:avLst/>
+            </a:prstGeom>
+            <a:ln w="22225">
+              <a:solidFill>
+                <a:schemeClr val="tx1"/>
+              </a:solidFill>
+              <a:tailEnd type="triangle"/>
+            </a:ln>
+          </p:spPr>
+          <p:style>
+            <a:lnRef idx="1">
+              <a:schemeClr val="accent1"/>
+            </a:lnRef>
+            <a:fillRef idx="0">
+              <a:schemeClr val="accent1"/>
+            </a:fillRef>
+            <a:effectRef idx="0">
+              <a:schemeClr val="accent1"/>
+            </a:effectRef>
+            <a:fontRef idx="minor">
+              <a:schemeClr val="tx1"/>
+            </a:fontRef>
+          </p:style>
+        </p:cxnSp>
+        <p:cxnSp>
+          <p:nvCxnSpPr>
+            <p:cNvPr id="38" name="Straight Arrow Connector 37">
+              <a:extLst>
+                <a:ext uri="{FF2B5EF4-FFF2-40B4-BE49-F238E27FC236}">
+                  <a16:creationId xmlns:a16="http://schemas.microsoft.com/office/drawing/2014/main" id="{9C3A54DB-B6C9-4BBB-BCE4-75D80E12BD7F}"/>
+                </a:ext>
+              </a:extLst>
+            </p:cNvPr>
+            <p:cNvCxnSpPr>
+              <a:cxnSpLocks/>
+              <a:endCxn id="35" idx="1"/>
+            </p:cNvCxnSpPr>
+            <p:nvPr/>
+          </p:nvCxnSpPr>
+          <p:spPr>
+            <a:xfrm>
+              <a:off x="7063830" y="4588384"/>
+              <a:ext cx="252238" cy="0"/>
+            </a:xfrm>
+            <a:prstGeom prst="straightConnector1">
+              <a:avLst/>
+            </a:prstGeom>
+            <a:ln w="22225">
+              <a:solidFill>
+                <a:schemeClr val="tx1"/>
+              </a:solidFill>
+              <a:tailEnd type="triangle"/>
+            </a:ln>
+          </p:spPr>
+          <p:style>
+            <a:lnRef idx="1">
+              <a:schemeClr val="accent1"/>
+            </a:lnRef>
+            <a:fillRef idx="0">
+              <a:schemeClr val="accent1"/>
+            </a:fillRef>
+            <a:effectRef idx="0">
+              <a:schemeClr val="accent1"/>
+            </a:effectRef>
+            <a:fontRef idx="minor">
+              <a:schemeClr val="tx1"/>
+            </a:fontRef>
+          </p:style>
+        </p:cxnSp>
+      </p:grpSp>
+    </p:spTree>
+    <p:extLst>
+      <p:ext uri="{BB962C8B-B14F-4D97-AF65-F5344CB8AC3E}">
+        <p14:creationId xmlns:p14="http://schemas.microsoft.com/office/powerpoint/2010/main" val="3085747786"/>
       </p:ext>
     </p:extLst>
   </p:cSld>

--- a/Final_project/MScA_31008_Final_Project_Presentation - Pitchbook Industry Classification.pptx
+++ b/Final_project/MScA_31008_Final_Project_Presentation - Pitchbook Industry Classification.pptx
@@ -5,17 +5,19 @@
     <p:sldMasterId id="2147483648" r:id="rId1"/>
   </p:sldMasterIdLst>
   <p:notesMasterIdLst>
-    <p:notesMasterId r:id="rId10"/>
+    <p:notesMasterId r:id="rId12"/>
   </p:notesMasterIdLst>
   <p:sldIdLst>
     <p:sldId id="261" r:id="rId2"/>
     <p:sldId id="257" r:id="rId3"/>
     <p:sldId id="262" r:id="rId4"/>
-    <p:sldId id="266" r:id="rId5"/>
-    <p:sldId id="264" r:id="rId6"/>
-    <p:sldId id="263" r:id="rId7"/>
-    <p:sldId id="265" r:id="rId8"/>
-    <p:sldId id="267" r:id="rId9"/>
+    <p:sldId id="269" r:id="rId5"/>
+    <p:sldId id="268" r:id="rId6"/>
+    <p:sldId id="266" r:id="rId7"/>
+    <p:sldId id="264" r:id="rId8"/>
+    <p:sldId id="263" r:id="rId9"/>
+    <p:sldId id="265" r:id="rId10"/>
+    <p:sldId id="267" r:id="rId11"/>
   </p:sldIdLst>
   <p:sldSz cx="12192000" cy="6858000"/>
   <p:notesSz cx="6858000" cy="9144000"/>
@@ -701,7 +703,7 @@
     </p:spTree>
     <p:extLst>
       <p:ext uri="{BB962C8B-B14F-4D97-AF65-F5344CB8AC3E}">
-        <p14:creationId xmlns:p14="http://schemas.microsoft.com/office/powerpoint/2010/main" val="4248919767"/>
+        <p14:creationId xmlns:p14="http://schemas.microsoft.com/office/powerpoint/2010/main" val="2159282309"/>
       </p:ext>
     </p:extLst>
   </p:cSld>
@@ -821,7 +823,7 @@
     </p:spTree>
     <p:extLst>
       <p:ext uri="{BB962C8B-B14F-4D97-AF65-F5344CB8AC3E}">
-        <p14:creationId xmlns:p14="http://schemas.microsoft.com/office/powerpoint/2010/main" val="3343592772"/>
+        <p14:creationId xmlns:p14="http://schemas.microsoft.com/office/powerpoint/2010/main" val="878012087"/>
       </p:ext>
     </p:extLst>
   </p:cSld>
@@ -941,7 +943,7 @@
     </p:spTree>
     <p:extLst>
       <p:ext uri="{BB962C8B-B14F-4D97-AF65-F5344CB8AC3E}">
-        <p14:creationId xmlns:p14="http://schemas.microsoft.com/office/powerpoint/2010/main" val="794811227"/>
+        <p14:creationId xmlns:p14="http://schemas.microsoft.com/office/powerpoint/2010/main" val="4248919767"/>
       </p:ext>
     </p:extLst>
   </p:cSld>
@@ -1061,7 +1063,7 @@
     </p:spTree>
     <p:extLst>
       <p:ext uri="{BB962C8B-B14F-4D97-AF65-F5344CB8AC3E}">
-        <p14:creationId xmlns:p14="http://schemas.microsoft.com/office/powerpoint/2010/main" val="816397328"/>
+        <p14:creationId xmlns:p14="http://schemas.microsoft.com/office/powerpoint/2010/main" val="3343592772"/>
       </p:ext>
     </p:extLst>
   </p:cSld>
@@ -1173,6 +1175,246 @@
             <a:fld id="{159A4FC4-B7B2-41AD-A47A-6BEA82EF40C3}" type="slidenum">
               <a:rPr lang="en-US" smtClean="0"/>
               <a:t>8</a:t>
+            </a:fld>
+            <a:endParaRPr lang="en-US"/>
+          </a:p>
+        </p:txBody>
+      </p:sp>
+    </p:spTree>
+    <p:extLst>
+      <p:ext uri="{BB962C8B-B14F-4D97-AF65-F5344CB8AC3E}">
+        <p14:creationId xmlns:p14="http://schemas.microsoft.com/office/powerpoint/2010/main" val="794811227"/>
+      </p:ext>
+    </p:extLst>
+  </p:cSld>
+  <p:clrMapOvr>
+    <a:masterClrMapping/>
+  </p:clrMapOvr>
+</p:notes>
+</file>
+
+<file path=ppt/notesSlides/notesSlide7.xml><?xml version="1.0" encoding="utf-8"?>
+<p:notes xmlns:a="http://schemas.openxmlformats.org/drawingml/2006/main" xmlns:r="http://schemas.openxmlformats.org/officeDocument/2006/relationships" xmlns:p="http://schemas.openxmlformats.org/presentationml/2006/main">
+  <p:cSld>
+    <p:spTree>
+      <p:nvGrpSpPr>
+        <p:cNvPr id="1" name=""/>
+        <p:cNvGrpSpPr/>
+        <p:nvPr/>
+      </p:nvGrpSpPr>
+      <p:grpSpPr>
+        <a:xfrm>
+          <a:off x="0" y="0"/>
+          <a:ext cx="0" cy="0"/>
+          <a:chOff x="0" y="0"/>
+          <a:chExt cx="0" cy="0"/>
+        </a:xfrm>
+      </p:grpSpPr>
+      <p:sp>
+        <p:nvSpPr>
+          <p:cNvPr id="2" name="Slide Image Placeholder 1"/>
+          <p:cNvSpPr>
+            <a:spLocks noGrp="1" noRot="1" noChangeAspect="1"/>
+          </p:cNvSpPr>
+          <p:nvPr>
+            <p:ph type="sldImg"/>
+          </p:nvPr>
+        </p:nvSpPr>
+        <p:spPr/>
+      </p:sp>
+      <p:sp>
+        <p:nvSpPr>
+          <p:cNvPr id="3" name="Notes Placeholder 2"/>
+          <p:cNvSpPr>
+            <a:spLocks noGrp="1"/>
+          </p:cNvSpPr>
+          <p:nvPr>
+            <p:ph type="body" idx="1"/>
+          </p:nvPr>
+        </p:nvSpPr>
+        <p:spPr/>
+        <p:txBody>
+          <a:bodyPr/>
+          <a:lstStyle/>
+          <a:p>
+            <a:r>
+              <a:rPr lang="en-US" sz="1200" b="0" i="0" kern="1200" dirty="0">
+                <a:solidFill>
+                  <a:schemeClr val="tx1"/>
+                </a:solidFill>
+                <a:effectLst/>
+                <a:latin typeface="+mn-lt"/>
+                <a:ea typeface="+mn-ea"/>
+                <a:cs typeface="+mn-cs"/>
+              </a:rPr>
+              <a:t>The </a:t>
+            </a:r>
+            <a:r>
+              <a:rPr lang="en-US" sz="1200" b="1" i="0" kern="1200" dirty="0">
+                <a:solidFill>
+                  <a:schemeClr val="tx1"/>
+                </a:solidFill>
+                <a:effectLst/>
+                <a:latin typeface="+mn-lt"/>
+                <a:ea typeface="+mn-ea"/>
+                <a:cs typeface="+mn-cs"/>
+              </a:rPr>
+              <a:t>Irving Fisher Committee</a:t>
+            </a:r>
+            <a:r>
+              <a:rPr lang="en-US" sz="1200" b="0" i="0" kern="1200" dirty="0">
+                <a:solidFill>
+                  <a:schemeClr val="tx1"/>
+                </a:solidFill>
+                <a:effectLst/>
+                <a:latin typeface="+mn-lt"/>
+                <a:ea typeface="+mn-ea"/>
+                <a:cs typeface="+mn-cs"/>
+              </a:rPr>
+              <a:t> is a forum of central bank economists and statisticians, discussing statistical issues of interest to central banks</a:t>
+            </a:r>
+            <a:endParaRPr lang="en-US" dirty="0"/>
+          </a:p>
+        </p:txBody>
+      </p:sp>
+      <p:sp>
+        <p:nvSpPr>
+          <p:cNvPr id="4" name="Slide Number Placeholder 3"/>
+          <p:cNvSpPr>
+            <a:spLocks noGrp="1"/>
+          </p:cNvSpPr>
+          <p:nvPr>
+            <p:ph type="sldNum" sz="quarter" idx="5"/>
+          </p:nvPr>
+        </p:nvSpPr>
+        <p:spPr/>
+        <p:txBody>
+          <a:bodyPr/>
+          <a:lstStyle/>
+          <a:p>
+            <a:fld id="{159A4FC4-B7B2-41AD-A47A-6BEA82EF40C3}" type="slidenum">
+              <a:rPr lang="en-US" smtClean="0"/>
+              <a:t>9</a:t>
+            </a:fld>
+            <a:endParaRPr lang="en-US"/>
+          </a:p>
+        </p:txBody>
+      </p:sp>
+    </p:spTree>
+    <p:extLst>
+      <p:ext uri="{BB962C8B-B14F-4D97-AF65-F5344CB8AC3E}">
+        <p14:creationId xmlns:p14="http://schemas.microsoft.com/office/powerpoint/2010/main" val="816397328"/>
+      </p:ext>
+    </p:extLst>
+  </p:cSld>
+  <p:clrMapOvr>
+    <a:masterClrMapping/>
+  </p:clrMapOvr>
+</p:notes>
+</file>
+
+<file path=ppt/notesSlides/notesSlide8.xml><?xml version="1.0" encoding="utf-8"?>
+<p:notes xmlns:a="http://schemas.openxmlformats.org/drawingml/2006/main" xmlns:r="http://schemas.openxmlformats.org/officeDocument/2006/relationships" xmlns:p="http://schemas.openxmlformats.org/presentationml/2006/main">
+  <p:cSld>
+    <p:spTree>
+      <p:nvGrpSpPr>
+        <p:cNvPr id="1" name=""/>
+        <p:cNvGrpSpPr/>
+        <p:nvPr/>
+      </p:nvGrpSpPr>
+      <p:grpSpPr>
+        <a:xfrm>
+          <a:off x="0" y="0"/>
+          <a:ext cx="0" cy="0"/>
+          <a:chOff x="0" y="0"/>
+          <a:chExt cx="0" cy="0"/>
+        </a:xfrm>
+      </p:grpSpPr>
+      <p:sp>
+        <p:nvSpPr>
+          <p:cNvPr id="2" name="Slide Image Placeholder 1"/>
+          <p:cNvSpPr>
+            <a:spLocks noGrp="1" noRot="1" noChangeAspect="1"/>
+          </p:cNvSpPr>
+          <p:nvPr>
+            <p:ph type="sldImg"/>
+          </p:nvPr>
+        </p:nvSpPr>
+        <p:spPr/>
+      </p:sp>
+      <p:sp>
+        <p:nvSpPr>
+          <p:cNvPr id="3" name="Notes Placeholder 2"/>
+          <p:cNvSpPr>
+            <a:spLocks noGrp="1"/>
+          </p:cNvSpPr>
+          <p:nvPr>
+            <p:ph type="body" idx="1"/>
+          </p:nvPr>
+        </p:nvSpPr>
+        <p:spPr/>
+        <p:txBody>
+          <a:bodyPr/>
+          <a:lstStyle/>
+          <a:p>
+            <a:r>
+              <a:rPr lang="en-US" sz="1200" b="0" i="0" kern="1200" dirty="0">
+                <a:solidFill>
+                  <a:schemeClr val="tx1"/>
+                </a:solidFill>
+                <a:effectLst/>
+                <a:latin typeface="+mn-lt"/>
+                <a:ea typeface="+mn-ea"/>
+                <a:cs typeface="+mn-cs"/>
+              </a:rPr>
+              <a:t>The </a:t>
+            </a:r>
+            <a:r>
+              <a:rPr lang="en-US" sz="1200" b="1" i="0" kern="1200" dirty="0">
+                <a:solidFill>
+                  <a:schemeClr val="tx1"/>
+                </a:solidFill>
+                <a:effectLst/>
+                <a:latin typeface="+mn-lt"/>
+                <a:ea typeface="+mn-ea"/>
+                <a:cs typeface="+mn-cs"/>
+              </a:rPr>
+              <a:t>Irving Fisher Committee</a:t>
+            </a:r>
+            <a:r>
+              <a:rPr lang="en-US" sz="1200" b="0" i="0" kern="1200" dirty="0">
+                <a:solidFill>
+                  <a:schemeClr val="tx1"/>
+                </a:solidFill>
+                <a:effectLst/>
+                <a:latin typeface="+mn-lt"/>
+                <a:ea typeface="+mn-ea"/>
+                <a:cs typeface="+mn-cs"/>
+              </a:rPr>
+              <a:t> is a forum of central bank economists and statisticians, discussing statistical issues of interest to central banks</a:t>
+            </a:r>
+            <a:endParaRPr lang="en-US" dirty="0"/>
+          </a:p>
+        </p:txBody>
+      </p:sp>
+      <p:sp>
+        <p:nvSpPr>
+          <p:cNvPr id="4" name="Slide Number Placeholder 3"/>
+          <p:cNvSpPr>
+            <a:spLocks noGrp="1"/>
+          </p:cNvSpPr>
+          <p:nvPr>
+            <p:ph type="sldNum" sz="quarter" idx="5"/>
+          </p:nvPr>
+        </p:nvSpPr>
+        <p:spPr/>
+        <p:txBody>
+          <a:bodyPr/>
+          <a:lstStyle/>
+          <a:p>
+            <a:fld id="{159A4FC4-B7B2-41AD-A47A-6BEA82EF40C3}" type="slidenum">
+              <a:rPr lang="en-US" smtClean="0"/>
+              <a:t>10</a:t>
             </a:fld>
             <a:endParaRPr lang="en-US"/>
           </a:p>
@@ -4694,6 +4936,1997 @@
 </p:sld>
 </file>
 
+<file path=ppt/slides/slide10.xml><?xml version="1.0" encoding="utf-8"?>
+<p:sld xmlns:a="http://schemas.openxmlformats.org/drawingml/2006/main" xmlns:r="http://schemas.openxmlformats.org/officeDocument/2006/relationships" xmlns:p="http://schemas.openxmlformats.org/presentationml/2006/main">
+  <p:cSld>
+    <p:spTree>
+      <p:nvGrpSpPr>
+        <p:cNvPr id="1" name=""/>
+        <p:cNvGrpSpPr/>
+        <p:nvPr/>
+      </p:nvGrpSpPr>
+      <p:grpSpPr>
+        <a:xfrm>
+          <a:off x="0" y="0"/>
+          <a:ext cx="0" cy="0"/>
+          <a:chOff x="0" y="0"/>
+          <a:chExt cx="0" cy="0"/>
+        </a:xfrm>
+      </p:grpSpPr>
+      <p:sp>
+        <p:nvSpPr>
+          <p:cNvPr id="76" name="Title 1">
+            <a:extLst>
+              <a:ext uri="{FF2B5EF4-FFF2-40B4-BE49-F238E27FC236}">
+                <a16:creationId xmlns:a16="http://schemas.microsoft.com/office/drawing/2014/main" id="{77C709C5-536F-43E0-8949-0992532DEB8C}"/>
+              </a:ext>
+            </a:extLst>
+          </p:cNvPr>
+          <p:cNvSpPr>
+            <a:spLocks noGrp="1"/>
+          </p:cNvSpPr>
+          <p:nvPr>
+            <p:ph type="title"/>
+          </p:nvPr>
+        </p:nvSpPr>
+        <p:spPr>
+          <a:xfrm>
+            <a:off x="-227150" y="392211"/>
+            <a:ext cx="10515600" cy="817723"/>
+          </a:xfrm>
+        </p:spPr>
+        <p:txBody>
+          <a:bodyPr>
+            <a:normAutofit/>
+          </a:bodyPr>
+          <a:lstStyle/>
+          <a:p>
+            <a:pPr marL="457200" lvl="1">
+              <a:lnSpc>
+                <a:spcPct val="150000"/>
+              </a:lnSpc>
+            </a:pPr>
+            <a:r>
+              <a:rPr lang="en-US" sz="2400" b="1" kern="1200" dirty="0">
+                <a:solidFill>
+                  <a:srgbClr val="9E2946"/>
+                </a:solidFill>
+                <a:latin typeface="Verdana" panose="020B0604030504040204" pitchFamily="34" charset="0"/>
+                <a:ea typeface="Verdana" panose="020B0604030504040204" pitchFamily="34" charset="0"/>
+                <a:cs typeface="+mj-cs"/>
+              </a:rPr>
+              <a:t>Data Mining Techniques</a:t>
+            </a:r>
+          </a:p>
+        </p:txBody>
+      </p:sp>
+      <p:sp>
+        <p:nvSpPr>
+          <p:cNvPr id="3" name="Slide Number Placeholder 2">
+            <a:extLst>
+              <a:ext uri="{FF2B5EF4-FFF2-40B4-BE49-F238E27FC236}">
+                <a16:creationId xmlns:a16="http://schemas.microsoft.com/office/drawing/2014/main" id="{26DF549E-0929-4558-B72A-C49F4959F13A}"/>
+              </a:ext>
+            </a:extLst>
+          </p:cNvPr>
+          <p:cNvSpPr>
+            <a:spLocks noGrp="1"/>
+          </p:cNvSpPr>
+          <p:nvPr>
+            <p:ph type="sldNum" sz="quarter" idx="12"/>
+          </p:nvPr>
+        </p:nvSpPr>
+        <p:spPr/>
+        <p:txBody>
+          <a:bodyPr/>
+          <a:lstStyle/>
+          <a:p>
+            <a:fld id="{CE94D1BC-D86E-4D7F-8F02-7A51C792EE04}" type="slidenum">
+              <a:rPr lang="en-US" smtClean="0"/>
+              <a:t>10</a:t>
+            </a:fld>
+            <a:endParaRPr lang="en-US"/>
+          </a:p>
+        </p:txBody>
+      </p:sp>
+      <p:sp>
+        <p:nvSpPr>
+          <p:cNvPr id="8" name="Rectangle: Rounded Corners 7">
+            <a:extLst>
+              <a:ext uri="{FF2B5EF4-FFF2-40B4-BE49-F238E27FC236}">
+                <a16:creationId xmlns:a16="http://schemas.microsoft.com/office/drawing/2014/main" id="{A94466D1-B61C-4EF1-908E-89E940596724}"/>
+              </a:ext>
+            </a:extLst>
+          </p:cNvPr>
+          <p:cNvSpPr/>
+          <p:nvPr/>
+        </p:nvSpPr>
+        <p:spPr>
+          <a:xfrm>
+            <a:off x="4775911" y="285726"/>
+            <a:ext cx="1352550" cy="390525"/>
+          </a:xfrm>
+          <a:prstGeom prst="roundRect">
+            <a:avLst/>
+          </a:prstGeom>
+          <a:solidFill>
+            <a:schemeClr val="bg1">
+              <a:lumMod val="75000"/>
+            </a:schemeClr>
+          </a:solidFill>
+          <a:ln>
+            <a:noFill/>
+          </a:ln>
+        </p:spPr>
+        <p:style>
+          <a:lnRef idx="2">
+            <a:schemeClr val="accent1">
+              <a:shade val="50000"/>
+            </a:schemeClr>
+          </a:lnRef>
+          <a:fillRef idx="1">
+            <a:schemeClr val="accent1"/>
+          </a:fillRef>
+          <a:effectRef idx="0">
+            <a:schemeClr val="accent1"/>
+          </a:effectRef>
+          <a:fontRef idx="minor">
+            <a:schemeClr val="lt1"/>
+          </a:fontRef>
+        </p:style>
+        <p:txBody>
+          <a:bodyPr rtlCol="0" anchor="ctr"/>
+          <a:lstStyle/>
+          <a:p>
+            <a:pPr algn="ctr"/>
+            <a:r>
+              <a:rPr lang="en-US" sz="1000" dirty="0">
+                <a:latin typeface="Verdana" panose="020B0604030504040204" pitchFamily="34" charset="0"/>
+                <a:ea typeface="Verdana" panose="020B0604030504040204" pitchFamily="34" charset="0"/>
+              </a:rPr>
+              <a:t>Background</a:t>
+            </a:r>
+          </a:p>
+        </p:txBody>
+      </p:sp>
+      <p:sp>
+        <p:nvSpPr>
+          <p:cNvPr id="10" name="Rectangle: Rounded Corners 9">
+            <a:extLst>
+              <a:ext uri="{FF2B5EF4-FFF2-40B4-BE49-F238E27FC236}">
+                <a16:creationId xmlns:a16="http://schemas.microsoft.com/office/drawing/2014/main" id="{D0CF06AE-5C66-40BE-AF92-C9254A0C3FD7}"/>
+              </a:ext>
+            </a:extLst>
+          </p:cNvPr>
+          <p:cNvSpPr/>
+          <p:nvPr/>
+        </p:nvSpPr>
+        <p:spPr>
+          <a:xfrm>
+            <a:off x="6188785" y="285727"/>
+            <a:ext cx="1352550" cy="390525"/>
+          </a:xfrm>
+          <a:prstGeom prst="roundRect">
+            <a:avLst/>
+          </a:prstGeom>
+          <a:solidFill>
+            <a:schemeClr val="bg1">
+              <a:lumMod val="75000"/>
+            </a:schemeClr>
+          </a:solidFill>
+          <a:ln>
+            <a:noFill/>
+          </a:ln>
+        </p:spPr>
+        <p:style>
+          <a:lnRef idx="2">
+            <a:schemeClr val="accent1">
+              <a:shade val="50000"/>
+            </a:schemeClr>
+          </a:lnRef>
+          <a:fillRef idx="1">
+            <a:schemeClr val="accent1"/>
+          </a:fillRef>
+          <a:effectRef idx="0">
+            <a:schemeClr val="accent1"/>
+          </a:effectRef>
+          <a:fontRef idx="minor">
+            <a:schemeClr val="lt1"/>
+          </a:fontRef>
+        </p:style>
+        <p:txBody>
+          <a:bodyPr rtlCol="0" anchor="ctr"/>
+          <a:lstStyle/>
+          <a:p>
+            <a:pPr algn="ctr"/>
+            <a:r>
+              <a:rPr lang="en-US" sz="1000" dirty="0">
+                <a:latin typeface="Verdana" panose="020B0604030504040204" pitchFamily="34" charset="0"/>
+                <a:ea typeface="Verdana" panose="020B0604030504040204" pitchFamily="34" charset="0"/>
+              </a:rPr>
+              <a:t>Architecture</a:t>
+            </a:r>
+          </a:p>
+        </p:txBody>
+      </p:sp>
+      <p:sp>
+        <p:nvSpPr>
+          <p:cNvPr id="11" name="Rectangle: Rounded Corners 10">
+            <a:extLst>
+              <a:ext uri="{FF2B5EF4-FFF2-40B4-BE49-F238E27FC236}">
+                <a16:creationId xmlns:a16="http://schemas.microsoft.com/office/drawing/2014/main" id="{9B2AA2F4-54FD-4548-A211-ABBC31F90EE6}"/>
+              </a:ext>
+            </a:extLst>
+          </p:cNvPr>
+          <p:cNvSpPr/>
+          <p:nvPr/>
+        </p:nvSpPr>
+        <p:spPr>
+          <a:xfrm>
+            <a:off x="7601659" y="285726"/>
+            <a:ext cx="1352550" cy="390525"/>
+          </a:xfrm>
+          <a:prstGeom prst="roundRect">
+            <a:avLst/>
+          </a:prstGeom>
+          <a:solidFill>
+            <a:srgbClr val="9E2946"/>
+          </a:solidFill>
+          <a:ln>
+            <a:noFill/>
+          </a:ln>
+        </p:spPr>
+        <p:style>
+          <a:lnRef idx="2">
+            <a:schemeClr val="accent1">
+              <a:shade val="50000"/>
+            </a:schemeClr>
+          </a:lnRef>
+          <a:fillRef idx="1">
+            <a:schemeClr val="accent1"/>
+          </a:fillRef>
+          <a:effectRef idx="0">
+            <a:schemeClr val="accent1"/>
+          </a:effectRef>
+          <a:fontRef idx="minor">
+            <a:schemeClr val="lt1"/>
+          </a:fontRef>
+        </p:style>
+        <p:txBody>
+          <a:bodyPr rtlCol="0" anchor="ctr"/>
+          <a:lstStyle/>
+          <a:p>
+            <a:pPr algn="ctr"/>
+            <a:r>
+              <a:rPr lang="en-US" sz="1000" dirty="0">
+                <a:latin typeface="Verdana" panose="020B0604030504040204" pitchFamily="34" charset="0"/>
+                <a:ea typeface="Verdana" panose="020B0604030504040204" pitchFamily="34" charset="0"/>
+              </a:rPr>
+              <a:t>Methodology</a:t>
+            </a:r>
+          </a:p>
+        </p:txBody>
+      </p:sp>
+      <p:sp>
+        <p:nvSpPr>
+          <p:cNvPr id="12" name="Rectangle: Rounded Corners 11">
+            <a:extLst>
+              <a:ext uri="{FF2B5EF4-FFF2-40B4-BE49-F238E27FC236}">
+                <a16:creationId xmlns:a16="http://schemas.microsoft.com/office/drawing/2014/main" id="{E7FD3417-382B-42E9-8B4D-A235C22130CA}"/>
+              </a:ext>
+            </a:extLst>
+          </p:cNvPr>
+          <p:cNvSpPr/>
+          <p:nvPr/>
+        </p:nvSpPr>
+        <p:spPr>
+          <a:xfrm>
+            <a:off x="9014533" y="285726"/>
+            <a:ext cx="1352550" cy="390525"/>
+          </a:xfrm>
+          <a:prstGeom prst="roundRect">
+            <a:avLst/>
+          </a:prstGeom>
+          <a:solidFill>
+            <a:schemeClr val="bg1">
+              <a:lumMod val="75000"/>
+            </a:schemeClr>
+          </a:solidFill>
+          <a:ln>
+            <a:noFill/>
+          </a:ln>
+        </p:spPr>
+        <p:style>
+          <a:lnRef idx="2">
+            <a:schemeClr val="accent1">
+              <a:shade val="50000"/>
+            </a:schemeClr>
+          </a:lnRef>
+          <a:fillRef idx="1">
+            <a:schemeClr val="accent1"/>
+          </a:fillRef>
+          <a:effectRef idx="0">
+            <a:schemeClr val="accent1"/>
+          </a:effectRef>
+          <a:fontRef idx="minor">
+            <a:schemeClr val="lt1"/>
+          </a:fontRef>
+        </p:style>
+        <p:txBody>
+          <a:bodyPr rtlCol="0" anchor="ctr"/>
+          <a:lstStyle/>
+          <a:p>
+            <a:pPr algn="ctr"/>
+            <a:r>
+              <a:rPr lang="en-US" sz="1000" dirty="0">
+                <a:latin typeface="Verdana" panose="020B0604030504040204" pitchFamily="34" charset="0"/>
+                <a:ea typeface="Verdana" panose="020B0604030504040204" pitchFamily="34" charset="0"/>
+              </a:rPr>
+              <a:t>Application</a:t>
+            </a:r>
+          </a:p>
+        </p:txBody>
+      </p:sp>
+      <p:sp>
+        <p:nvSpPr>
+          <p:cNvPr id="14" name="Rectangle: Rounded Corners 13">
+            <a:extLst>
+              <a:ext uri="{FF2B5EF4-FFF2-40B4-BE49-F238E27FC236}">
+                <a16:creationId xmlns:a16="http://schemas.microsoft.com/office/drawing/2014/main" id="{66AC8B29-1893-4A94-9715-56E1E25E3B7A}"/>
+              </a:ext>
+            </a:extLst>
+          </p:cNvPr>
+          <p:cNvSpPr/>
+          <p:nvPr/>
+        </p:nvSpPr>
+        <p:spPr>
+          <a:xfrm>
+            <a:off x="10427407" y="285726"/>
+            <a:ext cx="1352550" cy="390525"/>
+          </a:xfrm>
+          <a:prstGeom prst="roundRect">
+            <a:avLst/>
+          </a:prstGeom>
+          <a:solidFill>
+            <a:schemeClr val="bg1">
+              <a:lumMod val="75000"/>
+            </a:schemeClr>
+          </a:solidFill>
+          <a:ln>
+            <a:noFill/>
+          </a:ln>
+        </p:spPr>
+        <p:style>
+          <a:lnRef idx="2">
+            <a:schemeClr val="accent1">
+              <a:shade val="50000"/>
+            </a:schemeClr>
+          </a:lnRef>
+          <a:fillRef idx="1">
+            <a:schemeClr val="accent1"/>
+          </a:fillRef>
+          <a:effectRef idx="0">
+            <a:schemeClr val="accent1"/>
+          </a:effectRef>
+          <a:fontRef idx="minor">
+            <a:schemeClr val="lt1"/>
+          </a:fontRef>
+        </p:style>
+        <p:txBody>
+          <a:bodyPr rtlCol="0" anchor="ctr"/>
+          <a:lstStyle/>
+          <a:p>
+            <a:pPr algn="ctr"/>
+            <a:r>
+              <a:rPr lang="en-US" sz="1000" dirty="0">
+                <a:latin typeface="Verdana" panose="020B0604030504040204" pitchFamily="34" charset="0"/>
+                <a:ea typeface="Verdana" panose="020B0604030504040204" pitchFamily="34" charset="0"/>
+              </a:rPr>
+              <a:t>Conclusion</a:t>
+            </a:r>
+          </a:p>
+        </p:txBody>
+      </p:sp>
+      <p:pic>
+        <p:nvPicPr>
+          <p:cNvPr id="15" name="Picture 14">
+            <a:extLst>
+              <a:ext uri="{FF2B5EF4-FFF2-40B4-BE49-F238E27FC236}">
+                <a16:creationId xmlns:a16="http://schemas.microsoft.com/office/drawing/2014/main" id="{59A5F746-0E95-4CB3-A1F8-8161B70AD447}"/>
+              </a:ext>
+            </a:extLst>
+          </p:cNvPr>
+          <p:cNvPicPr>
+            <a:picLocks noChangeAspect="1"/>
+          </p:cNvPicPr>
+          <p:nvPr/>
+        </p:nvPicPr>
+        <p:blipFill>
+          <a:blip r:embed="rId3"/>
+          <a:stretch>
+            <a:fillRect/>
+          </a:stretch>
+        </p:blipFill>
+        <p:spPr>
+          <a:xfrm>
+            <a:off x="261546" y="6238912"/>
+            <a:ext cx="1885714" cy="600000"/>
+          </a:xfrm>
+          <a:prstGeom prst="rect">
+            <a:avLst/>
+          </a:prstGeom>
+        </p:spPr>
+      </p:pic>
+      <p:sp>
+        <p:nvSpPr>
+          <p:cNvPr id="13" name="Subtitle 2">
+            <a:extLst>
+              <a:ext uri="{FF2B5EF4-FFF2-40B4-BE49-F238E27FC236}">
+                <a16:creationId xmlns:a16="http://schemas.microsoft.com/office/drawing/2014/main" id="{C1689B62-8D24-4BB5-BCEE-3B54AEAC8471}"/>
+              </a:ext>
+            </a:extLst>
+          </p:cNvPr>
+          <p:cNvSpPr txBox="1">
+            <a:spLocks/>
+          </p:cNvSpPr>
+          <p:nvPr/>
+        </p:nvSpPr>
+        <p:spPr>
+          <a:xfrm>
+            <a:off x="538578" y="1806712"/>
+            <a:ext cx="11100047" cy="3952859"/>
+          </a:xfrm>
+          <a:prstGeom prst="rect">
+            <a:avLst/>
+          </a:prstGeom>
+        </p:spPr>
+        <p:txBody>
+          <a:bodyPr vert="horz" lIns="91440" tIns="45720" rIns="91440" bIns="45720" rtlCol="0">
+            <a:normAutofit/>
+          </a:bodyPr>
+          <a:lstStyle>
+            <a:lvl1pPr marL="228600" indent="-228600" algn="l" defTabSz="914400" rtl="0" eaLnBrk="1" latinLnBrk="0" hangingPunct="1">
+              <a:lnSpc>
+                <a:spcPct val="90000"/>
+              </a:lnSpc>
+              <a:spcBef>
+                <a:spcPts val="1000"/>
+              </a:spcBef>
+              <a:buFont typeface="Arial" panose="020B0604020202020204" pitchFamily="34" charset="0"/>
+              <a:buChar char="•"/>
+              <a:defRPr sz="2800" kern="1200">
+                <a:solidFill>
+                  <a:schemeClr val="tx1"/>
+                </a:solidFill>
+                <a:latin typeface="+mn-lt"/>
+                <a:ea typeface="+mn-ea"/>
+                <a:cs typeface="+mn-cs"/>
+              </a:defRPr>
+            </a:lvl1pPr>
+            <a:lvl2pPr marL="685800" indent="-228600" algn="l" defTabSz="914400" rtl="0" eaLnBrk="1" latinLnBrk="0" hangingPunct="1">
+              <a:lnSpc>
+                <a:spcPct val="90000"/>
+              </a:lnSpc>
+              <a:spcBef>
+                <a:spcPts val="500"/>
+              </a:spcBef>
+              <a:buFont typeface="Arial" panose="020B0604020202020204" pitchFamily="34" charset="0"/>
+              <a:buChar char="•"/>
+              <a:defRPr sz="2400" kern="1200">
+                <a:solidFill>
+                  <a:schemeClr val="tx1"/>
+                </a:solidFill>
+                <a:latin typeface="+mn-lt"/>
+                <a:ea typeface="+mn-ea"/>
+                <a:cs typeface="+mn-cs"/>
+              </a:defRPr>
+            </a:lvl2pPr>
+            <a:lvl3pPr marL="1143000" indent="-228600" algn="l" defTabSz="914400" rtl="0" eaLnBrk="1" latinLnBrk="0" hangingPunct="1">
+              <a:lnSpc>
+                <a:spcPct val="90000"/>
+              </a:lnSpc>
+              <a:spcBef>
+                <a:spcPts val="500"/>
+              </a:spcBef>
+              <a:buFont typeface="Arial" panose="020B0604020202020204" pitchFamily="34" charset="0"/>
+              <a:buChar char="•"/>
+              <a:defRPr sz="2000" kern="1200">
+                <a:solidFill>
+                  <a:schemeClr val="tx1"/>
+                </a:solidFill>
+                <a:latin typeface="+mn-lt"/>
+                <a:ea typeface="+mn-ea"/>
+                <a:cs typeface="+mn-cs"/>
+              </a:defRPr>
+            </a:lvl3pPr>
+            <a:lvl4pPr marL="1600200" indent="-228600" algn="l" defTabSz="914400" rtl="0" eaLnBrk="1" latinLnBrk="0" hangingPunct="1">
+              <a:lnSpc>
+                <a:spcPct val="90000"/>
+              </a:lnSpc>
+              <a:spcBef>
+                <a:spcPts val="500"/>
+              </a:spcBef>
+              <a:buFont typeface="Arial" panose="020B0604020202020204" pitchFamily="34" charset="0"/>
+              <a:buChar char="•"/>
+              <a:defRPr sz="1800" kern="1200">
+                <a:solidFill>
+                  <a:schemeClr val="tx1"/>
+                </a:solidFill>
+                <a:latin typeface="+mn-lt"/>
+                <a:ea typeface="+mn-ea"/>
+                <a:cs typeface="+mn-cs"/>
+              </a:defRPr>
+            </a:lvl4pPr>
+            <a:lvl5pPr marL="2057400" indent="-228600" algn="l" defTabSz="914400" rtl="0" eaLnBrk="1" latinLnBrk="0" hangingPunct="1">
+              <a:lnSpc>
+                <a:spcPct val="90000"/>
+              </a:lnSpc>
+              <a:spcBef>
+                <a:spcPts val="500"/>
+              </a:spcBef>
+              <a:buFont typeface="Arial" panose="020B0604020202020204" pitchFamily="34" charset="0"/>
+              <a:buChar char="•"/>
+              <a:defRPr sz="1800" kern="1200">
+                <a:solidFill>
+                  <a:schemeClr val="tx1"/>
+                </a:solidFill>
+                <a:latin typeface="+mn-lt"/>
+                <a:ea typeface="+mn-ea"/>
+                <a:cs typeface="+mn-cs"/>
+              </a:defRPr>
+            </a:lvl5pPr>
+            <a:lvl6pPr marL="2514600" indent="-228600" algn="l" defTabSz="914400" rtl="0" eaLnBrk="1" latinLnBrk="0" hangingPunct="1">
+              <a:lnSpc>
+                <a:spcPct val="90000"/>
+              </a:lnSpc>
+              <a:spcBef>
+                <a:spcPts val="500"/>
+              </a:spcBef>
+              <a:buFont typeface="Arial" panose="020B0604020202020204" pitchFamily="34" charset="0"/>
+              <a:buChar char="•"/>
+              <a:defRPr sz="1800" kern="1200">
+                <a:solidFill>
+                  <a:schemeClr val="tx1"/>
+                </a:solidFill>
+                <a:latin typeface="+mn-lt"/>
+                <a:ea typeface="+mn-ea"/>
+                <a:cs typeface="+mn-cs"/>
+              </a:defRPr>
+            </a:lvl6pPr>
+            <a:lvl7pPr marL="2971800" indent="-228600" algn="l" defTabSz="914400" rtl="0" eaLnBrk="1" latinLnBrk="0" hangingPunct="1">
+              <a:lnSpc>
+                <a:spcPct val="90000"/>
+              </a:lnSpc>
+              <a:spcBef>
+                <a:spcPts val="500"/>
+              </a:spcBef>
+              <a:buFont typeface="Arial" panose="020B0604020202020204" pitchFamily="34" charset="0"/>
+              <a:buChar char="•"/>
+              <a:defRPr sz="1800" kern="1200">
+                <a:solidFill>
+                  <a:schemeClr val="tx1"/>
+                </a:solidFill>
+                <a:latin typeface="+mn-lt"/>
+                <a:ea typeface="+mn-ea"/>
+                <a:cs typeface="+mn-cs"/>
+              </a:defRPr>
+            </a:lvl7pPr>
+            <a:lvl8pPr marL="3429000" indent="-228600" algn="l" defTabSz="914400" rtl="0" eaLnBrk="1" latinLnBrk="0" hangingPunct="1">
+              <a:lnSpc>
+                <a:spcPct val="90000"/>
+              </a:lnSpc>
+              <a:spcBef>
+                <a:spcPts val="500"/>
+              </a:spcBef>
+              <a:buFont typeface="Arial" panose="020B0604020202020204" pitchFamily="34" charset="0"/>
+              <a:buChar char="•"/>
+              <a:defRPr sz="1800" kern="1200">
+                <a:solidFill>
+                  <a:schemeClr val="tx1"/>
+                </a:solidFill>
+                <a:latin typeface="+mn-lt"/>
+                <a:ea typeface="+mn-ea"/>
+                <a:cs typeface="+mn-cs"/>
+              </a:defRPr>
+            </a:lvl8pPr>
+            <a:lvl9pPr marL="3886200" indent="-228600" algn="l" defTabSz="914400" rtl="0" eaLnBrk="1" latinLnBrk="0" hangingPunct="1">
+              <a:lnSpc>
+                <a:spcPct val="90000"/>
+              </a:lnSpc>
+              <a:spcBef>
+                <a:spcPts val="500"/>
+              </a:spcBef>
+              <a:buFont typeface="Arial" panose="020B0604020202020204" pitchFamily="34" charset="0"/>
+              <a:buChar char="•"/>
+              <a:defRPr sz="1800" kern="1200">
+                <a:solidFill>
+                  <a:schemeClr val="tx1"/>
+                </a:solidFill>
+                <a:latin typeface="+mn-lt"/>
+                <a:ea typeface="+mn-ea"/>
+                <a:cs typeface="+mn-cs"/>
+              </a:defRPr>
+            </a:lvl9pPr>
+          </a:lstStyle>
+          <a:p>
+            <a:pPr lvl="1" algn="just"/>
+            <a:r>
+              <a:rPr lang="en-US" sz="1400" dirty="0">
+                <a:solidFill>
+                  <a:srgbClr val="374151"/>
+                </a:solidFill>
+                <a:latin typeface="Verdana" panose="020B0604030504040204" pitchFamily="34" charset="0"/>
+                <a:ea typeface="Verdana" panose="020B0604030504040204" pitchFamily="34" charset="0"/>
+              </a:rPr>
+              <a:t>Word Embeddings: This approach represents each word in a sentence as a vector in a high-dimensional space, where words that have similar meanings are closer together. The sentence is then represented as a vector that is the sum or average of the word vectors in the sentence.</a:t>
+            </a:r>
+          </a:p>
+          <a:p>
+            <a:pPr lvl="1" algn="just"/>
+            <a:endParaRPr lang="en-US" sz="1600" dirty="0">
+              <a:solidFill>
+                <a:srgbClr val="374151"/>
+              </a:solidFill>
+              <a:latin typeface="Verdana" panose="020B0604030504040204" pitchFamily="34" charset="0"/>
+              <a:ea typeface="Verdana" panose="020B0604030504040204" pitchFamily="34" charset="0"/>
+            </a:endParaRPr>
+          </a:p>
+          <a:p>
+            <a:pPr lvl="1" algn="just"/>
+            <a:endParaRPr lang="en-US" sz="1600" dirty="0">
+              <a:solidFill>
+                <a:srgbClr val="374151"/>
+              </a:solidFill>
+              <a:latin typeface="Verdana" panose="020B0604030504040204" pitchFamily="34" charset="0"/>
+              <a:ea typeface="Verdana" panose="020B0604030504040204" pitchFamily="34" charset="0"/>
+            </a:endParaRPr>
+          </a:p>
+          <a:p>
+            <a:pPr marL="457200" lvl="1" indent="0" algn="just">
+              <a:buNone/>
+            </a:pPr>
+            <a:endParaRPr lang="en-US" sz="1600" dirty="0">
+              <a:solidFill>
+                <a:srgbClr val="374151"/>
+              </a:solidFill>
+              <a:latin typeface="Verdana" panose="020B0604030504040204" pitchFamily="34" charset="0"/>
+              <a:ea typeface="Verdana" panose="020B0604030504040204" pitchFamily="34" charset="0"/>
+            </a:endParaRPr>
+          </a:p>
+          <a:p>
+            <a:pPr lvl="1" algn="just"/>
+            <a:endParaRPr lang="en-US" sz="1600" dirty="0">
+              <a:solidFill>
+                <a:srgbClr val="374151"/>
+              </a:solidFill>
+              <a:latin typeface="Verdana" panose="020B0604030504040204" pitchFamily="34" charset="0"/>
+              <a:ea typeface="Verdana" panose="020B0604030504040204" pitchFamily="34" charset="0"/>
+            </a:endParaRPr>
+          </a:p>
+          <a:p>
+            <a:pPr lvl="1" algn="just"/>
+            <a:endParaRPr lang="en-US" sz="1600" dirty="0">
+              <a:solidFill>
+                <a:srgbClr val="374151"/>
+              </a:solidFill>
+              <a:latin typeface="Verdana" panose="020B0604030504040204" pitchFamily="34" charset="0"/>
+              <a:ea typeface="Verdana" panose="020B0604030504040204" pitchFamily="34" charset="0"/>
+            </a:endParaRPr>
+          </a:p>
+          <a:p>
+            <a:pPr marL="457200" lvl="1" indent="0" algn="just">
+              <a:buNone/>
+            </a:pPr>
+            <a:endParaRPr lang="en-US" sz="1600" dirty="0">
+              <a:solidFill>
+                <a:srgbClr val="374151"/>
+              </a:solidFill>
+              <a:latin typeface="Verdana" panose="020B0604030504040204" pitchFamily="34" charset="0"/>
+              <a:ea typeface="Verdana" panose="020B0604030504040204" pitchFamily="34" charset="0"/>
+            </a:endParaRPr>
+          </a:p>
+          <a:p>
+            <a:pPr lvl="1" algn="just"/>
+            <a:r>
+              <a:rPr lang="en-US" sz="1400" dirty="0">
+                <a:solidFill>
+                  <a:srgbClr val="374151"/>
+                </a:solidFill>
+                <a:latin typeface="Verdana" panose="020B0604030504040204" pitchFamily="34" charset="0"/>
+                <a:ea typeface="Verdana" panose="020B0604030504040204" pitchFamily="34" charset="0"/>
+              </a:rPr>
+              <a:t>Transformers: This approach uses deep neural networks to encode a sentence as a fixed-length vector. Transformers have achieved state-of-the-art performance on many NLP tasks, including sentence classification and language modeling.</a:t>
+            </a:r>
+          </a:p>
+          <a:p>
+            <a:pPr marL="0" indent="0">
+              <a:buNone/>
+            </a:pPr>
+            <a:endParaRPr lang="en-US" dirty="0"/>
+          </a:p>
+        </p:txBody>
+      </p:sp>
+      <p:sp>
+        <p:nvSpPr>
+          <p:cNvPr id="16" name="Title 1">
+            <a:extLst>
+              <a:ext uri="{FF2B5EF4-FFF2-40B4-BE49-F238E27FC236}">
+                <a16:creationId xmlns:a16="http://schemas.microsoft.com/office/drawing/2014/main" id="{A373279E-1449-42AE-BE88-6BD97BA6035F}"/>
+              </a:ext>
+            </a:extLst>
+          </p:cNvPr>
+          <p:cNvSpPr txBox="1">
+            <a:spLocks/>
+          </p:cNvSpPr>
+          <p:nvPr/>
+        </p:nvSpPr>
+        <p:spPr>
+          <a:xfrm>
+            <a:off x="-227150" y="918509"/>
+            <a:ext cx="10515600" cy="817723"/>
+          </a:xfrm>
+          <a:prstGeom prst="rect">
+            <a:avLst/>
+          </a:prstGeom>
+        </p:spPr>
+        <p:txBody>
+          <a:bodyPr vert="horz" lIns="91440" tIns="45720" rIns="91440" bIns="45720" rtlCol="0" anchor="ctr">
+            <a:normAutofit/>
+          </a:bodyPr>
+          <a:lstStyle>
+            <a:lvl1pPr algn="l" defTabSz="914400" rtl="0" eaLnBrk="1" latinLnBrk="0" hangingPunct="1">
+              <a:lnSpc>
+                <a:spcPct val="90000"/>
+              </a:lnSpc>
+              <a:spcBef>
+                <a:spcPct val="0"/>
+              </a:spcBef>
+              <a:buNone/>
+              <a:defRPr sz="4400" kern="1200">
+                <a:solidFill>
+                  <a:schemeClr val="tx1"/>
+                </a:solidFill>
+                <a:latin typeface="+mj-lt"/>
+                <a:ea typeface="+mj-ea"/>
+                <a:cs typeface="+mj-cs"/>
+              </a:defRPr>
+            </a:lvl1pPr>
+          </a:lstStyle>
+          <a:p>
+            <a:pPr marL="457200" lvl="1">
+              <a:lnSpc>
+                <a:spcPct val="150000"/>
+              </a:lnSpc>
+            </a:pPr>
+            <a:r>
+              <a:rPr lang="en-US" b="1" dirty="0">
+                <a:solidFill>
+                  <a:srgbClr val="9E2946"/>
+                </a:solidFill>
+                <a:latin typeface="Verdana" panose="020B0604030504040204" pitchFamily="34" charset="0"/>
+                <a:ea typeface="Verdana" panose="020B0604030504040204" pitchFamily="34" charset="0"/>
+                <a:cs typeface="+mj-cs"/>
+              </a:rPr>
+              <a:t>Sentence embedding</a:t>
+            </a:r>
+          </a:p>
+        </p:txBody>
+      </p:sp>
+      <p:grpSp>
+        <p:nvGrpSpPr>
+          <p:cNvPr id="2" name="Group 1">
+            <a:extLst>
+              <a:ext uri="{FF2B5EF4-FFF2-40B4-BE49-F238E27FC236}">
+                <a16:creationId xmlns:a16="http://schemas.microsoft.com/office/drawing/2014/main" id="{83DD80F1-908B-4BCB-822B-0565D1353038}"/>
+              </a:ext>
+            </a:extLst>
+          </p:cNvPr>
+          <p:cNvGrpSpPr/>
+          <p:nvPr/>
+        </p:nvGrpSpPr>
+        <p:grpSpPr>
+          <a:xfrm>
+            <a:off x="3501424" y="2533243"/>
+            <a:ext cx="5021140" cy="1399561"/>
+            <a:chOff x="3501424" y="2622023"/>
+            <a:chExt cx="5021140" cy="1399561"/>
+          </a:xfrm>
+        </p:grpSpPr>
+        <p:sp>
+          <p:nvSpPr>
+            <p:cNvPr id="18" name="Rectangle 17">
+              <a:extLst>
+                <a:ext uri="{FF2B5EF4-FFF2-40B4-BE49-F238E27FC236}">
+                  <a16:creationId xmlns:a16="http://schemas.microsoft.com/office/drawing/2014/main" id="{0A933423-54C6-4486-A02E-AA602C5DB145}"/>
+                </a:ext>
+              </a:extLst>
+            </p:cNvPr>
+            <p:cNvSpPr/>
+            <p:nvPr/>
+          </p:nvSpPr>
+          <p:spPr>
+            <a:xfrm>
+              <a:off x="3501424" y="2628094"/>
+              <a:ext cx="5021140" cy="1393490"/>
+            </a:xfrm>
+            <a:prstGeom prst="rect">
+              <a:avLst/>
+            </a:prstGeom>
+            <a:solidFill>
+              <a:schemeClr val="bg1"/>
+            </a:solidFill>
+            <a:ln>
+              <a:solidFill>
+                <a:srgbClr val="002060"/>
+              </a:solidFill>
+            </a:ln>
+          </p:spPr>
+          <p:style>
+            <a:lnRef idx="2">
+              <a:schemeClr val="accent1">
+                <a:shade val="50000"/>
+              </a:schemeClr>
+            </a:lnRef>
+            <a:fillRef idx="1">
+              <a:schemeClr val="accent1"/>
+            </a:fillRef>
+            <a:effectRef idx="0">
+              <a:schemeClr val="accent1"/>
+            </a:effectRef>
+            <a:fontRef idx="minor">
+              <a:schemeClr val="lt1"/>
+            </a:fontRef>
+          </p:style>
+          <p:txBody>
+            <a:bodyPr rtlCol="0" anchor="ctr"/>
+            <a:lstStyle/>
+            <a:p>
+              <a:pPr algn="ctr"/>
+              <a:endParaRPr lang="en-US"/>
+            </a:p>
+          </p:txBody>
+        </p:sp>
+        <p:sp>
+          <p:nvSpPr>
+            <p:cNvPr id="19" name="Rectangle 18">
+              <a:extLst>
+                <a:ext uri="{FF2B5EF4-FFF2-40B4-BE49-F238E27FC236}">
+                  <a16:creationId xmlns:a16="http://schemas.microsoft.com/office/drawing/2014/main" id="{D628755C-F8F9-422B-BD81-084F2023C8D2}"/>
+                </a:ext>
+              </a:extLst>
+            </p:cNvPr>
+            <p:cNvSpPr/>
+            <p:nvPr/>
+          </p:nvSpPr>
+          <p:spPr>
+            <a:xfrm>
+              <a:off x="3501424" y="2622023"/>
+              <a:ext cx="5021140" cy="353929"/>
+            </a:xfrm>
+            <a:prstGeom prst="rect">
+              <a:avLst/>
+            </a:prstGeom>
+            <a:solidFill>
+              <a:schemeClr val="accent2">
+                <a:lumMod val="40000"/>
+                <a:lumOff val="60000"/>
+              </a:schemeClr>
+            </a:solidFill>
+          </p:spPr>
+          <p:style>
+            <a:lnRef idx="2">
+              <a:schemeClr val="accent1">
+                <a:shade val="50000"/>
+              </a:schemeClr>
+            </a:lnRef>
+            <a:fillRef idx="1">
+              <a:schemeClr val="accent1"/>
+            </a:fillRef>
+            <a:effectRef idx="0">
+              <a:schemeClr val="accent1"/>
+            </a:effectRef>
+            <a:fontRef idx="minor">
+              <a:schemeClr val="lt1"/>
+            </a:fontRef>
+          </p:style>
+          <p:txBody>
+            <a:bodyPr rtlCol="0" anchor="ctr"/>
+            <a:lstStyle/>
+            <a:p>
+              <a:pPr algn="ctr"/>
+              <a:endParaRPr lang="en-US"/>
+            </a:p>
+          </p:txBody>
+        </p:sp>
+        <p:sp>
+          <p:nvSpPr>
+            <p:cNvPr id="20" name="TextBox 19">
+              <a:extLst>
+                <a:ext uri="{FF2B5EF4-FFF2-40B4-BE49-F238E27FC236}">
+                  <a16:creationId xmlns:a16="http://schemas.microsoft.com/office/drawing/2014/main" id="{A4EE3352-A54A-4AEF-980F-EB8FCA40886F}"/>
+                </a:ext>
+              </a:extLst>
+            </p:cNvPr>
+            <p:cNvSpPr txBox="1"/>
+            <p:nvPr/>
+          </p:nvSpPr>
+          <p:spPr>
+            <a:xfrm>
+              <a:off x="3825119" y="2675876"/>
+              <a:ext cx="4373749" cy="246221"/>
+            </a:xfrm>
+            <a:prstGeom prst="rect">
+              <a:avLst/>
+            </a:prstGeom>
+            <a:noFill/>
+          </p:spPr>
+          <p:txBody>
+            <a:bodyPr wrap="square" rtlCol="0">
+              <a:spAutoFit/>
+            </a:bodyPr>
+            <a:lstStyle/>
+            <a:p>
+              <a:pPr algn="ctr"/>
+              <a:r>
+                <a:rPr lang="en-US" sz="1000" b="1" dirty="0">
+                  <a:latin typeface="Verdana" panose="020B0604030504040204" pitchFamily="34" charset="0"/>
+                  <a:ea typeface="Verdana" panose="020B0604030504040204" pitchFamily="34" charset="0"/>
+                </a:rPr>
+                <a:t>Word Embedding</a:t>
+              </a:r>
+            </a:p>
+          </p:txBody>
+        </p:sp>
+        <p:sp>
+          <p:nvSpPr>
+            <p:cNvPr id="21" name="Rectangle 20">
+              <a:extLst>
+                <a:ext uri="{FF2B5EF4-FFF2-40B4-BE49-F238E27FC236}">
+                  <a16:creationId xmlns:a16="http://schemas.microsoft.com/office/drawing/2014/main" id="{4D0D36AC-A6BC-40C5-B846-644FB968FC59}"/>
+                </a:ext>
+              </a:extLst>
+            </p:cNvPr>
+            <p:cNvSpPr/>
+            <p:nvPr/>
+          </p:nvSpPr>
+          <p:spPr>
+            <a:xfrm>
+              <a:off x="3589518" y="3228771"/>
+              <a:ext cx="1030384" cy="393286"/>
+            </a:xfrm>
+            <a:prstGeom prst="rect">
+              <a:avLst/>
+            </a:prstGeom>
+            <a:solidFill>
+              <a:schemeClr val="accent1">
+                <a:lumMod val="40000"/>
+                <a:lumOff val="60000"/>
+              </a:schemeClr>
+            </a:solidFill>
+            <a:ln>
+              <a:solidFill>
+                <a:schemeClr val="accent1">
+                  <a:lumMod val="60000"/>
+                  <a:lumOff val="40000"/>
+                </a:schemeClr>
+              </a:solidFill>
+              <a:prstDash val="solid"/>
+            </a:ln>
+          </p:spPr>
+          <p:style>
+            <a:lnRef idx="2">
+              <a:schemeClr val="accent1">
+                <a:shade val="50000"/>
+              </a:schemeClr>
+            </a:lnRef>
+            <a:fillRef idx="1">
+              <a:schemeClr val="accent1"/>
+            </a:fillRef>
+            <a:effectRef idx="0">
+              <a:schemeClr val="accent1"/>
+            </a:effectRef>
+            <a:fontRef idx="minor">
+              <a:schemeClr val="lt1"/>
+            </a:fontRef>
+          </p:style>
+          <p:txBody>
+            <a:bodyPr rtlCol="0" anchor="ctr"/>
+            <a:lstStyle/>
+            <a:p>
+              <a:pPr algn="ctr"/>
+              <a:r>
+                <a:rPr lang="en-US" sz="800" dirty="0">
+                  <a:solidFill>
+                    <a:schemeClr val="tx1"/>
+                  </a:solidFill>
+                  <a:latin typeface="Verdana" panose="020B0604030504040204" pitchFamily="34" charset="0"/>
+                  <a:ea typeface="Verdana" panose="020B0604030504040204" pitchFamily="34" charset="0"/>
+                </a:rPr>
+                <a:t>Sentence</a:t>
+              </a:r>
+              <a:endParaRPr lang="en-US" dirty="0">
+                <a:solidFill>
+                  <a:schemeClr val="tx1"/>
+                </a:solidFill>
+              </a:endParaRPr>
+            </a:p>
+          </p:txBody>
+        </p:sp>
+        <p:sp>
+          <p:nvSpPr>
+            <p:cNvPr id="22" name="Rectangle 21">
+              <a:extLst>
+                <a:ext uri="{FF2B5EF4-FFF2-40B4-BE49-F238E27FC236}">
+                  <a16:creationId xmlns:a16="http://schemas.microsoft.com/office/drawing/2014/main" id="{AFA73868-1222-4BE4-83F0-D3C928179520}"/>
+                </a:ext>
+              </a:extLst>
+            </p:cNvPr>
+            <p:cNvSpPr/>
+            <p:nvPr/>
+          </p:nvSpPr>
+          <p:spPr>
+            <a:xfrm>
+              <a:off x="4848479" y="3228771"/>
+              <a:ext cx="1030384" cy="393286"/>
+            </a:xfrm>
+            <a:prstGeom prst="rect">
+              <a:avLst/>
+            </a:prstGeom>
+            <a:solidFill>
+              <a:schemeClr val="accent1">
+                <a:lumMod val="40000"/>
+                <a:lumOff val="60000"/>
+              </a:schemeClr>
+            </a:solidFill>
+            <a:ln>
+              <a:solidFill>
+                <a:schemeClr val="accent1">
+                  <a:lumMod val="60000"/>
+                  <a:lumOff val="40000"/>
+                </a:schemeClr>
+              </a:solidFill>
+              <a:prstDash val="solid"/>
+            </a:ln>
+          </p:spPr>
+          <p:style>
+            <a:lnRef idx="2">
+              <a:schemeClr val="accent1">
+                <a:shade val="50000"/>
+              </a:schemeClr>
+            </a:lnRef>
+            <a:fillRef idx="1">
+              <a:schemeClr val="accent1"/>
+            </a:fillRef>
+            <a:effectRef idx="0">
+              <a:schemeClr val="accent1"/>
+            </a:effectRef>
+            <a:fontRef idx="minor">
+              <a:schemeClr val="lt1"/>
+            </a:fontRef>
+          </p:style>
+          <p:txBody>
+            <a:bodyPr rtlCol="0" anchor="ctr"/>
+            <a:lstStyle/>
+            <a:p>
+              <a:pPr algn="ctr"/>
+              <a:r>
+                <a:rPr lang="en-US" sz="800" dirty="0">
+                  <a:solidFill>
+                    <a:schemeClr val="tx1"/>
+                  </a:solidFill>
+                  <a:latin typeface="Verdana" panose="020B0604030504040204" pitchFamily="34" charset="0"/>
+                  <a:ea typeface="Verdana" panose="020B0604030504040204" pitchFamily="34" charset="0"/>
+                </a:rPr>
+                <a:t>Text Preprocessing</a:t>
+              </a:r>
+              <a:endParaRPr lang="en-US" dirty="0">
+                <a:solidFill>
+                  <a:schemeClr val="tx1"/>
+                </a:solidFill>
+              </a:endParaRPr>
+            </a:p>
+          </p:txBody>
+        </p:sp>
+        <p:sp>
+          <p:nvSpPr>
+            <p:cNvPr id="23" name="Rectangle 22">
+              <a:extLst>
+                <a:ext uri="{FF2B5EF4-FFF2-40B4-BE49-F238E27FC236}">
+                  <a16:creationId xmlns:a16="http://schemas.microsoft.com/office/drawing/2014/main" id="{FE511459-7BAC-4E43-8D45-07A29B5830DE}"/>
+                </a:ext>
+              </a:extLst>
+            </p:cNvPr>
+            <p:cNvSpPr/>
+            <p:nvPr/>
+          </p:nvSpPr>
+          <p:spPr>
+            <a:xfrm>
+              <a:off x="6131101" y="3228771"/>
+              <a:ext cx="1030384" cy="393286"/>
+            </a:xfrm>
+            <a:prstGeom prst="rect">
+              <a:avLst/>
+            </a:prstGeom>
+            <a:solidFill>
+              <a:schemeClr val="accent1">
+                <a:lumMod val="40000"/>
+                <a:lumOff val="60000"/>
+              </a:schemeClr>
+            </a:solidFill>
+            <a:ln>
+              <a:solidFill>
+                <a:schemeClr val="accent1">
+                  <a:lumMod val="60000"/>
+                  <a:lumOff val="40000"/>
+                </a:schemeClr>
+              </a:solidFill>
+              <a:prstDash val="solid"/>
+            </a:ln>
+          </p:spPr>
+          <p:style>
+            <a:lnRef idx="2">
+              <a:schemeClr val="accent1">
+                <a:shade val="50000"/>
+              </a:schemeClr>
+            </a:lnRef>
+            <a:fillRef idx="1">
+              <a:schemeClr val="accent1"/>
+            </a:fillRef>
+            <a:effectRef idx="0">
+              <a:schemeClr val="accent1"/>
+            </a:effectRef>
+            <a:fontRef idx="minor">
+              <a:schemeClr val="lt1"/>
+            </a:fontRef>
+          </p:style>
+          <p:txBody>
+            <a:bodyPr rtlCol="0" anchor="ctr"/>
+            <a:lstStyle/>
+            <a:p>
+              <a:pPr algn="ctr"/>
+              <a:r>
+                <a:rPr lang="en-US" sz="800" dirty="0">
+                  <a:solidFill>
+                    <a:schemeClr val="tx1"/>
+                  </a:solidFill>
+                  <a:latin typeface="Verdana" panose="020B0604030504040204" pitchFamily="34" charset="0"/>
+                  <a:ea typeface="Verdana" panose="020B0604030504040204" pitchFamily="34" charset="0"/>
+                </a:rPr>
+                <a:t>Word Embedding Encoding</a:t>
+              </a:r>
+              <a:endParaRPr lang="en-US" dirty="0">
+                <a:solidFill>
+                  <a:schemeClr val="tx1"/>
+                </a:solidFill>
+              </a:endParaRPr>
+            </a:p>
+          </p:txBody>
+        </p:sp>
+        <p:sp>
+          <p:nvSpPr>
+            <p:cNvPr id="24" name="Rectangle 23">
+              <a:extLst>
+                <a:ext uri="{FF2B5EF4-FFF2-40B4-BE49-F238E27FC236}">
+                  <a16:creationId xmlns:a16="http://schemas.microsoft.com/office/drawing/2014/main" id="{92C6C728-7124-4F1B-96A7-CCD61619E0B6}"/>
+                </a:ext>
+              </a:extLst>
+            </p:cNvPr>
+            <p:cNvSpPr/>
+            <p:nvPr/>
+          </p:nvSpPr>
+          <p:spPr>
+            <a:xfrm>
+              <a:off x="7413723" y="3228771"/>
+              <a:ext cx="1030384" cy="393286"/>
+            </a:xfrm>
+            <a:prstGeom prst="rect">
+              <a:avLst/>
+            </a:prstGeom>
+            <a:solidFill>
+              <a:schemeClr val="accent1">
+                <a:lumMod val="40000"/>
+                <a:lumOff val="60000"/>
+              </a:schemeClr>
+            </a:solidFill>
+            <a:ln>
+              <a:solidFill>
+                <a:schemeClr val="accent1">
+                  <a:lumMod val="60000"/>
+                  <a:lumOff val="40000"/>
+                </a:schemeClr>
+              </a:solidFill>
+              <a:prstDash val="solid"/>
+            </a:ln>
+          </p:spPr>
+          <p:style>
+            <a:lnRef idx="2">
+              <a:schemeClr val="accent1">
+                <a:shade val="50000"/>
+              </a:schemeClr>
+            </a:lnRef>
+            <a:fillRef idx="1">
+              <a:schemeClr val="accent1"/>
+            </a:fillRef>
+            <a:effectRef idx="0">
+              <a:schemeClr val="accent1"/>
+            </a:effectRef>
+            <a:fontRef idx="minor">
+              <a:schemeClr val="lt1"/>
+            </a:fontRef>
+          </p:style>
+          <p:txBody>
+            <a:bodyPr rtlCol="0" anchor="ctr"/>
+            <a:lstStyle/>
+            <a:p>
+              <a:pPr algn="ctr"/>
+              <a:r>
+                <a:rPr lang="en-US" sz="800" dirty="0">
+                  <a:solidFill>
+                    <a:schemeClr val="tx1"/>
+                  </a:solidFill>
+                  <a:latin typeface="Verdana" panose="020B0604030504040204" pitchFamily="34" charset="0"/>
+                  <a:ea typeface="Verdana" panose="020B0604030504040204" pitchFamily="34" charset="0"/>
+                </a:rPr>
+                <a:t>Sentence Vector Representation</a:t>
+              </a:r>
+              <a:endParaRPr lang="en-US" dirty="0">
+                <a:solidFill>
+                  <a:schemeClr val="tx1"/>
+                </a:solidFill>
+              </a:endParaRPr>
+            </a:p>
+          </p:txBody>
+        </p:sp>
+        <p:cxnSp>
+          <p:nvCxnSpPr>
+            <p:cNvPr id="25" name="Straight Arrow Connector 24">
+              <a:extLst>
+                <a:ext uri="{FF2B5EF4-FFF2-40B4-BE49-F238E27FC236}">
+                  <a16:creationId xmlns:a16="http://schemas.microsoft.com/office/drawing/2014/main" id="{ED90C481-8962-4EAA-896E-859A97BF4B18}"/>
+                </a:ext>
+              </a:extLst>
+            </p:cNvPr>
+            <p:cNvCxnSpPr>
+              <a:cxnSpLocks/>
+              <a:endCxn id="22" idx="1"/>
+            </p:cNvCxnSpPr>
+            <p:nvPr/>
+          </p:nvCxnSpPr>
+          <p:spPr>
+            <a:xfrm>
+              <a:off x="4619902" y="3425414"/>
+              <a:ext cx="228577" cy="0"/>
+            </a:xfrm>
+            <a:prstGeom prst="straightConnector1">
+              <a:avLst/>
+            </a:prstGeom>
+            <a:ln w="22225">
+              <a:solidFill>
+                <a:schemeClr val="tx1"/>
+              </a:solidFill>
+              <a:tailEnd type="triangle"/>
+            </a:ln>
+          </p:spPr>
+          <p:style>
+            <a:lnRef idx="1">
+              <a:schemeClr val="accent1"/>
+            </a:lnRef>
+            <a:fillRef idx="0">
+              <a:schemeClr val="accent1"/>
+            </a:fillRef>
+            <a:effectRef idx="0">
+              <a:schemeClr val="accent1"/>
+            </a:effectRef>
+            <a:fontRef idx="minor">
+              <a:schemeClr val="tx1"/>
+            </a:fontRef>
+          </p:style>
+        </p:cxnSp>
+        <p:cxnSp>
+          <p:nvCxnSpPr>
+            <p:cNvPr id="26" name="Straight Arrow Connector 25">
+              <a:extLst>
+                <a:ext uri="{FF2B5EF4-FFF2-40B4-BE49-F238E27FC236}">
+                  <a16:creationId xmlns:a16="http://schemas.microsoft.com/office/drawing/2014/main" id="{D6C92EEF-3C8C-4B5E-90F8-26270AF47927}"/>
+                </a:ext>
+              </a:extLst>
+            </p:cNvPr>
+            <p:cNvCxnSpPr>
+              <a:cxnSpLocks/>
+              <a:endCxn id="23" idx="1"/>
+            </p:cNvCxnSpPr>
+            <p:nvPr/>
+          </p:nvCxnSpPr>
+          <p:spPr>
+            <a:xfrm>
+              <a:off x="5878863" y="3425414"/>
+              <a:ext cx="252238" cy="0"/>
+            </a:xfrm>
+            <a:prstGeom prst="straightConnector1">
+              <a:avLst/>
+            </a:prstGeom>
+            <a:ln w="22225">
+              <a:solidFill>
+                <a:schemeClr val="tx1"/>
+              </a:solidFill>
+              <a:tailEnd type="triangle"/>
+            </a:ln>
+          </p:spPr>
+          <p:style>
+            <a:lnRef idx="1">
+              <a:schemeClr val="accent1"/>
+            </a:lnRef>
+            <a:fillRef idx="0">
+              <a:schemeClr val="accent1"/>
+            </a:fillRef>
+            <a:effectRef idx="0">
+              <a:schemeClr val="accent1"/>
+            </a:effectRef>
+            <a:fontRef idx="minor">
+              <a:schemeClr val="tx1"/>
+            </a:fontRef>
+          </p:style>
+        </p:cxnSp>
+        <p:cxnSp>
+          <p:nvCxnSpPr>
+            <p:cNvPr id="27" name="Straight Arrow Connector 26">
+              <a:extLst>
+                <a:ext uri="{FF2B5EF4-FFF2-40B4-BE49-F238E27FC236}">
+                  <a16:creationId xmlns:a16="http://schemas.microsoft.com/office/drawing/2014/main" id="{52274DB1-E73E-4F5F-84D8-C172D0CFD741}"/>
+                </a:ext>
+              </a:extLst>
+            </p:cNvPr>
+            <p:cNvCxnSpPr>
+              <a:cxnSpLocks/>
+              <a:endCxn id="24" idx="1"/>
+            </p:cNvCxnSpPr>
+            <p:nvPr/>
+          </p:nvCxnSpPr>
+          <p:spPr>
+            <a:xfrm>
+              <a:off x="7161485" y="3425414"/>
+              <a:ext cx="252238" cy="0"/>
+            </a:xfrm>
+            <a:prstGeom prst="straightConnector1">
+              <a:avLst/>
+            </a:prstGeom>
+            <a:ln w="22225">
+              <a:solidFill>
+                <a:schemeClr val="tx1"/>
+              </a:solidFill>
+              <a:tailEnd type="triangle"/>
+            </a:ln>
+          </p:spPr>
+          <p:style>
+            <a:lnRef idx="1">
+              <a:schemeClr val="accent1"/>
+            </a:lnRef>
+            <a:fillRef idx="0">
+              <a:schemeClr val="accent1"/>
+            </a:fillRef>
+            <a:effectRef idx="0">
+              <a:schemeClr val="accent1"/>
+            </a:effectRef>
+            <a:fontRef idx="minor">
+              <a:schemeClr val="tx1"/>
+            </a:fontRef>
+          </p:style>
+        </p:cxnSp>
+      </p:grpSp>
+      <p:grpSp>
+        <p:nvGrpSpPr>
+          <p:cNvPr id="28" name="Group 27">
+            <a:extLst>
+              <a:ext uri="{FF2B5EF4-FFF2-40B4-BE49-F238E27FC236}">
+                <a16:creationId xmlns:a16="http://schemas.microsoft.com/office/drawing/2014/main" id="{A7292490-81DB-4938-97F7-B3A61F43C9A6}"/>
+              </a:ext>
+            </a:extLst>
+          </p:cNvPr>
+          <p:cNvGrpSpPr/>
+          <p:nvPr/>
+        </p:nvGrpSpPr>
+        <p:grpSpPr>
+          <a:xfrm>
+            <a:off x="3501424" y="4786081"/>
+            <a:ext cx="5021140" cy="1452831"/>
+            <a:chOff x="3403769" y="3731729"/>
+            <a:chExt cx="5021140" cy="1452831"/>
+          </a:xfrm>
+        </p:grpSpPr>
+        <p:sp>
+          <p:nvSpPr>
+            <p:cNvPr id="29" name="Rectangle 28">
+              <a:extLst>
+                <a:ext uri="{FF2B5EF4-FFF2-40B4-BE49-F238E27FC236}">
+                  <a16:creationId xmlns:a16="http://schemas.microsoft.com/office/drawing/2014/main" id="{E5957867-43E3-432F-B7F9-65EC0A3F0765}"/>
+                </a:ext>
+              </a:extLst>
+            </p:cNvPr>
+            <p:cNvSpPr/>
+            <p:nvPr/>
+          </p:nvSpPr>
+          <p:spPr>
+            <a:xfrm>
+              <a:off x="3403769" y="3737800"/>
+              <a:ext cx="5021140" cy="1446760"/>
+            </a:xfrm>
+            <a:prstGeom prst="rect">
+              <a:avLst/>
+            </a:prstGeom>
+            <a:solidFill>
+              <a:schemeClr val="bg1"/>
+            </a:solidFill>
+            <a:ln>
+              <a:solidFill>
+                <a:srgbClr val="002060"/>
+              </a:solidFill>
+            </a:ln>
+          </p:spPr>
+          <p:style>
+            <a:lnRef idx="2">
+              <a:schemeClr val="accent1">
+                <a:shade val="50000"/>
+              </a:schemeClr>
+            </a:lnRef>
+            <a:fillRef idx="1">
+              <a:schemeClr val="accent1"/>
+            </a:fillRef>
+            <a:effectRef idx="0">
+              <a:schemeClr val="accent1"/>
+            </a:effectRef>
+            <a:fontRef idx="minor">
+              <a:schemeClr val="lt1"/>
+            </a:fontRef>
+          </p:style>
+          <p:txBody>
+            <a:bodyPr rtlCol="0" anchor="ctr"/>
+            <a:lstStyle/>
+            <a:p>
+              <a:pPr algn="ctr"/>
+              <a:endParaRPr lang="en-US"/>
+            </a:p>
+          </p:txBody>
+        </p:sp>
+        <p:sp>
+          <p:nvSpPr>
+            <p:cNvPr id="30" name="Rectangle 29">
+              <a:extLst>
+                <a:ext uri="{FF2B5EF4-FFF2-40B4-BE49-F238E27FC236}">
+                  <a16:creationId xmlns:a16="http://schemas.microsoft.com/office/drawing/2014/main" id="{B9F2943D-2044-40B3-8847-5DE23560BC04}"/>
+                </a:ext>
+              </a:extLst>
+            </p:cNvPr>
+            <p:cNvSpPr/>
+            <p:nvPr/>
+          </p:nvSpPr>
+          <p:spPr>
+            <a:xfrm>
+              <a:off x="3403769" y="3731729"/>
+              <a:ext cx="5021140" cy="353929"/>
+            </a:xfrm>
+            <a:prstGeom prst="rect">
+              <a:avLst/>
+            </a:prstGeom>
+            <a:solidFill>
+              <a:schemeClr val="accent2">
+                <a:lumMod val="40000"/>
+                <a:lumOff val="60000"/>
+              </a:schemeClr>
+            </a:solidFill>
+          </p:spPr>
+          <p:style>
+            <a:lnRef idx="2">
+              <a:schemeClr val="accent1">
+                <a:shade val="50000"/>
+              </a:schemeClr>
+            </a:lnRef>
+            <a:fillRef idx="1">
+              <a:schemeClr val="accent1"/>
+            </a:fillRef>
+            <a:effectRef idx="0">
+              <a:schemeClr val="accent1"/>
+            </a:effectRef>
+            <a:fontRef idx="minor">
+              <a:schemeClr val="lt1"/>
+            </a:fontRef>
+          </p:style>
+          <p:txBody>
+            <a:bodyPr rtlCol="0" anchor="ctr"/>
+            <a:lstStyle/>
+            <a:p>
+              <a:pPr algn="ctr"/>
+              <a:endParaRPr lang="en-US"/>
+            </a:p>
+          </p:txBody>
+        </p:sp>
+        <p:sp>
+          <p:nvSpPr>
+            <p:cNvPr id="31" name="TextBox 30">
+              <a:extLst>
+                <a:ext uri="{FF2B5EF4-FFF2-40B4-BE49-F238E27FC236}">
+                  <a16:creationId xmlns:a16="http://schemas.microsoft.com/office/drawing/2014/main" id="{C9D001D4-4F0C-44C0-945C-47D5AD7B5CE3}"/>
+                </a:ext>
+              </a:extLst>
+            </p:cNvPr>
+            <p:cNvSpPr txBox="1"/>
+            <p:nvPr/>
+          </p:nvSpPr>
+          <p:spPr>
+            <a:xfrm>
+              <a:off x="3727464" y="3785582"/>
+              <a:ext cx="4373749" cy="246221"/>
+            </a:xfrm>
+            <a:prstGeom prst="rect">
+              <a:avLst/>
+            </a:prstGeom>
+            <a:noFill/>
+          </p:spPr>
+          <p:txBody>
+            <a:bodyPr wrap="square" rtlCol="0">
+              <a:spAutoFit/>
+            </a:bodyPr>
+            <a:lstStyle/>
+            <a:p>
+              <a:pPr algn="ctr"/>
+              <a:r>
+                <a:rPr lang="en-US" sz="1000" b="1" dirty="0">
+                  <a:latin typeface="Verdana" panose="020B0604030504040204" pitchFamily="34" charset="0"/>
+                  <a:ea typeface="Verdana" panose="020B0604030504040204" pitchFamily="34" charset="0"/>
+                </a:rPr>
+                <a:t>Transformers Embedding</a:t>
+              </a:r>
+            </a:p>
+          </p:txBody>
+        </p:sp>
+        <p:sp>
+          <p:nvSpPr>
+            <p:cNvPr id="32" name="Rectangle 31">
+              <a:extLst>
+                <a:ext uri="{FF2B5EF4-FFF2-40B4-BE49-F238E27FC236}">
+                  <a16:creationId xmlns:a16="http://schemas.microsoft.com/office/drawing/2014/main" id="{41232D91-E3BD-46A5-9810-9621C8349D77}"/>
+                </a:ext>
+              </a:extLst>
+            </p:cNvPr>
+            <p:cNvSpPr/>
+            <p:nvPr/>
+          </p:nvSpPr>
+          <p:spPr>
+            <a:xfrm>
+              <a:off x="3491863" y="4391741"/>
+              <a:ext cx="1030384" cy="393286"/>
+            </a:xfrm>
+            <a:prstGeom prst="rect">
+              <a:avLst/>
+            </a:prstGeom>
+            <a:solidFill>
+              <a:schemeClr val="accent1">
+                <a:lumMod val="40000"/>
+                <a:lumOff val="60000"/>
+              </a:schemeClr>
+            </a:solidFill>
+            <a:ln>
+              <a:solidFill>
+                <a:schemeClr val="accent1">
+                  <a:lumMod val="60000"/>
+                  <a:lumOff val="40000"/>
+                </a:schemeClr>
+              </a:solidFill>
+              <a:prstDash val="solid"/>
+            </a:ln>
+          </p:spPr>
+          <p:style>
+            <a:lnRef idx="2">
+              <a:schemeClr val="accent1">
+                <a:shade val="50000"/>
+              </a:schemeClr>
+            </a:lnRef>
+            <a:fillRef idx="1">
+              <a:schemeClr val="accent1"/>
+            </a:fillRef>
+            <a:effectRef idx="0">
+              <a:schemeClr val="accent1"/>
+            </a:effectRef>
+            <a:fontRef idx="minor">
+              <a:schemeClr val="lt1"/>
+            </a:fontRef>
+          </p:style>
+          <p:txBody>
+            <a:bodyPr rtlCol="0" anchor="ctr"/>
+            <a:lstStyle/>
+            <a:p>
+              <a:pPr algn="ctr"/>
+              <a:r>
+                <a:rPr lang="en-US" sz="800" dirty="0">
+                  <a:solidFill>
+                    <a:schemeClr val="tx1"/>
+                  </a:solidFill>
+                  <a:latin typeface="Verdana" panose="020B0604030504040204" pitchFamily="34" charset="0"/>
+                  <a:ea typeface="Verdana" panose="020B0604030504040204" pitchFamily="34" charset="0"/>
+                </a:rPr>
+                <a:t>Sentence</a:t>
+              </a:r>
+              <a:endParaRPr lang="en-US" dirty="0">
+                <a:solidFill>
+                  <a:schemeClr val="tx1"/>
+                </a:solidFill>
+              </a:endParaRPr>
+            </a:p>
+          </p:txBody>
+        </p:sp>
+        <p:sp>
+          <p:nvSpPr>
+            <p:cNvPr id="33" name="Rectangle 32">
+              <a:extLst>
+                <a:ext uri="{FF2B5EF4-FFF2-40B4-BE49-F238E27FC236}">
+                  <a16:creationId xmlns:a16="http://schemas.microsoft.com/office/drawing/2014/main" id="{E3570944-53FD-48C1-BD32-4C5FC0EC3F8C}"/>
+                </a:ext>
+              </a:extLst>
+            </p:cNvPr>
+            <p:cNvSpPr/>
+            <p:nvPr/>
+          </p:nvSpPr>
+          <p:spPr>
+            <a:xfrm>
+              <a:off x="4750824" y="4391741"/>
+              <a:ext cx="1030384" cy="393286"/>
+            </a:xfrm>
+            <a:prstGeom prst="rect">
+              <a:avLst/>
+            </a:prstGeom>
+            <a:solidFill>
+              <a:schemeClr val="accent1">
+                <a:lumMod val="40000"/>
+                <a:lumOff val="60000"/>
+              </a:schemeClr>
+            </a:solidFill>
+            <a:ln>
+              <a:solidFill>
+                <a:schemeClr val="accent1">
+                  <a:lumMod val="60000"/>
+                  <a:lumOff val="40000"/>
+                </a:schemeClr>
+              </a:solidFill>
+              <a:prstDash val="solid"/>
+            </a:ln>
+          </p:spPr>
+          <p:style>
+            <a:lnRef idx="2">
+              <a:schemeClr val="accent1">
+                <a:shade val="50000"/>
+              </a:schemeClr>
+            </a:lnRef>
+            <a:fillRef idx="1">
+              <a:schemeClr val="accent1"/>
+            </a:fillRef>
+            <a:effectRef idx="0">
+              <a:schemeClr val="accent1"/>
+            </a:effectRef>
+            <a:fontRef idx="minor">
+              <a:schemeClr val="lt1"/>
+            </a:fontRef>
+          </p:style>
+          <p:txBody>
+            <a:bodyPr rtlCol="0" anchor="ctr"/>
+            <a:lstStyle/>
+            <a:p>
+              <a:pPr algn="ctr"/>
+              <a:r>
+                <a:rPr lang="en-US" sz="800" dirty="0">
+                  <a:solidFill>
+                    <a:schemeClr val="tx1"/>
+                  </a:solidFill>
+                  <a:latin typeface="Verdana" panose="020B0604030504040204" pitchFamily="34" charset="0"/>
+                  <a:ea typeface="Verdana" panose="020B0604030504040204" pitchFamily="34" charset="0"/>
+                </a:rPr>
+                <a:t>Text Preprocessing</a:t>
+              </a:r>
+              <a:endParaRPr lang="en-US" dirty="0">
+                <a:solidFill>
+                  <a:schemeClr val="tx1"/>
+                </a:solidFill>
+              </a:endParaRPr>
+            </a:p>
+          </p:txBody>
+        </p:sp>
+        <p:sp>
+          <p:nvSpPr>
+            <p:cNvPr id="34" name="Rectangle 33">
+              <a:extLst>
+                <a:ext uri="{FF2B5EF4-FFF2-40B4-BE49-F238E27FC236}">
+                  <a16:creationId xmlns:a16="http://schemas.microsoft.com/office/drawing/2014/main" id="{71034437-8365-46EC-8FE7-5D63540315BF}"/>
+                </a:ext>
+              </a:extLst>
+            </p:cNvPr>
+            <p:cNvSpPr/>
+            <p:nvPr/>
+          </p:nvSpPr>
+          <p:spPr>
+            <a:xfrm>
+              <a:off x="6033446" y="4391741"/>
+              <a:ext cx="1030384" cy="393286"/>
+            </a:xfrm>
+            <a:prstGeom prst="rect">
+              <a:avLst/>
+            </a:prstGeom>
+            <a:solidFill>
+              <a:schemeClr val="accent1">
+                <a:lumMod val="40000"/>
+                <a:lumOff val="60000"/>
+              </a:schemeClr>
+            </a:solidFill>
+            <a:ln>
+              <a:solidFill>
+                <a:schemeClr val="accent1">
+                  <a:lumMod val="60000"/>
+                  <a:lumOff val="40000"/>
+                </a:schemeClr>
+              </a:solidFill>
+              <a:prstDash val="solid"/>
+            </a:ln>
+          </p:spPr>
+          <p:style>
+            <a:lnRef idx="2">
+              <a:schemeClr val="accent1">
+                <a:shade val="50000"/>
+              </a:schemeClr>
+            </a:lnRef>
+            <a:fillRef idx="1">
+              <a:schemeClr val="accent1"/>
+            </a:fillRef>
+            <a:effectRef idx="0">
+              <a:schemeClr val="accent1"/>
+            </a:effectRef>
+            <a:fontRef idx="minor">
+              <a:schemeClr val="lt1"/>
+            </a:fontRef>
+          </p:style>
+          <p:txBody>
+            <a:bodyPr rtlCol="0" anchor="ctr"/>
+            <a:lstStyle/>
+            <a:p>
+              <a:pPr algn="ctr"/>
+              <a:r>
+                <a:rPr lang="en-US" sz="800" dirty="0">
+                  <a:solidFill>
+                    <a:schemeClr val="tx1"/>
+                  </a:solidFill>
+                  <a:latin typeface="Verdana" panose="020B0604030504040204" pitchFamily="34" charset="0"/>
+                  <a:ea typeface="Verdana" panose="020B0604030504040204" pitchFamily="34" charset="0"/>
+                </a:rPr>
+                <a:t>Transform Encoding</a:t>
+              </a:r>
+              <a:endParaRPr lang="en-US" dirty="0">
+                <a:solidFill>
+                  <a:schemeClr val="tx1"/>
+                </a:solidFill>
+              </a:endParaRPr>
+            </a:p>
+          </p:txBody>
+        </p:sp>
+        <p:sp>
+          <p:nvSpPr>
+            <p:cNvPr id="35" name="Rectangle 34">
+              <a:extLst>
+                <a:ext uri="{FF2B5EF4-FFF2-40B4-BE49-F238E27FC236}">
+                  <a16:creationId xmlns:a16="http://schemas.microsoft.com/office/drawing/2014/main" id="{692D7E1D-F605-40BC-91D6-590826D11888}"/>
+                </a:ext>
+              </a:extLst>
+            </p:cNvPr>
+            <p:cNvSpPr/>
+            <p:nvPr/>
+          </p:nvSpPr>
+          <p:spPr>
+            <a:xfrm>
+              <a:off x="7316068" y="4391741"/>
+              <a:ext cx="1030384" cy="393286"/>
+            </a:xfrm>
+            <a:prstGeom prst="rect">
+              <a:avLst/>
+            </a:prstGeom>
+            <a:solidFill>
+              <a:schemeClr val="accent1">
+                <a:lumMod val="40000"/>
+                <a:lumOff val="60000"/>
+              </a:schemeClr>
+            </a:solidFill>
+            <a:ln>
+              <a:solidFill>
+                <a:schemeClr val="accent1">
+                  <a:lumMod val="60000"/>
+                  <a:lumOff val="40000"/>
+                </a:schemeClr>
+              </a:solidFill>
+              <a:prstDash val="solid"/>
+            </a:ln>
+          </p:spPr>
+          <p:style>
+            <a:lnRef idx="2">
+              <a:schemeClr val="accent1">
+                <a:shade val="50000"/>
+              </a:schemeClr>
+            </a:lnRef>
+            <a:fillRef idx="1">
+              <a:schemeClr val="accent1"/>
+            </a:fillRef>
+            <a:effectRef idx="0">
+              <a:schemeClr val="accent1"/>
+            </a:effectRef>
+            <a:fontRef idx="minor">
+              <a:schemeClr val="lt1"/>
+            </a:fontRef>
+          </p:style>
+          <p:txBody>
+            <a:bodyPr rtlCol="0" anchor="ctr"/>
+            <a:lstStyle/>
+            <a:p>
+              <a:pPr algn="ctr"/>
+              <a:r>
+                <a:rPr lang="en-US" sz="800" dirty="0">
+                  <a:solidFill>
+                    <a:schemeClr val="tx1"/>
+                  </a:solidFill>
+                  <a:latin typeface="Verdana" panose="020B0604030504040204" pitchFamily="34" charset="0"/>
+                  <a:ea typeface="Verdana" panose="020B0604030504040204" pitchFamily="34" charset="0"/>
+                </a:rPr>
+                <a:t>Sentence Vector Representation</a:t>
+              </a:r>
+              <a:endParaRPr lang="en-US" dirty="0">
+                <a:solidFill>
+                  <a:schemeClr val="tx1"/>
+                </a:solidFill>
+              </a:endParaRPr>
+            </a:p>
+          </p:txBody>
+        </p:sp>
+        <p:cxnSp>
+          <p:nvCxnSpPr>
+            <p:cNvPr id="36" name="Straight Arrow Connector 35">
+              <a:extLst>
+                <a:ext uri="{FF2B5EF4-FFF2-40B4-BE49-F238E27FC236}">
+                  <a16:creationId xmlns:a16="http://schemas.microsoft.com/office/drawing/2014/main" id="{2AFFF932-BE03-4460-9DDF-9E352C8118F3}"/>
+                </a:ext>
+              </a:extLst>
+            </p:cNvPr>
+            <p:cNvCxnSpPr>
+              <a:cxnSpLocks/>
+              <a:endCxn id="33" idx="1"/>
+            </p:cNvCxnSpPr>
+            <p:nvPr/>
+          </p:nvCxnSpPr>
+          <p:spPr>
+            <a:xfrm>
+              <a:off x="4522247" y="4588384"/>
+              <a:ext cx="228577" cy="0"/>
+            </a:xfrm>
+            <a:prstGeom prst="straightConnector1">
+              <a:avLst/>
+            </a:prstGeom>
+            <a:ln w="22225">
+              <a:solidFill>
+                <a:schemeClr val="tx1"/>
+              </a:solidFill>
+              <a:tailEnd type="triangle"/>
+            </a:ln>
+          </p:spPr>
+          <p:style>
+            <a:lnRef idx="1">
+              <a:schemeClr val="accent1"/>
+            </a:lnRef>
+            <a:fillRef idx="0">
+              <a:schemeClr val="accent1"/>
+            </a:fillRef>
+            <a:effectRef idx="0">
+              <a:schemeClr val="accent1"/>
+            </a:effectRef>
+            <a:fontRef idx="minor">
+              <a:schemeClr val="tx1"/>
+            </a:fontRef>
+          </p:style>
+        </p:cxnSp>
+        <p:cxnSp>
+          <p:nvCxnSpPr>
+            <p:cNvPr id="37" name="Straight Arrow Connector 36">
+              <a:extLst>
+                <a:ext uri="{FF2B5EF4-FFF2-40B4-BE49-F238E27FC236}">
+                  <a16:creationId xmlns:a16="http://schemas.microsoft.com/office/drawing/2014/main" id="{A469E036-69CA-45A7-891A-D3F4CB513111}"/>
+                </a:ext>
+              </a:extLst>
+            </p:cNvPr>
+            <p:cNvCxnSpPr>
+              <a:cxnSpLocks/>
+              <a:endCxn id="34" idx="1"/>
+            </p:cNvCxnSpPr>
+            <p:nvPr/>
+          </p:nvCxnSpPr>
+          <p:spPr>
+            <a:xfrm>
+              <a:off x="5781208" y="4588384"/>
+              <a:ext cx="252238" cy="0"/>
+            </a:xfrm>
+            <a:prstGeom prst="straightConnector1">
+              <a:avLst/>
+            </a:prstGeom>
+            <a:ln w="22225">
+              <a:solidFill>
+                <a:schemeClr val="tx1"/>
+              </a:solidFill>
+              <a:tailEnd type="triangle"/>
+            </a:ln>
+          </p:spPr>
+          <p:style>
+            <a:lnRef idx="1">
+              <a:schemeClr val="accent1"/>
+            </a:lnRef>
+            <a:fillRef idx="0">
+              <a:schemeClr val="accent1"/>
+            </a:fillRef>
+            <a:effectRef idx="0">
+              <a:schemeClr val="accent1"/>
+            </a:effectRef>
+            <a:fontRef idx="minor">
+              <a:schemeClr val="tx1"/>
+            </a:fontRef>
+          </p:style>
+        </p:cxnSp>
+        <p:cxnSp>
+          <p:nvCxnSpPr>
+            <p:cNvPr id="38" name="Straight Arrow Connector 37">
+              <a:extLst>
+                <a:ext uri="{FF2B5EF4-FFF2-40B4-BE49-F238E27FC236}">
+                  <a16:creationId xmlns:a16="http://schemas.microsoft.com/office/drawing/2014/main" id="{9C3A54DB-B6C9-4BBB-BCE4-75D80E12BD7F}"/>
+                </a:ext>
+              </a:extLst>
+            </p:cNvPr>
+            <p:cNvCxnSpPr>
+              <a:cxnSpLocks/>
+              <a:endCxn id="35" idx="1"/>
+            </p:cNvCxnSpPr>
+            <p:nvPr/>
+          </p:nvCxnSpPr>
+          <p:spPr>
+            <a:xfrm>
+              <a:off x="7063830" y="4588384"/>
+              <a:ext cx="252238" cy="0"/>
+            </a:xfrm>
+            <a:prstGeom prst="straightConnector1">
+              <a:avLst/>
+            </a:prstGeom>
+            <a:ln w="22225">
+              <a:solidFill>
+                <a:schemeClr val="tx1"/>
+              </a:solidFill>
+              <a:tailEnd type="triangle"/>
+            </a:ln>
+          </p:spPr>
+          <p:style>
+            <a:lnRef idx="1">
+              <a:schemeClr val="accent1"/>
+            </a:lnRef>
+            <a:fillRef idx="0">
+              <a:schemeClr val="accent1"/>
+            </a:fillRef>
+            <a:effectRef idx="0">
+              <a:schemeClr val="accent1"/>
+            </a:effectRef>
+            <a:fontRef idx="minor">
+              <a:schemeClr val="tx1"/>
+            </a:fontRef>
+          </p:style>
+        </p:cxnSp>
+      </p:grpSp>
+    </p:spTree>
+    <p:extLst>
+      <p:ext uri="{BB962C8B-B14F-4D97-AF65-F5344CB8AC3E}">
+        <p14:creationId xmlns:p14="http://schemas.microsoft.com/office/powerpoint/2010/main" val="3085747786"/>
+      </p:ext>
+    </p:extLst>
+  </p:cSld>
+  <p:clrMapOvr>
+    <a:masterClrMapping/>
+  </p:clrMapOvr>
+</p:sld>
+</file>
+
 <file path=ppt/slides/slide2.xml><?xml version="1.0" encoding="utf-8"?>
 <p:sld xmlns:a="http://schemas.openxmlformats.org/drawingml/2006/main" xmlns:r="http://schemas.openxmlformats.org/officeDocument/2006/relationships" xmlns:p="http://schemas.openxmlformats.org/presentationml/2006/main">
   <p:cSld>
@@ -5457,6 +7690,99 @@
           </a:prstGeom>
         </p:spPr>
       </p:pic>
+      <p:sp>
+        <p:nvSpPr>
+          <p:cNvPr id="2" name="TextBox 1">
+            <a:extLst>
+              <a:ext uri="{FF2B5EF4-FFF2-40B4-BE49-F238E27FC236}">
+                <a16:creationId xmlns:a16="http://schemas.microsoft.com/office/drawing/2014/main" id="{3A3FD9DD-A15F-4830-AEFD-19922D0844E4}"/>
+              </a:ext>
+            </a:extLst>
+          </p:cNvPr>
+          <p:cNvSpPr txBox="1"/>
+          <p:nvPr/>
+        </p:nvSpPr>
+        <p:spPr>
+          <a:xfrm>
+            <a:off x="1016000" y="1443841"/>
+            <a:ext cx="9777047" cy="4247317"/>
+          </a:xfrm>
+          <a:prstGeom prst="rect">
+            <a:avLst/>
+          </a:prstGeom>
+          <a:noFill/>
+        </p:spPr>
+        <p:txBody>
+          <a:bodyPr wrap="square" rtlCol="0">
+            <a:spAutoFit/>
+          </a:bodyPr>
+          <a:lstStyle/>
+          <a:p>
+            <a:endParaRPr lang="en-US" dirty="0"/>
+          </a:p>
+          <a:p>
+            <a:r>
+              <a:rPr lang="en-US" b="1" dirty="0"/>
+              <a:t>Unsupervised companies' categorization</a:t>
+            </a:r>
+          </a:p>
+          <a:p>
+            <a:pPr marL="742950" lvl="1" indent="-285750">
+              <a:buFont typeface="Arial" panose="020B0604020202020204" pitchFamily="34" charset="0"/>
+              <a:buChar char="•"/>
+            </a:pPr>
+            <a:r>
+              <a:rPr lang="en-US" b="1" dirty="0"/>
+              <a:t>Categorize brands basis their history using Artificial Intelligence</a:t>
+            </a:r>
+          </a:p>
+          <a:p>
+            <a:endParaRPr lang="en-US" b="1" dirty="0"/>
+          </a:p>
+          <a:p>
+            <a:r>
+              <a:rPr lang="en-US" dirty="0"/>
+              <a:t>100s –1000s of companies exist belonging to various industries. Today these are manually categorized and grouped under various industry classification schemes like NAICS, SIC, NIC, etc. These schemes are pre-determined and don’t reflect the changing nature of a business or brand.</a:t>
+            </a:r>
+            <a:endParaRPr lang="en-US" b="1" dirty="0"/>
+          </a:p>
+          <a:p>
+            <a:endParaRPr lang="en-US" b="1" dirty="0"/>
+          </a:p>
+          <a:p>
+            <a:endParaRPr lang="en-US" b="1" dirty="0"/>
+          </a:p>
+          <a:p>
+            <a:r>
+              <a:rPr lang="en-US" b="1" dirty="0"/>
+              <a:t>Question:  </a:t>
+            </a:r>
+            <a:r>
+              <a:rPr lang="en-US" dirty="0"/>
+              <a:t>Can we create a more dynamic categorization basis the journey of a company using a machine learning model?</a:t>
+            </a:r>
+          </a:p>
+          <a:p>
+            <a:endParaRPr lang="en-US" b="1" dirty="0"/>
+          </a:p>
+          <a:p>
+            <a:r>
+              <a:rPr lang="en-US" b="1" dirty="0"/>
+              <a:t>Answer: </a:t>
+            </a:r>
+            <a:r>
+              <a:rPr lang="en-US" dirty="0"/>
+              <a:t>Yes, we can!</a:t>
+            </a:r>
+          </a:p>
+          <a:p>
+            <a:endParaRPr lang="en-US" dirty="0"/>
+          </a:p>
+          <a:p>
+            <a:endParaRPr lang="en-US" dirty="0"/>
+          </a:p>
+        </p:txBody>
+      </p:sp>
     </p:spTree>
     <p:extLst>
       <p:ext uri="{BB962C8B-B14F-4D97-AF65-F5344CB8AC3E}">
@@ -5523,7 +7849,7 @@
                 <a:latin typeface="Verdana" panose="020B0604030504040204" pitchFamily="34" charset="0"/>
                 <a:ea typeface="Verdana" panose="020B0604030504040204" pitchFamily="34" charset="0"/>
               </a:rPr>
-              <a:t>Existing Application Architecture</a:t>
+              <a:t>Background</a:t>
             </a:r>
           </a:p>
         </p:txBody>
@@ -5552,6 +7878,1134 @@
             <a:fld id="{CE94D1BC-D86E-4D7F-8F02-7A51C792EE04}" type="slidenum">
               <a:rPr lang="en-US" smtClean="0"/>
               <a:t>4</a:t>
+            </a:fld>
+            <a:endParaRPr lang="en-US"/>
+          </a:p>
+        </p:txBody>
+      </p:sp>
+      <p:sp>
+        <p:nvSpPr>
+          <p:cNvPr id="8" name="Rectangle: Rounded Corners 7">
+            <a:extLst>
+              <a:ext uri="{FF2B5EF4-FFF2-40B4-BE49-F238E27FC236}">
+                <a16:creationId xmlns:a16="http://schemas.microsoft.com/office/drawing/2014/main" id="{A94466D1-B61C-4EF1-908E-89E940596724}"/>
+              </a:ext>
+            </a:extLst>
+          </p:cNvPr>
+          <p:cNvSpPr/>
+          <p:nvPr/>
+        </p:nvSpPr>
+        <p:spPr>
+          <a:xfrm>
+            <a:off x="4775911" y="285726"/>
+            <a:ext cx="1352550" cy="390525"/>
+          </a:xfrm>
+          <a:prstGeom prst="roundRect">
+            <a:avLst/>
+          </a:prstGeom>
+          <a:solidFill>
+            <a:srgbClr val="9E2946"/>
+          </a:solidFill>
+          <a:ln>
+            <a:noFill/>
+          </a:ln>
+        </p:spPr>
+        <p:style>
+          <a:lnRef idx="2">
+            <a:schemeClr val="accent1">
+              <a:shade val="50000"/>
+            </a:schemeClr>
+          </a:lnRef>
+          <a:fillRef idx="1">
+            <a:schemeClr val="accent1"/>
+          </a:fillRef>
+          <a:effectRef idx="0">
+            <a:schemeClr val="accent1"/>
+          </a:effectRef>
+          <a:fontRef idx="minor">
+            <a:schemeClr val="lt1"/>
+          </a:fontRef>
+        </p:style>
+        <p:txBody>
+          <a:bodyPr rtlCol="0" anchor="ctr"/>
+          <a:lstStyle/>
+          <a:p>
+            <a:pPr algn="ctr"/>
+            <a:r>
+              <a:rPr lang="en-US" sz="1000" dirty="0">
+                <a:latin typeface="Verdana" panose="020B0604030504040204" pitchFamily="34" charset="0"/>
+                <a:ea typeface="Verdana" panose="020B0604030504040204" pitchFamily="34" charset="0"/>
+              </a:rPr>
+              <a:t>Background</a:t>
+            </a:r>
+          </a:p>
+        </p:txBody>
+      </p:sp>
+      <p:sp>
+        <p:nvSpPr>
+          <p:cNvPr id="10" name="Rectangle: Rounded Corners 9">
+            <a:extLst>
+              <a:ext uri="{FF2B5EF4-FFF2-40B4-BE49-F238E27FC236}">
+                <a16:creationId xmlns:a16="http://schemas.microsoft.com/office/drawing/2014/main" id="{D0CF06AE-5C66-40BE-AF92-C9254A0C3FD7}"/>
+              </a:ext>
+            </a:extLst>
+          </p:cNvPr>
+          <p:cNvSpPr/>
+          <p:nvPr/>
+        </p:nvSpPr>
+        <p:spPr>
+          <a:xfrm>
+            <a:off x="6188785" y="285727"/>
+            <a:ext cx="1352550" cy="390525"/>
+          </a:xfrm>
+          <a:prstGeom prst="roundRect">
+            <a:avLst/>
+          </a:prstGeom>
+          <a:solidFill>
+            <a:schemeClr val="bg1">
+              <a:lumMod val="75000"/>
+            </a:schemeClr>
+          </a:solidFill>
+          <a:ln>
+            <a:noFill/>
+          </a:ln>
+        </p:spPr>
+        <p:style>
+          <a:lnRef idx="2">
+            <a:schemeClr val="accent1">
+              <a:shade val="50000"/>
+            </a:schemeClr>
+          </a:lnRef>
+          <a:fillRef idx="1">
+            <a:schemeClr val="accent1"/>
+          </a:fillRef>
+          <a:effectRef idx="0">
+            <a:schemeClr val="accent1"/>
+          </a:effectRef>
+          <a:fontRef idx="minor">
+            <a:schemeClr val="lt1"/>
+          </a:fontRef>
+        </p:style>
+        <p:txBody>
+          <a:bodyPr rtlCol="0" anchor="ctr"/>
+          <a:lstStyle/>
+          <a:p>
+            <a:pPr algn="ctr"/>
+            <a:r>
+              <a:rPr lang="en-US" sz="1000" dirty="0">
+                <a:latin typeface="Verdana" panose="020B0604030504040204" pitchFamily="34" charset="0"/>
+                <a:ea typeface="Verdana" panose="020B0604030504040204" pitchFamily="34" charset="0"/>
+              </a:rPr>
+              <a:t>Architecture</a:t>
+            </a:r>
+          </a:p>
+        </p:txBody>
+      </p:sp>
+      <p:sp>
+        <p:nvSpPr>
+          <p:cNvPr id="11" name="Rectangle: Rounded Corners 10">
+            <a:extLst>
+              <a:ext uri="{FF2B5EF4-FFF2-40B4-BE49-F238E27FC236}">
+                <a16:creationId xmlns:a16="http://schemas.microsoft.com/office/drawing/2014/main" id="{9B2AA2F4-54FD-4548-A211-ABBC31F90EE6}"/>
+              </a:ext>
+            </a:extLst>
+          </p:cNvPr>
+          <p:cNvSpPr/>
+          <p:nvPr/>
+        </p:nvSpPr>
+        <p:spPr>
+          <a:xfrm>
+            <a:off x="7601659" y="285726"/>
+            <a:ext cx="1352550" cy="390525"/>
+          </a:xfrm>
+          <a:prstGeom prst="roundRect">
+            <a:avLst/>
+          </a:prstGeom>
+          <a:solidFill>
+            <a:schemeClr val="bg1">
+              <a:lumMod val="75000"/>
+            </a:schemeClr>
+          </a:solidFill>
+          <a:ln>
+            <a:noFill/>
+          </a:ln>
+        </p:spPr>
+        <p:style>
+          <a:lnRef idx="2">
+            <a:schemeClr val="accent1">
+              <a:shade val="50000"/>
+            </a:schemeClr>
+          </a:lnRef>
+          <a:fillRef idx="1">
+            <a:schemeClr val="accent1"/>
+          </a:fillRef>
+          <a:effectRef idx="0">
+            <a:schemeClr val="accent1"/>
+          </a:effectRef>
+          <a:fontRef idx="minor">
+            <a:schemeClr val="lt1"/>
+          </a:fontRef>
+        </p:style>
+        <p:txBody>
+          <a:bodyPr rtlCol="0" anchor="ctr"/>
+          <a:lstStyle/>
+          <a:p>
+            <a:pPr algn="ctr"/>
+            <a:r>
+              <a:rPr lang="en-US" sz="1000" dirty="0">
+                <a:latin typeface="Verdana" panose="020B0604030504040204" pitchFamily="34" charset="0"/>
+                <a:ea typeface="Verdana" panose="020B0604030504040204" pitchFamily="34" charset="0"/>
+              </a:rPr>
+              <a:t>Methodology</a:t>
+            </a:r>
+          </a:p>
+        </p:txBody>
+      </p:sp>
+      <p:sp>
+        <p:nvSpPr>
+          <p:cNvPr id="12" name="Rectangle: Rounded Corners 11">
+            <a:extLst>
+              <a:ext uri="{FF2B5EF4-FFF2-40B4-BE49-F238E27FC236}">
+                <a16:creationId xmlns:a16="http://schemas.microsoft.com/office/drawing/2014/main" id="{E7FD3417-382B-42E9-8B4D-A235C22130CA}"/>
+              </a:ext>
+            </a:extLst>
+          </p:cNvPr>
+          <p:cNvSpPr/>
+          <p:nvPr/>
+        </p:nvSpPr>
+        <p:spPr>
+          <a:xfrm>
+            <a:off x="9014533" y="285726"/>
+            <a:ext cx="1352550" cy="390525"/>
+          </a:xfrm>
+          <a:prstGeom prst="roundRect">
+            <a:avLst/>
+          </a:prstGeom>
+          <a:solidFill>
+            <a:schemeClr val="bg1">
+              <a:lumMod val="75000"/>
+            </a:schemeClr>
+          </a:solidFill>
+          <a:ln>
+            <a:noFill/>
+          </a:ln>
+        </p:spPr>
+        <p:style>
+          <a:lnRef idx="2">
+            <a:schemeClr val="accent1">
+              <a:shade val="50000"/>
+            </a:schemeClr>
+          </a:lnRef>
+          <a:fillRef idx="1">
+            <a:schemeClr val="accent1"/>
+          </a:fillRef>
+          <a:effectRef idx="0">
+            <a:schemeClr val="accent1"/>
+          </a:effectRef>
+          <a:fontRef idx="minor">
+            <a:schemeClr val="lt1"/>
+          </a:fontRef>
+        </p:style>
+        <p:txBody>
+          <a:bodyPr rtlCol="0" anchor="ctr"/>
+          <a:lstStyle/>
+          <a:p>
+            <a:pPr algn="ctr"/>
+            <a:r>
+              <a:rPr lang="en-US" sz="1000" dirty="0">
+                <a:latin typeface="Verdana" panose="020B0604030504040204" pitchFamily="34" charset="0"/>
+                <a:ea typeface="Verdana" panose="020B0604030504040204" pitchFamily="34" charset="0"/>
+              </a:rPr>
+              <a:t>Application</a:t>
+            </a:r>
+          </a:p>
+        </p:txBody>
+      </p:sp>
+      <p:sp>
+        <p:nvSpPr>
+          <p:cNvPr id="14" name="Rectangle: Rounded Corners 13">
+            <a:extLst>
+              <a:ext uri="{FF2B5EF4-FFF2-40B4-BE49-F238E27FC236}">
+                <a16:creationId xmlns:a16="http://schemas.microsoft.com/office/drawing/2014/main" id="{66AC8B29-1893-4A94-9715-56E1E25E3B7A}"/>
+              </a:ext>
+            </a:extLst>
+          </p:cNvPr>
+          <p:cNvSpPr/>
+          <p:nvPr/>
+        </p:nvSpPr>
+        <p:spPr>
+          <a:xfrm>
+            <a:off x="10427407" y="285726"/>
+            <a:ext cx="1352550" cy="390525"/>
+          </a:xfrm>
+          <a:prstGeom prst="roundRect">
+            <a:avLst/>
+          </a:prstGeom>
+          <a:solidFill>
+            <a:schemeClr val="bg1">
+              <a:lumMod val="75000"/>
+            </a:schemeClr>
+          </a:solidFill>
+          <a:ln>
+            <a:noFill/>
+          </a:ln>
+        </p:spPr>
+        <p:style>
+          <a:lnRef idx="2">
+            <a:schemeClr val="accent1">
+              <a:shade val="50000"/>
+            </a:schemeClr>
+          </a:lnRef>
+          <a:fillRef idx="1">
+            <a:schemeClr val="accent1"/>
+          </a:fillRef>
+          <a:effectRef idx="0">
+            <a:schemeClr val="accent1"/>
+          </a:effectRef>
+          <a:fontRef idx="minor">
+            <a:schemeClr val="lt1"/>
+          </a:fontRef>
+        </p:style>
+        <p:txBody>
+          <a:bodyPr rtlCol="0" anchor="ctr"/>
+          <a:lstStyle/>
+          <a:p>
+            <a:pPr algn="ctr"/>
+            <a:r>
+              <a:rPr lang="en-US" sz="1000" dirty="0">
+                <a:latin typeface="Verdana" panose="020B0604030504040204" pitchFamily="34" charset="0"/>
+                <a:ea typeface="Verdana" panose="020B0604030504040204" pitchFamily="34" charset="0"/>
+              </a:rPr>
+              <a:t>Conclusion</a:t>
+            </a:r>
+          </a:p>
+        </p:txBody>
+      </p:sp>
+      <p:pic>
+        <p:nvPicPr>
+          <p:cNvPr id="15" name="Picture 14">
+            <a:extLst>
+              <a:ext uri="{FF2B5EF4-FFF2-40B4-BE49-F238E27FC236}">
+                <a16:creationId xmlns:a16="http://schemas.microsoft.com/office/drawing/2014/main" id="{59A5F746-0E95-4CB3-A1F8-8161B70AD447}"/>
+              </a:ext>
+            </a:extLst>
+          </p:cNvPr>
+          <p:cNvPicPr>
+            <a:picLocks noChangeAspect="1"/>
+          </p:cNvPicPr>
+          <p:nvPr/>
+        </p:nvPicPr>
+        <p:blipFill>
+          <a:blip r:embed="rId3"/>
+          <a:stretch>
+            <a:fillRect/>
+          </a:stretch>
+        </p:blipFill>
+        <p:spPr>
+          <a:xfrm>
+            <a:off x="261546" y="6238912"/>
+            <a:ext cx="1885714" cy="600000"/>
+          </a:xfrm>
+          <a:prstGeom prst="rect">
+            <a:avLst/>
+          </a:prstGeom>
+        </p:spPr>
+      </p:pic>
+      <p:sp>
+        <p:nvSpPr>
+          <p:cNvPr id="2" name="TextBox 1">
+            <a:extLst>
+              <a:ext uri="{FF2B5EF4-FFF2-40B4-BE49-F238E27FC236}">
+                <a16:creationId xmlns:a16="http://schemas.microsoft.com/office/drawing/2014/main" id="{3A3FD9DD-A15F-4830-AEFD-19922D0844E4}"/>
+              </a:ext>
+            </a:extLst>
+          </p:cNvPr>
+          <p:cNvSpPr txBox="1"/>
+          <p:nvPr/>
+        </p:nvSpPr>
+        <p:spPr>
+          <a:xfrm>
+            <a:off x="1016000" y="1443841"/>
+            <a:ext cx="9777047" cy="4801314"/>
+          </a:xfrm>
+          <a:prstGeom prst="rect">
+            <a:avLst/>
+          </a:prstGeom>
+          <a:noFill/>
+        </p:spPr>
+        <p:txBody>
+          <a:bodyPr wrap="square" rtlCol="0">
+            <a:spAutoFit/>
+          </a:bodyPr>
+          <a:lstStyle/>
+          <a:p>
+            <a:r>
+              <a:rPr lang="en-US" b="1" dirty="0"/>
+              <a:t>What Are Stock Market Sectors?</a:t>
+            </a:r>
+          </a:p>
+          <a:p>
+            <a:r>
+              <a:rPr lang="en-US" dirty="0"/>
+              <a:t>A stock sector is a collection of publicly-traded companies that work within the same general field of business—healthcare, energy, real estate, etc. The stocks in each sector, in turn, carry similar characteristics.</a:t>
+            </a:r>
+          </a:p>
+          <a:p>
+            <a:endParaRPr lang="en-US" dirty="0"/>
+          </a:p>
+          <a:p>
+            <a:endParaRPr lang="en-US" dirty="0"/>
+          </a:p>
+          <a:p>
+            <a:r>
+              <a:rPr lang="en-US" b="1" dirty="0"/>
+              <a:t>Stock Market Sector Classifications</a:t>
+            </a:r>
+          </a:p>
+          <a:p>
+            <a:r>
+              <a:rPr lang="en-US" dirty="0"/>
+              <a:t>There are three competing systems for classifying stocks into sectors and industries: the Global Industry Classification Standard (GICS), the Industrial Classification Benchmark (ICB), and Morningstar's stock sector structure. For the most part, the systems are functionally equivalent, but unfortunately the terminology is different. </a:t>
+            </a:r>
+          </a:p>
+          <a:p>
+            <a:endParaRPr lang="en-US" dirty="0"/>
+          </a:p>
+          <a:p>
+            <a:endParaRPr lang="en-US" dirty="0"/>
+          </a:p>
+          <a:p>
+            <a:endParaRPr lang="en-US" dirty="0"/>
+          </a:p>
+          <a:p>
+            <a:endParaRPr lang="en-US" dirty="0"/>
+          </a:p>
+          <a:p>
+            <a:endParaRPr lang="en-US" dirty="0"/>
+          </a:p>
+          <a:p>
+            <a:endParaRPr lang="en-US" dirty="0"/>
+          </a:p>
+        </p:txBody>
+      </p:sp>
+    </p:spTree>
+    <p:extLst>
+      <p:ext uri="{BB962C8B-B14F-4D97-AF65-F5344CB8AC3E}">
+        <p14:creationId xmlns:p14="http://schemas.microsoft.com/office/powerpoint/2010/main" val="1831166835"/>
+      </p:ext>
+    </p:extLst>
+  </p:cSld>
+  <p:clrMapOvr>
+    <a:masterClrMapping/>
+  </p:clrMapOvr>
+</p:sld>
+</file>
+
+<file path=ppt/slides/slide5.xml><?xml version="1.0" encoding="utf-8"?>
+<p:sld xmlns:a="http://schemas.openxmlformats.org/drawingml/2006/main" xmlns:r="http://schemas.openxmlformats.org/officeDocument/2006/relationships" xmlns:p="http://schemas.openxmlformats.org/presentationml/2006/main">
+  <p:cSld>
+    <p:spTree>
+      <p:nvGrpSpPr>
+        <p:cNvPr id="1" name=""/>
+        <p:cNvGrpSpPr/>
+        <p:nvPr/>
+      </p:nvGrpSpPr>
+      <p:grpSpPr>
+        <a:xfrm>
+          <a:off x="0" y="0"/>
+          <a:ext cx="0" cy="0"/>
+          <a:chOff x="0" y="0"/>
+          <a:chExt cx="0" cy="0"/>
+        </a:xfrm>
+      </p:grpSpPr>
+      <p:sp>
+        <p:nvSpPr>
+          <p:cNvPr id="76" name="Title 1">
+            <a:extLst>
+              <a:ext uri="{FF2B5EF4-FFF2-40B4-BE49-F238E27FC236}">
+                <a16:creationId xmlns:a16="http://schemas.microsoft.com/office/drawing/2014/main" id="{77C709C5-536F-43E0-8949-0992532DEB8C}"/>
+              </a:ext>
+            </a:extLst>
+          </p:cNvPr>
+          <p:cNvSpPr>
+            <a:spLocks noGrp="1"/>
+          </p:cNvSpPr>
+          <p:nvPr>
+            <p:ph type="title"/>
+          </p:nvPr>
+        </p:nvSpPr>
+        <p:spPr>
+          <a:xfrm>
+            <a:off x="412043" y="480988"/>
+            <a:ext cx="10515600" cy="817723"/>
+          </a:xfrm>
+        </p:spPr>
+        <p:txBody>
+          <a:bodyPr>
+            <a:normAutofit/>
+          </a:bodyPr>
+          <a:lstStyle/>
+          <a:p>
+            <a:r>
+              <a:rPr lang="en-US" sz="2400" b="1" dirty="0">
+                <a:solidFill>
+                  <a:srgbClr val="9E2946"/>
+                </a:solidFill>
+                <a:latin typeface="Verdana" panose="020B0604030504040204" pitchFamily="34" charset="0"/>
+                <a:ea typeface="Verdana" panose="020B0604030504040204" pitchFamily="34" charset="0"/>
+              </a:rPr>
+              <a:t>Project Overview</a:t>
+            </a:r>
+          </a:p>
+        </p:txBody>
+      </p:sp>
+      <p:sp>
+        <p:nvSpPr>
+          <p:cNvPr id="3" name="Slide Number Placeholder 2">
+            <a:extLst>
+              <a:ext uri="{FF2B5EF4-FFF2-40B4-BE49-F238E27FC236}">
+                <a16:creationId xmlns:a16="http://schemas.microsoft.com/office/drawing/2014/main" id="{26DF549E-0929-4558-B72A-C49F4959F13A}"/>
+              </a:ext>
+            </a:extLst>
+          </p:cNvPr>
+          <p:cNvSpPr>
+            <a:spLocks noGrp="1"/>
+          </p:cNvSpPr>
+          <p:nvPr>
+            <p:ph type="sldNum" sz="quarter" idx="12"/>
+          </p:nvPr>
+        </p:nvSpPr>
+        <p:spPr/>
+        <p:txBody>
+          <a:bodyPr/>
+          <a:lstStyle/>
+          <a:p>
+            <a:fld id="{CE94D1BC-D86E-4D7F-8F02-7A51C792EE04}" type="slidenum">
+              <a:rPr lang="en-US" smtClean="0"/>
+              <a:t>5</a:t>
+            </a:fld>
+            <a:endParaRPr lang="en-US"/>
+          </a:p>
+        </p:txBody>
+      </p:sp>
+      <p:sp>
+        <p:nvSpPr>
+          <p:cNvPr id="8" name="Rectangle: Rounded Corners 7">
+            <a:extLst>
+              <a:ext uri="{FF2B5EF4-FFF2-40B4-BE49-F238E27FC236}">
+                <a16:creationId xmlns:a16="http://schemas.microsoft.com/office/drawing/2014/main" id="{A94466D1-B61C-4EF1-908E-89E940596724}"/>
+              </a:ext>
+            </a:extLst>
+          </p:cNvPr>
+          <p:cNvSpPr/>
+          <p:nvPr/>
+        </p:nvSpPr>
+        <p:spPr>
+          <a:xfrm>
+            <a:off x="4775911" y="285726"/>
+            <a:ext cx="1352550" cy="390525"/>
+          </a:xfrm>
+          <a:prstGeom prst="roundRect">
+            <a:avLst/>
+          </a:prstGeom>
+          <a:solidFill>
+            <a:srgbClr val="9E2946"/>
+          </a:solidFill>
+          <a:ln>
+            <a:noFill/>
+          </a:ln>
+        </p:spPr>
+        <p:style>
+          <a:lnRef idx="2">
+            <a:schemeClr val="accent1">
+              <a:shade val="50000"/>
+            </a:schemeClr>
+          </a:lnRef>
+          <a:fillRef idx="1">
+            <a:schemeClr val="accent1"/>
+          </a:fillRef>
+          <a:effectRef idx="0">
+            <a:schemeClr val="accent1"/>
+          </a:effectRef>
+          <a:fontRef idx="minor">
+            <a:schemeClr val="lt1"/>
+          </a:fontRef>
+        </p:style>
+        <p:txBody>
+          <a:bodyPr rtlCol="0" anchor="ctr"/>
+          <a:lstStyle/>
+          <a:p>
+            <a:pPr algn="ctr"/>
+            <a:r>
+              <a:rPr lang="en-US" sz="1000" dirty="0">
+                <a:latin typeface="Verdana" panose="020B0604030504040204" pitchFamily="34" charset="0"/>
+                <a:ea typeface="Verdana" panose="020B0604030504040204" pitchFamily="34" charset="0"/>
+              </a:rPr>
+              <a:t>Background</a:t>
+            </a:r>
+          </a:p>
+        </p:txBody>
+      </p:sp>
+      <p:sp>
+        <p:nvSpPr>
+          <p:cNvPr id="10" name="Rectangle: Rounded Corners 9">
+            <a:extLst>
+              <a:ext uri="{FF2B5EF4-FFF2-40B4-BE49-F238E27FC236}">
+                <a16:creationId xmlns:a16="http://schemas.microsoft.com/office/drawing/2014/main" id="{D0CF06AE-5C66-40BE-AF92-C9254A0C3FD7}"/>
+              </a:ext>
+            </a:extLst>
+          </p:cNvPr>
+          <p:cNvSpPr/>
+          <p:nvPr/>
+        </p:nvSpPr>
+        <p:spPr>
+          <a:xfrm>
+            <a:off x="6188785" y="285727"/>
+            <a:ext cx="1352550" cy="390525"/>
+          </a:xfrm>
+          <a:prstGeom prst="roundRect">
+            <a:avLst/>
+          </a:prstGeom>
+          <a:solidFill>
+            <a:schemeClr val="bg1">
+              <a:lumMod val="75000"/>
+            </a:schemeClr>
+          </a:solidFill>
+          <a:ln>
+            <a:noFill/>
+          </a:ln>
+        </p:spPr>
+        <p:style>
+          <a:lnRef idx="2">
+            <a:schemeClr val="accent1">
+              <a:shade val="50000"/>
+            </a:schemeClr>
+          </a:lnRef>
+          <a:fillRef idx="1">
+            <a:schemeClr val="accent1"/>
+          </a:fillRef>
+          <a:effectRef idx="0">
+            <a:schemeClr val="accent1"/>
+          </a:effectRef>
+          <a:fontRef idx="minor">
+            <a:schemeClr val="lt1"/>
+          </a:fontRef>
+        </p:style>
+        <p:txBody>
+          <a:bodyPr rtlCol="0" anchor="ctr"/>
+          <a:lstStyle/>
+          <a:p>
+            <a:pPr algn="ctr"/>
+            <a:r>
+              <a:rPr lang="en-US" sz="1000" dirty="0">
+                <a:latin typeface="Verdana" panose="020B0604030504040204" pitchFamily="34" charset="0"/>
+                <a:ea typeface="Verdana" panose="020B0604030504040204" pitchFamily="34" charset="0"/>
+              </a:rPr>
+              <a:t>Architecture</a:t>
+            </a:r>
+          </a:p>
+        </p:txBody>
+      </p:sp>
+      <p:sp>
+        <p:nvSpPr>
+          <p:cNvPr id="11" name="Rectangle: Rounded Corners 10">
+            <a:extLst>
+              <a:ext uri="{FF2B5EF4-FFF2-40B4-BE49-F238E27FC236}">
+                <a16:creationId xmlns:a16="http://schemas.microsoft.com/office/drawing/2014/main" id="{9B2AA2F4-54FD-4548-A211-ABBC31F90EE6}"/>
+              </a:ext>
+            </a:extLst>
+          </p:cNvPr>
+          <p:cNvSpPr/>
+          <p:nvPr/>
+        </p:nvSpPr>
+        <p:spPr>
+          <a:xfrm>
+            <a:off x="7601659" y="285726"/>
+            <a:ext cx="1352550" cy="390525"/>
+          </a:xfrm>
+          <a:prstGeom prst="roundRect">
+            <a:avLst/>
+          </a:prstGeom>
+          <a:solidFill>
+            <a:schemeClr val="bg1">
+              <a:lumMod val="75000"/>
+            </a:schemeClr>
+          </a:solidFill>
+          <a:ln>
+            <a:noFill/>
+          </a:ln>
+        </p:spPr>
+        <p:style>
+          <a:lnRef idx="2">
+            <a:schemeClr val="accent1">
+              <a:shade val="50000"/>
+            </a:schemeClr>
+          </a:lnRef>
+          <a:fillRef idx="1">
+            <a:schemeClr val="accent1"/>
+          </a:fillRef>
+          <a:effectRef idx="0">
+            <a:schemeClr val="accent1"/>
+          </a:effectRef>
+          <a:fontRef idx="minor">
+            <a:schemeClr val="lt1"/>
+          </a:fontRef>
+        </p:style>
+        <p:txBody>
+          <a:bodyPr rtlCol="0" anchor="ctr"/>
+          <a:lstStyle/>
+          <a:p>
+            <a:pPr algn="ctr"/>
+            <a:r>
+              <a:rPr lang="en-US" sz="1000" dirty="0">
+                <a:latin typeface="Verdana" panose="020B0604030504040204" pitchFamily="34" charset="0"/>
+                <a:ea typeface="Verdana" panose="020B0604030504040204" pitchFamily="34" charset="0"/>
+              </a:rPr>
+              <a:t>Methodology</a:t>
+            </a:r>
+          </a:p>
+        </p:txBody>
+      </p:sp>
+      <p:sp>
+        <p:nvSpPr>
+          <p:cNvPr id="12" name="Rectangle: Rounded Corners 11">
+            <a:extLst>
+              <a:ext uri="{FF2B5EF4-FFF2-40B4-BE49-F238E27FC236}">
+                <a16:creationId xmlns:a16="http://schemas.microsoft.com/office/drawing/2014/main" id="{E7FD3417-382B-42E9-8B4D-A235C22130CA}"/>
+              </a:ext>
+            </a:extLst>
+          </p:cNvPr>
+          <p:cNvSpPr/>
+          <p:nvPr/>
+        </p:nvSpPr>
+        <p:spPr>
+          <a:xfrm>
+            <a:off x="9014533" y="285726"/>
+            <a:ext cx="1352550" cy="390525"/>
+          </a:xfrm>
+          <a:prstGeom prst="roundRect">
+            <a:avLst/>
+          </a:prstGeom>
+          <a:solidFill>
+            <a:schemeClr val="bg1">
+              <a:lumMod val="75000"/>
+            </a:schemeClr>
+          </a:solidFill>
+          <a:ln>
+            <a:noFill/>
+          </a:ln>
+        </p:spPr>
+        <p:style>
+          <a:lnRef idx="2">
+            <a:schemeClr val="accent1">
+              <a:shade val="50000"/>
+            </a:schemeClr>
+          </a:lnRef>
+          <a:fillRef idx="1">
+            <a:schemeClr val="accent1"/>
+          </a:fillRef>
+          <a:effectRef idx="0">
+            <a:schemeClr val="accent1"/>
+          </a:effectRef>
+          <a:fontRef idx="minor">
+            <a:schemeClr val="lt1"/>
+          </a:fontRef>
+        </p:style>
+        <p:txBody>
+          <a:bodyPr rtlCol="0" anchor="ctr"/>
+          <a:lstStyle/>
+          <a:p>
+            <a:pPr algn="ctr"/>
+            <a:r>
+              <a:rPr lang="en-US" sz="1000" dirty="0">
+                <a:latin typeface="Verdana" panose="020B0604030504040204" pitchFamily="34" charset="0"/>
+                <a:ea typeface="Verdana" panose="020B0604030504040204" pitchFamily="34" charset="0"/>
+              </a:rPr>
+              <a:t>Application</a:t>
+            </a:r>
+          </a:p>
+        </p:txBody>
+      </p:sp>
+      <p:sp>
+        <p:nvSpPr>
+          <p:cNvPr id="14" name="Rectangle: Rounded Corners 13">
+            <a:extLst>
+              <a:ext uri="{FF2B5EF4-FFF2-40B4-BE49-F238E27FC236}">
+                <a16:creationId xmlns:a16="http://schemas.microsoft.com/office/drawing/2014/main" id="{66AC8B29-1893-4A94-9715-56E1E25E3B7A}"/>
+              </a:ext>
+            </a:extLst>
+          </p:cNvPr>
+          <p:cNvSpPr/>
+          <p:nvPr/>
+        </p:nvSpPr>
+        <p:spPr>
+          <a:xfrm>
+            <a:off x="10427407" y="285726"/>
+            <a:ext cx="1352550" cy="390525"/>
+          </a:xfrm>
+          <a:prstGeom prst="roundRect">
+            <a:avLst/>
+          </a:prstGeom>
+          <a:solidFill>
+            <a:schemeClr val="bg1">
+              <a:lumMod val="75000"/>
+            </a:schemeClr>
+          </a:solidFill>
+          <a:ln>
+            <a:noFill/>
+          </a:ln>
+        </p:spPr>
+        <p:style>
+          <a:lnRef idx="2">
+            <a:schemeClr val="accent1">
+              <a:shade val="50000"/>
+            </a:schemeClr>
+          </a:lnRef>
+          <a:fillRef idx="1">
+            <a:schemeClr val="accent1"/>
+          </a:fillRef>
+          <a:effectRef idx="0">
+            <a:schemeClr val="accent1"/>
+          </a:effectRef>
+          <a:fontRef idx="minor">
+            <a:schemeClr val="lt1"/>
+          </a:fontRef>
+        </p:style>
+        <p:txBody>
+          <a:bodyPr rtlCol="0" anchor="ctr"/>
+          <a:lstStyle/>
+          <a:p>
+            <a:pPr algn="ctr"/>
+            <a:r>
+              <a:rPr lang="en-US" sz="1000" dirty="0">
+                <a:latin typeface="Verdana" panose="020B0604030504040204" pitchFamily="34" charset="0"/>
+                <a:ea typeface="Verdana" panose="020B0604030504040204" pitchFamily="34" charset="0"/>
+              </a:rPr>
+              <a:t>Conclusion</a:t>
+            </a:r>
+          </a:p>
+        </p:txBody>
+      </p:sp>
+      <p:pic>
+        <p:nvPicPr>
+          <p:cNvPr id="15" name="Picture 14">
+            <a:extLst>
+              <a:ext uri="{FF2B5EF4-FFF2-40B4-BE49-F238E27FC236}">
+                <a16:creationId xmlns:a16="http://schemas.microsoft.com/office/drawing/2014/main" id="{59A5F746-0E95-4CB3-A1F8-8161B70AD447}"/>
+              </a:ext>
+            </a:extLst>
+          </p:cNvPr>
+          <p:cNvPicPr>
+            <a:picLocks noChangeAspect="1"/>
+          </p:cNvPicPr>
+          <p:nvPr/>
+        </p:nvPicPr>
+        <p:blipFill>
+          <a:blip r:embed="rId3"/>
+          <a:stretch>
+            <a:fillRect/>
+          </a:stretch>
+        </p:blipFill>
+        <p:spPr>
+          <a:xfrm>
+            <a:off x="261546" y="6238912"/>
+            <a:ext cx="1885714" cy="600000"/>
+          </a:xfrm>
+          <a:prstGeom prst="rect">
+            <a:avLst/>
+          </a:prstGeom>
+        </p:spPr>
+      </p:pic>
+      <p:sp>
+        <p:nvSpPr>
+          <p:cNvPr id="2" name="TextBox 1">
+            <a:extLst>
+              <a:ext uri="{FF2B5EF4-FFF2-40B4-BE49-F238E27FC236}">
+                <a16:creationId xmlns:a16="http://schemas.microsoft.com/office/drawing/2014/main" id="{3A3FD9DD-A15F-4830-AEFD-19922D0844E4}"/>
+              </a:ext>
+            </a:extLst>
+          </p:cNvPr>
+          <p:cNvSpPr txBox="1"/>
+          <p:nvPr/>
+        </p:nvSpPr>
+        <p:spPr>
+          <a:xfrm>
+            <a:off x="1016000" y="1314341"/>
+            <a:ext cx="9777047" cy="2031325"/>
+          </a:xfrm>
+          <a:prstGeom prst="rect">
+            <a:avLst/>
+          </a:prstGeom>
+          <a:noFill/>
+        </p:spPr>
+        <p:txBody>
+          <a:bodyPr wrap="square" rtlCol="0">
+            <a:spAutoFit/>
+          </a:bodyPr>
+          <a:lstStyle/>
+          <a:p>
+            <a:endParaRPr lang="en-US" dirty="0"/>
+          </a:p>
+          <a:p>
+            <a:r>
+              <a:rPr lang="en-US" b="1" dirty="0"/>
+              <a:t>How Many Sectors Are in the Stock Market?</a:t>
+            </a:r>
+          </a:p>
+          <a:p>
+            <a:r>
+              <a:rPr lang="en-US" dirty="0"/>
+              <a:t>There are 11 stock market sectors, according to the Global Industry Classification Standard, or GICS, which is an industry taxonomy developed in 1999 by MSCI and Standard &amp; Poor's. Within the entire GICS structure, there are 11 sectors, 24 industry groups, 69 industries and 158 sub-industries into which all major public companies are categorized.</a:t>
+            </a:r>
+          </a:p>
+          <a:p>
+            <a:endParaRPr lang="en-US" dirty="0"/>
+          </a:p>
+        </p:txBody>
+      </p:sp>
+      <p:sp>
+        <p:nvSpPr>
+          <p:cNvPr id="5" name="TextBox 4">
+            <a:extLst>
+              <a:ext uri="{FF2B5EF4-FFF2-40B4-BE49-F238E27FC236}">
+                <a16:creationId xmlns:a16="http://schemas.microsoft.com/office/drawing/2014/main" id="{4D016CAF-C6FE-4BE0-99DD-DB0604DE3DD0}"/>
+              </a:ext>
+            </a:extLst>
+          </p:cNvPr>
+          <p:cNvSpPr txBox="1"/>
+          <p:nvPr/>
+        </p:nvSpPr>
+        <p:spPr>
+          <a:xfrm>
+            <a:off x="1029470" y="3686935"/>
+            <a:ext cx="9280745" cy="1477328"/>
+          </a:xfrm>
+          <a:prstGeom prst="rect">
+            <a:avLst/>
+          </a:prstGeom>
+          <a:noFill/>
+        </p:spPr>
+        <p:txBody>
+          <a:bodyPr wrap="square" numCol="3" rtlCol="0">
+            <a:spAutoFit/>
+          </a:bodyPr>
+          <a:lstStyle/>
+          <a:p>
+            <a:r>
+              <a:rPr lang="en-US" b="1" dirty="0"/>
+              <a:t>The 11 stock GICS market sectors are: </a:t>
+            </a:r>
+          </a:p>
+          <a:p>
+            <a:pPr marL="342900" indent="-342900">
+              <a:buFont typeface="+mj-lt"/>
+              <a:buAutoNum type="arabicPeriod"/>
+            </a:pPr>
+            <a:r>
+              <a:rPr lang="en-US" dirty="0"/>
+              <a:t>Healthcare Sector</a:t>
+            </a:r>
+          </a:p>
+          <a:p>
+            <a:pPr marL="342900" indent="-342900">
+              <a:buFont typeface="+mj-lt"/>
+              <a:buAutoNum type="arabicPeriod"/>
+            </a:pPr>
+            <a:r>
+              <a:rPr lang="en-US" dirty="0"/>
+              <a:t>Materials Sector</a:t>
+            </a:r>
+          </a:p>
+          <a:p>
+            <a:pPr marL="342900" indent="-342900">
+              <a:buFont typeface="+mj-lt"/>
+              <a:buAutoNum type="arabicPeriod"/>
+            </a:pPr>
+            <a:r>
+              <a:rPr lang="en-US" dirty="0"/>
+              <a:t>Real Estate Sector</a:t>
+            </a:r>
+          </a:p>
+          <a:p>
+            <a:pPr marL="342900" indent="-342900">
+              <a:buFont typeface="+mj-lt"/>
+              <a:buAutoNum type="arabicPeriod"/>
+            </a:pPr>
+            <a:r>
+              <a:rPr lang="en-US" dirty="0"/>
+              <a:t>Consumer Staples Sector</a:t>
+            </a:r>
+          </a:p>
+          <a:p>
+            <a:pPr marL="342900" indent="-342900">
+              <a:buFont typeface="+mj-lt"/>
+              <a:buAutoNum type="arabicPeriod"/>
+            </a:pPr>
+            <a:r>
+              <a:rPr lang="en-US" dirty="0"/>
+              <a:t>Consumer Discretionary Sector</a:t>
+            </a:r>
+          </a:p>
+          <a:p>
+            <a:pPr marL="342900" indent="-342900">
+              <a:buFont typeface="+mj-lt"/>
+              <a:buAutoNum type="arabicPeriod"/>
+            </a:pPr>
+            <a:r>
+              <a:rPr lang="en-US" dirty="0"/>
+              <a:t>Utilities Sector</a:t>
+            </a:r>
+          </a:p>
+          <a:p>
+            <a:pPr marL="342900" indent="-342900">
+              <a:buFont typeface="+mj-lt"/>
+              <a:buAutoNum type="arabicPeriod"/>
+            </a:pPr>
+            <a:r>
+              <a:rPr lang="en-US" dirty="0"/>
+              <a:t>Energy Sector</a:t>
+            </a:r>
+          </a:p>
+          <a:p>
+            <a:pPr marL="342900" indent="-342900">
+              <a:buFont typeface="+mj-lt"/>
+              <a:buAutoNum type="arabicPeriod"/>
+            </a:pPr>
+            <a:r>
+              <a:rPr lang="en-US" dirty="0"/>
+              <a:t>Industrials Sector</a:t>
+            </a:r>
+          </a:p>
+          <a:p>
+            <a:pPr marL="342900" indent="-342900">
+              <a:buFont typeface="+mj-lt"/>
+              <a:buAutoNum type="arabicPeriod"/>
+            </a:pPr>
+            <a:r>
+              <a:rPr lang="en-US" dirty="0"/>
+              <a:t>Consumer Services Sector</a:t>
+            </a:r>
+          </a:p>
+          <a:p>
+            <a:pPr marL="342900" indent="-342900">
+              <a:buFont typeface="+mj-lt"/>
+              <a:buAutoNum type="arabicPeriod"/>
+            </a:pPr>
+            <a:r>
+              <a:rPr lang="en-US" dirty="0"/>
+              <a:t>Financials Sector</a:t>
+            </a:r>
+          </a:p>
+          <a:p>
+            <a:pPr marL="342900" indent="-342900">
+              <a:buFont typeface="+mj-lt"/>
+              <a:buAutoNum type="arabicPeriod"/>
+            </a:pPr>
+            <a:r>
+              <a:rPr lang="en-US" dirty="0"/>
+              <a:t>Technology Sector</a:t>
+            </a:r>
+          </a:p>
+          <a:p>
+            <a:endParaRPr lang="en-US" dirty="0"/>
+          </a:p>
+        </p:txBody>
+      </p:sp>
+    </p:spTree>
+    <p:extLst>
+      <p:ext uri="{BB962C8B-B14F-4D97-AF65-F5344CB8AC3E}">
+        <p14:creationId xmlns:p14="http://schemas.microsoft.com/office/powerpoint/2010/main" val="1992080985"/>
+      </p:ext>
+    </p:extLst>
+  </p:cSld>
+  <p:clrMapOvr>
+    <a:masterClrMapping/>
+  </p:clrMapOvr>
+</p:sld>
+</file>
+
+<file path=ppt/slides/slide6.xml><?xml version="1.0" encoding="utf-8"?>
+<p:sld xmlns:a="http://schemas.openxmlformats.org/drawingml/2006/main" xmlns:r="http://schemas.openxmlformats.org/officeDocument/2006/relationships" xmlns:p="http://schemas.openxmlformats.org/presentationml/2006/main">
+  <p:cSld>
+    <p:spTree>
+      <p:nvGrpSpPr>
+        <p:cNvPr id="1" name=""/>
+        <p:cNvGrpSpPr/>
+        <p:nvPr/>
+      </p:nvGrpSpPr>
+      <p:grpSpPr>
+        <a:xfrm>
+          <a:off x="0" y="0"/>
+          <a:ext cx="0" cy="0"/>
+          <a:chOff x="0" y="0"/>
+          <a:chExt cx="0" cy="0"/>
+        </a:xfrm>
+      </p:grpSpPr>
+      <p:sp>
+        <p:nvSpPr>
+          <p:cNvPr id="76" name="Title 1">
+            <a:extLst>
+              <a:ext uri="{FF2B5EF4-FFF2-40B4-BE49-F238E27FC236}">
+                <a16:creationId xmlns:a16="http://schemas.microsoft.com/office/drawing/2014/main" id="{77C709C5-536F-43E0-8949-0992532DEB8C}"/>
+              </a:ext>
+            </a:extLst>
+          </p:cNvPr>
+          <p:cNvSpPr>
+            <a:spLocks noGrp="1"/>
+          </p:cNvSpPr>
+          <p:nvPr>
+            <p:ph type="title"/>
+          </p:nvPr>
+        </p:nvSpPr>
+        <p:spPr>
+          <a:xfrm>
+            <a:off x="412043" y="480988"/>
+            <a:ext cx="10515600" cy="817723"/>
+          </a:xfrm>
+        </p:spPr>
+        <p:txBody>
+          <a:bodyPr>
+            <a:normAutofit/>
+          </a:bodyPr>
+          <a:lstStyle/>
+          <a:p>
+            <a:r>
+              <a:rPr lang="en-US" sz="2400" b="1" dirty="0">
+                <a:solidFill>
+                  <a:srgbClr val="9E2946"/>
+                </a:solidFill>
+                <a:latin typeface="Verdana" panose="020B0604030504040204" pitchFamily="34" charset="0"/>
+                <a:ea typeface="Verdana" panose="020B0604030504040204" pitchFamily="34" charset="0"/>
+              </a:rPr>
+              <a:t>Existing Application Architecture</a:t>
+            </a:r>
+          </a:p>
+        </p:txBody>
+      </p:sp>
+      <p:sp>
+        <p:nvSpPr>
+          <p:cNvPr id="3" name="Slide Number Placeholder 2">
+            <a:extLst>
+              <a:ext uri="{FF2B5EF4-FFF2-40B4-BE49-F238E27FC236}">
+                <a16:creationId xmlns:a16="http://schemas.microsoft.com/office/drawing/2014/main" id="{26DF549E-0929-4558-B72A-C49F4959F13A}"/>
+              </a:ext>
+            </a:extLst>
+          </p:cNvPr>
+          <p:cNvSpPr>
+            <a:spLocks noGrp="1"/>
+          </p:cNvSpPr>
+          <p:nvPr>
+            <p:ph type="sldNum" sz="quarter" idx="12"/>
+          </p:nvPr>
+        </p:nvSpPr>
+        <p:spPr/>
+        <p:txBody>
+          <a:bodyPr/>
+          <a:lstStyle/>
+          <a:p>
+            <a:fld id="{CE94D1BC-D86E-4D7F-8F02-7A51C792EE04}" type="slidenum">
+              <a:rPr lang="en-US" smtClean="0"/>
+              <a:t>6</a:t>
             </a:fld>
             <a:endParaRPr lang="en-US"/>
           </a:p>
@@ -7816,7 +11270,7 @@
 </p:sld>
 </file>
 
-<file path=ppt/slides/slide5.xml><?xml version="1.0" encoding="utf-8"?>
+<file path=ppt/slides/slide7.xml><?xml version="1.0" encoding="utf-8"?>
 <p:sld xmlns:a="http://schemas.openxmlformats.org/drawingml/2006/main" xmlns:r="http://schemas.openxmlformats.org/officeDocument/2006/relationships" xmlns:p="http://schemas.openxmlformats.org/presentationml/2006/main">
   <p:cSld>
     <p:spTree>
@@ -7897,7 +11351,7 @@
           <a:p>
             <a:fld id="{CE94D1BC-D86E-4D7F-8F02-7A51C792EE04}" type="slidenum">
               <a:rPr lang="en-US" smtClean="0"/>
-              <a:t>5</a:t>
+              <a:t>7</a:t>
             </a:fld>
             <a:endParaRPr lang="en-US"/>
           </a:p>
@@ -11135,7 +14589,7 @@
 </p:sld>
 </file>
 
-<file path=ppt/slides/slide6.xml><?xml version="1.0" encoding="utf-8"?>
+<file path=ppt/slides/slide8.xml><?xml version="1.0" encoding="utf-8"?>
 <p:sld xmlns:a="http://schemas.openxmlformats.org/drawingml/2006/main" xmlns:r="http://schemas.openxmlformats.org/officeDocument/2006/relationships" xmlns:p="http://schemas.openxmlformats.org/presentationml/2006/main">
   <p:cSld>
     <p:spTree>
@@ -11175,7 +14629,7 @@
           <a:p>
             <a:fld id="{CE94D1BC-D86E-4D7F-8F02-7A51C792EE04}" type="slidenum">
               <a:rPr lang="en-US" smtClean="0"/>
-              <a:t>6</a:t>
+              <a:t>8</a:t>
             </a:fld>
             <a:endParaRPr lang="en-US"/>
           </a:p>
@@ -14130,7 +17584,7 @@
 </p:sld>
 </file>
 
-<file path=ppt/slides/slide7.xml><?xml version="1.0" encoding="utf-8"?>
+<file path=ppt/slides/slide9.xml><?xml version="1.0" encoding="utf-8"?>
 <p:sld xmlns:a="http://schemas.openxmlformats.org/drawingml/2006/main" xmlns:r="http://schemas.openxmlformats.org/officeDocument/2006/relationships" xmlns:p="http://schemas.openxmlformats.org/presentationml/2006/main">
   <p:cSld>
     <p:spTree>
@@ -14217,7 +17671,7 @@
           <a:p>
             <a:fld id="{CE94D1BC-D86E-4D7F-8F02-7A51C792EE04}" type="slidenum">
               <a:rPr lang="en-US" smtClean="0"/>
-              <a:t>7</a:t>
+              <a:t>9</a:t>
             </a:fld>
             <a:endParaRPr lang="en-US"/>
           </a:p>
@@ -15467,1997 +18921,6 @@
     <p:extLst>
       <p:ext uri="{BB962C8B-B14F-4D97-AF65-F5344CB8AC3E}">
         <p14:creationId xmlns:p14="http://schemas.microsoft.com/office/powerpoint/2010/main" val="4025291405"/>
-      </p:ext>
-    </p:extLst>
-  </p:cSld>
-  <p:clrMapOvr>
-    <a:masterClrMapping/>
-  </p:clrMapOvr>
-</p:sld>
-</file>
-
-<file path=ppt/slides/slide8.xml><?xml version="1.0" encoding="utf-8"?>
-<p:sld xmlns:a="http://schemas.openxmlformats.org/drawingml/2006/main" xmlns:r="http://schemas.openxmlformats.org/officeDocument/2006/relationships" xmlns:p="http://schemas.openxmlformats.org/presentationml/2006/main">
-  <p:cSld>
-    <p:spTree>
-      <p:nvGrpSpPr>
-        <p:cNvPr id="1" name=""/>
-        <p:cNvGrpSpPr/>
-        <p:nvPr/>
-      </p:nvGrpSpPr>
-      <p:grpSpPr>
-        <a:xfrm>
-          <a:off x="0" y="0"/>
-          <a:ext cx="0" cy="0"/>
-          <a:chOff x="0" y="0"/>
-          <a:chExt cx="0" cy="0"/>
-        </a:xfrm>
-      </p:grpSpPr>
-      <p:sp>
-        <p:nvSpPr>
-          <p:cNvPr id="76" name="Title 1">
-            <a:extLst>
-              <a:ext uri="{FF2B5EF4-FFF2-40B4-BE49-F238E27FC236}">
-                <a16:creationId xmlns:a16="http://schemas.microsoft.com/office/drawing/2014/main" id="{77C709C5-536F-43E0-8949-0992532DEB8C}"/>
-              </a:ext>
-            </a:extLst>
-          </p:cNvPr>
-          <p:cNvSpPr>
-            <a:spLocks noGrp="1"/>
-          </p:cNvSpPr>
-          <p:nvPr>
-            <p:ph type="title"/>
-          </p:nvPr>
-        </p:nvSpPr>
-        <p:spPr>
-          <a:xfrm>
-            <a:off x="-227150" y="392211"/>
-            <a:ext cx="10515600" cy="817723"/>
-          </a:xfrm>
-        </p:spPr>
-        <p:txBody>
-          <a:bodyPr>
-            <a:normAutofit/>
-          </a:bodyPr>
-          <a:lstStyle/>
-          <a:p>
-            <a:pPr marL="457200" lvl="1">
-              <a:lnSpc>
-                <a:spcPct val="150000"/>
-              </a:lnSpc>
-            </a:pPr>
-            <a:r>
-              <a:rPr lang="en-US" sz="2400" b="1" kern="1200" dirty="0">
-                <a:solidFill>
-                  <a:srgbClr val="9E2946"/>
-                </a:solidFill>
-                <a:latin typeface="Verdana" panose="020B0604030504040204" pitchFamily="34" charset="0"/>
-                <a:ea typeface="Verdana" panose="020B0604030504040204" pitchFamily="34" charset="0"/>
-                <a:cs typeface="+mj-cs"/>
-              </a:rPr>
-              <a:t>Data Mining Techniques</a:t>
-            </a:r>
-          </a:p>
-        </p:txBody>
-      </p:sp>
-      <p:sp>
-        <p:nvSpPr>
-          <p:cNvPr id="3" name="Slide Number Placeholder 2">
-            <a:extLst>
-              <a:ext uri="{FF2B5EF4-FFF2-40B4-BE49-F238E27FC236}">
-                <a16:creationId xmlns:a16="http://schemas.microsoft.com/office/drawing/2014/main" id="{26DF549E-0929-4558-B72A-C49F4959F13A}"/>
-              </a:ext>
-            </a:extLst>
-          </p:cNvPr>
-          <p:cNvSpPr>
-            <a:spLocks noGrp="1"/>
-          </p:cNvSpPr>
-          <p:nvPr>
-            <p:ph type="sldNum" sz="quarter" idx="12"/>
-          </p:nvPr>
-        </p:nvSpPr>
-        <p:spPr/>
-        <p:txBody>
-          <a:bodyPr/>
-          <a:lstStyle/>
-          <a:p>
-            <a:fld id="{CE94D1BC-D86E-4D7F-8F02-7A51C792EE04}" type="slidenum">
-              <a:rPr lang="en-US" smtClean="0"/>
-              <a:t>8</a:t>
-            </a:fld>
-            <a:endParaRPr lang="en-US"/>
-          </a:p>
-        </p:txBody>
-      </p:sp>
-      <p:sp>
-        <p:nvSpPr>
-          <p:cNvPr id="8" name="Rectangle: Rounded Corners 7">
-            <a:extLst>
-              <a:ext uri="{FF2B5EF4-FFF2-40B4-BE49-F238E27FC236}">
-                <a16:creationId xmlns:a16="http://schemas.microsoft.com/office/drawing/2014/main" id="{A94466D1-B61C-4EF1-908E-89E940596724}"/>
-              </a:ext>
-            </a:extLst>
-          </p:cNvPr>
-          <p:cNvSpPr/>
-          <p:nvPr/>
-        </p:nvSpPr>
-        <p:spPr>
-          <a:xfrm>
-            <a:off x="4775911" y="285726"/>
-            <a:ext cx="1352550" cy="390525"/>
-          </a:xfrm>
-          <a:prstGeom prst="roundRect">
-            <a:avLst/>
-          </a:prstGeom>
-          <a:solidFill>
-            <a:schemeClr val="bg1">
-              <a:lumMod val="75000"/>
-            </a:schemeClr>
-          </a:solidFill>
-          <a:ln>
-            <a:noFill/>
-          </a:ln>
-        </p:spPr>
-        <p:style>
-          <a:lnRef idx="2">
-            <a:schemeClr val="accent1">
-              <a:shade val="50000"/>
-            </a:schemeClr>
-          </a:lnRef>
-          <a:fillRef idx="1">
-            <a:schemeClr val="accent1"/>
-          </a:fillRef>
-          <a:effectRef idx="0">
-            <a:schemeClr val="accent1"/>
-          </a:effectRef>
-          <a:fontRef idx="minor">
-            <a:schemeClr val="lt1"/>
-          </a:fontRef>
-        </p:style>
-        <p:txBody>
-          <a:bodyPr rtlCol="0" anchor="ctr"/>
-          <a:lstStyle/>
-          <a:p>
-            <a:pPr algn="ctr"/>
-            <a:r>
-              <a:rPr lang="en-US" sz="1000" dirty="0">
-                <a:latin typeface="Verdana" panose="020B0604030504040204" pitchFamily="34" charset="0"/>
-                <a:ea typeface="Verdana" panose="020B0604030504040204" pitchFamily="34" charset="0"/>
-              </a:rPr>
-              <a:t>Background</a:t>
-            </a:r>
-          </a:p>
-        </p:txBody>
-      </p:sp>
-      <p:sp>
-        <p:nvSpPr>
-          <p:cNvPr id="10" name="Rectangle: Rounded Corners 9">
-            <a:extLst>
-              <a:ext uri="{FF2B5EF4-FFF2-40B4-BE49-F238E27FC236}">
-                <a16:creationId xmlns:a16="http://schemas.microsoft.com/office/drawing/2014/main" id="{D0CF06AE-5C66-40BE-AF92-C9254A0C3FD7}"/>
-              </a:ext>
-            </a:extLst>
-          </p:cNvPr>
-          <p:cNvSpPr/>
-          <p:nvPr/>
-        </p:nvSpPr>
-        <p:spPr>
-          <a:xfrm>
-            <a:off x="6188785" y="285727"/>
-            <a:ext cx="1352550" cy="390525"/>
-          </a:xfrm>
-          <a:prstGeom prst="roundRect">
-            <a:avLst/>
-          </a:prstGeom>
-          <a:solidFill>
-            <a:schemeClr val="bg1">
-              <a:lumMod val="75000"/>
-            </a:schemeClr>
-          </a:solidFill>
-          <a:ln>
-            <a:noFill/>
-          </a:ln>
-        </p:spPr>
-        <p:style>
-          <a:lnRef idx="2">
-            <a:schemeClr val="accent1">
-              <a:shade val="50000"/>
-            </a:schemeClr>
-          </a:lnRef>
-          <a:fillRef idx="1">
-            <a:schemeClr val="accent1"/>
-          </a:fillRef>
-          <a:effectRef idx="0">
-            <a:schemeClr val="accent1"/>
-          </a:effectRef>
-          <a:fontRef idx="minor">
-            <a:schemeClr val="lt1"/>
-          </a:fontRef>
-        </p:style>
-        <p:txBody>
-          <a:bodyPr rtlCol="0" anchor="ctr"/>
-          <a:lstStyle/>
-          <a:p>
-            <a:pPr algn="ctr"/>
-            <a:r>
-              <a:rPr lang="en-US" sz="1000" dirty="0">
-                <a:latin typeface="Verdana" panose="020B0604030504040204" pitchFamily="34" charset="0"/>
-                <a:ea typeface="Verdana" panose="020B0604030504040204" pitchFamily="34" charset="0"/>
-              </a:rPr>
-              <a:t>Architecture</a:t>
-            </a:r>
-          </a:p>
-        </p:txBody>
-      </p:sp>
-      <p:sp>
-        <p:nvSpPr>
-          <p:cNvPr id="11" name="Rectangle: Rounded Corners 10">
-            <a:extLst>
-              <a:ext uri="{FF2B5EF4-FFF2-40B4-BE49-F238E27FC236}">
-                <a16:creationId xmlns:a16="http://schemas.microsoft.com/office/drawing/2014/main" id="{9B2AA2F4-54FD-4548-A211-ABBC31F90EE6}"/>
-              </a:ext>
-            </a:extLst>
-          </p:cNvPr>
-          <p:cNvSpPr/>
-          <p:nvPr/>
-        </p:nvSpPr>
-        <p:spPr>
-          <a:xfrm>
-            <a:off x="7601659" y="285726"/>
-            <a:ext cx="1352550" cy="390525"/>
-          </a:xfrm>
-          <a:prstGeom prst="roundRect">
-            <a:avLst/>
-          </a:prstGeom>
-          <a:solidFill>
-            <a:srgbClr val="9E2946"/>
-          </a:solidFill>
-          <a:ln>
-            <a:noFill/>
-          </a:ln>
-        </p:spPr>
-        <p:style>
-          <a:lnRef idx="2">
-            <a:schemeClr val="accent1">
-              <a:shade val="50000"/>
-            </a:schemeClr>
-          </a:lnRef>
-          <a:fillRef idx="1">
-            <a:schemeClr val="accent1"/>
-          </a:fillRef>
-          <a:effectRef idx="0">
-            <a:schemeClr val="accent1"/>
-          </a:effectRef>
-          <a:fontRef idx="minor">
-            <a:schemeClr val="lt1"/>
-          </a:fontRef>
-        </p:style>
-        <p:txBody>
-          <a:bodyPr rtlCol="0" anchor="ctr"/>
-          <a:lstStyle/>
-          <a:p>
-            <a:pPr algn="ctr"/>
-            <a:r>
-              <a:rPr lang="en-US" sz="1000" dirty="0">
-                <a:latin typeface="Verdana" panose="020B0604030504040204" pitchFamily="34" charset="0"/>
-                <a:ea typeface="Verdana" panose="020B0604030504040204" pitchFamily="34" charset="0"/>
-              </a:rPr>
-              <a:t>Methodology</a:t>
-            </a:r>
-          </a:p>
-        </p:txBody>
-      </p:sp>
-      <p:sp>
-        <p:nvSpPr>
-          <p:cNvPr id="12" name="Rectangle: Rounded Corners 11">
-            <a:extLst>
-              <a:ext uri="{FF2B5EF4-FFF2-40B4-BE49-F238E27FC236}">
-                <a16:creationId xmlns:a16="http://schemas.microsoft.com/office/drawing/2014/main" id="{E7FD3417-382B-42E9-8B4D-A235C22130CA}"/>
-              </a:ext>
-            </a:extLst>
-          </p:cNvPr>
-          <p:cNvSpPr/>
-          <p:nvPr/>
-        </p:nvSpPr>
-        <p:spPr>
-          <a:xfrm>
-            <a:off x="9014533" y="285726"/>
-            <a:ext cx="1352550" cy="390525"/>
-          </a:xfrm>
-          <a:prstGeom prst="roundRect">
-            <a:avLst/>
-          </a:prstGeom>
-          <a:solidFill>
-            <a:schemeClr val="bg1">
-              <a:lumMod val="75000"/>
-            </a:schemeClr>
-          </a:solidFill>
-          <a:ln>
-            <a:noFill/>
-          </a:ln>
-        </p:spPr>
-        <p:style>
-          <a:lnRef idx="2">
-            <a:schemeClr val="accent1">
-              <a:shade val="50000"/>
-            </a:schemeClr>
-          </a:lnRef>
-          <a:fillRef idx="1">
-            <a:schemeClr val="accent1"/>
-          </a:fillRef>
-          <a:effectRef idx="0">
-            <a:schemeClr val="accent1"/>
-          </a:effectRef>
-          <a:fontRef idx="minor">
-            <a:schemeClr val="lt1"/>
-          </a:fontRef>
-        </p:style>
-        <p:txBody>
-          <a:bodyPr rtlCol="0" anchor="ctr"/>
-          <a:lstStyle/>
-          <a:p>
-            <a:pPr algn="ctr"/>
-            <a:r>
-              <a:rPr lang="en-US" sz="1000" dirty="0">
-                <a:latin typeface="Verdana" panose="020B0604030504040204" pitchFamily="34" charset="0"/>
-                <a:ea typeface="Verdana" panose="020B0604030504040204" pitchFamily="34" charset="0"/>
-              </a:rPr>
-              <a:t>Application</a:t>
-            </a:r>
-          </a:p>
-        </p:txBody>
-      </p:sp>
-      <p:sp>
-        <p:nvSpPr>
-          <p:cNvPr id="14" name="Rectangle: Rounded Corners 13">
-            <a:extLst>
-              <a:ext uri="{FF2B5EF4-FFF2-40B4-BE49-F238E27FC236}">
-                <a16:creationId xmlns:a16="http://schemas.microsoft.com/office/drawing/2014/main" id="{66AC8B29-1893-4A94-9715-56E1E25E3B7A}"/>
-              </a:ext>
-            </a:extLst>
-          </p:cNvPr>
-          <p:cNvSpPr/>
-          <p:nvPr/>
-        </p:nvSpPr>
-        <p:spPr>
-          <a:xfrm>
-            <a:off x="10427407" y="285726"/>
-            <a:ext cx="1352550" cy="390525"/>
-          </a:xfrm>
-          <a:prstGeom prst="roundRect">
-            <a:avLst/>
-          </a:prstGeom>
-          <a:solidFill>
-            <a:schemeClr val="bg1">
-              <a:lumMod val="75000"/>
-            </a:schemeClr>
-          </a:solidFill>
-          <a:ln>
-            <a:noFill/>
-          </a:ln>
-        </p:spPr>
-        <p:style>
-          <a:lnRef idx="2">
-            <a:schemeClr val="accent1">
-              <a:shade val="50000"/>
-            </a:schemeClr>
-          </a:lnRef>
-          <a:fillRef idx="1">
-            <a:schemeClr val="accent1"/>
-          </a:fillRef>
-          <a:effectRef idx="0">
-            <a:schemeClr val="accent1"/>
-          </a:effectRef>
-          <a:fontRef idx="minor">
-            <a:schemeClr val="lt1"/>
-          </a:fontRef>
-        </p:style>
-        <p:txBody>
-          <a:bodyPr rtlCol="0" anchor="ctr"/>
-          <a:lstStyle/>
-          <a:p>
-            <a:pPr algn="ctr"/>
-            <a:r>
-              <a:rPr lang="en-US" sz="1000" dirty="0">
-                <a:latin typeface="Verdana" panose="020B0604030504040204" pitchFamily="34" charset="0"/>
-                <a:ea typeface="Verdana" panose="020B0604030504040204" pitchFamily="34" charset="0"/>
-              </a:rPr>
-              <a:t>Conclusion</a:t>
-            </a:r>
-          </a:p>
-        </p:txBody>
-      </p:sp>
-      <p:pic>
-        <p:nvPicPr>
-          <p:cNvPr id="15" name="Picture 14">
-            <a:extLst>
-              <a:ext uri="{FF2B5EF4-FFF2-40B4-BE49-F238E27FC236}">
-                <a16:creationId xmlns:a16="http://schemas.microsoft.com/office/drawing/2014/main" id="{59A5F746-0E95-4CB3-A1F8-8161B70AD447}"/>
-              </a:ext>
-            </a:extLst>
-          </p:cNvPr>
-          <p:cNvPicPr>
-            <a:picLocks noChangeAspect="1"/>
-          </p:cNvPicPr>
-          <p:nvPr/>
-        </p:nvPicPr>
-        <p:blipFill>
-          <a:blip r:embed="rId3"/>
-          <a:stretch>
-            <a:fillRect/>
-          </a:stretch>
-        </p:blipFill>
-        <p:spPr>
-          <a:xfrm>
-            <a:off x="261546" y="6238912"/>
-            <a:ext cx="1885714" cy="600000"/>
-          </a:xfrm>
-          <a:prstGeom prst="rect">
-            <a:avLst/>
-          </a:prstGeom>
-        </p:spPr>
-      </p:pic>
-      <p:sp>
-        <p:nvSpPr>
-          <p:cNvPr id="13" name="Subtitle 2">
-            <a:extLst>
-              <a:ext uri="{FF2B5EF4-FFF2-40B4-BE49-F238E27FC236}">
-                <a16:creationId xmlns:a16="http://schemas.microsoft.com/office/drawing/2014/main" id="{C1689B62-8D24-4BB5-BCEE-3B54AEAC8471}"/>
-              </a:ext>
-            </a:extLst>
-          </p:cNvPr>
-          <p:cNvSpPr txBox="1">
-            <a:spLocks/>
-          </p:cNvSpPr>
-          <p:nvPr/>
-        </p:nvSpPr>
-        <p:spPr>
-          <a:xfrm>
-            <a:off x="538578" y="1806712"/>
-            <a:ext cx="11100047" cy="3952859"/>
-          </a:xfrm>
-          <a:prstGeom prst="rect">
-            <a:avLst/>
-          </a:prstGeom>
-        </p:spPr>
-        <p:txBody>
-          <a:bodyPr vert="horz" lIns="91440" tIns="45720" rIns="91440" bIns="45720" rtlCol="0">
-            <a:normAutofit/>
-          </a:bodyPr>
-          <a:lstStyle>
-            <a:lvl1pPr marL="228600" indent="-228600" algn="l" defTabSz="914400" rtl="0" eaLnBrk="1" latinLnBrk="0" hangingPunct="1">
-              <a:lnSpc>
-                <a:spcPct val="90000"/>
-              </a:lnSpc>
-              <a:spcBef>
-                <a:spcPts val="1000"/>
-              </a:spcBef>
-              <a:buFont typeface="Arial" panose="020B0604020202020204" pitchFamily="34" charset="0"/>
-              <a:buChar char="•"/>
-              <a:defRPr sz="2800" kern="1200">
-                <a:solidFill>
-                  <a:schemeClr val="tx1"/>
-                </a:solidFill>
-                <a:latin typeface="+mn-lt"/>
-                <a:ea typeface="+mn-ea"/>
-                <a:cs typeface="+mn-cs"/>
-              </a:defRPr>
-            </a:lvl1pPr>
-            <a:lvl2pPr marL="685800" indent="-228600" algn="l" defTabSz="914400" rtl="0" eaLnBrk="1" latinLnBrk="0" hangingPunct="1">
-              <a:lnSpc>
-                <a:spcPct val="90000"/>
-              </a:lnSpc>
-              <a:spcBef>
-                <a:spcPts val="500"/>
-              </a:spcBef>
-              <a:buFont typeface="Arial" panose="020B0604020202020204" pitchFamily="34" charset="0"/>
-              <a:buChar char="•"/>
-              <a:defRPr sz="2400" kern="1200">
-                <a:solidFill>
-                  <a:schemeClr val="tx1"/>
-                </a:solidFill>
-                <a:latin typeface="+mn-lt"/>
-                <a:ea typeface="+mn-ea"/>
-                <a:cs typeface="+mn-cs"/>
-              </a:defRPr>
-            </a:lvl2pPr>
-            <a:lvl3pPr marL="1143000" indent="-228600" algn="l" defTabSz="914400" rtl="0" eaLnBrk="1" latinLnBrk="0" hangingPunct="1">
-              <a:lnSpc>
-                <a:spcPct val="90000"/>
-              </a:lnSpc>
-              <a:spcBef>
-                <a:spcPts val="500"/>
-              </a:spcBef>
-              <a:buFont typeface="Arial" panose="020B0604020202020204" pitchFamily="34" charset="0"/>
-              <a:buChar char="•"/>
-              <a:defRPr sz="2000" kern="1200">
-                <a:solidFill>
-                  <a:schemeClr val="tx1"/>
-                </a:solidFill>
-                <a:latin typeface="+mn-lt"/>
-                <a:ea typeface="+mn-ea"/>
-                <a:cs typeface="+mn-cs"/>
-              </a:defRPr>
-            </a:lvl3pPr>
-            <a:lvl4pPr marL="1600200" indent="-228600" algn="l" defTabSz="914400" rtl="0" eaLnBrk="1" latinLnBrk="0" hangingPunct="1">
-              <a:lnSpc>
-                <a:spcPct val="90000"/>
-              </a:lnSpc>
-              <a:spcBef>
-                <a:spcPts val="500"/>
-              </a:spcBef>
-              <a:buFont typeface="Arial" panose="020B0604020202020204" pitchFamily="34" charset="0"/>
-              <a:buChar char="•"/>
-              <a:defRPr sz="1800" kern="1200">
-                <a:solidFill>
-                  <a:schemeClr val="tx1"/>
-                </a:solidFill>
-                <a:latin typeface="+mn-lt"/>
-                <a:ea typeface="+mn-ea"/>
-                <a:cs typeface="+mn-cs"/>
-              </a:defRPr>
-            </a:lvl4pPr>
-            <a:lvl5pPr marL="2057400" indent="-228600" algn="l" defTabSz="914400" rtl="0" eaLnBrk="1" latinLnBrk="0" hangingPunct="1">
-              <a:lnSpc>
-                <a:spcPct val="90000"/>
-              </a:lnSpc>
-              <a:spcBef>
-                <a:spcPts val="500"/>
-              </a:spcBef>
-              <a:buFont typeface="Arial" panose="020B0604020202020204" pitchFamily="34" charset="0"/>
-              <a:buChar char="•"/>
-              <a:defRPr sz="1800" kern="1200">
-                <a:solidFill>
-                  <a:schemeClr val="tx1"/>
-                </a:solidFill>
-                <a:latin typeface="+mn-lt"/>
-                <a:ea typeface="+mn-ea"/>
-                <a:cs typeface="+mn-cs"/>
-              </a:defRPr>
-            </a:lvl5pPr>
-            <a:lvl6pPr marL="2514600" indent="-228600" algn="l" defTabSz="914400" rtl="0" eaLnBrk="1" latinLnBrk="0" hangingPunct="1">
-              <a:lnSpc>
-                <a:spcPct val="90000"/>
-              </a:lnSpc>
-              <a:spcBef>
-                <a:spcPts val="500"/>
-              </a:spcBef>
-              <a:buFont typeface="Arial" panose="020B0604020202020204" pitchFamily="34" charset="0"/>
-              <a:buChar char="•"/>
-              <a:defRPr sz="1800" kern="1200">
-                <a:solidFill>
-                  <a:schemeClr val="tx1"/>
-                </a:solidFill>
-                <a:latin typeface="+mn-lt"/>
-                <a:ea typeface="+mn-ea"/>
-                <a:cs typeface="+mn-cs"/>
-              </a:defRPr>
-            </a:lvl6pPr>
-            <a:lvl7pPr marL="2971800" indent="-228600" algn="l" defTabSz="914400" rtl="0" eaLnBrk="1" latinLnBrk="0" hangingPunct="1">
-              <a:lnSpc>
-                <a:spcPct val="90000"/>
-              </a:lnSpc>
-              <a:spcBef>
-                <a:spcPts val="500"/>
-              </a:spcBef>
-              <a:buFont typeface="Arial" panose="020B0604020202020204" pitchFamily="34" charset="0"/>
-              <a:buChar char="•"/>
-              <a:defRPr sz="1800" kern="1200">
-                <a:solidFill>
-                  <a:schemeClr val="tx1"/>
-                </a:solidFill>
-                <a:latin typeface="+mn-lt"/>
-                <a:ea typeface="+mn-ea"/>
-                <a:cs typeface="+mn-cs"/>
-              </a:defRPr>
-            </a:lvl7pPr>
-            <a:lvl8pPr marL="3429000" indent="-228600" algn="l" defTabSz="914400" rtl="0" eaLnBrk="1" latinLnBrk="0" hangingPunct="1">
-              <a:lnSpc>
-                <a:spcPct val="90000"/>
-              </a:lnSpc>
-              <a:spcBef>
-                <a:spcPts val="500"/>
-              </a:spcBef>
-              <a:buFont typeface="Arial" panose="020B0604020202020204" pitchFamily="34" charset="0"/>
-              <a:buChar char="•"/>
-              <a:defRPr sz="1800" kern="1200">
-                <a:solidFill>
-                  <a:schemeClr val="tx1"/>
-                </a:solidFill>
-                <a:latin typeface="+mn-lt"/>
-                <a:ea typeface="+mn-ea"/>
-                <a:cs typeface="+mn-cs"/>
-              </a:defRPr>
-            </a:lvl8pPr>
-            <a:lvl9pPr marL="3886200" indent="-228600" algn="l" defTabSz="914400" rtl="0" eaLnBrk="1" latinLnBrk="0" hangingPunct="1">
-              <a:lnSpc>
-                <a:spcPct val="90000"/>
-              </a:lnSpc>
-              <a:spcBef>
-                <a:spcPts val="500"/>
-              </a:spcBef>
-              <a:buFont typeface="Arial" panose="020B0604020202020204" pitchFamily="34" charset="0"/>
-              <a:buChar char="•"/>
-              <a:defRPr sz="1800" kern="1200">
-                <a:solidFill>
-                  <a:schemeClr val="tx1"/>
-                </a:solidFill>
-                <a:latin typeface="+mn-lt"/>
-                <a:ea typeface="+mn-ea"/>
-                <a:cs typeface="+mn-cs"/>
-              </a:defRPr>
-            </a:lvl9pPr>
-          </a:lstStyle>
-          <a:p>
-            <a:pPr lvl="1" algn="just"/>
-            <a:r>
-              <a:rPr lang="en-US" sz="1400" dirty="0">
-                <a:solidFill>
-                  <a:srgbClr val="374151"/>
-                </a:solidFill>
-                <a:latin typeface="Verdana" panose="020B0604030504040204" pitchFamily="34" charset="0"/>
-                <a:ea typeface="Verdana" panose="020B0604030504040204" pitchFamily="34" charset="0"/>
-              </a:rPr>
-              <a:t>Word Embeddings: This approach represents each word in a sentence as a vector in a high-dimensional space, where words that have similar meanings are closer together. The sentence is then represented as a vector that is the sum or average of the word vectors in the sentence.</a:t>
-            </a:r>
-          </a:p>
-          <a:p>
-            <a:pPr lvl="1" algn="just"/>
-            <a:endParaRPr lang="en-US" sz="1600" dirty="0">
-              <a:solidFill>
-                <a:srgbClr val="374151"/>
-              </a:solidFill>
-              <a:latin typeface="Verdana" panose="020B0604030504040204" pitchFamily="34" charset="0"/>
-              <a:ea typeface="Verdana" panose="020B0604030504040204" pitchFamily="34" charset="0"/>
-            </a:endParaRPr>
-          </a:p>
-          <a:p>
-            <a:pPr lvl="1" algn="just"/>
-            <a:endParaRPr lang="en-US" sz="1600" dirty="0">
-              <a:solidFill>
-                <a:srgbClr val="374151"/>
-              </a:solidFill>
-              <a:latin typeface="Verdana" panose="020B0604030504040204" pitchFamily="34" charset="0"/>
-              <a:ea typeface="Verdana" panose="020B0604030504040204" pitchFamily="34" charset="0"/>
-            </a:endParaRPr>
-          </a:p>
-          <a:p>
-            <a:pPr marL="457200" lvl="1" indent="0" algn="just">
-              <a:buNone/>
-            </a:pPr>
-            <a:endParaRPr lang="en-US" sz="1600" dirty="0">
-              <a:solidFill>
-                <a:srgbClr val="374151"/>
-              </a:solidFill>
-              <a:latin typeface="Verdana" panose="020B0604030504040204" pitchFamily="34" charset="0"/>
-              <a:ea typeface="Verdana" panose="020B0604030504040204" pitchFamily="34" charset="0"/>
-            </a:endParaRPr>
-          </a:p>
-          <a:p>
-            <a:pPr lvl="1" algn="just"/>
-            <a:endParaRPr lang="en-US" sz="1600" dirty="0">
-              <a:solidFill>
-                <a:srgbClr val="374151"/>
-              </a:solidFill>
-              <a:latin typeface="Verdana" panose="020B0604030504040204" pitchFamily="34" charset="0"/>
-              <a:ea typeface="Verdana" panose="020B0604030504040204" pitchFamily="34" charset="0"/>
-            </a:endParaRPr>
-          </a:p>
-          <a:p>
-            <a:pPr lvl="1" algn="just"/>
-            <a:endParaRPr lang="en-US" sz="1600" dirty="0">
-              <a:solidFill>
-                <a:srgbClr val="374151"/>
-              </a:solidFill>
-              <a:latin typeface="Verdana" panose="020B0604030504040204" pitchFamily="34" charset="0"/>
-              <a:ea typeface="Verdana" panose="020B0604030504040204" pitchFamily="34" charset="0"/>
-            </a:endParaRPr>
-          </a:p>
-          <a:p>
-            <a:pPr marL="457200" lvl="1" indent="0" algn="just">
-              <a:buNone/>
-            </a:pPr>
-            <a:endParaRPr lang="en-US" sz="1600" dirty="0">
-              <a:solidFill>
-                <a:srgbClr val="374151"/>
-              </a:solidFill>
-              <a:latin typeface="Verdana" panose="020B0604030504040204" pitchFamily="34" charset="0"/>
-              <a:ea typeface="Verdana" panose="020B0604030504040204" pitchFamily="34" charset="0"/>
-            </a:endParaRPr>
-          </a:p>
-          <a:p>
-            <a:pPr lvl="1" algn="just"/>
-            <a:r>
-              <a:rPr lang="en-US" sz="1400" dirty="0">
-                <a:solidFill>
-                  <a:srgbClr val="374151"/>
-                </a:solidFill>
-                <a:latin typeface="Verdana" panose="020B0604030504040204" pitchFamily="34" charset="0"/>
-                <a:ea typeface="Verdana" panose="020B0604030504040204" pitchFamily="34" charset="0"/>
-              </a:rPr>
-              <a:t>Transformers: This approach uses deep neural networks to encode a sentence as a fixed-length vector. Transformers have achieved state-of-the-art performance on many NLP tasks, including sentence classification and language modeling.</a:t>
-            </a:r>
-          </a:p>
-          <a:p>
-            <a:pPr marL="0" indent="0">
-              <a:buNone/>
-            </a:pPr>
-            <a:endParaRPr lang="en-US" dirty="0"/>
-          </a:p>
-        </p:txBody>
-      </p:sp>
-      <p:sp>
-        <p:nvSpPr>
-          <p:cNvPr id="16" name="Title 1">
-            <a:extLst>
-              <a:ext uri="{FF2B5EF4-FFF2-40B4-BE49-F238E27FC236}">
-                <a16:creationId xmlns:a16="http://schemas.microsoft.com/office/drawing/2014/main" id="{A373279E-1449-42AE-BE88-6BD97BA6035F}"/>
-              </a:ext>
-            </a:extLst>
-          </p:cNvPr>
-          <p:cNvSpPr txBox="1">
-            <a:spLocks/>
-          </p:cNvSpPr>
-          <p:nvPr/>
-        </p:nvSpPr>
-        <p:spPr>
-          <a:xfrm>
-            <a:off x="-227150" y="918509"/>
-            <a:ext cx="10515600" cy="817723"/>
-          </a:xfrm>
-          <a:prstGeom prst="rect">
-            <a:avLst/>
-          </a:prstGeom>
-        </p:spPr>
-        <p:txBody>
-          <a:bodyPr vert="horz" lIns="91440" tIns="45720" rIns="91440" bIns="45720" rtlCol="0" anchor="ctr">
-            <a:normAutofit/>
-          </a:bodyPr>
-          <a:lstStyle>
-            <a:lvl1pPr algn="l" defTabSz="914400" rtl="0" eaLnBrk="1" latinLnBrk="0" hangingPunct="1">
-              <a:lnSpc>
-                <a:spcPct val="90000"/>
-              </a:lnSpc>
-              <a:spcBef>
-                <a:spcPct val="0"/>
-              </a:spcBef>
-              <a:buNone/>
-              <a:defRPr sz="4400" kern="1200">
-                <a:solidFill>
-                  <a:schemeClr val="tx1"/>
-                </a:solidFill>
-                <a:latin typeface="+mj-lt"/>
-                <a:ea typeface="+mj-ea"/>
-                <a:cs typeface="+mj-cs"/>
-              </a:defRPr>
-            </a:lvl1pPr>
-          </a:lstStyle>
-          <a:p>
-            <a:pPr marL="457200" lvl="1">
-              <a:lnSpc>
-                <a:spcPct val="150000"/>
-              </a:lnSpc>
-            </a:pPr>
-            <a:r>
-              <a:rPr lang="en-US" b="1" dirty="0">
-                <a:solidFill>
-                  <a:srgbClr val="9E2946"/>
-                </a:solidFill>
-                <a:latin typeface="Verdana" panose="020B0604030504040204" pitchFamily="34" charset="0"/>
-                <a:ea typeface="Verdana" panose="020B0604030504040204" pitchFamily="34" charset="0"/>
-                <a:cs typeface="+mj-cs"/>
-              </a:rPr>
-              <a:t>Sentence embedding</a:t>
-            </a:r>
-          </a:p>
-        </p:txBody>
-      </p:sp>
-      <p:grpSp>
-        <p:nvGrpSpPr>
-          <p:cNvPr id="2" name="Group 1">
-            <a:extLst>
-              <a:ext uri="{FF2B5EF4-FFF2-40B4-BE49-F238E27FC236}">
-                <a16:creationId xmlns:a16="http://schemas.microsoft.com/office/drawing/2014/main" id="{83DD80F1-908B-4BCB-822B-0565D1353038}"/>
-              </a:ext>
-            </a:extLst>
-          </p:cNvPr>
-          <p:cNvGrpSpPr/>
-          <p:nvPr/>
-        </p:nvGrpSpPr>
-        <p:grpSpPr>
-          <a:xfrm>
-            <a:off x="3501424" y="2533243"/>
-            <a:ext cx="5021140" cy="1399561"/>
-            <a:chOff x="3501424" y="2622023"/>
-            <a:chExt cx="5021140" cy="1399561"/>
-          </a:xfrm>
-        </p:grpSpPr>
-        <p:sp>
-          <p:nvSpPr>
-            <p:cNvPr id="18" name="Rectangle 17">
-              <a:extLst>
-                <a:ext uri="{FF2B5EF4-FFF2-40B4-BE49-F238E27FC236}">
-                  <a16:creationId xmlns:a16="http://schemas.microsoft.com/office/drawing/2014/main" id="{0A933423-54C6-4486-A02E-AA602C5DB145}"/>
-                </a:ext>
-              </a:extLst>
-            </p:cNvPr>
-            <p:cNvSpPr/>
-            <p:nvPr/>
-          </p:nvSpPr>
-          <p:spPr>
-            <a:xfrm>
-              <a:off x="3501424" y="2628094"/>
-              <a:ext cx="5021140" cy="1393490"/>
-            </a:xfrm>
-            <a:prstGeom prst="rect">
-              <a:avLst/>
-            </a:prstGeom>
-            <a:solidFill>
-              <a:schemeClr val="bg1"/>
-            </a:solidFill>
-            <a:ln>
-              <a:solidFill>
-                <a:srgbClr val="002060"/>
-              </a:solidFill>
-            </a:ln>
-          </p:spPr>
-          <p:style>
-            <a:lnRef idx="2">
-              <a:schemeClr val="accent1">
-                <a:shade val="50000"/>
-              </a:schemeClr>
-            </a:lnRef>
-            <a:fillRef idx="1">
-              <a:schemeClr val="accent1"/>
-            </a:fillRef>
-            <a:effectRef idx="0">
-              <a:schemeClr val="accent1"/>
-            </a:effectRef>
-            <a:fontRef idx="minor">
-              <a:schemeClr val="lt1"/>
-            </a:fontRef>
-          </p:style>
-          <p:txBody>
-            <a:bodyPr rtlCol="0" anchor="ctr"/>
-            <a:lstStyle/>
-            <a:p>
-              <a:pPr algn="ctr"/>
-              <a:endParaRPr lang="en-US"/>
-            </a:p>
-          </p:txBody>
-        </p:sp>
-        <p:sp>
-          <p:nvSpPr>
-            <p:cNvPr id="19" name="Rectangle 18">
-              <a:extLst>
-                <a:ext uri="{FF2B5EF4-FFF2-40B4-BE49-F238E27FC236}">
-                  <a16:creationId xmlns:a16="http://schemas.microsoft.com/office/drawing/2014/main" id="{D628755C-F8F9-422B-BD81-084F2023C8D2}"/>
-                </a:ext>
-              </a:extLst>
-            </p:cNvPr>
-            <p:cNvSpPr/>
-            <p:nvPr/>
-          </p:nvSpPr>
-          <p:spPr>
-            <a:xfrm>
-              <a:off x="3501424" y="2622023"/>
-              <a:ext cx="5021140" cy="353929"/>
-            </a:xfrm>
-            <a:prstGeom prst="rect">
-              <a:avLst/>
-            </a:prstGeom>
-            <a:solidFill>
-              <a:schemeClr val="accent2">
-                <a:lumMod val="40000"/>
-                <a:lumOff val="60000"/>
-              </a:schemeClr>
-            </a:solidFill>
-          </p:spPr>
-          <p:style>
-            <a:lnRef idx="2">
-              <a:schemeClr val="accent1">
-                <a:shade val="50000"/>
-              </a:schemeClr>
-            </a:lnRef>
-            <a:fillRef idx="1">
-              <a:schemeClr val="accent1"/>
-            </a:fillRef>
-            <a:effectRef idx="0">
-              <a:schemeClr val="accent1"/>
-            </a:effectRef>
-            <a:fontRef idx="minor">
-              <a:schemeClr val="lt1"/>
-            </a:fontRef>
-          </p:style>
-          <p:txBody>
-            <a:bodyPr rtlCol="0" anchor="ctr"/>
-            <a:lstStyle/>
-            <a:p>
-              <a:pPr algn="ctr"/>
-              <a:endParaRPr lang="en-US"/>
-            </a:p>
-          </p:txBody>
-        </p:sp>
-        <p:sp>
-          <p:nvSpPr>
-            <p:cNvPr id="20" name="TextBox 19">
-              <a:extLst>
-                <a:ext uri="{FF2B5EF4-FFF2-40B4-BE49-F238E27FC236}">
-                  <a16:creationId xmlns:a16="http://schemas.microsoft.com/office/drawing/2014/main" id="{A4EE3352-A54A-4AEF-980F-EB8FCA40886F}"/>
-                </a:ext>
-              </a:extLst>
-            </p:cNvPr>
-            <p:cNvSpPr txBox="1"/>
-            <p:nvPr/>
-          </p:nvSpPr>
-          <p:spPr>
-            <a:xfrm>
-              <a:off x="3825119" y="2675876"/>
-              <a:ext cx="4373749" cy="246221"/>
-            </a:xfrm>
-            <a:prstGeom prst="rect">
-              <a:avLst/>
-            </a:prstGeom>
-            <a:noFill/>
-          </p:spPr>
-          <p:txBody>
-            <a:bodyPr wrap="square" rtlCol="0">
-              <a:spAutoFit/>
-            </a:bodyPr>
-            <a:lstStyle/>
-            <a:p>
-              <a:pPr algn="ctr"/>
-              <a:r>
-                <a:rPr lang="en-US" sz="1000" b="1" dirty="0">
-                  <a:latin typeface="Verdana" panose="020B0604030504040204" pitchFamily="34" charset="0"/>
-                  <a:ea typeface="Verdana" panose="020B0604030504040204" pitchFamily="34" charset="0"/>
-                </a:rPr>
-                <a:t>Word Embedding</a:t>
-              </a:r>
-            </a:p>
-          </p:txBody>
-        </p:sp>
-        <p:sp>
-          <p:nvSpPr>
-            <p:cNvPr id="21" name="Rectangle 20">
-              <a:extLst>
-                <a:ext uri="{FF2B5EF4-FFF2-40B4-BE49-F238E27FC236}">
-                  <a16:creationId xmlns:a16="http://schemas.microsoft.com/office/drawing/2014/main" id="{4D0D36AC-A6BC-40C5-B846-644FB968FC59}"/>
-                </a:ext>
-              </a:extLst>
-            </p:cNvPr>
-            <p:cNvSpPr/>
-            <p:nvPr/>
-          </p:nvSpPr>
-          <p:spPr>
-            <a:xfrm>
-              <a:off x="3589518" y="3228771"/>
-              <a:ext cx="1030384" cy="393286"/>
-            </a:xfrm>
-            <a:prstGeom prst="rect">
-              <a:avLst/>
-            </a:prstGeom>
-            <a:solidFill>
-              <a:schemeClr val="accent1">
-                <a:lumMod val="40000"/>
-                <a:lumOff val="60000"/>
-              </a:schemeClr>
-            </a:solidFill>
-            <a:ln>
-              <a:solidFill>
-                <a:schemeClr val="accent1">
-                  <a:lumMod val="60000"/>
-                  <a:lumOff val="40000"/>
-                </a:schemeClr>
-              </a:solidFill>
-              <a:prstDash val="solid"/>
-            </a:ln>
-          </p:spPr>
-          <p:style>
-            <a:lnRef idx="2">
-              <a:schemeClr val="accent1">
-                <a:shade val="50000"/>
-              </a:schemeClr>
-            </a:lnRef>
-            <a:fillRef idx="1">
-              <a:schemeClr val="accent1"/>
-            </a:fillRef>
-            <a:effectRef idx="0">
-              <a:schemeClr val="accent1"/>
-            </a:effectRef>
-            <a:fontRef idx="minor">
-              <a:schemeClr val="lt1"/>
-            </a:fontRef>
-          </p:style>
-          <p:txBody>
-            <a:bodyPr rtlCol="0" anchor="ctr"/>
-            <a:lstStyle/>
-            <a:p>
-              <a:pPr algn="ctr"/>
-              <a:r>
-                <a:rPr lang="en-US" sz="800" dirty="0">
-                  <a:solidFill>
-                    <a:schemeClr val="tx1"/>
-                  </a:solidFill>
-                  <a:latin typeface="Verdana" panose="020B0604030504040204" pitchFamily="34" charset="0"/>
-                  <a:ea typeface="Verdana" panose="020B0604030504040204" pitchFamily="34" charset="0"/>
-                </a:rPr>
-                <a:t>Sentence</a:t>
-              </a:r>
-              <a:endParaRPr lang="en-US" dirty="0">
-                <a:solidFill>
-                  <a:schemeClr val="tx1"/>
-                </a:solidFill>
-              </a:endParaRPr>
-            </a:p>
-          </p:txBody>
-        </p:sp>
-        <p:sp>
-          <p:nvSpPr>
-            <p:cNvPr id="22" name="Rectangle 21">
-              <a:extLst>
-                <a:ext uri="{FF2B5EF4-FFF2-40B4-BE49-F238E27FC236}">
-                  <a16:creationId xmlns:a16="http://schemas.microsoft.com/office/drawing/2014/main" id="{AFA73868-1222-4BE4-83F0-D3C928179520}"/>
-                </a:ext>
-              </a:extLst>
-            </p:cNvPr>
-            <p:cNvSpPr/>
-            <p:nvPr/>
-          </p:nvSpPr>
-          <p:spPr>
-            <a:xfrm>
-              <a:off x="4848479" y="3228771"/>
-              <a:ext cx="1030384" cy="393286"/>
-            </a:xfrm>
-            <a:prstGeom prst="rect">
-              <a:avLst/>
-            </a:prstGeom>
-            <a:solidFill>
-              <a:schemeClr val="accent1">
-                <a:lumMod val="40000"/>
-                <a:lumOff val="60000"/>
-              </a:schemeClr>
-            </a:solidFill>
-            <a:ln>
-              <a:solidFill>
-                <a:schemeClr val="accent1">
-                  <a:lumMod val="60000"/>
-                  <a:lumOff val="40000"/>
-                </a:schemeClr>
-              </a:solidFill>
-              <a:prstDash val="solid"/>
-            </a:ln>
-          </p:spPr>
-          <p:style>
-            <a:lnRef idx="2">
-              <a:schemeClr val="accent1">
-                <a:shade val="50000"/>
-              </a:schemeClr>
-            </a:lnRef>
-            <a:fillRef idx="1">
-              <a:schemeClr val="accent1"/>
-            </a:fillRef>
-            <a:effectRef idx="0">
-              <a:schemeClr val="accent1"/>
-            </a:effectRef>
-            <a:fontRef idx="minor">
-              <a:schemeClr val="lt1"/>
-            </a:fontRef>
-          </p:style>
-          <p:txBody>
-            <a:bodyPr rtlCol="0" anchor="ctr"/>
-            <a:lstStyle/>
-            <a:p>
-              <a:pPr algn="ctr"/>
-              <a:r>
-                <a:rPr lang="en-US" sz="800" dirty="0">
-                  <a:solidFill>
-                    <a:schemeClr val="tx1"/>
-                  </a:solidFill>
-                  <a:latin typeface="Verdana" panose="020B0604030504040204" pitchFamily="34" charset="0"/>
-                  <a:ea typeface="Verdana" panose="020B0604030504040204" pitchFamily="34" charset="0"/>
-                </a:rPr>
-                <a:t>Text Preprocessing</a:t>
-              </a:r>
-              <a:endParaRPr lang="en-US" dirty="0">
-                <a:solidFill>
-                  <a:schemeClr val="tx1"/>
-                </a:solidFill>
-              </a:endParaRPr>
-            </a:p>
-          </p:txBody>
-        </p:sp>
-        <p:sp>
-          <p:nvSpPr>
-            <p:cNvPr id="23" name="Rectangle 22">
-              <a:extLst>
-                <a:ext uri="{FF2B5EF4-FFF2-40B4-BE49-F238E27FC236}">
-                  <a16:creationId xmlns:a16="http://schemas.microsoft.com/office/drawing/2014/main" id="{FE511459-7BAC-4E43-8D45-07A29B5830DE}"/>
-                </a:ext>
-              </a:extLst>
-            </p:cNvPr>
-            <p:cNvSpPr/>
-            <p:nvPr/>
-          </p:nvSpPr>
-          <p:spPr>
-            <a:xfrm>
-              <a:off x="6131101" y="3228771"/>
-              <a:ext cx="1030384" cy="393286"/>
-            </a:xfrm>
-            <a:prstGeom prst="rect">
-              <a:avLst/>
-            </a:prstGeom>
-            <a:solidFill>
-              <a:schemeClr val="accent1">
-                <a:lumMod val="40000"/>
-                <a:lumOff val="60000"/>
-              </a:schemeClr>
-            </a:solidFill>
-            <a:ln>
-              <a:solidFill>
-                <a:schemeClr val="accent1">
-                  <a:lumMod val="60000"/>
-                  <a:lumOff val="40000"/>
-                </a:schemeClr>
-              </a:solidFill>
-              <a:prstDash val="solid"/>
-            </a:ln>
-          </p:spPr>
-          <p:style>
-            <a:lnRef idx="2">
-              <a:schemeClr val="accent1">
-                <a:shade val="50000"/>
-              </a:schemeClr>
-            </a:lnRef>
-            <a:fillRef idx="1">
-              <a:schemeClr val="accent1"/>
-            </a:fillRef>
-            <a:effectRef idx="0">
-              <a:schemeClr val="accent1"/>
-            </a:effectRef>
-            <a:fontRef idx="minor">
-              <a:schemeClr val="lt1"/>
-            </a:fontRef>
-          </p:style>
-          <p:txBody>
-            <a:bodyPr rtlCol="0" anchor="ctr"/>
-            <a:lstStyle/>
-            <a:p>
-              <a:pPr algn="ctr"/>
-              <a:r>
-                <a:rPr lang="en-US" sz="800" dirty="0">
-                  <a:solidFill>
-                    <a:schemeClr val="tx1"/>
-                  </a:solidFill>
-                  <a:latin typeface="Verdana" panose="020B0604030504040204" pitchFamily="34" charset="0"/>
-                  <a:ea typeface="Verdana" panose="020B0604030504040204" pitchFamily="34" charset="0"/>
-                </a:rPr>
-                <a:t>Word Embedding Encoding</a:t>
-              </a:r>
-              <a:endParaRPr lang="en-US" dirty="0">
-                <a:solidFill>
-                  <a:schemeClr val="tx1"/>
-                </a:solidFill>
-              </a:endParaRPr>
-            </a:p>
-          </p:txBody>
-        </p:sp>
-        <p:sp>
-          <p:nvSpPr>
-            <p:cNvPr id="24" name="Rectangle 23">
-              <a:extLst>
-                <a:ext uri="{FF2B5EF4-FFF2-40B4-BE49-F238E27FC236}">
-                  <a16:creationId xmlns:a16="http://schemas.microsoft.com/office/drawing/2014/main" id="{92C6C728-7124-4F1B-96A7-CCD61619E0B6}"/>
-                </a:ext>
-              </a:extLst>
-            </p:cNvPr>
-            <p:cNvSpPr/>
-            <p:nvPr/>
-          </p:nvSpPr>
-          <p:spPr>
-            <a:xfrm>
-              <a:off x="7413723" y="3228771"/>
-              <a:ext cx="1030384" cy="393286"/>
-            </a:xfrm>
-            <a:prstGeom prst="rect">
-              <a:avLst/>
-            </a:prstGeom>
-            <a:solidFill>
-              <a:schemeClr val="accent1">
-                <a:lumMod val="40000"/>
-                <a:lumOff val="60000"/>
-              </a:schemeClr>
-            </a:solidFill>
-            <a:ln>
-              <a:solidFill>
-                <a:schemeClr val="accent1">
-                  <a:lumMod val="60000"/>
-                  <a:lumOff val="40000"/>
-                </a:schemeClr>
-              </a:solidFill>
-              <a:prstDash val="solid"/>
-            </a:ln>
-          </p:spPr>
-          <p:style>
-            <a:lnRef idx="2">
-              <a:schemeClr val="accent1">
-                <a:shade val="50000"/>
-              </a:schemeClr>
-            </a:lnRef>
-            <a:fillRef idx="1">
-              <a:schemeClr val="accent1"/>
-            </a:fillRef>
-            <a:effectRef idx="0">
-              <a:schemeClr val="accent1"/>
-            </a:effectRef>
-            <a:fontRef idx="minor">
-              <a:schemeClr val="lt1"/>
-            </a:fontRef>
-          </p:style>
-          <p:txBody>
-            <a:bodyPr rtlCol="0" anchor="ctr"/>
-            <a:lstStyle/>
-            <a:p>
-              <a:pPr algn="ctr"/>
-              <a:r>
-                <a:rPr lang="en-US" sz="800" dirty="0">
-                  <a:solidFill>
-                    <a:schemeClr val="tx1"/>
-                  </a:solidFill>
-                  <a:latin typeface="Verdana" panose="020B0604030504040204" pitchFamily="34" charset="0"/>
-                  <a:ea typeface="Verdana" panose="020B0604030504040204" pitchFamily="34" charset="0"/>
-                </a:rPr>
-                <a:t>Sentence Vector Representation</a:t>
-              </a:r>
-              <a:endParaRPr lang="en-US" dirty="0">
-                <a:solidFill>
-                  <a:schemeClr val="tx1"/>
-                </a:solidFill>
-              </a:endParaRPr>
-            </a:p>
-          </p:txBody>
-        </p:sp>
-        <p:cxnSp>
-          <p:nvCxnSpPr>
-            <p:cNvPr id="25" name="Straight Arrow Connector 24">
-              <a:extLst>
-                <a:ext uri="{FF2B5EF4-FFF2-40B4-BE49-F238E27FC236}">
-                  <a16:creationId xmlns:a16="http://schemas.microsoft.com/office/drawing/2014/main" id="{ED90C481-8962-4EAA-896E-859A97BF4B18}"/>
-                </a:ext>
-              </a:extLst>
-            </p:cNvPr>
-            <p:cNvCxnSpPr>
-              <a:cxnSpLocks/>
-              <a:endCxn id="22" idx="1"/>
-            </p:cNvCxnSpPr>
-            <p:nvPr/>
-          </p:nvCxnSpPr>
-          <p:spPr>
-            <a:xfrm>
-              <a:off x="4619902" y="3425414"/>
-              <a:ext cx="228577" cy="0"/>
-            </a:xfrm>
-            <a:prstGeom prst="straightConnector1">
-              <a:avLst/>
-            </a:prstGeom>
-            <a:ln w="22225">
-              <a:solidFill>
-                <a:schemeClr val="tx1"/>
-              </a:solidFill>
-              <a:tailEnd type="triangle"/>
-            </a:ln>
-          </p:spPr>
-          <p:style>
-            <a:lnRef idx="1">
-              <a:schemeClr val="accent1"/>
-            </a:lnRef>
-            <a:fillRef idx="0">
-              <a:schemeClr val="accent1"/>
-            </a:fillRef>
-            <a:effectRef idx="0">
-              <a:schemeClr val="accent1"/>
-            </a:effectRef>
-            <a:fontRef idx="minor">
-              <a:schemeClr val="tx1"/>
-            </a:fontRef>
-          </p:style>
-        </p:cxnSp>
-        <p:cxnSp>
-          <p:nvCxnSpPr>
-            <p:cNvPr id="26" name="Straight Arrow Connector 25">
-              <a:extLst>
-                <a:ext uri="{FF2B5EF4-FFF2-40B4-BE49-F238E27FC236}">
-                  <a16:creationId xmlns:a16="http://schemas.microsoft.com/office/drawing/2014/main" id="{D6C92EEF-3C8C-4B5E-90F8-26270AF47927}"/>
-                </a:ext>
-              </a:extLst>
-            </p:cNvPr>
-            <p:cNvCxnSpPr>
-              <a:cxnSpLocks/>
-              <a:endCxn id="23" idx="1"/>
-            </p:cNvCxnSpPr>
-            <p:nvPr/>
-          </p:nvCxnSpPr>
-          <p:spPr>
-            <a:xfrm>
-              <a:off x="5878863" y="3425414"/>
-              <a:ext cx="252238" cy="0"/>
-            </a:xfrm>
-            <a:prstGeom prst="straightConnector1">
-              <a:avLst/>
-            </a:prstGeom>
-            <a:ln w="22225">
-              <a:solidFill>
-                <a:schemeClr val="tx1"/>
-              </a:solidFill>
-              <a:tailEnd type="triangle"/>
-            </a:ln>
-          </p:spPr>
-          <p:style>
-            <a:lnRef idx="1">
-              <a:schemeClr val="accent1"/>
-            </a:lnRef>
-            <a:fillRef idx="0">
-              <a:schemeClr val="accent1"/>
-            </a:fillRef>
-            <a:effectRef idx="0">
-              <a:schemeClr val="accent1"/>
-            </a:effectRef>
-            <a:fontRef idx="minor">
-              <a:schemeClr val="tx1"/>
-            </a:fontRef>
-          </p:style>
-        </p:cxnSp>
-        <p:cxnSp>
-          <p:nvCxnSpPr>
-            <p:cNvPr id="27" name="Straight Arrow Connector 26">
-              <a:extLst>
-                <a:ext uri="{FF2B5EF4-FFF2-40B4-BE49-F238E27FC236}">
-                  <a16:creationId xmlns:a16="http://schemas.microsoft.com/office/drawing/2014/main" id="{52274DB1-E73E-4F5F-84D8-C172D0CFD741}"/>
-                </a:ext>
-              </a:extLst>
-            </p:cNvPr>
-            <p:cNvCxnSpPr>
-              <a:cxnSpLocks/>
-              <a:endCxn id="24" idx="1"/>
-            </p:cNvCxnSpPr>
-            <p:nvPr/>
-          </p:nvCxnSpPr>
-          <p:spPr>
-            <a:xfrm>
-              <a:off x="7161485" y="3425414"/>
-              <a:ext cx="252238" cy="0"/>
-            </a:xfrm>
-            <a:prstGeom prst="straightConnector1">
-              <a:avLst/>
-            </a:prstGeom>
-            <a:ln w="22225">
-              <a:solidFill>
-                <a:schemeClr val="tx1"/>
-              </a:solidFill>
-              <a:tailEnd type="triangle"/>
-            </a:ln>
-          </p:spPr>
-          <p:style>
-            <a:lnRef idx="1">
-              <a:schemeClr val="accent1"/>
-            </a:lnRef>
-            <a:fillRef idx="0">
-              <a:schemeClr val="accent1"/>
-            </a:fillRef>
-            <a:effectRef idx="0">
-              <a:schemeClr val="accent1"/>
-            </a:effectRef>
-            <a:fontRef idx="minor">
-              <a:schemeClr val="tx1"/>
-            </a:fontRef>
-          </p:style>
-        </p:cxnSp>
-      </p:grpSp>
-      <p:grpSp>
-        <p:nvGrpSpPr>
-          <p:cNvPr id="28" name="Group 27">
-            <a:extLst>
-              <a:ext uri="{FF2B5EF4-FFF2-40B4-BE49-F238E27FC236}">
-                <a16:creationId xmlns:a16="http://schemas.microsoft.com/office/drawing/2014/main" id="{A7292490-81DB-4938-97F7-B3A61F43C9A6}"/>
-              </a:ext>
-            </a:extLst>
-          </p:cNvPr>
-          <p:cNvGrpSpPr/>
-          <p:nvPr/>
-        </p:nvGrpSpPr>
-        <p:grpSpPr>
-          <a:xfrm>
-            <a:off x="3501424" y="4786081"/>
-            <a:ext cx="5021140" cy="1452831"/>
-            <a:chOff x="3403769" y="3731729"/>
-            <a:chExt cx="5021140" cy="1452831"/>
-          </a:xfrm>
-        </p:grpSpPr>
-        <p:sp>
-          <p:nvSpPr>
-            <p:cNvPr id="29" name="Rectangle 28">
-              <a:extLst>
-                <a:ext uri="{FF2B5EF4-FFF2-40B4-BE49-F238E27FC236}">
-                  <a16:creationId xmlns:a16="http://schemas.microsoft.com/office/drawing/2014/main" id="{E5957867-43E3-432F-B7F9-65EC0A3F0765}"/>
-                </a:ext>
-              </a:extLst>
-            </p:cNvPr>
-            <p:cNvSpPr/>
-            <p:nvPr/>
-          </p:nvSpPr>
-          <p:spPr>
-            <a:xfrm>
-              <a:off x="3403769" y="3737800"/>
-              <a:ext cx="5021140" cy="1446760"/>
-            </a:xfrm>
-            <a:prstGeom prst="rect">
-              <a:avLst/>
-            </a:prstGeom>
-            <a:solidFill>
-              <a:schemeClr val="bg1"/>
-            </a:solidFill>
-            <a:ln>
-              <a:solidFill>
-                <a:srgbClr val="002060"/>
-              </a:solidFill>
-            </a:ln>
-          </p:spPr>
-          <p:style>
-            <a:lnRef idx="2">
-              <a:schemeClr val="accent1">
-                <a:shade val="50000"/>
-              </a:schemeClr>
-            </a:lnRef>
-            <a:fillRef idx="1">
-              <a:schemeClr val="accent1"/>
-            </a:fillRef>
-            <a:effectRef idx="0">
-              <a:schemeClr val="accent1"/>
-            </a:effectRef>
-            <a:fontRef idx="minor">
-              <a:schemeClr val="lt1"/>
-            </a:fontRef>
-          </p:style>
-          <p:txBody>
-            <a:bodyPr rtlCol="0" anchor="ctr"/>
-            <a:lstStyle/>
-            <a:p>
-              <a:pPr algn="ctr"/>
-              <a:endParaRPr lang="en-US"/>
-            </a:p>
-          </p:txBody>
-        </p:sp>
-        <p:sp>
-          <p:nvSpPr>
-            <p:cNvPr id="30" name="Rectangle 29">
-              <a:extLst>
-                <a:ext uri="{FF2B5EF4-FFF2-40B4-BE49-F238E27FC236}">
-                  <a16:creationId xmlns:a16="http://schemas.microsoft.com/office/drawing/2014/main" id="{B9F2943D-2044-40B3-8847-5DE23560BC04}"/>
-                </a:ext>
-              </a:extLst>
-            </p:cNvPr>
-            <p:cNvSpPr/>
-            <p:nvPr/>
-          </p:nvSpPr>
-          <p:spPr>
-            <a:xfrm>
-              <a:off x="3403769" y="3731729"/>
-              <a:ext cx="5021140" cy="353929"/>
-            </a:xfrm>
-            <a:prstGeom prst="rect">
-              <a:avLst/>
-            </a:prstGeom>
-            <a:solidFill>
-              <a:schemeClr val="accent2">
-                <a:lumMod val="40000"/>
-                <a:lumOff val="60000"/>
-              </a:schemeClr>
-            </a:solidFill>
-          </p:spPr>
-          <p:style>
-            <a:lnRef idx="2">
-              <a:schemeClr val="accent1">
-                <a:shade val="50000"/>
-              </a:schemeClr>
-            </a:lnRef>
-            <a:fillRef idx="1">
-              <a:schemeClr val="accent1"/>
-            </a:fillRef>
-            <a:effectRef idx="0">
-              <a:schemeClr val="accent1"/>
-            </a:effectRef>
-            <a:fontRef idx="minor">
-              <a:schemeClr val="lt1"/>
-            </a:fontRef>
-          </p:style>
-          <p:txBody>
-            <a:bodyPr rtlCol="0" anchor="ctr"/>
-            <a:lstStyle/>
-            <a:p>
-              <a:pPr algn="ctr"/>
-              <a:endParaRPr lang="en-US"/>
-            </a:p>
-          </p:txBody>
-        </p:sp>
-        <p:sp>
-          <p:nvSpPr>
-            <p:cNvPr id="31" name="TextBox 30">
-              <a:extLst>
-                <a:ext uri="{FF2B5EF4-FFF2-40B4-BE49-F238E27FC236}">
-                  <a16:creationId xmlns:a16="http://schemas.microsoft.com/office/drawing/2014/main" id="{C9D001D4-4F0C-44C0-945C-47D5AD7B5CE3}"/>
-                </a:ext>
-              </a:extLst>
-            </p:cNvPr>
-            <p:cNvSpPr txBox="1"/>
-            <p:nvPr/>
-          </p:nvSpPr>
-          <p:spPr>
-            <a:xfrm>
-              <a:off x="3727464" y="3785582"/>
-              <a:ext cx="4373749" cy="246221"/>
-            </a:xfrm>
-            <a:prstGeom prst="rect">
-              <a:avLst/>
-            </a:prstGeom>
-            <a:noFill/>
-          </p:spPr>
-          <p:txBody>
-            <a:bodyPr wrap="square" rtlCol="0">
-              <a:spAutoFit/>
-            </a:bodyPr>
-            <a:lstStyle/>
-            <a:p>
-              <a:pPr algn="ctr"/>
-              <a:r>
-                <a:rPr lang="en-US" sz="1000" b="1" dirty="0">
-                  <a:latin typeface="Verdana" panose="020B0604030504040204" pitchFamily="34" charset="0"/>
-                  <a:ea typeface="Verdana" panose="020B0604030504040204" pitchFamily="34" charset="0"/>
-                </a:rPr>
-                <a:t>Transformers Embedding</a:t>
-              </a:r>
-            </a:p>
-          </p:txBody>
-        </p:sp>
-        <p:sp>
-          <p:nvSpPr>
-            <p:cNvPr id="32" name="Rectangle 31">
-              <a:extLst>
-                <a:ext uri="{FF2B5EF4-FFF2-40B4-BE49-F238E27FC236}">
-                  <a16:creationId xmlns:a16="http://schemas.microsoft.com/office/drawing/2014/main" id="{41232D91-E3BD-46A5-9810-9621C8349D77}"/>
-                </a:ext>
-              </a:extLst>
-            </p:cNvPr>
-            <p:cNvSpPr/>
-            <p:nvPr/>
-          </p:nvSpPr>
-          <p:spPr>
-            <a:xfrm>
-              <a:off x="3491863" y="4391741"/>
-              <a:ext cx="1030384" cy="393286"/>
-            </a:xfrm>
-            <a:prstGeom prst="rect">
-              <a:avLst/>
-            </a:prstGeom>
-            <a:solidFill>
-              <a:schemeClr val="accent1">
-                <a:lumMod val="40000"/>
-                <a:lumOff val="60000"/>
-              </a:schemeClr>
-            </a:solidFill>
-            <a:ln>
-              <a:solidFill>
-                <a:schemeClr val="accent1">
-                  <a:lumMod val="60000"/>
-                  <a:lumOff val="40000"/>
-                </a:schemeClr>
-              </a:solidFill>
-              <a:prstDash val="solid"/>
-            </a:ln>
-          </p:spPr>
-          <p:style>
-            <a:lnRef idx="2">
-              <a:schemeClr val="accent1">
-                <a:shade val="50000"/>
-              </a:schemeClr>
-            </a:lnRef>
-            <a:fillRef idx="1">
-              <a:schemeClr val="accent1"/>
-            </a:fillRef>
-            <a:effectRef idx="0">
-              <a:schemeClr val="accent1"/>
-            </a:effectRef>
-            <a:fontRef idx="minor">
-              <a:schemeClr val="lt1"/>
-            </a:fontRef>
-          </p:style>
-          <p:txBody>
-            <a:bodyPr rtlCol="0" anchor="ctr"/>
-            <a:lstStyle/>
-            <a:p>
-              <a:pPr algn="ctr"/>
-              <a:r>
-                <a:rPr lang="en-US" sz="800" dirty="0">
-                  <a:solidFill>
-                    <a:schemeClr val="tx1"/>
-                  </a:solidFill>
-                  <a:latin typeface="Verdana" panose="020B0604030504040204" pitchFamily="34" charset="0"/>
-                  <a:ea typeface="Verdana" panose="020B0604030504040204" pitchFamily="34" charset="0"/>
-                </a:rPr>
-                <a:t>Sentence</a:t>
-              </a:r>
-              <a:endParaRPr lang="en-US" dirty="0">
-                <a:solidFill>
-                  <a:schemeClr val="tx1"/>
-                </a:solidFill>
-              </a:endParaRPr>
-            </a:p>
-          </p:txBody>
-        </p:sp>
-        <p:sp>
-          <p:nvSpPr>
-            <p:cNvPr id="33" name="Rectangle 32">
-              <a:extLst>
-                <a:ext uri="{FF2B5EF4-FFF2-40B4-BE49-F238E27FC236}">
-                  <a16:creationId xmlns:a16="http://schemas.microsoft.com/office/drawing/2014/main" id="{E3570944-53FD-48C1-BD32-4C5FC0EC3F8C}"/>
-                </a:ext>
-              </a:extLst>
-            </p:cNvPr>
-            <p:cNvSpPr/>
-            <p:nvPr/>
-          </p:nvSpPr>
-          <p:spPr>
-            <a:xfrm>
-              <a:off x="4750824" y="4391741"/>
-              <a:ext cx="1030384" cy="393286"/>
-            </a:xfrm>
-            <a:prstGeom prst="rect">
-              <a:avLst/>
-            </a:prstGeom>
-            <a:solidFill>
-              <a:schemeClr val="accent1">
-                <a:lumMod val="40000"/>
-                <a:lumOff val="60000"/>
-              </a:schemeClr>
-            </a:solidFill>
-            <a:ln>
-              <a:solidFill>
-                <a:schemeClr val="accent1">
-                  <a:lumMod val="60000"/>
-                  <a:lumOff val="40000"/>
-                </a:schemeClr>
-              </a:solidFill>
-              <a:prstDash val="solid"/>
-            </a:ln>
-          </p:spPr>
-          <p:style>
-            <a:lnRef idx="2">
-              <a:schemeClr val="accent1">
-                <a:shade val="50000"/>
-              </a:schemeClr>
-            </a:lnRef>
-            <a:fillRef idx="1">
-              <a:schemeClr val="accent1"/>
-            </a:fillRef>
-            <a:effectRef idx="0">
-              <a:schemeClr val="accent1"/>
-            </a:effectRef>
-            <a:fontRef idx="minor">
-              <a:schemeClr val="lt1"/>
-            </a:fontRef>
-          </p:style>
-          <p:txBody>
-            <a:bodyPr rtlCol="0" anchor="ctr"/>
-            <a:lstStyle/>
-            <a:p>
-              <a:pPr algn="ctr"/>
-              <a:r>
-                <a:rPr lang="en-US" sz="800" dirty="0">
-                  <a:solidFill>
-                    <a:schemeClr val="tx1"/>
-                  </a:solidFill>
-                  <a:latin typeface="Verdana" panose="020B0604030504040204" pitchFamily="34" charset="0"/>
-                  <a:ea typeface="Verdana" panose="020B0604030504040204" pitchFamily="34" charset="0"/>
-                </a:rPr>
-                <a:t>Text Preprocessing</a:t>
-              </a:r>
-              <a:endParaRPr lang="en-US" dirty="0">
-                <a:solidFill>
-                  <a:schemeClr val="tx1"/>
-                </a:solidFill>
-              </a:endParaRPr>
-            </a:p>
-          </p:txBody>
-        </p:sp>
-        <p:sp>
-          <p:nvSpPr>
-            <p:cNvPr id="34" name="Rectangle 33">
-              <a:extLst>
-                <a:ext uri="{FF2B5EF4-FFF2-40B4-BE49-F238E27FC236}">
-                  <a16:creationId xmlns:a16="http://schemas.microsoft.com/office/drawing/2014/main" id="{71034437-8365-46EC-8FE7-5D63540315BF}"/>
-                </a:ext>
-              </a:extLst>
-            </p:cNvPr>
-            <p:cNvSpPr/>
-            <p:nvPr/>
-          </p:nvSpPr>
-          <p:spPr>
-            <a:xfrm>
-              <a:off x="6033446" y="4391741"/>
-              <a:ext cx="1030384" cy="393286"/>
-            </a:xfrm>
-            <a:prstGeom prst="rect">
-              <a:avLst/>
-            </a:prstGeom>
-            <a:solidFill>
-              <a:schemeClr val="accent1">
-                <a:lumMod val="40000"/>
-                <a:lumOff val="60000"/>
-              </a:schemeClr>
-            </a:solidFill>
-            <a:ln>
-              <a:solidFill>
-                <a:schemeClr val="accent1">
-                  <a:lumMod val="60000"/>
-                  <a:lumOff val="40000"/>
-                </a:schemeClr>
-              </a:solidFill>
-              <a:prstDash val="solid"/>
-            </a:ln>
-          </p:spPr>
-          <p:style>
-            <a:lnRef idx="2">
-              <a:schemeClr val="accent1">
-                <a:shade val="50000"/>
-              </a:schemeClr>
-            </a:lnRef>
-            <a:fillRef idx="1">
-              <a:schemeClr val="accent1"/>
-            </a:fillRef>
-            <a:effectRef idx="0">
-              <a:schemeClr val="accent1"/>
-            </a:effectRef>
-            <a:fontRef idx="minor">
-              <a:schemeClr val="lt1"/>
-            </a:fontRef>
-          </p:style>
-          <p:txBody>
-            <a:bodyPr rtlCol="0" anchor="ctr"/>
-            <a:lstStyle/>
-            <a:p>
-              <a:pPr algn="ctr"/>
-              <a:r>
-                <a:rPr lang="en-US" sz="800" dirty="0">
-                  <a:solidFill>
-                    <a:schemeClr val="tx1"/>
-                  </a:solidFill>
-                  <a:latin typeface="Verdana" panose="020B0604030504040204" pitchFamily="34" charset="0"/>
-                  <a:ea typeface="Verdana" panose="020B0604030504040204" pitchFamily="34" charset="0"/>
-                </a:rPr>
-                <a:t>Transform Encoding</a:t>
-              </a:r>
-              <a:endParaRPr lang="en-US" dirty="0">
-                <a:solidFill>
-                  <a:schemeClr val="tx1"/>
-                </a:solidFill>
-              </a:endParaRPr>
-            </a:p>
-          </p:txBody>
-        </p:sp>
-        <p:sp>
-          <p:nvSpPr>
-            <p:cNvPr id="35" name="Rectangle 34">
-              <a:extLst>
-                <a:ext uri="{FF2B5EF4-FFF2-40B4-BE49-F238E27FC236}">
-                  <a16:creationId xmlns:a16="http://schemas.microsoft.com/office/drawing/2014/main" id="{692D7E1D-F605-40BC-91D6-590826D11888}"/>
-                </a:ext>
-              </a:extLst>
-            </p:cNvPr>
-            <p:cNvSpPr/>
-            <p:nvPr/>
-          </p:nvSpPr>
-          <p:spPr>
-            <a:xfrm>
-              <a:off x="7316068" y="4391741"/>
-              <a:ext cx="1030384" cy="393286"/>
-            </a:xfrm>
-            <a:prstGeom prst="rect">
-              <a:avLst/>
-            </a:prstGeom>
-            <a:solidFill>
-              <a:schemeClr val="accent1">
-                <a:lumMod val="40000"/>
-                <a:lumOff val="60000"/>
-              </a:schemeClr>
-            </a:solidFill>
-            <a:ln>
-              <a:solidFill>
-                <a:schemeClr val="accent1">
-                  <a:lumMod val="60000"/>
-                  <a:lumOff val="40000"/>
-                </a:schemeClr>
-              </a:solidFill>
-              <a:prstDash val="solid"/>
-            </a:ln>
-          </p:spPr>
-          <p:style>
-            <a:lnRef idx="2">
-              <a:schemeClr val="accent1">
-                <a:shade val="50000"/>
-              </a:schemeClr>
-            </a:lnRef>
-            <a:fillRef idx="1">
-              <a:schemeClr val="accent1"/>
-            </a:fillRef>
-            <a:effectRef idx="0">
-              <a:schemeClr val="accent1"/>
-            </a:effectRef>
-            <a:fontRef idx="minor">
-              <a:schemeClr val="lt1"/>
-            </a:fontRef>
-          </p:style>
-          <p:txBody>
-            <a:bodyPr rtlCol="0" anchor="ctr"/>
-            <a:lstStyle/>
-            <a:p>
-              <a:pPr algn="ctr"/>
-              <a:r>
-                <a:rPr lang="en-US" sz="800" dirty="0">
-                  <a:solidFill>
-                    <a:schemeClr val="tx1"/>
-                  </a:solidFill>
-                  <a:latin typeface="Verdana" panose="020B0604030504040204" pitchFamily="34" charset="0"/>
-                  <a:ea typeface="Verdana" panose="020B0604030504040204" pitchFamily="34" charset="0"/>
-                </a:rPr>
-                <a:t>Sentence Vector Representation</a:t>
-              </a:r>
-              <a:endParaRPr lang="en-US" dirty="0">
-                <a:solidFill>
-                  <a:schemeClr val="tx1"/>
-                </a:solidFill>
-              </a:endParaRPr>
-            </a:p>
-          </p:txBody>
-        </p:sp>
-        <p:cxnSp>
-          <p:nvCxnSpPr>
-            <p:cNvPr id="36" name="Straight Arrow Connector 35">
-              <a:extLst>
-                <a:ext uri="{FF2B5EF4-FFF2-40B4-BE49-F238E27FC236}">
-                  <a16:creationId xmlns:a16="http://schemas.microsoft.com/office/drawing/2014/main" id="{2AFFF932-BE03-4460-9DDF-9E352C8118F3}"/>
-                </a:ext>
-              </a:extLst>
-            </p:cNvPr>
-            <p:cNvCxnSpPr>
-              <a:cxnSpLocks/>
-              <a:endCxn id="33" idx="1"/>
-            </p:cNvCxnSpPr>
-            <p:nvPr/>
-          </p:nvCxnSpPr>
-          <p:spPr>
-            <a:xfrm>
-              <a:off x="4522247" y="4588384"/>
-              <a:ext cx="228577" cy="0"/>
-            </a:xfrm>
-            <a:prstGeom prst="straightConnector1">
-              <a:avLst/>
-            </a:prstGeom>
-            <a:ln w="22225">
-              <a:solidFill>
-                <a:schemeClr val="tx1"/>
-              </a:solidFill>
-              <a:tailEnd type="triangle"/>
-            </a:ln>
-          </p:spPr>
-          <p:style>
-            <a:lnRef idx="1">
-              <a:schemeClr val="accent1"/>
-            </a:lnRef>
-            <a:fillRef idx="0">
-              <a:schemeClr val="accent1"/>
-            </a:fillRef>
-            <a:effectRef idx="0">
-              <a:schemeClr val="accent1"/>
-            </a:effectRef>
-            <a:fontRef idx="minor">
-              <a:schemeClr val="tx1"/>
-            </a:fontRef>
-          </p:style>
-        </p:cxnSp>
-        <p:cxnSp>
-          <p:nvCxnSpPr>
-            <p:cNvPr id="37" name="Straight Arrow Connector 36">
-              <a:extLst>
-                <a:ext uri="{FF2B5EF4-FFF2-40B4-BE49-F238E27FC236}">
-                  <a16:creationId xmlns:a16="http://schemas.microsoft.com/office/drawing/2014/main" id="{A469E036-69CA-45A7-891A-D3F4CB513111}"/>
-                </a:ext>
-              </a:extLst>
-            </p:cNvPr>
-            <p:cNvCxnSpPr>
-              <a:cxnSpLocks/>
-              <a:endCxn id="34" idx="1"/>
-            </p:cNvCxnSpPr>
-            <p:nvPr/>
-          </p:nvCxnSpPr>
-          <p:spPr>
-            <a:xfrm>
-              <a:off x="5781208" y="4588384"/>
-              <a:ext cx="252238" cy="0"/>
-            </a:xfrm>
-            <a:prstGeom prst="straightConnector1">
-              <a:avLst/>
-            </a:prstGeom>
-            <a:ln w="22225">
-              <a:solidFill>
-                <a:schemeClr val="tx1"/>
-              </a:solidFill>
-              <a:tailEnd type="triangle"/>
-            </a:ln>
-          </p:spPr>
-          <p:style>
-            <a:lnRef idx="1">
-              <a:schemeClr val="accent1"/>
-            </a:lnRef>
-            <a:fillRef idx="0">
-              <a:schemeClr val="accent1"/>
-            </a:fillRef>
-            <a:effectRef idx="0">
-              <a:schemeClr val="accent1"/>
-            </a:effectRef>
-            <a:fontRef idx="minor">
-              <a:schemeClr val="tx1"/>
-            </a:fontRef>
-          </p:style>
-        </p:cxnSp>
-        <p:cxnSp>
-          <p:nvCxnSpPr>
-            <p:cNvPr id="38" name="Straight Arrow Connector 37">
-              <a:extLst>
-                <a:ext uri="{FF2B5EF4-FFF2-40B4-BE49-F238E27FC236}">
-                  <a16:creationId xmlns:a16="http://schemas.microsoft.com/office/drawing/2014/main" id="{9C3A54DB-B6C9-4BBB-BCE4-75D80E12BD7F}"/>
-                </a:ext>
-              </a:extLst>
-            </p:cNvPr>
-            <p:cNvCxnSpPr>
-              <a:cxnSpLocks/>
-              <a:endCxn id="35" idx="1"/>
-            </p:cNvCxnSpPr>
-            <p:nvPr/>
-          </p:nvCxnSpPr>
-          <p:spPr>
-            <a:xfrm>
-              <a:off x="7063830" y="4588384"/>
-              <a:ext cx="252238" cy="0"/>
-            </a:xfrm>
-            <a:prstGeom prst="straightConnector1">
-              <a:avLst/>
-            </a:prstGeom>
-            <a:ln w="22225">
-              <a:solidFill>
-                <a:schemeClr val="tx1"/>
-              </a:solidFill>
-              <a:tailEnd type="triangle"/>
-            </a:ln>
-          </p:spPr>
-          <p:style>
-            <a:lnRef idx="1">
-              <a:schemeClr val="accent1"/>
-            </a:lnRef>
-            <a:fillRef idx="0">
-              <a:schemeClr val="accent1"/>
-            </a:fillRef>
-            <a:effectRef idx="0">
-              <a:schemeClr val="accent1"/>
-            </a:effectRef>
-            <a:fontRef idx="minor">
-              <a:schemeClr val="tx1"/>
-            </a:fontRef>
-          </p:style>
-        </p:cxnSp>
-      </p:grpSp>
-    </p:spTree>
-    <p:extLst>
-      <p:ext uri="{BB962C8B-B14F-4D97-AF65-F5344CB8AC3E}">
-        <p14:creationId xmlns:p14="http://schemas.microsoft.com/office/powerpoint/2010/main" val="3085747786"/>
       </p:ext>
     </p:extLst>
   </p:cSld>

--- a/Final_project/MScA_31008_Final_Project_Presentation - Pitchbook Industry Classification.pptx
+++ b/Final_project/MScA_31008_Final_Project_Presentation - Pitchbook Industry Classification.pptx
@@ -5,22 +5,24 @@
     <p:sldMasterId id="2147483648" r:id="rId1"/>
   </p:sldMasterIdLst>
   <p:notesMasterIdLst>
-    <p:notesMasterId r:id="rId15"/>
+    <p:notesMasterId r:id="rId17"/>
   </p:notesMasterIdLst>
   <p:sldIdLst>
     <p:sldId id="261" r:id="rId2"/>
     <p:sldId id="257" r:id="rId3"/>
-    <p:sldId id="262" r:id="rId4"/>
-    <p:sldId id="266" r:id="rId5"/>
-    <p:sldId id="264" r:id="rId6"/>
-    <p:sldId id="263" r:id="rId7"/>
-    <p:sldId id="269" r:id="rId8"/>
-    <p:sldId id="270" r:id="rId9"/>
-    <p:sldId id="271" r:id="rId10"/>
-    <p:sldId id="265" r:id="rId11"/>
-    <p:sldId id="267" r:id="rId12"/>
-    <p:sldId id="268" r:id="rId13"/>
-    <p:sldId id="272" r:id="rId14"/>
+    <p:sldId id="273" r:id="rId4"/>
+    <p:sldId id="274" r:id="rId5"/>
+    <p:sldId id="275" r:id="rId6"/>
+    <p:sldId id="266" r:id="rId7"/>
+    <p:sldId id="264" r:id="rId8"/>
+    <p:sldId id="263" r:id="rId9"/>
+    <p:sldId id="269" r:id="rId10"/>
+    <p:sldId id="270" r:id="rId11"/>
+    <p:sldId id="271" r:id="rId12"/>
+    <p:sldId id="265" r:id="rId13"/>
+    <p:sldId id="267" r:id="rId14"/>
+    <p:sldId id="268" r:id="rId15"/>
+    <p:sldId id="272" r:id="rId16"/>
   </p:sldIdLst>
   <p:sldSz cx="12192000" cy="6858000"/>
   <p:notesSz cx="6858000" cy="9144000"/>
@@ -520,6 +522,42 @@
           <a:bodyPr/>
           <a:lstStyle/>
           <a:p>
+            <a:r>
+              <a:rPr lang="en-US" sz="1200" b="0" i="0" kern="1200" dirty="0">
+                <a:solidFill>
+                  <a:schemeClr val="tx1"/>
+                </a:solidFill>
+                <a:effectLst/>
+                <a:latin typeface="+mn-lt"/>
+                <a:ea typeface="+mn-ea"/>
+                <a:cs typeface="+mn-cs"/>
+              </a:rPr>
+              <a:t>The </a:t>
+            </a:r>
+            <a:r>
+              <a:rPr lang="en-US" sz="1200" b="1" i="0" kern="1200" dirty="0">
+                <a:solidFill>
+                  <a:schemeClr val="tx1"/>
+                </a:solidFill>
+                <a:effectLst/>
+                <a:latin typeface="+mn-lt"/>
+                <a:ea typeface="+mn-ea"/>
+                <a:cs typeface="+mn-cs"/>
+              </a:rPr>
+              <a:t>Irving Fisher Committee</a:t>
+            </a:r>
+            <a:r>
+              <a:rPr lang="en-US" sz="1200" b="0" i="0" kern="1200" dirty="0">
+                <a:solidFill>
+                  <a:schemeClr val="tx1"/>
+                </a:solidFill>
+                <a:effectLst/>
+                <a:latin typeface="+mn-lt"/>
+                <a:ea typeface="+mn-ea"/>
+                <a:cs typeface="+mn-cs"/>
+              </a:rPr>
+              <a:t> is a forum of central bank economists and statisticians, discussing statistical issues of interest to central banks</a:t>
+            </a:r>
             <a:endParaRPr lang="en-US" dirty="0"/>
           </a:p>
         </p:txBody>
@@ -604,55 +642,6 @@
           <a:bodyPr/>
           <a:lstStyle/>
           <a:p>
-            <a:pPr algn="l"/>
-            <a:r>
-              <a:rPr lang="en-US" b="0" i="0" dirty="0">
-                <a:solidFill>
-                  <a:srgbClr val="374151"/>
-                </a:solidFill>
-                <a:effectLst/>
-                <a:latin typeface="Söhne"/>
-              </a:rPr>
-              <a:t>Sentence transformers can be used in conjunction with Logistic Regression for various natural language processing (NLP) tasks that involve sentence classification. The purpose of using sentence transformers in Logistic Regression is to improve the quality of the sentence representation and enhance the performance of the classification model.</a:t>
-            </a:r>
-          </a:p>
-          <a:p>
-            <a:pPr algn="l"/>
-            <a:endParaRPr lang="en-US" b="0" i="0" dirty="0">
-              <a:solidFill>
-                <a:srgbClr val="374151"/>
-              </a:solidFill>
-              <a:effectLst/>
-              <a:latin typeface="Söhne"/>
-            </a:endParaRPr>
-          </a:p>
-          <a:p>
-            <a:pPr algn="l"/>
-            <a:r>
-              <a:rPr lang="en-US" b="0" i="0" dirty="0">
-                <a:solidFill>
-                  <a:srgbClr val="374151"/>
-                </a:solidFill>
-                <a:effectLst/>
-                <a:latin typeface="Söhne"/>
-              </a:rPr>
-              <a:t>In traditional Logistic Regression models for sentence classification, the sentence is represented as a bag-of-words or a sequence of word embeddings, which can lead to the loss of important semantic and contextual information. Sentence transformers address this limitation by encoding the sentence as a dense vector that captures the meaning and context of the sentence.</a:t>
-            </a:r>
-          </a:p>
-          <a:p>
-            <a:endParaRPr lang="en-US" dirty="0"/>
-          </a:p>
-          <a:p>
-            <a:r>
-              <a:rPr lang="en-US" b="0" i="0" dirty="0">
-                <a:solidFill>
-                  <a:srgbClr val="374151"/>
-                </a:solidFill>
-                <a:effectLst/>
-                <a:latin typeface="Söhne"/>
-              </a:rPr>
-              <a:t>By using sentence transformers in Logistic Regression, we can achieve state-of-the-art performance on various NLP tasks such as sentiment analysis, text classification, and language translation.</a:t>
-            </a:r>
             <a:endParaRPr lang="en-US" dirty="0"/>
           </a:p>
         </p:txBody>
@@ -683,7 +672,7 @@
     </p:spTree>
     <p:extLst>
       <p:ext uri="{BB962C8B-B14F-4D97-AF65-F5344CB8AC3E}">
-        <p14:creationId xmlns:p14="http://schemas.microsoft.com/office/powerpoint/2010/main" val="2353179802"/>
+        <p14:creationId xmlns:p14="http://schemas.microsoft.com/office/powerpoint/2010/main" val="816397328"/>
       </p:ext>
     </p:extLst>
   </p:cSld>
@@ -737,6 +726,90 @@
           <a:bodyPr/>
           <a:lstStyle/>
           <a:p>
+            <a:endParaRPr lang="en-US" dirty="0"/>
+          </a:p>
+        </p:txBody>
+      </p:sp>
+      <p:sp>
+        <p:nvSpPr>
+          <p:cNvPr id="4" name="Slide Number Placeholder 3"/>
+          <p:cNvSpPr>
+            <a:spLocks noGrp="1"/>
+          </p:cNvSpPr>
+          <p:nvPr>
+            <p:ph type="sldNum" sz="quarter" idx="5"/>
+          </p:nvPr>
+        </p:nvSpPr>
+        <p:spPr/>
+        <p:txBody>
+          <a:bodyPr/>
+          <a:lstStyle/>
+          <a:p>
+            <a:fld id="{159A4FC4-B7B2-41AD-A47A-6BEA82EF40C3}" type="slidenum">
+              <a:rPr lang="en-US" smtClean="0"/>
+              <a:t>13</a:t>
+            </a:fld>
+            <a:endParaRPr lang="en-US"/>
+          </a:p>
+        </p:txBody>
+      </p:sp>
+    </p:spTree>
+    <p:extLst>
+      <p:ext uri="{BB962C8B-B14F-4D97-AF65-F5344CB8AC3E}">
+        <p14:creationId xmlns:p14="http://schemas.microsoft.com/office/powerpoint/2010/main" val="2657907164"/>
+      </p:ext>
+    </p:extLst>
+  </p:cSld>
+  <p:clrMapOvr>
+    <a:masterClrMapping/>
+  </p:clrMapOvr>
+</p:notes>
+</file>
+
+<file path=ppt/notesSlides/notesSlide12.xml><?xml version="1.0" encoding="utf-8"?>
+<p:notes xmlns:a="http://schemas.openxmlformats.org/drawingml/2006/main" xmlns:r="http://schemas.openxmlformats.org/officeDocument/2006/relationships" xmlns:p="http://schemas.openxmlformats.org/presentationml/2006/main">
+  <p:cSld>
+    <p:spTree>
+      <p:nvGrpSpPr>
+        <p:cNvPr id="1" name=""/>
+        <p:cNvGrpSpPr/>
+        <p:nvPr/>
+      </p:nvGrpSpPr>
+      <p:grpSpPr>
+        <a:xfrm>
+          <a:off x="0" y="0"/>
+          <a:ext cx="0" cy="0"/>
+          <a:chOff x="0" y="0"/>
+          <a:chExt cx="0" cy="0"/>
+        </a:xfrm>
+      </p:grpSpPr>
+      <p:sp>
+        <p:nvSpPr>
+          <p:cNvPr id="2" name="Slide Image Placeholder 1"/>
+          <p:cNvSpPr>
+            <a:spLocks noGrp="1" noRot="1" noChangeAspect="1"/>
+          </p:cNvSpPr>
+          <p:nvPr>
+            <p:ph type="sldImg"/>
+          </p:nvPr>
+        </p:nvSpPr>
+        <p:spPr/>
+      </p:sp>
+      <p:sp>
+        <p:nvSpPr>
+          <p:cNvPr id="3" name="Notes Placeholder 2"/>
+          <p:cNvSpPr>
+            <a:spLocks noGrp="1"/>
+          </p:cNvSpPr>
+          <p:nvPr>
+            <p:ph type="body" idx="1"/>
+          </p:nvPr>
+        </p:nvSpPr>
+        <p:spPr/>
+        <p:txBody>
+          <a:bodyPr/>
+          <a:lstStyle/>
+          <a:p>
             <a:pPr algn="l"/>
             <a:r>
               <a:rPr lang="en-US" b="0" i="0" dirty="0">
@@ -807,7 +880,140 @@
           <a:p>
             <a:fld id="{159A4FC4-B7B2-41AD-A47A-6BEA82EF40C3}" type="slidenum">
               <a:rPr lang="en-US" smtClean="0"/>
-              <a:t>13</a:t>
+              <a:t>14</a:t>
+            </a:fld>
+            <a:endParaRPr lang="en-US"/>
+          </a:p>
+        </p:txBody>
+      </p:sp>
+    </p:spTree>
+    <p:extLst>
+      <p:ext uri="{BB962C8B-B14F-4D97-AF65-F5344CB8AC3E}">
+        <p14:creationId xmlns:p14="http://schemas.microsoft.com/office/powerpoint/2010/main" val="2353179802"/>
+      </p:ext>
+    </p:extLst>
+  </p:cSld>
+  <p:clrMapOvr>
+    <a:masterClrMapping/>
+  </p:clrMapOvr>
+</p:notes>
+</file>
+
+<file path=ppt/notesSlides/notesSlide13.xml><?xml version="1.0" encoding="utf-8"?>
+<p:notes xmlns:a="http://schemas.openxmlformats.org/drawingml/2006/main" xmlns:r="http://schemas.openxmlformats.org/officeDocument/2006/relationships" xmlns:p="http://schemas.openxmlformats.org/presentationml/2006/main">
+  <p:cSld>
+    <p:spTree>
+      <p:nvGrpSpPr>
+        <p:cNvPr id="1" name=""/>
+        <p:cNvGrpSpPr/>
+        <p:nvPr/>
+      </p:nvGrpSpPr>
+      <p:grpSpPr>
+        <a:xfrm>
+          <a:off x="0" y="0"/>
+          <a:ext cx="0" cy="0"/>
+          <a:chOff x="0" y="0"/>
+          <a:chExt cx="0" cy="0"/>
+        </a:xfrm>
+      </p:grpSpPr>
+      <p:sp>
+        <p:nvSpPr>
+          <p:cNvPr id="2" name="Slide Image Placeholder 1"/>
+          <p:cNvSpPr>
+            <a:spLocks noGrp="1" noRot="1" noChangeAspect="1"/>
+          </p:cNvSpPr>
+          <p:nvPr>
+            <p:ph type="sldImg"/>
+          </p:nvPr>
+        </p:nvSpPr>
+        <p:spPr/>
+      </p:sp>
+      <p:sp>
+        <p:nvSpPr>
+          <p:cNvPr id="3" name="Notes Placeholder 2"/>
+          <p:cNvSpPr>
+            <a:spLocks noGrp="1"/>
+          </p:cNvSpPr>
+          <p:nvPr>
+            <p:ph type="body" idx="1"/>
+          </p:nvPr>
+        </p:nvSpPr>
+        <p:spPr/>
+        <p:txBody>
+          <a:bodyPr/>
+          <a:lstStyle/>
+          <a:p>
+            <a:pPr algn="l"/>
+            <a:r>
+              <a:rPr lang="en-US" b="0" i="0" dirty="0">
+                <a:solidFill>
+                  <a:srgbClr val="374151"/>
+                </a:solidFill>
+                <a:effectLst/>
+                <a:latin typeface="Söhne"/>
+              </a:rPr>
+              <a:t>Sentence transformers can be used in conjunction with Logistic Regression for various natural language processing (NLP) tasks that involve sentence classification. The purpose of using sentence transformers in Logistic Regression is to improve the quality of the sentence representation and enhance the performance of the classification model.</a:t>
+            </a:r>
+          </a:p>
+          <a:p>
+            <a:pPr algn="l"/>
+            <a:endParaRPr lang="en-US" b="0" i="0" dirty="0">
+              <a:solidFill>
+                <a:srgbClr val="374151"/>
+              </a:solidFill>
+              <a:effectLst/>
+              <a:latin typeface="Söhne"/>
+            </a:endParaRPr>
+          </a:p>
+          <a:p>
+            <a:pPr algn="l"/>
+            <a:r>
+              <a:rPr lang="en-US" b="0" i="0" dirty="0">
+                <a:solidFill>
+                  <a:srgbClr val="374151"/>
+                </a:solidFill>
+                <a:effectLst/>
+                <a:latin typeface="Söhne"/>
+              </a:rPr>
+              <a:t>In traditional Logistic Regression models for sentence classification, the sentence is represented as a bag-of-words or a sequence of word embeddings, which can lead to the loss of important semantic and contextual information. Sentence transformers address this limitation by encoding the sentence as a dense vector that captures the meaning and context of the sentence.</a:t>
+            </a:r>
+          </a:p>
+          <a:p>
+            <a:endParaRPr lang="en-US" dirty="0"/>
+          </a:p>
+          <a:p>
+            <a:r>
+              <a:rPr lang="en-US" b="0" i="0" dirty="0">
+                <a:solidFill>
+                  <a:srgbClr val="374151"/>
+                </a:solidFill>
+                <a:effectLst/>
+                <a:latin typeface="Söhne"/>
+              </a:rPr>
+              <a:t>By using sentence transformers in Logistic Regression, we can achieve state-of-the-art performance on various NLP tasks such as sentiment analysis, text classification, and language translation.</a:t>
+            </a:r>
+            <a:endParaRPr lang="en-US" dirty="0"/>
+          </a:p>
+        </p:txBody>
+      </p:sp>
+      <p:sp>
+        <p:nvSpPr>
+          <p:cNvPr id="4" name="Slide Number Placeholder 3"/>
+          <p:cNvSpPr>
+            <a:spLocks noGrp="1"/>
+          </p:cNvSpPr>
+          <p:nvPr>
+            <p:ph type="sldNum" sz="quarter" idx="5"/>
+          </p:nvPr>
+        </p:nvSpPr>
+        <p:spPr/>
+        <p:txBody>
+          <a:bodyPr/>
+          <a:lstStyle/>
+          <a:p>
+            <a:fld id="{159A4FC4-B7B2-41AD-A47A-6BEA82EF40C3}" type="slidenum">
+              <a:rPr lang="en-US" smtClean="0"/>
+              <a:t>15</a:t>
             </a:fld>
             <a:endParaRPr lang="en-US"/>
           </a:p>
@@ -870,6 +1076,42 @@
           <a:bodyPr/>
           <a:lstStyle/>
           <a:p>
+            <a:r>
+              <a:rPr lang="en-US" sz="1200" b="0" i="0" kern="1200" dirty="0">
+                <a:solidFill>
+                  <a:schemeClr val="tx1"/>
+                </a:solidFill>
+                <a:effectLst/>
+                <a:latin typeface="+mn-lt"/>
+                <a:ea typeface="+mn-ea"/>
+                <a:cs typeface="+mn-cs"/>
+              </a:rPr>
+              <a:t>The </a:t>
+            </a:r>
+            <a:r>
+              <a:rPr lang="en-US" sz="1200" b="1" i="0" kern="1200" dirty="0">
+                <a:solidFill>
+                  <a:schemeClr val="tx1"/>
+                </a:solidFill>
+                <a:effectLst/>
+                <a:latin typeface="+mn-lt"/>
+                <a:ea typeface="+mn-ea"/>
+                <a:cs typeface="+mn-cs"/>
+              </a:rPr>
+              <a:t>Irving Fisher Committee</a:t>
+            </a:r>
+            <a:r>
+              <a:rPr lang="en-US" sz="1200" b="0" i="0" kern="1200" dirty="0">
+                <a:solidFill>
+                  <a:schemeClr val="tx1"/>
+                </a:solidFill>
+                <a:effectLst/>
+                <a:latin typeface="+mn-lt"/>
+                <a:ea typeface="+mn-ea"/>
+                <a:cs typeface="+mn-cs"/>
+              </a:rPr>
+              <a:t> is a forum of central bank economists and statisticians, discussing statistical issues of interest to central banks</a:t>
+            </a:r>
             <a:endParaRPr lang="en-US" dirty="0"/>
           </a:p>
         </p:txBody>
@@ -900,7 +1142,7 @@
     </p:spTree>
     <p:extLst>
       <p:ext uri="{BB962C8B-B14F-4D97-AF65-F5344CB8AC3E}">
-        <p14:creationId xmlns:p14="http://schemas.microsoft.com/office/powerpoint/2010/main" val="4248919767"/>
+        <p14:creationId xmlns:p14="http://schemas.microsoft.com/office/powerpoint/2010/main" val="2159282309"/>
       </p:ext>
     </p:extLst>
   </p:cSld>
@@ -954,6 +1196,42 @@
           <a:bodyPr/>
           <a:lstStyle/>
           <a:p>
+            <a:r>
+              <a:rPr lang="en-US" sz="1200" b="0" i="0" kern="1200" dirty="0">
+                <a:solidFill>
+                  <a:schemeClr val="tx1"/>
+                </a:solidFill>
+                <a:effectLst/>
+                <a:latin typeface="+mn-lt"/>
+                <a:ea typeface="+mn-ea"/>
+                <a:cs typeface="+mn-cs"/>
+              </a:rPr>
+              <a:t>The </a:t>
+            </a:r>
+            <a:r>
+              <a:rPr lang="en-US" sz="1200" b="1" i="0" kern="1200" dirty="0">
+                <a:solidFill>
+                  <a:schemeClr val="tx1"/>
+                </a:solidFill>
+                <a:effectLst/>
+                <a:latin typeface="+mn-lt"/>
+                <a:ea typeface="+mn-ea"/>
+                <a:cs typeface="+mn-cs"/>
+              </a:rPr>
+              <a:t>Irving Fisher Committee</a:t>
+            </a:r>
+            <a:r>
+              <a:rPr lang="en-US" sz="1200" b="0" i="0" kern="1200" dirty="0">
+                <a:solidFill>
+                  <a:schemeClr val="tx1"/>
+                </a:solidFill>
+                <a:effectLst/>
+                <a:latin typeface="+mn-lt"/>
+                <a:ea typeface="+mn-ea"/>
+                <a:cs typeface="+mn-cs"/>
+              </a:rPr>
+              <a:t> is a forum of central bank economists and statisticians, discussing statistical issues of interest to central banks</a:t>
+            </a:r>
             <a:endParaRPr lang="en-US" dirty="0"/>
           </a:p>
         </p:txBody>
@@ -984,7 +1262,7 @@
     </p:spTree>
     <p:extLst>
       <p:ext uri="{BB962C8B-B14F-4D97-AF65-F5344CB8AC3E}">
-        <p14:creationId xmlns:p14="http://schemas.microsoft.com/office/powerpoint/2010/main" val="3343592772"/>
+        <p14:creationId xmlns:p14="http://schemas.microsoft.com/office/powerpoint/2010/main" val="878012087"/>
       </p:ext>
     </p:extLst>
   </p:cSld>
@@ -1068,7 +1346,7 @@
     </p:spTree>
     <p:extLst>
       <p:ext uri="{BB962C8B-B14F-4D97-AF65-F5344CB8AC3E}">
-        <p14:creationId xmlns:p14="http://schemas.microsoft.com/office/powerpoint/2010/main" val="794811227"/>
+        <p14:creationId xmlns:p14="http://schemas.microsoft.com/office/powerpoint/2010/main" val="4248919767"/>
       </p:ext>
     </p:extLst>
   </p:cSld>
@@ -1152,7 +1430,7 @@
     </p:spTree>
     <p:extLst>
       <p:ext uri="{BB962C8B-B14F-4D97-AF65-F5344CB8AC3E}">
-        <p14:creationId xmlns:p14="http://schemas.microsoft.com/office/powerpoint/2010/main" val="3910366027"/>
+        <p14:creationId xmlns:p14="http://schemas.microsoft.com/office/powerpoint/2010/main" val="3343592772"/>
       </p:ext>
     </p:extLst>
   </p:cSld>
@@ -1206,10 +1484,7 @@
           <a:bodyPr/>
           <a:lstStyle/>
           <a:p>
-            <a:r>
-              <a:rPr lang="en-US" dirty="0"/>
-              <a:t>EDA – Exploratory data analysis</a:t>
-            </a:r>
+            <a:endParaRPr lang="en-US" dirty="0"/>
           </a:p>
         </p:txBody>
       </p:sp>
@@ -1239,7 +1514,7 @@
     </p:spTree>
     <p:extLst>
       <p:ext uri="{BB962C8B-B14F-4D97-AF65-F5344CB8AC3E}">
-        <p14:creationId xmlns:p14="http://schemas.microsoft.com/office/powerpoint/2010/main" val="3232187690"/>
+        <p14:creationId xmlns:p14="http://schemas.microsoft.com/office/powerpoint/2010/main" val="794811227"/>
       </p:ext>
     </p:extLst>
   </p:cSld>
@@ -1293,191 +1568,6 @@
           <a:bodyPr/>
           <a:lstStyle/>
           <a:p>
-            <a:r>
-              <a:rPr lang="en-US" sz="1200" dirty="0">
-                <a:solidFill>
-                  <a:srgbClr val="374151"/>
-                </a:solidFill>
-                <a:latin typeface="Verdana" panose="020B0604030504040204" pitchFamily="34" charset="0"/>
-                <a:ea typeface="Verdana" panose="020B0604030504040204" pitchFamily="34" charset="0"/>
-              </a:rPr>
-              <a:t>PitchBook provides multiple columns like ‘Description’, ‘Keywords’, ‘PrimaryIndustrySector’, ‘PrimaryIndustryGroup’, ‘PrimaryIndustryCode’. We combine all those columns from Pitchbook into one column ‘CompleteDescription’ and call it has sentence.</a:t>
-            </a:r>
-          </a:p>
-          <a:p>
-            <a:endParaRPr lang="en-US" sz="1200" dirty="0">
-              <a:solidFill>
-                <a:srgbClr val="374151"/>
-              </a:solidFill>
-              <a:latin typeface="Verdana" panose="020B0604030504040204" pitchFamily="34" charset="0"/>
-              <a:ea typeface="Verdana" panose="020B0604030504040204" pitchFamily="34" charset="0"/>
-            </a:endParaRPr>
-          </a:p>
-          <a:p>
-            <a:pPr marL="0" marR="0" lvl="0" indent="0" algn="l" defTabSz="914400" rtl="0" eaLnBrk="1" fontAlgn="auto" latinLnBrk="0" hangingPunct="1">
-              <a:lnSpc>
-                <a:spcPct val="100000"/>
-              </a:lnSpc>
-              <a:spcBef>
-                <a:spcPts val="0"/>
-              </a:spcBef>
-              <a:spcAft>
-                <a:spcPts val="0"/>
-              </a:spcAft>
-              <a:buClrTx/>
-              <a:buSzTx/>
-              <a:buFontTx/>
-              <a:buNone/>
-              <a:tabLst/>
-              <a:defRPr/>
-            </a:pPr>
-            <a:r>
-              <a:rPr lang="en-US" b="0" i="0" dirty="0">
-                <a:solidFill>
-                  <a:srgbClr val="374151"/>
-                </a:solidFill>
-                <a:effectLst/>
-                <a:latin typeface="Söhne"/>
-              </a:rPr>
-              <a:t>Improved Sentence Representations: Traditional methods of sentence representation, such as bag-of-words or simple word embeddings, may not capture the full meaning and context of a sentence. Sentence transformers, on the other hand, are designed to encode the meaning and context of a sentence into a dense vector representation, which can better capture the nuances of the sentence.</a:t>
-            </a:r>
-          </a:p>
-          <a:p>
-            <a:pPr marL="0" marR="0" lvl="0" indent="0" algn="l" defTabSz="914400" rtl="0" eaLnBrk="1" fontAlgn="auto" latinLnBrk="0" hangingPunct="1">
-              <a:lnSpc>
-                <a:spcPct val="100000"/>
-              </a:lnSpc>
-              <a:spcBef>
-                <a:spcPts val="0"/>
-              </a:spcBef>
-              <a:spcAft>
-                <a:spcPts val="0"/>
-              </a:spcAft>
-              <a:buClrTx/>
-              <a:buSzTx/>
-              <a:buFontTx/>
-              <a:buNone/>
-              <a:tabLst/>
-              <a:defRPr/>
-            </a:pPr>
-            <a:endParaRPr lang="en-US" b="0" i="0" dirty="0">
-              <a:solidFill>
-                <a:srgbClr val="374151"/>
-              </a:solidFill>
-              <a:effectLst/>
-              <a:latin typeface="Söhne"/>
-            </a:endParaRPr>
-          </a:p>
-          <a:p>
-            <a:pPr algn="l"/>
-            <a:r>
-              <a:rPr lang="en-US" b="0" i="0" dirty="0">
-                <a:solidFill>
-                  <a:srgbClr val="374151"/>
-                </a:solidFill>
-                <a:effectLst/>
-                <a:latin typeface="Söhne"/>
-              </a:rPr>
-              <a:t>The sentence transformers output a dense vector representation of fixed length for each input sentence. The length of the vector depends on the specific pre-trained model used, but it is typically 768, 1024, or 2048. For example, the popular BERT model uses a vector length of 768.</a:t>
-            </a:r>
-          </a:p>
-          <a:p>
-            <a:pPr algn="l"/>
-            <a:endParaRPr lang="en-US" b="0" i="0" dirty="0">
-              <a:solidFill>
-                <a:srgbClr val="374151"/>
-              </a:solidFill>
-              <a:effectLst/>
-              <a:latin typeface="Söhne"/>
-            </a:endParaRPr>
-          </a:p>
-          <a:p>
-            <a:pPr algn="l"/>
-            <a:r>
-              <a:rPr lang="en-US" b="0" i="0" dirty="0">
-                <a:solidFill>
-                  <a:srgbClr val="374151"/>
-                </a:solidFill>
-                <a:effectLst/>
-                <a:latin typeface="Söhne"/>
-              </a:rPr>
-              <a:t>The reason for using a fixed-length vector representation is that it allows us to compare and measure the similarity between different sentences in a consistent way. This is important for many NLP tasks, such as information retrieval, document classification, and question answering.</a:t>
-            </a:r>
-          </a:p>
-          <a:p>
-            <a:pPr algn="l"/>
-            <a:endParaRPr lang="en-US" b="0" i="0" dirty="0">
-              <a:solidFill>
-                <a:srgbClr val="374151"/>
-              </a:solidFill>
-              <a:effectLst/>
-              <a:latin typeface="Söhne"/>
-            </a:endParaRPr>
-          </a:p>
-          <a:p>
-            <a:pPr algn="l"/>
-            <a:r>
-              <a:rPr lang="en-US" b="0" i="0" dirty="0">
-                <a:solidFill>
-                  <a:srgbClr val="374151"/>
-                </a:solidFill>
-                <a:effectLst/>
-                <a:latin typeface="Söhne"/>
-              </a:rPr>
-              <a:t>The individual values in the output vector represent the learned features or attributes of the sentence, which are determined by the pre-trained model. These features can capture various aspects of the sentence, such as its syntax, semantics, context, and sentiment.</a:t>
-            </a:r>
-          </a:p>
-          <a:p>
-            <a:pPr algn="l"/>
-            <a:endParaRPr lang="en-US" b="0" i="0" dirty="0">
-              <a:solidFill>
-                <a:srgbClr val="374151"/>
-              </a:solidFill>
-              <a:effectLst/>
-              <a:latin typeface="Söhne"/>
-            </a:endParaRPr>
-          </a:p>
-          <a:p>
-            <a:pPr algn="l"/>
-            <a:r>
-              <a:rPr lang="en-US" b="0" i="0" dirty="0">
-                <a:solidFill>
-                  <a:srgbClr val="374151"/>
-                </a:solidFill>
-                <a:effectLst/>
-                <a:latin typeface="Söhne"/>
-              </a:rPr>
-              <a:t>Overall, the sentence transformer output vector is a powerful tool for encoding the meaning and context of a sentence into a dense, fixed-length representation that can be used in a wide range of NLP applications.</a:t>
-            </a:r>
-          </a:p>
-          <a:p>
-            <a:endParaRPr lang="en-US" sz="1200" dirty="0">
-              <a:solidFill>
-                <a:srgbClr val="374151"/>
-              </a:solidFill>
-              <a:latin typeface="Verdana" panose="020B0604030504040204" pitchFamily="34" charset="0"/>
-              <a:ea typeface="Verdana" panose="020B0604030504040204" pitchFamily="34" charset="0"/>
-            </a:endParaRPr>
-          </a:p>
-          <a:p>
-            <a:endParaRPr lang="en-US" sz="1200" dirty="0">
-              <a:solidFill>
-                <a:srgbClr val="374151"/>
-              </a:solidFill>
-              <a:latin typeface="Verdana" panose="020B0604030504040204" pitchFamily="34" charset="0"/>
-              <a:ea typeface="Verdana" panose="020B0604030504040204" pitchFamily="34" charset="0"/>
-            </a:endParaRPr>
-          </a:p>
-          <a:p>
-            <a:endParaRPr lang="en-US" sz="1200" dirty="0">
-              <a:solidFill>
-                <a:srgbClr val="374151"/>
-              </a:solidFill>
-              <a:latin typeface="Verdana" panose="020B0604030504040204" pitchFamily="34" charset="0"/>
-              <a:ea typeface="Verdana" panose="020B0604030504040204" pitchFamily="34" charset="0"/>
-            </a:endParaRPr>
-          </a:p>
-          <a:p>
             <a:endParaRPr lang="en-US" dirty="0"/>
           </a:p>
         </p:txBody>
@@ -1508,7 +1598,7 @@
     </p:spTree>
     <p:extLst>
       <p:ext uri="{BB962C8B-B14F-4D97-AF65-F5344CB8AC3E}">
-        <p14:creationId xmlns:p14="http://schemas.microsoft.com/office/powerpoint/2010/main" val="2708432854"/>
+        <p14:creationId xmlns:p14="http://schemas.microsoft.com/office/powerpoint/2010/main" val="3910366027"/>
       </p:ext>
     </p:extLst>
   </p:cSld>
@@ -1562,7 +1652,10 @@
           <a:bodyPr/>
           <a:lstStyle/>
           <a:p>
-            <a:endParaRPr lang="en-US" dirty="0"/>
+            <a:r>
+              <a:rPr lang="en-US" dirty="0"/>
+              <a:t>EDA – Exploratory data analysis</a:t>
+            </a:r>
           </a:p>
         </p:txBody>
       </p:sp>
@@ -1592,7 +1685,7 @@
     </p:spTree>
     <p:extLst>
       <p:ext uri="{BB962C8B-B14F-4D97-AF65-F5344CB8AC3E}">
-        <p14:creationId xmlns:p14="http://schemas.microsoft.com/office/powerpoint/2010/main" val="816397328"/>
+        <p14:creationId xmlns:p14="http://schemas.microsoft.com/office/powerpoint/2010/main" val="3232187690"/>
       </p:ext>
     </p:extLst>
   </p:cSld>
@@ -1646,6 +1739,191 @@
           <a:bodyPr/>
           <a:lstStyle/>
           <a:p>
+            <a:r>
+              <a:rPr lang="en-US" sz="1200" dirty="0">
+                <a:solidFill>
+                  <a:srgbClr val="374151"/>
+                </a:solidFill>
+                <a:latin typeface="Verdana" panose="020B0604030504040204" pitchFamily="34" charset="0"/>
+                <a:ea typeface="Verdana" panose="020B0604030504040204" pitchFamily="34" charset="0"/>
+              </a:rPr>
+              <a:t>PitchBook provides multiple columns like ‘Description’, ‘Keywords’, ‘PrimaryIndustrySector’, ‘PrimaryIndustryGroup’, ‘PrimaryIndustryCode’. We combine all those columns from Pitchbook into one column ‘CompleteDescription’ and call it has sentence.</a:t>
+            </a:r>
+          </a:p>
+          <a:p>
+            <a:endParaRPr lang="en-US" sz="1200" dirty="0">
+              <a:solidFill>
+                <a:srgbClr val="374151"/>
+              </a:solidFill>
+              <a:latin typeface="Verdana" panose="020B0604030504040204" pitchFamily="34" charset="0"/>
+              <a:ea typeface="Verdana" panose="020B0604030504040204" pitchFamily="34" charset="0"/>
+            </a:endParaRPr>
+          </a:p>
+          <a:p>
+            <a:pPr marL="0" marR="0" lvl="0" indent="0" algn="l" defTabSz="914400" rtl="0" eaLnBrk="1" fontAlgn="auto" latinLnBrk="0" hangingPunct="1">
+              <a:lnSpc>
+                <a:spcPct val="100000"/>
+              </a:lnSpc>
+              <a:spcBef>
+                <a:spcPts val="0"/>
+              </a:spcBef>
+              <a:spcAft>
+                <a:spcPts val="0"/>
+              </a:spcAft>
+              <a:buClrTx/>
+              <a:buSzTx/>
+              <a:buFontTx/>
+              <a:buNone/>
+              <a:tabLst/>
+              <a:defRPr/>
+            </a:pPr>
+            <a:r>
+              <a:rPr lang="en-US" b="0" i="0" dirty="0">
+                <a:solidFill>
+                  <a:srgbClr val="374151"/>
+                </a:solidFill>
+                <a:effectLst/>
+                <a:latin typeface="Söhne"/>
+              </a:rPr>
+              <a:t>Improved Sentence Representations: Traditional methods of sentence representation, such as bag-of-words or simple word embeddings, may not capture the full meaning and context of a sentence. Sentence transformers, on the other hand, are designed to encode the meaning and context of a sentence into a dense vector representation, which can better capture the nuances of the sentence.</a:t>
+            </a:r>
+          </a:p>
+          <a:p>
+            <a:pPr marL="0" marR="0" lvl="0" indent="0" algn="l" defTabSz="914400" rtl="0" eaLnBrk="1" fontAlgn="auto" latinLnBrk="0" hangingPunct="1">
+              <a:lnSpc>
+                <a:spcPct val="100000"/>
+              </a:lnSpc>
+              <a:spcBef>
+                <a:spcPts val="0"/>
+              </a:spcBef>
+              <a:spcAft>
+                <a:spcPts val="0"/>
+              </a:spcAft>
+              <a:buClrTx/>
+              <a:buSzTx/>
+              <a:buFontTx/>
+              <a:buNone/>
+              <a:tabLst/>
+              <a:defRPr/>
+            </a:pPr>
+            <a:endParaRPr lang="en-US" b="0" i="0" dirty="0">
+              <a:solidFill>
+                <a:srgbClr val="374151"/>
+              </a:solidFill>
+              <a:effectLst/>
+              <a:latin typeface="Söhne"/>
+            </a:endParaRPr>
+          </a:p>
+          <a:p>
+            <a:pPr algn="l"/>
+            <a:r>
+              <a:rPr lang="en-US" b="0" i="0" dirty="0">
+                <a:solidFill>
+                  <a:srgbClr val="374151"/>
+                </a:solidFill>
+                <a:effectLst/>
+                <a:latin typeface="Söhne"/>
+              </a:rPr>
+              <a:t>The sentence transformers output a dense vector representation of fixed length for each input sentence. The length of the vector depends on the specific pre-trained model used, but it is typically 768, 1024, or 2048. For example, the popular BERT model uses a vector length of 768.</a:t>
+            </a:r>
+          </a:p>
+          <a:p>
+            <a:pPr algn="l"/>
+            <a:endParaRPr lang="en-US" b="0" i="0" dirty="0">
+              <a:solidFill>
+                <a:srgbClr val="374151"/>
+              </a:solidFill>
+              <a:effectLst/>
+              <a:latin typeface="Söhne"/>
+            </a:endParaRPr>
+          </a:p>
+          <a:p>
+            <a:pPr algn="l"/>
+            <a:r>
+              <a:rPr lang="en-US" b="0" i="0" dirty="0">
+                <a:solidFill>
+                  <a:srgbClr val="374151"/>
+                </a:solidFill>
+                <a:effectLst/>
+                <a:latin typeface="Söhne"/>
+              </a:rPr>
+              <a:t>The reason for using a fixed-length vector representation is that it allows us to compare and measure the similarity between different sentences in a consistent way. This is important for many NLP tasks, such as information retrieval, document classification, and question answering.</a:t>
+            </a:r>
+          </a:p>
+          <a:p>
+            <a:pPr algn="l"/>
+            <a:endParaRPr lang="en-US" b="0" i="0" dirty="0">
+              <a:solidFill>
+                <a:srgbClr val="374151"/>
+              </a:solidFill>
+              <a:effectLst/>
+              <a:latin typeface="Söhne"/>
+            </a:endParaRPr>
+          </a:p>
+          <a:p>
+            <a:pPr algn="l"/>
+            <a:r>
+              <a:rPr lang="en-US" b="0" i="0" dirty="0">
+                <a:solidFill>
+                  <a:srgbClr val="374151"/>
+                </a:solidFill>
+                <a:effectLst/>
+                <a:latin typeface="Söhne"/>
+              </a:rPr>
+              <a:t>The individual values in the output vector represent the learned features or attributes of the sentence, which are determined by the pre-trained model. These features can capture various aspects of the sentence, such as its syntax, semantics, context, and sentiment.</a:t>
+            </a:r>
+          </a:p>
+          <a:p>
+            <a:pPr algn="l"/>
+            <a:endParaRPr lang="en-US" b="0" i="0" dirty="0">
+              <a:solidFill>
+                <a:srgbClr val="374151"/>
+              </a:solidFill>
+              <a:effectLst/>
+              <a:latin typeface="Söhne"/>
+            </a:endParaRPr>
+          </a:p>
+          <a:p>
+            <a:pPr algn="l"/>
+            <a:r>
+              <a:rPr lang="en-US" b="0" i="0" dirty="0">
+                <a:solidFill>
+                  <a:srgbClr val="374151"/>
+                </a:solidFill>
+                <a:effectLst/>
+                <a:latin typeface="Söhne"/>
+              </a:rPr>
+              <a:t>Overall, the sentence transformer output vector is a powerful tool for encoding the meaning and context of a sentence into a dense, fixed-length representation that can be used in a wide range of NLP applications.</a:t>
+            </a:r>
+          </a:p>
+          <a:p>
+            <a:endParaRPr lang="en-US" sz="1200" dirty="0">
+              <a:solidFill>
+                <a:srgbClr val="374151"/>
+              </a:solidFill>
+              <a:latin typeface="Verdana" panose="020B0604030504040204" pitchFamily="34" charset="0"/>
+              <a:ea typeface="Verdana" panose="020B0604030504040204" pitchFamily="34" charset="0"/>
+            </a:endParaRPr>
+          </a:p>
+          <a:p>
+            <a:endParaRPr lang="en-US" sz="1200" dirty="0">
+              <a:solidFill>
+                <a:srgbClr val="374151"/>
+              </a:solidFill>
+              <a:latin typeface="Verdana" panose="020B0604030504040204" pitchFamily="34" charset="0"/>
+              <a:ea typeface="Verdana" panose="020B0604030504040204" pitchFamily="34" charset="0"/>
+            </a:endParaRPr>
+          </a:p>
+          <a:p>
+            <a:endParaRPr lang="en-US" sz="1200" dirty="0">
+              <a:solidFill>
+                <a:srgbClr val="374151"/>
+              </a:solidFill>
+              <a:latin typeface="Verdana" panose="020B0604030504040204" pitchFamily="34" charset="0"/>
+              <a:ea typeface="Verdana" panose="020B0604030504040204" pitchFamily="34" charset="0"/>
+            </a:endParaRPr>
+          </a:p>
+          <a:p>
             <a:endParaRPr lang="en-US" dirty="0"/>
           </a:p>
         </p:txBody>
@@ -1676,7 +1954,7 @@
     </p:spTree>
     <p:extLst>
       <p:ext uri="{BB962C8B-B14F-4D97-AF65-F5344CB8AC3E}">
-        <p14:creationId xmlns:p14="http://schemas.microsoft.com/office/powerpoint/2010/main" val="2657907164"/>
+        <p14:creationId xmlns:p14="http://schemas.microsoft.com/office/powerpoint/2010/main" val="2708432854"/>
       </p:ext>
     </p:extLst>
   </p:cSld>
@@ -5248,7 +5526,7 @@
                 <a:ea typeface="Verdana" panose="020B0604030504040204" pitchFamily="34" charset="0"/>
                 <a:cs typeface="+mj-cs"/>
               </a:rPr>
-              <a:t>Feature Engineering</a:t>
+              <a:t>Data Preprocessing (EDA)</a:t>
             </a:r>
           </a:p>
         </p:txBody>
@@ -5277,6 +5555,1612 @@
             <a:fld id="{CE94D1BC-D86E-4D7F-8F02-7A51C792EE04}" type="slidenum">
               <a:rPr lang="en-US" smtClean="0"/>
               <a:t>10</a:t>
+            </a:fld>
+            <a:endParaRPr lang="en-US"/>
+          </a:p>
+        </p:txBody>
+      </p:sp>
+      <p:sp>
+        <p:nvSpPr>
+          <p:cNvPr id="8" name="Rectangle: Rounded Corners 7">
+            <a:extLst>
+              <a:ext uri="{FF2B5EF4-FFF2-40B4-BE49-F238E27FC236}">
+                <a16:creationId xmlns:a16="http://schemas.microsoft.com/office/drawing/2014/main" id="{A94466D1-B61C-4EF1-908E-89E940596724}"/>
+              </a:ext>
+            </a:extLst>
+          </p:cNvPr>
+          <p:cNvSpPr/>
+          <p:nvPr/>
+        </p:nvSpPr>
+        <p:spPr>
+          <a:xfrm>
+            <a:off x="4775911" y="285726"/>
+            <a:ext cx="1352550" cy="390525"/>
+          </a:xfrm>
+          <a:prstGeom prst="roundRect">
+            <a:avLst/>
+          </a:prstGeom>
+          <a:solidFill>
+            <a:schemeClr val="bg1">
+              <a:lumMod val="75000"/>
+            </a:schemeClr>
+          </a:solidFill>
+          <a:ln>
+            <a:noFill/>
+          </a:ln>
+        </p:spPr>
+        <p:style>
+          <a:lnRef idx="2">
+            <a:schemeClr val="accent1">
+              <a:shade val="50000"/>
+            </a:schemeClr>
+          </a:lnRef>
+          <a:fillRef idx="1">
+            <a:schemeClr val="accent1"/>
+          </a:fillRef>
+          <a:effectRef idx="0">
+            <a:schemeClr val="accent1"/>
+          </a:effectRef>
+          <a:fontRef idx="minor">
+            <a:schemeClr val="lt1"/>
+          </a:fontRef>
+        </p:style>
+        <p:txBody>
+          <a:bodyPr rtlCol="0" anchor="ctr"/>
+          <a:lstStyle/>
+          <a:p>
+            <a:pPr algn="ctr"/>
+            <a:r>
+              <a:rPr lang="en-US" sz="1000" dirty="0">
+                <a:latin typeface="Verdana" panose="020B0604030504040204" pitchFamily="34" charset="0"/>
+                <a:ea typeface="Verdana" panose="020B0604030504040204" pitchFamily="34" charset="0"/>
+              </a:rPr>
+              <a:t>Background</a:t>
+            </a:r>
+          </a:p>
+        </p:txBody>
+      </p:sp>
+      <p:sp>
+        <p:nvSpPr>
+          <p:cNvPr id="10" name="Rectangle: Rounded Corners 9">
+            <a:extLst>
+              <a:ext uri="{FF2B5EF4-FFF2-40B4-BE49-F238E27FC236}">
+                <a16:creationId xmlns:a16="http://schemas.microsoft.com/office/drawing/2014/main" id="{D0CF06AE-5C66-40BE-AF92-C9254A0C3FD7}"/>
+              </a:ext>
+            </a:extLst>
+          </p:cNvPr>
+          <p:cNvSpPr/>
+          <p:nvPr/>
+        </p:nvSpPr>
+        <p:spPr>
+          <a:xfrm>
+            <a:off x="6188785" y="285727"/>
+            <a:ext cx="1352550" cy="390525"/>
+          </a:xfrm>
+          <a:prstGeom prst="roundRect">
+            <a:avLst/>
+          </a:prstGeom>
+          <a:solidFill>
+            <a:schemeClr val="bg1">
+              <a:lumMod val="75000"/>
+            </a:schemeClr>
+          </a:solidFill>
+          <a:ln>
+            <a:noFill/>
+          </a:ln>
+        </p:spPr>
+        <p:style>
+          <a:lnRef idx="2">
+            <a:schemeClr val="accent1">
+              <a:shade val="50000"/>
+            </a:schemeClr>
+          </a:lnRef>
+          <a:fillRef idx="1">
+            <a:schemeClr val="accent1"/>
+          </a:fillRef>
+          <a:effectRef idx="0">
+            <a:schemeClr val="accent1"/>
+          </a:effectRef>
+          <a:fontRef idx="minor">
+            <a:schemeClr val="lt1"/>
+          </a:fontRef>
+        </p:style>
+        <p:txBody>
+          <a:bodyPr rtlCol="0" anchor="ctr"/>
+          <a:lstStyle/>
+          <a:p>
+            <a:pPr algn="ctr"/>
+            <a:r>
+              <a:rPr lang="en-US" sz="1000" dirty="0">
+                <a:latin typeface="Verdana" panose="020B0604030504040204" pitchFamily="34" charset="0"/>
+                <a:ea typeface="Verdana" panose="020B0604030504040204" pitchFamily="34" charset="0"/>
+              </a:rPr>
+              <a:t>Architecture</a:t>
+            </a:r>
+          </a:p>
+        </p:txBody>
+      </p:sp>
+      <p:sp>
+        <p:nvSpPr>
+          <p:cNvPr id="11" name="Rectangle: Rounded Corners 10">
+            <a:extLst>
+              <a:ext uri="{FF2B5EF4-FFF2-40B4-BE49-F238E27FC236}">
+                <a16:creationId xmlns:a16="http://schemas.microsoft.com/office/drawing/2014/main" id="{9B2AA2F4-54FD-4548-A211-ABBC31F90EE6}"/>
+              </a:ext>
+            </a:extLst>
+          </p:cNvPr>
+          <p:cNvSpPr/>
+          <p:nvPr/>
+        </p:nvSpPr>
+        <p:spPr>
+          <a:xfrm>
+            <a:off x="7601659" y="285726"/>
+            <a:ext cx="1352550" cy="390525"/>
+          </a:xfrm>
+          <a:prstGeom prst="roundRect">
+            <a:avLst/>
+          </a:prstGeom>
+          <a:solidFill>
+            <a:srgbClr val="9E2946"/>
+          </a:solidFill>
+          <a:ln>
+            <a:noFill/>
+          </a:ln>
+        </p:spPr>
+        <p:style>
+          <a:lnRef idx="2">
+            <a:schemeClr val="accent1">
+              <a:shade val="50000"/>
+            </a:schemeClr>
+          </a:lnRef>
+          <a:fillRef idx="1">
+            <a:schemeClr val="accent1"/>
+          </a:fillRef>
+          <a:effectRef idx="0">
+            <a:schemeClr val="accent1"/>
+          </a:effectRef>
+          <a:fontRef idx="minor">
+            <a:schemeClr val="lt1"/>
+          </a:fontRef>
+        </p:style>
+        <p:txBody>
+          <a:bodyPr rtlCol="0" anchor="ctr"/>
+          <a:lstStyle/>
+          <a:p>
+            <a:pPr algn="ctr"/>
+            <a:r>
+              <a:rPr lang="en-US" sz="1000" dirty="0">
+                <a:latin typeface="Verdana" panose="020B0604030504040204" pitchFamily="34" charset="0"/>
+                <a:ea typeface="Verdana" panose="020B0604030504040204" pitchFamily="34" charset="0"/>
+              </a:rPr>
+              <a:t>Methodology</a:t>
+            </a:r>
+          </a:p>
+        </p:txBody>
+      </p:sp>
+      <p:sp>
+        <p:nvSpPr>
+          <p:cNvPr id="12" name="Rectangle: Rounded Corners 11">
+            <a:extLst>
+              <a:ext uri="{FF2B5EF4-FFF2-40B4-BE49-F238E27FC236}">
+                <a16:creationId xmlns:a16="http://schemas.microsoft.com/office/drawing/2014/main" id="{E7FD3417-382B-42E9-8B4D-A235C22130CA}"/>
+              </a:ext>
+            </a:extLst>
+          </p:cNvPr>
+          <p:cNvSpPr/>
+          <p:nvPr/>
+        </p:nvSpPr>
+        <p:spPr>
+          <a:xfrm>
+            <a:off x="9014533" y="285726"/>
+            <a:ext cx="1352550" cy="390525"/>
+          </a:xfrm>
+          <a:prstGeom prst="roundRect">
+            <a:avLst/>
+          </a:prstGeom>
+          <a:solidFill>
+            <a:schemeClr val="bg1">
+              <a:lumMod val="75000"/>
+            </a:schemeClr>
+          </a:solidFill>
+          <a:ln>
+            <a:noFill/>
+          </a:ln>
+        </p:spPr>
+        <p:style>
+          <a:lnRef idx="2">
+            <a:schemeClr val="accent1">
+              <a:shade val="50000"/>
+            </a:schemeClr>
+          </a:lnRef>
+          <a:fillRef idx="1">
+            <a:schemeClr val="accent1"/>
+          </a:fillRef>
+          <a:effectRef idx="0">
+            <a:schemeClr val="accent1"/>
+          </a:effectRef>
+          <a:fontRef idx="minor">
+            <a:schemeClr val="lt1"/>
+          </a:fontRef>
+        </p:style>
+        <p:txBody>
+          <a:bodyPr rtlCol="0" anchor="ctr"/>
+          <a:lstStyle/>
+          <a:p>
+            <a:pPr algn="ctr"/>
+            <a:r>
+              <a:rPr lang="en-US" sz="1000" dirty="0">
+                <a:latin typeface="Verdana" panose="020B0604030504040204" pitchFamily="34" charset="0"/>
+                <a:ea typeface="Verdana" panose="020B0604030504040204" pitchFamily="34" charset="0"/>
+              </a:rPr>
+              <a:t>Outcome</a:t>
+            </a:r>
+          </a:p>
+        </p:txBody>
+      </p:sp>
+      <p:sp>
+        <p:nvSpPr>
+          <p:cNvPr id="14" name="Rectangle: Rounded Corners 13">
+            <a:extLst>
+              <a:ext uri="{FF2B5EF4-FFF2-40B4-BE49-F238E27FC236}">
+                <a16:creationId xmlns:a16="http://schemas.microsoft.com/office/drawing/2014/main" id="{66AC8B29-1893-4A94-9715-56E1E25E3B7A}"/>
+              </a:ext>
+            </a:extLst>
+          </p:cNvPr>
+          <p:cNvSpPr/>
+          <p:nvPr/>
+        </p:nvSpPr>
+        <p:spPr>
+          <a:xfrm>
+            <a:off x="10427407" y="285726"/>
+            <a:ext cx="1352550" cy="390525"/>
+          </a:xfrm>
+          <a:prstGeom prst="roundRect">
+            <a:avLst/>
+          </a:prstGeom>
+          <a:solidFill>
+            <a:schemeClr val="bg1">
+              <a:lumMod val="75000"/>
+            </a:schemeClr>
+          </a:solidFill>
+          <a:ln>
+            <a:noFill/>
+          </a:ln>
+        </p:spPr>
+        <p:style>
+          <a:lnRef idx="2">
+            <a:schemeClr val="accent1">
+              <a:shade val="50000"/>
+            </a:schemeClr>
+          </a:lnRef>
+          <a:fillRef idx="1">
+            <a:schemeClr val="accent1"/>
+          </a:fillRef>
+          <a:effectRef idx="0">
+            <a:schemeClr val="accent1"/>
+          </a:effectRef>
+          <a:fontRef idx="minor">
+            <a:schemeClr val="lt1"/>
+          </a:fontRef>
+        </p:style>
+        <p:txBody>
+          <a:bodyPr rtlCol="0" anchor="ctr"/>
+          <a:lstStyle/>
+          <a:p>
+            <a:pPr algn="ctr"/>
+            <a:r>
+              <a:rPr lang="en-US" sz="1000" dirty="0">
+                <a:latin typeface="Verdana" panose="020B0604030504040204" pitchFamily="34" charset="0"/>
+                <a:ea typeface="Verdana" panose="020B0604030504040204" pitchFamily="34" charset="0"/>
+              </a:rPr>
+              <a:t>Conclusion</a:t>
+            </a:r>
+          </a:p>
+        </p:txBody>
+      </p:sp>
+      <p:pic>
+        <p:nvPicPr>
+          <p:cNvPr id="15" name="Picture 14">
+            <a:extLst>
+              <a:ext uri="{FF2B5EF4-FFF2-40B4-BE49-F238E27FC236}">
+                <a16:creationId xmlns:a16="http://schemas.microsoft.com/office/drawing/2014/main" id="{59A5F746-0E95-4CB3-A1F8-8161B70AD447}"/>
+              </a:ext>
+            </a:extLst>
+          </p:cNvPr>
+          <p:cNvPicPr>
+            <a:picLocks noChangeAspect="1"/>
+          </p:cNvPicPr>
+          <p:nvPr/>
+        </p:nvPicPr>
+        <p:blipFill>
+          <a:blip r:embed="rId3"/>
+          <a:stretch>
+            <a:fillRect/>
+          </a:stretch>
+        </p:blipFill>
+        <p:spPr>
+          <a:xfrm>
+            <a:off x="261546" y="6238912"/>
+            <a:ext cx="1885714" cy="600000"/>
+          </a:xfrm>
+          <a:prstGeom prst="rect">
+            <a:avLst/>
+          </a:prstGeom>
+        </p:spPr>
+      </p:pic>
+      <p:sp>
+        <p:nvSpPr>
+          <p:cNvPr id="13" name="Subtitle 2">
+            <a:extLst>
+              <a:ext uri="{FF2B5EF4-FFF2-40B4-BE49-F238E27FC236}">
+                <a16:creationId xmlns:a16="http://schemas.microsoft.com/office/drawing/2014/main" id="{C1689B62-8D24-4BB5-BCEE-3B54AEAC8471}"/>
+              </a:ext>
+            </a:extLst>
+          </p:cNvPr>
+          <p:cNvSpPr txBox="1">
+            <a:spLocks/>
+          </p:cNvSpPr>
+          <p:nvPr/>
+        </p:nvSpPr>
+        <p:spPr>
+          <a:xfrm>
+            <a:off x="538578" y="1806712"/>
+            <a:ext cx="11100047" cy="3952859"/>
+          </a:xfrm>
+          <a:prstGeom prst="rect">
+            <a:avLst/>
+          </a:prstGeom>
+        </p:spPr>
+        <p:txBody>
+          <a:bodyPr vert="horz" lIns="91440" tIns="45720" rIns="91440" bIns="45720" rtlCol="0">
+            <a:normAutofit/>
+          </a:bodyPr>
+          <a:lstStyle>
+            <a:lvl1pPr marL="228600" indent="-228600" algn="l" defTabSz="914400" rtl="0" eaLnBrk="1" latinLnBrk="0" hangingPunct="1">
+              <a:lnSpc>
+                <a:spcPct val="90000"/>
+              </a:lnSpc>
+              <a:spcBef>
+                <a:spcPts val="1000"/>
+              </a:spcBef>
+              <a:buFont typeface="Arial" panose="020B0604020202020204" pitchFamily="34" charset="0"/>
+              <a:buChar char="•"/>
+              <a:defRPr sz="2800" kern="1200">
+                <a:solidFill>
+                  <a:schemeClr val="tx1"/>
+                </a:solidFill>
+                <a:latin typeface="+mn-lt"/>
+                <a:ea typeface="+mn-ea"/>
+                <a:cs typeface="+mn-cs"/>
+              </a:defRPr>
+            </a:lvl1pPr>
+            <a:lvl2pPr marL="685800" indent="-228600" algn="l" defTabSz="914400" rtl="0" eaLnBrk="1" latinLnBrk="0" hangingPunct="1">
+              <a:lnSpc>
+                <a:spcPct val="90000"/>
+              </a:lnSpc>
+              <a:spcBef>
+                <a:spcPts val="500"/>
+              </a:spcBef>
+              <a:buFont typeface="Arial" panose="020B0604020202020204" pitchFamily="34" charset="0"/>
+              <a:buChar char="•"/>
+              <a:defRPr sz="2400" kern="1200">
+                <a:solidFill>
+                  <a:schemeClr val="tx1"/>
+                </a:solidFill>
+                <a:latin typeface="+mn-lt"/>
+                <a:ea typeface="+mn-ea"/>
+                <a:cs typeface="+mn-cs"/>
+              </a:defRPr>
+            </a:lvl2pPr>
+            <a:lvl3pPr marL="1143000" indent="-228600" algn="l" defTabSz="914400" rtl="0" eaLnBrk="1" latinLnBrk="0" hangingPunct="1">
+              <a:lnSpc>
+                <a:spcPct val="90000"/>
+              </a:lnSpc>
+              <a:spcBef>
+                <a:spcPts val="500"/>
+              </a:spcBef>
+              <a:buFont typeface="Arial" panose="020B0604020202020204" pitchFamily="34" charset="0"/>
+              <a:buChar char="•"/>
+              <a:defRPr sz="2000" kern="1200">
+                <a:solidFill>
+                  <a:schemeClr val="tx1"/>
+                </a:solidFill>
+                <a:latin typeface="+mn-lt"/>
+                <a:ea typeface="+mn-ea"/>
+                <a:cs typeface="+mn-cs"/>
+              </a:defRPr>
+            </a:lvl3pPr>
+            <a:lvl4pPr marL="1600200" indent="-228600" algn="l" defTabSz="914400" rtl="0" eaLnBrk="1" latinLnBrk="0" hangingPunct="1">
+              <a:lnSpc>
+                <a:spcPct val="90000"/>
+              </a:lnSpc>
+              <a:spcBef>
+                <a:spcPts val="500"/>
+              </a:spcBef>
+              <a:buFont typeface="Arial" panose="020B0604020202020204" pitchFamily="34" charset="0"/>
+              <a:buChar char="•"/>
+              <a:defRPr sz="1800" kern="1200">
+                <a:solidFill>
+                  <a:schemeClr val="tx1"/>
+                </a:solidFill>
+                <a:latin typeface="+mn-lt"/>
+                <a:ea typeface="+mn-ea"/>
+                <a:cs typeface="+mn-cs"/>
+              </a:defRPr>
+            </a:lvl4pPr>
+            <a:lvl5pPr marL="2057400" indent="-228600" algn="l" defTabSz="914400" rtl="0" eaLnBrk="1" latinLnBrk="0" hangingPunct="1">
+              <a:lnSpc>
+                <a:spcPct val="90000"/>
+              </a:lnSpc>
+              <a:spcBef>
+                <a:spcPts val="500"/>
+              </a:spcBef>
+              <a:buFont typeface="Arial" panose="020B0604020202020204" pitchFamily="34" charset="0"/>
+              <a:buChar char="•"/>
+              <a:defRPr sz="1800" kern="1200">
+                <a:solidFill>
+                  <a:schemeClr val="tx1"/>
+                </a:solidFill>
+                <a:latin typeface="+mn-lt"/>
+                <a:ea typeface="+mn-ea"/>
+                <a:cs typeface="+mn-cs"/>
+              </a:defRPr>
+            </a:lvl5pPr>
+            <a:lvl6pPr marL="2514600" indent="-228600" algn="l" defTabSz="914400" rtl="0" eaLnBrk="1" latinLnBrk="0" hangingPunct="1">
+              <a:lnSpc>
+                <a:spcPct val="90000"/>
+              </a:lnSpc>
+              <a:spcBef>
+                <a:spcPts val="500"/>
+              </a:spcBef>
+              <a:buFont typeface="Arial" panose="020B0604020202020204" pitchFamily="34" charset="0"/>
+              <a:buChar char="•"/>
+              <a:defRPr sz="1800" kern="1200">
+                <a:solidFill>
+                  <a:schemeClr val="tx1"/>
+                </a:solidFill>
+                <a:latin typeface="+mn-lt"/>
+                <a:ea typeface="+mn-ea"/>
+                <a:cs typeface="+mn-cs"/>
+              </a:defRPr>
+            </a:lvl6pPr>
+            <a:lvl7pPr marL="2971800" indent="-228600" algn="l" defTabSz="914400" rtl="0" eaLnBrk="1" latinLnBrk="0" hangingPunct="1">
+              <a:lnSpc>
+                <a:spcPct val="90000"/>
+              </a:lnSpc>
+              <a:spcBef>
+                <a:spcPts val="500"/>
+              </a:spcBef>
+              <a:buFont typeface="Arial" panose="020B0604020202020204" pitchFamily="34" charset="0"/>
+              <a:buChar char="•"/>
+              <a:defRPr sz="1800" kern="1200">
+                <a:solidFill>
+                  <a:schemeClr val="tx1"/>
+                </a:solidFill>
+                <a:latin typeface="+mn-lt"/>
+                <a:ea typeface="+mn-ea"/>
+                <a:cs typeface="+mn-cs"/>
+              </a:defRPr>
+            </a:lvl7pPr>
+            <a:lvl8pPr marL="3429000" indent="-228600" algn="l" defTabSz="914400" rtl="0" eaLnBrk="1" latinLnBrk="0" hangingPunct="1">
+              <a:lnSpc>
+                <a:spcPct val="90000"/>
+              </a:lnSpc>
+              <a:spcBef>
+                <a:spcPts val="500"/>
+              </a:spcBef>
+              <a:buFont typeface="Arial" panose="020B0604020202020204" pitchFamily="34" charset="0"/>
+              <a:buChar char="•"/>
+              <a:defRPr sz="1800" kern="1200">
+                <a:solidFill>
+                  <a:schemeClr val="tx1"/>
+                </a:solidFill>
+                <a:latin typeface="+mn-lt"/>
+                <a:ea typeface="+mn-ea"/>
+                <a:cs typeface="+mn-cs"/>
+              </a:defRPr>
+            </a:lvl8pPr>
+            <a:lvl9pPr marL="3886200" indent="-228600" algn="l" defTabSz="914400" rtl="0" eaLnBrk="1" latinLnBrk="0" hangingPunct="1">
+              <a:lnSpc>
+                <a:spcPct val="90000"/>
+              </a:lnSpc>
+              <a:spcBef>
+                <a:spcPts val="500"/>
+              </a:spcBef>
+              <a:buFont typeface="Arial" panose="020B0604020202020204" pitchFamily="34" charset="0"/>
+              <a:buChar char="•"/>
+              <a:defRPr sz="1800" kern="1200">
+                <a:solidFill>
+                  <a:schemeClr val="tx1"/>
+                </a:solidFill>
+                <a:latin typeface="+mn-lt"/>
+                <a:ea typeface="+mn-ea"/>
+                <a:cs typeface="+mn-cs"/>
+              </a:defRPr>
+            </a:lvl9pPr>
+          </a:lstStyle>
+          <a:p>
+            <a:pPr marL="0" indent="0">
+              <a:buNone/>
+            </a:pPr>
+            <a:endParaRPr lang="en-US" dirty="0"/>
+          </a:p>
+        </p:txBody>
+      </p:sp>
+      <p:sp>
+        <p:nvSpPr>
+          <p:cNvPr id="17" name="TextBox 16">
+            <a:extLst>
+              <a:ext uri="{FF2B5EF4-FFF2-40B4-BE49-F238E27FC236}">
+                <a16:creationId xmlns:a16="http://schemas.microsoft.com/office/drawing/2014/main" id="{B3A99EA6-6FD9-477E-8CBC-B9A09170E7B6}"/>
+              </a:ext>
+            </a:extLst>
+          </p:cNvPr>
+          <p:cNvSpPr txBox="1"/>
+          <p:nvPr/>
+        </p:nvSpPr>
+        <p:spPr>
+          <a:xfrm>
+            <a:off x="246748" y="1366243"/>
+            <a:ext cx="11391877" cy="2677656"/>
+          </a:xfrm>
+          <a:prstGeom prst="rect">
+            <a:avLst/>
+          </a:prstGeom>
+          <a:noFill/>
+        </p:spPr>
+        <p:txBody>
+          <a:bodyPr wrap="square">
+            <a:spAutoFit/>
+          </a:bodyPr>
+          <a:lstStyle/>
+          <a:p>
+            <a:endParaRPr lang="en-US" sz="2000" dirty="0">
+              <a:solidFill>
+                <a:srgbClr val="374151"/>
+              </a:solidFill>
+              <a:latin typeface="Söhne"/>
+            </a:endParaRPr>
+          </a:p>
+          <a:p>
+            <a:pPr lvl="1">
+              <a:buFont typeface="+mj-lt"/>
+              <a:buAutoNum type="arabicPeriod"/>
+            </a:pPr>
+            <a:r>
+              <a:rPr lang="en-US" sz="1600" dirty="0">
+                <a:solidFill>
+                  <a:srgbClr val="374151"/>
+                </a:solidFill>
+                <a:latin typeface="Verdana" panose="020B0604030504040204" pitchFamily="34" charset="0"/>
+                <a:ea typeface="Verdana" panose="020B0604030504040204" pitchFamily="34" charset="0"/>
+              </a:rPr>
+              <a:t>First, the text data from PitchBook and Salesforce are preprocessed as follows </a:t>
+            </a:r>
+          </a:p>
+          <a:p>
+            <a:pPr marL="1257300" lvl="2" indent="-342900">
+              <a:buFont typeface="+mj-lt"/>
+              <a:buAutoNum type="alphaLcParenR"/>
+            </a:pPr>
+            <a:r>
+              <a:rPr lang="en-US" sz="1600" dirty="0">
+                <a:solidFill>
+                  <a:srgbClr val="374151"/>
+                </a:solidFill>
+                <a:latin typeface="Verdana" panose="020B0604030504040204" pitchFamily="34" charset="0"/>
+                <a:ea typeface="Verdana" panose="020B0604030504040204" pitchFamily="34" charset="0"/>
+              </a:rPr>
+              <a:t>Merge two datasource based on ‘companyId’ column</a:t>
+            </a:r>
+          </a:p>
+          <a:p>
+            <a:pPr marL="1257300" lvl="2" indent="-342900">
+              <a:buFont typeface="+mj-lt"/>
+              <a:buAutoNum type="alphaLcParenR"/>
+            </a:pPr>
+            <a:r>
+              <a:rPr lang="en-US" sz="1600" dirty="0">
+                <a:solidFill>
+                  <a:srgbClr val="374151"/>
+                </a:solidFill>
+                <a:latin typeface="Verdana" panose="020B0604030504040204" pitchFamily="34" charset="0"/>
+                <a:ea typeface="Verdana" panose="020B0604030504040204" pitchFamily="34" charset="0"/>
+              </a:rPr>
+              <a:t>Drop all observations that are having missing values based on ‘description’ column</a:t>
+            </a:r>
+          </a:p>
+          <a:p>
+            <a:pPr marL="1257300" lvl="2" indent="-342900">
+              <a:buFont typeface="+mj-lt"/>
+              <a:buAutoNum type="alphaLcParenR"/>
+            </a:pPr>
+            <a:r>
+              <a:rPr lang="en-US" sz="1600" dirty="0">
+                <a:solidFill>
+                  <a:srgbClr val="374151"/>
+                </a:solidFill>
+                <a:latin typeface="Verdana" panose="020B0604030504040204" pitchFamily="34" charset="0"/>
+                <a:ea typeface="Verdana" panose="020B0604030504040204" pitchFamily="34" charset="0"/>
+              </a:rPr>
+              <a:t>Dropping all PitchBook companies that are mapped to multiple Salesforce records using ‘companyId’ column. This is to avoid biases during the model training</a:t>
+            </a:r>
+          </a:p>
+          <a:p>
+            <a:pPr marL="1257300" lvl="2" indent="-342900">
+              <a:buFont typeface="+mj-lt"/>
+              <a:buAutoNum type="alphaLcParenR"/>
+            </a:pPr>
+            <a:endParaRPr lang="en-US" sz="1600" dirty="0">
+              <a:solidFill>
+                <a:srgbClr val="374151"/>
+              </a:solidFill>
+              <a:latin typeface="Verdana" panose="020B0604030504040204" pitchFamily="34" charset="0"/>
+              <a:ea typeface="Verdana" panose="020B0604030504040204" pitchFamily="34" charset="0"/>
+            </a:endParaRPr>
+          </a:p>
+          <a:p>
+            <a:pPr marL="800100" lvl="1" indent="-342900">
+              <a:buFont typeface="+mj-lt"/>
+              <a:buAutoNum type="arabicPeriod"/>
+            </a:pPr>
+            <a:r>
+              <a:rPr lang="en-US" sz="1600" dirty="0">
+                <a:solidFill>
+                  <a:srgbClr val="374151"/>
+                </a:solidFill>
+                <a:latin typeface="Verdana" panose="020B0604030504040204" pitchFamily="34" charset="0"/>
+                <a:ea typeface="Verdana" panose="020B0604030504040204" pitchFamily="34" charset="0"/>
+              </a:rPr>
+              <a:t>PitchBook descriptions will be features (predictors), Salesforce industries will be labels (response). Then we move on to feature engineering stage</a:t>
+            </a:r>
+          </a:p>
+          <a:p>
+            <a:endParaRPr lang="en-US" sz="2000" dirty="0"/>
+          </a:p>
+        </p:txBody>
+      </p:sp>
+    </p:spTree>
+    <p:extLst>
+      <p:ext uri="{BB962C8B-B14F-4D97-AF65-F5344CB8AC3E}">
+        <p14:creationId xmlns:p14="http://schemas.microsoft.com/office/powerpoint/2010/main" val="110471869"/>
+      </p:ext>
+    </p:extLst>
+  </p:cSld>
+  <p:clrMapOvr>
+    <a:masterClrMapping/>
+  </p:clrMapOvr>
+</p:sld>
+</file>
+
+<file path=ppt/slides/slide11.xml><?xml version="1.0" encoding="utf-8"?>
+<p:sld xmlns:a="http://schemas.openxmlformats.org/drawingml/2006/main" xmlns:r="http://schemas.openxmlformats.org/officeDocument/2006/relationships" xmlns:p="http://schemas.openxmlformats.org/presentationml/2006/main">
+  <p:cSld>
+    <p:spTree>
+      <p:nvGrpSpPr>
+        <p:cNvPr id="1" name=""/>
+        <p:cNvGrpSpPr/>
+        <p:nvPr/>
+      </p:nvGrpSpPr>
+      <p:grpSpPr>
+        <a:xfrm>
+          <a:off x="0" y="0"/>
+          <a:ext cx="0" cy="0"/>
+          <a:chOff x="0" y="0"/>
+          <a:chExt cx="0" cy="0"/>
+        </a:xfrm>
+      </p:grpSpPr>
+      <p:sp>
+        <p:nvSpPr>
+          <p:cNvPr id="76" name="Title 1">
+            <a:extLst>
+              <a:ext uri="{FF2B5EF4-FFF2-40B4-BE49-F238E27FC236}">
+                <a16:creationId xmlns:a16="http://schemas.microsoft.com/office/drawing/2014/main" id="{77C709C5-536F-43E0-8949-0992532DEB8C}"/>
+              </a:ext>
+            </a:extLst>
+          </p:cNvPr>
+          <p:cNvSpPr>
+            <a:spLocks noGrp="1"/>
+          </p:cNvSpPr>
+          <p:nvPr>
+            <p:ph type="title"/>
+          </p:nvPr>
+        </p:nvSpPr>
+        <p:spPr>
+          <a:xfrm>
+            <a:off x="-227150" y="392211"/>
+            <a:ext cx="10515600" cy="817723"/>
+          </a:xfrm>
+        </p:spPr>
+        <p:txBody>
+          <a:bodyPr>
+            <a:normAutofit/>
+          </a:bodyPr>
+          <a:lstStyle/>
+          <a:p>
+            <a:pPr marL="457200" lvl="1">
+              <a:lnSpc>
+                <a:spcPct val="150000"/>
+              </a:lnSpc>
+            </a:pPr>
+            <a:r>
+              <a:rPr lang="en-US" sz="2400" b="1" kern="1200" dirty="0">
+                <a:solidFill>
+                  <a:srgbClr val="9E2946"/>
+                </a:solidFill>
+                <a:latin typeface="Verdana" panose="020B0604030504040204" pitchFamily="34" charset="0"/>
+                <a:ea typeface="Verdana" panose="020B0604030504040204" pitchFamily="34" charset="0"/>
+                <a:cs typeface="+mj-cs"/>
+              </a:rPr>
+              <a:t>Feature Engineering</a:t>
+            </a:r>
+          </a:p>
+        </p:txBody>
+      </p:sp>
+      <p:sp>
+        <p:nvSpPr>
+          <p:cNvPr id="3" name="Slide Number Placeholder 2">
+            <a:extLst>
+              <a:ext uri="{FF2B5EF4-FFF2-40B4-BE49-F238E27FC236}">
+                <a16:creationId xmlns:a16="http://schemas.microsoft.com/office/drawing/2014/main" id="{26DF549E-0929-4558-B72A-C49F4959F13A}"/>
+              </a:ext>
+            </a:extLst>
+          </p:cNvPr>
+          <p:cNvSpPr>
+            <a:spLocks noGrp="1"/>
+          </p:cNvSpPr>
+          <p:nvPr>
+            <p:ph type="sldNum" sz="quarter" idx="12"/>
+          </p:nvPr>
+        </p:nvSpPr>
+        <p:spPr/>
+        <p:txBody>
+          <a:bodyPr/>
+          <a:lstStyle/>
+          <a:p>
+            <a:fld id="{CE94D1BC-D86E-4D7F-8F02-7A51C792EE04}" type="slidenum">
+              <a:rPr lang="en-US" smtClean="0"/>
+              <a:t>11</a:t>
+            </a:fld>
+            <a:endParaRPr lang="en-US"/>
+          </a:p>
+        </p:txBody>
+      </p:sp>
+      <p:sp>
+        <p:nvSpPr>
+          <p:cNvPr id="8" name="Rectangle: Rounded Corners 7">
+            <a:extLst>
+              <a:ext uri="{FF2B5EF4-FFF2-40B4-BE49-F238E27FC236}">
+                <a16:creationId xmlns:a16="http://schemas.microsoft.com/office/drawing/2014/main" id="{A94466D1-B61C-4EF1-908E-89E940596724}"/>
+              </a:ext>
+            </a:extLst>
+          </p:cNvPr>
+          <p:cNvSpPr/>
+          <p:nvPr/>
+        </p:nvSpPr>
+        <p:spPr>
+          <a:xfrm>
+            <a:off x="4775911" y="285726"/>
+            <a:ext cx="1352550" cy="390525"/>
+          </a:xfrm>
+          <a:prstGeom prst="roundRect">
+            <a:avLst/>
+          </a:prstGeom>
+          <a:solidFill>
+            <a:schemeClr val="bg1">
+              <a:lumMod val="75000"/>
+            </a:schemeClr>
+          </a:solidFill>
+          <a:ln>
+            <a:noFill/>
+          </a:ln>
+        </p:spPr>
+        <p:style>
+          <a:lnRef idx="2">
+            <a:schemeClr val="accent1">
+              <a:shade val="50000"/>
+            </a:schemeClr>
+          </a:lnRef>
+          <a:fillRef idx="1">
+            <a:schemeClr val="accent1"/>
+          </a:fillRef>
+          <a:effectRef idx="0">
+            <a:schemeClr val="accent1"/>
+          </a:effectRef>
+          <a:fontRef idx="minor">
+            <a:schemeClr val="lt1"/>
+          </a:fontRef>
+        </p:style>
+        <p:txBody>
+          <a:bodyPr rtlCol="0" anchor="ctr"/>
+          <a:lstStyle/>
+          <a:p>
+            <a:pPr algn="ctr"/>
+            <a:r>
+              <a:rPr lang="en-US" sz="1000" dirty="0">
+                <a:latin typeface="Verdana" panose="020B0604030504040204" pitchFamily="34" charset="0"/>
+                <a:ea typeface="Verdana" panose="020B0604030504040204" pitchFamily="34" charset="0"/>
+              </a:rPr>
+              <a:t>Background</a:t>
+            </a:r>
+          </a:p>
+        </p:txBody>
+      </p:sp>
+      <p:sp>
+        <p:nvSpPr>
+          <p:cNvPr id="10" name="Rectangle: Rounded Corners 9">
+            <a:extLst>
+              <a:ext uri="{FF2B5EF4-FFF2-40B4-BE49-F238E27FC236}">
+                <a16:creationId xmlns:a16="http://schemas.microsoft.com/office/drawing/2014/main" id="{D0CF06AE-5C66-40BE-AF92-C9254A0C3FD7}"/>
+              </a:ext>
+            </a:extLst>
+          </p:cNvPr>
+          <p:cNvSpPr/>
+          <p:nvPr/>
+        </p:nvSpPr>
+        <p:spPr>
+          <a:xfrm>
+            <a:off x="6188785" y="285727"/>
+            <a:ext cx="1352550" cy="390525"/>
+          </a:xfrm>
+          <a:prstGeom prst="roundRect">
+            <a:avLst/>
+          </a:prstGeom>
+          <a:solidFill>
+            <a:schemeClr val="bg1">
+              <a:lumMod val="75000"/>
+            </a:schemeClr>
+          </a:solidFill>
+          <a:ln>
+            <a:noFill/>
+          </a:ln>
+        </p:spPr>
+        <p:style>
+          <a:lnRef idx="2">
+            <a:schemeClr val="accent1">
+              <a:shade val="50000"/>
+            </a:schemeClr>
+          </a:lnRef>
+          <a:fillRef idx="1">
+            <a:schemeClr val="accent1"/>
+          </a:fillRef>
+          <a:effectRef idx="0">
+            <a:schemeClr val="accent1"/>
+          </a:effectRef>
+          <a:fontRef idx="minor">
+            <a:schemeClr val="lt1"/>
+          </a:fontRef>
+        </p:style>
+        <p:txBody>
+          <a:bodyPr rtlCol="0" anchor="ctr"/>
+          <a:lstStyle/>
+          <a:p>
+            <a:pPr algn="ctr"/>
+            <a:r>
+              <a:rPr lang="en-US" sz="1000" dirty="0">
+                <a:latin typeface="Verdana" panose="020B0604030504040204" pitchFamily="34" charset="0"/>
+                <a:ea typeface="Verdana" panose="020B0604030504040204" pitchFamily="34" charset="0"/>
+              </a:rPr>
+              <a:t>Architecture</a:t>
+            </a:r>
+          </a:p>
+        </p:txBody>
+      </p:sp>
+      <p:sp>
+        <p:nvSpPr>
+          <p:cNvPr id="11" name="Rectangle: Rounded Corners 10">
+            <a:extLst>
+              <a:ext uri="{FF2B5EF4-FFF2-40B4-BE49-F238E27FC236}">
+                <a16:creationId xmlns:a16="http://schemas.microsoft.com/office/drawing/2014/main" id="{9B2AA2F4-54FD-4548-A211-ABBC31F90EE6}"/>
+              </a:ext>
+            </a:extLst>
+          </p:cNvPr>
+          <p:cNvSpPr/>
+          <p:nvPr/>
+        </p:nvSpPr>
+        <p:spPr>
+          <a:xfrm>
+            <a:off x="7601659" y="285726"/>
+            <a:ext cx="1352550" cy="390525"/>
+          </a:xfrm>
+          <a:prstGeom prst="roundRect">
+            <a:avLst/>
+          </a:prstGeom>
+          <a:solidFill>
+            <a:srgbClr val="9E2946"/>
+          </a:solidFill>
+          <a:ln>
+            <a:noFill/>
+          </a:ln>
+        </p:spPr>
+        <p:style>
+          <a:lnRef idx="2">
+            <a:schemeClr val="accent1">
+              <a:shade val="50000"/>
+            </a:schemeClr>
+          </a:lnRef>
+          <a:fillRef idx="1">
+            <a:schemeClr val="accent1"/>
+          </a:fillRef>
+          <a:effectRef idx="0">
+            <a:schemeClr val="accent1"/>
+          </a:effectRef>
+          <a:fontRef idx="minor">
+            <a:schemeClr val="lt1"/>
+          </a:fontRef>
+        </p:style>
+        <p:txBody>
+          <a:bodyPr rtlCol="0" anchor="ctr"/>
+          <a:lstStyle/>
+          <a:p>
+            <a:pPr algn="ctr"/>
+            <a:r>
+              <a:rPr lang="en-US" sz="1000" dirty="0">
+                <a:latin typeface="Verdana" panose="020B0604030504040204" pitchFamily="34" charset="0"/>
+                <a:ea typeface="Verdana" panose="020B0604030504040204" pitchFamily="34" charset="0"/>
+              </a:rPr>
+              <a:t>Methodology</a:t>
+            </a:r>
+          </a:p>
+        </p:txBody>
+      </p:sp>
+      <p:sp>
+        <p:nvSpPr>
+          <p:cNvPr id="12" name="Rectangle: Rounded Corners 11">
+            <a:extLst>
+              <a:ext uri="{FF2B5EF4-FFF2-40B4-BE49-F238E27FC236}">
+                <a16:creationId xmlns:a16="http://schemas.microsoft.com/office/drawing/2014/main" id="{E7FD3417-382B-42E9-8B4D-A235C22130CA}"/>
+              </a:ext>
+            </a:extLst>
+          </p:cNvPr>
+          <p:cNvSpPr/>
+          <p:nvPr/>
+        </p:nvSpPr>
+        <p:spPr>
+          <a:xfrm>
+            <a:off x="9014533" y="285726"/>
+            <a:ext cx="1352550" cy="390525"/>
+          </a:xfrm>
+          <a:prstGeom prst="roundRect">
+            <a:avLst/>
+          </a:prstGeom>
+          <a:solidFill>
+            <a:schemeClr val="bg1">
+              <a:lumMod val="75000"/>
+            </a:schemeClr>
+          </a:solidFill>
+          <a:ln>
+            <a:noFill/>
+          </a:ln>
+        </p:spPr>
+        <p:style>
+          <a:lnRef idx="2">
+            <a:schemeClr val="accent1">
+              <a:shade val="50000"/>
+            </a:schemeClr>
+          </a:lnRef>
+          <a:fillRef idx="1">
+            <a:schemeClr val="accent1"/>
+          </a:fillRef>
+          <a:effectRef idx="0">
+            <a:schemeClr val="accent1"/>
+          </a:effectRef>
+          <a:fontRef idx="minor">
+            <a:schemeClr val="lt1"/>
+          </a:fontRef>
+        </p:style>
+        <p:txBody>
+          <a:bodyPr rtlCol="0" anchor="ctr"/>
+          <a:lstStyle/>
+          <a:p>
+            <a:pPr algn="ctr"/>
+            <a:r>
+              <a:rPr lang="en-US" sz="1000" dirty="0">
+                <a:latin typeface="Verdana" panose="020B0604030504040204" pitchFamily="34" charset="0"/>
+                <a:ea typeface="Verdana" panose="020B0604030504040204" pitchFamily="34" charset="0"/>
+              </a:rPr>
+              <a:t>Outcome</a:t>
+            </a:r>
+          </a:p>
+        </p:txBody>
+      </p:sp>
+      <p:sp>
+        <p:nvSpPr>
+          <p:cNvPr id="14" name="Rectangle: Rounded Corners 13">
+            <a:extLst>
+              <a:ext uri="{FF2B5EF4-FFF2-40B4-BE49-F238E27FC236}">
+                <a16:creationId xmlns:a16="http://schemas.microsoft.com/office/drawing/2014/main" id="{66AC8B29-1893-4A94-9715-56E1E25E3B7A}"/>
+              </a:ext>
+            </a:extLst>
+          </p:cNvPr>
+          <p:cNvSpPr/>
+          <p:nvPr/>
+        </p:nvSpPr>
+        <p:spPr>
+          <a:xfrm>
+            <a:off x="10427407" y="285726"/>
+            <a:ext cx="1352550" cy="390525"/>
+          </a:xfrm>
+          <a:prstGeom prst="roundRect">
+            <a:avLst/>
+          </a:prstGeom>
+          <a:solidFill>
+            <a:schemeClr val="bg1">
+              <a:lumMod val="75000"/>
+            </a:schemeClr>
+          </a:solidFill>
+          <a:ln>
+            <a:noFill/>
+          </a:ln>
+        </p:spPr>
+        <p:style>
+          <a:lnRef idx="2">
+            <a:schemeClr val="accent1">
+              <a:shade val="50000"/>
+            </a:schemeClr>
+          </a:lnRef>
+          <a:fillRef idx="1">
+            <a:schemeClr val="accent1"/>
+          </a:fillRef>
+          <a:effectRef idx="0">
+            <a:schemeClr val="accent1"/>
+          </a:effectRef>
+          <a:fontRef idx="minor">
+            <a:schemeClr val="lt1"/>
+          </a:fontRef>
+        </p:style>
+        <p:txBody>
+          <a:bodyPr rtlCol="0" anchor="ctr"/>
+          <a:lstStyle/>
+          <a:p>
+            <a:pPr algn="ctr"/>
+            <a:r>
+              <a:rPr lang="en-US" sz="1000" dirty="0">
+                <a:latin typeface="Verdana" panose="020B0604030504040204" pitchFamily="34" charset="0"/>
+                <a:ea typeface="Verdana" panose="020B0604030504040204" pitchFamily="34" charset="0"/>
+              </a:rPr>
+              <a:t>Conclusion</a:t>
+            </a:r>
+          </a:p>
+        </p:txBody>
+      </p:sp>
+      <p:pic>
+        <p:nvPicPr>
+          <p:cNvPr id="15" name="Picture 14">
+            <a:extLst>
+              <a:ext uri="{FF2B5EF4-FFF2-40B4-BE49-F238E27FC236}">
+                <a16:creationId xmlns:a16="http://schemas.microsoft.com/office/drawing/2014/main" id="{59A5F746-0E95-4CB3-A1F8-8161B70AD447}"/>
+              </a:ext>
+            </a:extLst>
+          </p:cNvPr>
+          <p:cNvPicPr>
+            <a:picLocks noChangeAspect="1"/>
+          </p:cNvPicPr>
+          <p:nvPr/>
+        </p:nvPicPr>
+        <p:blipFill>
+          <a:blip r:embed="rId3"/>
+          <a:stretch>
+            <a:fillRect/>
+          </a:stretch>
+        </p:blipFill>
+        <p:spPr>
+          <a:xfrm>
+            <a:off x="261546" y="6238912"/>
+            <a:ext cx="1885714" cy="600000"/>
+          </a:xfrm>
+          <a:prstGeom prst="rect">
+            <a:avLst/>
+          </a:prstGeom>
+        </p:spPr>
+      </p:pic>
+      <p:sp>
+        <p:nvSpPr>
+          <p:cNvPr id="13" name="Subtitle 2">
+            <a:extLst>
+              <a:ext uri="{FF2B5EF4-FFF2-40B4-BE49-F238E27FC236}">
+                <a16:creationId xmlns:a16="http://schemas.microsoft.com/office/drawing/2014/main" id="{C1689B62-8D24-4BB5-BCEE-3B54AEAC8471}"/>
+              </a:ext>
+            </a:extLst>
+          </p:cNvPr>
+          <p:cNvSpPr txBox="1">
+            <a:spLocks/>
+          </p:cNvSpPr>
+          <p:nvPr/>
+        </p:nvSpPr>
+        <p:spPr>
+          <a:xfrm>
+            <a:off x="538578" y="1806712"/>
+            <a:ext cx="11100047" cy="3952859"/>
+          </a:xfrm>
+          <a:prstGeom prst="rect">
+            <a:avLst/>
+          </a:prstGeom>
+        </p:spPr>
+        <p:txBody>
+          <a:bodyPr vert="horz" lIns="91440" tIns="45720" rIns="91440" bIns="45720" rtlCol="0">
+            <a:normAutofit/>
+          </a:bodyPr>
+          <a:lstStyle>
+            <a:lvl1pPr marL="228600" indent="-228600" algn="l" defTabSz="914400" rtl="0" eaLnBrk="1" latinLnBrk="0" hangingPunct="1">
+              <a:lnSpc>
+                <a:spcPct val="90000"/>
+              </a:lnSpc>
+              <a:spcBef>
+                <a:spcPts val="1000"/>
+              </a:spcBef>
+              <a:buFont typeface="Arial" panose="020B0604020202020204" pitchFamily="34" charset="0"/>
+              <a:buChar char="•"/>
+              <a:defRPr sz="2800" kern="1200">
+                <a:solidFill>
+                  <a:schemeClr val="tx1"/>
+                </a:solidFill>
+                <a:latin typeface="+mn-lt"/>
+                <a:ea typeface="+mn-ea"/>
+                <a:cs typeface="+mn-cs"/>
+              </a:defRPr>
+            </a:lvl1pPr>
+            <a:lvl2pPr marL="685800" indent="-228600" algn="l" defTabSz="914400" rtl="0" eaLnBrk="1" latinLnBrk="0" hangingPunct="1">
+              <a:lnSpc>
+                <a:spcPct val="90000"/>
+              </a:lnSpc>
+              <a:spcBef>
+                <a:spcPts val="500"/>
+              </a:spcBef>
+              <a:buFont typeface="Arial" panose="020B0604020202020204" pitchFamily="34" charset="0"/>
+              <a:buChar char="•"/>
+              <a:defRPr sz="2400" kern="1200">
+                <a:solidFill>
+                  <a:schemeClr val="tx1"/>
+                </a:solidFill>
+                <a:latin typeface="+mn-lt"/>
+                <a:ea typeface="+mn-ea"/>
+                <a:cs typeface="+mn-cs"/>
+              </a:defRPr>
+            </a:lvl2pPr>
+            <a:lvl3pPr marL="1143000" indent="-228600" algn="l" defTabSz="914400" rtl="0" eaLnBrk="1" latinLnBrk="0" hangingPunct="1">
+              <a:lnSpc>
+                <a:spcPct val="90000"/>
+              </a:lnSpc>
+              <a:spcBef>
+                <a:spcPts val="500"/>
+              </a:spcBef>
+              <a:buFont typeface="Arial" panose="020B0604020202020204" pitchFamily="34" charset="0"/>
+              <a:buChar char="•"/>
+              <a:defRPr sz="2000" kern="1200">
+                <a:solidFill>
+                  <a:schemeClr val="tx1"/>
+                </a:solidFill>
+                <a:latin typeface="+mn-lt"/>
+                <a:ea typeface="+mn-ea"/>
+                <a:cs typeface="+mn-cs"/>
+              </a:defRPr>
+            </a:lvl3pPr>
+            <a:lvl4pPr marL="1600200" indent="-228600" algn="l" defTabSz="914400" rtl="0" eaLnBrk="1" latinLnBrk="0" hangingPunct="1">
+              <a:lnSpc>
+                <a:spcPct val="90000"/>
+              </a:lnSpc>
+              <a:spcBef>
+                <a:spcPts val="500"/>
+              </a:spcBef>
+              <a:buFont typeface="Arial" panose="020B0604020202020204" pitchFamily="34" charset="0"/>
+              <a:buChar char="•"/>
+              <a:defRPr sz="1800" kern="1200">
+                <a:solidFill>
+                  <a:schemeClr val="tx1"/>
+                </a:solidFill>
+                <a:latin typeface="+mn-lt"/>
+                <a:ea typeface="+mn-ea"/>
+                <a:cs typeface="+mn-cs"/>
+              </a:defRPr>
+            </a:lvl4pPr>
+            <a:lvl5pPr marL="2057400" indent="-228600" algn="l" defTabSz="914400" rtl="0" eaLnBrk="1" latinLnBrk="0" hangingPunct="1">
+              <a:lnSpc>
+                <a:spcPct val="90000"/>
+              </a:lnSpc>
+              <a:spcBef>
+                <a:spcPts val="500"/>
+              </a:spcBef>
+              <a:buFont typeface="Arial" panose="020B0604020202020204" pitchFamily="34" charset="0"/>
+              <a:buChar char="•"/>
+              <a:defRPr sz="1800" kern="1200">
+                <a:solidFill>
+                  <a:schemeClr val="tx1"/>
+                </a:solidFill>
+                <a:latin typeface="+mn-lt"/>
+                <a:ea typeface="+mn-ea"/>
+                <a:cs typeface="+mn-cs"/>
+              </a:defRPr>
+            </a:lvl5pPr>
+            <a:lvl6pPr marL="2514600" indent="-228600" algn="l" defTabSz="914400" rtl="0" eaLnBrk="1" latinLnBrk="0" hangingPunct="1">
+              <a:lnSpc>
+                <a:spcPct val="90000"/>
+              </a:lnSpc>
+              <a:spcBef>
+                <a:spcPts val="500"/>
+              </a:spcBef>
+              <a:buFont typeface="Arial" panose="020B0604020202020204" pitchFamily="34" charset="0"/>
+              <a:buChar char="•"/>
+              <a:defRPr sz="1800" kern="1200">
+                <a:solidFill>
+                  <a:schemeClr val="tx1"/>
+                </a:solidFill>
+                <a:latin typeface="+mn-lt"/>
+                <a:ea typeface="+mn-ea"/>
+                <a:cs typeface="+mn-cs"/>
+              </a:defRPr>
+            </a:lvl6pPr>
+            <a:lvl7pPr marL="2971800" indent="-228600" algn="l" defTabSz="914400" rtl="0" eaLnBrk="1" latinLnBrk="0" hangingPunct="1">
+              <a:lnSpc>
+                <a:spcPct val="90000"/>
+              </a:lnSpc>
+              <a:spcBef>
+                <a:spcPts val="500"/>
+              </a:spcBef>
+              <a:buFont typeface="Arial" panose="020B0604020202020204" pitchFamily="34" charset="0"/>
+              <a:buChar char="•"/>
+              <a:defRPr sz="1800" kern="1200">
+                <a:solidFill>
+                  <a:schemeClr val="tx1"/>
+                </a:solidFill>
+                <a:latin typeface="+mn-lt"/>
+                <a:ea typeface="+mn-ea"/>
+                <a:cs typeface="+mn-cs"/>
+              </a:defRPr>
+            </a:lvl7pPr>
+            <a:lvl8pPr marL="3429000" indent="-228600" algn="l" defTabSz="914400" rtl="0" eaLnBrk="1" latinLnBrk="0" hangingPunct="1">
+              <a:lnSpc>
+                <a:spcPct val="90000"/>
+              </a:lnSpc>
+              <a:spcBef>
+                <a:spcPts val="500"/>
+              </a:spcBef>
+              <a:buFont typeface="Arial" panose="020B0604020202020204" pitchFamily="34" charset="0"/>
+              <a:buChar char="•"/>
+              <a:defRPr sz="1800" kern="1200">
+                <a:solidFill>
+                  <a:schemeClr val="tx1"/>
+                </a:solidFill>
+                <a:latin typeface="+mn-lt"/>
+                <a:ea typeface="+mn-ea"/>
+                <a:cs typeface="+mn-cs"/>
+              </a:defRPr>
+            </a:lvl8pPr>
+            <a:lvl9pPr marL="3886200" indent="-228600" algn="l" defTabSz="914400" rtl="0" eaLnBrk="1" latinLnBrk="0" hangingPunct="1">
+              <a:lnSpc>
+                <a:spcPct val="90000"/>
+              </a:lnSpc>
+              <a:spcBef>
+                <a:spcPts val="500"/>
+              </a:spcBef>
+              <a:buFont typeface="Arial" panose="020B0604020202020204" pitchFamily="34" charset="0"/>
+              <a:buChar char="•"/>
+              <a:defRPr sz="1800" kern="1200">
+                <a:solidFill>
+                  <a:schemeClr val="tx1"/>
+                </a:solidFill>
+                <a:latin typeface="+mn-lt"/>
+                <a:ea typeface="+mn-ea"/>
+                <a:cs typeface="+mn-cs"/>
+              </a:defRPr>
+            </a:lvl9pPr>
+          </a:lstStyle>
+          <a:p>
+            <a:pPr marL="0" indent="0">
+              <a:buNone/>
+            </a:pPr>
+            <a:endParaRPr lang="en-US" dirty="0"/>
+          </a:p>
+        </p:txBody>
+      </p:sp>
+      <p:sp>
+        <p:nvSpPr>
+          <p:cNvPr id="17" name="TextBox 16">
+            <a:extLst>
+              <a:ext uri="{FF2B5EF4-FFF2-40B4-BE49-F238E27FC236}">
+                <a16:creationId xmlns:a16="http://schemas.microsoft.com/office/drawing/2014/main" id="{B3A99EA6-6FD9-477E-8CBC-B9A09170E7B6}"/>
+              </a:ext>
+            </a:extLst>
+          </p:cNvPr>
+          <p:cNvSpPr txBox="1"/>
+          <p:nvPr/>
+        </p:nvSpPr>
+        <p:spPr>
+          <a:xfrm>
+            <a:off x="246748" y="911299"/>
+            <a:ext cx="11391877" cy="4893647"/>
+          </a:xfrm>
+          <a:prstGeom prst="rect">
+            <a:avLst/>
+          </a:prstGeom>
+          <a:noFill/>
+        </p:spPr>
+        <p:txBody>
+          <a:bodyPr wrap="square">
+            <a:spAutoFit/>
+          </a:bodyPr>
+          <a:lstStyle/>
+          <a:p>
+            <a:endParaRPr lang="en-US" sz="2000" dirty="0">
+              <a:solidFill>
+                <a:srgbClr val="374151"/>
+              </a:solidFill>
+              <a:latin typeface="Söhne"/>
+            </a:endParaRPr>
+          </a:p>
+          <a:p>
+            <a:pPr lvl="1"/>
+            <a:r>
+              <a:rPr lang="en-US" sz="1600" dirty="0">
+                <a:solidFill>
+                  <a:srgbClr val="374151"/>
+                </a:solidFill>
+                <a:latin typeface="Verdana" panose="020B0604030504040204" pitchFamily="34" charset="0"/>
+                <a:ea typeface="Verdana" panose="020B0604030504040204" pitchFamily="34" charset="0"/>
+              </a:rPr>
+              <a:t>After preprocessing, the data from PitchBook are feature engineered as follows</a:t>
+            </a:r>
+          </a:p>
+          <a:p>
+            <a:pPr lvl="1"/>
+            <a:endParaRPr lang="en-US" sz="1600" dirty="0">
+              <a:solidFill>
+                <a:srgbClr val="374151"/>
+              </a:solidFill>
+              <a:latin typeface="Verdana" panose="020B0604030504040204" pitchFamily="34" charset="0"/>
+              <a:ea typeface="Verdana" panose="020B0604030504040204" pitchFamily="34" charset="0"/>
+            </a:endParaRPr>
+          </a:p>
+          <a:p>
+            <a:pPr marL="1257300" lvl="2" indent="-342900">
+              <a:buFont typeface="+mj-lt"/>
+              <a:buAutoNum type="alphaLcParenR"/>
+            </a:pPr>
+            <a:r>
+              <a:rPr lang="en-US" sz="1600" dirty="0">
+                <a:solidFill>
+                  <a:srgbClr val="374151"/>
+                </a:solidFill>
+                <a:latin typeface="Verdana" panose="020B0604030504040204" pitchFamily="34" charset="0"/>
+                <a:ea typeface="Verdana" panose="020B0604030504040204" pitchFamily="34" charset="0"/>
+              </a:rPr>
+              <a:t>PitchBook provides multiple columns like ‘Description’, ‘Keywords’, ‘PrimaryIndustrySector’, ‘PrimaryIndustryGroup’, ‘PrimaryIndustryCode’ that describes the company as well as the industry it belongs to. This columns are not aligned to company description from Salesforce side. We combine all those columns from Pitchbook into one column ‘CompleteDescription’ and call it has sentence, so it can help in extracting meaningful insights using NLP tools</a:t>
+            </a:r>
+          </a:p>
+          <a:p>
+            <a:pPr lvl="2"/>
+            <a:endParaRPr lang="en-US" sz="1600" dirty="0">
+              <a:solidFill>
+                <a:srgbClr val="374151"/>
+              </a:solidFill>
+              <a:latin typeface="Verdana" panose="020B0604030504040204" pitchFamily="34" charset="0"/>
+              <a:ea typeface="Verdana" panose="020B0604030504040204" pitchFamily="34" charset="0"/>
+            </a:endParaRPr>
+          </a:p>
+          <a:p>
+            <a:pPr marL="1257300" lvl="2" indent="-342900">
+              <a:buFont typeface="+mj-lt"/>
+              <a:buAutoNum type="alphaLcParenR"/>
+            </a:pPr>
+            <a:r>
+              <a:rPr lang="en-US" sz="1600" dirty="0">
+                <a:solidFill>
+                  <a:srgbClr val="374151"/>
+                </a:solidFill>
+                <a:latin typeface="Verdana" panose="020B0604030504040204" pitchFamily="34" charset="0"/>
+                <a:ea typeface="Verdana" panose="020B0604030504040204" pitchFamily="34" charset="0"/>
+              </a:rPr>
+              <a:t>Then for each sentence, we use BERT Sentence Transformers, that encode the meaning and context of a sentence into a </a:t>
+            </a:r>
+            <a:r>
+              <a:rPr lang="en-US" sz="1600" b="1" dirty="0">
+                <a:solidFill>
+                  <a:srgbClr val="374151"/>
+                </a:solidFill>
+                <a:latin typeface="Verdana" panose="020B0604030504040204" pitchFamily="34" charset="0"/>
+                <a:ea typeface="Verdana" panose="020B0604030504040204" pitchFamily="34" charset="0"/>
+              </a:rPr>
+              <a:t>dense vector representation called embeddings</a:t>
+            </a:r>
+            <a:r>
+              <a:rPr lang="en-US" sz="1600" dirty="0">
+                <a:solidFill>
+                  <a:srgbClr val="374151"/>
+                </a:solidFill>
+                <a:latin typeface="Verdana" panose="020B0604030504040204" pitchFamily="34" charset="0"/>
+                <a:ea typeface="Verdana" panose="020B0604030504040204" pitchFamily="34" charset="0"/>
+              </a:rPr>
+              <a:t> shown below, which can better capture the nuances of that sentence. Below snapshot represent fixed length for each input sentence and length of the vector depends on the specific pre-trained model used, but it is typically 768, 1024, or 2048. Here each Id reference to a actual sentence</a:t>
+            </a:r>
+          </a:p>
+          <a:p>
+            <a:pPr marL="1257300" lvl="2" indent="-342900">
+              <a:buFont typeface="+mj-lt"/>
+              <a:buAutoNum type="alphaLcParenR"/>
+            </a:pPr>
+            <a:endParaRPr lang="en-US" sz="1600" dirty="0">
+              <a:solidFill>
+                <a:srgbClr val="374151"/>
+              </a:solidFill>
+              <a:latin typeface="Verdana" panose="020B0604030504040204" pitchFamily="34" charset="0"/>
+              <a:ea typeface="Verdana" panose="020B0604030504040204" pitchFamily="34" charset="0"/>
+            </a:endParaRPr>
+          </a:p>
+          <a:p>
+            <a:pPr marL="1257300" lvl="2" indent="-342900">
+              <a:buFont typeface="+mj-lt"/>
+              <a:buAutoNum type="alphaLcParenR"/>
+            </a:pPr>
+            <a:endParaRPr lang="en-US" sz="1600" dirty="0">
+              <a:solidFill>
+                <a:srgbClr val="374151"/>
+              </a:solidFill>
+              <a:latin typeface="Verdana" panose="020B0604030504040204" pitchFamily="34" charset="0"/>
+              <a:ea typeface="Verdana" panose="020B0604030504040204" pitchFamily="34" charset="0"/>
+            </a:endParaRPr>
+          </a:p>
+          <a:p>
+            <a:pPr marL="1257300" lvl="2" indent="-342900">
+              <a:buFont typeface="+mj-lt"/>
+              <a:buAutoNum type="alphaLcParenR"/>
+            </a:pPr>
+            <a:endParaRPr lang="en-US" sz="1600" dirty="0">
+              <a:solidFill>
+                <a:srgbClr val="374151"/>
+              </a:solidFill>
+              <a:latin typeface="Verdana" panose="020B0604030504040204" pitchFamily="34" charset="0"/>
+              <a:ea typeface="Verdana" panose="020B0604030504040204" pitchFamily="34" charset="0"/>
+            </a:endParaRPr>
+          </a:p>
+          <a:p>
+            <a:pPr marL="1257300" lvl="2" indent="-342900">
+              <a:buFont typeface="+mj-lt"/>
+              <a:buAutoNum type="alphaLcParenR"/>
+            </a:pPr>
+            <a:endParaRPr lang="en-US" sz="1600" dirty="0">
+              <a:solidFill>
+                <a:srgbClr val="374151"/>
+              </a:solidFill>
+              <a:latin typeface="Verdana" panose="020B0604030504040204" pitchFamily="34" charset="0"/>
+              <a:ea typeface="Verdana" panose="020B0604030504040204" pitchFamily="34" charset="0"/>
+            </a:endParaRPr>
+          </a:p>
+          <a:p>
+            <a:endParaRPr lang="en-US" sz="2000" dirty="0"/>
+          </a:p>
+        </p:txBody>
+      </p:sp>
+      <p:pic>
+        <p:nvPicPr>
+          <p:cNvPr id="4" name="Picture 3">
+            <a:extLst>
+              <a:ext uri="{FF2B5EF4-FFF2-40B4-BE49-F238E27FC236}">
+                <a16:creationId xmlns:a16="http://schemas.microsoft.com/office/drawing/2014/main" id="{93800AC0-27A4-446D-949C-E2847DA091C1}"/>
+              </a:ext>
+            </a:extLst>
+          </p:cNvPr>
+          <p:cNvPicPr>
+            <a:picLocks noChangeAspect="1"/>
+          </p:cNvPicPr>
+          <p:nvPr/>
+        </p:nvPicPr>
+        <p:blipFill>
+          <a:blip r:embed="rId4"/>
+          <a:stretch>
+            <a:fillRect/>
+          </a:stretch>
+        </p:blipFill>
+        <p:spPr>
+          <a:xfrm>
+            <a:off x="728421" y="4581745"/>
+            <a:ext cx="10800080" cy="1533879"/>
+          </a:xfrm>
+          <a:prstGeom prst="rect">
+            <a:avLst/>
+          </a:prstGeom>
+        </p:spPr>
+      </p:pic>
+    </p:spTree>
+    <p:extLst>
+      <p:ext uri="{BB962C8B-B14F-4D97-AF65-F5344CB8AC3E}">
+        <p14:creationId xmlns:p14="http://schemas.microsoft.com/office/powerpoint/2010/main" val="395383305"/>
+      </p:ext>
+    </p:extLst>
+  </p:cSld>
+  <p:clrMapOvr>
+    <a:masterClrMapping/>
+  </p:clrMapOvr>
+</p:sld>
+</file>
+
+<file path=ppt/slides/slide12.xml><?xml version="1.0" encoding="utf-8"?>
+<p:sld xmlns:a="http://schemas.openxmlformats.org/drawingml/2006/main" xmlns:r="http://schemas.openxmlformats.org/officeDocument/2006/relationships" xmlns:p="http://schemas.openxmlformats.org/presentationml/2006/main">
+  <p:cSld>
+    <p:spTree>
+      <p:nvGrpSpPr>
+        <p:cNvPr id="1" name=""/>
+        <p:cNvGrpSpPr/>
+        <p:nvPr/>
+      </p:nvGrpSpPr>
+      <p:grpSpPr>
+        <a:xfrm>
+          <a:off x="0" y="0"/>
+          <a:ext cx="0" cy="0"/>
+          <a:chOff x="0" y="0"/>
+          <a:chExt cx="0" cy="0"/>
+        </a:xfrm>
+      </p:grpSpPr>
+      <p:sp>
+        <p:nvSpPr>
+          <p:cNvPr id="76" name="Title 1">
+            <a:extLst>
+              <a:ext uri="{FF2B5EF4-FFF2-40B4-BE49-F238E27FC236}">
+                <a16:creationId xmlns:a16="http://schemas.microsoft.com/office/drawing/2014/main" id="{77C709C5-536F-43E0-8949-0992532DEB8C}"/>
+              </a:ext>
+            </a:extLst>
+          </p:cNvPr>
+          <p:cNvSpPr>
+            <a:spLocks noGrp="1"/>
+          </p:cNvSpPr>
+          <p:nvPr>
+            <p:ph type="title"/>
+          </p:nvPr>
+        </p:nvSpPr>
+        <p:spPr>
+          <a:xfrm>
+            <a:off x="-227150" y="392211"/>
+            <a:ext cx="10515600" cy="817723"/>
+          </a:xfrm>
+        </p:spPr>
+        <p:txBody>
+          <a:bodyPr>
+            <a:normAutofit/>
+          </a:bodyPr>
+          <a:lstStyle/>
+          <a:p>
+            <a:pPr marL="457200" lvl="1">
+              <a:lnSpc>
+                <a:spcPct val="150000"/>
+              </a:lnSpc>
+            </a:pPr>
+            <a:r>
+              <a:rPr lang="en-US" sz="2400" b="1" kern="1200" dirty="0">
+                <a:solidFill>
+                  <a:srgbClr val="9E2946"/>
+                </a:solidFill>
+                <a:latin typeface="Verdana" panose="020B0604030504040204" pitchFamily="34" charset="0"/>
+                <a:ea typeface="Verdana" panose="020B0604030504040204" pitchFamily="34" charset="0"/>
+                <a:cs typeface="+mj-cs"/>
+              </a:rPr>
+              <a:t>Feature Engineering</a:t>
+            </a:r>
+          </a:p>
+        </p:txBody>
+      </p:sp>
+      <p:sp>
+        <p:nvSpPr>
+          <p:cNvPr id="3" name="Slide Number Placeholder 2">
+            <a:extLst>
+              <a:ext uri="{FF2B5EF4-FFF2-40B4-BE49-F238E27FC236}">
+                <a16:creationId xmlns:a16="http://schemas.microsoft.com/office/drawing/2014/main" id="{26DF549E-0929-4558-B72A-C49F4959F13A}"/>
+              </a:ext>
+            </a:extLst>
+          </p:cNvPr>
+          <p:cNvSpPr>
+            <a:spLocks noGrp="1"/>
+          </p:cNvSpPr>
+          <p:nvPr>
+            <p:ph type="sldNum" sz="quarter" idx="12"/>
+          </p:nvPr>
+        </p:nvSpPr>
+        <p:spPr/>
+        <p:txBody>
+          <a:bodyPr/>
+          <a:lstStyle/>
+          <a:p>
+            <a:fld id="{CE94D1BC-D86E-4D7F-8F02-7A51C792EE04}" type="slidenum">
+              <a:rPr lang="en-US" smtClean="0"/>
+              <a:t>12</a:t>
             </a:fld>
             <a:endParaRPr lang="en-US"/>
           </a:p>
@@ -6535,7 +8419,7 @@
 </p:sld>
 </file>
 
-<file path=ppt/slides/slide11.xml><?xml version="1.0" encoding="utf-8"?>
+<file path=ppt/slides/slide13.xml><?xml version="1.0" encoding="utf-8"?>
 <p:sld xmlns:a="http://schemas.openxmlformats.org/drawingml/2006/main" xmlns:r="http://schemas.openxmlformats.org/officeDocument/2006/relationships" xmlns:p="http://schemas.openxmlformats.org/presentationml/2006/main">
   <p:cSld>
     <p:spTree>
@@ -6622,7 +8506,7 @@
           <a:p>
             <a:fld id="{CE94D1BC-D86E-4D7F-8F02-7A51C792EE04}" type="slidenum">
               <a:rPr lang="en-US" smtClean="0"/>
-              <a:t>11</a:t>
+              <a:t>13</a:t>
             </a:fld>
             <a:endParaRPr lang="en-US"/>
           </a:p>
@@ -8528,7 +10412,7 @@
 </p:sld>
 </file>
 
-<file path=ppt/slides/slide12.xml><?xml version="1.0" encoding="utf-8"?>
+<file path=ppt/slides/slide14.xml><?xml version="1.0" encoding="utf-8"?>
 <p:sld xmlns:a="http://schemas.openxmlformats.org/drawingml/2006/main" xmlns:r="http://schemas.openxmlformats.org/officeDocument/2006/relationships" xmlns:p="http://schemas.openxmlformats.org/presentationml/2006/main">
   <p:cSld>
     <p:spTree>
@@ -8615,7 +10499,7 @@
           <a:p>
             <a:fld id="{CE94D1BC-D86E-4D7F-8F02-7A51C792EE04}" type="slidenum">
               <a:rPr lang="en-US" smtClean="0"/>
-              <a:t>12</a:t>
+              <a:t>14</a:t>
             </a:fld>
             <a:endParaRPr lang="en-US"/>
           </a:p>
@@ -9359,7 +11243,7 @@
 </p:sld>
 </file>
 
-<file path=ppt/slides/slide13.xml><?xml version="1.0" encoding="utf-8"?>
+<file path=ppt/slides/slide15.xml><?xml version="1.0" encoding="utf-8"?>
 <p:sld xmlns:a="http://schemas.openxmlformats.org/drawingml/2006/main" xmlns:r="http://schemas.openxmlformats.org/officeDocument/2006/relationships" xmlns:p="http://schemas.openxmlformats.org/presentationml/2006/main">
   <p:cSld>
     <p:spTree>
@@ -9446,7 +11330,7 @@
           <a:p>
             <a:fld id="{CE94D1BC-D86E-4D7F-8F02-7A51C792EE04}" type="slidenum">
               <a:rPr lang="en-US" smtClean="0"/>
-              <a:t>13</a:t>
+              <a:t>15</a:t>
             </a:fld>
             <a:endParaRPr lang="en-US"/>
           </a:p>
@@ -10660,7 +12544,7 @@
                 <a:latin typeface="Verdana" panose="020B0604030504040204" pitchFamily="34" charset="0"/>
                 <a:ea typeface="Verdana" panose="020B0604030504040204" pitchFamily="34" charset="0"/>
               </a:rPr>
-              <a:t>Outcome</a:t>
+              <a:t>Application</a:t>
             </a:r>
           </a:p>
         </p:txBody>
@@ -10755,10 +12639,103 @@
           </a:prstGeom>
         </p:spPr>
       </p:pic>
+      <p:sp>
+        <p:nvSpPr>
+          <p:cNvPr id="2" name="TextBox 1">
+            <a:extLst>
+              <a:ext uri="{FF2B5EF4-FFF2-40B4-BE49-F238E27FC236}">
+                <a16:creationId xmlns:a16="http://schemas.microsoft.com/office/drawing/2014/main" id="{3A3FD9DD-A15F-4830-AEFD-19922D0844E4}"/>
+              </a:ext>
+            </a:extLst>
+          </p:cNvPr>
+          <p:cNvSpPr txBox="1"/>
+          <p:nvPr/>
+        </p:nvSpPr>
+        <p:spPr>
+          <a:xfrm>
+            <a:off x="1016000" y="1443841"/>
+            <a:ext cx="9777047" cy="4247317"/>
+          </a:xfrm>
+          <a:prstGeom prst="rect">
+            <a:avLst/>
+          </a:prstGeom>
+          <a:noFill/>
+        </p:spPr>
+        <p:txBody>
+          <a:bodyPr wrap="square" rtlCol="0">
+            <a:spAutoFit/>
+          </a:bodyPr>
+          <a:lstStyle/>
+          <a:p>
+            <a:endParaRPr lang="en-US" dirty="0"/>
+          </a:p>
+          <a:p>
+            <a:r>
+              <a:rPr lang="en-US" b="1" dirty="0"/>
+              <a:t>Unsupervised companies' categorization</a:t>
+            </a:r>
+          </a:p>
+          <a:p>
+            <a:pPr marL="742950" lvl="1" indent="-285750">
+              <a:buFont typeface="Arial" panose="020B0604020202020204" pitchFamily="34" charset="0"/>
+              <a:buChar char="•"/>
+            </a:pPr>
+            <a:r>
+              <a:rPr lang="en-US" b="1" dirty="0"/>
+              <a:t>Categorize brands basis their history using Artificial Intelligence</a:t>
+            </a:r>
+          </a:p>
+          <a:p>
+            <a:endParaRPr lang="en-US" b="1" dirty="0"/>
+          </a:p>
+          <a:p>
+            <a:r>
+              <a:rPr lang="en-US" dirty="0"/>
+              <a:t>100s –1000s of companies exist belonging to various industries. Today these are manually categorized and grouped under various industry classification schemes like NAICS, SIC, NIC, etc. These schemes are pre-determined and don’t reflect the changing nature of a business or brand.</a:t>
+            </a:r>
+            <a:endParaRPr lang="en-US" b="1" dirty="0"/>
+          </a:p>
+          <a:p>
+            <a:endParaRPr lang="en-US" b="1" dirty="0"/>
+          </a:p>
+          <a:p>
+            <a:endParaRPr lang="en-US" b="1" dirty="0"/>
+          </a:p>
+          <a:p>
+            <a:r>
+              <a:rPr lang="en-US" b="1" dirty="0"/>
+              <a:t>Question:  </a:t>
+            </a:r>
+            <a:r>
+              <a:rPr lang="en-US" dirty="0"/>
+              <a:t>Can we create a more dynamic categorization basis the journey of a company using a machine learning model?</a:t>
+            </a:r>
+          </a:p>
+          <a:p>
+            <a:endParaRPr lang="en-US" b="1" dirty="0"/>
+          </a:p>
+          <a:p>
+            <a:r>
+              <a:rPr lang="en-US" b="1" dirty="0"/>
+              <a:t>Answer: </a:t>
+            </a:r>
+            <a:r>
+              <a:rPr lang="en-US" dirty="0"/>
+              <a:t>Yes, we can!</a:t>
+            </a:r>
+          </a:p>
+          <a:p>
+            <a:endParaRPr lang="en-US" dirty="0"/>
+          </a:p>
+          <a:p>
+            <a:endParaRPr lang="en-US" dirty="0"/>
+          </a:p>
+        </p:txBody>
+      </p:sp>
     </p:spTree>
     <p:extLst>
       <p:ext uri="{BB962C8B-B14F-4D97-AF65-F5344CB8AC3E}">
-        <p14:creationId xmlns:p14="http://schemas.microsoft.com/office/powerpoint/2010/main" val="2223562921"/>
+        <p14:creationId xmlns:p14="http://schemas.microsoft.com/office/powerpoint/2010/main" val="3614706908"/>
       </p:ext>
     </p:extLst>
   </p:cSld>
@@ -10821,7 +12798,7 @@
                 <a:latin typeface="Verdana" panose="020B0604030504040204" pitchFamily="34" charset="0"/>
                 <a:ea typeface="Verdana" panose="020B0604030504040204" pitchFamily="34" charset="0"/>
               </a:rPr>
-              <a:t>Existing Application Architecture</a:t>
+              <a:t>Background</a:t>
             </a:r>
           </a:p>
         </p:txBody>
@@ -10850,6 +12827,1134 @@
             <a:fld id="{CE94D1BC-D86E-4D7F-8F02-7A51C792EE04}" type="slidenum">
               <a:rPr lang="en-US" smtClean="0"/>
               <a:t>4</a:t>
+            </a:fld>
+            <a:endParaRPr lang="en-US"/>
+          </a:p>
+        </p:txBody>
+      </p:sp>
+      <p:sp>
+        <p:nvSpPr>
+          <p:cNvPr id="8" name="Rectangle: Rounded Corners 7">
+            <a:extLst>
+              <a:ext uri="{FF2B5EF4-FFF2-40B4-BE49-F238E27FC236}">
+                <a16:creationId xmlns:a16="http://schemas.microsoft.com/office/drawing/2014/main" id="{A94466D1-B61C-4EF1-908E-89E940596724}"/>
+              </a:ext>
+            </a:extLst>
+          </p:cNvPr>
+          <p:cNvSpPr/>
+          <p:nvPr/>
+        </p:nvSpPr>
+        <p:spPr>
+          <a:xfrm>
+            <a:off x="4775911" y="285726"/>
+            <a:ext cx="1352550" cy="390525"/>
+          </a:xfrm>
+          <a:prstGeom prst="roundRect">
+            <a:avLst/>
+          </a:prstGeom>
+          <a:solidFill>
+            <a:srgbClr val="9E2946"/>
+          </a:solidFill>
+          <a:ln>
+            <a:noFill/>
+          </a:ln>
+        </p:spPr>
+        <p:style>
+          <a:lnRef idx="2">
+            <a:schemeClr val="accent1">
+              <a:shade val="50000"/>
+            </a:schemeClr>
+          </a:lnRef>
+          <a:fillRef idx="1">
+            <a:schemeClr val="accent1"/>
+          </a:fillRef>
+          <a:effectRef idx="0">
+            <a:schemeClr val="accent1"/>
+          </a:effectRef>
+          <a:fontRef idx="minor">
+            <a:schemeClr val="lt1"/>
+          </a:fontRef>
+        </p:style>
+        <p:txBody>
+          <a:bodyPr rtlCol="0" anchor="ctr"/>
+          <a:lstStyle/>
+          <a:p>
+            <a:pPr algn="ctr"/>
+            <a:r>
+              <a:rPr lang="en-US" sz="1000" dirty="0">
+                <a:latin typeface="Verdana" panose="020B0604030504040204" pitchFamily="34" charset="0"/>
+                <a:ea typeface="Verdana" panose="020B0604030504040204" pitchFamily="34" charset="0"/>
+              </a:rPr>
+              <a:t>Background</a:t>
+            </a:r>
+          </a:p>
+        </p:txBody>
+      </p:sp>
+      <p:sp>
+        <p:nvSpPr>
+          <p:cNvPr id="10" name="Rectangle: Rounded Corners 9">
+            <a:extLst>
+              <a:ext uri="{FF2B5EF4-FFF2-40B4-BE49-F238E27FC236}">
+                <a16:creationId xmlns:a16="http://schemas.microsoft.com/office/drawing/2014/main" id="{D0CF06AE-5C66-40BE-AF92-C9254A0C3FD7}"/>
+              </a:ext>
+            </a:extLst>
+          </p:cNvPr>
+          <p:cNvSpPr/>
+          <p:nvPr/>
+        </p:nvSpPr>
+        <p:spPr>
+          <a:xfrm>
+            <a:off x="6188785" y="285727"/>
+            <a:ext cx="1352550" cy="390525"/>
+          </a:xfrm>
+          <a:prstGeom prst="roundRect">
+            <a:avLst/>
+          </a:prstGeom>
+          <a:solidFill>
+            <a:schemeClr val="bg1">
+              <a:lumMod val="75000"/>
+            </a:schemeClr>
+          </a:solidFill>
+          <a:ln>
+            <a:noFill/>
+          </a:ln>
+        </p:spPr>
+        <p:style>
+          <a:lnRef idx="2">
+            <a:schemeClr val="accent1">
+              <a:shade val="50000"/>
+            </a:schemeClr>
+          </a:lnRef>
+          <a:fillRef idx="1">
+            <a:schemeClr val="accent1"/>
+          </a:fillRef>
+          <a:effectRef idx="0">
+            <a:schemeClr val="accent1"/>
+          </a:effectRef>
+          <a:fontRef idx="minor">
+            <a:schemeClr val="lt1"/>
+          </a:fontRef>
+        </p:style>
+        <p:txBody>
+          <a:bodyPr rtlCol="0" anchor="ctr"/>
+          <a:lstStyle/>
+          <a:p>
+            <a:pPr algn="ctr"/>
+            <a:r>
+              <a:rPr lang="en-US" sz="1000" dirty="0">
+                <a:latin typeface="Verdana" panose="020B0604030504040204" pitchFamily="34" charset="0"/>
+                <a:ea typeface="Verdana" panose="020B0604030504040204" pitchFamily="34" charset="0"/>
+              </a:rPr>
+              <a:t>Architecture</a:t>
+            </a:r>
+          </a:p>
+        </p:txBody>
+      </p:sp>
+      <p:sp>
+        <p:nvSpPr>
+          <p:cNvPr id="11" name="Rectangle: Rounded Corners 10">
+            <a:extLst>
+              <a:ext uri="{FF2B5EF4-FFF2-40B4-BE49-F238E27FC236}">
+                <a16:creationId xmlns:a16="http://schemas.microsoft.com/office/drawing/2014/main" id="{9B2AA2F4-54FD-4548-A211-ABBC31F90EE6}"/>
+              </a:ext>
+            </a:extLst>
+          </p:cNvPr>
+          <p:cNvSpPr/>
+          <p:nvPr/>
+        </p:nvSpPr>
+        <p:spPr>
+          <a:xfrm>
+            <a:off x="7601659" y="285726"/>
+            <a:ext cx="1352550" cy="390525"/>
+          </a:xfrm>
+          <a:prstGeom prst="roundRect">
+            <a:avLst/>
+          </a:prstGeom>
+          <a:solidFill>
+            <a:schemeClr val="bg1">
+              <a:lumMod val="75000"/>
+            </a:schemeClr>
+          </a:solidFill>
+          <a:ln>
+            <a:noFill/>
+          </a:ln>
+        </p:spPr>
+        <p:style>
+          <a:lnRef idx="2">
+            <a:schemeClr val="accent1">
+              <a:shade val="50000"/>
+            </a:schemeClr>
+          </a:lnRef>
+          <a:fillRef idx="1">
+            <a:schemeClr val="accent1"/>
+          </a:fillRef>
+          <a:effectRef idx="0">
+            <a:schemeClr val="accent1"/>
+          </a:effectRef>
+          <a:fontRef idx="minor">
+            <a:schemeClr val="lt1"/>
+          </a:fontRef>
+        </p:style>
+        <p:txBody>
+          <a:bodyPr rtlCol="0" anchor="ctr"/>
+          <a:lstStyle/>
+          <a:p>
+            <a:pPr algn="ctr"/>
+            <a:r>
+              <a:rPr lang="en-US" sz="1000" dirty="0">
+                <a:latin typeface="Verdana" panose="020B0604030504040204" pitchFamily="34" charset="0"/>
+                <a:ea typeface="Verdana" panose="020B0604030504040204" pitchFamily="34" charset="0"/>
+              </a:rPr>
+              <a:t>Methodology</a:t>
+            </a:r>
+          </a:p>
+        </p:txBody>
+      </p:sp>
+      <p:sp>
+        <p:nvSpPr>
+          <p:cNvPr id="12" name="Rectangle: Rounded Corners 11">
+            <a:extLst>
+              <a:ext uri="{FF2B5EF4-FFF2-40B4-BE49-F238E27FC236}">
+                <a16:creationId xmlns:a16="http://schemas.microsoft.com/office/drawing/2014/main" id="{E7FD3417-382B-42E9-8B4D-A235C22130CA}"/>
+              </a:ext>
+            </a:extLst>
+          </p:cNvPr>
+          <p:cNvSpPr/>
+          <p:nvPr/>
+        </p:nvSpPr>
+        <p:spPr>
+          <a:xfrm>
+            <a:off x="9014533" y="285726"/>
+            <a:ext cx="1352550" cy="390525"/>
+          </a:xfrm>
+          <a:prstGeom prst="roundRect">
+            <a:avLst/>
+          </a:prstGeom>
+          <a:solidFill>
+            <a:schemeClr val="bg1">
+              <a:lumMod val="75000"/>
+            </a:schemeClr>
+          </a:solidFill>
+          <a:ln>
+            <a:noFill/>
+          </a:ln>
+        </p:spPr>
+        <p:style>
+          <a:lnRef idx="2">
+            <a:schemeClr val="accent1">
+              <a:shade val="50000"/>
+            </a:schemeClr>
+          </a:lnRef>
+          <a:fillRef idx="1">
+            <a:schemeClr val="accent1"/>
+          </a:fillRef>
+          <a:effectRef idx="0">
+            <a:schemeClr val="accent1"/>
+          </a:effectRef>
+          <a:fontRef idx="minor">
+            <a:schemeClr val="lt1"/>
+          </a:fontRef>
+        </p:style>
+        <p:txBody>
+          <a:bodyPr rtlCol="0" anchor="ctr"/>
+          <a:lstStyle/>
+          <a:p>
+            <a:pPr algn="ctr"/>
+            <a:r>
+              <a:rPr lang="en-US" sz="1000" dirty="0">
+                <a:latin typeface="Verdana" panose="020B0604030504040204" pitchFamily="34" charset="0"/>
+                <a:ea typeface="Verdana" panose="020B0604030504040204" pitchFamily="34" charset="0"/>
+              </a:rPr>
+              <a:t>Application</a:t>
+            </a:r>
+          </a:p>
+        </p:txBody>
+      </p:sp>
+      <p:sp>
+        <p:nvSpPr>
+          <p:cNvPr id="14" name="Rectangle: Rounded Corners 13">
+            <a:extLst>
+              <a:ext uri="{FF2B5EF4-FFF2-40B4-BE49-F238E27FC236}">
+                <a16:creationId xmlns:a16="http://schemas.microsoft.com/office/drawing/2014/main" id="{66AC8B29-1893-4A94-9715-56E1E25E3B7A}"/>
+              </a:ext>
+            </a:extLst>
+          </p:cNvPr>
+          <p:cNvSpPr/>
+          <p:nvPr/>
+        </p:nvSpPr>
+        <p:spPr>
+          <a:xfrm>
+            <a:off x="10427407" y="285726"/>
+            <a:ext cx="1352550" cy="390525"/>
+          </a:xfrm>
+          <a:prstGeom prst="roundRect">
+            <a:avLst/>
+          </a:prstGeom>
+          <a:solidFill>
+            <a:schemeClr val="bg1">
+              <a:lumMod val="75000"/>
+            </a:schemeClr>
+          </a:solidFill>
+          <a:ln>
+            <a:noFill/>
+          </a:ln>
+        </p:spPr>
+        <p:style>
+          <a:lnRef idx="2">
+            <a:schemeClr val="accent1">
+              <a:shade val="50000"/>
+            </a:schemeClr>
+          </a:lnRef>
+          <a:fillRef idx="1">
+            <a:schemeClr val="accent1"/>
+          </a:fillRef>
+          <a:effectRef idx="0">
+            <a:schemeClr val="accent1"/>
+          </a:effectRef>
+          <a:fontRef idx="minor">
+            <a:schemeClr val="lt1"/>
+          </a:fontRef>
+        </p:style>
+        <p:txBody>
+          <a:bodyPr rtlCol="0" anchor="ctr"/>
+          <a:lstStyle/>
+          <a:p>
+            <a:pPr algn="ctr"/>
+            <a:r>
+              <a:rPr lang="en-US" sz="1000" dirty="0">
+                <a:latin typeface="Verdana" panose="020B0604030504040204" pitchFamily="34" charset="0"/>
+                <a:ea typeface="Verdana" panose="020B0604030504040204" pitchFamily="34" charset="0"/>
+              </a:rPr>
+              <a:t>Conclusion</a:t>
+            </a:r>
+          </a:p>
+        </p:txBody>
+      </p:sp>
+      <p:pic>
+        <p:nvPicPr>
+          <p:cNvPr id="15" name="Picture 14">
+            <a:extLst>
+              <a:ext uri="{FF2B5EF4-FFF2-40B4-BE49-F238E27FC236}">
+                <a16:creationId xmlns:a16="http://schemas.microsoft.com/office/drawing/2014/main" id="{59A5F746-0E95-4CB3-A1F8-8161B70AD447}"/>
+              </a:ext>
+            </a:extLst>
+          </p:cNvPr>
+          <p:cNvPicPr>
+            <a:picLocks noChangeAspect="1"/>
+          </p:cNvPicPr>
+          <p:nvPr/>
+        </p:nvPicPr>
+        <p:blipFill>
+          <a:blip r:embed="rId3"/>
+          <a:stretch>
+            <a:fillRect/>
+          </a:stretch>
+        </p:blipFill>
+        <p:spPr>
+          <a:xfrm>
+            <a:off x="261546" y="6238912"/>
+            <a:ext cx="1885714" cy="600000"/>
+          </a:xfrm>
+          <a:prstGeom prst="rect">
+            <a:avLst/>
+          </a:prstGeom>
+        </p:spPr>
+      </p:pic>
+      <p:sp>
+        <p:nvSpPr>
+          <p:cNvPr id="2" name="TextBox 1">
+            <a:extLst>
+              <a:ext uri="{FF2B5EF4-FFF2-40B4-BE49-F238E27FC236}">
+                <a16:creationId xmlns:a16="http://schemas.microsoft.com/office/drawing/2014/main" id="{3A3FD9DD-A15F-4830-AEFD-19922D0844E4}"/>
+              </a:ext>
+            </a:extLst>
+          </p:cNvPr>
+          <p:cNvSpPr txBox="1"/>
+          <p:nvPr/>
+        </p:nvSpPr>
+        <p:spPr>
+          <a:xfrm>
+            <a:off x="1016000" y="1443841"/>
+            <a:ext cx="9777047" cy="4801314"/>
+          </a:xfrm>
+          <a:prstGeom prst="rect">
+            <a:avLst/>
+          </a:prstGeom>
+          <a:noFill/>
+        </p:spPr>
+        <p:txBody>
+          <a:bodyPr wrap="square" rtlCol="0">
+            <a:spAutoFit/>
+          </a:bodyPr>
+          <a:lstStyle/>
+          <a:p>
+            <a:r>
+              <a:rPr lang="en-US" b="1" dirty="0"/>
+              <a:t>What Are Stock Market Sectors?</a:t>
+            </a:r>
+          </a:p>
+          <a:p>
+            <a:r>
+              <a:rPr lang="en-US" dirty="0"/>
+              <a:t>A stock sector is a collection of publicly-traded companies that work within the same general field of business—healthcare, energy, real estate, etc. The stocks in each sector, in turn, carry similar characteristics.</a:t>
+            </a:r>
+          </a:p>
+          <a:p>
+            <a:endParaRPr lang="en-US" dirty="0"/>
+          </a:p>
+          <a:p>
+            <a:endParaRPr lang="en-US" dirty="0"/>
+          </a:p>
+          <a:p>
+            <a:r>
+              <a:rPr lang="en-US" b="1" dirty="0"/>
+              <a:t>Stock Market Sector Classifications</a:t>
+            </a:r>
+          </a:p>
+          <a:p>
+            <a:r>
+              <a:rPr lang="en-US" dirty="0"/>
+              <a:t>There are three competing systems for classifying stocks into sectors and industries: the Global Industry Classification Standard (GICS), the Industrial Classification Benchmark (ICB), and Morningstar's stock sector structure. For the most part, the systems are functionally equivalent, but unfortunately the terminology is different. </a:t>
+            </a:r>
+          </a:p>
+          <a:p>
+            <a:endParaRPr lang="en-US" dirty="0"/>
+          </a:p>
+          <a:p>
+            <a:endParaRPr lang="en-US" dirty="0"/>
+          </a:p>
+          <a:p>
+            <a:endParaRPr lang="en-US" dirty="0"/>
+          </a:p>
+          <a:p>
+            <a:endParaRPr lang="en-US" dirty="0"/>
+          </a:p>
+          <a:p>
+            <a:endParaRPr lang="en-US" dirty="0"/>
+          </a:p>
+          <a:p>
+            <a:endParaRPr lang="en-US" dirty="0"/>
+          </a:p>
+        </p:txBody>
+      </p:sp>
+    </p:spTree>
+    <p:extLst>
+      <p:ext uri="{BB962C8B-B14F-4D97-AF65-F5344CB8AC3E}">
+        <p14:creationId xmlns:p14="http://schemas.microsoft.com/office/powerpoint/2010/main" val="1831166835"/>
+      </p:ext>
+    </p:extLst>
+  </p:cSld>
+  <p:clrMapOvr>
+    <a:masterClrMapping/>
+  </p:clrMapOvr>
+</p:sld>
+</file>
+
+<file path=ppt/slides/slide5.xml><?xml version="1.0" encoding="utf-8"?>
+<p:sld xmlns:a="http://schemas.openxmlformats.org/drawingml/2006/main" xmlns:r="http://schemas.openxmlformats.org/officeDocument/2006/relationships" xmlns:p="http://schemas.openxmlformats.org/presentationml/2006/main">
+  <p:cSld>
+    <p:spTree>
+      <p:nvGrpSpPr>
+        <p:cNvPr id="1" name=""/>
+        <p:cNvGrpSpPr/>
+        <p:nvPr/>
+      </p:nvGrpSpPr>
+      <p:grpSpPr>
+        <a:xfrm>
+          <a:off x="0" y="0"/>
+          <a:ext cx="0" cy="0"/>
+          <a:chOff x="0" y="0"/>
+          <a:chExt cx="0" cy="0"/>
+        </a:xfrm>
+      </p:grpSpPr>
+      <p:sp>
+        <p:nvSpPr>
+          <p:cNvPr id="76" name="Title 1">
+            <a:extLst>
+              <a:ext uri="{FF2B5EF4-FFF2-40B4-BE49-F238E27FC236}">
+                <a16:creationId xmlns:a16="http://schemas.microsoft.com/office/drawing/2014/main" id="{77C709C5-536F-43E0-8949-0992532DEB8C}"/>
+              </a:ext>
+            </a:extLst>
+          </p:cNvPr>
+          <p:cNvSpPr>
+            <a:spLocks noGrp="1"/>
+          </p:cNvSpPr>
+          <p:nvPr>
+            <p:ph type="title"/>
+          </p:nvPr>
+        </p:nvSpPr>
+        <p:spPr>
+          <a:xfrm>
+            <a:off x="412043" y="480988"/>
+            <a:ext cx="10515600" cy="817723"/>
+          </a:xfrm>
+        </p:spPr>
+        <p:txBody>
+          <a:bodyPr>
+            <a:normAutofit/>
+          </a:bodyPr>
+          <a:lstStyle/>
+          <a:p>
+            <a:r>
+              <a:rPr lang="en-US" sz="2400" b="1" dirty="0">
+                <a:solidFill>
+                  <a:srgbClr val="9E2946"/>
+                </a:solidFill>
+                <a:latin typeface="Verdana" panose="020B0604030504040204" pitchFamily="34" charset="0"/>
+                <a:ea typeface="Verdana" panose="020B0604030504040204" pitchFamily="34" charset="0"/>
+              </a:rPr>
+              <a:t>Project Overview</a:t>
+            </a:r>
+          </a:p>
+        </p:txBody>
+      </p:sp>
+      <p:sp>
+        <p:nvSpPr>
+          <p:cNvPr id="3" name="Slide Number Placeholder 2">
+            <a:extLst>
+              <a:ext uri="{FF2B5EF4-FFF2-40B4-BE49-F238E27FC236}">
+                <a16:creationId xmlns:a16="http://schemas.microsoft.com/office/drawing/2014/main" id="{26DF549E-0929-4558-B72A-C49F4959F13A}"/>
+              </a:ext>
+            </a:extLst>
+          </p:cNvPr>
+          <p:cNvSpPr>
+            <a:spLocks noGrp="1"/>
+          </p:cNvSpPr>
+          <p:nvPr>
+            <p:ph type="sldNum" sz="quarter" idx="12"/>
+          </p:nvPr>
+        </p:nvSpPr>
+        <p:spPr/>
+        <p:txBody>
+          <a:bodyPr/>
+          <a:lstStyle/>
+          <a:p>
+            <a:fld id="{CE94D1BC-D86E-4D7F-8F02-7A51C792EE04}" type="slidenum">
+              <a:rPr lang="en-US" smtClean="0"/>
+              <a:t>5</a:t>
+            </a:fld>
+            <a:endParaRPr lang="en-US"/>
+          </a:p>
+        </p:txBody>
+      </p:sp>
+      <p:sp>
+        <p:nvSpPr>
+          <p:cNvPr id="8" name="Rectangle: Rounded Corners 7">
+            <a:extLst>
+              <a:ext uri="{FF2B5EF4-FFF2-40B4-BE49-F238E27FC236}">
+                <a16:creationId xmlns:a16="http://schemas.microsoft.com/office/drawing/2014/main" id="{A94466D1-B61C-4EF1-908E-89E940596724}"/>
+              </a:ext>
+            </a:extLst>
+          </p:cNvPr>
+          <p:cNvSpPr/>
+          <p:nvPr/>
+        </p:nvSpPr>
+        <p:spPr>
+          <a:xfrm>
+            <a:off x="4775911" y="285726"/>
+            <a:ext cx="1352550" cy="390525"/>
+          </a:xfrm>
+          <a:prstGeom prst="roundRect">
+            <a:avLst/>
+          </a:prstGeom>
+          <a:solidFill>
+            <a:srgbClr val="9E2946"/>
+          </a:solidFill>
+          <a:ln>
+            <a:noFill/>
+          </a:ln>
+        </p:spPr>
+        <p:style>
+          <a:lnRef idx="2">
+            <a:schemeClr val="accent1">
+              <a:shade val="50000"/>
+            </a:schemeClr>
+          </a:lnRef>
+          <a:fillRef idx="1">
+            <a:schemeClr val="accent1"/>
+          </a:fillRef>
+          <a:effectRef idx="0">
+            <a:schemeClr val="accent1"/>
+          </a:effectRef>
+          <a:fontRef idx="minor">
+            <a:schemeClr val="lt1"/>
+          </a:fontRef>
+        </p:style>
+        <p:txBody>
+          <a:bodyPr rtlCol="0" anchor="ctr"/>
+          <a:lstStyle/>
+          <a:p>
+            <a:pPr algn="ctr"/>
+            <a:r>
+              <a:rPr lang="en-US" sz="1000" dirty="0">
+                <a:latin typeface="Verdana" panose="020B0604030504040204" pitchFamily="34" charset="0"/>
+                <a:ea typeface="Verdana" panose="020B0604030504040204" pitchFamily="34" charset="0"/>
+              </a:rPr>
+              <a:t>Background</a:t>
+            </a:r>
+          </a:p>
+        </p:txBody>
+      </p:sp>
+      <p:sp>
+        <p:nvSpPr>
+          <p:cNvPr id="10" name="Rectangle: Rounded Corners 9">
+            <a:extLst>
+              <a:ext uri="{FF2B5EF4-FFF2-40B4-BE49-F238E27FC236}">
+                <a16:creationId xmlns:a16="http://schemas.microsoft.com/office/drawing/2014/main" id="{D0CF06AE-5C66-40BE-AF92-C9254A0C3FD7}"/>
+              </a:ext>
+            </a:extLst>
+          </p:cNvPr>
+          <p:cNvSpPr/>
+          <p:nvPr/>
+        </p:nvSpPr>
+        <p:spPr>
+          <a:xfrm>
+            <a:off x="6188785" y="285727"/>
+            <a:ext cx="1352550" cy="390525"/>
+          </a:xfrm>
+          <a:prstGeom prst="roundRect">
+            <a:avLst/>
+          </a:prstGeom>
+          <a:solidFill>
+            <a:schemeClr val="bg1">
+              <a:lumMod val="75000"/>
+            </a:schemeClr>
+          </a:solidFill>
+          <a:ln>
+            <a:noFill/>
+          </a:ln>
+        </p:spPr>
+        <p:style>
+          <a:lnRef idx="2">
+            <a:schemeClr val="accent1">
+              <a:shade val="50000"/>
+            </a:schemeClr>
+          </a:lnRef>
+          <a:fillRef idx="1">
+            <a:schemeClr val="accent1"/>
+          </a:fillRef>
+          <a:effectRef idx="0">
+            <a:schemeClr val="accent1"/>
+          </a:effectRef>
+          <a:fontRef idx="minor">
+            <a:schemeClr val="lt1"/>
+          </a:fontRef>
+        </p:style>
+        <p:txBody>
+          <a:bodyPr rtlCol="0" anchor="ctr"/>
+          <a:lstStyle/>
+          <a:p>
+            <a:pPr algn="ctr"/>
+            <a:r>
+              <a:rPr lang="en-US" sz="1000" dirty="0">
+                <a:latin typeface="Verdana" panose="020B0604030504040204" pitchFamily="34" charset="0"/>
+                <a:ea typeface="Verdana" panose="020B0604030504040204" pitchFamily="34" charset="0"/>
+              </a:rPr>
+              <a:t>Architecture</a:t>
+            </a:r>
+          </a:p>
+        </p:txBody>
+      </p:sp>
+      <p:sp>
+        <p:nvSpPr>
+          <p:cNvPr id="11" name="Rectangle: Rounded Corners 10">
+            <a:extLst>
+              <a:ext uri="{FF2B5EF4-FFF2-40B4-BE49-F238E27FC236}">
+                <a16:creationId xmlns:a16="http://schemas.microsoft.com/office/drawing/2014/main" id="{9B2AA2F4-54FD-4548-A211-ABBC31F90EE6}"/>
+              </a:ext>
+            </a:extLst>
+          </p:cNvPr>
+          <p:cNvSpPr/>
+          <p:nvPr/>
+        </p:nvSpPr>
+        <p:spPr>
+          <a:xfrm>
+            <a:off x="7601659" y="285726"/>
+            <a:ext cx="1352550" cy="390525"/>
+          </a:xfrm>
+          <a:prstGeom prst="roundRect">
+            <a:avLst/>
+          </a:prstGeom>
+          <a:solidFill>
+            <a:schemeClr val="bg1">
+              <a:lumMod val="75000"/>
+            </a:schemeClr>
+          </a:solidFill>
+          <a:ln>
+            <a:noFill/>
+          </a:ln>
+        </p:spPr>
+        <p:style>
+          <a:lnRef idx="2">
+            <a:schemeClr val="accent1">
+              <a:shade val="50000"/>
+            </a:schemeClr>
+          </a:lnRef>
+          <a:fillRef idx="1">
+            <a:schemeClr val="accent1"/>
+          </a:fillRef>
+          <a:effectRef idx="0">
+            <a:schemeClr val="accent1"/>
+          </a:effectRef>
+          <a:fontRef idx="minor">
+            <a:schemeClr val="lt1"/>
+          </a:fontRef>
+        </p:style>
+        <p:txBody>
+          <a:bodyPr rtlCol="0" anchor="ctr"/>
+          <a:lstStyle/>
+          <a:p>
+            <a:pPr algn="ctr"/>
+            <a:r>
+              <a:rPr lang="en-US" sz="1000" dirty="0">
+                <a:latin typeface="Verdana" panose="020B0604030504040204" pitchFamily="34" charset="0"/>
+                <a:ea typeface="Verdana" panose="020B0604030504040204" pitchFamily="34" charset="0"/>
+              </a:rPr>
+              <a:t>Methodology</a:t>
+            </a:r>
+          </a:p>
+        </p:txBody>
+      </p:sp>
+      <p:sp>
+        <p:nvSpPr>
+          <p:cNvPr id="12" name="Rectangle: Rounded Corners 11">
+            <a:extLst>
+              <a:ext uri="{FF2B5EF4-FFF2-40B4-BE49-F238E27FC236}">
+                <a16:creationId xmlns:a16="http://schemas.microsoft.com/office/drawing/2014/main" id="{E7FD3417-382B-42E9-8B4D-A235C22130CA}"/>
+              </a:ext>
+            </a:extLst>
+          </p:cNvPr>
+          <p:cNvSpPr/>
+          <p:nvPr/>
+        </p:nvSpPr>
+        <p:spPr>
+          <a:xfrm>
+            <a:off x="9014533" y="285726"/>
+            <a:ext cx="1352550" cy="390525"/>
+          </a:xfrm>
+          <a:prstGeom prst="roundRect">
+            <a:avLst/>
+          </a:prstGeom>
+          <a:solidFill>
+            <a:schemeClr val="bg1">
+              <a:lumMod val="75000"/>
+            </a:schemeClr>
+          </a:solidFill>
+          <a:ln>
+            <a:noFill/>
+          </a:ln>
+        </p:spPr>
+        <p:style>
+          <a:lnRef idx="2">
+            <a:schemeClr val="accent1">
+              <a:shade val="50000"/>
+            </a:schemeClr>
+          </a:lnRef>
+          <a:fillRef idx="1">
+            <a:schemeClr val="accent1"/>
+          </a:fillRef>
+          <a:effectRef idx="0">
+            <a:schemeClr val="accent1"/>
+          </a:effectRef>
+          <a:fontRef idx="minor">
+            <a:schemeClr val="lt1"/>
+          </a:fontRef>
+        </p:style>
+        <p:txBody>
+          <a:bodyPr rtlCol="0" anchor="ctr"/>
+          <a:lstStyle/>
+          <a:p>
+            <a:pPr algn="ctr"/>
+            <a:r>
+              <a:rPr lang="en-US" sz="1000" dirty="0">
+                <a:latin typeface="Verdana" panose="020B0604030504040204" pitchFamily="34" charset="0"/>
+                <a:ea typeface="Verdana" panose="020B0604030504040204" pitchFamily="34" charset="0"/>
+              </a:rPr>
+              <a:t>Application</a:t>
+            </a:r>
+          </a:p>
+        </p:txBody>
+      </p:sp>
+      <p:sp>
+        <p:nvSpPr>
+          <p:cNvPr id="14" name="Rectangle: Rounded Corners 13">
+            <a:extLst>
+              <a:ext uri="{FF2B5EF4-FFF2-40B4-BE49-F238E27FC236}">
+                <a16:creationId xmlns:a16="http://schemas.microsoft.com/office/drawing/2014/main" id="{66AC8B29-1893-4A94-9715-56E1E25E3B7A}"/>
+              </a:ext>
+            </a:extLst>
+          </p:cNvPr>
+          <p:cNvSpPr/>
+          <p:nvPr/>
+        </p:nvSpPr>
+        <p:spPr>
+          <a:xfrm>
+            <a:off x="10427407" y="285726"/>
+            <a:ext cx="1352550" cy="390525"/>
+          </a:xfrm>
+          <a:prstGeom prst="roundRect">
+            <a:avLst/>
+          </a:prstGeom>
+          <a:solidFill>
+            <a:schemeClr val="bg1">
+              <a:lumMod val="75000"/>
+            </a:schemeClr>
+          </a:solidFill>
+          <a:ln>
+            <a:noFill/>
+          </a:ln>
+        </p:spPr>
+        <p:style>
+          <a:lnRef idx="2">
+            <a:schemeClr val="accent1">
+              <a:shade val="50000"/>
+            </a:schemeClr>
+          </a:lnRef>
+          <a:fillRef idx="1">
+            <a:schemeClr val="accent1"/>
+          </a:fillRef>
+          <a:effectRef idx="0">
+            <a:schemeClr val="accent1"/>
+          </a:effectRef>
+          <a:fontRef idx="minor">
+            <a:schemeClr val="lt1"/>
+          </a:fontRef>
+        </p:style>
+        <p:txBody>
+          <a:bodyPr rtlCol="0" anchor="ctr"/>
+          <a:lstStyle/>
+          <a:p>
+            <a:pPr algn="ctr"/>
+            <a:r>
+              <a:rPr lang="en-US" sz="1000" dirty="0">
+                <a:latin typeface="Verdana" panose="020B0604030504040204" pitchFamily="34" charset="0"/>
+                <a:ea typeface="Verdana" panose="020B0604030504040204" pitchFamily="34" charset="0"/>
+              </a:rPr>
+              <a:t>Conclusion</a:t>
+            </a:r>
+          </a:p>
+        </p:txBody>
+      </p:sp>
+      <p:pic>
+        <p:nvPicPr>
+          <p:cNvPr id="15" name="Picture 14">
+            <a:extLst>
+              <a:ext uri="{FF2B5EF4-FFF2-40B4-BE49-F238E27FC236}">
+                <a16:creationId xmlns:a16="http://schemas.microsoft.com/office/drawing/2014/main" id="{59A5F746-0E95-4CB3-A1F8-8161B70AD447}"/>
+              </a:ext>
+            </a:extLst>
+          </p:cNvPr>
+          <p:cNvPicPr>
+            <a:picLocks noChangeAspect="1"/>
+          </p:cNvPicPr>
+          <p:nvPr/>
+        </p:nvPicPr>
+        <p:blipFill>
+          <a:blip r:embed="rId3"/>
+          <a:stretch>
+            <a:fillRect/>
+          </a:stretch>
+        </p:blipFill>
+        <p:spPr>
+          <a:xfrm>
+            <a:off x="261546" y="6238912"/>
+            <a:ext cx="1885714" cy="600000"/>
+          </a:xfrm>
+          <a:prstGeom prst="rect">
+            <a:avLst/>
+          </a:prstGeom>
+        </p:spPr>
+      </p:pic>
+      <p:sp>
+        <p:nvSpPr>
+          <p:cNvPr id="2" name="TextBox 1">
+            <a:extLst>
+              <a:ext uri="{FF2B5EF4-FFF2-40B4-BE49-F238E27FC236}">
+                <a16:creationId xmlns:a16="http://schemas.microsoft.com/office/drawing/2014/main" id="{3A3FD9DD-A15F-4830-AEFD-19922D0844E4}"/>
+              </a:ext>
+            </a:extLst>
+          </p:cNvPr>
+          <p:cNvSpPr txBox="1"/>
+          <p:nvPr/>
+        </p:nvSpPr>
+        <p:spPr>
+          <a:xfrm>
+            <a:off x="1016000" y="1314341"/>
+            <a:ext cx="9777047" cy="2031325"/>
+          </a:xfrm>
+          <a:prstGeom prst="rect">
+            <a:avLst/>
+          </a:prstGeom>
+          <a:noFill/>
+        </p:spPr>
+        <p:txBody>
+          <a:bodyPr wrap="square" rtlCol="0">
+            <a:spAutoFit/>
+          </a:bodyPr>
+          <a:lstStyle/>
+          <a:p>
+            <a:endParaRPr lang="en-US" dirty="0"/>
+          </a:p>
+          <a:p>
+            <a:r>
+              <a:rPr lang="en-US" b="1" dirty="0"/>
+              <a:t>How Many Sectors Are in the Stock Market?</a:t>
+            </a:r>
+          </a:p>
+          <a:p>
+            <a:r>
+              <a:rPr lang="en-US" dirty="0"/>
+              <a:t>There are 11 stock market sectors, according to the Global Industry Classification Standard, or GICS, which is an industry taxonomy developed in 1999 by MSCI and Standard &amp; Poor's. Within the entire GICS structure, there are 11 sectors, 24 industry groups, 69 industries and 158 sub-industries into which all major public companies are categorized.</a:t>
+            </a:r>
+          </a:p>
+          <a:p>
+            <a:endParaRPr lang="en-US" dirty="0"/>
+          </a:p>
+        </p:txBody>
+      </p:sp>
+      <p:sp>
+        <p:nvSpPr>
+          <p:cNvPr id="5" name="TextBox 4">
+            <a:extLst>
+              <a:ext uri="{FF2B5EF4-FFF2-40B4-BE49-F238E27FC236}">
+                <a16:creationId xmlns:a16="http://schemas.microsoft.com/office/drawing/2014/main" id="{4D016CAF-C6FE-4BE0-99DD-DB0604DE3DD0}"/>
+              </a:ext>
+            </a:extLst>
+          </p:cNvPr>
+          <p:cNvSpPr txBox="1"/>
+          <p:nvPr/>
+        </p:nvSpPr>
+        <p:spPr>
+          <a:xfrm>
+            <a:off x="1029470" y="3686935"/>
+            <a:ext cx="9280745" cy="1477328"/>
+          </a:xfrm>
+          <a:prstGeom prst="rect">
+            <a:avLst/>
+          </a:prstGeom>
+          <a:noFill/>
+        </p:spPr>
+        <p:txBody>
+          <a:bodyPr wrap="square" numCol="3" rtlCol="0">
+            <a:spAutoFit/>
+          </a:bodyPr>
+          <a:lstStyle/>
+          <a:p>
+            <a:r>
+              <a:rPr lang="en-US" b="1" dirty="0"/>
+              <a:t>The 11 stock GICS market sectors are: </a:t>
+            </a:r>
+          </a:p>
+          <a:p>
+            <a:pPr marL="342900" indent="-342900">
+              <a:buFont typeface="+mj-lt"/>
+              <a:buAutoNum type="arabicPeriod"/>
+            </a:pPr>
+            <a:r>
+              <a:rPr lang="en-US" dirty="0"/>
+              <a:t>Healthcare Sector</a:t>
+            </a:r>
+          </a:p>
+          <a:p>
+            <a:pPr marL="342900" indent="-342900">
+              <a:buFont typeface="+mj-lt"/>
+              <a:buAutoNum type="arabicPeriod"/>
+            </a:pPr>
+            <a:r>
+              <a:rPr lang="en-US" dirty="0"/>
+              <a:t>Materials Sector</a:t>
+            </a:r>
+          </a:p>
+          <a:p>
+            <a:pPr marL="342900" indent="-342900">
+              <a:buFont typeface="+mj-lt"/>
+              <a:buAutoNum type="arabicPeriod"/>
+            </a:pPr>
+            <a:r>
+              <a:rPr lang="en-US" dirty="0"/>
+              <a:t>Real Estate Sector</a:t>
+            </a:r>
+          </a:p>
+          <a:p>
+            <a:pPr marL="342900" indent="-342900">
+              <a:buFont typeface="+mj-lt"/>
+              <a:buAutoNum type="arabicPeriod"/>
+            </a:pPr>
+            <a:r>
+              <a:rPr lang="en-US" dirty="0"/>
+              <a:t>Consumer Staples Sector</a:t>
+            </a:r>
+          </a:p>
+          <a:p>
+            <a:pPr marL="342900" indent="-342900">
+              <a:buFont typeface="+mj-lt"/>
+              <a:buAutoNum type="arabicPeriod"/>
+            </a:pPr>
+            <a:r>
+              <a:rPr lang="en-US" dirty="0"/>
+              <a:t>Consumer Discretionary Sector</a:t>
+            </a:r>
+          </a:p>
+          <a:p>
+            <a:pPr marL="342900" indent="-342900">
+              <a:buFont typeface="+mj-lt"/>
+              <a:buAutoNum type="arabicPeriod"/>
+            </a:pPr>
+            <a:r>
+              <a:rPr lang="en-US" dirty="0"/>
+              <a:t>Utilities Sector</a:t>
+            </a:r>
+          </a:p>
+          <a:p>
+            <a:pPr marL="342900" indent="-342900">
+              <a:buFont typeface="+mj-lt"/>
+              <a:buAutoNum type="arabicPeriod"/>
+            </a:pPr>
+            <a:r>
+              <a:rPr lang="en-US" dirty="0"/>
+              <a:t>Energy Sector</a:t>
+            </a:r>
+          </a:p>
+          <a:p>
+            <a:pPr marL="342900" indent="-342900">
+              <a:buFont typeface="+mj-lt"/>
+              <a:buAutoNum type="arabicPeriod"/>
+            </a:pPr>
+            <a:r>
+              <a:rPr lang="en-US" dirty="0"/>
+              <a:t>Industrials Sector</a:t>
+            </a:r>
+          </a:p>
+          <a:p>
+            <a:pPr marL="342900" indent="-342900">
+              <a:buFont typeface="+mj-lt"/>
+              <a:buAutoNum type="arabicPeriod"/>
+            </a:pPr>
+            <a:r>
+              <a:rPr lang="en-US" dirty="0"/>
+              <a:t>Consumer Services Sector</a:t>
+            </a:r>
+          </a:p>
+          <a:p>
+            <a:pPr marL="342900" indent="-342900">
+              <a:buFont typeface="+mj-lt"/>
+              <a:buAutoNum type="arabicPeriod"/>
+            </a:pPr>
+            <a:r>
+              <a:rPr lang="en-US" dirty="0"/>
+              <a:t>Financials Sector</a:t>
+            </a:r>
+          </a:p>
+          <a:p>
+            <a:pPr marL="342900" indent="-342900">
+              <a:buFont typeface="+mj-lt"/>
+              <a:buAutoNum type="arabicPeriod"/>
+            </a:pPr>
+            <a:r>
+              <a:rPr lang="en-US" dirty="0"/>
+              <a:t>Technology Sector</a:t>
+            </a:r>
+          </a:p>
+          <a:p>
+            <a:endParaRPr lang="en-US" dirty="0"/>
+          </a:p>
+        </p:txBody>
+      </p:sp>
+    </p:spTree>
+    <p:extLst>
+      <p:ext uri="{BB962C8B-B14F-4D97-AF65-F5344CB8AC3E}">
+        <p14:creationId xmlns:p14="http://schemas.microsoft.com/office/powerpoint/2010/main" val="1992080985"/>
+      </p:ext>
+    </p:extLst>
+  </p:cSld>
+  <p:clrMapOvr>
+    <a:masterClrMapping/>
+  </p:clrMapOvr>
+</p:sld>
+</file>
+
+<file path=ppt/slides/slide6.xml><?xml version="1.0" encoding="utf-8"?>
+<p:sld xmlns:a="http://schemas.openxmlformats.org/drawingml/2006/main" xmlns:r="http://schemas.openxmlformats.org/officeDocument/2006/relationships" xmlns:p="http://schemas.openxmlformats.org/presentationml/2006/main">
+  <p:cSld>
+    <p:spTree>
+      <p:nvGrpSpPr>
+        <p:cNvPr id="1" name=""/>
+        <p:cNvGrpSpPr/>
+        <p:nvPr/>
+      </p:nvGrpSpPr>
+      <p:grpSpPr>
+        <a:xfrm>
+          <a:off x="0" y="0"/>
+          <a:ext cx="0" cy="0"/>
+          <a:chOff x="0" y="0"/>
+          <a:chExt cx="0" cy="0"/>
+        </a:xfrm>
+      </p:grpSpPr>
+      <p:sp>
+        <p:nvSpPr>
+          <p:cNvPr id="76" name="Title 1">
+            <a:extLst>
+              <a:ext uri="{FF2B5EF4-FFF2-40B4-BE49-F238E27FC236}">
+                <a16:creationId xmlns:a16="http://schemas.microsoft.com/office/drawing/2014/main" id="{77C709C5-536F-43E0-8949-0992532DEB8C}"/>
+              </a:ext>
+            </a:extLst>
+          </p:cNvPr>
+          <p:cNvSpPr>
+            <a:spLocks noGrp="1"/>
+          </p:cNvSpPr>
+          <p:nvPr>
+            <p:ph type="title"/>
+          </p:nvPr>
+        </p:nvSpPr>
+        <p:spPr>
+          <a:xfrm>
+            <a:off x="412043" y="480988"/>
+            <a:ext cx="10515600" cy="817723"/>
+          </a:xfrm>
+        </p:spPr>
+        <p:txBody>
+          <a:bodyPr>
+            <a:normAutofit/>
+          </a:bodyPr>
+          <a:lstStyle/>
+          <a:p>
+            <a:r>
+              <a:rPr lang="en-US" sz="2400" b="1" dirty="0">
+                <a:solidFill>
+                  <a:srgbClr val="9E2946"/>
+                </a:solidFill>
+                <a:latin typeface="Verdana" panose="020B0604030504040204" pitchFamily="34" charset="0"/>
+                <a:ea typeface="Verdana" panose="020B0604030504040204" pitchFamily="34" charset="0"/>
+              </a:rPr>
+              <a:t>Existing Application Architecture</a:t>
+            </a:r>
+          </a:p>
+        </p:txBody>
+      </p:sp>
+      <p:sp>
+        <p:nvSpPr>
+          <p:cNvPr id="3" name="Slide Number Placeholder 2">
+            <a:extLst>
+              <a:ext uri="{FF2B5EF4-FFF2-40B4-BE49-F238E27FC236}">
+                <a16:creationId xmlns:a16="http://schemas.microsoft.com/office/drawing/2014/main" id="{26DF549E-0929-4558-B72A-C49F4959F13A}"/>
+              </a:ext>
+            </a:extLst>
+          </p:cNvPr>
+          <p:cNvSpPr>
+            <a:spLocks noGrp="1"/>
+          </p:cNvSpPr>
+          <p:nvPr>
+            <p:ph type="sldNum" sz="quarter" idx="12"/>
+          </p:nvPr>
+        </p:nvSpPr>
+        <p:spPr/>
+        <p:txBody>
+          <a:bodyPr/>
+          <a:lstStyle/>
+          <a:p>
+            <a:fld id="{CE94D1BC-D86E-4D7F-8F02-7A51C792EE04}" type="slidenum">
+              <a:rPr lang="en-US" smtClean="0"/>
+              <a:t>6</a:t>
             </a:fld>
             <a:endParaRPr lang="en-US"/>
           </a:p>
@@ -13114,7 +16219,7 @@
 </p:sld>
 </file>
 
-<file path=ppt/slides/slide5.xml><?xml version="1.0" encoding="utf-8"?>
+<file path=ppt/slides/slide7.xml><?xml version="1.0" encoding="utf-8"?>
 <p:sld xmlns:a="http://schemas.openxmlformats.org/drawingml/2006/main" xmlns:r="http://schemas.openxmlformats.org/officeDocument/2006/relationships" xmlns:p="http://schemas.openxmlformats.org/presentationml/2006/main">
   <p:cSld>
     <p:spTree>
@@ -13195,7 +16300,7 @@
           <a:p>
             <a:fld id="{CE94D1BC-D86E-4D7F-8F02-7A51C792EE04}" type="slidenum">
               <a:rPr lang="en-US" smtClean="0"/>
-              <a:t>5</a:t>
+              <a:t>7</a:t>
             </a:fld>
             <a:endParaRPr lang="en-US"/>
           </a:p>
@@ -16433,7 +19538,7 @@
 </p:sld>
 </file>
 
-<file path=ppt/slides/slide6.xml><?xml version="1.0" encoding="utf-8"?>
+<file path=ppt/slides/slide8.xml><?xml version="1.0" encoding="utf-8"?>
 <p:sld xmlns:a="http://schemas.openxmlformats.org/drawingml/2006/main" xmlns:r="http://schemas.openxmlformats.org/officeDocument/2006/relationships" xmlns:p="http://schemas.openxmlformats.org/presentationml/2006/main">
   <p:cSld>
     <p:spTree>
@@ -16473,7 +19578,7 @@
           <a:p>
             <a:fld id="{CE94D1BC-D86E-4D7F-8F02-7A51C792EE04}" type="slidenum">
               <a:rPr lang="en-US" smtClean="0"/>
-              <a:t>6</a:t>
+              <a:t>8</a:t>
             </a:fld>
             <a:endParaRPr lang="en-US"/>
           </a:p>
@@ -19428,7 +22533,7 @@
 </p:sld>
 </file>
 
-<file path=ppt/slides/slide7.xml><?xml version="1.0" encoding="utf-8"?>
+<file path=ppt/slides/slide9.xml><?xml version="1.0" encoding="utf-8"?>
 <p:sld xmlns:a="http://schemas.openxmlformats.org/drawingml/2006/main" xmlns:r="http://schemas.openxmlformats.org/officeDocument/2006/relationships" xmlns:p="http://schemas.openxmlformats.org/presentationml/2006/main">
   <p:cSld>
     <p:spTree>
@@ -19515,7 +22620,7 @@
           <a:p>
             <a:fld id="{CE94D1BC-D86E-4D7F-8F02-7A51C792EE04}" type="slidenum">
               <a:rPr lang="en-US" smtClean="0"/>
-              <a:t>7</a:t>
+              <a:t>9</a:t>
             </a:fld>
             <a:endParaRPr lang="en-US"/>
           </a:p>
@@ -20114,1612 +23219,6 @@
     <p:extLst>
       <p:ext uri="{BB962C8B-B14F-4D97-AF65-F5344CB8AC3E}">
         <p14:creationId xmlns:p14="http://schemas.microsoft.com/office/powerpoint/2010/main" val="301188183"/>
-      </p:ext>
-    </p:extLst>
-  </p:cSld>
-  <p:clrMapOvr>
-    <a:masterClrMapping/>
-  </p:clrMapOvr>
-</p:sld>
-</file>
-
-<file path=ppt/slides/slide8.xml><?xml version="1.0" encoding="utf-8"?>
-<p:sld xmlns:a="http://schemas.openxmlformats.org/drawingml/2006/main" xmlns:r="http://schemas.openxmlformats.org/officeDocument/2006/relationships" xmlns:p="http://schemas.openxmlformats.org/presentationml/2006/main">
-  <p:cSld>
-    <p:spTree>
-      <p:nvGrpSpPr>
-        <p:cNvPr id="1" name=""/>
-        <p:cNvGrpSpPr/>
-        <p:nvPr/>
-      </p:nvGrpSpPr>
-      <p:grpSpPr>
-        <a:xfrm>
-          <a:off x="0" y="0"/>
-          <a:ext cx="0" cy="0"/>
-          <a:chOff x="0" y="0"/>
-          <a:chExt cx="0" cy="0"/>
-        </a:xfrm>
-      </p:grpSpPr>
-      <p:sp>
-        <p:nvSpPr>
-          <p:cNvPr id="76" name="Title 1">
-            <a:extLst>
-              <a:ext uri="{FF2B5EF4-FFF2-40B4-BE49-F238E27FC236}">
-                <a16:creationId xmlns:a16="http://schemas.microsoft.com/office/drawing/2014/main" id="{77C709C5-536F-43E0-8949-0992532DEB8C}"/>
-              </a:ext>
-            </a:extLst>
-          </p:cNvPr>
-          <p:cNvSpPr>
-            <a:spLocks noGrp="1"/>
-          </p:cNvSpPr>
-          <p:nvPr>
-            <p:ph type="title"/>
-          </p:nvPr>
-        </p:nvSpPr>
-        <p:spPr>
-          <a:xfrm>
-            <a:off x="-227150" y="392211"/>
-            <a:ext cx="10515600" cy="817723"/>
-          </a:xfrm>
-        </p:spPr>
-        <p:txBody>
-          <a:bodyPr>
-            <a:normAutofit/>
-          </a:bodyPr>
-          <a:lstStyle/>
-          <a:p>
-            <a:pPr marL="457200" lvl="1">
-              <a:lnSpc>
-                <a:spcPct val="150000"/>
-              </a:lnSpc>
-            </a:pPr>
-            <a:r>
-              <a:rPr lang="en-US" sz="2400" b="1" kern="1200" dirty="0">
-                <a:solidFill>
-                  <a:srgbClr val="9E2946"/>
-                </a:solidFill>
-                <a:latin typeface="Verdana" panose="020B0604030504040204" pitchFamily="34" charset="0"/>
-                <a:ea typeface="Verdana" panose="020B0604030504040204" pitchFamily="34" charset="0"/>
-                <a:cs typeface="+mj-cs"/>
-              </a:rPr>
-              <a:t>Data Preprocessing (EDA)</a:t>
-            </a:r>
-          </a:p>
-        </p:txBody>
-      </p:sp>
-      <p:sp>
-        <p:nvSpPr>
-          <p:cNvPr id="3" name="Slide Number Placeholder 2">
-            <a:extLst>
-              <a:ext uri="{FF2B5EF4-FFF2-40B4-BE49-F238E27FC236}">
-                <a16:creationId xmlns:a16="http://schemas.microsoft.com/office/drawing/2014/main" id="{26DF549E-0929-4558-B72A-C49F4959F13A}"/>
-              </a:ext>
-            </a:extLst>
-          </p:cNvPr>
-          <p:cNvSpPr>
-            <a:spLocks noGrp="1"/>
-          </p:cNvSpPr>
-          <p:nvPr>
-            <p:ph type="sldNum" sz="quarter" idx="12"/>
-          </p:nvPr>
-        </p:nvSpPr>
-        <p:spPr/>
-        <p:txBody>
-          <a:bodyPr/>
-          <a:lstStyle/>
-          <a:p>
-            <a:fld id="{CE94D1BC-D86E-4D7F-8F02-7A51C792EE04}" type="slidenum">
-              <a:rPr lang="en-US" smtClean="0"/>
-              <a:t>8</a:t>
-            </a:fld>
-            <a:endParaRPr lang="en-US"/>
-          </a:p>
-        </p:txBody>
-      </p:sp>
-      <p:sp>
-        <p:nvSpPr>
-          <p:cNvPr id="8" name="Rectangle: Rounded Corners 7">
-            <a:extLst>
-              <a:ext uri="{FF2B5EF4-FFF2-40B4-BE49-F238E27FC236}">
-                <a16:creationId xmlns:a16="http://schemas.microsoft.com/office/drawing/2014/main" id="{A94466D1-B61C-4EF1-908E-89E940596724}"/>
-              </a:ext>
-            </a:extLst>
-          </p:cNvPr>
-          <p:cNvSpPr/>
-          <p:nvPr/>
-        </p:nvSpPr>
-        <p:spPr>
-          <a:xfrm>
-            <a:off x="4775911" y="285726"/>
-            <a:ext cx="1352550" cy="390525"/>
-          </a:xfrm>
-          <a:prstGeom prst="roundRect">
-            <a:avLst/>
-          </a:prstGeom>
-          <a:solidFill>
-            <a:schemeClr val="bg1">
-              <a:lumMod val="75000"/>
-            </a:schemeClr>
-          </a:solidFill>
-          <a:ln>
-            <a:noFill/>
-          </a:ln>
-        </p:spPr>
-        <p:style>
-          <a:lnRef idx="2">
-            <a:schemeClr val="accent1">
-              <a:shade val="50000"/>
-            </a:schemeClr>
-          </a:lnRef>
-          <a:fillRef idx="1">
-            <a:schemeClr val="accent1"/>
-          </a:fillRef>
-          <a:effectRef idx="0">
-            <a:schemeClr val="accent1"/>
-          </a:effectRef>
-          <a:fontRef idx="minor">
-            <a:schemeClr val="lt1"/>
-          </a:fontRef>
-        </p:style>
-        <p:txBody>
-          <a:bodyPr rtlCol="0" anchor="ctr"/>
-          <a:lstStyle/>
-          <a:p>
-            <a:pPr algn="ctr"/>
-            <a:r>
-              <a:rPr lang="en-US" sz="1000" dirty="0">
-                <a:latin typeface="Verdana" panose="020B0604030504040204" pitchFamily="34" charset="0"/>
-                <a:ea typeface="Verdana" panose="020B0604030504040204" pitchFamily="34" charset="0"/>
-              </a:rPr>
-              <a:t>Background</a:t>
-            </a:r>
-          </a:p>
-        </p:txBody>
-      </p:sp>
-      <p:sp>
-        <p:nvSpPr>
-          <p:cNvPr id="10" name="Rectangle: Rounded Corners 9">
-            <a:extLst>
-              <a:ext uri="{FF2B5EF4-FFF2-40B4-BE49-F238E27FC236}">
-                <a16:creationId xmlns:a16="http://schemas.microsoft.com/office/drawing/2014/main" id="{D0CF06AE-5C66-40BE-AF92-C9254A0C3FD7}"/>
-              </a:ext>
-            </a:extLst>
-          </p:cNvPr>
-          <p:cNvSpPr/>
-          <p:nvPr/>
-        </p:nvSpPr>
-        <p:spPr>
-          <a:xfrm>
-            <a:off x="6188785" y="285727"/>
-            <a:ext cx="1352550" cy="390525"/>
-          </a:xfrm>
-          <a:prstGeom prst="roundRect">
-            <a:avLst/>
-          </a:prstGeom>
-          <a:solidFill>
-            <a:schemeClr val="bg1">
-              <a:lumMod val="75000"/>
-            </a:schemeClr>
-          </a:solidFill>
-          <a:ln>
-            <a:noFill/>
-          </a:ln>
-        </p:spPr>
-        <p:style>
-          <a:lnRef idx="2">
-            <a:schemeClr val="accent1">
-              <a:shade val="50000"/>
-            </a:schemeClr>
-          </a:lnRef>
-          <a:fillRef idx="1">
-            <a:schemeClr val="accent1"/>
-          </a:fillRef>
-          <a:effectRef idx="0">
-            <a:schemeClr val="accent1"/>
-          </a:effectRef>
-          <a:fontRef idx="minor">
-            <a:schemeClr val="lt1"/>
-          </a:fontRef>
-        </p:style>
-        <p:txBody>
-          <a:bodyPr rtlCol="0" anchor="ctr"/>
-          <a:lstStyle/>
-          <a:p>
-            <a:pPr algn="ctr"/>
-            <a:r>
-              <a:rPr lang="en-US" sz="1000" dirty="0">
-                <a:latin typeface="Verdana" panose="020B0604030504040204" pitchFamily="34" charset="0"/>
-                <a:ea typeface="Verdana" panose="020B0604030504040204" pitchFamily="34" charset="0"/>
-              </a:rPr>
-              <a:t>Architecture</a:t>
-            </a:r>
-          </a:p>
-        </p:txBody>
-      </p:sp>
-      <p:sp>
-        <p:nvSpPr>
-          <p:cNvPr id="11" name="Rectangle: Rounded Corners 10">
-            <a:extLst>
-              <a:ext uri="{FF2B5EF4-FFF2-40B4-BE49-F238E27FC236}">
-                <a16:creationId xmlns:a16="http://schemas.microsoft.com/office/drawing/2014/main" id="{9B2AA2F4-54FD-4548-A211-ABBC31F90EE6}"/>
-              </a:ext>
-            </a:extLst>
-          </p:cNvPr>
-          <p:cNvSpPr/>
-          <p:nvPr/>
-        </p:nvSpPr>
-        <p:spPr>
-          <a:xfrm>
-            <a:off x="7601659" y="285726"/>
-            <a:ext cx="1352550" cy="390525"/>
-          </a:xfrm>
-          <a:prstGeom prst="roundRect">
-            <a:avLst/>
-          </a:prstGeom>
-          <a:solidFill>
-            <a:srgbClr val="9E2946"/>
-          </a:solidFill>
-          <a:ln>
-            <a:noFill/>
-          </a:ln>
-        </p:spPr>
-        <p:style>
-          <a:lnRef idx="2">
-            <a:schemeClr val="accent1">
-              <a:shade val="50000"/>
-            </a:schemeClr>
-          </a:lnRef>
-          <a:fillRef idx="1">
-            <a:schemeClr val="accent1"/>
-          </a:fillRef>
-          <a:effectRef idx="0">
-            <a:schemeClr val="accent1"/>
-          </a:effectRef>
-          <a:fontRef idx="minor">
-            <a:schemeClr val="lt1"/>
-          </a:fontRef>
-        </p:style>
-        <p:txBody>
-          <a:bodyPr rtlCol="0" anchor="ctr"/>
-          <a:lstStyle/>
-          <a:p>
-            <a:pPr algn="ctr"/>
-            <a:r>
-              <a:rPr lang="en-US" sz="1000" dirty="0">
-                <a:latin typeface="Verdana" panose="020B0604030504040204" pitchFamily="34" charset="0"/>
-                <a:ea typeface="Verdana" panose="020B0604030504040204" pitchFamily="34" charset="0"/>
-              </a:rPr>
-              <a:t>Methodology</a:t>
-            </a:r>
-          </a:p>
-        </p:txBody>
-      </p:sp>
-      <p:sp>
-        <p:nvSpPr>
-          <p:cNvPr id="12" name="Rectangle: Rounded Corners 11">
-            <a:extLst>
-              <a:ext uri="{FF2B5EF4-FFF2-40B4-BE49-F238E27FC236}">
-                <a16:creationId xmlns:a16="http://schemas.microsoft.com/office/drawing/2014/main" id="{E7FD3417-382B-42E9-8B4D-A235C22130CA}"/>
-              </a:ext>
-            </a:extLst>
-          </p:cNvPr>
-          <p:cNvSpPr/>
-          <p:nvPr/>
-        </p:nvSpPr>
-        <p:spPr>
-          <a:xfrm>
-            <a:off x="9014533" y="285726"/>
-            <a:ext cx="1352550" cy="390525"/>
-          </a:xfrm>
-          <a:prstGeom prst="roundRect">
-            <a:avLst/>
-          </a:prstGeom>
-          <a:solidFill>
-            <a:schemeClr val="bg1">
-              <a:lumMod val="75000"/>
-            </a:schemeClr>
-          </a:solidFill>
-          <a:ln>
-            <a:noFill/>
-          </a:ln>
-        </p:spPr>
-        <p:style>
-          <a:lnRef idx="2">
-            <a:schemeClr val="accent1">
-              <a:shade val="50000"/>
-            </a:schemeClr>
-          </a:lnRef>
-          <a:fillRef idx="1">
-            <a:schemeClr val="accent1"/>
-          </a:fillRef>
-          <a:effectRef idx="0">
-            <a:schemeClr val="accent1"/>
-          </a:effectRef>
-          <a:fontRef idx="minor">
-            <a:schemeClr val="lt1"/>
-          </a:fontRef>
-        </p:style>
-        <p:txBody>
-          <a:bodyPr rtlCol="0" anchor="ctr"/>
-          <a:lstStyle/>
-          <a:p>
-            <a:pPr algn="ctr"/>
-            <a:r>
-              <a:rPr lang="en-US" sz="1000" dirty="0">
-                <a:latin typeface="Verdana" panose="020B0604030504040204" pitchFamily="34" charset="0"/>
-                <a:ea typeface="Verdana" panose="020B0604030504040204" pitchFamily="34" charset="0"/>
-              </a:rPr>
-              <a:t>Outcome</a:t>
-            </a:r>
-          </a:p>
-        </p:txBody>
-      </p:sp>
-      <p:sp>
-        <p:nvSpPr>
-          <p:cNvPr id="14" name="Rectangle: Rounded Corners 13">
-            <a:extLst>
-              <a:ext uri="{FF2B5EF4-FFF2-40B4-BE49-F238E27FC236}">
-                <a16:creationId xmlns:a16="http://schemas.microsoft.com/office/drawing/2014/main" id="{66AC8B29-1893-4A94-9715-56E1E25E3B7A}"/>
-              </a:ext>
-            </a:extLst>
-          </p:cNvPr>
-          <p:cNvSpPr/>
-          <p:nvPr/>
-        </p:nvSpPr>
-        <p:spPr>
-          <a:xfrm>
-            <a:off x="10427407" y="285726"/>
-            <a:ext cx="1352550" cy="390525"/>
-          </a:xfrm>
-          <a:prstGeom prst="roundRect">
-            <a:avLst/>
-          </a:prstGeom>
-          <a:solidFill>
-            <a:schemeClr val="bg1">
-              <a:lumMod val="75000"/>
-            </a:schemeClr>
-          </a:solidFill>
-          <a:ln>
-            <a:noFill/>
-          </a:ln>
-        </p:spPr>
-        <p:style>
-          <a:lnRef idx="2">
-            <a:schemeClr val="accent1">
-              <a:shade val="50000"/>
-            </a:schemeClr>
-          </a:lnRef>
-          <a:fillRef idx="1">
-            <a:schemeClr val="accent1"/>
-          </a:fillRef>
-          <a:effectRef idx="0">
-            <a:schemeClr val="accent1"/>
-          </a:effectRef>
-          <a:fontRef idx="minor">
-            <a:schemeClr val="lt1"/>
-          </a:fontRef>
-        </p:style>
-        <p:txBody>
-          <a:bodyPr rtlCol="0" anchor="ctr"/>
-          <a:lstStyle/>
-          <a:p>
-            <a:pPr algn="ctr"/>
-            <a:r>
-              <a:rPr lang="en-US" sz="1000" dirty="0">
-                <a:latin typeface="Verdana" panose="020B0604030504040204" pitchFamily="34" charset="0"/>
-                <a:ea typeface="Verdana" panose="020B0604030504040204" pitchFamily="34" charset="0"/>
-              </a:rPr>
-              <a:t>Conclusion</a:t>
-            </a:r>
-          </a:p>
-        </p:txBody>
-      </p:sp>
-      <p:pic>
-        <p:nvPicPr>
-          <p:cNvPr id="15" name="Picture 14">
-            <a:extLst>
-              <a:ext uri="{FF2B5EF4-FFF2-40B4-BE49-F238E27FC236}">
-                <a16:creationId xmlns:a16="http://schemas.microsoft.com/office/drawing/2014/main" id="{59A5F746-0E95-4CB3-A1F8-8161B70AD447}"/>
-              </a:ext>
-            </a:extLst>
-          </p:cNvPr>
-          <p:cNvPicPr>
-            <a:picLocks noChangeAspect="1"/>
-          </p:cNvPicPr>
-          <p:nvPr/>
-        </p:nvPicPr>
-        <p:blipFill>
-          <a:blip r:embed="rId3"/>
-          <a:stretch>
-            <a:fillRect/>
-          </a:stretch>
-        </p:blipFill>
-        <p:spPr>
-          <a:xfrm>
-            <a:off x="261546" y="6238912"/>
-            <a:ext cx="1885714" cy="600000"/>
-          </a:xfrm>
-          <a:prstGeom prst="rect">
-            <a:avLst/>
-          </a:prstGeom>
-        </p:spPr>
-      </p:pic>
-      <p:sp>
-        <p:nvSpPr>
-          <p:cNvPr id="13" name="Subtitle 2">
-            <a:extLst>
-              <a:ext uri="{FF2B5EF4-FFF2-40B4-BE49-F238E27FC236}">
-                <a16:creationId xmlns:a16="http://schemas.microsoft.com/office/drawing/2014/main" id="{C1689B62-8D24-4BB5-BCEE-3B54AEAC8471}"/>
-              </a:ext>
-            </a:extLst>
-          </p:cNvPr>
-          <p:cNvSpPr txBox="1">
-            <a:spLocks/>
-          </p:cNvSpPr>
-          <p:nvPr/>
-        </p:nvSpPr>
-        <p:spPr>
-          <a:xfrm>
-            <a:off x="538578" y="1806712"/>
-            <a:ext cx="11100047" cy="3952859"/>
-          </a:xfrm>
-          <a:prstGeom prst="rect">
-            <a:avLst/>
-          </a:prstGeom>
-        </p:spPr>
-        <p:txBody>
-          <a:bodyPr vert="horz" lIns="91440" tIns="45720" rIns="91440" bIns="45720" rtlCol="0">
-            <a:normAutofit/>
-          </a:bodyPr>
-          <a:lstStyle>
-            <a:lvl1pPr marL="228600" indent="-228600" algn="l" defTabSz="914400" rtl="0" eaLnBrk="1" latinLnBrk="0" hangingPunct="1">
-              <a:lnSpc>
-                <a:spcPct val="90000"/>
-              </a:lnSpc>
-              <a:spcBef>
-                <a:spcPts val="1000"/>
-              </a:spcBef>
-              <a:buFont typeface="Arial" panose="020B0604020202020204" pitchFamily="34" charset="0"/>
-              <a:buChar char="•"/>
-              <a:defRPr sz="2800" kern="1200">
-                <a:solidFill>
-                  <a:schemeClr val="tx1"/>
-                </a:solidFill>
-                <a:latin typeface="+mn-lt"/>
-                <a:ea typeface="+mn-ea"/>
-                <a:cs typeface="+mn-cs"/>
-              </a:defRPr>
-            </a:lvl1pPr>
-            <a:lvl2pPr marL="685800" indent="-228600" algn="l" defTabSz="914400" rtl="0" eaLnBrk="1" latinLnBrk="0" hangingPunct="1">
-              <a:lnSpc>
-                <a:spcPct val="90000"/>
-              </a:lnSpc>
-              <a:spcBef>
-                <a:spcPts val="500"/>
-              </a:spcBef>
-              <a:buFont typeface="Arial" panose="020B0604020202020204" pitchFamily="34" charset="0"/>
-              <a:buChar char="•"/>
-              <a:defRPr sz="2400" kern="1200">
-                <a:solidFill>
-                  <a:schemeClr val="tx1"/>
-                </a:solidFill>
-                <a:latin typeface="+mn-lt"/>
-                <a:ea typeface="+mn-ea"/>
-                <a:cs typeface="+mn-cs"/>
-              </a:defRPr>
-            </a:lvl2pPr>
-            <a:lvl3pPr marL="1143000" indent="-228600" algn="l" defTabSz="914400" rtl="0" eaLnBrk="1" latinLnBrk="0" hangingPunct="1">
-              <a:lnSpc>
-                <a:spcPct val="90000"/>
-              </a:lnSpc>
-              <a:spcBef>
-                <a:spcPts val="500"/>
-              </a:spcBef>
-              <a:buFont typeface="Arial" panose="020B0604020202020204" pitchFamily="34" charset="0"/>
-              <a:buChar char="•"/>
-              <a:defRPr sz="2000" kern="1200">
-                <a:solidFill>
-                  <a:schemeClr val="tx1"/>
-                </a:solidFill>
-                <a:latin typeface="+mn-lt"/>
-                <a:ea typeface="+mn-ea"/>
-                <a:cs typeface="+mn-cs"/>
-              </a:defRPr>
-            </a:lvl3pPr>
-            <a:lvl4pPr marL="1600200" indent="-228600" algn="l" defTabSz="914400" rtl="0" eaLnBrk="1" latinLnBrk="0" hangingPunct="1">
-              <a:lnSpc>
-                <a:spcPct val="90000"/>
-              </a:lnSpc>
-              <a:spcBef>
-                <a:spcPts val="500"/>
-              </a:spcBef>
-              <a:buFont typeface="Arial" panose="020B0604020202020204" pitchFamily="34" charset="0"/>
-              <a:buChar char="•"/>
-              <a:defRPr sz="1800" kern="1200">
-                <a:solidFill>
-                  <a:schemeClr val="tx1"/>
-                </a:solidFill>
-                <a:latin typeface="+mn-lt"/>
-                <a:ea typeface="+mn-ea"/>
-                <a:cs typeface="+mn-cs"/>
-              </a:defRPr>
-            </a:lvl4pPr>
-            <a:lvl5pPr marL="2057400" indent="-228600" algn="l" defTabSz="914400" rtl="0" eaLnBrk="1" latinLnBrk="0" hangingPunct="1">
-              <a:lnSpc>
-                <a:spcPct val="90000"/>
-              </a:lnSpc>
-              <a:spcBef>
-                <a:spcPts val="500"/>
-              </a:spcBef>
-              <a:buFont typeface="Arial" panose="020B0604020202020204" pitchFamily="34" charset="0"/>
-              <a:buChar char="•"/>
-              <a:defRPr sz="1800" kern="1200">
-                <a:solidFill>
-                  <a:schemeClr val="tx1"/>
-                </a:solidFill>
-                <a:latin typeface="+mn-lt"/>
-                <a:ea typeface="+mn-ea"/>
-                <a:cs typeface="+mn-cs"/>
-              </a:defRPr>
-            </a:lvl5pPr>
-            <a:lvl6pPr marL="2514600" indent="-228600" algn="l" defTabSz="914400" rtl="0" eaLnBrk="1" latinLnBrk="0" hangingPunct="1">
-              <a:lnSpc>
-                <a:spcPct val="90000"/>
-              </a:lnSpc>
-              <a:spcBef>
-                <a:spcPts val="500"/>
-              </a:spcBef>
-              <a:buFont typeface="Arial" panose="020B0604020202020204" pitchFamily="34" charset="0"/>
-              <a:buChar char="•"/>
-              <a:defRPr sz="1800" kern="1200">
-                <a:solidFill>
-                  <a:schemeClr val="tx1"/>
-                </a:solidFill>
-                <a:latin typeface="+mn-lt"/>
-                <a:ea typeface="+mn-ea"/>
-                <a:cs typeface="+mn-cs"/>
-              </a:defRPr>
-            </a:lvl6pPr>
-            <a:lvl7pPr marL="2971800" indent="-228600" algn="l" defTabSz="914400" rtl="0" eaLnBrk="1" latinLnBrk="0" hangingPunct="1">
-              <a:lnSpc>
-                <a:spcPct val="90000"/>
-              </a:lnSpc>
-              <a:spcBef>
-                <a:spcPts val="500"/>
-              </a:spcBef>
-              <a:buFont typeface="Arial" panose="020B0604020202020204" pitchFamily="34" charset="0"/>
-              <a:buChar char="•"/>
-              <a:defRPr sz="1800" kern="1200">
-                <a:solidFill>
-                  <a:schemeClr val="tx1"/>
-                </a:solidFill>
-                <a:latin typeface="+mn-lt"/>
-                <a:ea typeface="+mn-ea"/>
-                <a:cs typeface="+mn-cs"/>
-              </a:defRPr>
-            </a:lvl7pPr>
-            <a:lvl8pPr marL="3429000" indent="-228600" algn="l" defTabSz="914400" rtl="0" eaLnBrk="1" latinLnBrk="0" hangingPunct="1">
-              <a:lnSpc>
-                <a:spcPct val="90000"/>
-              </a:lnSpc>
-              <a:spcBef>
-                <a:spcPts val="500"/>
-              </a:spcBef>
-              <a:buFont typeface="Arial" panose="020B0604020202020204" pitchFamily="34" charset="0"/>
-              <a:buChar char="•"/>
-              <a:defRPr sz="1800" kern="1200">
-                <a:solidFill>
-                  <a:schemeClr val="tx1"/>
-                </a:solidFill>
-                <a:latin typeface="+mn-lt"/>
-                <a:ea typeface="+mn-ea"/>
-                <a:cs typeface="+mn-cs"/>
-              </a:defRPr>
-            </a:lvl8pPr>
-            <a:lvl9pPr marL="3886200" indent="-228600" algn="l" defTabSz="914400" rtl="0" eaLnBrk="1" latinLnBrk="0" hangingPunct="1">
-              <a:lnSpc>
-                <a:spcPct val="90000"/>
-              </a:lnSpc>
-              <a:spcBef>
-                <a:spcPts val="500"/>
-              </a:spcBef>
-              <a:buFont typeface="Arial" panose="020B0604020202020204" pitchFamily="34" charset="0"/>
-              <a:buChar char="•"/>
-              <a:defRPr sz="1800" kern="1200">
-                <a:solidFill>
-                  <a:schemeClr val="tx1"/>
-                </a:solidFill>
-                <a:latin typeface="+mn-lt"/>
-                <a:ea typeface="+mn-ea"/>
-                <a:cs typeface="+mn-cs"/>
-              </a:defRPr>
-            </a:lvl9pPr>
-          </a:lstStyle>
-          <a:p>
-            <a:pPr marL="0" indent="0">
-              <a:buNone/>
-            </a:pPr>
-            <a:endParaRPr lang="en-US" dirty="0"/>
-          </a:p>
-        </p:txBody>
-      </p:sp>
-      <p:sp>
-        <p:nvSpPr>
-          <p:cNvPr id="17" name="TextBox 16">
-            <a:extLst>
-              <a:ext uri="{FF2B5EF4-FFF2-40B4-BE49-F238E27FC236}">
-                <a16:creationId xmlns:a16="http://schemas.microsoft.com/office/drawing/2014/main" id="{B3A99EA6-6FD9-477E-8CBC-B9A09170E7B6}"/>
-              </a:ext>
-            </a:extLst>
-          </p:cNvPr>
-          <p:cNvSpPr txBox="1"/>
-          <p:nvPr/>
-        </p:nvSpPr>
-        <p:spPr>
-          <a:xfrm>
-            <a:off x="246748" y="1366243"/>
-            <a:ext cx="11391877" cy="2677656"/>
-          </a:xfrm>
-          <a:prstGeom prst="rect">
-            <a:avLst/>
-          </a:prstGeom>
-          <a:noFill/>
-        </p:spPr>
-        <p:txBody>
-          <a:bodyPr wrap="square">
-            <a:spAutoFit/>
-          </a:bodyPr>
-          <a:lstStyle/>
-          <a:p>
-            <a:endParaRPr lang="en-US" sz="2000" dirty="0">
-              <a:solidFill>
-                <a:srgbClr val="374151"/>
-              </a:solidFill>
-              <a:latin typeface="Söhne"/>
-            </a:endParaRPr>
-          </a:p>
-          <a:p>
-            <a:pPr lvl="1">
-              <a:buFont typeface="+mj-lt"/>
-              <a:buAutoNum type="arabicPeriod"/>
-            </a:pPr>
-            <a:r>
-              <a:rPr lang="en-US" sz="1600" dirty="0">
-                <a:solidFill>
-                  <a:srgbClr val="374151"/>
-                </a:solidFill>
-                <a:latin typeface="Verdana" panose="020B0604030504040204" pitchFamily="34" charset="0"/>
-                <a:ea typeface="Verdana" panose="020B0604030504040204" pitchFamily="34" charset="0"/>
-              </a:rPr>
-              <a:t>First, the text data from PitchBook and Salesforce are preprocessed as follows </a:t>
-            </a:r>
-          </a:p>
-          <a:p>
-            <a:pPr marL="1257300" lvl="2" indent="-342900">
-              <a:buFont typeface="+mj-lt"/>
-              <a:buAutoNum type="alphaLcParenR"/>
-            </a:pPr>
-            <a:r>
-              <a:rPr lang="en-US" sz="1600" dirty="0">
-                <a:solidFill>
-                  <a:srgbClr val="374151"/>
-                </a:solidFill>
-                <a:latin typeface="Verdana" panose="020B0604030504040204" pitchFamily="34" charset="0"/>
-                <a:ea typeface="Verdana" panose="020B0604030504040204" pitchFamily="34" charset="0"/>
-              </a:rPr>
-              <a:t>Merge two datasource based on ‘companyId’ column</a:t>
-            </a:r>
-          </a:p>
-          <a:p>
-            <a:pPr marL="1257300" lvl="2" indent="-342900">
-              <a:buFont typeface="+mj-lt"/>
-              <a:buAutoNum type="alphaLcParenR"/>
-            </a:pPr>
-            <a:r>
-              <a:rPr lang="en-US" sz="1600" dirty="0">
-                <a:solidFill>
-                  <a:srgbClr val="374151"/>
-                </a:solidFill>
-                <a:latin typeface="Verdana" panose="020B0604030504040204" pitchFamily="34" charset="0"/>
-                <a:ea typeface="Verdana" panose="020B0604030504040204" pitchFamily="34" charset="0"/>
-              </a:rPr>
-              <a:t>Drop all observations that are having missing values based on ‘description’ column</a:t>
-            </a:r>
-          </a:p>
-          <a:p>
-            <a:pPr marL="1257300" lvl="2" indent="-342900">
-              <a:buFont typeface="+mj-lt"/>
-              <a:buAutoNum type="alphaLcParenR"/>
-            </a:pPr>
-            <a:r>
-              <a:rPr lang="en-US" sz="1600" dirty="0">
-                <a:solidFill>
-                  <a:srgbClr val="374151"/>
-                </a:solidFill>
-                <a:latin typeface="Verdana" panose="020B0604030504040204" pitchFamily="34" charset="0"/>
-                <a:ea typeface="Verdana" panose="020B0604030504040204" pitchFamily="34" charset="0"/>
-              </a:rPr>
-              <a:t>Dropping all PitchBook companies that are mapped to multiple Salesforce records using ‘companyId’ column. This is to avoid biases during the model training</a:t>
-            </a:r>
-          </a:p>
-          <a:p>
-            <a:pPr marL="1257300" lvl="2" indent="-342900">
-              <a:buFont typeface="+mj-lt"/>
-              <a:buAutoNum type="alphaLcParenR"/>
-            </a:pPr>
-            <a:endParaRPr lang="en-US" sz="1600" dirty="0">
-              <a:solidFill>
-                <a:srgbClr val="374151"/>
-              </a:solidFill>
-              <a:latin typeface="Verdana" panose="020B0604030504040204" pitchFamily="34" charset="0"/>
-              <a:ea typeface="Verdana" panose="020B0604030504040204" pitchFamily="34" charset="0"/>
-            </a:endParaRPr>
-          </a:p>
-          <a:p>
-            <a:pPr marL="800100" lvl="1" indent="-342900">
-              <a:buFont typeface="+mj-lt"/>
-              <a:buAutoNum type="arabicPeriod"/>
-            </a:pPr>
-            <a:r>
-              <a:rPr lang="en-US" sz="1600" dirty="0">
-                <a:solidFill>
-                  <a:srgbClr val="374151"/>
-                </a:solidFill>
-                <a:latin typeface="Verdana" panose="020B0604030504040204" pitchFamily="34" charset="0"/>
-                <a:ea typeface="Verdana" panose="020B0604030504040204" pitchFamily="34" charset="0"/>
-              </a:rPr>
-              <a:t>PitchBook descriptions will be features (predictors), Salesforce industries will be labels (response). Then we move on to feature engineering stage</a:t>
-            </a:r>
-          </a:p>
-          <a:p>
-            <a:endParaRPr lang="en-US" sz="2000" dirty="0"/>
-          </a:p>
-        </p:txBody>
-      </p:sp>
-    </p:spTree>
-    <p:extLst>
-      <p:ext uri="{BB962C8B-B14F-4D97-AF65-F5344CB8AC3E}">
-        <p14:creationId xmlns:p14="http://schemas.microsoft.com/office/powerpoint/2010/main" val="110471869"/>
-      </p:ext>
-    </p:extLst>
-  </p:cSld>
-  <p:clrMapOvr>
-    <a:masterClrMapping/>
-  </p:clrMapOvr>
-</p:sld>
-</file>
-
-<file path=ppt/slides/slide9.xml><?xml version="1.0" encoding="utf-8"?>
-<p:sld xmlns:a="http://schemas.openxmlformats.org/drawingml/2006/main" xmlns:r="http://schemas.openxmlformats.org/officeDocument/2006/relationships" xmlns:p="http://schemas.openxmlformats.org/presentationml/2006/main">
-  <p:cSld>
-    <p:spTree>
-      <p:nvGrpSpPr>
-        <p:cNvPr id="1" name=""/>
-        <p:cNvGrpSpPr/>
-        <p:nvPr/>
-      </p:nvGrpSpPr>
-      <p:grpSpPr>
-        <a:xfrm>
-          <a:off x="0" y="0"/>
-          <a:ext cx="0" cy="0"/>
-          <a:chOff x="0" y="0"/>
-          <a:chExt cx="0" cy="0"/>
-        </a:xfrm>
-      </p:grpSpPr>
-      <p:sp>
-        <p:nvSpPr>
-          <p:cNvPr id="76" name="Title 1">
-            <a:extLst>
-              <a:ext uri="{FF2B5EF4-FFF2-40B4-BE49-F238E27FC236}">
-                <a16:creationId xmlns:a16="http://schemas.microsoft.com/office/drawing/2014/main" id="{77C709C5-536F-43E0-8949-0992532DEB8C}"/>
-              </a:ext>
-            </a:extLst>
-          </p:cNvPr>
-          <p:cNvSpPr>
-            <a:spLocks noGrp="1"/>
-          </p:cNvSpPr>
-          <p:nvPr>
-            <p:ph type="title"/>
-          </p:nvPr>
-        </p:nvSpPr>
-        <p:spPr>
-          <a:xfrm>
-            <a:off x="-227150" y="392211"/>
-            <a:ext cx="10515600" cy="817723"/>
-          </a:xfrm>
-        </p:spPr>
-        <p:txBody>
-          <a:bodyPr>
-            <a:normAutofit/>
-          </a:bodyPr>
-          <a:lstStyle/>
-          <a:p>
-            <a:pPr marL="457200" lvl="1">
-              <a:lnSpc>
-                <a:spcPct val="150000"/>
-              </a:lnSpc>
-            </a:pPr>
-            <a:r>
-              <a:rPr lang="en-US" sz="2400" b="1" kern="1200" dirty="0">
-                <a:solidFill>
-                  <a:srgbClr val="9E2946"/>
-                </a:solidFill>
-                <a:latin typeface="Verdana" panose="020B0604030504040204" pitchFamily="34" charset="0"/>
-                <a:ea typeface="Verdana" panose="020B0604030504040204" pitchFamily="34" charset="0"/>
-                <a:cs typeface="+mj-cs"/>
-              </a:rPr>
-              <a:t>Feature Engineering</a:t>
-            </a:r>
-          </a:p>
-        </p:txBody>
-      </p:sp>
-      <p:sp>
-        <p:nvSpPr>
-          <p:cNvPr id="3" name="Slide Number Placeholder 2">
-            <a:extLst>
-              <a:ext uri="{FF2B5EF4-FFF2-40B4-BE49-F238E27FC236}">
-                <a16:creationId xmlns:a16="http://schemas.microsoft.com/office/drawing/2014/main" id="{26DF549E-0929-4558-B72A-C49F4959F13A}"/>
-              </a:ext>
-            </a:extLst>
-          </p:cNvPr>
-          <p:cNvSpPr>
-            <a:spLocks noGrp="1"/>
-          </p:cNvSpPr>
-          <p:nvPr>
-            <p:ph type="sldNum" sz="quarter" idx="12"/>
-          </p:nvPr>
-        </p:nvSpPr>
-        <p:spPr/>
-        <p:txBody>
-          <a:bodyPr/>
-          <a:lstStyle/>
-          <a:p>
-            <a:fld id="{CE94D1BC-D86E-4D7F-8F02-7A51C792EE04}" type="slidenum">
-              <a:rPr lang="en-US" smtClean="0"/>
-              <a:t>9</a:t>
-            </a:fld>
-            <a:endParaRPr lang="en-US"/>
-          </a:p>
-        </p:txBody>
-      </p:sp>
-      <p:sp>
-        <p:nvSpPr>
-          <p:cNvPr id="8" name="Rectangle: Rounded Corners 7">
-            <a:extLst>
-              <a:ext uri="{FF2B5EF4-FFF2-40B4-BE49-F238E27FC236}">
-                <a16:creationId xmlns:a16="http://schemas.microsoft.com/office/drawing/2014/main" id="{A94466D1-B61C-4EF1-908E-89E940596724}"/>
-              </a:ext>
-            </a:extLst>
-          </p:cNvPr>
-          <p:cNvSpPr/>
-          <p:nvPr/>
-        </p:nvSpPr>
-        <p:spPr>
-          <a:xfrm>
-            <a:off x="4775911" y="285726"/>
-            <a:ext cx="1352550" cy="390525"/>
-          </a:xfrm>
-          <a:prstGeom prst="roundRect">
-            <a:avLst/>
-          </a:prstGeom>
-          <a:solidFill>
-            <a:schemeClr val="bg1">
-              <a:lumMod val="75000"/>
-            </a:schemeClr>
-          </a:solidFill>
-          <a:ln>
-            <a:noFill/>
-          </a:ln>
-        </p:spPr>
-        <p:style>
-          <a:lnRef idx="2">
-            <a:schemeClr val="accent1">
-              <a:shade val="50000"/>
-            </a:schemeClr>
-          </a:lnRef>
-          <a:fillRef idx="1">
-            <a:schemeClr val="accent1"/>
-          </a:fillRef>
-          <a:effectRef idx="0">
-            <a:schemeClr val="accent1"/>
-          </a:effectRef>
-          <a:fontRef idx="minor">
-            <a:schemeClr val="lt1"/>
-          </a:fontRef>
-        </p:style>
-        <p:txBody>
-          <a:bodyPr rtlCol="0" anchor="ctr"/>
-          <a:lstStyle/>
-          <a:p>
-            <a:pPr algn="ctr"/>
-            <a:r>
-              <a:rPr lang="en-US" sz="1000" dirty="0">
-                <a:latin typeface="Verdana" panose="020B0604030504040204" pitchFamily="34" charset="0"/>
-                <a:ea typeface="Verdana" panose="020B0604030504040204" pitchFamily="34" charset="0"/>
-              </a:rPr>
-              <a:t>Background</a:t>
-            </a:r>
-          </a:p>
-        </p:txBody>
-      </p:sp>
-      <p:sp>
-        <p:nvSpPr>
-          <p:cNvPr id="10" name="Rectangle: Rounded Corners 9">
-            <a:extLst>
-              <a:ext uri="{FF2B5EF4-FFF2-40B4-BE49-F238E27FC236}">
-                <a16:creationId xmlns:a16="http://schemas.microsoft.com/office/drawing/2014/main" id="{D0CF06AE-5C66-40BE-AF92-C9254A0C3FD7}"/>
-              </a:ext>
-            </a:extLst>
-          </p:cNvPr>
-          <p:cNvSpPr/>
-          <p:nvPr/>
-        </p:nvSpPr>
-        <p:spPr>
-          <a:xfrm>
-            <a:off x="6188785" y="285727"/>
-            <a:ext cx="1352550" cy="390525"/>
-          </a:xfrm>
-          <a:prstGeom prst="roundRect">
-            <a:avLst/>
-          </a:prstGeom>
-          <a:solidFill>
-            <a:schemeClr val="bg1">
-              <a:lumMod val="75000"/>
-            </a:schemeClr>
-          </a:solidFill>
-          <a:ln>
-            <a:noFill/>
-          </a:ln>
-        </p:spPr>
-        <p:style>
-          <a:lnRef idx="2">
-            <a:schemeClr val="accent1">
-              <a:shade val="50000"/>
-            </a:schemeClr>
-          </a:lnRef>
-          <a:fillRef idx="1">
-            <a:schemeClr val="accent1"/>
-          </a:fillRef>
-          <a:effectRef idx="0">
-            <a:schemeClr val="accent1"/>
-          </a:effectRef>
-          <a:fontRef idx="minor">
-            <a:schemeClr val="lt1"/>
-          </a:fontRef>
-        </p:style>
-        <p:txBody>
-          <a:bodyPr rtlCol="0" anchor="ctr"/>
-          <a:lstStyle/>
-          <a:p>
-            <a:pPr algn="ctr"/>
-            <a:r>
-              <a:rPr lang="en-US" sz="1000" dirty="0">
-                <a:latin typeface="Verdana" panose="020B0604030504040204" pitchFamily="34" charset="0"/>
-                <a:ea typeface="Verdana" panose="020B0604030504040204" pitchFamily="34" charset="0"/>
-              </a:rPr>
-              <a:t>Architecture</a:t>
-            </a:r>
-          </a:p>
-        </p:txBody>
-      </p:sp>
-      <p:sp>
-        <p:nvSpPr>
-          <p:cNvPr id="11" name="Rectangle: Rounded Corners 10">
-            <a:extLst>
-              <a:ext uri="{FF2B5EF4-FFF2-40B4-BE49-F238E27FC236}">
-                <a16:creationId xmlns:a16="http://schemas.microsoft.com/office/drawing/2014/main" id="{9B2AA2F4-54FD-4548-A211-ABBC31F90EE6}"/>
-              </a:ext>
-            </a:extLst>
-          </p:cNvPr>
-          <p:cNvSpPr/>
-          <p:nvPr/>
-        </p:nvSpPr>
-        <p:spPr>
-          <a:xfrm>
-            <a:off x="7601659" y="285726"/>
-            <a:ext cx="1352550" cy="390525"/>
-          </a:xfrm>
-          <a:prstGeom prst="roundRect">
-            <a:avLst/>
-          </a:prstGeom>
-          <a:solidFill>
-            <a:srgbClr val="9E2946"/>
-          </a:solidFill>
-          <a:ln>
-            <a:noFill/>
-          </a:ln>
-        </p:spPr>
-        <p:style>
-          <a:lnRef idx="2">
-            <a:schemeClr val="accent1">
-              <a:shade val="50000"/>
-            </a:schemeClr>
-          </a:lnRef>
-          <a:fillRef idx="1">
-            <a:schemeClr val="accent1"/>
-          </a:fillRef>
-          <a:effectRef idx="0">
-            <a:schemeClr val="accent1"/>
-          </a:effectRef>
-          <a:fontRef idx="minor">
-            <a:schemeClr val="lt1"/>
-          </a:fontRef>
-        </p:style>
-        <p:txBody>
-          <a:bodyPr rtlCol="0" anchor="ctr"/>
-          <a:lstStyle/>
-          <a:p>
-            <a:pPr algn="ctr"/>
-            <a:r>
-              <a:rPr lang="en-US" sz="1000" dirty="0">
-                <a:latin typeface="Verdana" panose="020B0604030504040204" pitchFamily="34" charset="0"/>
-                <a:ea typeface="Verdana" panose="020B0604030504040204" pitchFamily="34" charset="0"/>
-              </a:rPr>
-              <a:t>Methodology</a:t>
-            </a:r>
-          </a:p>
-        </p:txBody>
-      </p:sp>
-      <p:sp>
-        <p:nvSpPr>
-          <p:cNvPr id="12" name="Rectangle: Rounded Corners 11">
-            <a:extLst>
-              <a:ext uri="{FF2B5EF4-FFF2-40B4-BE49-F238E27FC236}">
-                <a16:creationId xmlns:a16="http://schemas.microsoft.com/office/drawing/2014/main" id="{E7FD3417-382B-42E9-8B4D-A235C22130CA}"/>
-              </a:ext>
-            </a:extLst>
-          </p:cNvPr>
-          <p:cNvSpPr/>
-          <p:nvPr/>
-        </p:nvSpPr>
-        <p:spPr>
-          <a:xfrm>
-            <a:off x="9014533" y="285726"/>
-            <a:ext cx="1352550" cy="390525"/>
-          </a:xfrm>
-          <a:prstGeom prst="roundRect">
-            <a:avLst/>
-          </a:prstGeom>
-          <a:solidFill>
-            <a:schemeClr val="bg1">
-              <a:lumMod val="75000"/>
-            </a:schemeClr>
-          </a:solidFill>
-          <a:ln>
-            <a:noFill/>
-          </a:ln>
-        </p:spPr>
-        <p:style>
-          <a:lnRef idx="2">
-            <a:schemeClr val="accent1">
-              <a:shade val="50000"/>
-            </a:schemeClr>
-          </a:lnRef>
-          <a:fillRef idx="1">
-            <a:schemeClr val="accent1"/>
-          </a:fillRef>
-          <a:effectRef idx="0">
-            <a:schemeClr val="accent1"/>
-          </a:effectRef>
-          <a:fontRef idx="minor">
-            <a:schemeClr val="lt1"/>
-          </a:fontRef>
-        </p:style>
-        <p:txBody>
-          <a:bodyPr rtlCol="0" anchor="ctr"/>
-          <a:lstStyle/>
-          <a:p>
-            <a:pPr algn="ctr"/>
-            <a:r>
-              <a:rPr lang="en-US" sz="1000" dirty="0">
-                <a:latin typeface="Verdana" panose="020B0604030504040204" pitchFamily="34" charset="0"/>
-                <a:ea typeface="Verdana" panose="020B0604030504040204" pitchFamily="34" charset="0"/>
-              </a:rPr>
-              <a:t>Outcome</a:t>
-            </a:r>
-          </a:p>
-        </p:txBody>
-      </p:sp>
-      <p:sp>
-        <p:nvSpPr>
-          <p:cNvPr id="14" name="Rectangle: Rounded Corners 13">
-            <a:extLst>
-              <a:ext uri="{FF2B5EF4-FFF2-40B4-BE49-F238E27FC236}">
-                <a16:creationId xmlns:a16="http://schemas.microsoft.com/office/drawing/2014/main" id="{66AC8B29-1893-4A94-9715-56E1E25E3B7A}"/>
-              </a:ext>
-            </a:extLst>
-          </p:cNvPr>
-          <p:cNvSpPr/>
-          <p:nvPr/>
-        </p:nvSpPr>
-        <p:spPr>
-          <a:xfrm>
-            <a:off x="10427407" y="285726"/>
-            <a:ext cx="1352550" cy="390525"/>
-          </a:xfrm>
-          <a:prstGeom prst="roundRect">
-            <a:avLst/>
-          </a:prstGeom>
-          <a:solidFill>
-            <a:schemeClr val="bg1">
-              <a:lumMod val="75000"/>
-            </a:schemeClr>
-          </a:solidFill>
-          <a:ln>
-            <a:noFill/>
-          </a:ln>
-        </p:spPr>
-        <p:style>
-          <a:lnRef idx="2">
-            <a:schemeClr val="accent1">
-              <a:shade val="50000"/>
-            </a:schemeClr>
-          </a:lnRef>
-          <a:fillRef idx="1">
-            <a:schemeClr val="accent1"/>
-          </a:fillRef>
-          <a:effectRef idx="0">
-            <a:schemeClr val="accent1"/>
-          </a:effectRef>
-          <a:fontRef idx="minor">
-            <a:schemeClr val="lt1"/>
-          </a:fontRef>
-        </p:style>
-        <p:txBody>
-          <a:bodyPr rtlCol="0" anchor="ctr"/>
-          <a:lstStyle/>
-          <a:p>
-            <a:pPr algn="ctr"/>
-            <a:r>
-              <a:rPr lang="en-US" sz="1000" dirty="0">
-                <a:latin typeface="Verdana" panose="020B0604030504040204" pitchFamily="34" charset="0"/>
-                <a:ea typeface="Verdana" panose="020B0604030504040204" pitchFamily="34" charset="0"/>
-              </a:rPr>
-              <a:t>Conclusion</a:t>
-            </a:r>
-          </a:p>
-        </p:txBody>
-      </p:sp>
-      <p:pic>
-        <p:nvPicPr>
-          <p:cNvPr id="15" name="Picture 14">
-            <a:extLst>
-              <a:ext uri="{FF2B5EF4-FFF2-40B4-BE49-F238E27FC236}">
-                <a16:creationId xmlns:a16="http://schemas.microsoft.com/office/drawing/2014/main" id="{59A5F746-0E95-4CB3-A1F8-8161B70AD447}"/>
-              </a:ext>
-            </a:extLst>
-          </p:cNvPr>
-          <p:cNvPicPr>
-            <a:picLocks noChangeAspect="1"/>
-          </p:cNvPicPr>
-          <p:nvPr/>
-        </p:nvPicPr>
-        <p:blipFill>
-          <a:blip r:embed="rId3"/>
-          <a:stretch>
-            <a:fillRect/>
-          </a:stretch>
-        </p:blipFill>
-        <p:spPr>
-          <a:xfrm>
-            <a:off x="261546" y="6238912"/>
-            <a:ext cx="1885714" cy="600000"/>
-          </a:xfrm>
-          <a:prstGeom prst="rect">
-            <a:avLst/>
-          </a:prstGeom>
-        </p:spPr>
-      </p:pic>
-      <p:sp>
-        <p:nvSpPr>
-          <p:cNvPr id="13" name="Subtitle 2">
-            <a:extLst>
-              <a:ext uri="{FF2B5EF4-FFF2-40B4-BE49-F238E27FC236}">
-                <a16:creationId xmlns:a16="http://schemas.microsoft.com/office/drawing/2014/main" id="{C1689B62-8D24-4BB5-BCEE-3B54AEAC8471}"/>
-              </a:ext>
-            </a:extLst>
-          </p:cNvPr>
-          <p:cNvSpPr txBox="1">
-            <a:spLocks/>
-          </p:cNvSpPr>
-          <p:nvPr/>
-        </p:nvSpPr>
-        <p:spPr>
-          <a:xfrm>
-            <a:off x="538578" y="1806712"/>
-            <a:ext cx="11100047" cy="3952859"/>
-          </a:xfrm>
-          <a:prstGeom prst="rect">
-            <a:avLst/>
-          </a:prstGeom>
-        </p:spPr>
-        <p:txBody>
-          <a:bodyPr vert="horz" lIns="91440" tIns="45720" rIns="91440" bIns="45720" rtlCol="0">
-            <a:normAutofit/>
-          </a:bodyPr>
-          <a:lstStyle>
-            <a:lvl1pPr marL="228600" indent="-228600" algn="l" defTabSz="914400" rtl="0" eaLnBrk="1" latinLnBrk="0" hangingPunct="1">
-              <a:lnSpc>
-                <a:spcPct val="90000"/>
-              </a:lnSpc>
-              <a:spcBef>
-                <a:spcPts val="1000"/>
-              </a:spcBef>
-              <a:buFont typeface="Arial" panose="020B0604020202020204" pitchFamily="34" charset="0"/>
-              <a:buChar char="•"/>
-              <a:defRPr sz="2800" kern="1200">
-                <a:solidFill>
-                  <a:schemeClr val="tx1"/>
-                </a:solidFill>
-                <a:latin typeface="+mn-lt"/>
-                <a:ea typeface="+mn-ea"/>
-                <a:cs typeface="+mn-cs"/>
-              </a:defRPr>
-            </a:lvl1pPr>
-            <a:lvl2pPr marL="685800" indent="-228600" algn="l" defTabSz="914400" rtl="0" eaLnBrk="1" latinLnBrk="0" hangingPunct="1">
-              <a:lnSpc>
-                <a:spcPct val="90000"/>
-              </a:lnSpc>
-              <a:spcBef>
-                <a:spcPts val="500"/>
-              </a:spcBef>
-              <a:buFont typeface="Arial" panose="020B0604020202020204" pitchFamily="34" charset="0"/>
-              <a:buChar char="•"/>
-              <a:defRPr sz="2400" kern="1200">
-                <a:solidFill>
-                  <a:schemeClr val="tx1"/>
-                </a:solidFill>
-                <a:latin typeface="+mn-lt"/>
-                <a:ea typeface="+mn-ea"/>
-                <a:cs typeface="+mn-cs"/>
-              </a:defRPr>
-            </a:lvl2pPr>
-            <a:lvl3pPr marL="1143000" indent="-228600" algn="l" defTabSz="914400" rtl="0" eaLnBrk="1" latinLnBrk="0" hangingPunct="1">
-              <a:lnSpc>
-                <a:spcPct val="90000"/>
-              </a:lnSpc>
-              <a:spcBef>
-                <a:spcPts val="500"/>
-              </a:spcBef>
-              <a:buFont typeface="Arial" panose="020B0604020202020204" pitchFamily="34" charset="0"/>
-              <a:buChar char="•"/>
-              <a:defRPr sz="2000" kern="1200">
-                <a:solidFill>
-                  <a:schemeClr val="tx1"/>
-                </a:solidFill>
-                <a:latin typeface="+mn-lt"/>
-                <a:ea typeface="+mn-ea"/>
-                <a:cs typeface="+mn-cs"/>
-              </a:defRPr>
-            </a:lvl3pPr>
-            <a:lvl4pPr marL="1600200" indent="-228600" algn="l" defTabSz="914400" rtl="0" eaLnBrk="1" latinLnBrk="0" hangingPunct="1">
-              <a:lnSpc>
-                <a:spcPct val="90000"/>
-              </a:lnSpc>
-              <a:spcBef>
-                <a:spcPts val="500"/>
-              </a:spcBef>
-              <a:buFont typeface="Arial" panose="020B0604020202020204" pitchFamily="34" charset="0"/>
-              <a:buChar char="•"/>
-              <a:defRPr sz="1800" kern="1200">
-                <a:solidFill>
-                  <a:schemeClr val="tx1"/>
-                </a:solidFill>
-                <a:latin typeface="+mn-lt"/>
-                <a:ea typeface="+mn-ea"/>
-                <a:cs typeface="+mn-cs"/>
-              </a:defRPr>
-            </a:lvl4pPr>
-            <a:lvl5pPr marL="2057400" indent="-228600" algn="l" defTabSz="914400" rtl="0" eaLnBrk="1" latinLnBrk="0" hangingPunct="1">
-              <a:lnSpc>
-                <a:spcPct val="90000"/>
-              </a:lnSpc>
-              <a:spcBef>
-                <a:spcPts val="500"/>
-              </a:spcBef>
-              <a:buFont typeface="Arial" panose="020B0604020202020204" pitchFamily="34" charset="0"/>
-              <a:buChar char="•"/>
-              <a:defRPr sz="1800" kern="1200">
-                <a:solidFill>
-                  <a:schemeClr val="tx1"/>
-                </a:solidFill>
-                <a:latin typeface="+mn-lt"/>
-                <a:ea typeface="+mn-ea"/>
-                <a:cs typeface="+mn-cs"/>
-              </a:defRPr>
-            </a:lvl5pPr>
-            <a:lvl6pPr marL="2514600" indent="-228600" algn="l" defTabSz="914400" rtl="0" eaLnBrk="1" latinLnBrk="0" hangingPunct="1">
-              <a:lnSpc>
-                <a:spcPct val="90000"/>
-              </a:lnSpc>
-              <a:spcBef>
-                <a:spcPts val="500"/>
-              </a:spcBef>
-              <a:buFont typeface="Arial" panose="020B0604020202020204" pitchFamily="34" charset="0"/>
-              <a:buChar char="•"/>
-              <a:defRPr sz="1800" kern="1200">
-                <a:solidFill>
-                  <a:schemeClr val="tx1"/>
-                </a:solidFill>
-                <a:latin typeface="+mn-lt"/>
-                <a:ea typeface="+mn-ea"/>
-                <a:cs typeface="+mn-cs"/>
-              </a:defRPr>
-            </a:lvl6pPr>
-            <a:lvl7pPr marL="2971800" indent="-228600" algn="l" defTabSz="914400" rtl="0" eaLnBrk="1" latinLnBrk="0" hangingPunct="1">
-              <a:lnSpc>
-                <a:spcPct val="90000"/>
-              </a:lnSpc>
-              <a:spcBef>
-                <a:spcPts val="500"/>
-              </a:spcBef>
-              <a:buFont typeface="Arial" panose="020B0604020202020204" pitchFamily="34" charset="0"/>
-              <a:buChar char="•"/>
-              <a:defRPr sz="1800" kern="1200">
-                <a:solidFill>
-                  <a:schemeClr val="tx1"/>
-                </a:solidFill>
-                <a:latin typeface="+mn-lt"/>
-                <a:ea typeface="+mn-ea"/>
-                <a:cs typeface="+mn-cs"/>
-              </a:defRPr>
-            </a:lvl7pPr>
-            <a:lvl8pPr marL="3429000" indent="-228600" algn="l" defTabSz="914400" rtl="0" eaLnBrk="1" latinLnBrk="0" hangingPunct="1">
-              <a:lnSpc>
-                <a:spcPct val="90000"/>
-              </a:lnSpc>
-              <a:spcBef>
-                <a:spcPts val="500"/>
-              </a:spcBef>
-              <a:buFont typeface="Arial" panose="020B0604020202020204" pitchFamily="34" charset="0"/>
-              <a:buChar char="•"/>
-              <a:defRPr sz="1800" kern="1200">
-                <a:solidFill>
-                  <a:schemeClr val="tx1"/>
-                </a:solidFill>
-                <a:latin typeface="+mn-lt"/>
-                <a:ea typeface="+mn-ea"/>
-                <a:cs typeface="+mn-cs"/>
-              </a:defRPr>
-            </a:lvl8pPr>
-            <a:lvl9pPr marL="3886200" indent="-228600" algn="l" defTabSz="914400" rtl="0" eaLnBrk="1" latinLnBrk="0" hangingPunct="1">
-              <a:lnSpc>
-                <a:spcPct val="90000"/>
-              </a:lnSpc>
-              <a:spcBef>
-                <a:spcPts val="500"/>
-              </a:spcBef>
-              <a:buFont typeface="Arial" panose="020B0604020202020204" pitchFamily="34" charset="0"/>
-              <a:buChar char="•"/>
-              <a:defRPr sz="1800" kern="1200">
-                <a:solidFill>
-                  <a:schemeClr val="tx1"/>
-                </a:solidFill>
-                <a:latin typeface="+mn-lt"/>
-                <a:ea typeface="+mn-ea"/>
-                <a:cs typeface="+mn-cs"/>
-              </a:defRPr>
-            </a:lvl9pPr>
-          </a:lstStyle>
-          <a:p>
-            <a:pPr marL="0" indent="0">
-              <a:buNone/>
-            </a:pPr>
-            <a:endParaRPr lang="en-US" dirty="0"/>
-          </a:p>
-        </p:txBody>
-      </p:sp>
-      <p:sp>
-        <p:nvSpPr>
-          <p:cNvPr id="17" name="TextBox 16">
-            <a:extLst>
-              <a:ext uri="{FF2B5EF4-FFF2-40B4-BE49-F238E27FC236}">
-                <a16:creationId xmlns:a16="http://schemas.microsoft.com/office/drawing/2014/main" id="{B3A99EA6-6FD9-477E-8CBC-B9A09170E7B6}"/>
-              </a:ext>
-            </a:extLst>
-          </p:cNvPr>
-          <p:cNvSpPr txBox="1"/>
-          <p:nvPr/>
-        </p:nvSpPr>
-        <p:spPr>
-          <a:xfrm>
-            <a:off x="246748" y="911299"/>
-            <a:ext cx="11391877" cy="4893647"/>
-          </a:xfrm>
-          <a:prstGeom prst="rect">
-            <a:avLst/>
-          </a:prstGeom>
-          <a:noFill/>
-        </p:spPr>
-        <p:txBody>
-          <a:bodyPr wrap="square">
-            <a:spAutoFit/>
-          </a:bodyPr>
-          <a:lstStyle/>
-          <a:p>
-            <a:endParaRPr lang="en-US" sz="2000" dirty="0">
-              <a:solidFill>
-                <a:srgbClr val="374151"/>
-              </a:solidFill>
-              <a:latin typeface="Söhne"/>
-            </a:endParaRPr>
-          </a:p>
-          <a:p>
-            <a:pPr lvl="1"/>
-            <a:r>
-              <a:rPr lang="en-US" sz="1600" dirty="0">
-                <a:solidFill>
-                  <a:srgbClr val="374151"/>
-                </a:solidFill>
-                <a:latin typeface="Verdana" panose="020B0604030504040204" pitchFamily="34" charset="0"/>
-                <a:ea typeface="Verdana" panose="020B0604030504040204" pitchFamily="34" charset="0"/>
-              </a:rPr>
-              <a:t>After preprocessing, the data from PitchBook are feature engineered as follows</a:t>
-            </a:r>
-          </a:p>
-          <a:p>
-            <a:pPr lvl="1"/>
-            <a:endParaRPr lang="en-US" sz="1600" dirty="0">
-              <a:solidFill>
-                <a:srgbClr val="374151"/>
-              </a:solidFill>
-              <a:latin typeface="Verdana" panose="020B0604030504040204" pitchFamily="34" charset="0"/>
-              <a:ea typeface="Verdana" panose="020B0604030504040204" pitchFamily="34" charset="0"/>
-            </a:endParaRPr>
-          </a:p>
-          <a:p>
-            <a:pPr marL="1257300" lvl="2" indent="-342900">
-              <a:buFont typeface="+mj-lt"/>
-              <a:buAutoNum type="alphaLcParenR"/>
-            </a:pPr>
-            <a:r>
-              <a:rPr lang="en-US" sz="1600" dirty="0">
-                <a:solidFill>
-                  <a:srgbClr val="374151"/>
-                </a:solidFill>
-                <a:latin typeface="Verdana" panose="020B0604030504040204" pitchFamily="34" charset="0"/>
-                <a:ea typeface="Verdana" panose="020B0604030504040204" pitchFamily="34" charset="0"/>
-              </a:rPr>
-              <a:t>PitchBook provides multiple columns like ‘Description’, ‘Keywords’, ‘PrimaryIndustrySector’, ‘PrimaryIndustryGroup’, ‘PrimaryIndustryCode’ that describes the company as well as the industry it belongs to. This columns are not aligned to company description from Salesforce side. We combine all those columns from Pitchbook into one column ‘CompleteDescription’ and call it has sentence, so it can help in extracting meaningful insights using NLP tools</a:t>
-            </a:r>
-          </a:p>
-          <a:p>
-            <a:pPr lvl="2"/>
-            <a:endParaRPr lang="en-US" sz="1600" dirty="0">
-              <a:solidFill>
-                <a:srgbClr val="374151"/>
-              </a:solidFill>
-              <a:latin typeface="Verdana" panose="020B0604030504040204" pitchFamily="34" charset="0"/>
-              <a:ea typeface="Verdana" panose="020B0604030504040204" pitchFamily="34" charset="0"/>
-            </a:endParaRPr>
-          </a:p>
-          <a:p>
-            <a:pPr marL="1257300" lvl="2" indent="-342900">
-              <a:buFont typeface="+mj-lt"/>
-              <a:buAutoNum type="alphaLcParenR"/>
-            </a:pPr>
-            <a:r>
-              <a:rPr lang="en-US" sz="1600" dirty="0">
-                <a:solidFill>
-                  <a:srgbClr val="374151"/>
-                </a:solidFill>
-                <a:latin typeface="Verdana" panose="020B0604030504040204" pitchFamily="34" charset="0"/>
-                <a:ea typeface="Verdana" panose="020B0604030504040204" pitchFamily="34" charset="0"/>
-              </a:rPr>
-              <a:t>Then for each sentence, we use BERT Sentence Transformers, that encode the meaning and context of a sentence into a </a:t>
-            </a:r>
-            <a:r>
-              <a:rPr lang="en-US" sz="1600" b="1" dirty="0">
-                <a:solidFill>
-                  <a:srgbClr val="374151"/>
-                </a:solidFill>
-                <a:latin typeface="Verdana" panose="020B0604030504040204" pitchFamily="34" charset="0"/>
-                <a:ea typeface="Verdana" panose="020B0604030504040204" pitchFamily="34" charset="0"/>
-              </a:rPr>
-              <a:t>dense vector representation called embeddings</a:t>
-            </a:r>
-            <a:r>
-              <a:rPr lang="en-US" sz="1600" dirty="0">
-                <a:solidFill>
-                  <a:srgbClr val="374151"/>
-                </a:solidFill>
-                <a:latin typeface="Verdana" panose="020B0604030504040204" pitchFamily="34" charset="0"/>
-                <a:ea typeface="Verdana" panose="020B0604030504040204" pitchFamily="34" charset="0"/>
-              </a:rPr>
-              <a:t>, which can better capture the nuances of that sentence. Below snapshot represent fixed length for each input sentence and length of the vector depends on the specific pre-trained model used, but it is typically 768, 1024, or 2048</a:t>
-            </a:r>
-          </a:p>
-          <a:p>
-            <a:pPr marL="1257300" lvl="2" indent="-342900">
-              <a:buFont typeface="+mj-lt"/>
-              <a:buAutoNum type="alphaLcParenR"/>
-            </a:pPr>
-            <a:endParaRPr lang="en-US" sz="1600" dirty="0">
-              <a:solidFill>
-                <a:srgbClr val="374151"/>
-              </a:solidFill>
-              <a:latin typeface="Verdana" panose="020B0604030504040204" pitchFamily="34" charset="0"/>
-              <a:ea typeface="Verdana" panose="020B0604030504040204" pitchFamily="34" charset="0"/>
-            </a:endParaRPr>
-          </a:p>
-          <a:p>
-            <a:pPr marL="1257300" lvl="2" indent="-342900">
-              <a:buFont typeface="+mj-lt"/>
-              <a:buAutoNum type="alphaLcParenR"/>
-            </a:pPr>
-            <a:endParaRPr lang="en-US" sz="1600" dirty="0">
-              <a:solidFill>
-                <a:srgbClr val="374151"/>
-              </a:solidFill>
-              <a:latin typeface="Verdana" panose="020B0604030504040204" pitchFamily="34" charset="0"/>
-              <a:ea typeface="Verdana" panose="020B0604030504040204" pitchFamily="34" charset="0"/>
-            </a:endParaRPr>
-          </a:p>
-          <a:p>
-            <a:pPr marL="1257300" lvl="2" indent="-342900">
-              <a:buFont typeface="+mj-lt"/>
-              <a:buAutoNum type="alphaLcParenR"/>
-            </a:pPr>
-            <a:endParaRPr lang="en-US" sz="1600" dirty="0">
-              <a:solidFill>
-                <a:srgbClr val="374151"/>
-              </a:solidFill>
-              <a:latin typeface="Verdana" panose="020B0604030504040204" pitchFamily="34" charset="0"/>
-              <a:ea typeface="Verdana" panose="020B0604030504040204" pitchFamily="34" charset="0"/>
-            </a:endParaRPr>
-          </a:p>
-          <a:p>
-            <a:pPr marL="1257300" lvl="2" indent="-342900">
-              <a:buFont typeface="+mj-lt"/>
-              <a:buAutoNum type="alphaLcParenR"/>
-            </a:pPr>
-            <a:endParaRPr lang="en-US" sz="1600" dirty="0">
-              <a:solidFill>
-                <a:srgbClr val="374151"/>
-              </a:solidFill>
-              <a:latin typeface="Verdana" panose="020B0604030504040204" pitchFamily="34" charset="0"/>
-              <a:ea typeface="Verdana" panose="020B0604030504040204" pitchFamily="34" charset="0"/>
-            </a:endParaRPr>
-          </a:p>
-          <a:p>
-            <a:endParaRPr lang="en-US" sz="2000" dirty="0"/>
-          </a:p>
-        </p:txBody>
-      </p:sp>
-      <p:pic>
-        <p:nvPicPr>
-          <p:cNvPr id="4" name="Picture 3">
-            <a:extLst>
-              <a:ext uri="{FF2B5EF4-FFF2-40B4-BE49-F238E27FC236}">
-                <a16:creationId xmlns:a16="http://schemas.microsoft.com/office/drawing/2014/main" id="{93800AC0-27A4-446D-949C-E2847DA091C1}"/>
-              </a:ext>
-            </a:extLst>
-          </p:cNvPr>
-          <p:cNvPicPr>
-            <a:picLocks noChangeAspect="1"/>
-          </p:cNvPicPr>
-          <p:nvPr/>
-        </p:nvPicPr>
-        <p:blipFill>
-          <a:blip r:embed="rId4"/>
-          <a:stretch>
-            <a:fillRect/>
-          </a:stretch>
-        </p:blipFill>
-        <p:spPr>
-          <a:xfrm>
-            <a:off x="728421" y="4581745"/>
-            <a:ext cx="10800080" cy="1533879"/>
-          </a:xfrm>
-          <a:prstGeom prst="rect">
-            <a:avLst/>
-          </a:prstGeom>
-        </p:spPr>
-      </p:pic>
-    </p:spTree>
-    <p:extLst>
-      <p:ext uri="{BB962C8B-B14F-4D97-AF65-F5344CB8AC3E}">
-        <p14:creationId xmlns:p14="http://schemas.microsoft.com/office/powerpoint/2010/main" val="395383305"/>
       </p:ext>
     </p:extLst>
   </p:cSld>

--- a/Final_project/MScA_31008_Final_Project_Presentation - Pitchbook Industry Classification.pptx
+++ b/Final_project/MScA_31008_Final_Project_Presentation - Pitchbook Industry Classification.pptx
@@ -5,7 +5,7 @@
     <p:sldMasterId id="2147483648" r:id="rId1"/>
   </p:sldMasterIdLst>
   <p:notesMasterIdLst>
-    <p:notesMasterId r:id="rId17"/>
+    <p:notesMasterId r:id="rId20"/>
   </p:notesMasterIdLst>
   <p:sldIdLst>
     <p:sldId id="261" r:id="rId2"/>
@@ -22,7 +22,10 @@
     <p:sldId id="265" r:id="rId13"/>
     <p:sldId id="267" r:id="rId14"/>
     <p:sldId id="268" r:id="rId15"/>
-    <p:sldId id="272" r:id="rId16"/>
+    <p:sldId id="276" r:id="rId16"/>
+    <p:sldId id="277" r:id="rId17"/>
+    <p:sldId id="272" r:id="rId18"/>
+    <p:sldId id="278" r:id="rId19"/>
   </p:sldIdLst>
   <p:sldSz cx="12192000" cy="6858000"/>
   <p:notesSz cx="6858000" cy="9144000"/>
@@ -211,7 +214,7 @@
           <a:p>
             <a:fld id="{935E1275-E3BC-4924-9D21-14A811C77763}" type="datetimeFigureOut">
               <a:rPr lang="en-US" smtClean="0"/>
-              <a:t>3/2/2023</a:t>
+              <a:t>3/3/2023</a:t>
             </a:fld>
             <a:endParaRPr lang="en-US"/>
           </a:p>
@@ -943,7 +946,49 @@
           <a:bodyPr/>
           <a:lstStyle/>
           <a:p>
-            <a:pPr algn="l"/>
+            <a:pPr marL="228600" indent="-228600" algn="l">
+              <a:buAutoNum type="arabicParenR"/>
+            </a:pPr>
+            <a:r>
+              <a:rPr lang="en-US" dirty="0"/>
+              <a:t>Read PitchBook and Salesforce data from big data storage account platform</a:t>
+            </a:r>
+          </a:p>
+          <a:p>
+            <a:pPr marL="228600" indent="-228600" algn="l">
+              <a:buAutoNum type="arabicParenR"/>
+            </a:pPr>
+            <a:r>
+              <a:rPr lang="en-US" dirty="0"/>
+              <a:t>Preprocessing component merges the PB and SF data based on ‘CompanyId’ and remove any duplicates companies that are tied to SF records. All description related columns are passed to feature engineering component</a:t>
+            </a:r>
+          </a:p>
+          <a:p>
+            <a:pPr marL="228600" indent="-228600" algn="l">
+              <a:buAutoNum type="arabicParenR"/>
+            </a:pPr>
+            <a:r>
+              <a:rPr lang="en-US" dirty="0"/>
+              <a:t>Feature Engineering component combines all description columns like Description, Keywords, Primary industry sector, group and code from PB data and creates a new column ‘CompleteDescription’</a:t>
+            </a:r>
+          </a:p>
+          <a:p>
+            <a:pPr marL="685800" lvl="1" indent="-228600" algn="l">
+              <a:buAutoNum type="arabicParenR"/>
+            </a:pPr>
+            <a:r>
+              <a:rPr lang="en-US" dirty="0"/>
+              <a:t>Each ‘CompleteDescription’ called sentence from PitchBook observation is inputted to SBERT sentence transformers</a:t>
+            </a:r>
+          </a:p>
+          <a:p>
+            <a:pPr marL="685800" lvl="1" indent="-228600" algn="l">
+              <a:buAutoNum type="arabicParenR"/>
+            </a:pPr>
+            <a:r>
+              <a:rPr lang="en-US" dirty="0"/>
+              <a:t>Sentence transformers transform the sentence to encoding and output a dense vector </a:t>
+            </a:r>
             <a:r>
               <a:rPr lang="en-US" b="0" i="0" dirty="0">
                 <a:solidFill>
@@ -952,11 +997,487 @@
                 <a:effectLst/>
                 <a:latin typeface="Söhne"/>
               </a:rPr>
-              <a:t>Sentence transformers can be used in conjunction with Logistic Regression for various natural language processing (NLP) tasks that involve sentence classification. The purpose of using sentence transformers in Logistic Regression is to improve the quality of the sentence representation and enhance the performance of the classification model.</a:t>
-            </a:r>
-          </a:p>
-          <a:p>
-            <a:pPr algn="l"/>
+              <a:t>representation of fixed length for each input sentence. The length of the vector depends on the specific pre-trained model used, but it is typically 768, 1024, or 2048. Here in our project, we uses a vector length of 768.</a:t>
+            </a:r>
+          </a:p>
+          <a:p>
+            <a:pPr marL="685800" lvl="1" indent="-228600" algn="l">
+              <a:buAutoNum type="arabicParenR"/>
+            </a:pPr>
+            <a:r>
+              <a:rPr lang="en-US" b="0" i="0" dirty="0">
+                <a:solidFill>
+                  <a:srgbClr val="374151"/>
+                </a:solidFill>
+                <a:effectLst/>
+                <a:latin typeface="Söhne"/>
+              </a:rPr>
+              <a:t>The reason for using a fixed-length vector representation is that it allows us to compare and measure the similarity between different sentences (complete description from PitchBook) in a consistent way</a:t>
+            </a:r>
+          </a:p>
+          <a:p>
+            <a:pPr marL="685800" lvl="1" indent="-228600" algn="l">
+              <a:buAutoNum type="arabicParenR"/>
+            </a:pPr>
+            <a:r>
+              <a:rPr lang="en-US" b="0" i="0" dirty="0">
+                <a:solidFill>
+                  <a:srgbClr val="374151"/>
+                </a:solidFill>
+                <a:effectLst/>
+                <a:latin typeface="Söhne"/>
+              </a:rPr>
+              <a:t>The individual values in the output vector represent the learned features or attributes of the sentence, which are determined by the pre-trained model. These features can capture various aspects of the sentence, such as its syntax, semantics, context, and sentiment.</a:t>
+            </a:r>
+          </a:p>
+          <a:p>
+            <a:pPr marL="228600" marR="0" lvl="0" indent="-228600" algn="l" defTabSz="914400" rtl="0" eaLnBrk="1" fontAlgn="auto" latinLnBrk="0" hangingPunct="1">
+              <a:lnSpc>
+                <a:spcPct val="100000"/>
+              </a:lnSpc>
+              <a:spcBef>
+                <a:spcPts val="0"/>
+              </a:spcBef>
+              <a:spcAft>
+                <a:spcPts val="0"/>
+              </a:spcAft>
+              <a:buClrTx/>
+              <a:buSzTx/>
+              <a:buFontTx/>
+              <a:buAutoNum type="arabicParenR"/>
+              <a:tabLst/>
+              <a:defRPr/>
+            </a:pPr>
+            <a:r>
+              <a:rPr lang="en-US" b="0" i="0" dirty="0">
+                <a:solidFill>
+                  <a:srgbClr val="374151"/>
+                </a:solidFill>
+                <a:effectLst/>
+                <a:latin typeface="Söhne"/>
+              </a:rPr>
+              <a:t>Sentence embeddings are then saved in </a:t>
+            </a:r>
+            <a:r>
+              <a:rPr lang="en-US" dirty="0"/>
+              <a:t>storage account for further processing</a:t>
+            </a:r>
+          </a:p>
+          <a:p>
+            <a:pPr marL="228600" marR="0" lvl="0" indent="-228600" algn="l" defTabSz="914400" rtl="0" eaLnBrk="1" fontAlgn="auto" latinLnBrk="0" hangingPunct="1">
+              <a:lnSpc>
+                <a:spcPct val="100000"/>
+              </a:lnSpc>
+              <a:spcBef>
+                <a:spcPts val="0"/>
+              </a:spcBef>
+              <a:spcAft>
+                <a:spcPts val="0"/>
+              </a:spcAft>
+              <a:buClrTx/>
+              <a:buSzTx/>
+              <a:buFontTx/>
+              <a:buAutoNum type="arabicParenR"/>
+              <a:tabLst/>
+              <a:defRPr/>
+            </a:pPr>
+            <a:r>
+              <a:rPr lang="en-US" b="0" i="0" dirty="0">
+                <a:solidFill>
+                  <a:srgbClr val="374151"/>
+                </a:solidFill>
+                <a:effectLst/>
+                <a:latin typeface="Söhne"/>
+              </a:rPr>
+              <a:t>Read sentence embeddings of all PitchBook observation and Salesforce industry classifier labels from storage account for Cross Validation</a:t>
+            </a:r>
+          </a:p>
+          <a:p>
+            <a:pPr marL="228600" marR="0" lvl="0" indent="-228600" algn="l" defTabSz="914400" rtl="0" eaLnBrk="1" fontAlgn="auto" latinLnBrk="0" hangingPunct="1">
+              <a:lnSpc>
+                <a:spcPct val="100000"/>
+              </a:lnSpc>
+              <a:spcBef>
+                <a:spcPts val="0"/>
+              </a:spcBef>
+              <a:spcAft>
+                <a:spcPts val="0"/>
+              </a:spcAft>
+              <a:buClrTx/>
+              <a:buSzTx/>
+              <a:buFontTx/>
+              <a:buAutoNum type="arabicParenR"/>
+              <a:tabLst/>
+              <a:defRPr/>
+            </a:pPr>
+            <a:r>
+              <a:rPr lang="en-US" b="0" i="0" dirty="0">
+                <a:solidFill>
+                  <a:srgbClr val="374151"/>
+                </a:solidFill>
+                <a:effectLst/>
+                <a:latin typeface="Söhne"/>
+              </a:rPr>
+              <a:t>Here sentence embeddings </a:t>
+            </a:r>
+            <a:r>
+              <a:rPr lang="en-US" sz="1200" dirty="0">
+                <a:solidFill>
+                  <a:srgbClr val="374151"/>
+                </a:solidFill>
+                <a:latin typeface="Verdana" panose="020B0604030504040204" pitchFamily="34" charset="0"/>
+                <a:ea typeface="Verdana" panose="020B0604030504040204" pitchFamily="34" charset="0"/>
+              </a:rPr>
+              <a:t>will be features (predictors), Salesforce industries will be labels (response).  </a:t>
+            </a:r>
+            <a:r>
+              <a:rPr lang="en-US" b="0" i="0" dirty="0">
+                <a:solidFill>
+                  <a:srgbClr val="374151"/>
+                </a:solidFill>
+                <a:effectLst/>
+                <a:latin typeface="Söhne"/>
+              </a:rPr>
+              <a:t>Split the data into train and test.  70% for train and 30% for test</a:t>
+            </a:r>
+          </a:p>
+          <a:p>
+            <a:pPr marL="685800" marR="0" lvl="1" indent="-228600" algn="l" defTabSz="914400" rtl="0" eaLnBrk="1" fontAlgn="auto" latinLnBrk="0" hangingPunct="1">
+              <a:lnSpc>
+                <a:spcPct val="100000"/>
+              </a:lnSpc>
+              <a:spcBef>
+                <a:spcPts val="0"/>
+              </a:spcBef>
+              <a:spcAft>
+                <a:spcPts val="0"/>
+              </a:spcAft>
+              <a:buClrTx/>
+              <a:buSzTx/>
+              <a:buFontTx/>
+              <a:buAutoNum type="arabicParenR"/>
+              <a:tabLst/>
+              <a:defRPr/>
+            </a:pPr>
+            <a:r>
+              <a:rPr lang="en-US" b="0" i="0" dirty="0">
+                <a:solidFill>
+                  <a:srgbClr val="374151"/>
+                </a:solidFill>
+                <a:effectLst/>
+                <a:latin typeface="Söhne"/>
+              </a:rPr>
+              <a:t>Cross-validation is a statistical technique used to evaluate the performance and robustness of a machine learning model. It involves splitting the available data into multiple folds, where each fold is used for training the model and the remaining fold is used for validation. This process is repeated multiple times, with each fold used for validation exactly once. By doing this, we can get a more accurate estimate of how well the model will perform on new, unseen data.</a:t>
+            </a:r>
+          </a:p>
+          <a:p>
+            <a:pPr marL="685800" marR="0" lvl="1" indent="-228600" algn="l" defTabSz="914400" rtl="0" eaLnBrk="1" fontAlgn="auto" latinLnBrk="0" hangingPunct="1">
+              <a:lnSpc>
+                <a:spcPct val="100000"/>
+              </a:lnSpc>
+              <a:spcBef>
+                <a:spcPts val="0"/>
+              </a:spcBef>
+              <a:spcAft>
+                <a:spcPts val="0"/>
+              </a:spcAft>
+              <a:buClrTx/>
+              <a:buSzTx/>
+              <a:buFontTx/>
+              <a:buAutoNum type="arabicParenR"/>
+              <a:tabLst/>
+              <a:defRPr/>
+            </a:pPr>
+            <a:r>
+              <a:rPr lang="en-US" b="0" i="0" dirty="0">
+                <a:solidFill>
+                  <a:srgbClr val="374151"/>
+                </a:solidFill>
+                <a:effectLst/>
+                <a:latin typeface="Söhne"/>
+              </a:rPr>
+              <a:t>GridSearchCV is a specific type of cross-validation technique that involves testing a range of hyperparameters for a given model to find the combination that results in the best performance. Hyperparameters are parameters of the model that are not learned from the data, but rather set by the user. For example, the regularization and solver parameters in logistic regression</a:t>
+            </a:r>
+          </a:p>
+          <a:p>
+            <a:pPr marL="685800" marR="0" lvl="1" indent="-228600" algn="l" defTabSz="914400" rtl="0" eaLnBrk="1" fontAlgn="auto" latinLnBrk="0" hangingPunct="1">
+              <a:lnSpc>
+                <a:spcPct val="100000"/>
+              </a:lnSpc>
+              <a:spcBef>
+                <a:spcPts val="0"/>
+              </a:spcBef>
+              <a:spcAft>
+                <a:spcPts val="0"/>
+              </a:spcAft>
+              <a:buClrTx/>
+              <a:buSzTx/>
+              <a:buFontTx/>
+              <a:buAutoNum type="arabicParenR"/>
+              <a:tabLst/>
+              <a:defRPr/>
+            </a:pPr>
+            <a:r>
+              <a:rPr lang="en-US" b="0" i="0" dirty="0">
+                <a:solidFill>
+                  <a:srgbClr val="374151"/>
+                </a:solidFill>
+                <a:effectLst/>
+                <a:latin typeface="Söhne"/>
+              </a:rPr>
+              <a:t>The reason we use cross-validation and GridSearchCV together is to ensure that our model is not overfitting or underfitting the data, and to optimize the hyperparameters to achieve the best performance. Cross-validation helps us evaluate the performance of the model on different subsets of the data, and GridSearchCV helps us find the best hyperparameters for the model. Without cross-validation, we may be overestimating the performance of the model, and without GridSearchCV, we may be using suboptimal hyperparameters that result in poor performance</a:t>
+            </a:r>
+          </a:p>
+          <a:p>
+            <a:pPr marL="228600" marR="0" lvl="0" indent="-228600" algn="l" defTabSz="914400" rtl="0" eaLnBrk="1" fontAlgn="auto" latinLnBrk="0" hangingPunct="1">
+              <a:lnSpc>
+                <a:spcPct val="100000"/>
+              </a:lnSpc>
+              <a:spcBef>
+                <a:spcPts val="0"/>
+              </a:spcBef>
+              <a:spcAft>
+                <a:spcPts val="0"/>
+              </a:spcAft>
+              <a:buClrTx/>
+              <a:buSzTx/>
+              <a:buFontTx/>
+              <a:buAutoNum type="arabicParenR"/>
+              <a:tabLst/>
+              <a:defRPr/>
+            </a:pPr>
+            <a:r>
+              <a:rPr lang="en-US" b="0" i="0" dirty="0">
+                <a:solidFill>
+                  <a:srgbClr val="374151"/>
+                </a:solidFill>
+                <a:effectLst/>
+                <a:latin typeface="Söhne"/>
+              </a:rPr>
+              <a:t>Best hyper tuning parameters for regularization and solver are passed to supervised learning algorithm</a:t>
+            </a:r>
+          </a:p>
+          <a:p>
+            <a:pPr marL="228600" marR="0" lvl="0" indent="-228600" algn="l" defTabSz="914400" rtl="0" eaLnBrk="1" fontAlgn="auto" latinLnBrk="0" hangingPunct="1">
+              <a:lnSpc>
+                <a:spcPct val="100000"/>
+              </a:lnSpc>
+              <a:spcBef>
+                <a:spcPts val="0"/>
+              </a:spcBef>
+              <a:spcAft>
+                <a:spcPts val="0"/>
+              </a:spcAft>
+              <a:buClrTx/>
+              <a:buSzTx/>
+              <a:buFontTx/>
+              <a:buAutoNum type="arabicParenR"/>
+              <a:tabLst/>
+              <a:defRPr/>
+            </a:pPr>
+            <a:r>
+              <a:rPr lang="en-US" b="0" i="0" dirty="0">
+                <a:solidFill>
+                  <a:srgbClr val="374151"/>
+                </a:solidFill>
+                <a:effectLst/>
+                <a:latin typeface="Söhne"/>
+              </a:rPr>
+              <a:t>Since our business goal is to predict industry classifier from PitchBook descriptions based on existing labels, we need to use classification algorithm that supports multiple labels</a:t>
+            </a:r>
+          </a:p>
+          <a:p>
+            <a:pPr marL="685800" marR="0" lvl="1" indent="-228600" algn="l" defTabSz="914400" rtl="0" eaLnBrk="1" fontAlgn="auto" latinLnBrk="0" hangingPunct="1">
+              <a:lnSpc>
+                <a:spcPct val="100000"/>
+              </a:lnSpc>
+              <a:spcBef>
+                <a:spcPts val="0"/>
+              </a:spcBef>
+              <a:spcAft>
+                <a:spcPts val="0"/>
+              </a:spcAft>
+              <a:buClrTx/>
+              <a:buSzTx/>
+              <a:buFontTx/>
+              <a:buAutoNum type="arabicParenR"/>
+              <a:tabLst/>
+              <a:defRPr/>
+            </a:pPr>
+            <a:r>
+              <a:rPr lang="en-US" b="0" i="0" dirty="0">
+                <a:solidFill>
+                  <a:srgbClr val="374151"/>
+                </a:solidFill>
+                <a:effectLst/>
+                <a:latin typeface="Söhne"/>
+              </a:rPr>
+              <a:t>Here we use Logistic Regression has a supervised learning algorithm meaning that it requires labeled training data to make predictions on new, unseen data</a:t>
+            </a:r>
+          </a:p>
+          <a:p>
+            <a:pPr marL="685800" marR="0" lvl="1" indent="-228600" algn="l" defTabSz="914400" rtl="0" eaLnBrk="1" fontAlgn="auto" latinLnBrk="0" hangingPunct="1">
+              <a:lnSpc>
+                <a:spcPct val="100000"/>
+              </a:lnSpc>
+              <a:spcBef>
+                <a:spcPts val="0"/>
+              </a:spcBef>
+              <a:spcAft>
+                <a:spcPts val="0"/>
+              </a:spcAft>
+              <a:buClrTx/>
+              <a:buSzTx/>
+              <a:buFontTx/>
+              <a:buAutoNum type="arabicParenR"/>
+              <a:tabLst/>
+              <a:defRPr/>
+            </a:pPr>
+            <a:r>
+              <a:rPr lang="en-US" b="0" i="0" dirty="0">
+                <a:solidFill>
+                  <a:srgbClr val="374151"/>
+                </a:solidFill>
+                <a:effectLst/>
+                <a:latin typeface="Söhne"/>
+              </a:rPr>
+              <a:t>In the case of Logistic Regression, the algorithm is trained on a set of input features (i.e., vector embeddings of 768 columns) and their corresponding categorical labels (Salesforce industries). The algorithm learns to estimate the probability of belonging to each class, based on the input features. This probability estimate can then be used to make predictions on new, unseen examples</a:t>
+            </a:r>
+          </a:p>
+          <a:p>
+            <a:pPr marL="228600" marR="0" lvl="0" indent="-228600" algn="l" defTabSz="914400" rtl="0" eaLnBrk="1" fontAlgn="auto" latinLnBrk="0" hangingPunct="1">
+              <a:lnSpc>
+                <a:spcPct val="100000"/>
+              </a:lnSpc>
+              <a:spcBef>
+                <a:spcPts val="0"/>
+              </a:spcBef>
+              <a:spcAft>
+                <a:spcPts val="0"/>
+              </a:spcAft>
+              <a:buClrTx/>
+              <a:buSzTx/>
+              <a:buFontTx/>
+              <a:buAutoNum type="arabicParenR"/>
+              <a:tabLst/>
+              <a:defRPr/>
+            </a:pPr>
+            <a:r>
+              <a:rPr lang="en-US" b="0" i="0" dirty="0">
+                <a:solidFill>
+                  <a:srgbClr val="374151"/>
+                </a:solidFill>
+                <a:effectLst/>
+                <a:latin typeface="Söhne"/>
+              </a:rPr>
+              <a:t>Save the trained model to storage account</a:t>
+            </a:r>
+          </a:p>
+          <a:p>
+            <a:pPr marL="228600" marR="0" lvl="0" indent="-228600" algn="l" defTabSz="914400" rtl="0" eaLnBrk="1" fontAlgn="auto" latinLnBrk="0" hangingPunct="1">
+              <a:lnSpc>
+                <a:spcPct val="100000"/>
+              </a:lnSpc>
+              <a:spcBef>
+                <a:spcPts val="0"/>
+              </a:spcBef>
+              <a:spcAft>
+                <a:spcPts val="0"/>
+              </a:spcAft>
+              <a:buClrTx/>
+              <a:buSzTx/>
+              <a:buFontTx/>
+              <a:buAutoNum type="arabicParenR"/>
+              <a:tabLst/>
+              <a:defRPr/>
+            </a:pPr>
+            <a:r>
+              <a:rPr lang="en-US" b="0" i="0" dirty="0">
+                <a:solidFill>
+                  <a:srgbClr val="374151"/>
+                </a:solidFill>
+                <a:effectLst/>
+                <a:latin typeface="Söhne"/>
+              </a:rPr>
+              <a:t>Pass the unseen test data to trained model</a:t>
+            </a:r>
+          </a:p>
+          <a:p>
+            <a:pPr marL="228600" marR="0" lvl="0" indent="-228600" algn="l" defTabSz="914400" rtl="0" eaLnBrk="1" fontAlgn="auto" latinLnBrk="0" hangingPunct="1">
+              <a:lnSpc>
+                <a:spcPct val="100000"/>
+              </a:lnSpc>
+              <a:spcBef>
+                <a:spcPts val="0"/>
+              </a:spcBef>
+              <a:spcAft>
+                <a:spcPts val="0"/>
+              </a:spcAft>
+              <a:buClrTx/>
+              <a:buSzTx/>
+              <a:buFontTx/>
+              <a:buAutoNum type="arabicParenR"/>
+              <a:tabLst/>
+              <a:defRPr/>
+            </a:pPr>
+            <a:r>
+              <a:rPr lang="en-US" b="0" i="0" dirty="0">
+                <a:solidFill>
+                  <a:srgbClr val="374151"/>
+                </a:solidFill>
+                <a:effectLst/>
+                <a:latin typeface="Söhne"/>
+              </a:rPr>
+              <a:t>Predict probabilities from trained model using test data, model performance metric like accuracy score, confusion matrix are analyzed and then saved in storage account for reporting purpose</a:t>
+            </a:r>
+          </a:p>
+          <a:p>
+            <a:pPr marL="228600" marR="0" lvl="0" indent="-228600" algn="l" defTabSz="914400" rtl="0" eaLnBrk="1" fontAlgn="auto" latinLnBrk="0" hangingPunct="1">
+              <a:lnSpc>
+                <a:spcPct val="100000"/>
+              </a:lnSpc>
+              <a:spcBef>
+                <a:spcPts val="0"/>
+              </a:spcBef>
+              <a:spcAft>
+                <a:spcPts val="0"/>
+              </a:spcAft>
+              <a:buClrTx/>
+              <a:buSzTx/>
+              <a:buFontTx/>
+              <a:buAutoNum type="arabicParenR"/>
+              <a:tabLst/>
+              <a:defRPr/>
+            </a:pPr>
+            <a:r>
+              <a:rPr lang="en-US" b="0" i="0" dirty="0">
+                <a:solidFill>
+                  <a:srgbClr val="374151"/>
+                </a:solidFill>
+                <a:effectLst/>
+                <a:latin typeface="Söhne"/>
+              </a:rPr>
+              <a:t>Finally new company descriptions from PitchBook real datasource are inferenced using model endpoint and the predicated industry classification are tagged to Salesforce CRM based on Salesforce Id and PitchBook company Id</a:t>
+            </a:r>
+          </a:p>
+          <a:p>
+            <a:pPr marL="228600" marR="0" lvl="0" indent="-228600" algn="l" defTabSz="914400" rtl="0" eaLnBrk="1" fontAlgn="auto" latinLnBrk="0" hangingPunct="1">
+              <a:lnSpc>
+                <a:spcPct val="100000"/>
+              </a:lnSpc>
+              <a:spcBef>
+                <a:spcPts val="0"/>
+              </a:spcBef>
+              <a:spcAft>
+                <a:spcPts val="0"/>
+              </a:spcAft>
+              <a:buClrTx/>
+              <a:buSzTx/>
+              <a:buFontTx/>
+              <a:buAutoNum type="arabicParenR"/>
+              <a:tabLst/>
+              <a:defRPr/>
+            </a:pPr>
             <a:endParaRPr lang="en-US" b="0" i="0" dirty="0">
               <a:solidFill>
                 <a:srgbClr val="374151"/>
@@ -966,32 +1487,53 @@
             </a:endParaRPr>
           </a:p>
           <a:p>
-            <a:pPr algn="l"/>
-            <a:r>
-              <a:rPr lang="en-US" b="0" i="0" dirty="0">
-                <a:solidFill>
-                  <a:srgbClr val="374151"/>
-                </a:solidFill>
-                <a:effectLst/>
-                <a:latin typeface="Söhne"/>
-              </a:rPr>
-              <a:t>In traditional Logistic Regression models for sentence classification, the sentence is represented as a bag-of-words or a sequence of word embeddings, which can lead to the loss of important semantic and contextual information. Sentence transformers address this limitation by encoding the sentence as a dense vector that captures the meaning and context of the sentence.</a:t>
-            </a:r>
-          </a:p>
-          <a:p>
+            <a:pPr marL="685800" marR="0" lvl="1" indent="-228600" algn="l" defTabSz="914400" rtl="0" eaLnBrk="1" fontAlgn="auto" latinLnBrk="0" hangingPunct="1">
+              <a:lnSpc>
+                <a:spcPct val="100000"/>
+              </a:lnSpc>
+              <a:spcBef>
+                <a:spcPts val="0"/>
+              </a:spcBef>
+              <a:spcAft>
+                <a:spcPts val="0"/>
+              </a:spcAft>
+              <a:buClrTx/>
+              <a:buSzTx/>
+              <a:buFontTx/>
+              <a:buAutoNum type="arabicParenR"/>
+              <a:tabLst/>
+              <a:defRPr/>
+            </a:pPr>
+            <a:endParaRPr lang="en-US" b="0" i="0" dirty="0">
+              <a:solidFill>
+                <a:srgbClr val="374151"/>
+              </a:solidFill>
+              <a:effectLst/>
+              <a:latin typeface="Söhne"/>
+            </a:endParaRPr>
+          </a:p>
+          <a:p>
+            <a:pPr marL="228600" lvl="0" indent="-228600" algn="l">
+              <a:buAutoNum type="arabicParenR"/>
+            </a:pPr>
+            <a:endParaRPr lang="en-US" b="0" i="0" dirty="0">
+              <a:solidFill>
+                <a:srgbClr val="374151"/>
+              </a:solidFill>
+              <a:effectLst/>
+              <a:latin typeface="Söhne"/>
+            </a:endParaRPr>
+          </a:p>
+          <a:p>
+            <a:pPr marL="685800" lvl="1" indent="-228600" algn="l">
+              <a:buAutoNum type="arabicParenR"/>
+            </a:pPr>
             <a:endParaRPr lang="en-US" dirty="0"/>
           </a:p>
           <a:p>
-            <a:r>
-              <a:rPr lang="en-US" b="0" i="0" dirty="0">
-                <a:solidFill>
-                  <a:srgbClr val="374151"/>
-                </a:solidFill>
-                <a:effectLst/>
-                <a:latin typeface="Söhne"/>
-              </a:rPr>
-              <a:t>By using sentence transformers in Logistic Regression, we can achieve state-of-the-art performance on various NLP tasks such as sentiment analysis, text classification, and language translation.</a:t>
-            </a:r>
+            <a:pPr marL="685800" lvl="1" indent="-228600" algn="l">
+              <a:buAutoNum type="arabicParenR"/>
+            </a:pPr>
             <a:endParaRPr lang="en-US" dirty="0"/>
           </a:p>
         </p:txBody>
@@ -1022,7 +1564,589 @@
     </p:spTree>
     <p:extLst>
       <p:ext uri="{BB962C8B-B14F-4D97-AF65-F5344CB8AC3E}">
+        <p14:creationId xmlns:p14="http://schemas.microsoft.com/office/powerpoint/2010/main" val="2598539515"/>
+      </p:ext>
+    </p:extLst>
+  </p:cSld>
+  <p:clrMapOvr>
+    <a:masterClrMapping/>
+  </p:clrMapOvr>
+</p:notes>
+</file>
+
+<file path=ppt/notesSlides/notesSlide14.xml><?xml version="1.0" encoding="utf-8"?>
+<p:notes xmlns:a="http://schemas.openxmlformats.org/drawingml/2006/main" xmlns:r="http://schemas.openxmlformats.org/officeDocument/2006/relationships" xmlns:p="http://schemas.openxmlformats.org/presentationml/2006/main">
+  <p:cSld>
+    <p:spTree>
+      <p:nvGrpSpPr>
+        <p:cNvPr id="1" name=""/>
+        <p:cNvGrpSpPr/>
+        <p:nvPr/>
+      </p:nvGrpSpPr>
+      <p:grpSpPr>
+        <a:xfrm>
+          <a:off x="0" y="0"/>
+          <a:ext cx="0" cy="0"/>
+          <a:chOff x="0" y="0"/>
+          <a:chExt cx="0" cy="0"/>
+        </a:xfrm>
+      </p:grpSpPr>
+      <p:sp>
+        <p:nvSpPr>
+          <p:cNvPr id="2" name="Slide Image Placeholder 1"/>
+          <p:cNvSpPr>
+            <a:spLocks noGrp="1" noRot="1" noChangeAspect="1"/>
+          </p:cNvSpPr>
+          <p:nvPr>
+            <p:ph type="sldImg"/>
+          </p:nvPr>
+        </p:nvSpPr>
+        <p:spPr/>
+      </p:sp>
+      <p:sp>
+        <p:nvSpPr>
+          <p:cNvPr id="3" name="Notes Placeholder 2"/>
+          <p:cNvSpPr>
+            <a:spLocks noGrp="1"/>
+          </p:cNvSpPr>
+          <p:nvPr>
+            <p:ph type="body" idx="1"/>
+          </p:nvPr>
+        </p:nvSpPr>
+        <p:spPr/>
+        <p:txBody>
+          <a:bodyPr/>
+          <a:lstStyle/>
+          <a:p>
+            <a:pPr marL="228600" marR="0" lvl="0" indent="-228600" algn="l" defTabSz="914400" rtl="0" eaLnBrk="1" fontAlgn="auto" latinLnBrk="0" hangingPunct="1">
+              <a:lnSpc>
+                <a:spcPct val="100000"/>
+              </a:lnSpc>
+              <a:spcBef>
+                <a:spcPts val="0"/>
+              </a:spcBef>
+              <a:spcAft>
+                <a:spcPts val="0"/>
+              </a:spcAft>
+              <a:buClrTx/>
+              <a:buSzTx/>
+              <a:buFontTx/>
+              <a:buAutoNum type="arabicParenR"/>
+              <a:tabLst/>
+              <a:defRPr/>
+            </a:pPr>
+            <a:r>
+              <a:rPr lang="en-US" b="0" i="0" dirty="0">
+                <a:solidFill>
+                  <a:srgbClr val="374151"/>
+                </a:solidFill>
+                <a:effectLst/>
+                <a:latin typeface="Söhne"/>
+              </a:rPr>
+              <a:t>Read sentence embeddings of all PitchBook observation and Salesforce industry classifier labels from storage account for Cross Validation</a:t>
+            </a:r>
+          </a:p>
+          <a:p>
+            <a:pPr marL="228600" marR="0" lvl="0" indent="-228600" algn="l" defTabSz="914400" rtl="0" eaLnBrk="1" fontAlgn="auto" latinLnBrk="0" hangingPunct="1">
+              <a:lnSpc>
+                <a:spcPct val="100000"/>
+              </a:lnSpc>
+              <a:spcBef>
+                <a:spcPts val="0"/>
+              </a:spcBef>
+              <a:spcAft>
+                <a:spcPts val="0"/>
+              </a:spcAft>
+              <a:buClrTx/>
+              <a:buSzTx/>
+              <a:buFontTx/>
+              <a:buAutoNum type="arabicParenR"/>
+              <a:tabLst/>
+              <a:defRPr/>
+            </a:pPr>
+            <a:r>
+              <a:rPr lang="en-US" b="0" i="0" dirty="0">
+                <a:solidFill>
+                  <a:srgbClr val="374151"/>
+                </a:solidFill>
+                <a:effectLst/>
+                <a:latin typeface="Söhne"/>
+              </a:rPr>
+              <a:t>Here sentence embeddings </a:t>
+            </a:r>
+            <a:r>
+              <a:rPr lang="en-US" sz="1200" dirty="0">
+                <a:solidFill>
+                  <a:srgbClr val="374151"/>
+                </a:solidFill>
+                <a:latin typeface="Verdana" panose="020B0604030504040204" pitchFamily="34" charset="0"/>
+                <a:ea typeface="Verdana" panose="020B0604030504040204" pitchFamily="34" charset="0"/>
+              </a:rPr>
+              <a:t>will be features (predictors), Salesforce industries will be labels (response).  </a:t>
+            </a:r>
+            <a:r>
+              <a:rPr lang="en-US" b="0" i="0" dirty="0">
+                <a:solidFill>
+                  <a:srgbClr val="374151"/>
+                </a:solidFill>
+                <a:effectLst/>
+                <a:latin typeface="Söhne"/>
+              </a:rPr>
+              <a:t>Split the data into train and test.  70% for train and 30% for test</a:t>
+            </a:r>
+          </a:p>
+          <a:p>
+            <a:pPr marL="685800" marR="0" lvl="1" indent="-228600" algn="l" defTabSz="914400" rtl="0" eaLnBrk="1" fontAlgn="auto" latinLnBrk="0" hangingPunct="1">
+              <a:lnSpc>
+                <a:spcPct val="100000"/>
+              </a:lnSpc>
+              <a:spcBef>
+                <a:spcPts val="0"/>
+              </a:spcBef>
+              <a:spcAft>
+                <a:spcPts val="0"/>
+              </a:spcAft>
+              <a:buClrTx/>
+              <a:buSzTx/>
+              <a:buFontTx/>
+              <a:buAutoNum type="arabicParenR"/>
+              <a:tabLst/>
+              <a:defRPr/>
+            </a:pPr>
+            <a:r>
+              <a:rPr lang="en-US" b="0" i="0" dirty="0">
+                <a:solidFill>
+                  <a:srgbClr val="374151"/>
+                </a:solidFill>
+                <a:effectLst/>
+                <a:latin typeface="Söhne"/>
+              </a:rPr>
+              <a:t>Cross-validation is a statistical technique used to evaluate the performance and robustness of a machine learning model. It involves splitting the available data into multiple folds, where each fold is used for training the model and the remaining fold is used for validation. This process is repeated multiple times, with each fold used for validation exactly once. By doing this, we can get a more accurate estimate of how well the model will perform on new, unseen data.</a:t>
+            </a:r>
+          </a:p>
+          <a:p>
+            <a:pPr marL="685800" marR="0" lvl="1" indent="-228600" algn="l" defTabSz="914400" rtl="0" eaLnBrk="1" fontAlgn="auto" latinLnBrk="0" hangingPunct="1">
+              <a:lnSpc>
+                <a:spcPct val="100000"/>
+              </a:lnSpc>
+              <a:spcBef>
+                <a:spcPts val="0"/>
+              </a:spcBef>
+              <a:spcAft>
+                <a:spcPts val="0"/>
+              </a:spcAft>
+              <a:buClrTx/>
+              <a:buSzTx/>
+              <a:buFontTx/>
+              <a:buAutoNum type="arabicParenR"/>
+              <a:tabLst/>
+              <a:defRPr/>
+            </a:pPr>
+            <a:r>
+              <a:rPr lang="en-US" b="0" i="0" dirty="0">
+                <a:solidFill>
+                  <a:srgbClr val="374151"/>
+                </a:solidFill>
+                <a:effectLst/>
+                <a:latin typeface="Söhne"/>
+              </a:rPr>
+              <a:t>GridSearchCV is a specific type of cross-validation technique that involves testing a range of hyperparameters for a given model to find the combination that results in the best performance. Hyperparameters are parameters of the model that are not learned from the data, but rather set by the user. For example, the regularization and solver parameters in logistic regression</a:t>
+            </a:r>
+          </a:p>
+          <a:p>
+            <a:pPr marL="685800" marR="0" lvl="1" indent="-228600" algn="l" defTabSz="914400" rtl="0" eaLnBrk="1" fontAlgn="auto" latinLnBrk="0" hangingPunct="1">
+              <a:lnSpc>
+                <a:spcPct val="100000"/>
+              </a:lnSpc>
+              <a:spcBef>
+                <a:spcPts val="0"/>
+              </a:spcBef>
+              <a:spcAft>
+                <a:spcPts val="0"/>
+              </a:spcAft>
+              <a:buClrTx/>
+              <a:buSzTx/>
+              <a:buFontTx/>
+              <a:buAutoNum type="arabicParenR"/>
+              <a:tabLst/>
+              <a:defRPr/>
+            </a:pPr>
+            <a:r>
+              <a:rPr lang="en-US" b="0" i="0" dirty="0">
+                <a:solidFill>
+                  <a:srgbClr val="374151"/>
+                </a:solidFill>
+                <a:effectLst/>
+                <a:latin typeface="Söhne"/>
+              </a:rPr>
+              <a:t>The reason we use cross-validation and GridSearchCV together is to ensure that our model is not overfitting or underfitting the data, and to optimize the hyperparameters to achieve the best performance. Cross-validation helps us evaluate the performance of the model on different subsets of the data, and GridSearchCV helps us find the best hyperparameters for the model. Without cross-validation, we may be overestimating the performance of the model, and without GridSearchCV, we may be using suboptimal hyperparameters that result in poor performance</a:t>
+            </a:r>
+          </a:p>
+          <a:p>
+            <a:pPr marL="228600" marR="0" lvl="0" indent="-228600" algn="l" defTabSz="914400" rtl="0" eaLnBrk="1" fontAlgn="auto" latinLnBrk="0" hangingPunct="1">
+              <a:lnSpc>
+                <a:spcPct val="100000"/>
+              </a:lnSpc>
+              <a:spcBef>
+                <a:spcPts val="0"/>
+              </a:spcBef>
+              <a:spcAft>
+                <a:spcPts val="0"/>
+              </a:spcAft>
+              <a:buClrTx/>
+              <a:buSzTx/>
+              <a:buFontTx/>
+              <a:buAutoNum type="arabicParenR"/>
+              <a:tabLst/>
+              <a:defRPr/>
+            </a:pPr>
+            <a:r>
+              <a:rPr lang="en-US" b="0" i="0" dirty="0">
+                <a:solidFill>
+                  <a:srgbClr val="374151"/>
+                </a:solidFill>
+                <a:effectLst/>
+                <a:latin typeface="Söhne"/>
+              </a:rPr>
+              <a:t>Best hyper tuning parameters for regularization and solver are passed to supervised learning algorithm</a:t>
+            </a:r>
+          </a:p>
+          <a:p>
+            <a:pPr marL="228600" marR="0" lvl="0" indent="-228600" algn="l" defTabSz="914400" rtl="0" eaLnBrk="1" fontAlgn="auto" latinLnBrk="0" hangingPunct="1">
+              <a:lnSpc>
+                <a:spcPct val="100000"/>
+              </a:lnSpc>
+              <a:spcBef>
+                <a:spcPts val="0"/>
+              </a:spcBef>
+              <a:spcAft>
+                <a:spcPts val="0"/>
+              </a:spcAft>
+              <a:buClrTx/>
+              <a:buSzTx/>
+              <a:buFontTx/>
+              <a:buAutoNum type="arabicParenR"/>
+              <a:tabLst/>
+              <a:defRPr/>
+            </a:pPr>
+            <a:r>
+              <a:rPr lang="en-US" b="0" i="0" dirty="0">
+                <a:solidFill>
+                  <a:srgbClr val="374151"/>
+                </a:solidFill>
+                <a:effectLst/>
+                <a:latin typeface="Söhne"/>
+              </a:rPr>
+              <a:t>Since our business goal is to predict industry classifier from PitchBook descriptions based on existing labels, we need to use classification algorithm that supports multiple labels</a:t>
+            </a:r>
+          </a:p>
+          <a:p>
+            <a:pPr marL="685800" marR="0" lvl="1" indent="-228600" algn="l" defTabSz="914400" rtl="0" eaLnBrk="1" fontAlgn="auto" latinLnBrk="0" hangingPunct="1">
+              <a:lnSpc>
+                <a:spcPct val="100000"/>
+              </a:lnSpc>
+              <a:spcBef>
+                <a:spcPts val="0"/>
+              </a:spcBef>
+              <a:spcAft>
+                <a:spcPts val="0"/>
+              </a:spcAft>
+              <a:buClrTx/>
+              <a:buSzTx/>
+              <a:buFontTx/>
+              <a:buAutoNum type="arabicParenR"/>
+              <a:tabLst/>
+              <a:defRPr/>
+            </a:pPr>
+            <a:r>
+              <a:rPr lang="en-US" b="0" i="0" dirty="0">
+                <a:solidFill>
+                  <a:srgbClr val="374151"/>
+                </a:solidFill>
+                <a:effectLst/>
+                <a:latin typeface="Söhne"/>
+              </a:rPr>
+              <a:t>Here we use Logistic Regression has a supervised learning algorithm meaning that it requires labeled training data to make predictions on new, unseen data</a:t>
+            </a:r>
+          </a:p>
+          <a:p>
+            <a:pPr marL="685800" marR="0" lvl="1" indent="-228600" algn="l" defTabSz="914400" rtl="0" eaLnBrk="1" fontAlgn="auto" latinLnBrk="0" hangingPunct="1">
+              <a:lnSpc>
+                <a:spcPct val="100000"/>
+              </a:lnSpc>
+              <a:spcBef>
+                <a:spcPts val="0"/>
+              </a:spcBef>
+              <a:spcAft>
+                <a:spcPts val="0"/>
+              </a:spcAft>
+              <a:buClrTx/>
+              <a:buSzTx/>
+              <a:buFontTx/>
+              <a:buAutoNum type="arabicParenR"/>
+              <a:tabLst/>
+              <a:defRPr/>
+            </a:pPr>
+            <a:r>
+              <a:rPr lang="en-US" b="0" i="0" dirty="0">
+                <a:solidFill>
+                  <a:srgbClr val="374151"/>
+                </a:solidFill>
+                <a:effectLst/>
+                <a:latin typeface="Söhne"/>
+              </a:rPr>
+              <a:t>In the case of Logistic Regression, the algorithm is trained on a set of input features (i.e., vector embeddings of 768 columns) and their corresponding categorical labels (Salesforce industries). The algorithm learns to estimate the probability of belonging to each class, based on the input features. This probability estimate can then be used to make predictions on new, unseen examples</a:t>
+            </a:r>
+          </a:p>
+          <a:p>
+            <a:pPr marL="457200" marR="0" lvl="1" indent="0" algn="l" defTabSz="914400" rtl="0" eaLnBrk="1" fontAlgn="auto" latinLnBrk="0" hangingPunct="1">
+              <a:lnSpc>
+                <a:spcPct val="100000"/>
+              </a:lnSpc>
+              <a:spcBef>
+                <a:spcPts val="0"/>
+              </a:spcBef>
+              <a:spcAft>
+                <a:spcPts val="0"/>
+              </a:spcAft>
+              <a:buClrTx/>
+              <a:buSzTx/>
+              <a:buFontTx/>
+              <a:buNone/>
+              <a:tabLst/>
+              <a:defRPr/>
+            </a:pPr>
+            <a:endParaRPr lang="en-US" b="0" i="0" dirty="0">
+              <a:solidFill>
+                <a:srgbClr val="374151"/>
+              </a:solidFill>
+              <a:effectLst/>
+              <a:latin typeface="Söhne"/>
+            </a:endParaRPr>
+          </a:p>
+          <a:p>
+            <a:pPr marL="228600" lvl="0" indent="-228600" algn="l">
+              <a:buAutoNum type="arabicParenR"/>
+            </a:pPr>
+            <a:endParaRPr lang="en-US" b="0" i="0" dirty="0">
+              <a:solidFill>
+                <a:srgbClr val="374151"/>
+              </a:solidFill>
+              <a:effectLst/>
+              <a:latin typeface="Söhne"/>
+            </a:endParaRPr>
+          </a:p>
+          <a:p>
+            <a:pPr marL="685800" lvl="1" indent="-228600" algn="l">
+              <a:buAutoNum type="arabicParenR"/>
+            </a:pPr>
+            <a:endParaRPr lang="en-US" dirty="0"/>
+          </a:p>
+          <a:p>
+            <a:pPr marL="685800" lvl="1" indent="-228600" algn="l">
+              <a:buAutoNum type="arabicParenR"/>
+            </a:pPr>
+            <a:endParaRPr lang="en-US" dirty="0"/>
+          </a:p>
+        </p:txBody>
+      </p:sp>
+      <p:sp>
+        <p:nvSpPr>
+          <p:cNvPr id="4" name="Slide Number Placeholder 3"/>
+          <p:cNvSpPr>
+            <a:spLocks noGrp="1"/>
+          </p:cNvSpPr>
+          <p:nvPr>
+            <p:ph type="sldNum" sz="quarter" idx="5"/>
+          </p:nvPr>
+        </p:nvSpPr>
+        <p:spPr/>
+        <p:txBody>
+          <a:bodyPr/>
+          <a:lstStyle/>
+          <a:p>
+            <a:fld id="{159A4FC4-B7B2-41AD-A47A-6BEA82EF40C3}" type="slidenum">
+              <a:rPr lang="en-US" smtClean="0"/>
+              <a:t>16</a:t>
+            </a:fld>
+            <a:endParaRPr lang="en-US"/>
+          </a:p>
+        </p:txBody>
+      </p:sp>
+    </p:spTree>
+    <p:extLst>
+      <p:ext uri="{BB962C8B-B14F-4D97-AF65-F5344CB8AC3E}">
+        <p14:creationId xmlns:p14="http://schemas.microsoft.com/office/powerpoint/2010/main" val="1893153420"/>
+      </p:ext>
+    </p:extLst>
+  </p:cSld>
+  <p:clrMapOvr>
+    <a:masterClrMapping/>
+  </p:clrMapOvr>
+</p:notes>
+</file>
+
+<file path=ppt/notesSlides/notesSlide15.xml><?xml version="1.0" encoding="utf-8"?>
+<p:notes xmlns:a="http://schemas.openxmlformats.org/drawingml/2006/main" xmlns:r="http://schemas.openxmlformats.org/officeDocument/2006/relationships" xmlns:p="http://schemas.openxmlformats.org/presentationml/2006/main">
+  <p:cSld>
+    <p:spTree>
+      <p:nvGrpSpPr>
+        <p:cNvPr id="1" name=""/>
+        <p:cNvGrpSpPr/>
+        <p:nvPr/>
+      </p:nvGrpSpPr>
+      <p:grpSpPr>
+        <a:xfrm>
+          <a:off x="0" y="0"/>
+          <a:ext cx="0" cy="0"/>
+          <a:chOff x="0" y="0"/>
+          <a:chExt cx="0" cy="0"/>
+        </a:xfrm>
+      </p:grpSpPr>
+      <p:sp>
+        <p:nvSpPr>
+          <p:cNvPr id="2" name="Slide Image Placeholder 1"/>
+          <p:cNvSpPr>
+            <a:spLocks noGrp="1" noRot="1" noChangeAspect="1"/>
+          </p:cNvSpPr>
+          <p:nvPr>
+            <p:ph type="sldImg"/>
+          </p:nvPr>
+        </p:nvSpPr>
+        <p:spPr/>
+      </p:sp>
+      <p:sp>
+        <p:nvSpPr>
+          <p:cNvPr id="3" name="Notes Placeholder 2"/>
+          <p:cNvSpPr>
+            <a:spLocks noGrp="1"/>
+          </p:cNvSpPr>
+          <p:nvPr>
+            <p:ph type="body" idx="1"/>
+          </p:nvPr>
+        </p:nvSpPr>
+        <p:spPr/>
+        <p:txBody>
+          <a:bodyPr/>
+          <a:lstStyle/>
+          <a:p>
+            <a:pPr algn="l"/>
+            <a:endParaRPr lang="en-US" dirty="0"/>
+          </a:p>
+        </p:txBody>
+      </p:sp>
+      <p:sp>
+        <p:nvSpPr>
+          <p:cNvPr id="4" name="Slide Number Placeholder 3"/>
+          <p:cNvSpPr>
+            <a:spLocks noGrp="1"/>
+          </p:cNvSpPr>
+          <p:nvPr>
+            <p:ph type="sldNum" sz="quarter" idx="5"/>
+          </p:nvPr>
+        </p:nvSpPr>
+        <p:spPr/>
+        <p:txBody>
+          <a:bodyPr/>
+          <a:lstStyle/>
+          <a:p>
+            <a:fld id="{159A4FC4-B7B2-41AD-A47A-6BEA82EF40C3}" type="slidenum">
+              <a:rPr lang="en-US" smtClean="0"/>
+              <a:t>17</a:t>
+            </a:fld>
+            <a:endParaRPr lang="en-US"/>
+          </a:p>
+        </p:txBody>
+      </p:sp>
+    </p:spTree>
+    <p:extLst>
+      <p:ext uri="{BB962C8B-B14F-4D97-AF65-F5344CB8AC3E}">
         <p14:creationId xmlns:p14="http://schemas.microsoft.com/office/powerpoint/2010/main" val="2449617143"/>
+      </p:ext>
+    </p:extLst>
+  </p:cSld>
+  <p:clrMapOvr>
+    <a:masterClrMapping/>
+  </p:clrMapOvr>
+</p:notes>
+</file>
+
+<file path=ppt/notesSlides/notesSlide16.xml><?xml version="1.0" encoding="utf-8"?>
+<p:notes xmlns:a="http://schemas.openxmlformats.org/drawingml/2006/main" xmlns:r="http://schemas.openxmlformats.org/officeDocument/2006/relationships" xmlns:p="http://schemas.openxmlformats.org/presentationml/2006/main">
+  <p:cSld>
+    <p:spTree>
+      <p:nvGrpSpPr>
+        <p:cNvPr id="1" name=""/>
+        <p:cNvGrpSpPr/>
+        <p:nvPr/>
+      </p:nvGrpSpPr>
+      <p:grpSpPr>
+        <a:xfrm>
+          <a:off x="0" y="0"/>
+          <a:ext cx="0" cy="0"/>
+          <a:chOff x="0" y="0"/>
+          <a:chExt cx="0" cy="0"/>
+        </a:xfrm>
+      </p:grpSpPr>
+      <p:sp>
+        <p:nvSpPr>
+          <p:cNvPr id="2" name="Slide Image Placeholder 1"/>
+          <p:cNvSpPr>
+            <a:spLocks noGrp="1" noRot="1" noChangeAspect="1"/>
+          </p:cNvSpPr>
+          <p:nvPr>
+            <p:ph type="sldImg"/>
+          </p:nvPr>
+        </p:nvSpPr>
+        <p:spPr/>
+      </p:sp>
+      <p:sp>
+        <p:nvSpPr>
+          <p:cNvPr id="3" name="Notes Placeholder 2"/>
+          <p:cNvSpPr>
+            <a:spLocks noGrp="1"/>
+          </p:cNvSpPr>
+          <p:nvPr>
+            <p:ph type="body" idx="1"/>
+          </p:nvPr>
+        </p:nvSpPr>
+        <p:spPr/>
+        <p:txBody>
+          <a:bodyPr/>
+          <a:lstStyle/>
+          <a:p>
+            <a:pPr algn="l"/>
+            <a:endParaRPr lang="en-US" dirty="0"/>
+          </a:p>
+        </p:txBody>
+      </p:sp>
+      <p:sp>
+        <p:nvSpPr>
+          <p:cNvPr id="4" name="Slide Number Placeholder 3"/>
+          <p:cNvSpPr>
+            <a:spLocks noGrp="1"/>
+          </p:cNvSpPr>
+          <p:nvPr>
+            <p:ph type="sldNum" sz="quarter" idx="5"/>
+          </p:nvPr>
+        </p:nvSpPr>
+        <p:spPr/>
+        <p:txBody>
+          <a:bodyPr/>
+          <a:lstStyle/>
+          <a:p>
+            <a:fld id="{159A4FC4-B7B2-41AD-A47A-6BEA82EF40C3}" type="slidenum">
+              <a:rPr lang="en-US" smtClean="0"/>
+              <a:t>18</a:t>
+            </a:fld>
+            <a:endParaRPr lang="en-US"/>
+          </a:p>
+        </p:txBody>
+      </p:sp>
+    </p:spTree>
+    <p:extLst>
+      <p:ext uri="{BB962C8B-B14F-4D97-AF65-F5344CB8AC3E}">
+        <p14:creationId xmlns:p14="http://schemas.microsoft.com/office/powerpoint/2010/main" val="3277634468"/>
       </p:ext>
     </p:extLst>
   </p:cSld>
@@ -2111,7 +3235,7 @@
           <a:p>
             <a:fld id="{38744EF7-277B-4C2F-8C3D-AA5604BF70B5}" type="datetimeFigureOut">
               <a:rPr lang="en-US" smtClean="0"/>
-              <a:t>3/2/2023</a:t>
+              <a:t>3/3/2023</a:t>
             </a:fld>
             <a:endParaRPr lang="en-US"/>
           </a:p>
@@ -2309,7 +3433,7 @@
           <a:p>
             <a:fld id="{38744EF7-277B-4C2F-8C3D-AA5604BF70B5}" type="datetimeFigureOut">
               <a:rPr lang="en-US" smtClean="0"/>
-              <a:t>3/2/2023</a:t>
+              <a:t>3/3/2023</a:t>
             </a:fld>
             <a:endParaRPr lang="en-US"/>
           </a:p>
@@ -2517,7 +3641,7 @@
           <a:p>
             <a:fld id="{38744EF7-277B-4C2F-8C3D-AA5604BF70B5}" type="datetimeFigureOut">
               <a:rPr lang="en-US" smtClean="0"/>
-              <a:t>3/2/2023</a:t>
+              <a:t>3/3/2023</a:t>
             </a:fld>
             <a:endParaRPr lang="en-US"/>
           </a:p>
@@ -2715,7 +3839,7 @@
           <a:p>
             <a:fld id="{38744EF7-277B-4C2F-8C3D-AA5604BF70B5}" type="datetimeFigureOut">
               <a:rPr lang="en-US" smtClean="0"/>
-              <a:t>3/2/2023</a:t>
+              <a:t>3/3/2023</a:t>
             </a:fld>
             <a:endParaRPr lang="en-US"/>
           </a:p>
@@ -2990,7 +4114,7 @@
           <a:p>
             <a:fld id="{38744EF7-277B-4C2F-8C3D-AA5604BF70B5}" type="datetimeFigureOut">
               <a:rPr lang="en-US" smtClean="0"/>
-              <a:t>3/2/2023</a:t>
+              <a:t>3/3/2023</a:t>
             </a:fld>
             <a:endParaRPr lang="en-US"/>
           </a:p>
@@ -3255,7 +4379,7 @@
           <a:p>
             <a:fld id="{38744EF7-277B-4C2F-8C3D-AA5604BF70B5}" type="datetimeFigureOut">
               <a:rPr lang="en-US" smtClean="0"/>
-              <a:t>3/2/2023</a:t>
+              <a:t>3/3/2023</a:t>
             </a:fld>
             <a:endParaRPr lang="en-US"/>
           </a:p>
@@ -3667,7 +4791,7 @@
           <a:p>
             <a:fld id="{38744EF7-277B-4C2F-8C3D-AA5604BF70B5}" type="datetimeFigureOut">
               <a:rPr lang="en-US" smtClean="0"/>
-              <a:t>3/2/2023</a:t>
+              <a:t>3/3/2023</a:t>
             </a:fld>
             <a:endParaRPr lang="en-US"/>
           </a:p>
@@ -3808,7 +4932,7 @@
           <a:p>
             <a:fld id="{38744EF7-277B-4C2F-8C3D-AA5604BF70B5}" type="datetimeFigureOut">
               <a:rPr lang="en-US" smtClean="0"/>
-              <a:t>3/2/2023</a:t>
+              <a:t>3/3/2023</a:t>
             </a:fld>
             <a:endParaRPr lang="en-US"/>
           </a:p>
@@ -3921,7 +5045,7 @@
           <a:p>
             <a:fld id="{38744EF7-277B-4C2F-8C3D-AA5604BF70B5}" type="datetimeFigureOut">
               <a:rPr lang="en-US" smtClean="0"/>
-              <a:t>3/2/2023</a:t>
+              <a:t>3/3/2023</a:t>
             </a:fld>
             <a:endParaRPr lang="en-US"/>
           </a:p>
@@ -4232,7 +5356,7 @@
           <a:p>
             <a:fld id="{38744EF7-277B-4C2F-8C3D-AA5604BF70B5}" type="datetimeFigureOut">
               <a:rPr lang="en-US" smtClean="0"/>
-              <a:t>3/2/2023</a:t>
+              <a:t>3/3/2023</a:t>
             </a:fld>
             <a:endParaRPr lang="en-US"/>
           </a:p>
@@ -4520,7 +5644,7 @@
           <a:p>
             <a:fld id="{38744EF7-277B-4C2F-8C3D-AA5604BF70B5}" type="datetimeFigureOut">
               <a:rPr lang="en-US" smtClean="0"/>
-              <a:t>3/2/2023</a:t>
+              <a:t>3/3/2023</a:t>
             </a:fld>
             <a:endParaRPr lang="en-US"/>
           </a:p>
@@ -4761,7 +5885,7 @@
           <a:p>
             <a:fld id="{38744EF7-277B-4C2F-8C3D-AA5604BF70B5}" type="datetimeFigureOut">
               <a:rPr lang="en-US" smtClean="0"/>
-              <a:t>3/2/2023</a:t>
+              <a:t>3/3/2023</a:t>
             </a:fld>
             <a:endParaRPr lang="en-US"/>
           </a:p>
@@ -10501,7 +11625,7 @@
               <a:rPr lang="en-US" smtClean="0"/>
               <a:t>14</a:t>
             </a:fld>
-            <a:endParaRPr lang="en-US"/>
+            <a:endParaRPr lang="en-US" dirty="0"/>
           </a:p>
         </p:txBody>
       </p:sp>
@@ -11113,7 +12237,7 @@
         <p:spPr>
           <a:xfrm>
             <a:off x="261545" y="1806712"/>
-            <a:ext cx="11391877" cy="3908762"/>
+            <a:ext cx="11391877" cy="4154984"/>
           </a:xfrm>
           <a:prstGeom prst="rect">
             <a:avLst/>
@@ -11158,7 +12282,7 @@
                 <a:latin typeface="Verdana" panose="020B0604030504040204" pitchFamily="34" charset="0"/>
                 <a:ea typeface="Verdana" panose="020B0604030504040204" pitchFamily="34" charset="0"/>
               </a:rPr>
-              <a:t>First, the text data is preprocessed to remove stop words, punctuation, and other irrelevant elements.</a:t>
+              <a:t>First, the text data is preprocessed to remove stop words, punctuation, and other irrelevant elements from PitchBook data.</a:t>
             </a:r>
           </a:p>
           <a:p>
@@ -11223,6 +12347,22 @@
                 <a:ea typeface="Verdana" panose="020B0604030504040204" pitchFamily="34" charset="0"/>
               </a:rPr>
               <a:t>During the prediction process, the trained model takes as input the new sentence, encodes it using the same sentence transformer model, and predicts its class label based on the learned classification rules.</a:t>
+            </a:r>
+          </a:p>
+          <a:p>
+            <a:pPr marL="800100" lvl="1" indent="-342900">
+              <a:buFont typeface="+mj-lt"/>
+              <a:buAutoNum type="arabicPeriod"/>
+            </a:pPr>
+            <a:r>
+              <a:rPr lang="en-US" sz="1600" dirty="0">
+                <a:solidFill>
+                  <a:srgbClr val="374151"/>
+                </a:solidFill>
+                <a:latin typeface="Verdana" panose="020B0604030504040204" pitchFamily="34" charset="0"/>
+                <a:ea typeface="Verdana" panose="020B0604030504040204" pitchFamily="34" charset="0"/>
+              </a:rPr>
+              <a:t>Merge inferenced class label to Salesforce CRM</a:t>
             </a:r>
           </a:p>
           <a:p>
@@ -11302,7 +12442,7 @@
                 <a:ea typeface="Verdana" panose="020B0604030504040204" pitchFamily="34" charset="0"/>
                 <a:cs typeface="+mj-cs"/>
               </a:rPr>
-              <a:t>Results and Evaluation</a:t>
+              <a:t>Data Mining Techniques</a:t>
             </a:r>
           </a:p>
         </p:txBody>
@@ -11332,7 +12472,7 @@
               <a:rPr lang="en-US" smtClean="0"/>
               <a:t>15</a:t>
             </a:fld>
-            <a:endParaRPr lang="en-US"/>
+            <a:endParaRPr lang="en-US" dirty="0"/>
           </a:p>
         </p:txBody>
       </p:sp>
@@ -11477,9 +12617,7 @@
             <a:avLst/>
           </a:prstGeom>
           <a:solidFill>
-            <a:schemeClr val="bg1">
-              <a:lumMod val="75000"/>
-            </a:schemeClr>
+            <a:srgbClr val="9E2946"/>
           </a:solidFill>
           <a:ln>
             <a:noFill/>
@@ -11537,7 +12675,9 @@
             <a:avLst/>
           </a:prstGeom>
           <a:solidFill>
-            <a:srgbClr val="9E2946"/>
+            <a:schemeClr val="bg1">
+              <a:lumMod val="75000"/>
+            </a:schemeClr>
           </a:solidFill>
           <a:ln>
             <a:noFill/>
@@ -11863,10 +13003,6740 @@
           </a:p>
         </p:txBody>
       </p:sp>
+      <p:sp>
+        <p:nvSpPr>
+          <p:cNvPr id="16" name="Title 1">
+            <a:extLst>
+              <a:ext uri="{FF2B5EF4-FFF2-40B4-BE49-F238E27FC236}">
+                <a16:creationId xmlns:a16="http://schemas.microsoft.com/office/drawing/2014/main" id="{A373279E-1449-42AE-BE88-6BD97BA6035F}"/>
+              </a:ext>
+            </a:extLst>
+          </p:cNvPr>
+          <p:cNvSpPr txBox="1">
+            <a:spLocks/>
+          </p:cNvSpPr>
+          <p:nvPr/>
+        </p:nvSpPr>
+        <p:spPr>
+          <a:xfrm>
+            <a:off x="-227150" y="918509"/>
+            <a:ext cx="10515600" cy="817723"/>
+          </a:xfrm>
+          <a:prstGeom prst="rect">
+            <a:avLst/>
+          </a:prstGeom>
+        </p:spPr>
+        <p:txBody>
+          <a:bodyPr vert="horz" lIns="91440" tIns="45720" rIns="91440" bIns="45720" rtlCol="0" anchor="ctr">
+            <a:normAutofit/>
+          </a:bodyPr>
+          <a:lstStyle>
+            <a:lvl1pPr algn="l" defTabSz="914400" rtl="0" eaLnBrk="1" latinLnBrk="0" hangingPunct="1">
+              <a:lnSpc>
+                <a:spcPct val="90000"/>
+              </a:lnSpc>
+              <a:spcBef>
+                <a:spcPct val="0"/>
+              </a:spcBef>
+              <a:buNone/>
+              <a:defRPr sz="4400" kern="1200">
+                <a:solidFill>
+                  <a:schemeClr val="tx1"/>
+                </a:solidFill>
+                <a:latin typeface="+mj-lt"/>
+                <a:ea typeface="+mj-ea"/>
+                <a:cs typeface="+mj-cs"/>
+              </a:defRPr>
+            </a:lvl1pPr>
+          </a:lstStyle>
+          <a:p>
+            <a:pPr marL="457200" lvl="1">
+              <a:lnSpc>
+                <a:spcPct val="150000"/>
+              </a:lnSpc>
+            </a:pPr>
+            <a:r>
+              <a:rPr lang="en-US" b="1" dirty="0">
+                <a:solidFill>
+                  <a:srgbClr val="9E2946"/>
+                </a:solidFill>
+                <a:latin typeface="Verdana" panose="020B0604030504040204" pitchFamily="34" charset="0"/>
+                <a:ea typeface="Verdana" panose="020B0604030504040204" pitchFamily="34" charset="0"/>
+                <a:cs typeface="+mj-cs"/>
+              </a:rPr>
+              <a:t>Machine Learning Operation (MLOps)</a:t>
+            </a:r>
+          </a:p>
+        </p:txBody>
+      </p:sp>
+      <p:sp>
+        <p:nvSpPr>
+          <p:cNvPr id="17" name="Rectangle 16">
+            <a:extLst>
+              <a:ext uri="{FF2B5EF4-FFF2-40B4-BE49-F238E27FC236}">
+                <a16:creationId xmlns:a16="http://schemas.microsoft.com/office/drawing/2014/main" id="{3D5B987A-1BC3-471C-B8A8-0EDAB0B474E3}"/>
+              </a:ext>
+            </a:extLst>
+          </p:cNvPr>
+          <p:cNvSpPr/>
+          <p:nvPr/>
+        </p:nvSpPr>
+        <p:spPr>
+          <a:xfrm>
+            <a:off x="266434" y="1721167"/>
+            <a:ext cx="11644334" cy="3522396"/>
+          </a:xfrm>
+          <a:prstGeom prst="rect">
+            <a:avLst/>
+          </a:prstGeom>
+          <a:solidFill>
+            <a:schemeClr val="bg1"/>
+          </a:solidFill>
+          <a:ln>
+            <a:solidFill>
+              <a:srgbClr val="002060"/>
+            </a:solidFill>
+          </a:ln>
+        </p:spPr>
+        <p:style>
+          <a:lnRef idx="2">
+            <a:schemeClr val="accent1">
+              <a:shade val="50000"/>
+            </a:schemeClr>
+          </a:lnRef>
+          <a:fillRef idx="1">
+            <a:schemeClr val="accent1"/>
+          </a:fillRef>
+          <a:effectRef idx="0">
+            <a:schemeClr val="accent1"/>
+          </a:effectRef>
+          <a:fontRef idx="minor">
+            <a:schemeClr val="lt1"/>
+          </a:fontRef>
+        </p:style>
+        <p:txBody>
+          <a:bodyPr rtlCol="0" anchor="ctr"/>
+          <a:lstStyle/>
+          <a:p>
+            <a:pPr algn="ctr"/>
+            <a:endParaRPr lang="en-US"/>
+          </a:p>
+        </p:txBody>
+      </p:sp>
+      <p:sp>
+        <p:nvSpPr>
+          <p:cNvPr id="18" name="Rectangle 17">
+            <a:extLst>
+              <a:ext uri="{FF2B5EF4-FFF2-40B4-BE49-F238E27FC236}">
+                <a16:creationId xmlns:a16="http://schemas.microsoft.com/office/drawing/2014/main" id="{6510AF38-AD99-40FA-AD1C-3235158B097B}"/>
+              </a:ext>
+            </a:extLst>
+          </p:cNvPr>
+          <p:cNvSpPr/>
+          <p:nvPr/>
+        </p:nvSpPr>
+        <p:spPr>
+          <a:xfrm>
+            <a:off x="264384" y="1710213"/>
+            <a:ext cx="11644333" cy="353929"/>
+          </a:xfrm>
+          <a:prstGeom prst="rect">
+            <a:avLst/>
+          </a:prstGeom>
+          <a:solidFill>
+            <a:schemeClr val="accent2">
+              <a:lumMod val="40000"/>
+              <a:lumOff val="60000"/>
+            </a:schemeClr>
+          </a:solidFill>
+        </p:spPr>
+        <p:style>
+          <a:lnRef idx="2">
+            <a:schemeClr val="accent1">
+              <a:shade val="50000"/>
+            </a:schemeClr>
+          </a:lnRef>
+          <a:fillRef idx="1">
+            <a:schemeClr val="accent1"/>
+          </a:fillRef>
+          <a:effectRef idx="0">
+            <a:schemeClr val="accent1"/>
+          </a:effectRef>
+          <a:fontRef idx="minor">
+            <a:schemeClr val="lt1"/>
+          </a:fontRef>
+        </p:style>
+        <p:txBody>
+          <a:bodyPr rtlCol="0" anchor="ctr"/>
+          <a:lstStyle/>
+          <a:p>
+            <a:pPr algn="ctr"/>
+            <a:endParaRPr lang="en-US"/>
+          </a:p>
+        </p:txBody>
+      </p:sp>
+      <p:sp>
+        <p:nvSpPr>
+          <p:cNvPr id="19" name="TextBox 18">
+            <a:extLst>
+              <a:ext uri="{FF2B5EF4-FFF2-40B4-BE49-F238E27FC236}">
+                <a16:creationId xmlns:a16="http://schemas.microsoft.com/office/drawing/2014/main" id="{D23A4EC8-8FAA-4A61-A642-B1E21CFD0DF2}"/>
+              </a:ext>
+            </a:extLst>
+          </p:cNvPr>
+          <p:cNvSpPr txBox="1"/>
+          <p:nvPr/>
+        </p:nvSpPr>
+        <p:spPr>
+          <a:xfrm>
+            <a:off x="3633907" y="1740336"/>
+            <a:ext cx="4373749" cy="246221"/>
+          </a:xfrm>
+          <a:prstGeom prst="rect">
+            <a:avLst/>
+          </a:prstGeom>
+          <a:noFill/>
+        </p:spPr>
+        <p:txBody>
+          <a:bodyPr wrap="square" rtlCol="0">
+            <a:spAutoFit/>
+          </a:bodyPr>
+          <a:lstStyle/>
+          <a:p>
+            <a:pPr algn="ctr"/>
+            <a:r>
+              <a:rPr lang="en-US" sz="1000" b="1" dirty="0">
+                <a:latin typeface="Verdana" panose="020B0604030504040204" pitchFamily="34" charset="0"/>
+                <a:ea typeface="Verdana" panose="020B0604030504040204" pitchFamily="34" charset="0"/>
+              </a:rPr>
+              <a:t>Model Development Journey (Industry Classification)</a:t>
+            </a:r>
+          </a:p>
+        </p:txBody>
+      </p:sp>
+      <p:sp>
+        <p:nvSpPr>
+          <p:cNvPr id="20" name="Rectangle 19">
+            <a:extLst>
+              <a:ext uri="{FF2B5EF4-FFF2-40B4-BE49-F238E27FC236}">
+                <a16:creationId xmlns:a16="http://schemas.microsoft.com/office/drawing/2014/main" id="{07978DCC-C75E-433C-908C-AC3CC1A95BBE}"/>
+              </a:ext>
+            </a:extLst>
+          </p:cNvPr>
+          <p:cNvSpPr/>
+          <p:nvPr/>
+        </p:nvSpPr>
+        <p:spPr>
+          <a:xfrm>
+            <a:off x="253751" y="5528948"/>
+            <a:ext cx="11644334" cy="618732"/>
+          </a:xfrm>
+          <a:prstGeom prst="rect">
+            <a:avLst/>
+          </a:prstGeom>
+          <a:noFill/>
+          <a:ln w="28575">
+            <a:solidFill>
+              <a:schemeClr val="accent1">
+                <a:lumMod val="50000"/>
+              </a:schemeClr>
+            </a:solidFill>
+            <a:prstDash val="solid"/>
+          </a:ln>
+        </p:spPr>
+        <p:style>
+          <a:lnRef idx="2">
+            <a:schemeClr val="accent1">
+              <a:shade val="50000"/>
+            </a:schemeClr>
+          </a:lnRef>
+          <a:fillRef idx="1">
+            <a:schemeClr val="accent1"/>
+          </a:fillRef>
+          <a:effectRef idx="0">
+            <a:schemeClr val="accent1"/>
+          </a:effectRef>
+          <a:fontRef idx="minor">
+            <a:schemeClr val="lt1"/>
+          </a:fontRef>
+        </p:style>
+        <p:txBody>
+          <a:bodyPr rtlCol="0" anchor="ctr"/>
+          <a:lstStyle/>
+          <a:p>
+            <a:pPr algn="ctr" defTabSz="685800">
+              <a:defRPr/>
+            </a:pPr>
+            <a:endParaRPr lang="en-US" sz="1350">
+              <a:solidFill>
+                <a:prstClr val="white"/>
+              </a:solidFill>
+              <a:latin typeface="Calibri" panose="020F0502020204030204"/>
+            </a:endParaRPr>
+          </a:p>
+        </p:txBody>
+      </p:sp>
+      <p:pic>
+        <p:nvPicPr>
+          <p:cNvPr id="1026" name="Picture 2" descr="Azure Data Lake Storage Connector - Mule 4">
+            <a:extLst>
+              <a:ext uri="{FF2B5EF4-FFF2-40B4-BE49-F238E27FC236}">
+                <a16:creationId xmlns:a16="http://schemas.microsoft.com/office/drawing/2014/main" id="{2B0C4C65-90D0-4327-AF0C-B183E0BA83A1}"/>
+              </a:ext>
+            </a:extLst>
+          </p:cNvPr>
+          <p:cNvPicPr>
+            <a:picLocks noChangeAspect="1" noChangeArrowheads="1"/>
+          </p:cNvPicPr>
+          <p:nvPr/>
+        </p:nvPicPr>
+        <p:blipFill>
+          <a:blip r:embed="rId4">
+            <a:extLst>
+              <a:ext uri="{28A0092B-C50C-407E-A947-70E740481C1C}">
+                <a14:useLocalDpi xmlns:a14="http://schemas.microsoft.com/office/drawing/2010/main" val="0"/>
+              </a:ext>
+            </a:extLst>
+          </a:blip>
+          <a:srcRect/>
+          <a:stretch>
+            <a:fillRect/>
+          </a:stretch>
+        </p:blipFill>
+        <p:spPr bwMode="auto">
+          <a:xfrm>
+            <a:off x="293915" y="5582606"/>
+            <a:ext cx="353929" cy="353929"/>
+          </a:xfrm>
+          <a:prstGeom prst="rect">
+            <a:avLst/>
+          </a:prstGeom>
+          <a:noFill/>
+          <a:extLst>
+            <a:ext uri="{909E8E84-426E-40DD-AFC4-6F175D3DCCD1}">
+              <a14:hiddenFill xmlns:a14="http://schemas.microsoft.com/office/drawing/2010/main">
+                <a:solidFill>
+                  <a:srgbClr val="FFFFFF"/>
+                </a:solidFill>
+              </a14:hiddenFill>
+            </a:ext>
+          </a:extLst>
+        </p:spPr>
+      </p:pic>
+      <p:pic>
+        <p:nvPicPr>
+          <p:cNvPr id="22" name="Picture 21" descr="PitchBook Adds New Performance Datasets &amp;amp;amp; Research to Strengthen Fund  Manager Due Diligence Workflow">
+            <a:extLst>
+              <a:ext uri="{FF2B5EF4-FFF2-40B4-BE49-F238E27FC236}">
+                <a16:creationId xmlns:a16="http://schemas.microsoft.com/office/drawing/2014/main" id="{FE7D7E64-0711-4FCE-B924-0FF9474E4DDB}"/>
+              </a:ext>
+            </a:extLst>
+          </p:cNvPr>
+          <p:cNvPicPr>
+            <a:picLocks noChangeAspect="1" noChangeArrowheads="1"/>
+          </p:cNvPicPr>
+          <p:nvPr/>
+        </p:nvPicPr>
+        <p:blipFill>
+          <a:blip r:embed="rId5" cstate="print">
+            <a:extLst>
+              <a:ext uri="{28A0092B-C50C-407E-A947-70E740481C1C}">
+                <a14:useLocalDpi xmlns:a14="http://schemas.microsoft.com/office/drawing/2010/main" val="0"/>
+              </a:ext>
+            </a:extLst>
+          </a:blip>
+          <a:srcRect/>
+          <a:stretch>
+            <a:fillRect/>
+          </a:stretch>
+        </p:blipFill>
+        <p:spPr bwMode="auto">
+          <a:xfrm>
+            <a:off x="718883" y="5716784"/>
+            <a:ext cx="739660" cy="258881"/>
+          </a:xfrm>
+          <a:prstGeom prst="rect">
+            <a:avLst/>
+          </a:prstGeom>
+          <a:noFill/>
+          <a:extLst>
+            <a:ext uri="{909E8E84-426E-40DD-AFC4-6F175D3DCCD1}">
+              <a14:hiddenFill xmlns:a14="http://schemas.microsoft.com/office/drawing/2010/main">
+                <a:solidFill>
+                  <a:srgbClr val="FFFFFF"/>
+                </a:solidFill>
+              </a14:hiddenFill>
+            </a:ext>
+          </a:extLst>
+        </p:spPr>
+      </p:pic>
+      <p:pic>
+        <p:nvPicPr>
+          <p:cNvPr id="23" name="Picture 10" descr="Salesforce: We bring companies and customers together on the #1 CRM.">
+            <a:extLst>
+              <a:ext uri="{FF2B5EF4-FFF2-40B4-BE49-F238E27FC236}">
+                <a16:creationId xmlns:a16="http://schemas.microsoft.com/office/drawing/2014/main" id="{88D673CC-A1CC-45BF-978A-FCD50B1E9245}"/>
+              </a:ext>
+            </a:extLst>
+          </p:cNvPr>
+          <p:cNvPicPr>
+            <a:picLocks noChangeAspect="1" noChangeArrowheads="1"/>
+          </p:cNvPicPr>
+          <p:nvPr/>
+        </p:nvPicPr>
+        <p:blipFill>
+          <a:blip r:embed="rId6" cstate="print">
+            <a:extLst>
+              <a:ext uri="{28A0092B-C50C-407E-A947-70E740481C1C}">
+                <a14:useLocalDpi xmlns:a14="http://schemas.microsoft.com/office/drawing/2010/main" val="0"/>
+              </a:ext>
+            </a:extLst>
+          </a:blip>
+          <a:srcRect/>
+          <a:stretch>
+            <a:fillRect/>
+          </a:stretch>
+        </p:blipFill>
+        <p:spPr bwMode="auto">
+          <a:xfrm>
+            <a:off x="1645074" y="5638225"/>
+            <a:ext cx="582850" cy="456955"/>
+          </a:xfrm>
+          <a:prstGeom prst="rect">
+            <a:avLst/>
+          </a:prstGeom>
+          <a:noFill/>
+          <a:extLst>
+            <a:ext uri="{909E8E84-426E-40DD-AFC4-6F175D3DCCD1}">
+              <a14:hiddenFill xmlns:a14="http://schemas.microsoft.com/office/drawing/2010/main">
+                <a:solidFill>
+                  <a:srgbClr val="FFFFFF"/>
+                </a:solidFill>
+              </a14:hiddenFill>
+            </a:ext>
+          </a:extLst>
+        </p:spPr>
+      </p:pic>
+      <p:sp>
+        <p:nvSpPr>
+          <p:cNvPr id="24" name="Rectangle 23">
+            <a:extLst>
+              <a:ext uri="{FF2B5EF4-FFF2-40B4-BE49-F238E27FC236}">
+                <a16:creationId xmlns:a16="http://schemas.microsoft.com/office/drawing/2014/main" id="{58BF0E3F-6397-4EC2-BAF2-A665EC27D7B9}"/>
+              </a:ext>
+            </a:extLst>
+          </p:cNvPr>
+          <p:cNvSpPr/>
+          <p:nvPr/>
+        </p:nvSpPr>
+        <p:spPr>
+          <a:xfrm>
+            <a:off x="302277" y="3276601"/>
+            <a:ext cx="1061486" cy="647644"/>
+          </a:xfrm>
+          <a:prstGeom prst="rect">
+            <a:avLst/>
+          </a:prstGeom>
+          <a:solidFill>
+            <a:schemeClr val="accent1">
+              <a:lumMod val="40000"/>
+              <a:lumOff val="60000"/>
+            </a:schemeClr>
+          </a:solidFill>
+          <a:ln>
+            <a:solidFill>
+              <a:schemeClr val="accent1">
+                <a:lumMod val="60000"/>
+                <a:lumOff val="40000"/>
+              </a:schemeClr>
+            </a:solidFill>
+            <a:prstDash val="solid"/>
+          </a:ln>
+        </p:spPr>
+        <p:style>
+          <a:lnRef idx="2">
+            <a:schemeClr val="accent1">
+              <a:shade val="50000"/>
+            </a:schemeClr>
+          </a:lnRef>
+          <a:fillRef idx="1">
+            <a:schemeClr val="accent1"/>
+          </a:fillRef>
+          <a:effectRef idx="0">
+            <a:schemeClr val="accent1"/>
+          </a:effectRef>
+          <a:fontRef idx="minor">
+            <a:schemeClr val="lt1"/>
+          </a:fontRef>
+        </p:style>
+        <p:txBody>
+          <a:bodyPr rtlCol="0" anchor="ctr"/>
+          <a:lstStyle/>
+          <a:p>
+            <a:pPr algn="ctr"/>
+            <a:r>
+              <a:rPr lang="en-US" sz="800" dirty="0">
+                <a:solidFill>
+                  <a:schemeClr val="tx1"/>
+                </a:solidFill>
+                <a:latin typeface="Verdana" panose="020B0604030504040204" pitchFamily="34" charset="0"/>
+                <a:ea typeface="Verdana" panose="020B0604030504040204" pitchFamily="34" charset="0"/>
+              </a:rPr>
+              <a:t>Preprocessing</a:t>
+            </a:r>
+            <a:endParaRPr lang="en-US" dirty="0">
+              <a:solidFill>
+                <a:schemeClr val="tx1"/>
+              </a:solidFill>
+            </a:endParaRPr>
+          </a:p>
+        </p:txBody>
+      </p:sp>
+      <p:cxnSp>
+        <p:nvCxnSpPr>
+          <p:cNvPr id="6" name="Connector: Elbow 5">
+            <a:extLst>
+              <a:ext uri="{FF2B5EF4-FFF2-40B4-BE49-F238E27FC236}">
+                <a16:creationId xmlns:a16="http://schemas.microsoft.com/office/drawing/2014/main" id="{96771A66-EE04-4125-8A5A-13C6A774266D}"/>
+              </a:ext>
+            </a:extLst>
+          </p:cNvPr>
+          <p:cNvCxnSpPr>
+            <a:cxnSpLocks/>
+            <a:endCxn id="24" idx="2"/>
+          </p:cNvCxnSpPr>
+          <p:nvPr/>
+        </p:nvCxnSpPr>
+        <p:spPr>
+          <a:xfrm rot="16200000" flipV="1">
+            <a:off x="151382" y="4605884"/>
+            <a:ext cx="1587883" cy="224606"/>
+          </a:xfrm>
+          <a:prstGeom prst="bentConnector3">
+            <a:avLst>
+              <a:gd name="adj1" fmla="val 24635"/>
+            </a:avLst>
+          </a:prstGeom>
+          <a:ln w="19050">
+            <a:solidFill>
+              <a:schemeClr val="tx1"/>
+            </a:solidFill>
+            <a:tailEnd type="triangle"/>
+          </a:ln>
+        </p:spPr>
+        <p:style>
+          <a:lnRef idx="1">
+            <a:schemeClr val="accent1"/>
+          </a:lnRef>
+          <a:fillRef idx="0">
+            <a:schemeClr val="accent1"/>
+          </a:fillRef>
+          <a:effectRef idx="0">
+            <a:schemeClr val="accent1"/>
+          </a:effectRef>
+          <a:fontRef idx="minor">
+            <a:schemeClr val="tx1"/>
+          </a:fontRef>
+        </p:style>
+      </p:cxnSp>
+      <p:sp>
+        <p:nvSpPr>
+          <p:cNvPr id="29" name="Rectangle 28">
+            <a:extLst>
+              <a:ext uri="{FF2B5EF4-FFF2-40B4-BE49-F238E27FC236}">
+                <a16:creationId xmlns:a16="http://schemas.microsoft.com/office/drawing/2014/main" id="{F32571ED-0BB4-4582-BFF1-931F61201468}"/>
+              </a:ext>
+            </a:extLst>
+          </p:cNvPr>
+          <p:cNvSpPr/>
+          <p:nvPr/>
+        </p:nvSpPr>
+        <p:spPr>
+          <a:xfrm>
+            <a:off x="1944377" y="2314284"/>
+            <a:ext cx="3857709" cy="2490207"/>
+          </a:xfrm>
+          <a:prstGeom prst="rect">
+            <a:avLst/>
+          </a:prstGeom>
+          <a:solidFill>
+            <a:schemeClr val="bg1"/>
+          </a:solidFill>
+          <a:ln>
+            <a:solidFill>
+              <a:srgbClr val="002060"/>
+            </a:solidFill>
+          </a:ln>
+        </p:spPr>
+        <p:style>
+          <a:lnRef idx="2">
+            <a:schemeClr val="accent1">
+              <a:shade val="50000"/>
+            </a:schemeClr>
+          </a:lnRef>
+          <a:fillRef idx="1">
+            <a:schemeClr val="accent1"/>
+          </a:fillRef>
+          <a:effectRef idx="0">
+            <a:schemeClr val="accent1"/>
+          </a:effectRef>
+          <a:fontRef idx="minor">
+            <a:schemeClr val="lt1"/>
+          </a:fontRef>
+        </p:style>
+        <p:txBody>
+          <a:bodyPr rtlCol="0" anchor="ctr"/>
+          <a:lstStyle/>
+          <a:p>
+            <a:pPr algn="ctr"/>
+            <a:endParaRPr lang="en-US"/>
+          </a:p>
+        </p:txBody>
+      </p:sp>
+      <p:sp>
+        <p:nvSpPr>
+          <p:cNvPr id="30" name="Rectangle 29">
+            <a:extLst>
+              <a:ext uri="{FF2B5EF4-FFF2-40B4-BE49-F238E27FC236}">
+                <a16:creationId xmlns:a16="http://schemas.microsoft.com/office/drawing/2014/main" id="{5CCAA78F-7B0F-49E6-854A-86EDF4F4E32C}"/>
+              </a:ext>
+            </a:extLst>
+          </p:cNvPr>
+          <p:cNvSpPr/>
+          <p:nvPr/>
+        </p:nvSpPr>
+        <p:spPr>
+          <a:xfrm>
+            <a:off x="1944377" y="2303834"/>
+            <a:ext cx="3857709" cy="609193"/>
+          </a:xfrm>
+          <a:prstGeom prst="rect">
+            <a:avLst/>
+          </a:prstGeom>
+          <a:solidFill>
+            <a:schemeClr val="tx2">
+              <a:lumMod val="60000"/>
+              <a:lumOff val="40000"/>
+            </a:schemeClr>
+          </a:solidFill>
+        </p:spPr>
+        <p:style>
+          <a:lnRef idx="2">
+            <a:schemeClr val="accent1">
+              <a:shade val="50000"/>
+            </a:schemeClr>
+          </a:lnRef>
+          <a:fillRef idx="1">
+            <a:schemeClr val="accent1"/>
+          </a:fillRef>
+          <a:effectRef idx="0">
+            <a:schemeClr val="accent1"/>
+          </a:effectRef>
+          <a:fontRef idx="minor">
+            <a:schemeClr val="lt1"/>
+          </a:fontRef>
+        </p:style>
+        <p:txBody>
+          <a:bodyPr rtlCol="0" anchor="ctr"/>
+          <a:lstStyle/>
+          <a:p>
+            <a:pPr algn="ctr"/>
+            <a:endParaRPr lang="en-US"/>
+          </a:p>
+        </p:txBody>
+      </p:sp>
+      <p:sp>
+        <p:nvSpPr>
+          <p:cNvPr id="31" name="TextBox 30">
+            <a:extLst>
+              <a:ext uri="{FF2B5EF4-FFF2-40B4-BE49-F238E27FC236}">
+                <a16:creationId xmlns:a16="http://schemas.microsoft.com/office/drawing/2014/main" id="{D7F62D75-5356-4F99-B3A5-7325CFF5515E}"/>
+              </a:ext>
+            </a:extLst>
+          </p:cNvPr>
+          <p:cNvSpPr txBox="1"/>
+          <p:nvPr/>
+        </p:nvSpPr>
+        <p:spPr>
+          <a:xfrm>
+            <a:off x="2271043" y="2484224"/>
+            <a:ext cx="3098585" cy="246221"/>
+          </a:xfrm>
+          <a:prstGeom prst="rect">
+            <a:avLst/>
+          </a:prstGeom>
+          <a:noFill/>
+        </p:spPr>
+        <p:txBody>
+          <a:bodyPr wrap="square" rtlCol="0">
+            <a:spAutoFit/>
+          </a:bodyPr>
+          <a:lstStyle/>
+          <a:p>
+            <a:pPr algn="ctr"/>
+            <a:r>
+              <a:rPr lang="en-US" sz="1000" b="1" dirty="0">
+                <a:latin typeface="Verdana" panose="020B0604030504040204" pitchFamily="34" charset="0"/>
+                <a:ea typeface="Verdana" panose="020B0604030504040204" pitchFamily="34" charset="0"/>
+              </a:rPr>
+              <a:t>Feature Engineering</a:t>
+            </a:r>
+          </a:p>
+        </p:txBody>
+      </p:sp>
+      <p:sp>
+        <p:nvSpPr>
+          <p:cNvPr id="32" name="Rectangle 31">
+            <a:extLst>
+              <a:ext uri="{FF2B5EF4-FFF2-40B4-BE49-F238E27FC236}">
+                <a16:creationId xmlns:a16="http://schemas.microsoft.com/office/drawing/2014/main" id="{33D4F26A-C969-470A-B95E-8BBC8C9A20AA}"/>
+              </a:ext>
+            </a:extLst>
+          </p:cNvPr>
+          <p:cNvSpPr/>
+          <p:nvPr/>
+        </p:nvSpPr>
+        <p:spPr>
+          <a:xfrm>
+            <a:off x="2032471" y="3077419"/>
+            <a:ext cx="1030384" cy="676936"/>
+          </a:xfrm>
+          <a:prstGeom prst="rect">
+            <a:avLst/>
+          </a:prstGeom>
+          <a:solidFill>
+            <a:schemeClr val="accent1">
+              <a:lumMod val="40000"/>
+              <a:lumOff val="60000"/>
+            </a:schemeClr>
+          </a:solidFill>
+          <a:ln>
+            <a:solidFill>
+              <a:schemeClr val="accent1">
+                <a:lumMod val="60000"/>
+                <a:lumOff val="40000"/>
+              </a:schemeClr>
+            </a:solidFill>
+            <a:prstDash val="solid"/>
+          </a:ln>
+        </p:spPr>
+        <p:style>
+          <a:lnRef idx="2">
+            <a:schemeClr val="accent1">
+              <a:shade val="50000"/>
+            </a:schemeClr>
+          </a:lnRef>
+          <a:fillRef idx="1">
+            <a:schemeClr val="accent1"/>
+          </a:fillRef>
+          <a:effectRef idx="0">
+            <a:schemeClr val="accent1"/>
+          </a:effectRef>
+          <a:fontRef idx="minor">
+            <a:schemeClr val="lt1"/>
+          </a:fontRef>
+        </p:style>
+        <p:txBody>
+          <a:bodyPr rtlCol="0" anchor="ctr"/>
+          <a:lstStyle/>
+          <a:p>
+            <a:pPr algn="ctr"/>
+            <a:r>
+              <a:rPr lang="en-US" sz="800" dirty="0">
+                <a:solidFill>
+                  <a:schemeClr val="tx1"/>
+                </a:solidFill>
+                <a:latin typeface="Verdana" panose="020B0604030504040204" pitchFamily="34" charset="0"/>
+                <a:ea typeface="Verdana" panose="020B0604030504040204" pitchFamily="34" charset="0"/>
+              </a:rPr>
+              <a:t>Sentence</a:t>
+            </a:r>
+          </a:p>
+        </p:txBody>
+      </p:sp>
+      <p:sp>
+        <p:nvSpPr>
+          <p:cNvPr id="33" name="Rectangle 32">
+            <a:extLst>
+              <a:ext uri="{FF2B5EF4-FFF2-40B4-BE49-F238E27FC236}">
+                <a16:creationId xmlns:a16="http://schemas.microsoft.com/office/drawing/2014/main" id="{039440BD-B1A1-4156-8BF5-0FEB0383CCD9}"/>
+              </a:ext>
+            </a:extLst>
+          </p:cNvPr>
+          <p:cNvSpPr/>
+          <p:nvPr/>
+        </p:nvSpPr>
+        <p:spPr>
+          <a:xfrm>
+            <a:off x="2032471" y="4008437"/>
+            <a:ext cx="1030384" cy="676936"/>
+          </a:xfrm>
+          <a:prstGeom prst="rect">
+            <a:avLst/>
+          </a:prstGeom>
+          <a:solidFill>
+            <a:schemeClr val="accent1">
+              <a:lumMod val="40000"/>
+              <a:lumOff val="60000"/>
+            </a:schemeClr>
+          </a:solidFill>
+          <a:ln>
+            <a:solidFill>
+              <a:schemeClr val="accent1">
+                <a:lumMod val="60000"/>
+                <a:lumOff val="40000"/>
+              </a:schemeClr>
+            </a:solidFill>
+            <a:prstDash val="solid"/>
+          </a:ln>
+        </p:spPr>
+        <p:style>
+          <a:lnRef idx="2">
+            <a:schemeClr val="accent1">
+              <a:shade val="50000"/>
+            </a:schemeClr>
+          </a:lnRef>
+          <a:fillRef idx="1">
+            <a:schemeClr val="accent1"/>
+          </a:fillRef>
+          <a:effectRef idx="0">
+            <a:schemeClr val="accent1"/>
+          </a:effectRef>
+          <a:fontRef idx="minor">
+            <a:schemeClr val="lt1"/>
+          </a:fontRef>
+        </p:style>
+        <p:txBody>
+          <a:bodyPr rtlCol="0" anchor="ctr"/>
+          <a:lstStyle/>
+          <a:p>
+            <a:pPr algn="ctr"/>
+            <a:r>
+              <a:rPr lang="en-US" sz="800" dirty="0">
+                <a:solidFill>
+                  <a:schemeClr val="tx1"/>
+                </a:solidFill>
+                <a:latin typeface="Verdana" panose="020B0604030504040204" pitchFamily="34" charset="0"/>
+                <a:ea typeface="Verdana" panose="020B0604030504040204" pitchFamily="34" charset="0"/>
+              </a:rPr>
+              <a:t>Text Preprocessing</a:t>
+            </a:r>
+            <a:endParaRPr lang="en-US" dirty="0">
+              <a:solidFill>
+                <a:schemeClr val="tx1"/>
+              </a:solidFill>
+            </a:endParaRPr>
+          </a:p>
+        </p:txBody>
+      </p:sp>
+      <p:sp>
+        <p:nvSpPr>
+          <p:cNvPr id="34" name="Rectangle 33">
+            <a:extLst>
+              <a:ext uri="{FF2B5EF4-FFF2-40B4-BE49-F238E27FC236}">
+                <a16:creationId xmlns:a16="http://schemas.microsoft.com/office/drawing/2014/main" id="{7DC908DF-B61A-4077-BECC-9B69140B52B8}"/>
+              </a:ext>
+            </a:extLst>
+          </p:cNvPr>
+          <p:cNvSpPr/>
+          <p:nvPr/>
+        </p:nvSpPr>
+        <p:spPr>
+          <a:xfrm>
+            <a:off x="3376040" y="3520291"/>
+            <a:ext cx="1030384" cy="676936"/>
+          </a:xfrm>
+          <a:prstGeom prst="rect">
+            <a:avLst/>
+          </a:prstGeom>
+          <a:solidFill>
+            <a:schemeClr val="accent1">
+              <a:lumMod val="40000"/>
+              <a:lumOff val="60000"/>
+            </a:schemeClr>
+          </a:solidFill>
+          <a:ln>
+            <a:solidFill>
+              <a:schemeClr val="accent1">
+                <a:lumMod val="60000"/>
+                <a:lumOff val="40000"/>
+              </a:schemeClr>
+            </a:solidFill>
+            <a:prstDash val="solid"/>
+          </a:ln>
+        </p:spPr>
+        <p:style>
+          <a:lnRef idx="2">
+            <a:schemeClr val="accent1">
+              <a:shade val="50000"/>
+            </a:schemeClr>
+          </a:lnRef>
+          <a:fillRef idx="1">
+            <a:schemeClr val="accent1"/>
+          </a:fillRef>
+          <a:effectRef idx="0">
+            <a:schemeClr val="accent1"/>
+          </a:effectRef>
+          <a:fontRef idx="minor">
+            <a:schemeClr val="lt1"/>
+          </a:fontRef>
+        </p:style>
+        <p:txBody>
+          <a:bodyPr rtlCol="0" anchor="ctr"/>
+          <a:lstStyle/>
+          <a:p>
+            <a:pPr algn="ctr"/>
+            <a:r>
+              <a:rPr lang="en-US" sz="800" dirty="0">
+                <a:solidFill>
+                  <a:schemeClr val="tx1"/>
+                </a:solidFill>
+                <a:latin typeface="Verdana" panose="020B0604030504040204" pitchFamily="34" charset="0"/>
+                <a:ea typeface="Verdana" panose="020B0604030504040204" pitchFamily="34" charset="0"/>
+              </a:rPr>
+              <a:t>Transform Encoding</a:t>
+            </a:r>
+            <a:endParaRPr lang="en-US" dirty="0">
+              <a:solidFill>
+                <a:schemeClr val="tx1"/>
+              </a:solidFill>
+            </a:endParaRPr>
+          </a:p>
+        </p:txBody>
+      </p:sp>
+      <p:sp>
+        <p:nvSpPr>
+          <p:cNvPr id="35" name="Rectangle 34">
+            <a:extLst>
+              <a:ext uri="{FF2B5EF4-FFF2-40B4-BE49-F238E27FC236}">
+                <a16:creationId xmlns:a16="http://schemas.microsoft.com/office/drawing/2014/main" id="{8C35D92B-1B27-4A39-9C94-D755132D2179}"/>
+              </a:ext>
+            </a:extLst>
+          </p:cNvPr>
+          <p:cNvSpPr/>
+          <p:nvPr/>
+        </p:nvSpPr>
+        <p:spPr>
+          <a:xfrm>
+            <a:off x="4658662" y="3487335"/>
+            <a:ext cx="1030384" cy="676936"/>
+          </a:xfrm>
+          <a:prstGeom prst="rect">
+            <a:avLst/>
+          </a:prstGeom>
+          <a:solidFill>
+            <a:schemeClr val="accent1">
+              <a:lumMod val="40000"/>
+              <a:lumOff val="60000"/>
+            </a:schemeClr>
+          </a:solidFill>
+          <a:ln>
+            <a:solidFill>
+              <a:schemeClr val="accent1">
+                <a:lumMod val="60000"/>
+                <a:lumOff val="40000"/>
+              </a:schemeClr>
+            </a:solidFill>
+            <a:prstDash val="solid"/>
+          </a:ln>
+        </p:spPr>
+        <p:style>
+          <a:lnRef idx="2">
+            <a:schemeClr val="accent1">
+              <a:shade val="50000"/>
+            </a:schemeClr>
+          </a:lnRef>
+          <a:fillRef idx="1">
+            <a:schemeClr val="accent1"/>
+          </a:fillRef>
+          <a:effectRef idx="0">
+            <a:schemeClr val="accent1"/>
+          </a:effectRef>
+          <a:fontRef idx="minor">
+            <a:schemeClr val="lt1"/>
+          </a:fontRef>
+        </p:style>
+        <p:txBody>
+          <a:bodyPr rtlCol="0" anchor="ctr"/>
+          <a:lstStyle/>
+          <a:p>
+            <a:pPr algn="ctr"/>
+            <a:r>
+              <a:rPr lang="en-US" sz="800" dirty="0">
+                <a:solidFill>
+                  <a:schemeClr val="tx1"/>
+                </a:solidFill>
+                <a:latin typeface="Verdana" panose="020B0604030504040204" pitchFamily="34" charset="0"/>
+                <a:ea typeface="Verdana" panose="020B0604030504040204" pitchFamily="34" charset="0"/>
+              </a:rPr>
+              <a:t>Sentence Vector Representation</a:t>
+            </a:r>
+            <a:endParaRPr lang="en-US" dirty="0">
+              <a:solidFill>
+                <a:schemeClr val="tx1"/>
+              </a:solidFill>
+            </a:endParaRPr>
+          </a:p>
+        </p:txBody>
+      </p:sp>
+      <p:cxnSp>
+        <p:nvCxnSpPr>
+          <p:cNvPr id="36" name="Straight Arrow Connector 35">
+            <a:extLst>
+              <a:ext uri="{FF2B5EF4-FFF2-40B4-BE49-F238E27FC236}">
+                <a16:creationId xmlns:a16="http://schemas.microsoft.com/office/drawing/2014/main" id="{69E5AD12-B967-4B89-A454-711B6B922A3F}"/>
+              </a:ext>
+            </a:extLst>
+          </p:cNvPr>
+          <p:cNvCxnSpPr>
+            <a:cxnSpLocks/>
+            <a:endCxn id="33" idx="0"/>
+          </p:cNvCxnSpPr>
+          <p:nvPr/>
+        </p:nvCxnSpPr>
+        <p:spPr>
+          <a:xfrm>
+            <a:off x="2547663" y="3754355"/>
+            <a:ext cx="0" cy="254082"/>
+          </a:xfrm>
+          <a:prstGeom prst="straightConnector1">
+            <a:avLst/>
+          </a:prstGeom>
+          <a:ln w="22225">
+            <a:solidFill>
+              <a:schemeClr val="tx1"/>
+            </a:solidFill>
+            <a:tailEnd type="triangle"/>
+          </a:ln>
+        </p:spPr>
+        <p:style>
+          <a:lnRef idx="1">
+            <a:schemeClr val="accent1"/>
+          </a:lnRef>
+          <a:fillRef idx="0">
+            <a:schemeClr val="accent1"/>
+          </a:fillRef>
+          <a:effectRef idx="0">
+            <a:schemeClr val="accent1"/>
+          </a:effectRef>
+          <a:fontRef idx="minor">
+            <a:schemeClr val="tx1"/>
+          </a:fontRef>
+        </p:style>
+      </p:cxnSp>
+      <p:cxnSp>
+        <p:nvCxnSpPr>
+          <p:cNvPr id="38" name="Straight Arrow Connector 37">
+            <a:extLst>
+              <a:ext uri="{FF2B5EF4-FFF2-40B4-BE49-F238E27FC236}">
+                <a16:creationId xmlns:a16="http://schemas.microsoft.com/office/drawing/2014/main" id="{C530DDC2-45AF-425B-A872-408EE11DE604}"/>
+              </a:ext>
+            </a:extLst>
+          </p:cNvPr>
+          <p:cNvCxnSpPr>
+            <a:cxnSpLocks/>
+            <a:endCxn id="35" idx="1"/>
+          </p:cNvCxnSpPr>
+          <p:nvPr/>
+        </p:nvCxnSpPr>
+        <p:spPr>
+          <a:xfrm>
+            <a:off x="4406424" y="3825803"/>
+            <a:ext cx="252238" cy="0"/>
+          </a:xfrm>
+          <a:prstGeom prst="straightConnector1">
+            <a:avLst/>
+          </a:prstGeom>
+          <a:ln w="22225">
+            <a:solidFill>
+              <a:schemeClr val="tx1"/>
+            </a:solidFill>
+            <a:tailEnd type="triangle"/>
+          </a:ln>
+        </p:spPr>
+        <p:style>
+          <a:lnRef idx="1">
+            <a:schemeClr val="accent1"/>
+          </a:lnRef>
+          <a:fillRef idx="0">
+            <a:schemeClr val="accent1"/>
+          </a:fillRef>
+          <a:effectRef idx="0">
+            <a:schemeClr val="accent1"/>
+          </a:effectRef>
+          <a:fontRef idx="minor">
+            <a:schemeClr val="tx1"/>
+          </a:fontRef>
+        </p:style>
+      </p:cxnSp>
+      <p:sp>
+        <p:nvSpPr>
+          <p:cNvPr id="40" name="TextBox 39">
+            <a:extLst>
+              <a:ext uri="{FF2B5EF4-FFF2-40B4-BE49-F238E27FC236}">
+                <a16:creationId xmlns:a16="http://schemas.microsoft.com/office/drawing/2014/main" id="{A3FB0867-A30A-4D94-A0F6-EBB3F332A001}"/>
+              </a:ext>
+            </a:extLst>
+          </p:cNvPr>
+          <p:cNvSpPr txBox="1"/>
+          <p:nvPr/>
+        </p:nvSpPr>
+        <p:spPr>
+          <a:xfrm>
+            <a:off x="2757451" y="5674856"/>
+            <a:ext cx="6285837" cy="323165"/>
+          </a:xfrm>
+          <a:prstGeom prst="rect">
+            <a:avLst/>
+          </a:prstGeom>
+          <a:noFill/>
+        </p:spPr>
+        <p:txBody>
+          <a:bodyPr wrap="square" rtlCol="0">
+            <a:spAutoFit/>
+          </a:bodyPr>
+          <a:lstStyle/>
+          <a:p>
+            <a:pPr algn="ctr" defTabSz="685800">
+              <a:defRPr/>
+            </a:pPr>
+            <a:r>
+              <a:rPr lang="en-US" sz="1500" dirty="0">
+                <a:solidFill>
+                  <a:prstClr val="black"/>
+                </a:solidFill>
+                <a:latin typeface="Verdana" panose="020B0604030504040204" pitchFamily="34" charset="0"/>
+                <a:ea typeface="Verdana" panose="020B0604030504040204" pitchFamily="34" charset="0"/>
+              </a:rPr>
+              <a:t>Big Data Storage</a:t>
+            </a:r>
+          </a:p>
+        </p:txBody>
+      </p:sp>
+      <p:cxnSp>
+        <p:nvCxnSpPr>
+          <p:cNvPr id="44" name="Connector: Elbow 43">
+            <a:extLst>
+              <a:ext uri="{FF2B5EF4-FFF2-40B4-BE49-F238E27FC236}">
+                <a16:creationId xmlns:a16="http://schemas.microsoft.com/office/drawing/2014/main" id="{BD145943-111E-49B3-A166-0FDB555F211B}"/>
+              </a:ext>
+            </a:extLst>
+          </p:cNvPr>
+          <p:cNvCxnSpPr>
+            <a:stCxn id="33" idx="3"/>
+            <a:endCxn id="34" idx="2"/>
+          </p:cNvCxnSpPr>
+          <p:nvPr/>
+        </p:nvCxnSpPr>
+        <p:spPr>
+          <a:xfrm flipV="1">
+            <a:off x="3062855" y="4197227"/>
+            <a:ext cx="828377" cy="149678"/>
+          </a:xfrm>
+          <a:prstGeom prst="bentConnector2">
+            <a:avLst/>
+          </a:prstGeom>
+          <a:ln w="19050">
+            <a:solidFill>
+              <a:schemeClr val="tx1"/>
+            </a:solidFill>
+            <a:tailEnd type="triangle"/>
+          </a:ln>
+        </p:spPr>
+        <p:style>
+          <a:lnRef idx="1">
+            <a:schemeClr val="accent1"/>
+          </a:lnRef>
+          <a:fillRef idx="0">
+            <a:schemeClr val="accent1"/>
+          </a:fillRef>
+          <a:effectRef idx="0">
+            <a:schemeClr val="accent1"/>
+          </a:effectRef>
+          <a:fontRef idx="minor">
+            <a:schemeClr val="tx1"/>
+          </a:fontRef>
+        </p:style>
+      </p:cxnSp>
+      <p:cxnSp>
+        <p:nvCxnSpPr>
+          <p:cNvPr id="47" name="Straight Arrow Connector 46">
+            <a:extLst>
+              <a:ext uri="{FF2B5EF4-FFF2-40B4-BE49-F238E27FC236}">
+                <a16:creationId xmlns:a16="http://schemas.microsoft.com/office/drawing/2014/main" id="{75531D2F-740B-42FA-884F-291C0CB802C8}"/>
+              </a:ext>
+            </a:extLst>
+          </p:cNvPr>
+          <p:cNvCxnSpPr>
+            <a:cxnSpLocks/>
+            <a:stCxn id="24" idx="3"/>
+          </p:cNvCxnSpPr>
+          <p:nvPr/>
+        </p:nvCxnSpPr>
+        <p:spPr>
+          <a:xfrm>
+            <a:off x="1363763" y="3600423"/>
+            <a:ext cx="572736" cy="0"/>
+          </a:xfrm>
+          <a:prstGeom prst="straightConnector1">
+            <a:avLst/>
+          </a:prstGeom>
+          <a:ln w="22225">
+            <a:solidFill>
+              <a:schemeClr val="tx1"/>
+            </a:solidFill>
+            <a:tailEnd type="triangle"/>
+          </a:ln>
+        </p:spPr>
+        <p:style>
+          <a:lnRef idx="1">
+            <a:schemeClr val="accent1"/>
+          </a:lnRef>
+          <a:fillRef idx="0">
+            <a:schemeClr val="accent1"/>
+          </a:fillRef>
+          <a:effectRef idx="0">
+            <a:schemeClr val="accent1"/>
+          </a:effectRef>
+          <a:fontRef idx="minor">
+            <a:schemeClr val="tx1"/>
+          </a:fontRef>
+        </p:style>
+      </p:cxnSp>
+      <p:sp>
+        <p:nvSpPr>
+          <p:cNvPr id="50" name="TextBox 49">
+            <a:extLst>
+              <a:ext uri="{FF2B5EF4-FFF2-40B4-BE49-F238E27FC236}">
+                <a16:creationId xmlns:a16="http://schemas.microsoft.com/office/drawing/2014/main" id="{339DF4F3-6665-40B2-926C-91C704E68F0F}"/>
+              </a:ext>
+            </a:extLst>
+          </p:cNvPr>
+          <p:cNvSpPr txBox="1"/>
+          <p:nvPr/>
+        </p:nvSpPr>
+        <p:spPr>
+          <a:xfrm>
+            <a:off x="1303586" y="3434102"/>
+            <a:ext cx="812945" cy="307777"/>
+          </a:xfrm>
+          <a:prstGeom prst="rect">
+            <a:avLst/>
+          </a:prstGeom>
+          <a:noFill/>
+        </p:spPr>
+        <p:txBody>
+          <a:bodyPr wrap="square" rtlCol="0">
+            <a:spAutoFit/>
+          </a:bodyPr>
+          <a:lstStyle/>
+          <a:p>
+            <a:pPr defTabSz="685800"/>
+            <a:r>
+              <a:rPr lang="en-US" sz="700" dirty="0">
+                <a:solidFill>
+                  <a:prstClr val="black"/>
+                </a:solidFill>
+                <a:latin typeface="Verdana" panose="020B0604030504040204" pitchFamily="34" charset="0"/>
+                <a:ea typeface="Verdana" panose="020B0604030504040204" pitchFamily="34" charset="0"/>
+              </a:rPr>
+              <a:t>PitchBook Descriptions</a:t>
+            </a:r>
+          </a:p>
+        </p:txBody>
+      </p:sp>
+      <p:cxnSp>
+        <p:nvCxnSpPr>
+          <p:cNvPr id="58" name="Connector: Elbow 57">
+            <a:extLst>
+              <a:ext uri="{FF2B5EF4-FFF2-40B4-BE49-F238E27FC236}">
+                <a16:creationId xmlns:a16="http://schemas.microsoft.com/office/drawing/2014/main" id="{C301CB03-6D0D-4E14-A3F2-5D20C491992C}"/>
+              </a:ext>
+            </a:extLst>
+          </p:cNvPr>
+          <p:cNvCxnSpPr>
+            <a:cxnSpLocks/>
+            <a:stCxn id="35" idx="2"/>
+          </p:cNvCxnSpPr>
+          <p:nvPr/>
+        </p:nvCxnSpPr>
+        <p:spPr>
+          <a:xfrm rot="5400000">
+            <a:off x="4432548" y="4762373"/>
+            <a:ext cx="1339409" cy="143204"/>
+          </a:xfrm>
+          <a:prstGeom prst="bentConnector3">
+            <a:avLst>
+              <a:gd name="adj1" fmla="val 28869"/>
+            </a:avLst>
+          </a:prstGeom>
+          <a:ln w="19050">
+            <a:solidFill>
+              <a:schemeClr val="tx1"/>
+            </a:solidFill>
+            <a:tailEnd type="triangle"/>
+          </a:ln>
+        </p:spPr>
+        <p:style>
+          <a:lnRef idx="1">
+            <a:schemeClr val="accent1"/>
+          </a:lnRef>
+          <a:fillRef idx="0">
+            <a:schemeClr val="accent1"/>
+          </a:fillRef>
+          <a:effectRef idx="0">
+            <a:schemeClr val="accent1"/>
+          </a:effectRef>
+          <a:fontRef idx="minor">
+            <a:schemeClr val="tx1"/>
+          </a:fontRef>
+        </p:style>
+      </p:cxnSp>
+      <p:sp>
+        <p:nvSpPr>
+          <p:cNvPr id="62" name="TextBox 61">
+            <a:extLst>
+              <a:ext uri="{FF2B5EF4-FFF2-40B4-BE49-F238E27FC236}">
+                <a16:creationId xmlns:a16="http://schemas.microsoft.com/office/drawing/2014/main" id="{56295BFB-525E-489E-8720-6A3ABE44B2A9}"/>
+              </a:ext>
+            </a:extLst>
+          </p:cNvPr>
+          <p:cNvSpPr txBox="1"/>
+          <p:nvPr/>
+        </p:nvSpPr>
+        <p:spPr>
+          <a:xfrm rot="16200000">
+            <a:off x="4511319" y="4613730"/>
+            <a:ext cx="1017294" cy="307777"/>
+          </a:xfrm>
+          <a:prstGeom prst="rect">
+            <a:avLst/>
+          </a:prstGeom>
+          <a:noFill/>
+        </p:spPr>
+        <p:txBody>
+          <a:bodyPr wrap="square" rtlCol="0">
+            <a:spAutoFit/>
+          </a:bodyPr>
+          <a:lstStyle/>
+          <a:p>
+            <a:pPr defTabSz="685800"/>
+            <a:r>
+              <a:rPr lang="en-US" sz="700" dirty="0">
+                <a:solidFill>
+                  <a:prstClr val="black"/>
+                </a:solidFill>
+                <a:latin typeface="Verdana" panose="020B0604030504040204" pitchFamily="34" charset="0"/>
+                <a:ea typeface="Verdana" panose="020B0604030504040204" pitchFamily="34" charset="0"/>
+              </a:rPr>
+              <a:t>Save vector embeddings</a:t>
+            </a:r>
+          </a:p>
+        </p:txBody>
+      </p:sp>
+      <p:sp>
+        <p:nvSpPr>
+          <p:cNvPr id="64" name="Rectangle 63">
+            <a:extLst>
+              <a:ext uri="{FF2B5EF4-FFF2-40B4-BE49-F238E27FC236}">
+                <a16:creationId xmlns:a16="http://schemas.microsoft.com/office/drawing/2014/main" id="{F2DF8AA4-540F-4C83-80C3-AAE565A3B8AA}"/>
+              </a:ext>
+            </a:extLst>
+          </p:cNvPr>
+          <p:cNvSpPr/>
+          <p:nvPr/>
+        </p:nvSpPr>
+        <p:spPr>
+          <a:xfrm>
+            <a:off x="5908583" y="2314284"/>
+            <a:ext cx="3768818" cy="2490207"/>
+          </a:xfrm>
+          <a:prstGeom prst="rect">
+            <a:avLst/>
+          </a:prstGeom>
+          <a:solidFill>
+            <a:schemeClr val="bg1"/>
+          </a:solidFill>
+          <a:ln>
+            <a:solidFill>
+              <a:srgbClr val="002060"/>
+            </a:solidFill>
+          </a:ln>
+        </p:spPr>
+        <p:style>
+          <a:lnRef idx="2">
+            <a:schemeClr val="accent1">
+              <a:shade val="50000"/>
+            </a:schemeClr>
+          </a:lnRef>
+          <a:fillRef idx="1">
+            <a:schemeClr val="accent1"/>
+          </a:fillRef>
+          <a:effectRef idx="0">
+            <a:schemeClr val="accent1"/>
+          </a:effectRef>
+          <a:fontRef idx="minor">
+            <a:schemeClr val="lt1"/>
+          </a:fontRef>
+        </p:style>
+        <p:txBody>
+          <a:bodyPr rtlCol="0" anchor="ctr"/>
+          <a:lstStyle/>
+          <a:p>
+            <a:pPr algn="ctr"/>
+            <a:endParaRPr lang="en-US"/>
+          </a:p>
+        </p:txBody>
+      </p:sp>
+      <p:sp>
+        <p:nvSpPr>
+          <p:cNvPr id="65" name="Rectangle 64">
+            <a:extLst>
+              <a:ext uri="{FF2B5EF4-FFF2-40B4-BE49-F238E27FC236}">
+                <a16:creationId xmlns:a16="http://schemas.microsoft.com/office/drawing/2014/main" id="{F484DE2F-F31B-4867-B2CF-33C2699023FD}"/>
+              </a:ext>
+            </a:extLst>
+          </p:cNvPr>
+          <p:cNvSpPr/>
+          <p:nvPr/>
+        </p:nvSpPr>
+        <p:spPr>
+          <a:xfrm>
+            <a:off x="5908583" y="2303834"/>
+            <a:ext cx="3768818" cy="609193"/>
+          </a:xfrm>
+          <a:prstGeom prst="rect">
+            <a:avLst/>
+          </a:prstGeom>
+          <a:solidFill>
+            <a:schemeClr val="tx2">
+              <a:lumMod val="60000"/>
+              <a:lumOff val="40000"/>
+            </a:schemeClr>
+          </a:solidFill>
+        </p:spPr>
+        <p:style>
+          <a:lnRef idx="2">
+            <a:schemeClr val="accent1">
+              <a:shade val="50000"/>
+            </a:schemeClr>
+          </a:lnRef>
+          <a:fillRef idx="1">
+            <a:schemeClr val="accent1"/>
+          </a:fillRef>
+          <a:effectRef idx="0">
+            <a:schemeClr val="accent1"/>
+          </a:effectRef>
+          <a:fontRef idx="minor">
+            <a:schemeClr val="lt1"/>
+          </a:fontRef>
+        </p:style>
+        <p:txBody>
+          <a:bodyPr rtlCol="0" anchor="ctr"/>
+          <a:lstStyle/>
+          <a:p>
+            <a:pPr algn="ctr"/>
+            <a:endParaRPr lang="en-US"/>
+          </a:p>
+        </p:txBody>
+      </p:sp>
+      <p:sp>
+        <p:nvSpPr>
+          <p:cNvPr id="66" name="TextBox 65">
+            <a:extLst>
+              <a:ext uri="{FF2B5EF4-FFF2-40B4-BE49-F238E27FC236}">
+                <a16:creationId xmlns:a16="http://schemas.microsoft.com/office/drawing/2014/main" id="{67E64216-3AD1-48AB-9083-D3B6AF6F56A8}"/>
+              </a:ext>
+            </a:extLst>
+          </p:cNvPr>
+          <p:cNvSpPr txBox="1"/>
+          <p:nvPr/>
+        </p:nvSpPr>
+        <p:spPr>
+          <a:xfrm>
+            <a:off x="6420305" y="2484224"/>
+            <a:ext cx="3098585" cy="246221"/>
+          </a:xfrm>
+          <a:prstGeom prst="rect">
+            <a:avLst/>
+          </a:prstGeom>
+          <a:noFill/>
+        </p:spPr>
+        <p:txBody>
+          <a:bodyPr wrap="square" rtlCol="0">
+            <a:spAutoFit/>
+          </a:bodyPr>
+          <a:lstStyle/>
+          <a:p>
+            <a:pPr algn="ctr"/>
+            <a:r>
+              <a:rPr lang="en-US" sz="1000" b="1" dirty="0">
+                <a:latin typeface="Verdana" panose="020B0604030504040204" pitchFamily="34" charset="0"/>
+                <a:ea typeface="Verdana" panose="020B0604030504040204" pitchFamily="34" charset="0"/>
+              </a:rPr>
+              <a:t>Model Training &amp; Evaluation</a:t>
+            </a:r>
+          </a:p>
+        </p:txBody>
+      </p:sp>
+      <p:sp>
+        <p:nvSpPr>
+          <p:cNvPr id="67" name="Rectangle 66">
+            <a:extLst>
+              <a:ext uri="{FF2B5EF4-FFF2-40B4-BE49-F238E27FC236}">
+                <a16:creationId xmlns:a16="http://schemas.microsoft.com/office/drawing/2014/main" id="{F313D71D-9568-46EB-9951-3FB73024979F}"/>
+              </a:ext>
+            </a:extLst>
+          </p:cNvPr>
+          <p:cNvSpPr/>
+          <p:nvPr/>
+        </p:nvSpPr>
+        <p:spPr>
+          <a:xfrm>
+            <a:off x="6054796" y="3487335"/>
+            <a:ext cx="1030384" cy="676936"/>
+          </a:xfrm>
+          <a:prstGeom prst="rect">
+            <a:avLst/>
+          </a:prstGeom>
+          <a:solidFill>
+            <a:schemeClr val="accent1">
+              <a:lumMod val="40000"/>
+              <a:lumOff val="60000"/>
+            </a:schemeClr>
+          </a:solidFill>
+          <a:ln>
+            <a:solidFill>
+              <a:schemeClr val="accent1">
+                <a:lumMod val="60000"/>
+                <a:lumOff val="40000"/>
+              </a:schemeClr>
+            </a:solidFill>
+            <a:prstDash val="solid"/>
+          </a:ln>
+        </p:spPr>
+        <p:style>
+          <a:lnRef idx="2">
+            <a:schemeClr val="accent1">
+              <a:shade val="50000"/>
+            </a:schemeClr>
+          </a:lnRef>
+          <a:fillRef idx="1">
+            <a:schemeClr val="accent1"/>
+          </a:fillRef>
+          <a:effectRef idx="0">
+            <a:schemeClr val="accent1"/>
+          </a:effectRef>
+          <a:fontRef idx="minor">
+            <a:schemeClr val="lt1"/>
+          </a:fontRef>
+        </p:style>
+        <p:txBody>
+          <a:bodyPr rtlCol="0" anchor="ctr"/>
+          <a:lstStyle/>
+          <a:p>
+            <a:pPr algn="ctr"/>
+            <a:r>
+              <a:rPr lang="en-US" sz="800" dirty="0">
+                <a:solidFill>
+                  <a:schemeClr val="tx1"/>
+                </a:solidFill>
+                <a:latin typeface="Verdana" panose="020B0604030504040204" pitchFamily="34" charset="0"/>
+                <a:ea typeface="Verdana" panose="020B0604030504040204" pitchFamily="34" charset="0"/>
+              </a:rPr>
+              <a:t>Cross Validation (GridSearchCV)</a:t>
+            </a:r>
+            <a:endParaRPr lang="en-US" dirty="0">
+              <a:solidFill>
+                <a:schemeClr val="tx1"/>
+              </a:solidFill>
+            </a:endParaRPr>
+          </a:p>
+        </p:txBody>
+      </p:sp>
+      <p:sp>
+        <p:nvSpPr>
+          <p:cNvPr id="71" name="TextBox 70">
+            <a:extLst>
+              <a:ext uri="{FF2B5EF4-FFF2-40B4-BE49-F238E27FC236}">
+                <a16:creationId xmlns:a16="http://schemas.microsoft.com/office/drawing/2014/main" id="{E49B059F-014A-4DFC-8F92-677A0AF46369}"/>
+              </a:ext>
+            </a:extLst>
+          </p:cNvPr>
+          <p:cNvSpPr txBox="1"/>
+          <p:nvPr/>
+        </p:nvSpPr>
+        <p:spPr>
+          <a:xfrm rot="16200000">
+            <a:off x="170655" y="4262799"/>
+            <a:ext cx="1328915" cy="307777"/>
+          </a:xfrm>
+          <a:prstGeom prst="rect">
+            <a:avLst/>
+          </a:prstGeom>
+          <a:noFill/>
+        </p:spPr>
+        <p:txBody>
+          <a:bodyPr wrap="square" rtlCol="0">
+            <a:spAutoFit/>
+          </a:bodyPr>
+          <a:lstStyle/>
+          <a:p>
+            <a:pPr defTabSz="685800"/>
+            <a:r>
+              <a:rPr lang="en-US" sz="700" dirty="0">
+                <a:solidFill>
+                  <a:prstClr val="black"/>
+                </a:solidFill>
+                <a:latin typeface="Verdana" panose="020B0604030504040204" pitchFamily="34" charset="0"/>
+                <a:ea typeface="Verdana" panose="020B0604030504040204" pitchFamily="34" charset="0"/>
+              </a:rPr>
+              <a:t>Read PitchBook and Salesforce Raw Data</a:t>
+            </a:r>
+          </a:p>
+        </p:txBody>
+      </p:sp>
+      <p:cxnSp>
+        <p:nvCxnSpPr>
+          <p:cNvPr id="73" name="Connector: Elbow 72">
+            <a:extLst>
+              <a:ext uri="{FF2B5EF4-FFF2-40B4-BE49-F238E27FC236}">
+                <a16:creationId xmlns:a16="http://schemas.microsoft.com/office/drawing/2014/main" id="{8FC7260E-68E9-42ED-B749-1D51CDBD751A}"/>
+              </a:ext>
+            </a:extLst>
+          </p:cNvPr>
+          <p:cNvCxnSpPr>
+            <a:cxnSpLocks/>
+            <a:endCxn id="67" idx="2"/>
+          </p:cNvCxnSpPr>
+          <p:nvPr/>
+        </p:nvCxnSpPr>
+        <p:spPr>
+          <a:xfrm rot="5400000" flipH="1" flipV="1">
+            <a:off x="5736230" y="4678371"/>
+            <a:ext cx="1347858" cy="319658"/>
+          </a:xfrm>
+          <a:prstGeom prst="bentConnector3">
+            <a:avLst>
+              <a:gd name="adj1" fmla="val 16887"/>
+            </a:avLst>
+          </a:prstGeom>
+          <a:ln w="19050">
+            <a:solidFill>
+              <a:schemeClr val="tx1"/>
+            </a:solidFill>
+            <a:tailEnd type="triangle"/>
+          </a:ln>
+        </p:spPr>
+        <p:style>
+          <a:lnRef idx="1">
+            <a:schemeClr val="accent1"/>
+          </a:lnRef>
+          <a:fillRef idx="0">
+            <a:schemeClr val="accent1"/>
+          </a:fillRef>
+          <a:effectRef idx="0">
+            <a:schemeClr val="accent1"/>
+          </a:effectRef>
+          <a:fontRef idx="minor">
+            <a:schemeClr val="tx1"/>
+          </a:fontRef>
+        </p:style>
+      </p:cxnSp>
+      <p:sp>
+        <p:nvSpPr>
+          <p:cNvPr id="77" name="TextBox 76">
+            <a:extLst>
+              <a:ext uri="{FF2B5EF4-FFF2-40B4-BE49-F238E27FC236}">
+                <a16:creationId xmlns:a16="http://schemas.microsoft.com/office/drawing/2014/main" id="{71F60170-50C6-4EB6-8E72-B33B3B67ED28}"/>
+              </a:ext>
+            </a:extLst>
+          </p:cNvPr>
+          <p:cNvSpPr txBox="1"/>
+          <p:nvPr/>
+        </p:nvSpPr>
+        <p:spPr>
+          <a:xfrm rot="16200000">
+            <a:off x="6048068" y="4441095"/>
+            <a:ext cx="1017294" cy="307777"/>
+          </a:xfrm>
+          <a:prstGeom prst="rect">
+            <a:avLst/>
+          </a:prstGeom>
+          <a:noFill/>
+        </p:spPr>
+        <p:txBody>
+          <a:bodyPr wrap="square" rtlCol="0">
+            <a:spAutoFit/>
+          </a:bodyPr>
+          <a:lstStyle/>
+          <a:p>
+            <a:pPr defTabSz="685800"/>
+            <a:r>
+              <a:rPr lang="en-US" sz="700" dirty="0">
+                <a:solidFill>
+                  <a:prstClr val="black"/>
+                </a:solidFill>
+                <a:latin typeface="Verdana" panose="020B0604030504040204" pitchFamily="34" charset="0"/>
+                <a:ea typeface="Verdana" panose="020B0604030504040204" pitchFamily="34" charset="0"/>
+              </a:rPr>
+              <a:t>Read vector embeddings</a:t>
+            </a:r>
+          </a:p>
+        </p:txBody>
+      </p:sp>
+      <p:sp>
+        <p:nvSpPr>
+          <p:cNvPr id="81" name="Rectangle 80">
+            <a:extLst>
+              <a:ext uri="{FF2B5EF4-FFF2-40B4-BE49-F238E27FC236}">
+                <a16:creationId xmlns:a16="http://schemas.microsoft.com/office/drawing/2014/main" id="{BF0CB990-A420-495B-A41F-73B30956D01E}"/>
+              </a:ext>
+            </a:extLst>
+          </p:cNvPr>
+          <p:cNvSpPr/>
+          <p:nvPr/>
+        </p:nvSpPr>
+        <p:spPr>
+          <a:xfrm>
+            <a:off x="7286298" y="3487335"/>
+            <a:ext cx="1033272" cy="676936"/>
+          </a:xfrm>
+          <a:prstGeom prst="rect">
+            <a:avLst/>
+          </a:prstGeom>
+          <a:solidFill>
+            <a:schemeClr val="accent1">
+              <a:lumMod val="40000"/>
+              <a:lumOff val="60000"/>
+            </a:schemeClr>
+          </a:solidFill>
+          <a:ln>
+            <a:solidFill>
+              <a:schemeClr val="accent1">
+                <a:lumMod val="60000"/>
+                <a:lumOff val="40000"/>
+              </a:schemeClr>
+            </a:solidFill>
+            <a:prstDash val="solid"/>
+          </a:ln>
+        </p:spPr>
+        <p:style>
+          <a:lnRef idx="2">
+            <a:schemeClr val="accent1">
+              <a:shade val="50000"/>
+            </a:schemeClr>
+          </a:lnRef>
+          <a:fillRef idx="1">
+            <a:schemeClr val="accent1"/>
+          </a:fillRef>
+          <a:effectRef idx="0">
+            <a:schemeClr val="accent1"/>
+          </a:effectRef>
+          <a:fontRef idx="minor">
+            <a:schemeClr val="lt1"/>
+          </a:fontRef>
+        </p:style>
+        <p:txBody>
+          <a:bodyPr rtlCol="0" anchor="ctr"/>
+          <a:lstStyle/>
+          <a:p>
+            <a:pPr algn="ctr"/>
+            <a:r>
+              <a:rPr lang="en-US" sz="800" dirty="0">
+                <a:solidFill>
+                  <a:schemeClr val="tx1"/>
+                </a:solidFill>
+                <a:latin typeface="Verdana" panose="020B0604030504040204" pitchFamily="34" charset="0"/>
+                <a:ea typeface="Verdana" panose="020B0604030504040204" pitchFamily="34" charset="0"/>
+              </a:rPr>
+              <a:t>Logistic </a:t>
+            </a:r>
+          </a:p>
+          <a:p>
+            <a:pPr algn="ctr"/>
+            <a:r>
+              <a:rPr lang="en-US" sz="800" dirty="0">
+                <a:solidFill>
+                  <a:schemeClr val="tx1"/>
+                </a:solidFill>
+                <a:latin typeface="Verdana" panose="020B0604030504040204" pitchFamily="34" charset="0"/>
+                <a:ea typeface="Verdana" panose="020B0604030504040204" pitchFamily="34" charset="0"/>
+              </a:rPr>
+              <a:t>Regression</a:t>
+            </a:r>
+            <a:endParaRPr lang="en-US" dirty="0">
+              <a:solidFill>
+                <a:schemeClr val="tx1"/>
+              </a:solidFill>
+            </a:endParaRPr>
+          </a:p>
+        </p:txBody>
+      </p:sp>
+      <p:sp>
+        <p:nvSpPr>
+          <p:cNvPr id="82" name="Rectangle 81">
+            <a:extLst>
+              <a:ext uri="{FF2B5EF4-FFF2-40B4-BE49-F238E27FC236}">
+                <a16:creationId xmlns:a16="http://schemas.microsoft.com/office/drawing/2014/main" id="{D5717BAD-8DE1-4571-B0FE-8E1AAA5D406E}"/>
+              </a:ext>
+            </a:extLst>
+          </p:cNvPr>
+          <p:cNvSpPr/>
+          <p:nvPr/>
+        </p:nvSpPr>
+        <p:spPr>
+          <a:xfrm>
+            <a:off x="8526421" y="3487335"/>
+            <a:ext cx="1033272" cy="676936"/>
+          </a:xfrm>
+          <a:prstGeom prst="rect">
+            <a:avLst/>
+          </a:prstGeom>
+          <a:solidFill>
+            <a:schemeClr val="accent1">
+              <a:lumMod val="40000"/>
+              <a:lumOff val="60000"/>
+            </a:schemeClr>
+          </a:solidFill>
+          <a:ln>
+            <a:solidFill>
+              <a:schemeClr val="accent1">
+                <a:lumMod val="60000"/>
+                <a:lumOff val="40000"/>
+              </a:schemeClr>
+            </a:solidFill>
+            <a:prstDash val="solid"/>
+          </a:ln>
+        </p:spPr>
+        <p:style>
+          <a:lnRef idx="2">
+            <a:schemeClr val="accent1">
+              <a:shade val="50000"/>
+            </a:schemeClr>
+          </a:lnRef>
+          <a:fillRef idx="1">
+            <a:schemeClr val="accent1"/>
+          </a:fillRef>
+          <a:effectRef idx="0">
+            <a:schemeClr val="accent1"/>
+          </a:effectRef>
+          <a:fontRef idx="minor">
+            <a:schemeClr val="lt1"/>
+          </a:fontRef>
+        </p:style>
+        <p:txBody>
+          <a:bodyPr rtlCol="0" anchor="ctr"/>
+          <a:lstStyle/>
+          <a:p>
+            <a:pPr algn="ctr"/>
+            <a:r>
+              <a:rPr lang="en-US" sz="800" dirty="0">
+                <a:solidFill>
+                  <a:schemeClr val="tx1"/>
+                </a:solidFill>
+                <a:latin typeface="Verdana" panose="020B0604030504040204" pitchFamily="34" charset="0"/>
+                <a:ea typeface="Verdana" panose="020B0604030504040204" pitchFamily="34" charset="0"/>
+              </a:rPr>
+              <a:t>Model Performance</a:t>
+            </a:r>
+            <a:endParaRPr lang="en-US" dirty="0">
+              <a:solidFill>
+                <a:schemeClr val="tx1"/>
+              </a:solidFill>
+            </a:endParaRPr>
+          </a:p>
+        </p:txBody>
+      </p:sp>
+      <p:cxnSp>
+        <p:nvCxnSpPr>
+          <p:cNvPr id="83" name="Connector: Elbow 82">
+            <a:extLst>
+              <a:ext uri="{FF2B5EF4-FFF2-40B4-BE49-F238E27FC236}">
+                <a16:creationId xmlns:a16="http://schemas.microsoft.com/office/drawing/2014/main" id="{8A0B300C-783F-4671-AE6C-112558B23310}"/>
+              </a:ext>
+            </a:extLst>
+          </p:cNvPr>
+          <p:cNvCxnSpPr>
+            <a:stCxn id="67" idx="0"/>
+            <a:endCxn id="81" idx="0"/>
+          </p:cNvCxnSpPr>
+          <p:nvPr/>
+        </p:nvCxnSpPr>
+        <p:spPr>
+          <a:xfrm rot="5400000" flipH="1" flipV="1">
+            <a:off x="7186461" y="2870862"/>
+            <a:ext cx="12700" cy="1232946"/>
+          </a:xfrm>
+          <a:prstGeom prst="bentConnector3">
+            <a:avLst>
+              <a:gd name="adj1" fmla="val 2828567"/>
+            </a:avLst>
+          </a:prstGeom>
+          <a:ln w="19050">
+            <a:solidFill>
+              <a:schemeClr val="tx1"/>
+            </a:solidFill>
+            <a:tailEnd type="triangle"/>
+          </a:ln>
+        </p:spPr>
+        <p:style>
+          <a:lnRef idx="1">
+            <a:schemeClr val="accent1"/>
+          </a:lnRef>
+          <a:fillRef idx="0">
+            <a:schemeClr val="accent1"/>
+          </a:fillRef>
+          <a:effectRef idx="0">
+            <a:schemeClr val="accent1"/>
+          </a:effectRef>
+          <a:fontRef idx="minor">
+            <a:schemeClr val="tx1"/>
+          </a:fontRef>
+        </p:style>
+      </p:cxnSp>
+      <p:sp>
+        <p:nvSpPr>
+          <p:cNvPr id="86" name="TextBox 85">
+            <a:extLst>
+              <a:ext uri="{FF2B5EF4-FFF2-40B4-BE49-F238E27FC236}">
+                <a16:creationId xmlns:a16="http://schemas.microsoft.com/office/drawing/2014/main" id="{4C6B70A1-D344-42AE-8C14-ED9B797A48BF}"/>
+              </a:ext>
+            </a:extLst>
+          </p:cNvPr>
+          <p:cNvSpPr txBox="1"/>
+          <p:nvPr/>
+        </p:nvSpPr>
+        <p:spPr>
+          <a:xfrm>
+            <a:off x="6681564" y="2970888"/>
+            <a:ext cx="1164368" cy="307777"/>
+          </a:xfrm>
+          <a:prstGeom prst="rect">
+            <a:avLst/>
+          </a:prstGeom>
+          <a:noFill/>
+        </p:spPr>
+        <p:txBody>
+          <a:bodyPr wrap="square" rtlCol="0">
+            <a:spAutoFit/>
+          </a:bodyPr>
+          <a:lstStyle/>
+          <a:p>
+            <a:pPr defTabSz="685800"/>
+            <a:r>
+              <a:rPr lang="en-US" sz="700" dirty="0">
+                <a:solidFill>
+                  <a:prstClr val="black"/>
+                </a:solidFill>
+                <a:latin typeface="Verdana" panose="020B0604030504040204" pitchFamily="34" charset="0"/>
+                <a:ea typeface="Verdana" panose="020B0604030504040204" pitchFamily="34" charset="0"/>
+              </a:rPr>
+              <a:t>Input Best Model </a:t>
+            </a:r>
+          </a:p>
+          <a:p>
+            <a:pPr defTabSz="685800"/>
+            <a:r>
+              <a:rPr lang="en-US" sz="700" dirty="0">
+                <a:solidFill>
+                  <a:prstClr val="black"/>
+                </a:solidFill>
+                <a:latin typeface="Verdana" panose="020B0604030504040204" pitchFamily="34" charset="0"/>
+                <a:ea typeface="Verdana" panose="020B0604030504040204" pitchFamily="34" charset="0"/>
+              </a:rPr>
+              <a:t>Parameters</a:t>
+            </a:r>
+          </a:p>
+        </p:txBody>
+      </p:sp>
+      <p:cxnSp>
+        <p:nvCxnSpPr>
+          <p:cNvPr id="87" name="Connector: Elbow 86">
+            <a:extLst>
+              <a:ext uri="{FF2B5EF4-FFF2-40B4-BE49-F238E27FC236}">
+                <a16:creationId xmlns:a16="http://schemas.microsoft.com/office/drawing/2014/main" id="{D2D630A0-A4A2-4E3F-B87B-83EA82FE9DFE}"/>
+              </a:ext>
+            </a:extLst>
+          </p:cNvPr>
+          <p:cNvCxnSpPr>
+            <a:cxnSpLocks/>
+            <a:stCxn id="81" idx="2"/>
+          </p:cNvCxnSpPr>
+          <p:nvPr/>
+        </p:nvCxnSpPr>
+        <p:spPr>
+          <a:xfrm rot="16200000" flipH="1">
+            <a:off x="7133229" y="4833975"/>
+            <a:ext cx="1339411" cy="1"/>
+          </a:xfrm>
+          <a:prstGeom prst="bentConnector3">
+            <a:avLst>
+              <a:gd name="adj1" fmla="val 50000"/>
+            </a:avLst>
+          </a:prstGeom>
+          <a:ln w="19050">
+            <a:solidFill>
+              <a:schemeClr val="tx1"/>
+            </a:solidFill>
+            <a:tailEnd type="triangle"/>
+          </a:ln>
+        </p:spPr>
+        <p:style>
+          <a:lnRef idx="1">
+            <a:schemeClr val="accent1"/>
+          </a:lnRef>
+          <a:fillRef idx="0">
+            <a:schemeClr val="accent1"/>
+          </a:fillRef>
+          <a:effectRef idx="0">
+            <a:schemeClr val="accent1"/>
+          </a:effectRef>
+          <a:fontRef idx="minor">
+            <a:schemeClr val="tx1"/>
+          </a:fontRef>
+        </p:style>
+      </p:cxnSp>
+      <p:sp>
+        <p:nvSpPr>
+          <p:cNvPr id="90" name="TextBox 89">
+            <a:extLst>
+              <a:ext uri="{FF2B5EF4-FFF2-40B4-BE49-F238E27FC236}">
+                <a16:creationId xmlns:a16="http://schemas.microsoft.com/office/drawing/2014/main" id="{5C6B36AC-152B-4D62-972C-97E3F4EFC120}"/>
+              </a:ext>
+            </a:extLst>
+          </p:cNvPr>
+          <p:cNvSpPr txBox="1"/>
+          <p:nvPr/>
+        </p:nvSpPr>
+        <p:spPr>
+          <a:xfrm rot="16200000">
+            <a:off x="7284345" y="4414007"/>
+            <a:ext cx="1017294" cy="307777"/>
+          </a:xfrm>
+          <a:prstGeom prst="rect">
+            <a:avLst/>
+          </a:prstGeom>
+          <a:noFill/>
+        </p:spPr>
+        <p:txBody>
+          <a:bodyPr wrap="square" rtlCol="0">
+            <a:spAutoFit/>
+          </a:bodyPr>
+          <a:lstStyle/>
+          <a:p>
+            <a:pPr defTabSz="685800"/>
+            <a:r>
+              <a:rPr lang="en-US" sz="700" dirty="0">
+                <a:solidFill>
+                  <a:prstClr val="black"/>
+                </a:solidFill>
+                <a:latin typeface="Verdana" panose="020B0604030504040204" pitchFamily="34" charset="0"/>
+                <a:ea typeface="Verdana" panose="020B0604030504040204" pitchFamily="34" charset="0"/>
+              </a:rPr>
+              <a:t>Save Trained Model</a:t>
+            </a:r>
+          </a:p>
+        </p:txBody>
+      </p:sp>
+      <p:sp>
+        <p:nvSpPr>
+          <p:cNvPr id="91" name="Rectangle 90">
+            <a:extLst>
+              <a:ext uri="{FF2B5EF4-FFF2-40B4-BE49-F238E27FC236}">
+                <a16:creationId xmlns:a16="http://schemas.microsoft.com/office/drawing/2014/main" id="{4B1E2C00-D63D-4B39-B5A2-E528294D0085}"/>
+              </a:ext>
+            </a:extLst>
+          </p:cNvPr>
+          <p:cNvSpPr/>
+          <p:nvPr/>
+        </p:nvSpPr>
+        <p:spPr>
+          <a:xfrm>
+            <a:off x="9787651" y="2314284"/>
+            <a:ext cx="2046508" cy="2490207"/>
+          </a:xfrm>
+          <a:prstGeom prst="rect">
+            <a:avLst/>
+          </a:prstGeom>
+          <a:solidFill>
+            <a:schemeClr val="bg1"/>
+          </a:solidFill>
+          <a:ln>
+            <a:solidFill>
+              <a:srgbClr val="002060"/>
+            </a:solidFill>
+          </a:ln>
+        </p:spPr>
+        <p:style>
+          <a:lnRef idx="2">
+            <a:schemeClr val="accent1">
+              <a:shade val="50000"/>
+            </a:schemeClr>
+          </a:lnRef>
+          <a:fillRef idx="1">
+            <a:schemeClr val="accent1"/>
+          </a:fillRef>
+          <a:effectRef idx="0">
+            <a:schemeClr val="accent1"/>
+          </a:effectRef>
+          <a:fontRef idx="minor">
+            <a:schemeClr val="lt1"/>
+          </a:fontRef>
+        </p:style>
+        <p:txBody>
+          <a:bodyPr rtlCol="0" anchor="ctr"/>
+          <a:lstStyle/>
+          <a:p>
+            <a:pPr algn="ctr"/>
+            <a:endParaRPr lang="en-US"/>
+          </a:p>
+        </p:txBody>
+      </p:sp>
+      <p:sp>
+        <p:nvSpPr>
+          <p:cNvPr id="92" name="Rectangle 91">
+            <a:extLst>
+              <a:ext uri="{FF2B5EF4-FFF2-40B4-BE49-F238E27FC236}">
+                <a16:creationId xmlns:a16="http://schemas.microsoft.com/office/drawing/2014/main" id="{E138EC21-7461-4C55-8380-109D79C17E5A}"/>
+              </a:ext>
+            </a:extLst>
+          </p:cNvPr>
+          <p:cNvSpPr/>
+          <p:nvPr/>
+        </p:nvSpPr>
+        <p:spPr>
+          <a:xfrm>
+            <a:off x="9787651" y="2303834"/>
+            <a:ext cx="2046508" cy="609193"/>
+          </a:xfrm>
+          <a:prstGeom prst="rect">
+            <a:avLst/>
+          </a:prstGeom>
+          <a:solidFill>
+            <a:schemeClr val="tx2">
+              <a:lumMod val="60000"/>
+              <a:lumOff val="40000"/>
+            </a:schemeClr>
+          </a:solidFill>
+        </p:spPr>
+        <p:style>
+          <a:lnRef idx="2">
+            <a:schemeClr val="accent1">
+              <a:shade val="50000"/>
+            </a:schemeClr>
+          </a:lnRef>
+          <a:fillRef idx="1">
+            <a:schemeClr val="accent1"/>
+          </a:fillRef>
+          <a:effectRef idx="0">
+            <a:schemeClr val="accent1"/>
+          </a:effectRef>
+          <a:fontRef idx="minor">
+            <a:schemeClr val="lt1"/>
+          </a:fontRef>
+        </p:style>
+        <p:txBody>
+          <a:bodyPr rtlCol="0" anchor="ctr"/>
+          <a:lstStyle/>
+          <a:p>
+            <a:pPr algn="ctr"/>
+            <a:endParaRPr lang="en-US"/>
+          </a:p>
+        </p:txBody>
+      </p:sp>
+      <p:sp>
+        <p:nvSpPr>
+          <p:cNvPr id="93" name="TextBox 92">
+            <a:extLst>
+              <a:ext uri="{FF2B5EF4-FFF2-40B4-BE49-F238E27FC236}">
+                <a16:creationId xmlns:a16="http://schemas.microsoft.com/office/drawing/2014/main" id="{EDB8BEB3-E280-458A-8B82-EB6F7BFDF364}"/>
+              </a:ext>
+            </a:extLst>
+          </p:cNvPr>
+          <p:cNvSpPr txBox="1"/>
+          <p:nvPr/>
+        </p:nvSpPr>
+        <p:spPr>
+          <a:xfrm>
+            <a:off x="10092545" y="2484224"/>
+            <a:ext cx="1480584" cy="400110"/>
+          </a:xfrm>
+          <a:prstGeom prst="rect">
+            <a:avLst/>
+          </a:prstGeom>
+          <a:noFill/>
+        </p:spPr>
+        <p:txBody>
+          <a:bodyPr wrap="square" rtlCol="0">
+            <a:spAutoFit/>
+          </a:bodyPr>
+          <a:lstStyle/>
+          <a:p>
+            <a:pPr algn="ctr"/>
+            <a:r>
+              <a:rPr lang="en-US" sz="1000" b="1" dirty="0">
+                <a:latin typeface="Verdana" panose="020B0604030504040204" pitchFamily="34" charset="0"/>
+                <a:ea typeface="Verdana" panose="020B0604030504040204" pitchFamily="34" charset="0"/>
+              </a:rPr>
+              <a:t>Model Inferencing</a:t>
+            </a:r>
+          </a:p>
+        </p:txBody>
+      </p:sp>
+      <p:cxnSp>
+        <p:nvCxnSpPr>
+          <p:cNvPr id="96" name="Connector: Elbow 95">
+            <a:extLst>
+              <a:ext uri="{FF2B5EF4-FFF2-40B4-BE49-F238E27FC236}">
+                <a16:creationId xmlns:a16="http://schemas.microsoft.com/office/drawing/2014/main" id="{8009C4D7-6A5C-4E1A-A14F-EA3757C185ED}"/>
+              </a:ext>
+            </a:extLst>
+          </p:cNvPr>
+          <p:cNvCxnSpPr>
+            <a:cxnSpLocks/>
+            <a:stCxn id="81" idx="3"/>
+            <a:endCxn id="82" idx="0"/>
+          </p:cNvCxnSpPr>
+          <p:nvPr/>
+        </p:nvCxnSpPr>
+        <p:spPr>
+          <a:xfrm flipV="1">
+            <a:off x="8319570" y="3487335"/>
+            <a:ext cx="723487" cy="338468"/>
+          </a:xfrm>
+          <a:prstGeom prst="bentConnector4">
+            <a:avLst>
+              <a:gd name="adj1" fmla="val 14295"/>
+              <a:gd name="adj2" fmla="val 206134"/>
+            </a:avLst>
+          </a:prstGeom>
+          <a:ln w="19050">
+            <a:solidFill>
+              <a:schemeClr val="tx1"/>
+            </a:solidFill>
+            <a:tailEnd type="triangle"/>
+          </a:ln>
+        </p:spPr>
+        <p:style>
+          <a:lnRef idx="1">
+            <a:schemeClr val="accent1"/>
+          </a:lnRef>
+          <a:fillRef idx="0">
+            <a:schemeClr val="accent1"/>
+          </a:fillRef>
+          <a:effectRef idx="0">
+            <a:schemeClr val="accent1"/>
+          </a:effectRef>
+          <a:fontRef idx="minor">
+            <a:schemeClr val="tx1"/>
+          </a:fontRef>
+        </p:style>
+      </p:cxnSp>
+      <p:cxnSp>
+        <p:nvCxnSpPr>
+          <p:cNvPr id="104" name="Connector: Elbow 103">
+            <a:extLst>
+              <a:ext uri="{FF2B5EF4-FFF2-40B4-BE49-F238E27FC236}">
+                <a16:creationId xmlns:a16="http://schemas.microsoft.com/office/drawing/2014/main" id="{B610B3CA-D438-4634-A90A-22DD64906A5C}"/>
+              </a:ext>
+            </a:extLst>
+          </p:cNvPr>
+          <p:cNvCxnSpPr>
+            <a:cxnSpLocks/>
+            <a:stCxn id="82" idx="2"/>
+          </p:cNvCxnSpPr>
+          <p:nvPr/>
+        </p:nvCxnSpPr>
+        <p:spPr>
+          <a:xfrm rot="16200000" flipH="1">
+            <a:off x="8561303" y="4646025"/>
+            <a:ext cx="1341839" cy="378330"/>
+          </a:xfrm>
+          <a:prstGeom prst="bentConnector3">
+            <a:avLst>
+              <a:gd name="adj1" fmla="val 83261"/>
+            </a:avLst>
+          </a:prstGeom>
+          <a:ln w="19050">
+            <a:solidFill>
+              <a:schemeClr val="tx1"/>
+            </a:solidFill>
+            <a:tailEnd type="triangle"/>
+          </a:ln>
+        </p:spPr>
+        <p:style>
+          <a:lnRef idx="1">
+            <a:schemeClr val="accent1"/>
+          </a:lnRef>
+          <a:fillRef idx="0">
+            <a:schemeClr val="accent1"/>
+          </a:fillRef>
+          <a:effectRef idx="0">
+            <a:schemeClr val="accent1"/>
+          </a:effectRef>
+          <a:fontRef idx="minor">
+            <a:schemeClr val="tx1"/>
+          </a:fontRef>
+        </p:style>
+      </p:cxnSp>
+      <p:sp>
+        <p:nvSpPr>
+          <p:cNvPr id="108" name="TextBox 107">
+            <a:extLst>
+              <a:ext uri="{FF2B5EF4-FFF2-40B4-BE49-F238E27FC236}">
+                <a16:creationId xmlns:a16="http://schemas.microsoft.com/office/drawing/2014/main" id="{A20FEF67-7884-4ACA-9160-290DCD34DDCF}"/>
+              </a:ext>
+            </a:extLst>
+          </p:cNvPr>
+          <p:cNvSpPr txBox="1"/>
+          <p:nvPr/>
+        </p:nvSpPr>
+        <p:spPr>
+          <a:xfrm rot="5400000">
+            <a:off x="8534409" y="4662022"/>
+            <a:ext cx="1017294" cy="307777"/>
+          </a:xfrm>
+          <a:prstGeom prst="rect">
+            <a:avLst/>
+          </a:prstGeom>
+          <a:noFill/>
+        </p:spPr>
+        <p:txBody>
+          <a:bodyPr wrap="square" rtlCol="0">
+            <a:spAutoFit/>
+          </a:bodyPr>
+          <a:lstStyle/>
+          <a:p>
+            <a:pPr defTabSz="685800"/>
+            <a:r>
+              <a:rPr lang="en-US" sz="700" dirty="0">
+                <a:solidFill>
+                  <a:prstClr val="black"/>
+                </a:solidFill>
+                <a:latin typeface="Verdana" panose="020B0604030504040204" pitchFamily="34" charset="0"/>
+                <a:ea typeface="Verdana" panose="020B0604030504040204" pitchFamily="34" charset="0"/>
+              </a:rPr>
+              <a:t>Save Final </a:t>
+            </a:r>
+          </a:p>
+          <a:p>
+            <a:pPr defTabSz="685800"/>
+            <a:r>
+              <a:rPr lang="en-US" sz="700" dirty="0">
+                <a:solidFill>
+                  <a:prstClr val="black"/>
+                </a:solidFill>
+                <a:latin typeface="Verdana" panose="020B0604030504040204" pitchFamily="34" charset="0"/>
+                <a:ea typeface="Verdana" panose="020B0604030504040204" pitchFamily="34" charset="0"/>
+              </a:rPr>
+              <a:t>Model Metrics</a:t>
+            </a:r>
+          </a:p>
+        </p:txBody>
+      </p:sp>
+      <p:sp>
+        <p:nvSpPr>
+          <p:cNvPr id="109" name="Rectangle 108">
+            <a:extLst>
+              <a:ext uri="{FF2B5EF4-FFF2-40B4-BE49-F238E27FC236}">
+                <a16:creationId xmlns:a16="http://schemas.microsoft.com/office/drawing/2014/main" id="{D198720C-492C-49B8-96BA-4BA09B51F1DE}"/>
+              </a:ext>
+            </a:extLst>
+          </p:cNvPr>
+          <p:cNvSpPr/>
+          <p:nvPr/>
+        </p:nvSpPr>
+        <p:spPr>
+          <a:xfrm>
+            <a:off x="10040595" y="3474000"/>
+            <a:ext cx="1532534" cy="676936"/>
+          </a:xfrm>
+          <a:prstGeom prst="rect">
+            <a:avLst/>
+          </a:prstGeom>
+          <a:solidFill>
+            <a:schemeClr val="accent1">
+              <a:lumMod val="40000"/>
+              <a:lumOff val="60000"/>
+            </a:schemeClr>
+          </a:solidFill>
+          <a:ln>
+            <a:solidFill>
+              <a:schemeClr val="accent1">
+                <a:lumMod val="60000"/>
+                <a:lumOff val="40000"/>
+              </a:schemeClr>
+            </a:solidFill>
+            <a:prstDash val="solid"/>
+          </a:ln>
+        </p:spPr>
+        <p:style>
+          <a:lnRef idx="2">
+            <a:schemeClr val="accent1">
+              <a:shade val="50000"/>
+            </a:schemeClr>
+          </a:lnRef>
+          <a:fillRef idx="1">
+            <a:schemeClr val="accent1"/>
+          </a:fillRef>
+          <a:effectRef idx="0">
+            <a:schemeClr val="accent1"/>
+          </a:effectRef>
+          <a:fontRef idx="minor">
+            <a:schemeClr val="lt1"/>
+          </a:fontRef>
+        </p:style>
+        <p:txBody>
+          <a:bodyPr rtlCol="0" anchor="ctr"/>
+          <a:lstStyle/>
+          <a:p>
+            <a:pPr algn="ctr"/>
+            <a:r>
+              <a:rPr lang="en-US" sz="800" dirty="0">
+                <a:solidFill>
+                  <a:schemeClr val="tx1"/>
+                </a:solidFill>
+                <a:latin typeface="Verdana" panose="020B0604030504040204" pitchFamily="34" charset="0"/>
+                <a:ea typeface="Verdana" panose="020B0604030504040204" pitchFamily="34" charset="0"/>
+              </a:rPr>
+              <a:t>Model Prediction</a:t>
+            </a:r>
+            <a:endParaRPr lang="en-US" dirty="0">
+              <a:solidFill>
+                <a:schemeClr val="tx1"/>
+              </a:solidFill>
+            </a:endParaRPr>
+          </a:p>
+        </p:txBody>
+      </p:sp>
+      <p:cxnSp>
+        <p:nvCxnSpPr>
+          <p:cNvPr id="110" name="Connector: Elbow 109">
+            <a:extLst>
+              <a:ext uri="{FF2B5EF4-FFF2-40B4-BE49-F238E27FC236}">
+                <a16:creationId xmlns:a16="http://schemas.microsoft.com/office/drawing/2014/main" id="{91F0884F-5B06-4AF4-A20C-48A98FE4799D}"/>
+              </a:ext>
+            </a:extLst>
+          </p:cNvPr>
+          <p:cNvCxnSpPr>
+            <a:cxnSpLocks/>
+            <a:endCxn id="109" idx="1"/>
+          </p:cNvCxnSpPr>
+          <p:nvPr/>
+        </p:nvCxnSpPr>
+        <p:spPr>
+          <a:xfrm rot="16200000" flipV="1">
+            <a:off x="9362502" y="4490561"/>
+            <a:ext cx="1716480" cy="360293"/>
+          </a:xfrm>
+          <a:prstGeom prst="bentConnector4">
+            <a:avLst>
+              <a:gd name="adj1" fmla="val 14139"/>
+              <a:gd name="adj2" fmla="val 142297"/>
+            </a:avLst>
+          </a:prstGeom>
+          <a:ln w="19050">
+            <a:solidFill>
+              <a:schemeClr val="tx1"/>
+            </a:solidFill>
+            <a:tailEnd type="triangle"/>
+          </a:ln>
+        </p:spPr>
+        <p:style>
+          <a:lnRef idx="1">
+            <a:schemeClr val="accent1"/>
+          </a:lnRef>
+          <a:fillRef idx="0">
+            <a:schemeClr val="accent1"/>
+          </a:fillRef>
+          <a:effectRef idx="0">
+            <a:schemeClr val="accent1"/>
+          </a:effectRef>
+          <a:fontRef idx="minor">
+            <a:schemeClr val="tx1"/>
+          </a:fontRef>
+        </p:style>
+      </p:cxnSp>
+      <p:sp>
+        <p:nvSpPr>
+          <p:cNvPr id="119" name="TextBox 118">
+            <a:extLst>
+              <a:ext uri="{FF2B5EF4-FFF2-40B4-BE49-F238E27FC236}">
+                <a16:creationId xmlns:a16="http://schemas.microsoft.com/office/drawing/2014/main" id="{9749B332-5E87-42A9-BDD0-A1AF3BC423DE}"/>
+              </a:ext>
+            </a:extLst>
+          </p:cNvPr>
+          <p:cNvSpPr txBox="1"/>
+          <p:nvPr/>
+        </p:nvSpPr>
+        <p:spPr>
+          <a:xfrm rot="5400000">
+            <a:off x="9179512" y="4432213"/>
+            <a:ext cx="1407688" cy="307777"/>
+          </a:xfrm>
+          <a:prstGeom prst="rect">
+            <a:avLst/>
+          </a:prstGeom>
+          <a:noFill/>
+        </p:spPr>
+        <p:txBody>
+          <a:bodyPr wrap="square" rtlCol="0">
+            <a:spAutoFit/>
+          </a:bodyPr>
+          <a:lstStyle/>
+          <a:p>
+            <a:pPr defTabSz="685800"/>
+            <a:r>
+              <a:rPr lang="en-US" sz="700" dirty="0">
+                <a:solidFill>
+                  <a:prstClr val="black"/>
+                </a:solidFill>
+                <a:latin typeface="Verdana" panose="020B0604030504040204" pitchFamily="34" charset="0"/>
+                <a:ea typeface="Verdana" panose="020B0604030504040204" pitchFamily="34" charset="0"/>
+              </a:rPr>
+              <a:t>Read Trained Model and Real Data</a:t>
+            </a:r>
+          </a:p>
+        </p:txBody>
+      </p:sp>
+      <p:sp>
+        <p:nvSpPr>
+          <p:cNvPr id="120" name="TextBox 119">
+            <a:extLst>
+              <a:ext uri="{FF2B5EF4-FFF2-40B4-BE49-F238E27FC236}">
+                <a16:creationId xmlns:a16="http://schemas.microsoft.com/office/drawing/2014/main" id="{CF5374CF-B5F2-4D54-BABB-C4E5F92F51E3}"/>
+              </a:ext>
+            </a:extLst>
+          </p:cNvPr>
+          <p:cNvSpPr txBox="1"/>
+          <p:nvPr/>
+        </p:nvSpPr>
+        <p:spPr>
+          <a:xfrm>
+            <a:off x="8380520" y="2974489"/>
+            <a:ext cx="723487" cy="307777"/>
+          </a:xfrm>
+          <a:prstGeom prst="rect">
+            <a:avLst/>
+          </a:prstGeom>
+          <a:noFill/>
+        </p:spPr>
+        <p:txBody>
+          <a:bodyPr wrap="square" rtlCol="0">
+            <a:spAutoFit/>
+          </a:bodyPr>
+          <a:lstStyle/>
+          <a:p>
+            <a:pPr defTabSz="685800"/>
+            <a:r>
+              <a:rPr lang="en-US" sz="700" dirty="0">
+                <a:solidFill>
+                  <a:prstClr val="black"/>
+                </a:solidFill>
+                <a:latin typeface="Verdana" panose="020B0604030504040204" pitchFamily="34" charset="0"/>
+                <a:ea typeface="Verdana" panose="020B0604030504040204" pitchFamily="34" charset="0"/>
+              </a:rPr>
+              <a:t>Input Test Data</a:t>
+            </a:r>
+          </a:p>
+        </p:txBody>
+      </p:sp>
+      <p:cxnSp>
+        <p:nvCxnSpPr>
+          <p:cNvPr id="121" name="Connector: Elbow 120">
+            <a:extLst>
+              <a:ext uri="{FF2B5EF4-FFF2-40B4-BE49-F238E27FC236}">
+                <a16:creationId xmlns:a16="http://schemas.microsoft.com/office/drawing/2014/main" id="{41D871E5-3D80-4AA9-99C6-0DF9D714AD03}"/>
+              </a:ext>
+            </a:extLst>
+          </p:cNvPr>
+          <p:cNvCxnSpPr>
+            <a:cxnSpLocks/>
+          </p:cNvCxnSpPr>
+          <p:nvPr/>
+        </p:nvCxnSpPr>
+        <p:spPr>
+          <a:xfrm rot="16200000" flipH="1">
+            <a:off x="10540220" y="4541573"/>
+            <a:ext cx="1347860" cy="593251"/>
+          </a:xfrm>
+          <a:prstGeom prst="bentConnector3">
+            <a:avLst>
+              <a:gd name="adj1" fmla="val 50000"/>
+            </a:avLst>
+          </a:prstGeom>
+          <a:ln w="19050">
+            <a:solidFill>
+              <a:schemeClr val="tx1"/>
+            </a:solidFill>
+            <a:tailEnd type="triangle"/>
+          </a:ln>
+        </p:spPr>
+        <p:style>
+          <a:lnRef idx="1">
+            <a:schemeClr val="accent1"/>
+          </a:lnRef>
+          <a:fillRef idx="0">
+            <a:schemeClr val="accent1"/>
+          </a:fillRef>
+          <a:effectRef idx="0">
+            <a:schemeClr val="accent1"/>
+          </a:effectRef>
+          <a:fontRef idx="minor">
+            <a:schemeClr val="tx1"/>
+          </a:fontRef>
+        </p:style>
+      </p:cxnSp>
+      <p:sp>
+        <p:nvSpPr>
+          <p:cNvPr id="124" name="TextBox 123">
+            <a:extLst>
+              <a:ext uri="{FF2B5EF4-FFF2-40B4-BE49-F238E27FC236}">
+                <a16:creationId xmlns:a16="http://schemas.microsoft.com/office/drawing/2014/main" id="{E09F3F21-1443-401F-BB69-F20A2FDD1B79}"/>
+              </a:ext>
+            </a:extLst>
+          </p:cNvPr>
+          <p:cNvSpPr txBox="1"/>
+          <p:nvPr/>
+        </p:nvSpPr>
+        <p:spPr>
+          <a:xfrm>
+            <a:off x="10888670" y="4310320"/>
+            <a:ext cx="1017294" cy="523220"/>
+          </a:xfrm>
+          <a:prstGeom prst="rect">
+            <a:avLst/>
+          </a:prstGeom>
+          <a:noFill/>
+        </p:spPr>
+        <p:txBody>
+          <a:bodyPr wrap="square" rtlCol="0">
+            <a:spAutoFit/>
+          </a:bodyPr>
+          <a:lstStyle/>
+          <a:p>
+            <a:pPr defTabSz="685800"/>
+            <a:r>
+              <a:rPr lang="en-US" sz="700" dirty="0">
+                <a:solidFill>
+                  <a:prstClr val="black"/>
+                </a:solidFill>
+                <a:latin typeface="Verdana" panose="020B0604030504040204" pitchFamily="34" charset="0"/>
+                <a:ea typeface="Verdana" panose="020B0604030504040204" pitchFamily="34" charset="0"/>
+              </a:rPr>
+              <a:t>Integrate Industry Classification to  </a:t>
+            </a:r>
+          </a:p>
+          <a:p>
+            <a:pPr defTabSz="685800"/>
+            <a:r>
+              <a:rPr lang="en-US" sz="700" dirty="0">
+                <a:solidFill>
+                  <a:prstClr val="black"/>
+                </a:solidFill>
+                <a:latin typeface="Verdana" panose="020B0604030504040204" pitchFamily="34" charset="0"/>
+                <a:ea typeface="Verdana" panose="020B0604030504040204" pitchFamily="34" charset="0"/>
+              </a:rPr>
+              <a:t>Salesforce CRM records</a:t>
+            </a:r>
+          </a:p>
+        </p:txBody>
+      </p:sp>
+      <p:sp>
+        <p:nvSpPr>
+          <p:cNvPr id="125" name="Oval 124">
+            <a:extLst>
+              <a:ext uri="{FF2B5EF4-FFF2-40B4-BE49-F238E27FC236}">
+                <a16:creationId xmlns:a16="http://schemas.microsoft.com/office/drawing/2014/main" id="{4F22A414-6312-46DD-AA15-4E10B15CCFA8}"/>
+              </a:ext>
+            </a:extLst>
+          </p:cNvPr>
+          <p:cNvSpPr/>
+          <p:nvPr/>
+        </p:nvSpPr>
+        <p:spPr>
+          <a:xfrm>
+            <a:off x="777826" y="5264786"/>
+            <a:ext cx="200147" cy="170244"/>
+          </a:xfrm>
+          <a:prstGeom prst="ellipse">
+            <a:avLst/>
+          </a:prstGeom>
+          <a:solidFill>
+            <a:srgbClr val="00B050"/>
+          </a:solidFill>
+          <a:ln>
+            <a:solidFill>
+              <a:srgbClr val="00B050"/>
+            </a:solidFill>
+          </a:ln>
+        </p:spPr>
+        <p:style>
+          <a:lnRef idx="2">
+            <a:schemeClr val="accent1">
+              <a:shade val="50000"/>
+            </a:schemeClr>
+          </a:lnRef>
+          <a:fillRef idx="1">
+            <a:schemeClr val="accent1"/>
+          </a:fillRef>
+          <a:effectRef idx="0">
+            <a:schemeClr val="accent1"/>
+          </a:effectRef>
+          <a:fontRef idx="minor">
+            <a:schemeClr val="lt1"/>
+          </a:fontRef>
+        </p:style>
+        <p:txBody>
+          <a:bodyPr rtlCol="0" anchor="ctr"/>
+          <a:lstStyle/>
+          <a:p>
+            <a:pPr algn="ctr"/>
+            <a:r>
+              <a:rPr lang="en-US" sz="1100" dirty="0">
+                <a:solidFill>
+                  <a:schemeClr val="tx1"/>
+                </a:solidFill>
+              </a:rPr>
+              <a:t>1</a:t>
+            </a:r>
+          </a:p>
+        </p:txBody>
+      </p:sp>
+      <p:sp>
+        <p:nvSpPr>
+          <p:cNvPr id="126" name="Oval 125">
+            <a:extLst>
+              <a:ext uri="{FF2B5EF4-FFF2-40B4-BE49-F238E27FC236}">
+                <a16:creationId xmlns:a16="http://schemas.microsoft.com/office/drawing/2014/main" id="{FFE0BF9C-07AC-4C27-BE4F-672C1797EEA1}"/>
+              </a:ext>
+            </a:extLst>
+          </p:cNvPr>
+          <p:cNvSpPr/>
+          <p:nvPr/>
+        </p:nvSpPr>
+        <p:spPr>
+          <a:xfrm>
+            <a:off x="1537217" y="3218585"/>
+            <a:ext cx="200147" cy="170244"/>
+          </a:xfrm>
+          <a:prstGeom prst="ellipse">
+            <a:avLst/>
+          </a:prstGeom>
+          <a:solidFill>
+            <a:srgbClr val="00B050"/>
+          </a:solidFill>
+          <a:ln>
+            <a:solidFill>
+              <a:srgbClr val="00B050"/>
+            </a:solidFill>
+          </a:ln>
+        </p:spPr>
+        <p:style>
+          <a:lnRef idx="2">
+            <a:schemeClr val="accent1">
+              <a:shade val="50000"/>
+            </a:schemeClr>
+          </a:lnRef>
+          <a:fillRef idx="1">
+            <a:schemeClr val="accent1"/>
+          </a:fillRef>
+          <a:effectRef idx="0">
+            <a:schemeClr val="accent1"/>
+          </a:effectRef>
+          <a:fontRef idx="minor">
+            <a:schemeClr val="lt1"/>
+          </a:fontRef>
+        </p:style>
+        <p:txBody>
+          <a:bodyPr rtlCol="0" anchor="ctr"/>
+          <a:lstStyle/>
+          <a:p>
+            <a:pPr algn="ctr"/>
+            <a:r>
+              <a:rPr lang="en-US" sz="1100" dirty="0">
+                <a:solidFill>
+                  <a:schemeClr val="tx1"/>
+                </a:solidFill>
+              </a:rPr>
+              <a:t>2</a:t>
+            </a:r>
+            <a:endParaRPr lang="en-US" sz="1200" dirty="0">
+              <a:solidFill>
+                <a:schemeClr val="tx1"/>
+              </a:solidFill>
+            </a:endParaRPr>
+          </a:p>
+        </p:txBody>
+      </p:sp>
+      <p:sp>
+        <p:nvSpPr>
+          <p:cNvPr id="127" name="Oval 126">
+            <a:extLst>
+              <a:ext uri="{FF2B5EF4-FFF2-40B4-BE49-F238E27FC236}">
+                <a16:creationId xmlns:a16="http://schemas.microsoft.com/office/drawing/2014/main" id="{C8EE9C61-5B85-4B96-BE11-2A33A8FF8A08}"/>
+              </a:ext>
+            </a:extLst>
+          </p:cNvPr>
+          <p:cNvSpPr/>
+          <p:nvPr/>
+        </p:nvSpPr>
+        <p:spPr>
+          <a:xfrm>
+            <a:off x="1975435" y="2400111"/>
+            <a:ext cx="200147" cy="170244"/>
+          </a:xfrm>
+          <a:prstGeom prst="ellipse">
+            <a:avLst/>
+          </a:prstGeom>
+          <a:solidFill>
+            <a:srgbClr val="00B050"/>
+          </a:solidFill>
+          <a:ln>
+            <a:solidFill>
+              <a:srgbClr val="00B050"/>
+            </a:solidFill>
+          </a:ln>
+        </p:spPr>
+        <p:style>
+          <a:lnRef idx="2">
+            <a:schemeClr val="accent1">
+              <a:shade val="50000"/>
+            </a:schemeClr>
+          </a:lnRef>
+          <a:fillRef idx="1">
+            <a:schemeClr val="accent1"/>
+          </a:fillRef>
+          <a:effectRef idx="0">
+            <a:schemeClr val="accent1"/>
+          </a:effectRef>
+          <a:fontRef idx="minor">
+            <a:schemeClr val="lt1"/>
+          </a:fontRef>
+        </p:style>
+        <p:txBody>
+          <a:bodyPr rtlCol="0" anchor="ctr"/>
+          <a:lstStyle/>
+          <a:p>
+            <a:pPr algn="ctr"/>
+            <a:r>
+              <a:rPr lang="en-US" sz="1100" dirty="0">
+                <a:solidFill>
+                  <a:schemeClr val="tx1"/>
+                </a:solidFill>
+              </a:rPr>
+              <a:t>3</a:t>
+            </a:r>
+            <a:endParaRPr lang="en-US" sz="1200" dirty="0">
+              <a:solidFill>
+                <a:schemeClr val="tx1"/>
+              </a:solidFill>
+            </a:endParaRPr>
+          </a:p>
+        </p:txBody>
+      </p:sp>
+      <p:sp>
+        <p:nvSpPr>
+          <p:cNvPr id="128" name="Oval 127">
+            <a:extLst>
+              <a:ext uri="{FF2B5EF4-FFF2-40B4-BE49-F238E27FC236}">
+                <a16:creationId xmlns:a16="http://schemas.microsoft.com/office/drawing/2014/main" id="{13898FDC-FBFE-4AA5-AE67-54BC0B48A8EC}"/>
+              </a:ext>
+            </a:extLst>
+          </p:cNvPr>
+          <p:cNvSpPr/>
+          <p:nvPr/>
+        </p:nvSpPr>
+        <p:spPr>
+          <a:xfrm>
+            <a:off x="4782502" y="5273826"/>
+            <a:ext cx="200147" cy="170244"/>
+          </a:xfrm>
+          <a:prstGeom prst="ellipse">
+            <a:avLst/>
+          </a:prstGeom>
+          <a:solidFill>
+            <a:srgbClr val="00B050"/>
+          </a:solidFill>
+          <a:ln>
+            <a:solidFill>
+              <a:srgbClr val="00B050"/>
+            </a:solidFill>
+          </a:ln>
+        </p:spPr>
+        <p:style>
+          <a:lnRef idx="2">
+            <a:schemeClr val="accent1">
+              <a:shade val="50000"/>
+            </a:schemeClr>
+          </a:lnRef>
+          <a:fillRef idx="1">
+            <a:schemeClr val="accent1"/>
+          </a:fillRef>
+          <a:effectRef idx="0">
+            <a:schemeClr val="accent1"/>
+          </a:effectRef>
+          <a:fontRef idx="minor">
+            <a:schemeClr val="lt1"/>
+          </a:fontRef>
+        </p:style>
+        <p:txBody>
+          <a:bodyPr rtlCol="0" anchor="ctr"/>
+          <a:lstStyle/>
+          <a:p>
+            <a:pPr algn="ctr"/>
+            <a:r>
+              <a:rPr lang="en-US" sz="1100" dirty="0">
+                <a:solidFill>
+                  <a:schemeClr val="tx1"/>
+                </a:solidFill>
+              </a:rPr>
+              <a:t>4</a:t>
+            </a:r>
+            <a:endParaRPr lang="en-US" sz="1200" dirty="0">
+              <a:solidFill>
+                <a:schemeClr val="tx1"/>
+              </a:solidFill>
+            </a:endParaRPr>
+          </a:p>
+        </p:txBody>
+      </p:sp>
+      <p:sp>
+        <p:nvSpPr>
+          <p:cNvPr id="129" name="Oval 128">
+            <a:extLst>
+              <a:ext uri="{FF2B5EF4-FFF2-40B4-BE49-F238E27FC236}">
+                <a16:creationId xmlns:a16="http://schemas.microsoft.com/office/drawing/2014/main" id="{327C1C1A-063F-4CC9-9DE5-8F19469B80F6}"/>
+              </a:ext>
+            </a:extLst>
+          </p:cNvPr>
+          <p:cNvSpPr/>
+          <p:nvPr/>
+        </p:nvSpPr>
+        <p:spPr>
+          <a:xfrm>
+            <a:off x="6210242" y="5020016"/>
+            <a:ext cx="200147" cy="170244"/>
+          </a:xfrm>
+          <a:prstGeom prst="ellipse">
+            <a:avLst/>
+          </a:prstGeom>
+          <a:solidFill>
+            <a:srgbClr val="00B050"/>
+          </a:solidFill>
+          <a:ln>
+            <a:solidFill>
+              <a:srgbClr val="00B050"/>
+            </a:solidFill>
+          </a:ln>
+        </p:spPr>
+        <p:style>
+          <a:lnRef idx="2">
+            <a:schemeClr val="accent1">
+              <a:shade val="50000"/>
+            </a:schemeClr>
+          </a:lnRef>
+          <a:fillRef idx="1">
+            <a:schemeClr val="accent1"/>
+          </a:fillRef>
+          <a:effectRef idx="0">
+            <a:schemeClr val="accent1"/>
+          </a:effectRef>
+          <a:fontRef idx="minor">
+            <a:schemeClr val="lt1"/>
+          </a:fontRef>
+        </p:style>
+        <p:txBody>
+          <a:bodyPr rtlCol="0" anchor="ctr"/>
+          <a:lstStyle/>
+          <a:p>
+            <a:pPr algn="ctr"/>
+            <a:r>
+              <a:rPr lang="en-US" sz="1100" dirty="0">
+                <a:solidFill>
+                  <a:schemeClr val="tx1"/>
+                </a:solidFill>
+              </a:rPr>
+              <a:t>5</a:t>
+            </a:r>
+          </a:p>
+        </p:txBody>
+      </p:sp>
+      <p:sp>
+        <p:nvSpPr>
+          <p:cNvPr id="130" name="Oval 129">
+            <a:extLst>
+              <a:ext uri="{FF2B5EF4-FFF2-40B4-BE49-F238E27FC236}">
+                <a16:creationId xmlns:a16="http://schemas.microsoft.com/office/drawing/2014/main" id="{EF159D7F-795F-495C-8A97-F4DF5B17E3CD}"/>
+              </a:ext>
+            </a:extLst>
+          </p:cNvPr>
+          <p:cNvSpPr/>
+          <p:nvPr/>
+        </p:nvSpPr>
+        <p:spPr>
+          <a:xfrm>
+            <a:off x="7341188" y="3180213"/>
+            <a:ext cx="200147" cy="170244"/>
+          </a:xfrm>
+          <a:prstGeom prst="ellipse">
+            <a:avLst/>
+          </a:prstGeom>
+          <a:solidFill>
+            <a:srgbClr val="00B050"/>
+          </a:solidFill>
+          <a:ln>
+            <a:solidFill>
+              <a:srgbClr val="00B050"/>
+            </a:solidFill>
+          </a:ln>
+        </p:spPr>
+        <p:style>
+          <a:lnRef idx="2">
+            <a:schemeClr val="accent1">
+              <a:shade val="50000"/>
+            </a:schemeClr>
+          </a:lnRef>
+          <a:fillRef idx="1">
+            <a:schemeClr val="accent1"/>
+          </a:fillRef>
+          <a:effectRef idx="0">
+            <a:schemeClr val="accent1"/>
+          </a:effectRef>
+          <a:fontRef idx="minor">
+            <a:schemeClr val="lt1"/>
+          </a:fontRef>
+        </p:style>
+        <p:txBody>
+          <a:bodyPr rtlCol="0" anchor="ctr"/>
+          <a:lstStyle/>
+          <a:p>
+            <a:pPr algn="ctr"/>
+            <a:r>
+              <a:rPr lang="en-US" sz="1100" dirty="0">
+                <a:solidFill>
+                  <a:schemeClr val="tx1"/>
+                </a:solidFill>
+              </a:rPr>
+              <a:t>7</a:t>
+            </a:r>
+          </a:p>
+        </p:txBody>
+      </p:sp>
+      <p:sp>
+        <p:nvSpPr>
+          <p:cNvPr id="131" name="Oval 130">
+            <a:extLst>
+              <a:ext uri="{FF2B5EF4-FFF2-40B4-BE49-F238E27FC236}">
+                <a16:creationId xmlns:a16="http://schemas.microsoft.com/office/drawing/2014/main" id="{D7C0C4C9-5421-4A9C-AF95-DF5FBBD4F767}"/>
+              </a:ext>
+            </a:extLst>
+          </p:cNvPr>
+          <p:cNvSpPr/>
+          <p:nvPr/>
+        </p:nvSpPr>
+        <p:spPr>
+          <a:xfrm>
+            <a:off x="7548821" y="5280933"/>
+            <a:ext cx="200147" cy="170244"/>
+          </a:xfrm>
+          <a:prstGeom prst="ellipse">
+            <a:avLst/>
+          </a:prstGeom>
+          <a:solidFill>
+            <a:srgbClr val="00B050"/>
+          </a:solidFill>
+          <a:ln>
+            <a:solidFill>
+              <a:srgbClr val="00B050"/>
+            </a:solidFill>
+          </a:ln>
+        </p:spPr>
+        <p:style>
+          <a:lnRef idx="2">
+            <a:schemeClr val="accent1">
+              <a:shade val="50000"/>
+            </a:schemeClr>
+          </a:lnRef>
+          <a:fillRef idx="1">
+            <a:schemeClr val="accent1"/>
+          </a:fillRef>
+          <a:effectRef idx="0">
+            <a:schemeClr val="accent1"/>
+          </a:effectRef>
+          <a:fontRef idx="minor">
+            <a:schemeClr val="lt1"/>
+          </a:fontRef>
+        </p:style>
+        <p:txBody>
+          <a:bodyPr rtlCol="0" anchor="ctr"/>
+          <a:lstStyle/>
+          <a:p>
+            <a:pPr algn="ctr"/>
+            <a:r>
+              <a:rPr lang="en-US" sz="1100" dirty="0">
+                <a:solidFill>
+                  <a:schemeClr val="tx1"/>
+                </a:solidFill>
+              </a:rPr>
+              <a:t>9</a:t>
+            </a:r>
+            <a:endParaRPr lang="en-US" sz="1200" dirty="0">
+              <a:solidFill>
+                <a:schemeClr val="tx1"/>
+              </a:solidFill>
+            </a:endParaRPr>
+          </a:p>
+        </p:txBody>
+      </p:sp>
+      <p:sp>
+        <p:nvSpPr>
+          <p:cNvPr id="132" name="Oval 131">
+            <a:extLst>
+              <a:ext uri="{FF2B5EF4-FFF2-40B4-BE49-F238E27FC236}">
+                <a16:creationId xmlns:a16="http://schemas.microsoft.com/office/drawing/2014/main" id="{66700AFF-2D9A-4683-A0E8-7E4A0712FE69}"/>
+              </a:ext>
+            </a:extLst>
+          </p:cNvPr>
+          <p:cNvSpPr/>
+          <p:nvPr/>
+        </p:nvSpPr>
+        <p:spPr>
+          <a:xfrm>
+            <a:off x="9096871" y="3047441"/>
+            <a:ext cx="200147" cy="170244"/>
+          </a:xfrm>
+          <a:prstGeom prst="ellipse">
+            <a:avLst/>
+          </a:prstGeom>
+          <a:solidFill>
+            <a:srgbClr val="00B050"/>
+          </a:solidFill>
+          <a:ln>
+            <a:solidFill>
+              <a:srgbClr val="00B050"/>
+            </a:solidFill>
+          </a:ln>
+        </p:spPr>
+        <p:style>
+          <a:lnRef idx="2">
+            <a:schemeClr val="accent1">
+              <a:shade val="50000"/>
+            </a:schemeClr>
+          </a:lnRef>
+          <a:fillRef idx="1">
+            <a:schemeClr val="accent1"/>
+          </a:fillRef>
+          <a:effectRef idx="0">
+            <a:schemeClr val="accent1"/>
+          </a:effectRef>
+          <a:fontRef idx="minor">
+            <a:schemeClr val="lt1"/>
+          </a:fontRef>
+        </p:style>
+        <p:txBody>
+          <a:bodyPr rtlCol="0" anchor="ctr"/>
+          <a:lstStyle/>
+          <a:p>
+            <a:pPr algn="ctr"/>
+            <a:endParaRPr lang="en-US" sz="1200" dirty="0">
+              <a:solidFill>
+                <a:schemeClr val="tx1"/>
+              </a:solidFill>
+            </a:endParaRPr>
+          </a:p>
+        </p:txBody>
+      </p:sp>
+      <p:sp>
+        <p:nvSpPr>
+          <p:cNvPr id="133" name="Oval 132">
+            <a:extLst>
+              <a:ext uri="{FF2B5EF4-FFF2-40B4-BE49-F238E27FC236}">
+                <a16:creationId xmlns:a16="http://schemas.microsoft.com/office/drawing/2014/main" id="{83D844AC-FAAF-4F76-9411-E521A2C0E6FF}"/>
+              </a:ext>
+            </a:extLst>
+          </p:cNvPr>
+          <p:cNvSpPr/>
+          <p:nvPr/>
+        </p:nvSpPr>
+        <p:spPr>
+          <a:xfrm>
+            <a:off x="9079753" y="5028695"/>
+            <a:ext cx="200147" cy="170244"/>
+          </a:xfrm>
+          <a:prstGeom prst="ellipse">
+            <a:avLst/>
+          </a:prstGeom>
+          <a:solidFill>
+            <a:srgbClr val="00B050"/>
+          </a:solidFill>
+          <a:ln>
+            <a:solidFill>
+              <a:srgbClr val="00B050"/>
+            </a:solidFill>
+          </a:ln>
+        </p:spPr>
+        <p:style>
+          <a:lnRef idx="2">
+            <a:schemeClr val="accent1">
+              <a:shade val="50000"/>
+            </a:schemeClr>
+          </a:lnRef>
+          <a:fillRef idx="1">
+            <a:schemeClr val="accent1"/>
+          </a:fillRef>
+          <a:effectRef idx="0">
+            <a:schemeClr val="accent1"/>
+          </a:effectRef>
+          <a:fontRef idx="minor">
+            <a:schemeClr val="lt1"/>
+          </a:fontRef>
+        </p:style>
+        <p:txBody>
+          <a:bodyPr rtlCol="0" anchor="ctr"/>
+          <a:lstStyle/>
+          <a:p>
+            <a:pPr algn="ctr"/>
+            <a:endParaRPr lang="en-US" sz="1200" dirty="0">
+              <a:solidFill>
+                <a:schemeClr val="tx1"/>
+              </a:solidFill>
+            </a:endParaRPr>
+          </a:p>
+        </p:txBody>
+      </p:sp>
+      <p:sp>
+        <p:nvSpPr>
+          <p:cNvPr id="135" name="Oval 134">
+            <a:extLst>
+              <a:ext uri="{FF2B5EF4-FFF2-40B4-BE49-F238E27FC236}">
+                <a16:creationId xmlns:a16="http://schemas.microsoft.com/office/drawing/2014/main" id="{F13BE698-85BA-47DB-AB12-88C67565D9C6}"/>
+              </a:ext>
+            </a:extLst>
+          </p:cNvPr>
+          <p:cNvSpPr/>
+          <p:nvPr/>
+        </p:nvSpPr>
+        <p:spPr>
+          <a:xfrm>
+            <a:off x="11236872" y="4886929"/>
+            <a:ext cx="200147" cy="170244"/>
+          </a:xfrm>
+          <a:prstGeom prst="ellipse">
+            <a:avLst/>
+          </a:prstGeom>
+          <a:solidFill>
+            <a:srgbClr val="00B050"/>
+          </a:solidFill>
+          <a:ln>
+            <a:solidFill>
+              <a:srgbClr val="00B050"/>
+            </a:solidFill>
+          </a:ln>
+        </p:spPr>
+        <p:style>
+          <a:lnRef idx="2">
+            <a:schemeClr val="accent1">
+              <a:shade val="50000"/>
+            </a:schemeClr>
+          </a:lnRef>
+          <a:fillRef idx="1">
+            <a:schemeClr val="accent1"/>
+          </a:fillRef>
+          <a:effectRef idx="0">
+            <a:schemeClr val="accent1"/>
+          </a:effectRef>
+          <a:fontRef idx="minor">
+            <a:schemeClr val="lt1"/>
+          </a:fontRef>
+        </p:style>
+        <p:txBody>
+          <a:bodyPr rtlCol="0" anchor="ctr"/>
+          <a:lstStyle/>
+          <a:p>
+            <a:pPr algn="ctr"/>
+            <a:endParaRPr lang="en-US" sz="1200" dirty="0">
+              <a:solidFill>
+                <a:schemeClr val="tx1"/>
+              </a:solidFill>
+            </a:endParaRPr>
+          </a:p>
+        </p:txBody>
+      </p:sp>
+      <p:sp>
+        <p:nvSpPr>
+          <p:cNvPr id="136" name="Oval 135">
+            <a:extLst>
+              <a:ext uri="{FF2B5EF4-FFF2-40B4-BE49-F238E27FC236}">
+                <a16:creationId xmlns:a16="http://schemas.microsoft.com/office/drawing/2014/main" id="{0C118B87-EDA8-49C8-BDFF-76BFFAB61540}"/>
+              </a:ext>
+            </a:extLst>
+          </p:cNvPr>
+          <p:cNvSpPr/>
+          <p:nvPr/>
+        </p:nvSpPr>
+        <p:spPr>
+          <a:xfrm>
+            <a:off x="10113948" y="5039201"/>
+            <a:ext cx="200147" cy="170244"/>
+          </a:xfrm>
+          <a:prstGeom prst="ellipse">
+            <a:avLst/>
+          </a:prstGeom>
+          <a:solidFill>
+            <a:srgbClr val="00B050"/>
+          </a:solidFill>
+          <a:ln>
+            <a:solidFill>
+              <a:srgbClr val="00B050"/>
+            </a:solidFill>
+          </a:ln>
+        </p:spPr>
+        <p:style>
+          <a:lnRef idx="2">
+            <a:schemeClr val="accent1">
+              <a:shade val="50000"/>
+            </a:schemeClr>
+          </a:lnRef>
+          <a:fillRef idx="1">
+            <a:schemeClr val="accent1"/>
+          </a:fillRef>
+          <a:effectRef idx="0">
+            <a:schemeClr val="accent1"/>
+          </a:effectRef>
+          <a:fontRef idx="minor">
+            <a:schemeClr val="lt1"/>
+          </a:fontRef>
+        </p:style>
+        <p:txBody>
+          <a:bodyPr rtlCol="0" anchor="ctr"/>
+          <a:lstStyle/>
+          <a:p>
+            <a:pPr algn="ctr"/>
+            <a:endParaRPr lang="en-US" sz="1200" dirty="0">
+              <a:solidFill>
+                <a:schemeClr val="tx1"/>
+              </a:solidFill>
+            </a:endParaRPr>
+          </a:p>
+        </p:txBody>
+      </p:sp>
+      <p:sp>
+        <p:nvSpPr>
+          <p:cNvPr id="137" name="TextBox 136">
+            <a:extLst>
+              <a:ext uri="{FF2B5EF4-FFF2-40B4-BE49-F238E27FC236}">
+                <a16:creationId xmlns:a16="http://schemas.microsoft.com/office/drawing/2014/main" id="{5A9E44A5-35C9-47E9-B4C6-04E966569410}"/>
+              </a:ext>
+            </a:extLst>
+          </p:cNvPr>
+          <p:cNvSpPr txBox="1"/>
+          <p:nvPr/>
+        </p:nvSpPr>
+        <p:spPr>
+          <a:xfrm>
+            <a:off x="10071255" y="5030638"/>
+            <a:ext cx="343711" cy="200055"/>
+          </a:xfrm>
+          <a:prstGeom prst="rect">
+            <a:avLst/>
+          </a:prstGeom>
+          <a:noFill/>
+        </p:spPr>
+        <p:txBody>
+          <a:bodyPr wrap="square" rtlCol="0">
+            <a:spAutoFit/>
+          </a:bodyPr>
+          <a:lstStyle/>
+          <a:p>
+            <a:pPr defTabSz="685800"/>
+            <a:r>
+              <a:rPr lang="en-US" sz="700" dirty="0">
+                <a:solidFill>
+                  <a:prstClr val="black"/>
+                </a:solidFill>
+                <a:latin typeface="Verdana" panose="020B0604030504040204" pitchFamily="34" charset="0"/>
+                <a:ea typeface="Verdana" panose="020B0604030504040204" pitchFamily="34" charset="0"/>
+              </a:rPr>
+              <a:t>12</a:t>
+            </a:r>
+          </a:p>
+        </p:txBody>
+      </p:sp>
+      <p:sp>
+        <p:nvSpPr>
+          <p:cNvPr id="138" name="TextBox 137">
+            <a:extLst>
+              <a:ext uri="{FF2B5EF4-FFF2-40B4-BE49-F238E27FC236}">
+                <a16:creationId xmlns:a16="http://schemas.microsoft.com/office/drawing/2014/main" id="{4476C4B8-5115-4D61-BF0C-C41ECC1804D2}"/>
+              </a:ext>
+            </a:extLst>
+          </p:cNvPr>
+          <p:cNvSpPr txBox="1"/>
+          <p:nvPr/>
+        </p:nvSpPr>
+        <p:spPr>
+          <a:xfrm>
+            <a:off x="11204253" y="4870420"/>
+            <a:ext cx="343711" cy="200055"/>
+          </a:xfrm>
+          <a:prstGeom prst="rect">
+            <a:avLst/>
+          </a:prstGeom>
+          <a:noFill/>
+        </p:spPr>
+        <p:txBody>
+          <a:bodyPr wrap="square" rtlCol="0">
+            <a:spAutoFit/>
+          </a:bodyPr>
+          <a:lstStyle/>
+          <a:p>
+            <a:pPr defTabSz="685800"/>
+            <a:r>
+              <a:rPr lang="en-US" sz="700" dirty="0">
+                <a:solidFill>
+                  <a:prstClr val="black"/>
+                </a:solidFill>
+                <a:latin typeface="Verdana" panose="020B0604030504040204" pitchFamily="34" charset="0"/>
+                <a:ea typeface="Verdana" panose="020B0604030504040204" pitchFamily="34" charset="0"/>
+              </a:rPr>
+              <a:t>13</a:t>
+            </a:r>
+          </a:p>
+        </p:txBody>
+      </p:sp>
+      <p:sp>
+        <p:nvSpPr>
+          <p:cNvPr id="139" name="Oval 138">
+            <a:extLst>
+              <a:ext uri="{FF2B5EF4-FFF2-40B4-BE49-F238E27FC236}">
+                <a16:creationId xmlns:a16="http://schemas.microsoft.com/office/drawing/2014/main" id="{DDAA1C5C-042D-4D17-86A5-B2BF9337D186}"/>
+              </a:ext>
+            </a:extLst>
+          </p:cNvPr>
+          <p:cNvSpPr/>
+          <p:nvPr/>
+        </p:nvSpPr>
+        <p:spPr>
+          <a:xfrm>
+            <a:off x="6128461" y="3515301"/>
+            <a:ext cx="200147" cy="170244"/>
+          </a:xfrm>
+          <a:prstGeom prst="ellipse">
+            <a:avLst/>
+          </a:prstGeom>
+          <a:solidFill>
+            <a:srgbClr val="00B050"/>
+          </a:solidFill>
+          <a:ln>
+            <a:solidFill>
+              <a:srgbClr val="00B050"/>
+            </a:solidFill>
+          </a:ln>
+        </p:spPr>
+        <p:style>
+          <a:lnRef idx="2">
+            <a:schemeClr val="accent1">
+              <a:shade val="50000"/>
+            </a:schemeClr>
+          </a:lnRef>
+          <a:fillRef idx="1">
+            <a:schemeClr val="accent1"/>
+          </a:fillRef>
+          <a:effectRef idx="0">
+            <a:schemeClr val="accent1"/>
+          </a:effectRef>
+          <a:fontRef idx="minor">
+            <a:schemeClr val="lt1"/>
+          </a:fontRef>
+        </p:style>
+        <p:txBody>
+          <a:bodyPr rtlCol="0" anchor="ctr"/>
+          <a:lstStyle/>
+          <a:p>
+            <a:pPr algn="ctr"/>
+            <a:r>
+              <a:rPr lang="en-US" sz="1100" dirty="0">
+                <a:solidFill>
+                  <a:schemeClr val="tx1"/>
+                </a:solidFill>
+              </a:rPr>
+              <a:t>6</a:t>
+            </a:r>
+          </a:p>
+        </p:txBody>
+      </p:sp>
+      <p:sp>
+        <p:nvSpPr>
+          <p:cNvPr id="140" name="Oval 139">
+            <a:extLst>
+              <a:ext uri="{FF2B5EF4-FFF2-40B4-BE49-F238E27FC236}">
+                <a16:creationId xmlns:a16="http://schemas.microsoft.com/office/drawing/2014/main" id="{067AE54E-B088-4642-B9C6-958B1C08027F}"/>
+              </a:ext>
+            </a:extLst>
+          </p:cNvPr>
+          <p:cNvSpPr/>
+          <p:nvPr/>
+        </p:nvSpPr>
+        <p:spPr>
+          <a:xfrm>
+            <a:off x="8044685" y="3534235"/>
+            <a:ext cx="200147" cy="170244"/>
+          </a:xfrm>
+          <a:prstGeom prst="ellipse">
+            <a:avLst/>
+          </a:prstGeom>
+          <a:solidFill>
+            <a:srgbClr val="00B050"/>
+          </a:solidFill>
+          <a:ln>
+            <a:solidFill>
+              <a:srgbClr val="00B050"/>
+            </a:solidFill>
+          </a:ln>
+        </p:spPr>
+        <p:style>
+          <a:lnRef idx="2">
+            <a:schemeClr val="accent1">
+              <a:shade val="50000"/>
+            </a:schemeClr>
+          </a:lnRef>
+          <a:fillRef idx="1">
+            <a:schemeClr val="accent1"/>
+          </a:fillRef>
+          <a:effectRef idx="0">
+            <a:schemeClr val="accent1"/>
+          </a:effectRef>
+          <a:fontRef idx="minor">
+            <a:schemeClr val="lt1"/>
+          </a:fontRef>
+        </p:style>
+        <p:txBody>
+          <a:bodyPr rtlCol="0" anchor="ctr"/>
+          <a:lstStyle/>
+          <a:p>
+            <a:pPr algn="ctr"/>
+            <a:r>
+              <a:rPr lang="en-US" sz="1100" dirty="0">
+                <a:solidFill>
+                  <a:schemeClr val="tx1"/>
+                </a:solidFill>
+              </a:rPr>
+              <a:t>8</a:t>
+            </a:r>
+            <a:endParaRPr lang="en-US" sz="1200" dirty="0">
+              <a:solidFill>
+                <a:schemeClr val="tx1"/>
+              </a:solidFill>
+            </a:endParaRPr>
+          </a:p>
+        </p:txBody>
+      </p:sp>
+      <p:sp>
+        <p:nvSpPr>
+          <p:cNvPr id="141" name="TextBox 140">
+            <a:extLst>
+              <a:ext uri="{FF2B5EF4-FFF2-40B4-BE49-F238E27FC236}">
+                <a16:creationId xmlns:a16="http://schemas.microsoft.com/office/drawing/2014/main" id="{3110F1CE-ABF4-495D-AAD1-F501D49D73A7}"/>
+              </a:ext>
+            </a:extLst>
+          </p:cNvPr>
+          <p:cNvSpPr txBox="1"/>
+          <p:nvPr/>
+        </p:nvSpPr>
+        <p:spPr>
+          <a:xfrm>
+            <a:off x="9050856" y="3042191"/>
+            <a:ext cx="343711" cy="220061"/>
+          </a:xfrm>
+          <a:prstGeom prst="rect">
+            <a:avLst/>
+          </a:prstGeom>
+          <a:noFill/>
+        </p:spPr>
+        <p:txBody>
+          <a:bodyPr wrap="square" rtlCol="0">
+            <a:spAutoFit/>
+          </a:bodyPr>
+          <a:lstStyle/>
+          <a:p>
+            <a:pPr defTabSz="685800"/>
+            <a:r>
+              <a:rPr lang="en-US" sz="700" dirty="0">
+                <a:solidFill>
+                  <a:prstClr val="black"/>
+                </a:solidFill>
+                <a:latin typeface="Verdana" panose="020B0604030504040204" pitchFamily="34" charset="0"/>
+                <a:ea typeface="Verdana" panose="020B0604030504040204" pitchFamily="34" charset="0"/>
+              </a:rPr>
+              <a:t>10</a:t>
+            </a:r>
+          </a:p>
+        </p:txBody>
+      </p:sp>
+      <p:sp>
+        <p:nvSpPr>
+          <p:cNvPr id="142" name="TextBox 141">
+            <a:extLst>
+              <a:ext uri="{FF2B5EF4-FFF2-40B4-BE49-F238E27FC236}">
+                <a16:creationId xmlns:a16="http://schemas.microsoft.com/office/drawing/2014/main" id="{D9C34735-6D11-4771-8B6A-85DAD7C03E57}"/>
+              </a:ext>
+            </a:extLst>
+          </p:cNvPr>
+          <p:cNvSpPr txBox="1"/>
+          <p:nvPr/>
+        </p:nvSpPr>
+        <p:spPr>
+          <a:xfrm>
+            <a:off x="9040098" y="5010476"/>
+            <a:ext cx="343711" cy="200055"/>
+          </a:xfrm>
+          <a:prstGeom prst="rect">
+            <a:avLst/>
+          </a:prstGeom>
+          <a:noFill/>
+        </p:spPr>
+        <p:txBody>
+          <a:bodyPr wrap="square" rtlCol="0">
+            <a:spAutoFit/>
+          </a:bodyPr>
+          <a:lstStyle/>
+          <a:p>
+            <a:pPr defTabSz="685800"/>
+            <a:r>
+              <a:rPr lang="en-US" sz="700" dirty="0">
+                <a:solidFill>
+                  <a:prstClr val="black"/>
+                </a:solidFill>
+                <a:latin typeface="Verdana" panose="020B0604030504040204" pitchFamily="34" charset="0"/>
+                <a:ea typeface="Verdana" panose="020B0604030504040204" pitchFamily="34" charset="0"/>
+              </a:rPr>
+              <a:t>11</a:t>
+            </a:r>
+          </a:p>
+        </p:txBody>
+      </p:sp>
+    </p:spTree>
+    <p:extLst>
+      <p:ext uri="{BB962C8B-B14F-4D97-AF65-F5344CB8AC3E}">
+        <p14:creationId xmlns:p14="http://schemas.microsoft.com/office/powerpoint/2010/main" val="1826955747"/>
+      </p:ext>
+    </p:extLst>
+  </p:cSld>
+  <p:clrMapOvr>
+    <a:masterClrMapping/>
+  </p:clrMapOvr>
+</p:sld>
+</file>
+
+<file path=ppt/slides/slide16.xml><?xml version="1.0" encoding="utf-8"?>
+<p:sld xmlns:a="http://schemas.openxmlformats.org/drawingml/2006/main" xmlns:r="http://schemas.openxmlformats.org/officeDocument/2006/relationships" xmlns:p="http://schemas.openxmlformats.org/presentationml/2006/main">
+  <p:cSld>
+    <p:spTree>
+      <p:nvGrpSpPr>
+        <p:cNvPr id="1" name=""/>
+        <p:cNvGrpSpPr/>
+        <p:nvPr/>
+      </p:nvGrpSpPr>
+      <p:grpSpPr>
+        <a:xfrm>
+          <a:off x="0" y="0"/>
+          <a:ext cx="0" cy="0"/>
+          <a:chOff x="0" y="0"/>
+          <a:chExt cx="0" cy="0"/>
+        </a:xfrm>
+      </p:grpSpPr>
+      <p:sp>
+        <p:nvSpPr>
+          <p:cNvPr id="76" name="Title 1">
+            <a:extLst>
+              <a:ext uri="{FF2B5EF4-FFF2-40B4-BE49-F238E27FC236}">
+                <a16:creationId xmlns:a16="http://schemas.microsoft.com/office/drawing/2014/main" id="{77C709C5-536F-43E0-8949-0992532DEB8C}"/>
+              </a:ext>
+            </a:extLst>
+          </p:cNvPr>
+          <p:cNvSpPr>
+            <a:spLocks noGrp="1"/>
+          </p:cNvSpPr>
+          <p:nvPr>
+            <p:ph type="title"/>
+          </p:nvPr>
+        </p:nvSpPr>
+        <p:spPr>
+          <a:xfrm>
+            <a:off x="-227150" y="392211"/>
+            <a:ext cx="10515600" cy="817723"/>
+          </a:xfrm>
+        </p:spPr>
+        <p:txBody>
+          <a:bodyPr>
+            <a:normAutofit/>
+          </a:bodyPr>
+          <a:lstStyle/>
+          <a:p>
+            <a:pPr marL="457200" lvl="1">
+              <a:lnSpc>
+                <a:spcPct val="150000"/>
+              </a:lnSpc>
+            </a:pPr>
+            <a:r>
+              <a:rPr lang="en-US" sz="2400" b="1" kern="1200" dirty="0">
+                <a:solidFill>
+                  <a:srgbClr val="9E2946"/>
+                </a:solidFill>
+                <a:latin typeface="Verdana" panose="020B0604030504040204" pitchFamily="34" charset="0"/>
+                <a:ea typeface="Verdana" panose="020B0604030504040204" pitchFamily="34" charset="0"/>
+                <a:cs typeface="+mj-cs"/>
+              </a:rPr>
+              <a:t>Data Mining Techniques</a:t>
+            </a:r>
+          </a:p>
+        </p:txBody>
+      </p:sp>
+      <p:sp>
+        <p:nvSpPr>
+          <p:cNvPr id="3" name="Slide Number Placeholder 2">
+            <a:extLst>
+              <a:ext uri="{FF2B5EF4-FFF2-40B4-BE49-F238E27FC236}">
+                <a16:creationId xmlns:a16="http://schemas.microsoft.com/office/drawing/2014/main" id="{26DF549E-0929-4558-B72A-C49F4959F13A}"/>
+              </a:ext>
+            </a:extLst>
+          </p:cNvPr>
+          <p:cNvSpPr>
+            <a:spLocks noGrp="1"/>
+          </p:cNvSpPr>
+          <p:nvPr>
+            <p:ph type="sldNum" sz="quarter" idx="12"/>
+          </p:nvPr>
+        </p:nvSpPr>
+        <p:spPr/>
+        <p:txBody>
+          <a:bodyPr/>
+          <a:lstStyle/>
+          <a:p>
+            <a:fld id="{CE94D1BC-D86E-4D7F-8F02-7A51C792EE04}" type="slidenum">
+              <a:rPr lang="en-US" smtClean="0"/>
+              <a:t>16</a:t>
+            </a:fld>
+            <a:endParaRPr lang="en-US"/>
+          </a:p>
+        </p:txBody>
+      </p:sp>
+      <p:sp>
+        <p:nvSpPr>
+          <p:cNvPr id="8" name="Rectangle: Rounded Corners 7">
+            <a:extLst>
+              <a:ext uri="{FF2B5EF4-FFF2-40B4-BE49-F238E27FC236}">
+                <a16:creationId xmlns:a16="http://schemas.microsoft.com/office/drawing/2014/main" id="{A94466D1-B61C-4EF1-908E-89E940596724}"/>
+              </a:ext>
+            </a:extLst>
+          </p:cNvPr>
+          <p:cNvSpPr/>
+          <p:nvPr/>
+        </p:nvSpPr>
+        <p:spPr>
+          <a:xfrm>
+            <a:off x="4775911" y="285726"/>
+            <a:ext cx="1352550" cy="390525"/>
+          </a:xfrm>
+          <a:prstGeom prst="roundRect">
+            <a:avLst/>
+          </a:prstGeom>
+          <a:solidFill>
+            <a:schemeClr val="bg1">
+              <a:lumMod val="75000"/>
+            </a:schemeClr>
+          </a:solidFill>
+          <a:ln>
+            <a:noFill/>
+          </a:ln>
+        </p:spPr>
+        <p:style>
+          <a:lnRef idx="2">
+            <a:schemeClr val="accent1">
+              <a:shade val="50000"/>
+            </a:schemeClr>
+          </a:lnRef>
+          <a:fillRef idx="1">
+            <a:schemeClr val="accent1"/>
+          </a:fillRef>
+          <a:effectRef idx="0">
+            <a:schemeClr val="accent1"/>
+          </a:effectRef>
+          <a:fontRef idx="minor">
+            <a:schemeClr val="lt1"/>
+          </a:fontRef>
+        </p:style>
+        <p:txBody>
+          <a:bodyPr rtlCol="0" anchor="ctr"/>
+          <a:lstStyle/>
+          <a:p>
+            <a:pPr algn="ctr"/>
+            <a:r>
+              <a:rPr lang="en-US" sz="1000" dirty="0">
+                <a:latin typeface="Verdana" panose="020B0604030504040204" pitchFamily="34" charset="0"/>
+                <a:ea typeface="Verdana" panose="020B0604030504040204" pitchFamily="34" charset="0"/>
+              </a:rPr>
+              <a:t>Background</a:t>
+            </a:r>
+          </a:p>
+        </p:txBody>
+      </p:sp>
+      <p:sp>
+        <p:nvSpPr>
+          <p:cNvPr id="10" name="Rectangle: Rounded Corners 9">
+            <a:extLst>
+              <a:ext uri="{FF2B5EF4-FFF2-40B4-BE49-F238E27FC236}">
+                <a16:creationId xmlns:a16="http://schemas.microsoft.com/office/drawing/2014/main" id="{D0CF06AE-5C66-40BE-AF92-C9254A0C3FD7}"/>
+              </a:ext>
+            </a:extLst>
+          </p:cNvPr>
+          <p:cNvSpPr/>
+          <p:nvPr/>
+        </p:nvSpPr>
+        <p:spPr>
+          <a:xfrm>
+            <a:off x="6188785" y="285727"/>
+            <a:ext cx="1352550" cy="390525"/>
+          </a:xfrm>
+          <a:prstGeom prst="roundRect">
+            <a:avLst/>
+          </a:prstGeom>
+          <a:solidFill>
+            <a:schemeClr val="bg1">
+              <a:lumMod val="75000"/>
+            </a:schemeClr>
+          </a:solidFill>
+          <a:ln>
+            <a:noFill/>
+          </a:ln>
+        </p:spPr>
+        <p:style>
+          <a:lnRef idx="2">
+            <a:schemeClr val="accent1">
+              <a:shade val="50000"/>
+            </a:schemeClr>
+          </a:lnRef>
+          <a:fillRef idx="1">
+            <a:schemeClr val="accent1"/>
+          </a:fillRef>
+          <a:effectRef idx="0">
+            <a:schemeClr val="accent1"/>
+          </a:effectRef>
+          <a:fontRef idx="minor">
+            <a:schemeClr val="lt1"/>
+          </a:fontRef>
+        </p:style>
+        <p:txBody>
+          <a:bodyPr rtlCol="0" anchor="ctr"/>
+          <a:lstStyle/>
+          <a:p>
+            <a:pPr algn="ctr"/>
+            <a:r>
+              <a:rPr lang="en-US" sz="1000" dirty="0">
+                <a:latin typeface="Verdana" panose="020B0604030504040204" pitchFamily="34" charset="0"/>
+                <a:ea typeface="Verdana" panose="020B0604030504040204" pitchFamily="34" charset="0"/>
+              </a:rPr>
+              <a:t>Architecture</a:t>
+            </a:r>
+          </a:p>
+        </p:txBody>
+      </p:sp>
+      <p:sp>
+        <p:nvSpPr>
+          <p:cNvPr id="11" name="Rectangle: Rounded Corners 10">
+            <a:extLst>
+              <a:ext uri="{FF2B5EF4-FFF2-40B4-BE49-F238E27FC236}">
+                <a16:creationId xmlns:a16="http://schemas.microsoft.com/office/drawing/2014/main" id="{9B2AA2F4-54FD-4548-A211-ABBC31F90EE6}"/>
+              </a:ext>
+            </a:extLst>
+          </p:cNvPr>
+          <p:cNvSpPr/>
+          <p:nvPr/>
+        </p:nvSpPr>
+        <p:spPr>
+          <a:xfrm>
+            <a:off x="7601659" y="285726"/>
+            <a:ext cx="1352550" cy="390525"/>
+          </a:xfrm>
+          <a:prstGeom prst="roundRect">
+            <a:avLst/>
+          </a:prstGeom>
+          <a:solidFill>
+            <a:srgbClr val="9E2946"/>
+          </a:solidFill>
+          <a:ln>
+            <a:noFill/>
+          </a:ln>
+        </p:spPr>
+        <p:style>
+          <a:lnRef idx="2">
+            <a:schemeClr val="accent1">
+              <a:shade val="50000"/>
+            </a:schemeClr>
+          </a:lnRef>
+          <a:fillRef idx="1">
+            <a:schemeClr val="accent1"/>
+          </a:fillRef>
+          <a:effectRef idx="0">
+            <a:schemeClr val="accent1"/>
+          </a:effectRef>
+          <a:fontRef idx="minor">
+            <a:schemeClr val="lt1"/>
+          </a:fontRef>
+        </p:style>
+        <p:txBody>
+          <a:bodyPr rtlCol="0" anchor="ctr"/>
+          <a:lstStyle/>
+          <a:p>
+            <a:pPr algn="ctr"/>
+            <a:r>
+              <a:rPr lang="en-US" sz="1000" dirty="0">
+                <a:latin typeface="Verdana" panose="020B0604030504040204" pitchFamily="34" charset="0"/>
+                <a:ea typeface="Verdana" panose="020B0604030504040204" pitchFamily="34" charset="0"/>
+              </a:rPr>
+              <a:t>Methodology</a:t>
+            </a:r>
+          </a:p>
+        </p:txBody>
+      </p:sp>
+      <p:sp>
+        <p:nvSpPr>
+          <p:cNvPr id="12" name="Rectangle: Rounded Corners 11">
+            <a:extLst>
+              <a:ext uri="{FF2B5EF4-FFF2-40B4-BE49-F238E27FC236}">
+                <a16:creationId xmlns:a16="http://schemas.microsoft.com/office/drawing/2014/main" id="{E7FD3417-382B-42E9-8B4D-A235C22130CA}"/>
+              </a:ext>
+            </a:extLst>
+          </p:cNvPr>
+          <p:cNvSpPr/>
+          <p:nvPr/>
+        </p:nvSpPr>
+        <p:spPr>
+          <a:xfrm>
+            <a:off x="9014533" y="285726"/>
+            <a:ext cx="1352550" cy="390525"/>
+          </a:xfrm>
+          <a:prstGeom prst="roundRect">
+            <a:avLst/>
+          </a:prstGeom>
+          <a:solidFill>
+            <a:schemeClr val="bg1">
+              <a:lumMod val="75000"/>
+            </a:schemeClr>
+          </a:solidFill>
+          <a:ln>
+            <a:noFill/>
+          </a:ln>
+        </p:spPr>
+        <p:style>
+          <a:lnRef idx="2">
+            <a:schemeClr val="accent1">
+              <a:shade val="50000"/>
+            </a:schemeClr>
+          </a:lnRef>
+          <a:fillRef idx="1">
+            <a:schemeClr val="accent1"/>
+          </a:fillRef>
+          <a:effectRef idx="0">
+            <a:schemeClr val="accent1"/>
+          </a:effectRef>
+          <a:fontRef idx="minor">
+            <a:schemeClr val="lt1"/>
+          </a:fontRef>
+        </p:style>
+        <p:txBody>
+          <a:bodyPr rtlCol="0" anchor="ctr"/>
+          <a:lstStyle/>
+          <a:p>
+            <a:pPr algn="ctr"/>
+            <a:r>
+              <a:rPr lang="en-US" sz="1000" dirty="0">
+                <a:latin typeface="Verdana" panose="020B0604030504040204" pitchFamily="34" charset="0"/>
+                <a:ea typeface="Verdana" panose="020B0604030504040204" pitchFamily="34" charset="0"/>
+              </a:rPr>
+              <a:t>Outcome</a:t>
+            </a:r>
+          </a:p>
+        </p:txBody>
+      </p:sp>
+      <p:sp>
+        <p:nvSpPr>
+          <p:cNvPr id="14" name="Rectangle: Rounded Corners 13">
+            <a:extLst>
+              <a:ext uri="{FF2B5EF4-FFF2-40B4-BE49-F238E27FC236}">
+                <a16:creationId xmlns:a16="http://schemas.microsoft.com/office/drawing/2014/main" id="{66AC8B29-1893-4A94-9715-56E1E25E3B7A}"/>
+              </a:ext>
+            </a:extLst>
+          </p:cNvPr>
+          <p:cNvSpPr/>
+          <p:nvPr/>
+        </p:nvSpPr>
+        <p:spPr>
+          <a:xfrm>
+            <a:off x="10427407" y="285726"/>
+            <a:ext cx="1352550" cy="390525"/>
+          </a:xfrm>
+          <a:prstGeom prst="roundRect">
+            <a:avLst/>
+          </a:prstGeom>
+          <a:solidFill>
+            <a:schemeClr val="bg1">
+              <a:lumMod val="75000"/>
+            </a:schemeClr>
+          </a:solidFill>
+          <a:ln>
+            <a:noFill/>
+          </a:ln>
+        </p:spPr>
+        <p:style>
+          <a:lnRef idx="2">
+            <a:schemeClr val="accent1">
+              <a:shade val="50000"/>
+            </a:schemeClr>
+          </a:lnRef>
+          <a:fillRef idx="1">
+            <a:schemeClr val="accent1"/>
+          </a:fillRef>
+          <a:effectRef idx="0">
+            <a:schemeClr val="accent1"/>
+          </a:effectRef>
+          <a:fontRef idx="minor">
+            <a:schemeClr val="lt1"/>
+          </a:fontRef>
+        </p:style>
+        <p:txBody>
+          <a:bodyPr rtlCol="0" anchor="ctr"/>
+          <a:lstStyle/>
+          <a:p>
+            <a:pPr algn="ctr"/>
+            <a:r>
+              <a:rPr lang="en-US" sz="1000" dirty="0">
+                <a:latin typeface="Verdana" panose="020B0604030504040204" pitchFamily="34" charset="0"/>
+                <a:ea typeface="Verdana" panose="020B0604030504040204" pitchFamily="34" charset="0"/>
+              </a:rPr>
+              <a:t>Conclusion</a:t>
+            </a:r>
+          </a:p>
+        </p:txBody>
+      </p:sp>
+      <p:pic>
+        <p:nvPicPr>
+          <p:cNvPr id="15" name="Picture 14">
+            <a:extLst>
+              <a:ext uri="{FF2B5EF4-FFF2-40B4-BE49-F238E27FC236}">
+                <a16:creationId xmlns:a16="http://schemas.microsoft.com/office/drawing/2014/main" id="{59A5F746-0E95-4CB3-A1F8-8161B70AD447}"/>
+              </a:ext>
+            </a:extLst>
+          </p:cNvPr>
+          <p:cNvPicPr>
+            <a:picLocks noChangeAspect="1"/>
+          </p:cNvPicPr>
+          <p:nvPr/>
+        </p:nvPicPr>
+        <p:blipFill>
+          <a:blip r:embed="rId3"/>
+          <a:stretch>
+            <a:fillRect/>
+          </a:stretch>
+        </p:blipFill>
+        <p:spPr>
+          <a:xfrm>
+            <a:off x="261546" y="6238912"/>
+            <a:ext cx="1885714" cy="600000"/>
+          </a:xfrm>
+          <a:prstGeom prst="rect">
+            <a:avLst/>
+          </a:prstGeom>
+        </p:spPr>
+      </p:pic>
+      <p:sp>
+        <p:nvSpPr>
+          <p:cNvPr id="13" name="Subtitle 2">
+            <a:extLst>
+              <a:ext uri="{FF2B5EF4-FFF2-40B4-BE49-F238E27FC236}">
+                <a16:creationId xmlns:a16="http://schemas.microsoft.com/office/drawing/2014/main" id="{C1689B62-8D24-4BB5-BCEE-3B54AEAC8471}"/>
+              </a:ext>
+            </a:extLst>
+          </p:cNvPr>
+          <p:cNvSpPr txBox="1">
+            <a:spLocks/>
+          </p:cNvSpPr>
+          <p:nvPr/>
+        </p:nvSpPr>
+        <p:spPr>
+          <a:xfrm>
+            <a:off x="538578" y="1806712"/>
+            <a:ext cx="11100047" cy="3952859"/>
+          </a:xfrm>
+          <a:prstGeom prst="rect">
+            <a:avLst/>
+          </a:prstGeom>
+        </p:spPr>
+        <p:txBody>
+          <a:bodyPr vert="horz" lIns="91440" tIns="45720" rIns="91440" bIns="45720" rtlCol="0">
+            <a:normAutofit/>
+          </a:bodyPr>
+          <a:lstStyle>
+            <a:lvl1pPr marL="228600" indent="-228600" algn="l" defTabSz="914400" rtl="0" eaLnBrk="1" latinLnBrk="0" hangingPunct="1">
+              <a:lnSpc>
+                <a:spcPct val="90000"/>
+              </a:lnSpc>
+              <a:spcBef>
+                <a:spcPts val="1000"/>
+              </a:spcBef>
+              <a:buFont typeface="Arial" panose="020B0604020202020204" pitchFamily="34" charset="0"/>
+              <a:buChar char="•"/>
+              <a:defRPr sz="2800" kern="1200">
+                <a:solidFill>
+                  <a:schemeClr val="tx1"/>
+                </a:solidFill>
+                <a:latin typeface="+mn-lt"/>
+                <a:ea typeface="+mn-ea"/>
+                <a:cs typeface="+mn-cs"/>
+              </a:defRPr>
+            </a:lvl1pPr>
+            <a:lvl2pPr marL="685800" indent="-228600" algn="l" defTabSz="914400" rtl="0" eaLnBrk="1" latinLnBrk="0" hangingPunct="1">
+              <a:lnSpc>
+                <a:spcPct val="90000"/>
+              </a:lnSpc>
+              <a:spcBef>
+                <a:spcPts val="500"/>
+              </a:spcBef>
+              <a:buFont typeface="Arial" panose="020B0604020202020204" pitchFamily="34" charset="0"/>
+              <a:buChar char="•"/>
+              <a:defRPr sz="2400" kern="1200">
+                <a:solidFill>
+                  <a:schemeClr val="tx1"/>
+                </a:solidFill>
+                <a:latin typeface="+mn-lt"/>
+                <a:ea typeface="+mn-ea"/>
+                <a:cs typeface="+mn-cs"/>
+              </a:defRPr>
+            </a:lvl2pPr>
+            <a:lvl3pPr marL="1143000" indent="-228600" algn="l" defTabSz="914400" rtl="0" eaLnBrk="1" latinLnBrk="0" hangingPunct="1">
+              <a:lnSpc>
+                <a:spcPct val="90000"/>
+              </a:lnSpc>
+              <a:spcBef>
+                <a:spcPts val="500"/>
+              </a:spcBef>
+              <a:buFont typeface="Arial" panose="020B0604020202020204" pitchFamily="34" charset="0"/>
+              <a:buChar char="•"/>
+              <a:defRPr sz="2000" kern="1200">
+                <a:solidFill>
+                  <a:schemeClr val="tx1"/>
+                </a:solidFill>
+                <a:latin typeface="+mn-lt"/>
+                <a:ea typeface="+mn-ea"/>
+                <a:cs typeface="+mn-cs"/>
+              </a:defRPr>
+            </a:lvl3pPr>
+            <a:lvl4pPr marL="1600200" indent="-228600" algn="l" defTabSz="914400" rtl="0" eaLnBrk="1" latinLnBrk="0" hangingPunct="1">
+              <a:lnSpc>
+                <a:spcPct val="90000"/>
+              </a:lnSpc>
+              <a:spcBef>
+                <a:spcPts val="500"/>
+              </a:spcBef>
+              <a:buFont typeface="Arial" panose="020B0604020202020204" pitchFamily="34" charset="0"/>
+              <a:buChar char="•"/>
+              <a:defRPr sz="1800" kern="1200">
+                <a:solidFill>
+                  <a:schemeClr val="tx1"/>
+                </a:solidFill>
+                <a:latin typeface="+mn-lt"/>
+                <a:ea typeface="+mn-ea"/>
+                <a:cs typeface="+mn-cs"/>
+              </a:defRPr>
+            </a:lvl4pPr>
+            <a:lvl5pPr marL="2057400" indent="-228600" algn="l" defTabSz="914400" rtl="0" eaLnBrk="1" latinLnBrk="0" hangingPunct="1">
+              <a:lnSpc>
+                <a:spcPct val="90000"/>
+              </a:lnSpc>
+              <a:spcBef>
+                <a:spcPts val="500"/>
+              </a:spcBef>
+              <a:buFont typeface="Arial" panose="020B0604020202020204" pitchFamily="34" charset="0"/>
+              <a:buChar char="•"/>
+              <a:defRPr sz="1800" kern="1200">
+                <a:solidFill>
+                  <a:schemeClr val="tx1"/>
+                </a:solidFill>
+                <a:latin typeface="+mn-lt"/>
+                <a:ea typeface="+mn-ea"/>
+                <a:cs typeface="+mn-cs"/>
+              </a:defRPr>
+            </a:lvl5pPr>
+            <a:lvl6pPr marL="2514600" indent="-228600" algn="l" defTabSz="914400" rtl="0" eaLnBrk="1" latinLnBrk="0" hangingPunct="1">
+              <a:lnSpc>
+                <a:spcPct val="90000"/>
+              </a:lnSpc>
+              <a:spcBef>
+                <a:spcPts val="500"/>
+              </a:spcBef>
+              <a:buFont typeface="Arial" panose="020B0604020202020204" pitchFamily="34" charset="0"/>
+              <a:buChar char="•"/>
+              <a:defRPr sz="1800" kern="1200">
+                <a:solidFill>
+                  <a:schemeClr val="tx1"/>
+                </a:solidFill>
+                <a:latin typeface="+mn-lt"/>
+                <a:ea typeface="+mn-ea"/>
+                <a:cs typeface="+mn-cs"/>
+              </a:defRPr>
+            </a:lvl6pPr>
+            <a:lvl7pPr marL="2971800" indent="-228600" algn="l" defTabSz="914400" rtl="0" eaLnBrk="1" latinLnBrk="0" hangingPunct="1">
+              <a:lnSpc>
+                <a:spcPct val="90000"/>
+              </a:lnSpc>
+              <a:spcBef>
+                <a:spcPts val="500"/>
+              </a:spcBef>
+              <a:buFont typeface="Arial" panose="020B0604020202020204" pitchFamily="34" charset="0"/>
+              <a:buChar char="•"/>
+              <a:defRPr sz="1800" kern="1200">
+                <a:solidFill>
+                  <a:schemeClr val="tx1"/>
+                </a:solidFill>
+                <a:latin typeface="+mn-lt"/>
+                <a:ea typeface="+mn-ea"/>
+                <a:cs typeface="+mn-cs"/>
+              </a:defRPr>
+            </a:lvl7pPr>
+            <a:lvl8pPr marL="3429000" indent="-228600" algn="l" defTabSz="914400" rtl="0" eaLnBrk="1" latinLnBrk="0" hangingPunct="1">
+              <a:lnSpc>
+                <a:spcPct val="90000"/>
+              </a:lnSpc>
+              <a:spcBef>
+                <a:spcPts val="500"/>
+              </a:spcBef>
+              <a:buFont typeface="Arial" panose="020B0604020202020204" pitchFamily="34" charset="0"/>
+              <a:buChar char="•"/>
+              <a:defRPr sz="1800" kern="1200">
+                <a:solidFill>
+                  <a:schemeClr val="tx1"/>
+                </a:solidFill>
+                <a:latin typeface="+mn-lt"/>
+                <a:ea typeface="+mn-ea"/>
+                <a:cs typeface="+mn-cs"/>
+              </a:defRPr>
+            </a:lvl8pPr>
+            <a:lvl9pPr marL="3886200" indent="-228600" algn="l" defTabSz="914400" rtl="0" eaLnBrk="1" latinLnBrk="0" hangingPunct="1">
+              <a:lnSpc>
+                <a:spcPct val="90000"/>
+              </a:lnSpc>
+              <a:spcBef>
+                <a:spcPts val="500"/>
+              </a:spcBef>
+              <a:buFont typeface="Arial" panose="020B0604020202020204" pitchFamily="34" charset="0"/>
+              <a:buChar char="•"/>
+              <a:defRPr sz="1800" kern="1200">
+                <a:solidFill>
+                  <a:schemeClr val="tx1"/>
+                </a:solidFill>
+                <a:latin typeface="+mn-lt"/>
+                <a:ea typeface="+mn-ea"/>
+                <a:cs typeface="+mn-cs"/>
+              </a:defRPr>
+            </a:lvl9pPr>
+          </a:lstStyle>
+          <a:p>
+            <a:pPr marL="0" indent="0">
+              <a:buNone/>
+            </a:pPr>
+            <a:endParaRPr lang="en-US" dirty="0"/>
+          </a:p>
+        </p:txBody>
+      </p:sp>
+      <p:sp>
+        <p:nvSpPr>
+          <p:cNvPr id="16" name="Title 1">
+            <a:extLst>
+              <a:ext uri="{FF2B5EF4-FFF2-40B4-BE49-F238E27FC236}">
+                <a16:creationId xmlns:a16="http://schemas.microsoft.com/office/drawing/2014/main" id="{2C591C91-13B2-42ED-A26B-6280600FE5F3}"/>
+              </a:ext>
+            </a:extLst>
+          </p:cNvPr>
+          <p:cNvSpPr txBox="1">
+            <a:spLocks/>
+          </p:cNvSpPr>
+          <p:nvPr/>
+        </p:nvSpPr>
+        <p:spPr>
+          <a:xfrm>
+            <a:off x="-227150" y="918509"/>
+            <a:ext cx="10515600" cy="817723"/>
+          </a:xfrm>
+          <a:prstGeom prst="rect">
+            <a:avLst/>
+          </a:prstGeom>
+        </p:spPr>
+        <p:txBody>
+          <a:bodyPr vert="horz" lIns="91440" tIns="45720" rIns="91440" bIns="45720" rtlCol="0" anchor="ctr">
+            <a:normAutofit/>
+          </a:bodyPr>
+          <a:lstStyle>
+            <a:lvl1pPr algn="l" defTabSz="914400" rtl="0" eaLnBrk="1" latinLnBrk="0" hangingPunct="1">
+              <a:lnSpc>
+                <a:spcPct val="90000"/>
+              </a:lnSpc>
+              <a:spcBef>
+                <a:spcPct val="0"/>
+              </a:spcBef>
+              <a:buNone/>
+              <a:defRPr sz="4400" kern="1200">
+                <a:solidFill>
+                  <a:schemeClr val="tx1"/>
+                </a:solidFill>
+                <a:latin typeface="+mj-lt"/>
+                <a:ea typeface="+mj-ea"/>
+                <a:cs typeface="+mj-cs"/>
+              </a:defRPr>
+            </a:lvl1pPr>
+          </a:lstStyle>
+          <a:p>
+            <a:pPr marL="457200" lvl="1">
+              <a:lnSpc>
+                <a:spcPct val="150000"/>
+              </a:lnSpc>
+            </a:pPr>
+            <a:r>
+              <a:rPr lang="en-US" b="1" dirty="0">
+                <a:solidFill>
+                  <a:srgbClr val="9E2946"/>
+                </a:solidFill>
+                <a:latin typeface="Verdana" panose="020B0604030504040204" pitchFamily="34" charset="0"/>
+                <a:ea typeface="Verdana" panose="020B0604030504040204" pitchFamily="34" charset="0"/>
+                <a:cs typeface="+mj-cs"/>
+              </a:rPr>
+              <a:t>Cross Validation and Logistic Regression</a:t>
+            </a:r>
+          </a:p>
+        </p:txBody>
+      </p:sp>
+      <p:sp>
+        <p:nvSpPr>
+          <p:cNvPr id="17" name="Rectangle 16">
+            <a:extLst>
+              <a:ext uri="{FF2B5EF4-FFF2-40B4-BE49-F238E27FC236}">
+                <a16:creationId xmlns:a16="http://schemas.microsoft.com/office/drawing/2014/main" id="{96D39416-81BC-47BD-8AE8-F715F7796BA5}"/>
+              </a:ext>
+            </a:extLst>
+          </p:cNvPr>
+          <p:cNvSpPr/>
+          <p:nvPr/>
+        </p:nvSpPr>
+        <p:spPr>
+          <a:xfrm>
+            <a:off x="266434" y="1721167"/>
+            <a:ext cx="4092915" cy="3522396"/>
+          </a:xfrm>
+          <a:prstGeom prst="rect">
+            <a:avLst/>
+          </a:prstGeom>
+          <a:solidFill>
+            <a:schemeClr val="bg1"/>
+          </a:solidFill>
+          <a:ln>
+            <a:solidFill>
+              <a:srgbClr val="002060"/>
+            </a:solidFill>
+          </a:ln>
+        </p:spPr>
+        <p:style>
+          <a:lnRef idx="2">
+            <a:schemeClr val="accent1">
+              <a:shade val="50000"/>
+            </a:schemeClr>
+          </a:lnRef>
+          <a:fillRef idx="1">
+            <a:schemeClr val="accent1"/>
+          </a:fillRef>
+          <a:effectRef idx="0">
+            <a:schemeClr val="accent1"/>
+          </a:effectRef>
+          <a:fontRef idx="minor">
+            <a:schemeClr val="lt1"/>
+          </a:fontRef>
+        </p:style>
+        <p:txBody>
+          <a:bodyPr rtlCol="0" anchor="ctr"/>
+          <a:lstStyle/>
+          <a:p>
+            <a:pPr algn="ctr"/>
+            <a:endParaRPr lang="en-US"/>
+          </a:p>
+        </p:txBody>
+      </p:sp>
+      <p:sp>
+        <p:nvSpPr>
+          <p:cNvPr id="18" name="Rectangle 17">
+            <a:extLst>
+              <a:ext uri="{FF2B5EF4-FFF2-40B4-BE49-F238E27FC236}">
+                <a16:creationId xmlns:a16="http://schemas.microsoft.com/office/drawing/2014/main" id="{6859AE0F-B534-4CDC-998B-803CFD7E631D}"/>
+              </a:ext>
+            </a:extLst>
+          </p:cNvPr>
+          <p:cNvSpPr/>
+          <p:nvPr/>
+        </p:nvSpPr>
+        <p:spPr>
+          <a:xfrm>
+            <a:off x="264385" y="1710213"/>
+            <a:ext cx="4092916" cy="353929"/>
+          </a:xfrm>
+          <a:prstGeom prst="rect">
+            <a:avLst/>
+          </a:prstGeom>
+          <a:solidFill>
+            <a:schemeClr val="accent2">
+              <a:lumMod val="40000"/>
+              <a:lumOff val="60000"/>
+            </a:schemeClr>
+          </a:solidFill>
+        </p:spPr>
+        <p:style>
+          <a:lnRef idx="2">
+            <a:schemeClr val="accent1">
+              <a:shade val="50000"/>
+            </a:schemeClr>
+          </a:lnRef>
+          <a:fillRef idx="1">
+            <a:schemeClr val="accent1"/>
+          </a:fillRef>
+          <a:effectRef idx="0">
+            <a:schemeClr val="accent1"/>
+          </a:effectRef>
+          <a:fontRef idx="minor">
+            <a:schemeClr val="lt1"/>
+          </a:fontRef>
+        </p:style>
+        <p:txBody>
+          <a:bodyPr rtlCol="0" anchor="ctr"/>
+          <a:lstStyle/>
+          <a:p>
+            <a:pPr algn="ctr"/>
+            <a:endParaRPr lang="en-US"/>
+          </a:p>
+        </p:txBody>
+      </p:sp>
+      <p:sp>
+        <p:nvSpPr>
+          <p:cNvPr id="19" name="TextBox 18">
+            <a:extLst>
+              <a:ext uri="{FF2B5EF4-FFF2-40B4-BE49-F238E27FC236}">
+                <a16:creationId xmlns:a16="http://schemas.microsoft.com/office/drawing/2014/main" id="{BA459DEB-53FB-4A1D-B40F-DCAAC998EF56}"/>
+              </a:ext>
+            </a:extLst>
+          </p:cNvPr>
+          <p:cNvSpPr txBox="1"/>
+          <p:nvPr/>
+        </p:nvSpPr>
+        <p:spPr>
+          <a:xfrm>
+            <a:off x="82626" y="1740336"/>
+            <a:ext cx="4373749" cy="246221"/>
+          </a:xfrm>
+          <a:prstGeom prst="rect">
+            <a:avLst/>
+          </a:prstGeom>
+          <a:noFill/>
+        </p:spPr>
+        <p:txBody>
+          <a:bodyPr wrap="square" rtlCol="0">
+            <a:spAutoFit/>
+          </a:bodyPr>
+          <a:lstStyle/>
+          <a:p>
+            <a:pPr algn="ctr"/>
+            <a:r>
+              <a:rPr lang="en-US" sz="1000" b="1" dirty="0">
+                <a:latin typeface="Verdana" panose="020B0604030504040204" pitchFamily="34" charset="0"/>
+                <a:ea typeface="Verdana" panose="020B0604030504040204" pitchFamily="34" charset="0"/>
+              </a:rPr>
+              <a:t>Model Development Journey (Industry Classification)</a:t>
+            </a:r>
+          </a:p>
+        </p:txBody>
+      </p:sp>
+      <p:sp>
+        <p:nvSpPr>
+          <p:cNvPr id="34" name="Rectangle 33">
+            <a:extLst>
+              <a:ext uri="{FF2B5EF4-FFF2-40B4-BE49-F238E27FC236}">
+                <a16:creationId xmlns:a16="http://schemas.microsoft.com/office/drawing/2014/main" id="{64885789-7244-4D0B-8D81-AA45ED697835}"/>
+              </a:ext>
+            </a:extLst>
+          </p:cNvPr>
+          <p:cNvSpPr/>
+          <p:nvPr/>
+        </p:nvSpPr>
+        <p:spPr>
+          <a:xfrm>
+            <a:off x="422163" y="2314284"/>
+            <a:ext cx="3768818" cy="2490207"/>
+          </a:xfrm>
+          <a:prstGeom prst="rect">
+            <a:avLst/>
+          </a:prstGeom>
+          <a:solidFill>
+            <a:schemeClr val="bg1"/>
+          </a:solidFill>
+          <a:ln>
+            <a:solidFill>
+              <a:srgbClr val="002060"/>
+            </a:solidFill>
+          </a:ln>
+        </p:spPr>
+        <p:style>
+          <a:lnRef idx="2">
+            <a:schemeClr val="accent1">
+              <a:shade val="50000"/>
+            </a:schemeClr>
+          </a:lnRef>
+          <a:fillRef idx="1">
+            <a:schemeClr val="accent1"/>
+          </a:fillRef>
+          <a:effectRef idx="0">
+            <a:schemeClr val="accent1"/>
+          </a:effectRef>
+          <a:fontRef idx="minor">
+            <a:schemeClr val="lt1"/>
+          </a:fontRef>
+        </p:style>
+        <p:txBody>
+          <a:bodyPr rtlCol="0" anchor="ctr"/>
+          <a:lstStyle/>
+          <a:p>
+            <a:pPr algn="ctr"/>
+            <a:endParaRPr lang="en-US"/>
+          </a:p>
+        </p:txBody>
+      </p:sp>
+      <p:sp>
+        <p:nvSpPr>
+          <p:cNvPr id="35" name="Rectangle 34">
+            <a:extLst>
+              <a:ext uri="{FF2B5EF4-FFF2-40B4-BE49-F238E27FC236}">
+                <a16:creationId xmlns:a16="http://schemas.microsoft.com/office/drawing/2014/main" id="{62AB3FCA-BE05-4322-BCD7-FBFAEFC6C7F6}"/>
+              </a:ext>
+            </a:extLst>
+          </p:cNvPr>
+          <p:cNvSpPr/>
+          <p:nvPr/>
+        </p:nvSpPr>
+        <p:spPr>
+          <a:xfrm>
+            <a:off x="422163" y="2303834"/>
+            <a:ext cx="3768818" cy="609193"/>
+          </a:xfrm>
+          <a:prstGeom prst="rect">
+            <a:avLst/>
+          </a:prstGeom>
+          <a:solidFill>
+            <a:schemeClr val="tx2">
+              <a:lumMod val="60000"/>
+              <a:lumOff val="40000"/>
+            </a:schemeClr>
+          </a:solidFill>
+        </p:spPr>
+        <p:style>
+          <a:lnRef idx="2">
+            <a:schemeClr val="accent1">
+              <a:shade val="50000"/>
+            </a:schemeClr>
+          </a:lnRef>
+          <a:fillRef idx="1">
+            <a:schemeClr val="accent1"/>
+          </a:fillRef>
+          <a:effectRef idx="0">
+            <a:schemeClr val="accent1"/>
+          </a:effectRef>
+          <a:fontRef idx="minor">
+            <a:schemeClr val="lt1"/>
+          </a:fontRef>
+        </p:style>
+        <p:txBody>
+          <a:bodyPr rtlCol="0" anchor="ctr"/>
+          <a:lstStyle/>
+          <a:p>
+            <a:pPr algn="ctr"/>
+            <a:endParaRPr lang="en-US"/>
+          </a:p>
+        </p:txBody>
+      </p:sp>
+      <p:sp>
+        <p:nvSpPr>
+          <p:cNvPr id="36" name="TextBox 35">
+            <a:extLst>
+              <a:ext uri="{FF2B5EF4-FFF2-40B4-BE49-F238E27FC236}">
+                <a16:creationId xmlns:a16="http://schemas.microsoft.com/office/drawing/2014/main" id="{20EE13A1-0381-4C67-874A-1F3E9761CAF2}"/>
+              </a:ext>
+            </a:extLst>
+          </p:cNvPr>
+          <p:cNvSpPr txBox="1"/>
+          <p:nvPr/>
+        </p:nvSpPr>
+        <p:spPr>
+          <a:xfrm>
+            <a:off x="933885" y="2484224"/>
+            <a:ext cx="3098585" cy="246221"/>
+          </a:xfrm>
+          <a:prstGeom prst="rect">
+            <a:avLst/>
+          </a:prstGeom>
+          <a:noFill/>
+        </p:spPr>
+        <p:txBody>
+          <a:bodyPr wrap="square" rtlCol="0">
+            <a:spAutoFit/>
+          </a:bodyPr>
+          <a:lstStyle/>
+          <a:p>
+            <a:pPr algn="ctr"/>
+            <a:r>
+              <a:rPr lang="en-US" sz="1000" b="1" dirty="0">
+                <a:latin typeface="Verdana" panose="020B0604030504040204" pitchFamily="34" charset="0"/>
+                <a:ea typeface="Verdana" panose="020B0604030504040204" pitchFamily="34" charset="0"/>
+              </a:rPr>
+              <a:t>Model Training</a:t>
+            </a:r>
+          </a:p>
+        </p:txBody>
+      </p:sp>
+      <p:sp>
+        <p:nvSpPr>
+          <p:cNvPr id="37" name="Rectangle 36">
+            <a:extLst>
+              <a:ext uri="{FF2B5EF4-FFF2-40B4-BE49-F238E27FC236}">
+                <a16:creationId xmlns:a16="http://schemas.microsoft.com/office/drawing/2014/main" id="{97B3B9E6-E29D-4580-B994-BCAB0951E4EC}"/>
+              </a:ext>
+            </a:extLst>
+          </p:cNvPr>
+          <p:cNvSpPr/>
+          <p:nvPr/>
+        </p:nvSpPr>
+        <p:spPr>
+          <a:xfrm>
+            <a:off x="632174" y="3487335"/>
+            <a:ext cx="1030384" cy="676936"/>
+          </a:xfrm>
+          <a:prstGeom prst="rect">
+            <a:avLst/>
+          </a:prstGeom>
+          <a:solidFill>
+            <a:schemeClr val="accent1">
+              <a:lumMod val="40000"/>
+              <a:lumOff val="60000"/>
+            </a:schemeClr>
+          </a:solidFill>
+          <a:ln>
+            <a:solidFill>
+              <a:schemeClr val="accent1">
+                <a:lumMod val="60000"/>
+                <a:lumOff val="40000"/>
+              </a:schemeClr>
+            </a:solidFill>
+            <a:prstDash val="solid"/>
+          </a:ln>
+        </p:spPr>
+        <p:style>
+          <a:lnRef idx="2">
+            <a:schemeClr val="accent1">
+              <a:shade val="50000"/>
+            </a:schemeClr>
+          </a:lnRef>
+          <a:fillRef idx="1">
+            <a:schemeClr val="accent1"/>
+          </a:fillRef>
+          <a:effectRef idx="0">
+            <a:schemeClr val="accent1"/>
+          </a:effectRef>
+          <a:fontRef idx="minor">
+            <a:schemeClr val="lt1"/>
+          </a:fontRef>
+        </p:style>
+        <p:txBody>
+          <a:bodyPr rtlCol="0" anchor="ctr"/>
+          <a:lstStyle/>
+          <a:p>
+            <a:pPr algn="ctr"/>
+            <a:r>
+              <a:rPr lang="en-US" sz="800" dirty="0">
+                <a:solidFill>
+                  <a:schemeClr val="tx1"/>
+                </a:solidFill>
+                <a:latin typeface="Verdana" panose="020B0604030504040204" pitchFamily="34" charset="0"/>
+                <a:ea typeface="Verdana" panose="020B0604030504040204" pitchFamily="34" charset="0"/>
+              </a:rPr>
+              <a:t>Cross Validation (GridSearchCV)</a:t>
+            </a:r>
+            <a:endParaRPr lang="en-US" dirty="0">
+              <a:solidFill>
+                <a:schemeClr val="tx1"/>
+              </a:solidFill>
+            </a:endParaRPr>
+          </a:p>
+        </p:txBody>
+      </p:sp>
+      <p:sp>
+        <p:nvSpPr>
+          <p:cNvPr id="39" name="TextBox 38">
+            <a:extLst>
+              <a:ext uri="{FF2B5EF4-FFF2-40B4-BE49-F238E27FC236}">
+                <a16:creationId xmlns:a16="http://schemas.microsoft.com/office/drawing/2014/main" id="{40C071B5-335A-48F5-91DC-00B3391C7B01}"/>
+              </a:ext>
+            </a:extLst>
+          </p:cNvPr>
+          <p:cNvSpPr txBox="1"/>
+          <p:nvPr/>
+        </p:nvSpPr>
+        <p:spPr>
+          <a:xfrm rot="16200000">
+            <a:off x="561648" y="4441095"/>
+            <a:ext cx="1017294" cy="307777"/>
+          </a:xfrm>
+          <a:prstGeom prst="rect">
+            <a:avLst/>
+          </a:prstGeom>
+          <a:noFill/>
+        </p:spPr>
+        <p:txBody>
+          <a:bodyPr wrap="square" rtlCol="0">
+            <a:spAutoFit/>
+          </a:bodyPr>
+          <a:lstStyle/>
+          <a:p>
+            <a:pPr defTabSz="685800"/>
+            <a:r>
+              <a:rPr lang="en-US" sz="700" dirty="0">
+                <a:solidFill>
+                  <a:prstClr val="black"/>
+                </a:solidFill>
+                <a:latin typeface="Verdana" panose="020B0604030504040204" pitchFamily="34" charset="0"/>
+                <a:ea typeface="Verdana" panose="020B0604030504040204" pitchFamily="34" charset="0"/>
+              </a:rPr>
+              <a:t>Read vector embeddings</a:t>
+            </a:r>
+          </a:p>
+        </p:txBody>
+      </p:sp>
+      <p:sp>
+        <p:nvSpPr>
+          <p:cNvPr id="40" name="Rectangle 39">
+            <a:extLst>
+              <a:ext uri="{FF2B5EF4-FFF2-40B4-BE49-F238E27FC236}">
+                <a16:creationId xmlns:a16="http://schemas.microsoft.com/office/drawing/2014/main" id="{92BA1345-2CC5-4114-A73E-5EFD6BEC2E3D}"/>
+              </a:ext>
+            </a:extLst>
+          </p:cNvPr>
+          <p:cNvSpPr/>
+          <p:nvPr/>
+        </p:nvSpPr>
+        <p:spPr>
+          <a:xfrm>
+            <a:off x="2969463" y="3487335"/>
+            <a:ext cx="1033272" cy="676936"/>
+          </a:xfrm>
+          <a:prstGeom prst="rect">
+            <a:avLst/>
+          </a:prstGeom>
+          <a:solidFill>
+            <a:schemeClr val="accent1">
+              <a:lumMod val="40000"/>
+              <a:lumOff val="60000"/>
+            </a:schemeClr>
+          </a:solidFill>
+          <a:ln>
+            <a:solidFill>
+              <a:schemeClr val="accent1">
+                <a:lumMod val="60000"/>
+                <a:lumOff val="40000"/>
+              </a:schemeClr>
+            </a:solidFill>
+            <a:prstDash val="solid"/>
+          </a:ln>
+        </p:spPr>
+        <p:style>
+          <a:lnRef idx="2">
+            <a:schemeClr val="accent1">
+              <a:shade val="50000"/>
+            </a:schemeClr>
+          </a:lnRef>
+          <a:fillRef idx="1">
+            <a:schemeClr val="accent1"/>
+          </a:fillRef>
+          <a:effectRef idx="0">
+            <a:schemeClr val="accent1"/>
+          </a:effectRef>
+          <a:fontRef idx="minor">
+            <a:schemeClr val="lt1"/>
+          </a:fontRef>
+        </p:style>
+        <p:txBody>
+          <a:bodyPr rtlCol="0" anchor="ctr"/>
+          <a:lstStyle/>
+          <a:p>
+            <a:pPr algn="ctr"/>
+            <a:r>
+              <a:rPr lang="en-US" sz="800" dirty="0">
+                <a:solidFill>
+                  <a:schemeClr val="tx1"/>
+                </a:solidFill>
+                <a:latin typeface="Verdana" panose="020B0604030504040204" pitchFamily="34" charset="0"/>
+                <a:ea typeface="Verdana" panose="020B0604030504040204" pitchFamily="34" charset="0"/>
+              </a:rPr>
+              <a:t>Logistic </a:t>
+            </a:r>
+          </a:p>
+          <a:p>
+            <a:pPr algn="ctr"/>
+            <a:r>
+              <a:rPr lang="en-US" sz="800" dirty="0">
+                <a:solidFill>
+                  <a:schemeClr val="tx1"/>
+                </a:solidFill>
+                <a:latin typeface="Verdana" panose="020B0604030504040204" pitchFamily="34" charset="0"/>
+                <a:ea typeface="Verdana" panose="020B0604030504040204" pitchFamily="34" charset="0"/>
+              </a:rPr>
+              <a:t>Regression</a:t>
+            </a:r>
+            <a:endParaRPr lang="en-US" dirty="0">
+              <a:solidFill>
+                <a:schemeClr val="tx1"/>
+              </a:solidFill>
+            </a:endParaRPr>
+          </a:p>
+        </p:txBody>
+      </p:sp>
+      <p:cxnSp>
+        <p:nvCxnSpPr>
+          <p:cNvPr id="42" name="Connector: Elbow 41">
+            <a:extLst>
+              <a:ext uri="{FF2B5EF4-FFF2-40B4-BE49-F238E27FC236}">
+                <a16:creationId xmlns:a16="http://schemas.microsoft.com/office/drawing/2014/main" id="{264374EA-E76C-4C12-A456-4A8770431665}"/>
+              </a:ext>
+            </a:extLst>
+          </p:cNvPr>
+          <p:cNvCxnSpPr>
+            <a:stCxn id="37" idx="0"/>
+            <a:endCxn id="40" idx="0"/>
+          </p:cNvCxnSpPr>
+          <p:nvPr/>
+        </p:nvCxnSpPr>
+        <p:spPr>
+          <a:xfrm rot="5400000" flipH="1" flipV="1">
+            <a:off x="2316732" y="2317969"/>
+            <a:ext cx="12700" cy="2338733"/>
+          </a:xfrm>
+          <a:prstGeom prst="bentConnector3">
+            <a:avLst>
+              <a:gd name="adj1" fmla="val 2804646"/>
+            </a:avLst>
+          </a:prstGeom>
+          <a:ln w="19050">
+            <a:solidFill>
+              <a:schemeClr val="tx1"/>
+            </a:solidFill>
+            <a:tailEnd type="triangle"/>
+          </a:ln>
+        </p:spPr>
+        <p:style>
+          <a:lnRef idx="1">
+            <a:schemeClr val="accent1"/>
+          </a:lnRef>
+          <a:fillRef idx="0">
+            <a:schemeClr val="accent1"/>
+          </a:fillRef>
+          <a:effectRef idx="0">
+            <a:schemeClr val="accent1"/>
+          </a:effectRef>
+          <a:fontRef idx="minor">
+            <a:schemeClr val="tx1"/>
+          </a:fontRef>
+        </p:style>
+      </p:cxnSp>
+      <p:sp>
+        <p:nvSpPr>
+          <p:cNvPr id="43" name="TextBox 42">
+            <a:extLst>
+              <a:ext uri="{FF2B5EF4-FFF2-40B4-BE49-F238E27FC236}">
+                <a16:creationId xmlns:a16="http://schemas.microsoft.com/office/drawing/2014/main" id="{308CE9E7-B77C-4538-BC25-5F16E3D60602}"/>
+              </a:ext>
+            </a:extLst>
+          </p:cNvPr>
+          <p:cNvSpPr txBox="1"/>
+          <p:nvPr/>
+        </p:nvSpPr>
+        <p:spPr>
+          <a:xfrm>
+            <a:off x="1630144" y="2960150"/>
+            <a:ext cx="1723068" cy="200055"/>
+          </a:xfrm>
+          <a:prstGeom prst="rect">
+            <a:avLst/>
+          </a:prstGeom>
+          <a:noFill/>
+        </p:spPr>
+        <p:txBody>
+          <a:bodyPr wrap="square" rtlCol="0">
+            <a:spAutoFit/>
+          </a:bodyPr>
+          <a:lstStyle/>
+          <a:p>
+            <a:pPr defTabSz="685800"/>
+            <a:r>
+              <a:rPr lang="en-US" sz="700" dirty="0">
+                <a:solidFill>
+                  <a:prstClr val="black"/>
+                </a:solidFill>
+                <a:latin typeface="Verdana" panose="020B0604030504040204" pitchFamily="34" charset="0"/>
+                <a:ea typeface="Verdana" panose="020B0604030504040204" pitchFamily="34" charset="0"/>
+              </a:rPr>
+              <a:t>Input Best Model Parameters</a:t>
+            </a:r>
+          </a:p>
+        </p:txBody>
+      </p:sp>
+      <p:sp>
+        <p:nvSpPr>
+          <p:cNvPr id="44" name="TextBox 43">
+            <a:extLst>
+              <a:ext uri="{FF2B5EF4-FFF2-40B4-BE49-F238E27FC236}">
+                <a16:creationId xmlns:a16="http://schemas.microsoft.com/office/drawing/2014/main" id="{526CB3E4-FA18-49FE-8929-AA694AF877C5}"/>
+              </a:ext>
+            </a:extLst>
+          </p:cNvPr>
+          <p:cNvSpPr txBox="1"/>
+          <p:nvPr/>
+        </p:nvSpPr>
+        <p:spPr>
+          <a:xfrm rot="16200000">
+            <a:off x="2998454" y="4339522"/>
+            <a:ext cx="1017294" cy="307777"/>
+          </a:xfrm>
+          <a:prstGeom prst="rect">
+            <a:avLst/>
+          </a:prstGeom>
+          <a:noFill/>
+        </p:spPr>
+        <p:txBody>
+          <a:bodyPr wrap="square" rtlCol="0">
+            <a:spAutoFit/>
+          </a:bodyPr>
+          <a:lstStyle/>
+          <a:p>
+            <a:pPr defTabSz="685800"/>
+            <a:r>
+              <a:rPr lang="en-US" sz="700" dirty="0">
+                <a:solidFill>
+                  <a:prstClr val="black"/>
+                </a:solidFill>
+                <a:latin typeface="Verdana" panose="020B0604030504040204" pitchFamily="34" charset="0"/>
+                <a:ea typeface="Verdana" panose="020B0604030504040204" pitchFamily="34" charset="0"/>
+              </a:rPr>
+              <a:t>Save Trained Model</a:t>
+            </a:r>
+          </a:p>
+        </p:txBody>
+      </p:sp>
+      <p:sp>
+        <p:nvSpPr>
+          <p:cNvPr id="57" name="Oval 56">
+            <a:extLst>
+              <a:ext uri="{FF2B5EF4-FFF2-40B4-BE49-F238E27FC236}">
+                <a16:creationId xmlns:a16="http://schemas.microsoft.com/office/drawing/2014/main" id="{BA68125C-81DA-4C5A-BB6A-15661498A0E6}"/>
+              </a:ext>
+            </a:extLst>
+          </p:cNvPr>
+          <p:cNvSpPr/>
+          <p:nvPr/>
+        </p:nvSpPr>
+        <p:spPr>
+          <a:xfrm>
+            <a:off x="2147260" y="3201164"/>
+            <a:ext cx="200147" cy="170244"/>
+          </a:xfrm>
+          <a:prstGeom prst="ellipse">
+            <a:avLst/>
+          </a:prstGeom>
+          <a:solidFill>
+            <a:srgbClr val="00B050"/>
+          </a:solidFill>
+          <a:ln>
+            <a:solidFill>
+              <a:srgbClr val="00B050"/>
+            </a:solidFill>
+          </a:ln>
+        </p:spPr>
+        <p:style>
+          <a:lnRef idx="2">
+            <a:schemeClr val="accent1">
+              <a:shade val="50000"/>
+            </a:schemeClr>
+          </a:lnRef>
+          <a:fillRef idx="1">
+            <a:schemeClr val="accent1"/>
+          </a:fillRef>
+          <a:effectRef idx="0">
+            <a:schemeClr val="accent1"/>
+          </a:effectRef>
+          <a:fontRef idx="minor">
+            <a:schemeClr val="lt1"/>
+          </a:fontRef>
+        </p:style>
+        <p:txBody>
+          <a:bodyPr rtlCol="0" anchor="ctr"/>
+          <a:lstStyle/>
+          <a:p>
+            <a:pPr algn="ctr"/>
+            <a:r>
+              <a:rPr lang="en-US" sz="1100" dirty="0">
+                <a:solidFill>
+                  <a:schemeClr val="tx1"/>
+                </a:solidFill>
+              </a:rPr>
+              <a:t>3</a:t>
+            </a:r>
+          </a:p>
+        </p:txBody>
+      </p:sp>
+      <p:sp>
+        <p:nvSpPr>
+          <p:cNvPr id="64" name="Oval 63">
+            <a:extLst>
+              <a:ext uri="{FF2B5EF4-FFF2-40B4-BE49-F238E27FC236}">
+                <a16:creationId xmlns:a16="http://schemas.microsoft.com/office/drawing/2014/main" id="{8ECB4E3A-4CFA-46EF-A57E-20D77713EFF5}"/>
+              </a:ext>
+            </a:extLst>
+          </p:cNvPr>
+          <p:cNvSpPr/>
+          <p:nvPr/>
+        </p:nvSpPr>
+        <p:spPr>
+          <a:xfrm>
+            <a:off x="705839" y="3515301"/>
+            <a:ext cx="200147" cy="170244"/>
+          </a:xfrm>
+          <a:prstGeom prst="ellipse">
+            <a:avLst/>
+          </a:prstGeom>
+          <a:solidFill>
+            <a:srgbClr val="00B050"/>
+          </a:solidFill>
+          <a:ln>
+            <a:solidFill>
+              <a:srgbClr val="00B050"/>
+            </a:solidFill>
+          </a:ln>
+        </p:spPr>
+        <p:style>
+          <a:lnRef idx="2">
+            <a:schemeClr val="accent1">
+              <a:shade val="50000"/>
+            </a:schemeClr>
+          </a:lnRef>
+          <a:fillRef idx="1">
+            <a:schemeClr val="accent1"/>
+          </a:fillRef>
+          <a:effectRef idx="0">
+            <a:schemeClr val="accent1"/>
+          </a:effectRef>
+          <a:fontRef idx="minor">
+            <a:schemeClr val="lt1"/>
+          </a:fontRef>
+        </p:style>
+        <p:txBody>
+          <a:bodyPr rtlCol="0" anchor="ctr"/>
+          <a:lstStyle/>
+          <a:p>
+            <a:pPr algn="ctr"/>
+            <a:r>
+              <a:rPr lang="en-US" sz="1100" dirty="0">
+                <a:solidFill>
+                  <a:schemeClr val="tx1"/>
+                </a:solidFill>
+              </a:rPr>
+              <a:t>2</a:t>
+            </a:r>
+          </a:p>
+        </p:txBody>
+      </p:sp>
+      <p:sp>
+        <p:nvSpPr>
+          <p:cNvPr id="65" name="Oval 64">
+            <a:extLst>
+              <a:ext uri="{FF2B5EF4-FFF2-40B4-BE49-F238E27FC236}">
+                <a16:creationId xmlns:a16="http://schemas.microsoft.com/office/drawing/2014/main" id="{F71A1689-6D01-43EB-8C0E-D91EBD89BA68}"/>
+              </a:ext>
+            </a:extLst>
+          </p:cNvPr>
+          <p:cNvSpPr/>
+          <p:nvPr/>
+        </p:nvSpPr>
+        <p:spPr>
+          <a:xfrm>
+            <a:off x="3727850" y="3534235"/>
+            <a:ext cx="200147" cy="170244"/>
+          </a:xfrm>
+          <a:prstGeom prst="ellipse">
+            <a:avLst/>
+          </a:prstGeom>
+          <a:solidFill>
+            <a:srgbClr val="00B050"/>
+          </a:solidFill>
+          <a:ln>
+            <a:solidFill>
+              <a:srgbClr val="00B050"/>
+            </a:solidFill>
+          </a:ln>
+        </p:spPr>
+        <p:style>
+          <a:lnRef idx="2">
+            <a:schemeClr val="accent1">
+              <a:shade val="50000"/>
+            </a:schemeClr>
+          </a:lnRef>
+          <a:fillRef idx="1">
+            <a:schemeClr val="accent1"/>
+          </a:fillRef>
+          <a:effectRef idx="0">
+            <a:schemeClr val="accent1"/>
+          </a:effectRef>
+          <a:fontRef idx="minor">
+            <a:schemeClr val="lt1"/>
+          </a:fontRef>
+        </p:style>
+        <p:txBody>
+          <a:bodyPr rtlCol="0" anchor="ctr"/>
+          <a:lstStyle/>
+          <a:p>
+            <a:pPr algn="ctr"/>
+            <a:r>
+              <a:rPr lang="en-US" sz="1100" dirty="0">
+                <a:solidFill>
+                  <a:schemeClr val="tx1"/>
+                </a:solidFill>
+              </a:rPr>
+              <a:t>4</a:t>
+            </a:r>
+            <a:endParaRPr lang="en-US" sz="1200" dirty="0">
+              <a:solidFill>
+                <a:schemeClr val="tx1"/>
+              </a:solidFill>
+            </a:endParaRPr>
+          </a:p>
+        </p:txBody>
+      </p:sp>
+      <p:sp>
+        <p:nvSpPr>
+          <p:cNvPr id="68" name="Rectangle 67">
+            <a:extLst>
+              <a:ext uri="{FF2B5EF4-FFF2-40B4-BE49-F238E27FC236}">
+                <a16:creationId xmlns:a16="http://schemas.microsoft.com/office/drawing/2014/main" id="{14439A25-B74C-4AB6-A27C-1884877E488B}"/>
+              </a:ext>
+            </a:extLst>
+          </p:cNvPr>
+          <p:cNvSpPr/>
+          <p:nvPr/>
+        </p:nvSpPr>
+        <p:spPr>
+          <a:xfrm>
+            <a:off x="261546" y="5526848"/>
+            <a:ext cx="4092915" cy="618732"/>
+          </a:xfrm>
+          <a:prstGeom prst="rect">
+            <a:avLst/>
+          </a:prstGeom>
+          <a:noFill/>
+          <a:ln w="28575">
+            <a:solidFill>
+              <a:schemeClr val="accent1">
+                <a:lumMod val="50000"/>
+              </a:schemeClr>
+            </a:solidFill>
+            <a:prstDash val="solid"/>
+          </a:ln>
+        </p:spPr>
+        <p:style>
+          <a:lnRef idx="2">
+            <a:schemeClr val="accent1">
+              <a:shade val="50000"/>
+            </a:schemeClr>
+          </a:lnRef>
+          <a:fillRef idx="1">
+            <a:schemeClr val="accent1"/>
+          </a:fillRef>
+          <a:effectRef idx="0">
+            <a:schemeClr val="accent1"/>
+          </a:effectRef>
+          <a:fontRef idx="minor">
+            <a:schemeClr val="lt1"/>
+          </a:fontRef>
+        </p:style>
+        <p:txBody>
+          <a:bodyPr rtlCol="0" anchor="ctr"/>
+          <a:lstStyle/>
+          <a:p>
+            <a:pPr algn="ctr" defTabSz="685800">
+              <a:defRPr/>
+            </a:pPr>
+            <a:endParaRPr lang="en-US" sz="1350">
+              <a:solidFill>
+                <a:prstClr val="white"/>
+              </a:solidFill>
+              <a:latin typeface="Calibri" panose="020F0502020204030204"/>
+            </a:endParaRPr>
+          </a:p>
+        </p:txBody>
+      </p:sp>
+      <p:sp>
+        <p:nvSpPr>
+          <p:cNvPr id="69" name="TextBox 68">
+            <a:extLst>
+              <a:ext uri="{FF2B5EF4-FFF2-40B4-BE49-F238E27FC236}">
+                <a16:creationId xmlns:a16="http://schemas.microsoft.com/office/drawing/2014/main" id="{A111D743-384A-4BB1-84F0-EE34883FFF61}"/>
+              </a:ext>
+            </a:extLst>
+          </p:cNvPr>
+          <p:cNvSpPr txBox="1"/>
+          <p:nvPr/>
+        </p:nvSpPr>
+        <p:spPr>
+          <a:xfrm>
+            <a:off x="742114" y="5644888"/>
+            <a:ext cx="3054272" cy="323165"/>
+          </a:xfrm>
+          <a:prstGeom prst="rect">
+            <a:avLst/>
+          </a:prstGeom>
+          <a:noFill/>
+        </p:spPr>
+        <p:txBody>
+          <a:bodyPr wrap="square" rtlCol="0">
+            <a:spAutoFit/>
+          </a:bodyPr>
+          <a:lstStyle/>
+          <a:p>
+            <a:pPr algn="ctr" defTabSz="685800">
+              <a:defRPr/>
+            </a:pPr>
+            <a:r>
+              <a:rPr lang="en-US" sz="1500" dirty="0">
+                <a:solidFill>
+                  <a:prstClr val="black"/>
+                </a:solidFill>
+                <a:latin typeface="Verdana" panose="020B0604030504040204" pitchFamily="34" charset="0"/>
+                <a:ea typeface="Verdana" panose="020B0604030504040204" pitchFamily="34" charset="0"/>
+              </a:rPr>
+              <a:t>Big Data Storage</a:t>
+            </a:r>
+          </a:p>
+        </p:txBody>
+      </p:sp>
+      <p:sp>
+        <p:nvSpPr>
+          <p:cNvPr id="71" name="Oval 70">
+            <a:extLst>
+              <a:ext uri="{FF2B5EF4-FFF2-40B4-BE49-F238E27FC236}">
+                <a16:creationId xmlns:a16="http://schemas.microsoft.com/office/drawing/2014/main" id="{2E980390-A251-4B86-9F4B-45C402338A08}"/>
+              </a:ext>
+            </a:extLst>
+          </p:cNvPr>
+          <p:cNvSpPr/>
+          <p:nvPr/>
+        </p:nvSpPr>
+        <p:spPr>
+          <a:xfrm>
+            <a:off x="705838" y="4922529"/>
+            <a:ext cx="200147" cy="170244"/>
+          </a:xfrm>
+          <a:prstGeom prst="ellipse">
+            <a:avLst/>
+          </a:prstGeom>
+          <a:solidFill>
+            <a:srgbClr val="00B050"/>
+          </a:solidFill>
+          <a:ln>
+            <a:solidFill>
+              <a:srgbClr val="00B050"/>
+            </a:solidFill>
+          </a:ln>
+        </p:spPr>
+        <p:style>
+          <a:lnRef idx="2">
+            <a:schemeClr val="accent1">
+              <a:shade val="50000"/>
+            </a:schemeClr>
+          </a:lnRef>
+          <a:fillRef idx="1">
+            <a:schemeClr val="accent1"/>
+          </a:fillRef>
+          <a:effectRef idx="0">
+            <a:schemeClr val="accent1"/>
+          </a:effectRef>
+          <a:fontRef idx="minor">
+            <a:schemeClr val="lt1"/>
+          </a:fontRef>
+        </p:style>
+        <p:txBody>
+          <a:bodyPr rtlCol="0" anchor="ctr"/>
+          <a:lstStyle/>
+          <a:p>
+            <a:pPr algn="ctr"/>
+            <a:r>
+              <a:rPr lang="en-US" sz="1100" dirty="0">
+                <a:solidFill>
+                  <a:schemeClr val="tx1"/>
+                </a:solidFill>
+              </a:rPr>
+              <a:t>1</a:t>
+            </a:r>
+          </a:p>
+        </p:txBody>
+      </p:sp>
+      <p:cxnSp>
+        <p:nvCxnSpPr>
+          <p:cNvPr id="72" name="Connector: Elbow 71">
+            <a:extLst>
+              <a:ext uri="{FF2B5EF4-FFF2-40B4-BE49-F238E27FC236}">
+                <a16:creationId xmlns:a16="http://schemas.microsoft.com/office/drawing/2014/main" id="{F4F9E704-CABB-4F4E-A143-578B3EE6C3AF}"/>
+              </a:ext>
+            </a:extLst>
+          </p:cNvPr>
+          <p:cNvCxnSpPr>
+            <a:cxnSpLocks/>
+          </p:cNvCxnSpPr>
+          <p:nvPr/>
+        </p:nvCxnSpPr>
+        <p:spPr>
+          <a:xfrm rot="5400000" flipH="1" flipV="1">
+            <a:off x="322597" y="4775559"/>
+            <a:ext cx="1362578" cy="140003"/>
+          </a:xfrm>
+          <a:prstGeom prst="bentConnector3">
+            <a:avLst>
+              <a:gd name="adj1" fmla="val 30492"/>
+            </a:avLst>
+          </a:prstGeom>
+          <a:ln w="19050">
+            <a:solidFill>
+              <a:schemeClr val="tx1"/>
+            </a:solidFill>
+            <a:tailEnd type="triangle"/>
+          </a:ln>
+        </p:spPr>
+        <p:style>
+          <a:lnRef idx="1">
+            <a:schemeClr val="accent1"/>
+          </a:lnRef>
+          <a:fillRef idx="0">
+            <a:schemeClr val="accent1"/>
+          </a:fillRef>
+          <a:effectRef idx="0">
+            <a:schemeClr val="accent1"/>
+          </a:effectRef>
+          <a:fontRef idx="minor">
+            <a:schemeClr val="tx1"/>
+          </a:fontRef>
+        </p:style>
+      </p:cxnSp>
+      <p:cxnSp>
+        <p:nvCxnSpPr>
+          <p:cNvPr id="73" name="Connector: Elbow 72">
+            <a:extLst>
+              <a:ext uri="{FF2B5EF4-FFF2-40B4-BE49-F238E27FC236}">
+                <a16:creationId xmlns:a16="http://schemas.microsoft.com/office/drawing/2014/main" id="{D50F2F07-E38F-4588-9539-CB9B70328A02}"/>
+              </a:ext>
+            </a:extLst>
+          </p:cNvPr>
+          <p:cNvCxnSpPr>
+            <a:cxnSpLocks/>
+          </p:cNvCxnSpPr>
+          <p:nvPr/>
+        </p:nvCxnSpPr>
+        <p:spPr>
+          <a:xfrm rot="5400000">
+            <a:off x="2833891" y="4861012"/>
+            <a:ext cx="1359120" cy="12700"/>
+          </a:xfrm>
+          <a:prstGeom prst="bentConnector3">
+            <a:avLst>
+              <a:gd name="adj1" fmla="val 60170"/>
+            </a:avLst>
+          </a:prstGeom>
+          <a:ln w="19050">
+            <a:solidFill>
+              <a:schemeClr val="tx1"/>
+            </a:solidFill>
+            <a:tailEnd type="triangle"/>
+          </a:ln>
+        </p:spPr>
+        <p:style>
+          <a:lnRef idx="1">
+            <a:schemeClr val="accent1"/>
+          </a:lnRef>
+          <a:fillRef idx="0">
+            <a:schemeClr val="accent1"/>
+          </a:fillRef>
+          <a:effectRef idx="0">
+            <a:schemeClr val="accent1"/>
+          </a:effectRef>
+          <a:fontRef idx="minor">
+            <a:schemeClr val="tx1"/>
+          </a:fontRef>
+        </p:style>
+      </p:cxnSp>
+      <p:sp>
+        <p:nvSpPr>
+          <p:cNvPr id="77" name="Oval 76">
+            <a:extLst>
+              <a:ext uri="{FF2B5EF4-FFF2-40B4-BE49-F238E27FC236}">
+                <a16:creationId xmlns:a16="http://schemas.microsoft.com/office/drawing/2014/main" id="{6986B011-EC3B-4FE0-A16E-102EEED85E37}"/>
+              </a:ext>
+            </a:extLst>
+          </p:cNvPr>
+          <p:cNvSpPr/>
+          <p:nvPr/>
+        </p:nvSpPr>
+        <p:spPr>
+          <a:xfrm>
+            <a:off x="3537972" y="5026990"/>
+            <a:ext cx="200147" cy="170244"/>
+          </a:xfrm>
+          <a:prstGeom prst="ellipse">
+            <a:avLst/>
+          </a:prstGeom>
+          <a:solidFill>
+            <a:srgbClr val="00B050"/>
+          </a:solidFill>
+          <a:ln>
+            <a:solidFill>
+              <a:srgbClr val="00B050"/>
+            </a:solidFill>
+          </a:ln>
+        </p:spPr>
+        <p:style>
+          <a:lnRef idx="2">
+            <a:schemeClr val="accent1">
+              <a:shade val="50000"/>
+            </a:schemeClr>
+          </a:lnRef>
+          <a:fillRef idx="1">
+            <a:schemeClr val="accent1"/>
+          </a:fillRef>
+          <a:effectRef idx="0">
+            <a:schemeClr val="accent1"/>
+          </a:effectRef>
+          <a:fontRef idx="minor">
+            <a:schemeClr val="lt1"/>
+          </a:fontRef>
+        </p:style>
+        <p:txBody>
+          <a:bodyPr rtlCol="0" anchor="ctr"/>
+          <a:lstStyle/>
+          <a:p>
+            <a:pPr algn="ctr"/>
+            <a:r>
+              <a:rPr lang="en-US" sz="1100" dirty="0">
+                <a:solidFill>
+                  <a:schemeClr val="tx1"/>
+                </a:solidFill>
+              </a:rPr>
+              <a:t>5</a:t>
+            </a:r>
+            <a:endParaRPr lang="en-US" sz="1200" dirty="0">
+              <a:solidFill>
+                <a:schemeClr val="tx1"/>
+              </a:solidFill>
+            </a:endParaRPr>
+          </a:p>
+        </p:txBody>
+      </p:sp>
+      <p:pic>
+        <p:nvPicPr>
+          <p:cNvPr id="78" name="Picture 77">
+            <a:extLst>
+              <a:ext uri="{FF2B5EF4-FFF2-40B4-BE49-F238E27FC236}">
+                <a16:creationId xmlns:a16="http://schemas.microsoft.com/office/drawing/2014/main" id="{718A26E4-C40A-4BA3-AE41-EAB3182E34EC}"/>
+              </a:ext>
+            </a:extLst>
+          </p:cNvPr>
+          <p:cNvPicPr>
+            <a:picLocks noChangeAspect="1"/>
+          </p:cNvPicPr>
+          <p:nvPr/>
+        </p:nvPicPr>
+        <p:blipFill>
+          <a:blip r:embed="rId4"/>
+          <a:stretch>
+            <a:fillRect/>
+          </a:stretch>
+        </p:blipFill>
+        <p:spPr>
+          <a:xfrm>
+            <a:off x="4680867" y="1713929"/>
+            <a:ext cx="2950201" cy="2482383"/>
+          </a:xfrm>
+          <a:prstGeom prst="rect">
+            <a:avLst/>
+          </a:prstGeom>
+        </p:spPr>
+      </p:pic>
+      <p:pic>
+        <p:nvPicPr>
+          <p:cNvPr id="82" name="Picture 81">
+            <a:extLst>
+              <a:ext uri="{FF2B5EF4-FFF2-40B4-BE49-F238E27FC236}">
+                <a16:creationId xmlns:a16="http://schemas.microsoft.com/office/drawing/2014/main" id="{CF7D2E96-D21F-43A3-B7EB-E578CB3614B3}"/>
+              </a:ext>
+            </a:extLst>
+          </p:cNvPr>
+          <p:cNvPicPr>
+            <a:picLocks noChangeAspect="1"/>
+          </p:cNvPicPr>
+          <p:nvPr/>
+        </p:nvPicPr>
+        <p:blipFill>
+          <a:blip r:embed="rId5"/>
+          <a:stretch>
+            <a:fillRect/>
+          </a:stretch>
+        </p:blipFill>
+        <p:spPr>
+          <a:xfrm>
+            <a:off x="5797861" y="5144071"/>
+            <a:ext cx="4384544" cy="1240537"/>
+          </a:xfrm>
+          <a:prstGeom prst="rect">
+            <a:avLst/>
+          </a:prstGeom>
+        </p:spPr>
+      </p:pic>
+      <p:cxnSp>
+        <p:nvCxnSpPr>
+          <p:cNvPr id="83" name="Connector: Elbow 82">
+            <a:extLst>
+              <a:ext uri="{FF2B5EF4-FFF2-40B4-BE49-F238E27FC236}">
+                <a16:creationId xmlns:a16="http://schemas.microsoft.com/office/drawing/2014/main" id="{005FB90F-F1E2-492F-AB05-14F0D76BEAD4}"/>
+              </a:ext>
+            </a:extLst>
+          </p:cNvPr>
+          <p:cNvCxnSpPr>
+            <a:cxnSpLocks/>
+            <a:stCxn id="97" idx="2"/>
+            <a:endCxn id="82" idx="0"/>
+          </p:cNvCxnSpPr>
+          <p:nvPr/>
+        </p:nvCxnSpPr>
+        <p:spPr>
+          <a:xfrm rot="5400000">
+            <a:off x="8702912" y="3806181"/>
+            <a:ext cx="625111" cy="2050668"/>
+          </a:xfrm>
+          <a:prstGeom prst="bentConnector3">
+            <a:avLst>
+              <a:gd name="adj1" fmla="val 50000"/>
+            </a:avLst>
+          </a:prstGeom>
+          <a:ln w="19050">
+            <a:solidFill>
+              <a:schemeClr val="tx1"/>
+            </a:solidFill>
+            <a:tailEnd type="triangle"/>
+          </a:ln>
+        </p:spPr>
+        <p:style>
+          <a:lnRef idx="1">
+            <a:schemeClr val="accent1"/>
+          </a:lnRef>
+          <a:fillRef idx="0">
+            <a:schemeClr val="accent1"/>
+          </a:fillRef>
+          <a:effectRef idx="0">
+            <a:schemeClr val="accent1"/>
+          </a:effectRef>
+          <a:fontRef idx="minor">
+            <a:schemeClr val="tx1"/>
+          </a:fontRef>
+        </p:style>
+      </p:cxnSp>
+      <p:sp>
+        <p:nvSpPr>
+          <p:cNvPr id="89" name="TextBox 88">
+            <a:extLst>
+              <a:ext uri="{FF2B5EF4-FFF2-40B4-BE49-F238E27FC236}">
+                <a16:creationId xmlns:a16="http://schemas.microsoft.com/office/drawing/2014/main" id="{6339F545-76A8-435A-9BC1-7383F6383C65}"/>
+              </a:ext>
+            </a:extLst>
+          </p:cNvPr>
+          <p:cNvSpPr txBox="1"/>
+          <p:nvPr/>
+        </p:nvSpPr>
+        <p:spPr>
+          <a:xfrm>
+            <a:off x="8152999" y="4667260"/>
+            <a:ext cx="1723068" cy="307777"/>
+          </a:xfrm>
+          <a:prstGeom prst="rect">
+            <a:avLst/>
+          </a:prstGeom>
+          <a:noFill/>
+        </p:spPr>
+        <p:txBody>
+          <a:bodyPr wrap="square" rtlCol="0">
+            <a:spAutoFit/>
+          </a:bodyPr>
+          <a:lstStyle/>
+          <a:p>
+            <a:pPr defTabSz="685800"/>
+            <a:r>
+              <a:rPr lang="en-US" sz="700" dirty="0">
+                <a:solidFill>
+                  <a:prstClr val="black"/>
+                </a:solidFill>
+                <a:latin typeface="Verdana" panose="020B0604030504040204" pitchFamily="34" charset="0"/>
+                <a:ea typeface="Verdana" panose="020B0604030504040204" pitchFamily="34" charset="0"/>
+              </a:rPr>
+              <a:t>Input Best Model Parameters to Logistic Regression</a:t>
+            </a:r>
+          </a:p>
+        </p:txBody>
+      </p:sp>
+      <p:cxnSp>
+        <p:nvCxnSpPr>
+          <p:cNvPr id="90" name="Connector: Elbow 89">
+            <a:extLst>
+              <a:ext uri="{FF2B5EF4-FFF2-40B4-BE49-F238E27FC236}">
+                <a16:creationId xmlns:a16="http://schemas.microsoft.com/office/drawing/2014/main" id="{278560F6-1579-4A61-A8C0-5E6B2A4E1C22}"/>
+              </a:ext>
+            </a:extLst>
+          </p:cNvPr>
+          <p:cNvCxnSpPr>
+            <a:cxnSpLocks/>
+            <a:stCxn id="78" idx="3"/>
+            <a:endCxn id="97" idx="1"/>
+          </p:cNvCxnSpPr>
+          <p:nvPr/>
+        </p:nvCxnSpPr>
+        <p:spPr>
+          <a:xfrm>
+            <a:off x="7631068" y="2955121"/>
+            <a:ext cx="1403696" cy="172475"/>
+          </a:xfrm>
+          <a:prstGeom prst="bentConnector3">
+            <a:avLst>
+              <a:gd name="adj1" fmla="val 50000"/>
+            </a:avLst>
+          </a:prstGeom>
+          <a:ln w="19050">
+            <a:solidFill>
+              <a:schemeClr val="tx1"/>
+            </a:solidFill>
+            <a:tailEnd type="triangle"/>
+          </a:ln>
+        </p:spPr>
+        <p:style>
+          <a:lnRef idx="1">
+            <a:schemeClr val="accent1"/>
+          </a:lnRef>
+          <a:fillRef idx="0">
+            <a:schemeClr val="accent1"/>
+          </a:fillRef>
+          <a:effectRef idx="0">
+            <a:schemeClr val="accent1"/>
+          </a:effectRef>
+          <a:fontRef idx="minor">
+            <a:schemeClr val="tx1"/>
+          </a:fontRef>
+        </p:style>
+      </p:cxnSp>
+      <p:sp>
+        <p:nvSpPr>
+          <p:cNvPr id="93" name="TextBox 92">
+            <a:extLst>
+              <a:ext uri="{FF2B5EF4-FFF2-40B4-BE49-F238E27FC236}">
+                <a16:creationId xmlns:a16="http://schemas.microsoft.com/office/drawing/2014/main" id="{6E3FD200-797B-493C-84AD-DD7684D904A5}"/>
+              </a:ext>
+            </a:extLst>
+          </p:cNvPr>
+          <p:cNvSpPr txBox="1"/>
+          <p:nvPr/>
+        </p:nvSpPr>
+        <p:spPr>
+          <a:xfrm>
+            <a:off x="7809285" y="2680313"/>
+            <a:ext cx="1723068" cy="307777"/>
+          </a:xfrm>
+          <a:prstGeom prst="rect">
+            <a:avLst/>
+          </a:prstGeom>
+          <a:noFill/>
+        </p:spPr>
+        <p:txBody>
+          <a:bodyPr wrap="square" rtlCol="0">
+            <a:spAutoFit/>
+          </a:bodyPr>
+          <a:lstStyle/>
+          <a:p>
+            <a:pPr defTabSz="685800"/>
+            <a:r>
+              <a:rPr lang="en-US" sz="700" dirty="0">
+                <a:solidFill>
+                  <a:prstClr val="black"/>
+                </a:solidFill>
+                <a:latin typeface="Verdana" panose="020B0604030504040204" pitchFamily="34" charset="0"/>
+                <a:ea typeface="Verdana" panose="020B0604030504040204" pitchFamily="34" charset="0"/>
+              </a:rPr>
+              <a:t>Determine Best </a:t>
+            </a:r>
+          </a:p>
+          <a:p>
+            <a:pPr defTabSz="685800"/>
+            <a:r>
+              <a:rPr lang="en-US" sz="700" dirty="0">
+                <a:solidFill>
+                  <a:prstClr val="black"/>
+                </a:solidFill>
+                <a:latin typeface="Verdana" panose="020B0604030504040204" pitchFamily="34" charset="0"/>
+                <a:ea typeface="Verdana" panose="020B0604030504040204" pitchFamily="34" charset="0"/>
+              </a:rPr>
+              <a:t>Model Parameters</a:t>
+            </a:r>
+          </a:p>
+        </p:txBody>
+      </p:sp>
+      <p:sp>
+        <p:nvSpPr>
+          <p:cNvPr id="94" name="Oval 93">
+            <a:extLst>
+              <a:ext uri="{FF2B5EF4-FFF2-40B4-BE49-F238E27FC236}">
+                <a16:creationId xmlns:a16="http://schemas.microsoft.com/office/drawing/2014/main" id="{ADA31D31-F519-4D29-9FCE-5803AD0D3AF4}"/>
+              </a:ext>
+            </a:extLst>
+          </p:cNvPr>
+          <p:cNvSpPr/>
+          <p:nvPr/>
+        </p:nvSpPr>
+        <p:spPr>
+          <a:xfrm>
+            <a:off x="6866516" y="1850794"/>
+            <a:ext cx="200147" cy="170244"/>
+          </a:xfrm>
+          <a:prstGeom prst="ellipse">
+            <a:avLst/>
+          </a:prstGeom>
+          <a:solidFill>
+            <a:srgbClr val="00B050"/>
+          </a:solidFill>
+          <a:ln>
+            <a:solidFill>
+              <a:srgbClr val="00B050"/>
+            </a:solidFill>
+          </a:ln>
+        </p:spPr>
+        <p:style>
+          <a:lnRef idx="2">
+            <a:schemeClr val="accent1">
+              <a:shade val="50000"/>
+            </a:schemeClr>
+          </a:lnRef>
+          <a:fillRef idx="1">
+            <a:schemeClr val="accent1"/>
+          </a:fillRef>
+          <a:effectRef idx="0">
+            <a:schemeClr val="accent1"/>
+          </a:effectRef>
+          <a:fontRef idx="minor">
+            <a:schemeClr val="lt1"/>
+          </a:fontRef>
+        </p:style>
+        <p:txBody>
+          <a:bodyPr rtlCol="0" anchor="ctr"/>
+          <a:lstStyle/>
+          <a:p>
+            <a:pPr algn="ctr"/>
+            <a:r>
+              <a:rPr lang="en-US" sz="1100" dirty="0">
+                <a:solidFill>
+                  <a:schemeClr val="tx1"/>
+                </a:solidFill>
+              </a:rPr>
+              <a:t>2</a:t>
+            </a:r>
+          </a:p>
+        </p:txBody>
+      </p:sp>
+      <p:sp>
+        <p:nvSpPr>
+          <p:cNvPr id="95" name="Oval 94">
+            <a:extLst>
+              <a:ext uri="{FF2B5EF4-FFF2-40B4-BE49-F238E27FC236}">
+                <a16:creationId xmlns:a16="http://schemas.microsoft.com/office/drawing/2014/main" id="{5A11F874-C96F-41F9-802D-A6185522448A}"/>
+              </a:ext>
+            </a:extLst>
+          </p:cNvPr>
+          <p:cNvSpPr/>
+          <p:nvPr/>
+        </p:nvSpPr>
+        <p:spPr>
+          <a:xfrm>
+            <a:off x="9872377" y="5250873"/>
+            <a:ext cx="200147" cy="170244"/>
+          </a:xfrm>
+          <a:prstGeom prst="ellipse">
+            <a:avLst/>
+          </a:prstGeom>
+          <a:solidFill>
+            <a:srgbClr val="00B050"/>
+          </a:solidFill>
+          <a:ln>
+            <a:solidFill>
+              <a:srgbClr val="00B050"/>
+            </a:solidFill>
+          </a:ln>
+        </p:spPr>
+        <p:style>
+          <a:lnRef idx="2">
+            <a:schemeClr val="accent1">
+              <a:shade val="50000"/>
+            </a:schemeClr>
+          </a:lnRef>
+          <a:fillRef idx="1">
+            <a:schemeClr val="accent1"/>
+          </a:fillRef>
+          <a:effectRef idx="0">
+            <a:schemeClr val="accent1"/>
+          </a:effectRef>
+          <a:fontRef idx="minor">
+            <a:schemeClr val="lt1"/>
+          </a:fontRef>
+        </p:style>
+        <p:txBody>
+          <a:bodyPr rtlCol="0" anchor="ctr"/>
+          <a:lstStyle/>
+          <a:p>
+            <a:pPr algn="ctr"/>
+            <a:r>
+              <a:rPr lang="en-US" sz="1100" dirty="0">
+                <a:solidFill>
+                  <a:schemeClr val="tx1"/>
+                </a:solidFill>
+              </a:rPr>
+              <a:t>4</a:t>
+            </a:r>
+            <a:endParaRPr lang="en-US" sz="1200" dirty="0">
+              <a:solidFill>
+                <a:schemeClr val="tx1"/>
+              </a:solidFill>
+            </a:endParaRPr>
+          </a:p>
+        </p:txBody>
+      </p:sp>
+      <p:pic>
+        <p:nvPicPr>
+          <p:cNvPr id="97" name="Picture 96">
+            <a:extLst>
+              <a:ext uri="{FF2B5EF4-FFF2-40B4-BE49-F238E27FC236}">
+                <a16:creationId xmlns:a16="http://schemas.microsoft.com/office/drawing/2014/main" id="{1DB4948A-1C96-4431-9798-2767945A42E7}"/>
+              </a:ext>
+            </a:extLst>
+          </p:cNvPr>
+          <p:cNvPicPr>
+            <a:picLocks noChangeAspect="1"/>
+          </p:cNvPicPr>
+          <p:nvPr/>
+        </p:nvPicPr>
+        <p:blipFill>
+          <a:blip r:embed="rId6"/>
+          <a:stretch>
+            <a:fillRect/>
+          </a:stretch>
+        </p:blipFill>
+        <p:spPr>
+          <a:xfrm>
+            <a:off x="9034764" y="1736232"/>
+            <a:ext cx="2012073" cy="2782728"/>
+          </a:xfrm>
+          <a:prstGeom prst="rect">
+            <a:avLst/>
+          </a:prstGeom>
+        </p:spPr>
+      </p:pic>
+    </p:spTree>
+    <p:extLst>
+      <p:ext uri="{BB962C8B-B14F-4D97-AF65-F5344CB8AC3E}">
+        <p14:creationId xmlns:p14="http://schemas.microsoft.com/office/powerpoint/2010/main" val="924411264"/>
+      </p:ext>
+    </p:extLst>
+  </p:cSld>
+  <p:clrMapOvr>
+    <a:masterClrMapping/>
+  </p:clrMapOvr>
+</p:sld>
+</file>
+
+<file path=ppt/slides/slide17.xml><?xml version="1.0" encoding="utf-8"?>
+<p:sld xmlns:a="http://schemas.openxmlformats.org/drawingml/2006/main" xmlns:r="http://schemas.openxmlformats.org/officeDocument/2006/relationships" xmlns:p="http://schemas.openxmlformats.org/presentationml/2006/main">
+  <p:cSld>
+    <p:spTree>
+      <p:nvGrpSpPr>
+        <p:cNvPr id="1" name=""/>
+        <p:cNvGrpSpPr/>
+        <p:nvPr/>
+      </p:nvGrpSpPr>
+      <p:grpSpPr>
+        <a:xfrm>
+          <a:off x="0" y="0"/>
+          <a:ext cx="0" cy="0"/>
+          <a:chOff x="0" y="0"/>
+          <a:chExt cx="0" cy="0"/>
+        </a:xfrm>
+      </p:grpSpPr>
+      <p:sp>
+        <p:nvSpPr>
+          <p:cNvPr id="76" name="Title 1">
+            <a:extLst>
+              <a:ext uri="{FF2B5EF4-FFF2-40B4-BE49-F238E27FC236}">
+                <a16:creationId xmlns:a16="http://schemas.microsoft.com/office/drawing/2014/main" id="{77C709C5-536F-43E0-8949-0992532DEB8C}"/>
+              </a:ext>
+            </a:extLst>
+          </p:cNvPr>
+          <p:cNvSpPr>
+            <a:spLocks noGrp="1"/>
+          </p:cNvSpPr>
+          <p:nvPr>
+            <p:ph type="title"/>
+          </p:nvPr>
+        </p:nvSpPr>
+        <p:spPr>
+          <a:xfrm>
+            <a:off x="-227150" y="392211"/>
+            <a:ext cx="10515600" cy="817723"/>
+          </a:xfrm>
+        </p:spPr>
+        <p:txBody>
+          <a:bodyPr>
+            <a:normAutofit/>
+          </a:bodyPr>
+          <a:lstStyle/>
+          <a:p>
+            <a:pPr marL="457200" lvl="1">
+              <a:lnSpc>
+                <a:spcPct val="150000"/>
+              </a:lnSpc>
+            </a:pPr>
+            <a:r>
+              <a:rPr lang="en-US" sz="2400" b="1" kern="1200" dirty="0">
+                <a:solidFill>
+                  <a:srgbClr val="9E2946"/>
+                </a:solidFill>
+                <a:latin typeface="Verdana" panose="020B0604030504040204" pitchFamily="34" charset="0"/>
+                <a:ea typeface="Verdana" panose="020B0604030504040204" pitchFamily="34" charset="0"/>
+                <a:cs typeface="+mj-cs"/>
+              </a:rPr>
+              <a:t>Results and Evaluation</a:t>
+            </a:r>
+          </a:p>
+        </p:txBody>
+      </p:sp>
+      <p:sp>
+        <p:nvSpPr>
+          <p:cNvPr id="3" name="Slide Number Placeholder 2">
+            <a:extLst>
+              <a:ext uri="{FF2B5EF4-FFF2-40B4-BE49-F238E27FC236}">
+                <a16:creationId xmlns:a16="http://schemas.microsoft.com/office/drawing/2014/main" id="{26DF549E-0929-4558-B72A-C49F4959F13A}"/>
+              </a:ext>
+            </a:extLst>
+          </p:cNvPr>
+          <p:cNvSpPr>
+            <a:spLocks noGrp="1"/>
+          </p:cNvSpPr>
+          <p:nvPr>
+            <p:ph type="sldNum" sz="quarter" idx="12"/>
+          </p:nvPr>
+        </p:nvSpPr>
+        <p:spPr/>
+        <p:txBody>
+          <a:bodyPr/>
+          <a:lstStyle/>
+          <a:p>
+            <a:fld id="{CE94D1BC-D86E-4D7F-8F02-7A51C792EE04}" type="slidenum">
+              <a:rPr lang="en-US" smtClean="0"/>
+              <a:t>17</a:t>
+            </a:fld>
+            <a:endParaRPr lang="en-US"/>
+          </a:p>
+        </p:txBody>
+      </p:sp>
+      <p:sp>
+        <p:nvSpPr>
+          <p:cNvPr id="8" name="Rectangle: Rounded Corners 7">
+            <a:extLst>
+              <a:ext uri="{FF2B5EF4-FFF2-40B4-BE49-F238E27FC236}">
+                <a16:creationId xmlns:a16="http://schemas.microsoft.com/office/drawing/2014/main" id="{A94466D1-B61C-4EF1-908E-89E940596724}"/>
+              </a:ext>
+            </a:extLst>
+          </p:cNvPr>
+          <p:cNvSpPr/>
+          <p:nvPr/>
+        </p:nvSpPr>
+        <p:spPr>
+          <a:xfrm>
+            <a:off x="4775911" y="285726"/>
+            <a:ext cx="1352550" cy="390525"/>
+          </a:xfrm>
+          <a:prstGeom prst="roundRect">
+            <a:avLst/>
+          </a:prstGeom>
+          <a:solidFill>
+            <a:schemeClr val="bg1">
+              <a:lumMod val="75000"/>
+            </a:schemeClr>
+          </a:solidFill>
+          <a:ln>
+            <a:noFill/>
+          </a:ln>
+        </p:spPr>
+        <p:style>
+          <a:lnRef idx="2">
+            <a:schemeClr val="accent1">
+              <a:shade val="50000"/>
+            </a:schemeClr>
+          </a:lnRef>
+          <a:fillRef idx="1">
+            <a:schemeClr val="accent1"/>
+          </a:fillRef>
+          <a:effectRef idx="0">
+            <a:schemeClr val="accent1"/>
+          </a:effectRef>
+          <a:fontRef idx="minor">
+            <a:schemeClr val="lt1"/>
+          </a:fontRef>
+        </p:style>
+        <p:txBody>
+          <a:bodyPr rtlCol="0" anchor="ctr"/>
+          <a:lstStyle/>
+          <a:p>
+            <a:pPr algn="ctr"/>
+            <a:r>
+              <a:rPr lang="en-US" sz="1000" dirty="0">
+                <a:latin typeface="Verdana" panose="020B0604030504040204" pitchFamily="34" charset="0"/>
+                <a:ea typeface="Verdana" panose="020B0604030504040204" pitchFamily="34" charset="0"/>
+              </a:rPr>
+              <a:t>Background</a:t>
+            </a:r>
+          </a:p>
+        </p:txBody>
+      </p:sp>
+      <p:sp>
+        <p:nvSpPr>
+          <p:cNvPr id="10" name="Rectangle: Rounded Corners 9">
+            <a:extLst>
+              <a:ext uri="{FF2B5EF4-FFF2-40B4-BE49-F238E27FC236}">
+                <a16:creationId xmlns:a16="http://schemas.microsoft.com/office/drawing/2014/main" id="{D0CF06AE-5C66-40BE-AF92-C9254A0C3FD7}"/>
+              </a:ext>
+            </a:extLst>
+          </p:cNvPr>
+          <p:cNvSpPr/>
+          <p:nvPr/>
+        </p:nvSpPr>
+        <p:spPr>
+          <a:xfrm>
+            <a:off x="6188785" y="285727"/>
+            <a:ext cx="1352550" cy="390525"/>
+          </a:xfrm>
+          <a:prstGeom prst="roundRect">
+            <a:avLst/>
+          </a:prstGeom>
+          <a:solidFill>
+            <a:schemeClr val="bg1">
+              <a:lumMod val="75000"/>
+            </a:schemeClr>
+          </a:solidFill>
+          <a:ln>
+            <a:noFill/>
+          </a:ln>
+        </p:spPr>
+        <p:style>
+          <a:lnRef idx="2">
+            <a:schemeClr val="accent1">
+              <a:shade val="50000"/>
+            </a:schemeClr>
+          </a:lnRef>
+          <a:fillRef idx="1">
+            <a:schemeClr val="accent1"/>
+          </a:fillRef>
+          <a:effectRef idx="0">
+            <a:schemeClr val="accent1"/>
+          </a:effectRef>
+          <a:fontRef idx="minor">
+            <a:schemeClr val="lt1"/>
+          </a:fontRef>
+        </p:style>
+        <p:txBody>
+          <a:bodyPr rtlCol="0" anchor="ctr"/>
+          <a:lstStyle/>
+          <a:p>
+            <a:pPr algn="ctr"/>
+            <a:r>
+              <a:rPr lang="en-US" sz="1000" dirty="0">
+                <a:latin typeface="Verdana" panose="020B0604030504040204" pitchFamily="34" charset="0"/>
+                <a:ea typeface="Verdana" panose="020B0604030504040204" pitchFamily="34" charset="0"/>
+              </a:rPr>
+              <a:t>Architecture</a:t>
+            </a:r>
+          </a:p>
+        </p:txBody>
+      </p:sp>
+      <p:sp>
+        <p:nvSpPr>
+          <p:cNvPr id="11" name="Rectangle: Rounded Corners 10">
+            <a:extLst>
+              <a:ext uri="{FF2B5EF4-FFF2-40B4-BE49-F238E27FC236}">
+                <a16:creationId xmlns:a16="http://schemas.microsoft.com/office/drawing/2014/main" id="{9B2AA2F4-54FD-4548-A211-ABBC31F90EE6}"/>
+              </a:ext>
+            </a:extLst>
+          </p:cNvPr>
+          <p:cNvSpPr/>
+          <p:nvPr/>
+        </p:nvSpPr>
+        <p:spPr>
+          <a:xfrm>
+            <a:off x="7601659" y="285726"/>
+            <a:ext cx="1352550" cy="390525"/>
+          </a:xfrm>
+          <a:prstGeom prst="roundRect">
+            <a:avLst/>
+          </a:prstGeom>
+          <a:solidFill>
+            <a:schemeClr val="bg1">
+              <a:lumMod val="75000"/>
+            </a:schemeClr>
+          </a:solidFill>
+          <a:ln>
+            <a:noFill/>
+          </a:ln>
+        </p:spPr>
+        <p:style>
+          <a:lnRef idx="2">
+            <a:schemeClr val="accent1">
+              <a:shade val="50000"/>
+            </a:schemeClr>
+          </a:lnRef>
+          <a:fillRef idx="1">
+            <a:schemeClr val="accent1"/>
+          </a:fillRef>
+          <a:effectRef idx="0">
+            <a:schemeClr val="accent1"/>
+          </a:effectRef>
+          <a:fontRef idx="minor">
+            <a:schemeClr val="lt1"/>
+          </a:fontRef>
+        </p:style>
+        <p:txBody>
+          <a:bodyPr rtlCol="0" anchor="ctr"/>
+          <a:lstStyle/>
+          <a:p>
+            <a:pPr algn="ctr"/>
+            <a:r>
+              <a:rPr lang="en-US" sz="1000" dirty="0">
+                <a:latin typeface="Verdana" panose="020B0604030504040204" pitchFamily="34" charset="0"/>
+                <a:ea typeface="Verdana" panose="020B0604030504040204" pitchFamily="34" charset="0"/>
+              </a:rPr>
+              <a:t>Methodology</a:t>
+            </a:r>
+          </a:p>
+        </p:txBody>
+      </p:sp>
+      <p:sp>
+        <p:nvSpPr>
+          <p:cNvPr id="12" name="Rectangle: Rounded Corners 11">
+            <a:extLst>
+              <a:ext uri="{FF2B5EF4-FFF2-40B4-BE49-F238E27FC236}">
+                <a16:creationId xmlns:a16="http://schemas.microsoft.com/office/drawing/2014/main" id="{E7FD3417-382B-42E9-8B4D-A235C22130CA}"/>
+              </a:ext>
+            </a:extLst>
+          </p:cNvPr>
+          <p:cNvSpPr/>
+          <p:nvPr/>
+        </p:nvSpPr>
+        <p:spPr>
+          <a:xfrm>
+            <a:off x="9014533" y="285726"/>
+            <a:ext cx="1352550" cy="390525"/>
+          </a:xfrm>
+          <a:prstGeom prst="roundRect">
+            <a:avLst/>
+          </a:prstGeom>
+          <a:solidFill>
+            <a:srgbClr val="9E2946"/>
+          </a:solidFill>
+          <a:ln>
+            <a:noFill/>
+          </a:ln>
+        </p:spPr>
+        <p:style>
+          <a:lnRef idx="2">
+            <a:schemeClr val="accent1">
+              <a:shade val="50000"/>
+            </a:schemeClr>
+          </a:lnRef>
+          <a:fillRef idx="1">
+            <a:schemeClr val="accent1"/>
+          </a:fillRef>
+          <a:effectRef idx="0">
+            <a:schemeClr val="accent1"/>
+          </a:effectRef>
+          <a:fontRef idx="minor">
+            <a:schemeClr val="lt1"/>
+          </a:fontRef>
+        </p:style>
+        <p:txBody>
+          <a:bodyPr rtlCol="0" anchor="ctr"/>
+          <a:lstStyle/>
+          <a:p>
+            <a:pPr algn="ctr"/>
+            <a:r>
+              <a:rPr lang="en-US" sz="1000" dirty="0">
+                <a:latin typeface="Verdana" panose="020B0604030504040204" pitchFamily="34" charset="0"/>
+                <a:ea typeface="Verdana" panose="020B0604030504040204" pitchFamily="34" charset="0"/>
+              </a:rPr>
+              <a:t>Outcome</a:t>
+            </a:r>
+          </a:p>
+        </p:txBody>
+      </p:sp>
+      <p:sp>
+        <p:nvSpPr>
+          <p:cNvPr id="14" name="Rectangle: Rounded Corners 13">
+            <a:extLst>
+              <a:ext uri="{FF2B5EF4-FFF2-40B4-BE49-F238E27FC236}">
+                <a16:creationId xmlns:a16="http://schemas.microsoft.com/office/drawing/2014/main" id="{66AC8B29-1893-4A94-9715-56E1E25E3B7A}"/>
+              </a:ext>
+            </a:extLst>
+          </p:cNvPr>
+          <p:cNvSpPr/>
+          <p:nvPr/>
+        </p:nvSpPr>
+        <p:spPr>
+          <a:xfrm>
+            <a:off x="10427407" y="285726"/>
+            <a:ext cx="1352550" cy="390525"/>
+          </a:xfrm>
+          <a:prstGeom prst="roundRect">
+            <a:avLst/>
+          </a:prstGeom>
+          <a:solidFill>
+            <a:schemeClr val="bg1">
+              <a:lumMod val="75000"/>
+            </a:schemeClr>
+          </a:solidFill>
+          <a:ln>
+            <a:noFill/>
+          </a:ln>
+        </p:spPr>
+        <p:style>
+          <a:lnRef idx="2">
+            <a:schemeClr val="accent1">
+              <a:shade val="50000"/>
+            </a:schemeClr>
+          </a:lnRef>
+          <a:fillRef idx="1">
+            <a:schemeClr val="accent1"/>
+          </a:fillRef>
+          <a:effectRef idx="0">
+            <a:schemeClr val="accent1"/>
+          </a:effectRef>
+          <a:fontRef idx="minor">
+            <a:schemeClr val="lt1"/>
+          </a:fontRef>
+        </p:style>
+        <p:txBody>
+          <a:bodyPr rtlCol="0" anchor="ctr"/>
+          <a:lstStyle/>
+          <a:p>
+            <a:pPr algn="ctr"/>
+            <a:r>
+              <a:rPr lang="en-US" sz="1000" dirty="0">
+                <a:latin typeface="Verdana" panose="020B0604030504040204" pitchFamily="34" charset="0"/>
+                <a:ea typeface="Verdana" panose="020B0604030504040204" pitchFamily="34" charset="0"/>
+              </a:rPr>
+              <a:t>Conclusion</a:t>
+            </a:r>
+          </a:p>
+        </p:txBody>
+      </p:sp>
+      <p:pic>
+        <p:nvPicPr>
+          <p:cNvPr id="15" name="Picture 14">
+            <a:extLst>
+              <a:ext uri="{FF2B5EF4-FFF2-40B4-BE49-F238E27FC236}">
+                <a16:creationId xmlns:a16="http://schemas.microsoft.com/office/drawing/2014/main" id="{59A5F746-0E95-4CB3-A1F8-8161B70AD447}"/>
+              </a:ext>
+            </a:extLst>
+          </p:cNvPr>
+          <p:cNvPicPr>
+            <a:picLocks noChangeAspect="1"/>
+          </p:cNvPicPr>
+          <p:nvPr/>
+        </p:nvPicPr>
+        <p:blipFill>
+          <a:blip r:embed="rId3"/>
+          <a:stretch>
+            <a:fillRect/>
+          </a:stretch>
+        </p:blipFill>
+        <p:spPr>
+          <a:xfrm>
+            <a:off x="261546" y="6238912"/>
+            <a:ext cx="1885714" cy="600000"/>
+          </a:xfrm>
+          <a:prstGeom prst="rect">
+            <a:avLst/>
+          </a:prstGeom>
+        </p:spPr>
+      </p:pic>
     </p:spTree>
     <p:extLst>
       <p:ext uri="{BB962C8B-B14F-4D97-AF65-F5344CB8AC3E}">
         <p14:creationId xmlns:p14="http://schemas.microsoft.com/office/powerpoint/2010/main" val="3756774165"/>
+      </p:ext>
+    </p:extLst>
+  </p:cSld>
+  <p:clrMapOvr>
+    <a:masterClrMapping/>
+  </p:clrMapOvr>
+</p:sld>
+</file>
+
+<file path=ppt/slides/slide18.xml><?xml version="1.0" encoding="utf-8"?>
+<p:sld xmlns:a="http://schemas.openxmlformats.org/drawingml/2006/main" xmlns:r="http://schemas.openxmlformats.org/officeDocument/2006/relationships" xmlns:p="http://schemas.openxmlformats.org/presentationml/2006/main">
+  <p:cSld>
+    <p:spTree>
+      <p:nvGrpSpPr>
+        <p:cNvPr id="1" name=""/>
+        <p:cNvGrpSpPr/>
+        <p:nvPr/>
+      </p:nvGrpSpPr>
+      <p:grpSpPr>
+        <a:xfrm>
+          <a:off x="0" y="0"/>
+          <a:ext cx="0" cy="0"/>
+          <a:chOff x="0" y="0"/>
+          <a:chExt cx="0" cy="0"/>
+        </a:xfrm>
+      </p:grpSpPr>
+      <p:sp>
+        <p:nvSpPr>
+          <p:cNvPr id="76" name="Title 1">
+            <a:extLst>
+              <a:ext uri="{FF2B5EF4-FFF2-40B4-BE49-F238E27FC236}">
+                <a16:creationId xmlns:a16="http://schemas.microsoft.com/office/drawing/2014/main" id="{77C709C5-536F-43E0-8949-0992532DEB8C}"/>
+              </a:ext>
+            </a:extLst>
+          </p:cNvPr>
+          <p:cNvSpPr>
+            <a:spLocks noGrp="1"/>
+          </p:cNvSpPr>
+          <p:nvPr>
+            <p:ph type="title"/>
+          </p:nvPr>
+        </p:nvSpPr>
+        <p:spPr>
+          <a:xfrm>
+            <a:off x="-227150" y="392211"/>
+            <a:ext cx="10515600" cy="817723"/>
+          </a:xfrm>
+        </p:spPr>
+        <p:txBody>
+          <a:bodyPr>
+            <a:normAutofit/>
+          </a:bodyPr>
+          <a:lstStyle/>
+          <a:p>
+            <a:pPr marL="457200" lvl="1">
+              <a:lnSpc>
+                <a:spcPct val="150000"/>
+              </a:lnSpc>
+            </a:pPr>
+            <a:r>
+              <a:rPr lang="en-US" sz="2400" b="1" kern="1200" dirty="0">
+                <a:solidFill>
+                  <a:srgbClr val="9E2946"/>
+                </a:solidFill>
+                <a:latin typeface="Verdana" panose="020B0604030504040204" pitchFamily="34" charset="0"/>
+                <a:ea typeface="Verdana" panose="020B0604030504040204" pitchFamily="34" charset="0"/>
+                <a:cs typeface="+mj-cs"/>
+              </a:rPr>
+              <a:t>Conclusion</a:t>
+            </a:r>
+          </a:p>
+        </p:txBody>
+      </p:sp>
+      <p:sp>
+        <p:nvSpPr>
+          <p:cNvPr id="3" name="Slide Number Placeholder 2">
+            <a:extLst>
+              <a:ext uri="{FF2B5EF4-FFF2-40B4-BE49-F238E27FC236}">
+                <a16:creationId xmlns:a16="http://schemas.microsoft.com/office/drawing/2014/main" id="{26DF549E-0929-4558-B72A-C49F4959F13A}"/>
+              </a:ext>
+            </a:extLst>
+          </p:cNvPr>
+          <p:cNvSpPr>
+            <a:spLocks noGrp="1"/>
+          </p:cNvSpPr>
+          <p:nvPr>
+            <p:ph type="sldNum" sz="quarter" idx="12"/>
+          </p:nvPr>
+        </p:nvSpPr>
+        <p:spPr/>
+        <p:txBody>
+          <a:bodyPr/>
+          <a:lstStyle/>
+          <a:p>
+            <a:fld id="{CE94D1BC-D86E-4D7F-8F02-7A51C792EE04}" type="slidenum">
+              <a:rPr lang="en-US" smtClean="0"/>
+              <a:t>18</a:t>
+            </a:fld>
+            <a:endParaRPr lang="en-US"/>
+          </a:p>
+        </p:txBody>
+      </p:sp>
+      <p:sp>
+        <p:nvSpPr>
+          <p:cNvPr id="8" name="Rectangle: Rounded Corners 7">
+            <a:extLst>
+              <a:ext uri="{FF2B5EF4-FFF2-40B4-BE49-F238E27FC236}">
+                <a16:creationId xmlns:a16="http://schemas.microsoft.com/office/drawing/2014/main" id="{A94466D1-B61C-4EF1-908E-89E940596724}"/>
+              </a:ext>
+            </a:extLst>
+          </p:cNvPr>
+          <p:cNvSpPr/>
+          <p:nvPr/>
+        </p:nvSpPr>
+        <p:spPr>
+          <a:xfrm>
+            <a:off x="4775911" y="285726"/>
+            <a:ext cx="1352550" cy="390525"/>
+          </a:xfrm>
+          <a:prstGeom prst="roundRect">
+            <a:avLst/>
+          </a:prstGeom>
+          <a:solidFill>
+            <a:schemeClr val="bg1">
+              <a:lumMod val="75000"/>
+            </a:schemeClr>
+          </a:solidFill>
+          <a:ln>
+            <a:noFill/>
+          </a:ln>
+        </p:spPr>
+        <p:style>
+          <a:lnRef idx="2">
+            <a:schemeClr val="accent1">
+              <a:shade val="50000"/>
+            </a:schemeClr>
+          </a:lnRef>
+          <a:fillRef idx="1">
+            <a:schemeClr val="accent1"/>
+          </a:fillRef>
+          <a:effectRef idx="0">
+            <a:schemeClr val="accent1"/>
+          </a:effectRef>
+          <a:fontRef idx="minor">
+            <a:schemeClr val="lt1"/>
+          </a:fontRef>
+        </p:style>
+        <p:txBody>
+          <a:bodyPr rtlCol="0" anchor="ctr"/>
+          <a:lstStyle/>
+          <a:p>
+            <a:pPr algn="ctr"/>
+            <a:r>
+              <a:rPr lang="en-US" sz="1000" dirty="0">
+                <a:latin typeface="Verdana" panose="020B0604030504040204" pitchFamily="34" charset="0"/>
+                <a:ea typeface="Verdana" panose="020B0604030504040204" pitchFamily="34" charset="0"/>
+              </a:rPr>
+              <a:t>Background</a:t>
+            </a:r>
+          </a:p>
+        </p:txBody>
+      </p:sp>
+      <p:sp>
+        <p:nvSpPr>
+          <p:cNvPr id="10" name="Rectangle: Rounded Corners 9">
+            <a:extLst>
+              <a:ext uri="{FF2B5EF4-FFF2-40B4-BE49-F238E27FC236}">
+                <a16:creationId xmlns:a16="http://schemas.microsoft.com/office/drawing/2014/main" id="{D0CF06AE-5C66-40BE-AF92-C9254A0C3FD7}"/>
+              </a:ext>
+            </a:extLst>
+          </p:cNvPr>
+          <p:cNvSpPr/>
+          <p:nvPr/>
+        </p:nvSpPr>
+        <p:spPr>
+          <a:xfrm>
+            <a:off x="6188785" y="285727"/>
+            <a:ext cx="1352550" cy="390525"/>
+          </a:xfrm>
+          <a:prstGeom prst="roundRect">
+            <a:avLst/>
+          </a:prstGeom>
+          <a:solidFill>
+            <a:schemeClr val="bg1">
+              <a:lumMod val="75000"/>
+            </a:schemeClr>
+          </a:solidFill>
+          <a:ln>
+            <a:noFill/>
+          </a:ln>
+        </p:spPr>
+        <p:style>
+          <a:lnRef idx="2">
+            <a:schemeClr val="accent1">
+              <a:shade val="50000"/>
+            </a:schemeClr>
+          </a:lnRef>
+          <a:fillRef idx="1">
+            <a:schemeClr val="accent1"/>
+          </a:fillRef>
+          <a:effectRef idx="0">
+            <a:schemeClr val="accent1"/>
+          </a:effectRef>
+          <a:fontRef idx="minor">
+            <a:schemeClr val="lt1"/>
+          </a:fontRef>
+        </p:style>
+        <p:txBody>
+          <a:bodyPr rtlCol="0" anchor="ctr"/>
+          <a:lstStyle/>
+          <a:p>
+            <a:pPr algn="ctr"/>
+            <a:r>
+              <a:rPr lang="en-US" sz="1000" dirty="0">
+                <a:latin typeface="Verdana" panose="020B0604030504040204" pitchFamily="34" charset="0"/>
+                <a:ea typeface="Verdana" panose="020B0604030504040204" pitchFamily="34" charset="0"/>
+              </a:rPr>
+              <a:t>Architecture</a:t>
+            </a:r>
+          </a:p>
+        </p:txBody>
+      </p:sp>
+      <p:sp>
+        <p:nvSpPr>
+          <p:cNvPr id="11" name="Rectangle: Rounded Corners 10">
+            <a:extLst>
+              <a:ext uri="{FF2B5EF4-FFF2-40B4-BE49-F238E27FC236}">
+                <a16:creationId xmlns:a16="http://schemas.microsoft.com/office/drawing/2014/main" id="{9B2AA2F4-54FD-4548-A211-ABBC31F90EE6}"/>
+              </a:ext>
+            </a:extLst>
+          </p:cNvPr>
+          <p:cNvSpPr/>
+          <p:nvPr/>
+        </p:nvSpPr>
+        <p:spPr>
+          <a:xfrm>
+            <a:off x="7601659" y="285726"/>
+            <a:ext cx="1352550" cy="390525"/>
+          </a:xfrm>
+          <a:prstGeom prst="roundRect">
+            <a:avLst/>
+          </a:prstGeom>
+          <a:solidFill>
+            <a:schemeClr val="bg1">
+              <a:lumMod val="75000"/>
+            </a:schemeClr>
+          </a:solidFill>
+          <a:ln>
+            <a:noFill/>
+          </a:ln>
+        </p:spPr>
+        <p:style>
+          <a:lnRef idx="2">
+            <a:schemeClr val="accent1">
+              <a:shade val="50000"/>
+            </a:schemeClr>
+          </a:lnRef>
+          <a:fillRef idx="1">
+            <a:schemeClr val="accent1"/>
+          </a:fillRef>
+          <a:effectRef idx="0">
+            <a:schemeClr val="accent1"/>
+          </a:effectRef>
+          <a:fontRef idx="minor">
+            <a:schemeClr val="lt1"/>
+          </a:fontRef>
+        </p:style>
+        <p:txBody>
+          <a:bodyPr rtlCol="0" anchor="ctr"/>
+          <a:lstStyle/>
+          <a:p>
+            <a:pPr algn="ctr"/>
+            <a:r>
+              <a:rPr lang="en-US" sz="1000" dirty="0">
+                <a:latin typeface="Verdana" panose="020B0604030504040204" pitchFamily="34" charset="0"/>
+                <a:ea typeface="Verdana" panose="020B0604030504040204" pitchFamily="34" charset="0"/>
+              </a:rPr>
+              <a:t>Methodology</a:t>
+            </a:r>
+          </a:p>
+        </p:txBody>
+      </p:sp>
+      <p:sp>
+        <p:nvSpPr>
+          <p:cNvPr id="12" name="Rectangle: Rounded Corners 11">
+            <a:extLst>
+              <a:ext uri="{FF2B5EF4-FFF2-40B4-BE49-F238E27FC236}">
+                <a16:creationId xmlns:a16="http://schemas.microsoft.com/office/drawing/2014/main" id="{E7FD3417-382B-42E9-8B4D-A235C22130CA}"/>
+              </a:ext>
+            </a:extLst>
+          </p:cNvPr>
+          <p:cNvSpPr/>
+          <p:nvPr/>
+        </p:nvSpPr>
+        <p:spPr>
+          <a:xfrm>
+            <a:off x="9014533" y="285726"/>
+            <a:ext cx="1352550" cy="390525"/>
+          </a:xfrm>
+          <a:prstGeom prst="roundRect">
+            <a:avLst/>
+          </a:prstGeom>
+          <a:solidFill>
+            <a:schemeClr val="bg1">
+              <a:lumMod val="75000"/>
+            </a:schemeClr>
+          </a:solidFill>
+          <a:ln>
+            <a:noFill/>
+          </a:ln>
+        </p:spPr>
+        <p:style>
+          <a:lnRef idx="2">
+            <a:schemeClr val="accent1">
+              <a:shade val="50000"/>
+            </a:schemeClr>
+          </a:lnRef>
+          <a:fillRef idx="1">
+            <a:schemeClr val="accent1"/>
+          </a:fillRef>
+          <a:effectRef idx="0">
+            <a:schemeClr val="accent1"/>
+          </a:effectRef>
+          <a:fontRef idx="minor">
+            <a:schemeClr val="lt1"/>
+          </a:fontRef>
+        </p:style>
+        <p:txBody>
+          <a:bodyPr rtlCol="0" anchor="ctr"/>
+          <a:lstStyle/>
+          <a:p>
+            <a:pPr algn="ctr"/>
+            <a:r>
+              <a:rPr lang="en-US" sz="1000" dirty="0">
+                <a:latin typeface="Verdana" panose="020B0604030504040204" pitchFamily="34" charset="0"/>
+                <a:ea typeface="Verdana" panose="020B0604030504040204" pitchFamily="34" charset="0"/>
+              </a:rPr>
+              <a:t>Outcome</a:t>
+            </a:r>
+          </a:p>
+        </p:txBody>
+      </p:sp>
+      <p:sp>
+        <p:nvSpPr>
+          <p:cNvPr id="14" name="Rectangle: Rounded Corners 13">
+            <a:extLst>
+              <a:ext uri="{FF2B5EF4-FFF2-40B4-BE49-F238E27FC236}">
+                <a16:creationId xmlns:a16="http://schemas.microsoft.com/office/drawing/2014/main" id="{66AC8B29-1893-4A94-9715-56E1E25E3B7A}"/>
+              </a:ext>
+            </a:extLst>
+          </p:cNvPr>
+          <p:cNvSpPr/>
+          <p:nvPr/>
+        </p:nvSpPr>
+        <p:spPr>
+          <a:xfrm>
+            <a:off x="10427407" y="285726"/>
+            <a:ext cx="1352550" cy="390525"/>
+          </a:xfrm>
+          <a:prstGeom prst="roundRect">
+            <a:avLst/>
+          </a:prstGeom>
+          <a:solidFill>
+            <a:srgbClr val="9E2946"/>
+          </a:solidFill>
+          <a:ln>
+            <a:noFill/>
+          </a:ln>
+        </p:spPr>
+        <p:style>
+          <a:lnRef idx="2">
+            <a:schemeClr val="accent1">
+              <a:shade val="50000"/>
+            </a:schemeClr>
+          </a:lnRef>
+          <a:fillRef idx="1">
+            <a:schemeClr val="accent1"/>
+          </a:fillRef>
+          <a:effectRef idx="0">
+            <a:schemeClr val="accent1"/>
+          </a:effectRef>
+          <a:fontRef idx="minor">
+            <a:schemeClr val="lt1"/>
+          </a:fontRef>
+        </p:style>
+        <p:txBody>
+          <a:bodyPr rtlCol="0" anchor="ctr"/>
+          <a:lstStyle/>
+          <a:p>
+            <a:pPr algn="ctr"/>
+            <a:r>
+              <a:rPr lang="en-US" sz="1000" dirty="0">
+                <a:latin typeface="Verdana" panose="020B0604030504040204" pitchFamily="34" charset="0"/>
+                <a:ea typeface="Verdana" panose="020B0604030504040204" pitchFamily="34" charset="0"/>
+              </a:rPr>
+              <a:t>Conclusion</a:t>
+            </a:r>
+          </a:p>
+        </p:txBody>
+      </p:sp>
+      <p:pic>
+        <p:nvPicPr>
+          <p:cNvPr id="15" name="Picture 14">
+            <a:extLst>
+              <a:ext uri="{FF2B5EF4-FFF2-40B4-BE49-F238E27FC236}">
+                <a16:creationId xmlns:a16="http://schemas.microsoft.com/office/drawing/2014/main" id="{59A5F746-0E95-4CB3-A1F8-8161B70AD447}"/>
+              </a:ext>
+            </a:extLst>
+          </p:cNvPr>
+          <p:cNvPicPr>
+            <a:picLocks noChangeAspect="1"/>
+          </p:cNvPicPr>
+          <p:nvPr/>
+        </p:nvPicPr>
+        <p:blipFill>
+          <a:blip r:embed="rId3"/>
+          <a:stretch>
+            <a:fillRect/>
+          </a:stretch>
+        </p:blipFill>
+        <p:spPr>
+          <a:xfrm>
+            <a:off x="261546" y="6238912"/>
+            <a:ext cx="1885714" cy="600000"/>
+          </a:xfrm>
+          <a:prstGeom prst="rect">
+            <a:avLst/>
+          </a:prstGeom>
+        </p:spPr>
+      </p:pic>
+    </p:spTree>
+    <p:extLst>
+      <p:ext uri="{BB962C8B-B14F-4D97-AF65-F5344CB8AC3E}">
+        <p14:creationId xmlns:p14="http://schemas.microsoft.com/office/powerpoint/2010/main" val="1778845116"/>
       </p:ext>
     </p:extLst>
   </p:cSld>
@@ -12544,7 +20414,7 @@
                 <a:latin typeface="Verdana" panose="020B0604030504040204" pitchFamily="34" charset="0"/>
                 <a:ea typeface="Verdana" panose="020B0604030504040204" pitchFamily="34" charset="0"/>
               </a:rPr>
-              <a:t>Application</a:t>
+              <a:t>Outcome</a:t>
             </a:r>
           </a:p>
         </p:txBody>
@@ -13065,7 +20935,7 @@
                 <a:latin typeface="Verdana" panose="020B0604030504040204" pitchFamily="34" charset="0"/>
                 <a:ea typeface="Verdana" panose="020B0604030504040204" pitchFamily="34" charset="0"/>
               </a:rPr>
-              <a:t>Application</a:t>
+              <a:t>Outcome</a:t>
             </a:r>
           </a:p>
         </p:txBody>
@@ -13570,7 +21440,7 @@
                 <a:latin typeface="Verdana" panose="020B0604030504040204" pitchFamily="34" charset="0"/>
                 <a:ea typeface="Verdana" panose="020B0604030504040204" pitchFamily="34" charset="0"/>
               </a:rPr>
-              <a:t>Application</a:t>
+              <a:t>Outcome</a:t>
             </a:r>
           </a:p>
         </p:txBody>

--- a/Final_project/MScA_31008_Final_Project_Presentation - Pitchbook Industry Classification.pptx
+++ b/Final_project/MScA_31008_Final_Project_Presentation - Pitchbook Industry Classification.pptx
@@ -11,8 +11,8 @@
     <p:sldId id="261" r:id="rId2"/>
     <p:sldId id="257" r:id="rId3"/>
     <p:sldId id="273" r:id="rId4"/>
-    <p:sldId id="274" r:id="rId5"/>
-    <p:sldId id="275" r:id="rId6"/>
+    <p:sldId id="279" r:id="rId5"/>
+    <p:sldId id="280" r:id="rId6"/>
     <p:sldId id="266" r:id="rId7"/>
     <p:sldId id="264" r:id="rId8"/>
     <p:sldId id="263" r:id="rId9"/>
@@ -525,41 +525,146 @@
           <a:bodyPr/>
           <a:lstStyle/>
           <a:p>
-            <a:r>
-              <a:rPr lang="en-US" sz="1200" b="0" i="0" kern="1200" dirty="0">
-                <a:solidFill>
-                  <a:schemeClr val="tx1"/>
+            <a:pPr algn="l">
+              <a:buFont typeface="+mj-lt"/>
+              <a:buAutoNum type="arabicPeriod"/>
+            </a:pPr>
+            <a:r>
+              <a:rPr lang="en-US" b="1" i="0" dirty="0">
+                <a:solidFill>
+                  <a:srgbClr val="374151"/>
                 </a:solidFill>
                 <a:effectLst/>
-                <a:latin typeface="+mn-lt"/>
-                <a:ea typeface="+mn-ea"/>
-                <a:cs typeface="+mn-cs"/>
-              </a:rPr>
-              <a:t>The </a:t>
-            </a:r>
-            <a:r>
-              <a:rPr lang="en-US" sz="1200" b="1" i="0" kern="1200" dirty="0">
-                <a:solidFill>
-                  <a:schemeClr val="tx1"/>
+                <a:latin typeface="Söhne"/>
+              </a:rPr>
+              <a:t>Investment bankers</a:t>
+            </a:r>
+            <a:r>
+              <a:rPr lang="en-US" b="0" i="0" dirty="0">
+                <a:solidFill>
+                  <a:srgbClr val="374151"/>
                 </a:solidFill>
                 <a:effectLst/>
-                <a:latin typeface="+mn-lt"/>
-                <a:ea typeface="+mn-ea"/>
-                <a:cs typeface="+mn-cs"/>
-              </a:rPr>
-              <a:t>Irving Fisher Committee</a:t>
-            </a:r>
-            <a:r>
-              <a:rPr lang="en-US" sz="1200" b="0" i="0" kern="1200" dirty="0">
-                <a:solidFill>
-                  <a:schemeClr val="tx1"/>
+                <a:latin typeface="Söhne"/>
+              </a:rPr>
+              <a:t>: Investment bankers are the primary stakeholders for industry classification in investment banking, as they rely on industry data to source deals, value companies, and manage portfolios. Investment bankers use industry classification to identify promising companies and sectors for investment, compare valuation metrics across different industries, and diversify their portfolios across different sectors.</a:t>
+            </a:r>
+          </a:p>
+          <a:p>
+            <a:pPr algn="l">
+              <a:buFont typeface="+mj-lt"/>
+              <a:buAutoNum type="arabicPeriod"/>
+            </a:pPr>
+            <a:endParaRPr lang="en-US" b="0" i="0" dirty="0">
+              <a:solidFill>
+                <a:srgbClr val="374151"/>
+              </a:solidFill>
+              <a:effectLst/>
+              <a:latin typeface="Söhne"/>
+            </a:endParaRPr>
+          </a:p>
+          <a:p>
+            <a:pPr algn="l">
+              <a:buFont typeface="+mj-lt"/>
+              <a:buAutoNum type="arabicPeriod"/>
+            </a:pPr>
+            <a:r>
+              <a:rPr lang="en-US" b="1" i="0" dirty="0">
+                <a:solidFill>
+                  <a:srgbClr val="374151"/>
                 </a:solidFill>
                 <a:effectLst/>
-                <a:latin typeface="+mn-lt"/>
-                <a:ea typeface="+mn-ea"/>
-                <a:cs typeface="+mn-cs"/>
-              </a:rPr>
-              <a:t> is a forum of central bank economists and statisticians, discussing statistical issues of interest to central banks</a:t>
+                <a:latin typeface="Söhne"/>
+              </a:rPr>
+              <a:t>Corporate executives</a:t>
+            </a:r>
+            <a:r>
+              <a:rPr lang="en-US" b="0" i="0" dirty="0">
+                <a:solidFill>
+                  <a:srgbClr val="374151"/>
+                </a:solidFill>
+                <a:effectLst/>
+                <a:latin typeface="Söhne"/>
+              </a:rPr>
+              <a:t>: Corporate executives are also stakeholders for industry classification in investment banking, as they use industry data to make strategic decisions for their companies. Corporate executives use industry classification to identify market trends, analyze competitors, and make informed decisions about new business ventures or investments.</a:t>
+            </a:r>
+          </a:p>
+          <a:p>
+            <a:pPr algn="l">
+              <a:buFont typeface="+mj-lt"/>
+              <a:buAutoNum type="arabicPeriod"/>
+            </a:pPr>
+            <a:endParaRPr lang="en-US" b="0" i="0" dirty="0">
+              <a:solidFill>
+                <a:srgbClr val="374151"/>
+              </a:solidFill>
+              <a:effectLst/>
+              <a:latin typeface="Söhne"/>
+            </a:endParaRPr>
+          </a:p>
+          <a:p>
+            <a:pPr algn="l">
+              <a:buFont typeface="+mj-lt"/>
+              <a:buAutoNum type="arabicPeriod"/>
+            </a:pPr>
+            <a:r>
+              <a:rPr lang="en-US" b="1" i="0" dirty="0">
+                <a:solidFill>
+                  <a:srgbClr val="374151"/>
+                </a:solidFill>
+                <a:effectLst/>
+                <a:latin typeface="Söhne"/>
+              </a:rPr>
+              <a:t>Investors</a:t>
+            </a:r>
+            <a:r>
+              <a:rPr lang="en-US" b="0" i="0" dirty="0">
+                <a:solidFill>
+                  <a:srgbClr val="374151"/>
+                </a:solidFill>
+                <a:effectLst/>
+                <a:latin typeface="Söhne"/>
+              </a:rPr>
+              <a:t>: Investors are stakeholders for industry classification in investment banking, as they use industry data to make investment decisions. Investors use industry classification to identify companies with strong growth potential, analyze market trends, and make informed decisions about portfolio allocation.</a:t>
+            </a:r>
+          </a:p>
+          <a:p>
+            <a:pPr algn="l">
+              <a:buFont typeface="+mj-lt"/>
+              <a:buAutoNum type="arabicPeriod"/>
+            </a:pPr>
+            <a:endParaRPr lang="en-US" b="0" i="0" dirty="0">
+              <a:solidFill>
+                <a:srgbClr val="374151"/>
+              </a:solidFill>
+              <a:effectLst/>
+              <a:latin typeface="Söhne"/>
+            </a:endParaRPr>
+          </a:p>
+          <a:p>
+            <a:pPr algn="l">
+              <a:buFont typeface="+mj-lt"/>
+              <a:buAutoNum type="arabicPeriod"/>
+            </a:pPr>
+            <a:r>
+              <a:rPr lang="en-US" b="1" i="0" dirty="0">
+                <a:solidFill>
+                  <a:srgbClr val="374151"/>
+                </a:solidFill>
+                <a:effectLst/>
+                <a:latin typeface="Söhne"/>
+              </a:rPr>
+              <a:t>Regulators</a:t>
+            </a:r>
+            <a:r>
+              <a:rPr lang="en-US" b="0" i="0" dirty="0">
+                <a:solidFill>
+                  <a:srgbClr val="374151"/>
+                </a:solidFill>
+                <a:effectLst/>
+                <a:latin typeface="Söhne"/>
+              </a:rPr>
+              <a:t>: Regulators are also stakeholders for industry classification in investment banking, as they use industry data to monitor compliance with regulations and guidelines.</a:t>
             </a:r>
             <a:endParaRPr lang="en-US" dirty="0"/>
           </a:p>
@@ -2201,41 +2306,192 @@
           <a:lstStyle/>
           <a:p>
             <a:r>
-              <a:rPr lang="en-US" sz="1200" b="0" i="0" kern="1200" dirty="0">
-                <a:solidFill>
-                  <a:schemeClr val="tx1"/>
+              <a:rPr lang="en-US" sz="1200" b="1" i="0" dirty="0">
+                <a:solidFill>
+                  <a:srgbClr val="374151"/>
                 </a:solidFill>
                 <a:effectLst/>
-                <a:latin typeface="+mn-lt"/>
-                <a:ea typeface="+mn-ea"/>
-                <a:cs typeface="+mn-cs"/>
-              </a:rPr>
-              <a:t>The </a:t>
-            </a:r>
-            <a:r>
-              <a:rPr lang="en-US" sz="1200" b="1" i="0" kern="1200" dirty="0">
-                <a:solidFill>
-                  <a:schemeClr val="tx1"/>
+                <a:latin typeface="Söhne"/>
+              </a:rPr>
+              <a:t>Deal sourcing : </a:t>
+            </a:r>
+            <a:r>
+              <a:rPr lang="en-US" sz="1200" b="0" i="0" dirty="0">
+                <a:solidFill>
+                  <a:srgbClr val="374151"/>
                 </a:solidFill>
                 <a:effectLst/>
-                <a:latin typeface="+mn-lt"/>
-                <a:ea typeface="+mn-ea"/>
-                <a:cs typeface="+mn-cs"/>
-              </a:rPr>
-              <a:t>Irving Fisher Committee</a:t>
-            </a:r>
-            <a:r>
-              <a:rPr lang="en-US" sz="1200" b="0" i="0" kern="1200" dirty="0">
-                <a:solidFill>
-                  <a:schemeClr val="tx1"/>
+                <a:latin typeface="Söhne"/>
+              </a:rPr>
+              <a:t>Machine learning can be used to classify companies based on their industry, allowing banks to target their deal sourcing efforts more effectively</a:t>
+            </a:r>
+          </a:p>
+          <a:p>
+            <a:r>
+              <a:rPr lang="en-US" sz="1200" b="1" i="0" dirty="0">
+                <a:solidFill>
+                  <a:srgbClr val="374151"/>
                 </a:solidFill>
                 <a:effectLst/>
-                <a:latin typeface="+mn-lt"/>
-                <a:ea typeface="+mn-ea"/>
-                <a:cs typeface="+mn-cs"/>
-              </a:rPr>
-              <a:t> is a forum of central bank economists and statisticians, discussing statistical issues of interest to central banks</a:t>
-            </a:r>
+                <a:latin typeface="Söhne"/>
+              </a:rPr>
+              <a:t>Valuation : </a:t>
+            </a:r>
+            <a:r>
+              <a:rPr lang="en-US" sz="1200" b="0" i="0" dirty="0">
+                <a:solidFill>
+                  <a:srgbClr val="374151"/>
+                </a:solidFill>
+                <a:effectLst/>
+                <a:latin typeface="Söhne"/>
+              </a:rPr>
+              <a:t>Machine learning can be used to classify companies based on their industry, allowing banks to compare valuation metrics across different industries and make more informed investment decisions</a:t>
+            </a:r>
+          </a:p>
+          <a:p>
+            <a:pPr marL="0" marR="0" lvl="0" indent="0" algn="l" defTabSz="914400" rtl="0" eaLnBrk="1" fontAlgn="auto" latinLnBrk="0" hangingPunct="1">
+              <a:lnSpc>
+                <a:spcPct val="100000"/>
+              </a:lnSpc>
+              <a:spcBef>
+                <a:spcPts val="0"/>
+              </a:spcBef>
+              <a:spcAft>
+                <a:spcPts val="0"/>
+              </a:spcAft>
+              <a:buClrTx/>
+              <a:buSzTx/>
+              <a:buFontTx/>
+              <a:buNone/>
+              <a:tabLst/>
+              <a:defRPr/>
+            </a:pPr>
+            <a:r>
+              <a:rPr lang="en-US" sz="1200" b="1" i="0" dirty="0">
+                <a:solidFill>
+                  <a:srgbClr val="374151"/>
+                </a:solidFill>
+                <a:effectLst/>
+                <a:latin typeface="Söhne"/>
+              </a:rPr>
+              <a:t>Market research</a:t>
+            </a:r>
+            <a:r>
+              <a:rPr lang="en-US" sz="1200" b="0" i="0" dirty="0">
+                <a:solidFill>
+                  <a:srgbClr val="374151"/>
+                </a:solidFill>
+                <a:effectLst/>
+                <a:latin typeface="Söhne"/>
+              </a:rPr>
+              <a:t>: Machine learning can be used to classify companies based on their industry, allowing banks to analyze market data and make informed predictions about future market trends</a:t>
+            </a:r>
+          </a:p>
+          <a:p>
+            <a:pPr marL="0" marR="0" lvl="0" indent="0" algn="l" defTabSz="914400" rtl="0" eaLnBrk="1" fontAlgn="auto" latinLnBrk="0" hangingPunct="1">
+              <a:lnSpc>
+                <a:spcPct val="100000"/>
+              </a:lnSpc>
+              <a:spcBef>
+                <a:spcPts val="0"/>
+              </a:spcBef>
+              <a:spcAft>
+                <a:spcPts val="0"/>
+              </a:spcAft>
+              <a:buClrTx/>
+              <a:buSzTx/>
+              <a:buFontTx/>
+              <a:buNone/>
+              <a:tabLst/>
+              <a:defRPr/>
+            </a:pPr>
+            <a:r>
+              <a:rPr lang="en-US" sz="1200" b="1" i="0" dirty="0">
+                <a:solidFill>
+                  <a:srgbClr val="374151"/>
+                </a:solidFill>
+                <a:effectLst/>
+                <a:latin typeface="Söhne"/>
+              </a:rPr>
+              <a:t>Portfolio management</a:t>
+            </a:r>
+            <a:r>
+              <a:rPr lang="en-US" sz="1200" b="0" i="0" dirty="0">
+                <a:solidFill>
+                  <a:srgbClr val="374151"/>
+                </a:solidFill>
+                <a:effectLst/>
+                <a:latin typeface="Söhne"/>
+              </a:rPr>
+              <a:t>: Machine learning can be used to classify companies based on their industry, allowing banks to optimize their portfolio allocation and balance risk and return</a:t>
+            </a:r>
+          </a:p>
+          <a:p>
+            <a:pPr marL="0" marR="0" lvl="0" indent="0" algn="l" defTabSz="914400" rtl="0" eaLnBrk="1" fontAlgn="auto" latinLnBrk="0" hangingPunct="1">
+              <a:lnSpc>
+                <a:spcPct val="100000"/>
+              </a:lnSpc>
+              <a:spcBef>
+                <a:spcPts val="0"/>
+              </a:spcBef>
+              <a:spcAft>
+                <a:spcPts val="0"/>
+              </a:spcAft>
+              <a:buClrTx/>
+              <a:buSzTx/>
+              <a:buFontTx/>
+              <a:buNone/>
+              <a:tabLst/>
+              <a:defRPr/>
+            </a:pPr>
+            <a:r>
+              <a:rPr lang="en-US" sz="1200" b="1" dirty="0">
+                <a:solidFill>
+                  <a:srgbClr val="374151"/>
+                </a:solidFill>
+                <a:latin typeface="Verdana" panose="020B0604030504040204" pitchFamily="34" charset="0"/>
+                <a:ea typeface="Verdana" panose="020B0604030504040204" pitchFamily="34" charset="0"/>
+              </a:rPr>
+              <a:t>Regulators</a:t>
+            </a:r>
+            <a:r>
+              <a:rPr lang="en-US" sz="1200" dirty="0">
+                <a:solidFill>
+                  <a:srgbClr val="374151"/>
+                </a:solidFill>
+                <a:latin typeface="Verdana" panose="020B0604030504040204" pitchFamily="34" charset="0"/>
+                <a:ea typeface="Verdana" panose="020B0604030504040204" pitchFamily="34" charset="0"/>
+              </a:rPr>
+              <a:t>: Use industry classification to identify trends and patterns in different industries, and to ensure that investment banks are operating within regulatory requirements.</a:t>
+            </a:r>
+          </a:p>
+          <a:p>
+            <a:pPr marL="0" marR="0" lvl="0" indent="0" algn="l" defTabSz="914400" rtl="0" eaLnBrk="1" fontAlgn="auto" latinLnBrk="0" hangingPunct="1">
+              <a:lnSpc>
+                <a:spcPct val="100000"/>
+              </a:lnSpc>
+              <a:spcBef>
+                <a:spcPts val="0"/>
+              </a:spcBef>
+              <a:spcAft>
+                <a:spcPts val="0"/>
+              </a:spcAft>
+              <a:buClrTx/>
+              <a:buSzTx/>
+              <a:buFontTx/>
+              <a:buNone/>
+              <a:tabLst/>
+              <a:defRPr/>
+            </a:pPr>
+            <a:endParaRPr lang="en-US" sz="1200" b="0" i="0" dirty="0">
+              <a:solidFill>
+                <a:srgbClr val="374151"/>
+              </a:solidFill>
+              <a:effectLst/>
+              <a:latin typeface="Söhne"/>
+            </a:endParaRPr>
+          </a:p>
+          <a:p>
             <a:endParaRPr lang="en-US" dirty="0"/>
           </a:p>
         </p:txBody>
@@ -2266,7 +2522,7 @@
     </p:spTree>
     <p:extLst>
       <p:ext uri="{BB962C8B-B14F-4D97-AF65-F5344CB8AC3E}">
-        <p14:creationId xmlns:p14="http://schemas.microsoft.com/office/powerpoint/2010/main" val="2159282309"/>
+        <p14:creationId xmlns:p14="http://schemas.microsoft.com/office/powerpoint/2010/main" val="80993433"/>
       </p:ext>
     </p:extLst>
   </p:cSld>
@@ -2320,42 +2576,6 @@
           <a:bodyPr/>
           <a:lstStyle/>
           <a:p>
-            <a:r>
-              <a:rPr lang="en-US" sz="1200" b="0" i="0" kern="1200" dirty="0">
-                <a:solidFill>
-                  <a:schemeClr val="tx1"/>
-                </a:solidFill>
-                <a:effectLst/>
-                <a:latin typeface="+mn-lt"/>
-                <a:ea typeface="+mn-ea"/>
-                <a:cs typeface="+mn-cs"/>
-              </a:rPr>
-              <a:t>The </a:t>
-            </a:r>
-            <a:r>
-              <a:rPr lang="en-US" sz="1200" b="1" i="0" kern="1200" dirty="0">
-                <a:solidFill>
-                  <a:schemeClr val="tx1"/>
-                </a:solidFill>
-                <a:effectLst/>
-                <a:latin typeface="+mn-lt"/>
-                <a:ea typeface="+mn-ea"/>
-                <a:cs typeface="+mn-cs"/>
-              </a:rPr>
-              <a:t>Irving Fisher Committee</a:t>
-            </a:r>
-            <a:r>
-              <a:rPr lang="en-US" sz="1200" b="0" i="0" kern="1200" dirty="0">
-                <a:solidFill>
-                  <a:schemeClr val="tx1"/>
-                </a:solidFill>
-                <a:effectLst/>
-                <a:latin typeface="+mn-lt"/>
-                <a:ea typeface="+mn-ea"/>
-                <a:cs typeface="+mn-cs"/>
-              </a:rPr>
-              <a:t> is a forum of central bank economists and statisticians, discussing statistical issues of interest to central banks</a:t>
-            </a:r>
             <a:endParaRPr lang="en-US" dirty="0"/>
           </a:p>
         </p:txBody>
@@ -2386,7 +2606,7 @@
     </p:spTree>
     <p:extLst>
       <p:ext uri="{BB962C8B-B14F-4D97-AF65-F5344CB8AC3E}">
-        <p14:creationId xmlns:p14="http://schemas.microsoft.com/office/powerpoint/2010/main" val="878012087"/>
+        <p14:creationId xmlns:p14="http://schemas.microsoft.com/office/powerpoint/2010/main" val="115563023"/>
       </p:ext>
     </p:extLst>
   </p:cSld>
@@ -6321,7 +6541,7 @@
         <p:spPr>
           <a:xfrm>
             <a:off x="895349" y="3351758"/>
-            <a:ext cx="7452615" cy="2247853"/>
+            <a:ext cx="8346845" cy="2247853"/>
           </a:xfrm>
         </p:spPr>
         <p:txBody>
@@ -6367,7 +6587,7 @@
                 <a:latin typeface="Verdana" panose="020B0604030504040204" pitchFamily="34" charset="0"/>
                 <a:ea typeface="Verdana" panose="020B0604030504040204" pitchFamily="34" charset="0"/>
               </a:rPr>
-              <a:t>Pitchbook Industry Classification: Robust ML for Classification</a:t>
+              <a:t>Pitchbook Industry Classification: Robust ML for Classification for Investment Banking</a:t>
             </a:r>
             <a:endParaRPr lang="en-US" sz="2800" dirty="0">
               <a:latin typeface="Verdana" panose="020B0604030504040204" pitchFamily="34" charset="0"/>
@@ -6421,7 +6641,7 @@
         </p:nvSpPr>
         <p:spPr>
           <a:xfrm>
-            <a:off x="8610600" y="1762172"/>
+            <a:off x="9439941" y="1762172"/>
             <a:ext cx="2590800" cy="247603"/>
           </a:xfrm>
           <a:prstGeom prst="rect">
@@ -6508,7 +6728,7 @@
         </p:nvCxnSpPr>
         <p:spPr>
           <a:xfrm>
-            <a:off x="8416031" y="1753294"/>
+            <a:off x="9341067" y="1753294"/>
             <a:ext cx="0" cy="5095828"/>
           </a:xfrm>
           <a:prstGeom prst="line">
@@ -6578,6 +6798,98 @@
           </a:fontRef>
         </p:style>
       </p:cxnSp>
+      <p:sp>
+        <p:nvSpPr>
+          <p:cNvPr id="10" name="Title 1">
+            <a:extLst>
+              <a:ext uri="{FF2B5EF4-FFF2-40B4-BE49-F238E27FC236}">
+                <a16:creationId xmlns:a16="http://schemas.microsoft.com/office/drawing/2014/main" id="{0B718B83-AB88-4BAA-ABE4-389A2BAD3FD5}"/>
+              </a:ext>
+            </a:extLst>
+          </p:cNvPr>
+          <p:cNvSpPr txBox="1">
+            <a:spLocks/>
+          </p:cNvSpPr>
+          <p:nvPr/>
+        </p:nvSpPr>
+        <p:spPr>
+          <a:xfrm>
+            <a:off x="9439941" y="5633061"/>
+            <a:ext cx="2590800" cy="905851"/>
+          </a:xfrm>
+          <a:prstGeom prst="rect">
+            <a:avLst/>
+          </a:prstGeom>
+        </p:spPr>
+        <p:txBody>
+          <a:bodyPr vert="horz" lIns="91440" tIns="45720" rIns="91440" bIns="45720" rtlCol="0" anchor="t">
+            <a:noAutofit/>
+          </a:bodyPr>
+          <a:lstStyle>
+            <a:lvl1pPr algn="ctr" defTabSz="914400" rtl="0" eaLnBrk="1" latinLnBrk="0" hangingPunct="1">
+              <a:lnSpc>
+                <a:spcPct val="90000"/>
+              </a:lnSpc>
+              <a:spcBef>
+                <a:spcPct val="0"/>
+              </a:spcBef>
+              <a:buNone/>
+              <a:defRPr sz="6000" kern="1200">
+                <a:solidFill>
+                  <a:schemeClr val="tx1"/>
+                </a:solidFill>
+                <a:latin typeface="+mj-lt"/>
+                <a:ea typeface="+mj-ea"/>
+                <a:cs typeface="+mj-cs"/>
+              </a:defRPr>
+            </a:lvl1pPr>
+          </a:lstStyle>
+          <a:p>
+            <a:pPr algn="l"/>
+            <a:r>
+              <a:rPr lang="en-US" sz="1200" dirty="0">
+                <a:solidFill>
+                  <a:srgbClr val="9E2946"/>
+                </a:solidFill>
+              </a:rPr>
+              <a:t>Qingwei Zhang</a:t>
+            </a:r>
+          </a:p>
+          <a:p>
+            <a:pPr algn="l"/>
+            <a:r>
+              <a:rPr lang="en-US" sz="1200" dirty="0">
+                <a:solidFill>
+                  <a:srgbClr val="9E2946"/>
+                </a:solidFill>
+              </a:rPr>
+              <a:t>Tejumade Oyedele</a:t>
+            </a:r>
+          </a:p>
+          <a:p>
+            <a:pPr algn="l"/>
+            <a:r>
+              <a:rPr lang="en-US" sz="1200" dirty="0">
+                <a:solidFill>
+                  <a:srgbClr val="9E2946"/>
+                </a:solidFill>
+              </a:rPr>
+              <a:t>Jacob Brewer</a:t>
+            </a:r>
+          </a:p>
+          <a:p>
+            <a:pPr algn="l"/>
+            <a:r>
+              <a:rPr lang="en-US" sz="1200" dirty="0">
+                <a:solidFill>
+                  <a:srgbClr val="9E2946"/>
+                </a:solidFill>
+              </a:rPr>
+              <a:t>Prinu Mathew</a:t>
+            </a:r>
+          </a:p>
+        </p:txBody>
+      </p:sp>
     </p:spTree>
     <p:extLst>
       <p:ext uri="{BB962C8B-B14F-4D97-AF65-F5344CB8AC3E}">
@@ -6626,7 +6938,7 @@
         </p:nvSpPr>
         <p:spPr>
           <a:xfrm>
-            <a:off x="-227150" y="392211"/>
+            <a:off x="-227150" y="444761"/>
             <a:ext cx="10515600" cy="817723"/>
           </a:xfrm>
         </p:spPr>
@@ -7341,6 +7653,66 @@
           </a:p>
           <a:p>
             <a:endParaRPr lang="en-US" sz="2000" dirty="0"/>
+          </a:p>
+        </p:txBody>
+      </p:sp>
+      <p:sp>
+        <p:nvSpPr>
+          <p:cNvPr id="16" name="Rectangle: Rounded Corners 15">
+            <a:extLst>
+              <a:ext uri="{FF2B5EF4-FFF2-40B4-BE49-F238E27FC236}">
+                <a16:creationId xmlns:a16="http://schemas.microsoft.com/office/drawing/2014/main" id="{9BC8B0E3-B408-4959-BD05-854ECC9E5C12}"/>
+              </a:ext>
+            </a:extLst>
+          </p:cNvPr>
+          <p:cNvSpPr/>
+          <p:nvPr/>
+        </p:nvSpPr>
+        <p:spPr>
+          <a:xfrm>
+            <a:off x="3363037" y="294893"/>
+            <a:ext cx="1352550" cy="390525"/>
+          </a:xfrm>
+          <a:prstGeom prst="roundRect">
+            <a:avLst/>
+          </a:prstGeom>
+          <a:solidFill>
+            <a:schemeClr val="bg1">
+              <a:lumMod val="75000"/>
+            </a:schemeClr>
+          </a:solidFill>
+          <a:ln>
+            <a:noFill/>
+          </a:ln>
+        </p:spPr>
+        <p:style>
+          <a:lnRef idx="2">
+            <a:schemeClr val="accent1">
+              <a:shade val="50000"/>
+            </a:schemeClr>
+          </a:lnRef>
+          <a:fillRef idx="1">
+            <a:schemeClr val="accent1"/>
+          </a:fillRef>
+          <a:effectRef idx="0">
+            <a:schemeClr val="accent1"/>
+          </a:effectRef>
+          <a:fontRef idx="minor">
+            <a:schemeClr val="lt1"/>
+          </a:fontRef>
+        </p:style>
+        <p:txBody>
+          <a:bodyPr rtlCol="0" anchor="ctr"/>
+          <a:lstStyle/>
+          <a:p>
+            <a:pPr algn="ctr"/>
+            <a:r>
+              <a:rPr lang="en-US" sz="1000" dirty="0">
+                <a:latin typeface="Verdana" panose="020B0604030504040204" pitchFamily="34" charset="0"/>
+                <a:ea typeface="Verdana" panose="020B0604030504040204" pitchFamily="34" charset="0"/>
+              </a:rPr>
+              <a:t>Project Overview</a:t>
+            </a:r>
           </a:p>
         </p:txBody>
       </p:sp>
@@ -8184,6 +8556,66 @@
           </a:prstGeom>
         </p:spPr>
       </p:pic>
+      <p:sp>
+        <p:nvSpPr>
+          <p:cNvPr id="16" name="Rectangle: Rounded Corners 15">
+            <a:extLst>
+              <a:ext uri="{FF2B5EF4-FFF2-40B4-BE49-F238E27FC236}">
+                <a16:creationId xmlns:a16="http://schemas.microsoft.com/office/drawing/2014/main" id="{1D49FF66-9737-4A2B-883E-8A69AA1B0581}"/>
+              </a:ext>
+            </a:extLst>
+          </p:cNvPr>
+          <p:cNvSpPr/>
+          <p:nvPr/>
+        </p:nvSpPr>
+        <p:spPr>
+          <a:xfrm>
+            <a:off x="3363037" y="294893"/>
+            <a:ext cx="1352550" cy="390525"/>
+          </a:xfrm>
+          <a:prstGeom prst="roundRect">
+            <a:avLst/>
+          </a:prstGeom>
+          <a:solidFill>
+            <a:schemeClr val="bg1">
+              <a:lumMod val="75000"/>
+            </a:schemeClr>
+          </a:solidFill>
+          <a:ln>
+            <a:noFill/>
+          </a:ln>
+        </p:spPr>
+        <p:style>
+          <a:lnRef idx="2">
+            <a:schemeClr val="accent1">
+              <a:shade val="50000"/>
+            </a:schemeClr>
+          </a:lnRef>
+          <a:fillRef idx="1">
+            <a:schemeClr val="accent1"/>
+          </a:fillRef>
+          <a:effectRef idx="0">
+            <a:schemeClr val="accent1"/>
+          </a:effectRef>
+          <a:fontRef idx="minor">
+            <a:schemeClr val="lt1"/>
+          </a:fontRef>
+        </p:style>
+        <p:txBody>
+          <a:bodyPr rtlCol="0" anchor="ctr"/>
+          <a:lstStyle/>
+          <a:p>
+            <a:pPr algn="ctr"/>
+            <a:r>
+              <a:rPr lang="en-US" sz="1000" dirty="0">
+                <a:latin typeface="Verdana" panose="020B0604030504040204" pitchFamily="34" charset="0"/>
+                <a:ea typeface="Verdana" panose="020B0604030504040204" pitchFamily="34" charset="0"/>
+              </a:rPr>
+              <a:t>Project Overview</a:t>
+            </a:r>
+          </a:p>
+        </p:txBody>
+      </p:sp>
     </p:spTree>
     <p:extLst>
       <p:ext uri="{BB962C8B-B14F-4D97-AF65-F5344CB8AC3E}">
@@ -9530,6 +9962,66 @@
           </p:style>
         </p:cxnSp>
       </p:grpSp>
+      <p:sp>
+        <p:nvSpPr>
+          <p:cNvPr id="23" name="Rectangle: Rounded Corners 22">
+            <a:extLst>
+              <a:ext uri="{FF2B5EF4-FFF2-40B4-BE49-F238E27FC236}">
+                <a16:creationId xmlns:a16="http://schemas.microsoft.com/office/drawing/2014/main" id="{0795AD58-B80B-4942-93C2-A044686EE203}"/>
+              </a:ext>
+            </a:extLst>
+          </p:cNvPr>
+          <p:cNvSpPr/>
+          <p:nvPr/>
+        </p:nvSpPr>
+        <p:spPr>
+          <a:xfrm>
+            <a:off x="3363037" y="294893"/>
+            <a:ext cx="1352550" cy="390525"/>
+          </a:xfrm>
+          <a:prstGeom prst="roundRect">
+            <a:avLst/>
+          </a:prstGeom>
+          <a:solidFill>
+            <a:schemeClr val="bg1">
+              <a:lumMod val="75000"/>
+            </a:schemeClr>
+          </a:solidFill>
+          <a:ln>
+            <a:noFill/>
+          </a:ln>
+        </p:spPr>
+        <p:style>
+          <a:lnRef idx="2">
+            <a:schemeClr val="accent1">
+              <a:shade val="50000"/>
+            </a:schemeClr>
+          </a:lnRef>
+          <a:fillRef idx="1">
+            <a:schemeClr val="accent1"/>
+          </a:fillRef>
+          <a:effectRef idx="0">
+            <a:schemeClr val="accent1"/>
+          </a:effectRef>
+          <a:fontRef idx="minor">
+            <a:schemeClr val="lt1"/>
+          </a:fontRef>
+        </p:style>
+        <p:txBody>
+          <a:bodyPr rtlCol="0" anchor="ctr"/>
+          <a:lstStyle/>
+          <a:p>
+            <a:pPr algn="ctr"/>
+            <a:r>
+              <a:rPr lang="en-US" sz="1000" dirty="0">
+                <a:latin typeface="Verdana" panose="020B0604030504040204" pitchFamily="34" charset="0"/>
+                <a:ea typeface="Verdana" panose="020B0604030504040204" pitchFamily="34" charset="0"/>
+              </a:rPr>
+              <a:t>Project Overview</a:t>
+            </a:r>
+          </a:p>
+        </p:txBody>
+      </p:sp>
     </p:spTree>
     <p:extLst>
       <p:ext uri="{BB962C8B-B14F-4D97-AF65-F5344CB8AC3E}">
@@ -11523,6 +12015,66 @@
           </p:style>
         </p:cxnSp>
       </p:grpSp>
+      <p:sp>
+        <p:nvSpPr>
+          <p:cNvPr id="39" name="Rectangle: Rounded Corners 38">
+            <a:extLst>
+              <a:ext uri="{FF2B5EF4-FFF2-40B4-BE49-F238E27FC236}">
+                <a16:creationId xmlns:a16="http://schemas.microsoft.com/office/drawing/2014/main" id="{2A2C6744-719C-4505-8182-85617EB8CF51}"/>
+              </a:ext>
+            </a:extLst>
+          </p:cNvPr>
+          <p:cNvSpPr/>
+          <p:nvPr/>
+        </p:nvSpPr>
+        <p:spPr>
+          <a:xfrm>
+            <a:off x="3363037" y="294893"/>
+            <a:ext cx="1352550" cy="390525"/>
+          </a:xfrm>
+          <a:prstGeom prst="roundRect">
+            <a:avLst/>
+          </a:prstGeom>
+          <a:solidFill>
+            <a:schemeClr val="bg1">
+              <a:lumMod val="75000"/>
+            </a:schemeClr>
+          </a:solidFill>
+          <a:ln>
+            <a:noFill/>
+          </a:ln>
+        </p:spPr>
+        <p:style>
+          <a:lnRef idx="2">
+            <a:schemeClr val="accent1">
+              <a:shade val="50000"/>
+            </a:schemeClr>
+          </a:lnRef>
+          <a:fillRef idx="1">
+            <a:schemeClr val="accent1"/>
+          </a:fillRef>
+          <a:effectRef idx="0">
+            <a:schemeClr val="accent1"/>
+          </a:effectRef>
+          <a:fontRef idx="minor">
+            <a:schemeClr val="lt1"/>
+          </a:fontRef>
+        </p:style>
+        <p:txBody>
+          <a:bodyPr rtlCol="0" anchor="ctr"/>
+          <a:lstStyle/>
+          <a:p>
+            <a:pPr algn="ctr"/>
+            <a:r>
+              <a:rPr lang="en-US" sz="1000" dirty="0">
+                <a:latin typeface="Verdana" panose="020B0604030504040204" pitchFamily="34" charset="0"/>
+                <a:ea typeface="Verdana" panose="020B0604030504040204" pitchFamily="34" charset="0"/>
+              </a:rPr>
+              <a:t>Project Overview</a:t>
+            </a:r>
+          </a:p>
+        </p:txBody>
+      </p:sp>
     </p:spTree>
     <p:extLst>
       <p:ext uri="{BB962C8B-B14F-4D97-AF65-F5344CB8AC3E}">
@@ -12370,6 +12922,66 @@
           </a:p>
         </p:txBody>
       </p:sp>
+      <p:sp>
+        <p:nvSpPr>
+          <p:cNvPr id="17" name="Rectangle: Rounded Corners 16">
+            <a:extLst>
+              <a:ext uri="{FF2B5EF4-FFF2-40B4-BE49-F238E27FC236}">
+                <a16:creationId xmlns:a16="http://schemas.microsoft.com/office/drawing/2014/main" id="{A0183DB8-3755-4486-B7A9-2C300A187F04}"/>
+              </a:ext>
+            </a:extLst>
+          </p:cNvPr>
+          <p:cNvSpPr/>
+          <p:nvPr/>
+        </p:nvSpPr>
+        <p:spPr>
+          <a:xfrm>
+            <a:off x="3363037" y="294893"/>
+            <a:ext cx="1352550" cy="390525"/>
+          </a:xfrm>
+          <a:prstGeom prst="roundRect">
+            <a:avLst/>
+          </a:prstGeom>
+          <a:solidFill>
+            <a:schemeClr val="bg1">
+              <a:lumMod val="75000"/>
+            </a:schemeClr>
+          </a:solidFill>
+          <a:ln>
+            <a:noFill/>
+          </a:ln>
+        </p:spPr>
+        <p:style>
+          <a:lnRef idx="2">
+            <a:schemeClr val="accent1">
+              <a:shade val="50000"/>
+            </a:schemeClr>
+          </a:lnRef>
+          <a:fillRef idx="1">
+            <a:schemeClr val="accent1"/>
+          </a:fillRef>
+          <a:effectRef idx="0">
+            <a:schemeClr val="accent1"/>
+          </a:effectRef>
+          <a:fontRef idx="minor">
+            <a:schemeClr val="lt1"/>
+          </a:fontRef>
+        </p:style>
+        <p:txBody>
+          <a:bodyPr rtlCol="0" anchor="ctr"/>
+          <a:lstStyle/>
+          <a:p>
+            <a:pPr algn="ctr"/>
+            <a:r>
+              <a:rPr lang="en-US" sz="1000" dirty="0">
+                <a:latin typeface="Verdana" panose="020B0604030504040204" pitchFamily="34" charset="0"/>
+                <a:ea typeface="Verdana" panose="020B0604030504040204" pitchFamily="34" charset="0"/>
+              </a:rPr>
+              <a:t>Project Overview</a:t>
+            </a:r>
+          </a:p>
+        </p:txBody>
+      </p:sp>
     </p:spTree>
     <p:extLst>
       <p:ext uri="{BB962C8B-B14F-4D97-AF65-F5344CB8AC3E}">
@@ -16617,6 +17229,66 @@
           </a:p>
         </p:txBody>
       </p:sp>
+      <p:sp>
+        <p:nvSpPr>
+          <p:cNvPr id="143" name="Rectangle: Rounded Corners 142">
+            <a:extLst>
+              <a:ext uri="{FF2B5EF4-FFF2-40B4-BE49-F238E27FC236}">
+                <a16:creationId xmlns:a16="http://schemas.microsoft.com/office/drawing/2014/main" id="{4296E275-3DB3-4896-9E52-051709821BB3}"/>
+              </a:ext>
+            </a:extLst>
+          </p:cNvPr>
+          <p:cNvSpPr/>
+          <p:nvPr/>
+        </p:nvSpPr>
+        <p:spPr>
+          <a:xfrm>
+            <a:off x="3363037" y="294893"/>
+            <a:ext cx="1352550" cy="390525"/>
+          </a:xfrm>
+          <a:prstGeom prst="roundRect">
+            <a:avLst/>
+          </a:prstGeom>
+          <a:solidFill>
+            <a:schemeClr val="bg1">
+              <a:lumMod val="75000"/>
+            </a:schemeClr>
+          </a:solidFill>
+          <a:ln>
+            <a:noFill/>
+          </a:ln>
+        </p:spPr>
+        <p:style>
+          <a:lnRef idx="2">
+            <a:schemeClr val="accent1">
+              <a:shade val="50000"/>
+            </a:schemeClr>
+          </a:lnRef>
+          <a:fillRef idx="1">
+            <a:schemeClr val="accent1"/>
+          </a:fillRef>
+          <a:effectRef idx="0">
+            <a:schemeClr val="accent1"/>
+          </a:effectRef>
+          <a:fontRef idx="minor">
+            <a:schemeClr val="lt1"/>
+          </a:fontRef>
+        </p:style>
+        <p:txBody>
+          <a:bodyPr rtlCol="0" anchor="ctr"/>
+          <a:lstStyle/>
+          <a:p>
+            <a:pPr algn="ctr"/>
+            <a:r>
+              <a:rPr lang="en-US" sz="1000" dirty="0">
+                <a:latin typeface="Verdana" panose="020B0604030504040204" pitchFamily="34" charset="0"/>
+                <a:ea typeface="Verdana" panose="020B0604030504040204" pitchFamily="34" charset="0"/>
+              </a:rPr>
+              <a:t>Project Overview</a:t>
+            </a:r>
+          </a:p>
+        </p:txBody>
+      </p:sp>
     </p:spTree>
     <p:extLst>
       <p:ext uri="{BB962C8B-B14F-4D97-AF65-F5344CB8AC3E}">
@@ -18865,6 +19537,66 @@
           </a:prstGeom>
         </p:spPr>
       </p:pic>
+      <p:sp>
+        <p:nvSpPr>
+          <p:cNvPr id="100" name="Rectangle: Rounded Corners 99">
+            <a:extLst>
+              <a:ext uri="{FF2B5EF4-FFF2-40B4-BE49-F238E27FC236}">
+                <a16:creationId xmlns:a16="http://schemas.microsoft.com/office/drawing/2014/main" id="{7A631513-E89A-421B-8FC2-9D65935EF737}"/>
+              </a:ext>
+            </a:extLst>
+          </p:cNvPr>
+          <p:cNvSpPr/>
+          <p:nvPr/>
+        </p:nvSpPr>
+        <p:spPr>
+          <a:xfrm>
+            <a:off x="3363037" y="294893"/>
+            <a:ext cx="1352550" cy="390525"/>
+          </a:xfrm>
+          <a:prstGeom prst="roundRect">
+            <a:avLst/>
+          </a:prstGeom>
+          <a:solidFill>
+            <a:schemeClr val="bg1">
+              <a:lumMod val="75000"/>
+            </a:schemeClr>
+          </a:solidFill>
+          <a:ln>
+            <a:noFill/>
+          </a:ln>
+        </p:spPr>
+        <p:style>
+          <a:lnRef idx="2">
+            <a:schemeClr val="accent1">
+              <a:shade val="50000"/>
+            </a:schemeClr>
+          </a:lnRef>
+          <a:fillRef idx="1">
+            <a:schemeClr val="accent1"/>
+          </a:fillRef>
+          <a:effectRef idx="0">
+            <a:schemeClr val="accent1"/>
+          </a:effectRef>
+          <a:fontRef idx="minor">
+            <a:schemeClr val="lt1"/>
+          </a:fontRef>
+        </p:style>
+        <p:txBody>
+          <a:bodyPr rtlCol="0" anchor="ctr"/>
+          <a:lstStyle/>
+          <a:p>
+            <a:pPr algn="ctr"/>
+            <a:r>
+              <a:rPr lang="en-US" sz="1000" dirty="0">
+                <a:latin typeface="Verdana" panose="020B0604030504040204" pitchFamily="34" charset="0"/>
+                <a:ea typeface="Verdana" panose="020B0604030504040204" pitchFamily="34" charset="0"/>
+              </a:rPr>
+              <a:t>Project Overview</a:t>
+            </a:r>
+          </a:p>
+        </p:txBody>
+      </p:sp>
     </p:spTree>
     <p:extLst>
       <p:ext uri="{BB962C8B-B14F-4D97-AF65-F5344CB8AC3E}">
@@ -19299,6 +20031,66 @@
           </a:prstGeom>
         </p:spPr>
       </p:pic>
+      <p:sp>
+        <p:nvSpPr>
+          <p:cNvPr id="16" name="Rectangle: Rounded Corners 15">
+            <a:extLst>
+              <a:ext uri="{FF2B5EF4-FFF2-40B4-BE49-F238E27FC236}">
+                <a16:creationId xmlns:a16="http://schemas.microsoft.com/office/drawing/2014/main" id="{A7BA931D-AAC3-4AFD-A805-9E4193B8964F}"/>
+              </a:ext>
+            </a:extLst>
+          </p:cNvPr>
+          <p:cNvSpPr/>
+          <p:nvPr/>
+        </p:nvSpPr>
+        <p:spPr>
+          <a:xfrm>
+            <a:off x="3363037" y="294893"/>
+            <a:ext cx="1352550" cy="390525"/>
+          </a:xfrm>
+          <a:prstGeom prst="roundRect">
+            <a:avLst/>
+          </a:prstGeom>
+          <a:solidFill>
+            <a:schemeClr val="bg1">
+              <a:lumMod val="75000"/>
+            </a:schemeClr>
+          </a:solidFill>
+          <a:ln>
+            <a:noFill/>
+          </a:ln>
+        </p:spPr>
+        <p:style>
+          <a:lnRef idx="2">
+            <a:schemeClr val="accent1">
+              <a:shade val="50000"/>
+            </a:schemeClr>
+          </a:lnRef>
+          <a:fillRef idx="1">
+            <a:schemeClr val="accent1"/>
+          </a:fillRef>
+          <a:effectRef idx="0">
+            <a:schemeClr val="accent1"/>
+          </a:effectRef>
+          <a:fontRef idx="minor">
+            <a:schemeClr val="lt1"/>
+          </a:fontRef>
+        </p:style>
+        <p:txBody>
+          <a:bodyPr rtlCol="0" anchor="ctr"/>
+          <a:lstStyle/>
+          <a:p>
+            <a:pPr algn="ctr"/>
+            <a:r>
+              <a:rPr lang="en-US" sz="1000" dirty="0">
+                <a:latin typeface="Verdana" panose="020B0604030504040204" pitchFamily="34" charset="0"/>
+                <a:ea typeface="Verdana" panose="020B0604030504040204" pitchFamily="34" charset="0"/>
+              </a:rPr>
+              <a:t>Project Overview</a:t>
+            </a:r>
+          </a:p>
+        </p:txBody>
+      </p:sp>
     </p:spTree>
     <p:extLst>
       <p:ext uri="{BB962C8B-B14F-4D97-AF65-F5344CB8AC3E}">
@@ -19727,6 +20519,180 @@
           <a:xfrm>
             <a:off x="261546" y="6238912"/>
             <a:ext cx="1885714" cy="600000"/>
+          </a:xfrm>
+          <a:prstGeom prst="rect">
+            <a:avLst/>
+          </a:prstGeom>
+        </p:spPr>
+      </p:pic>
+      <p:sp>
+        <p:nvSpPr>
+          <p:cNvPr id="16" name="TextBox 15">
+            <a:extLst>
+              <a:ext uri="{FF2B5EF4-FFF2-40B4-BE49-F238E27FC236}">
+                <a16:creationId xmlns:a16="http://schemas.microsoft.com/office/drawing/2014/main" id="{9E214889-36FA-4860-B127-89940829984A}"/>
+              </a:ext>
+            </a:extLst>
+          </p:cNvPr>
+          <p:cNvSpPr txBox="1"/>
+          <p:nvPr/>
+        </p:nvSpPr>
+        <p:spPr>
+          <a:xfrm>
+            <a:off x="261546" y="1550245"/>
+            <a:ext cx="11391877" cy="1815882"/>
+          </a:xfrm>
+          <a:prstGeom prst="rect">
+            <a:avLst/>
+          </a:prstGeom>
+          <a:noFill/>
+        </p:spPr>
+        <p:txBody>
+          <a:bodyPr wrap="square">
+            <a:spAutoFit/>
+          </a:bodyPr>
+          <a:lstStyle/>
+          <a:p>
+            <a:pPr marL="800100" lvl="1" indent="-342900">
+              <a:buFont typeface="+mj-lt"/>
+              <a:buAutoNum type="arabicPeriod"/>
+            </a:pPr>
+            <a:r>
+              <a:rPr lang="en-US" sz="1600" dirty="0">
+                <a:solidFill>
+                  <a:srgbClr val="374151"/>
+                </a:solidFill>
+                <a:latin typeface="Verdana" panose="020B0604030504040204" pitchFamily="34" charset="0"/>
+                <a:ea typeface="Verdana" panose="020B0604030504040204" pitchFamily="34" charset="0"/>
+              </a:rPr>
+              <a:t>Using Logistic Regression, we were able to infer the industry classification with 80% accuracy from PitchBook descriptions</a:t>
+            </a:r>
+            <a:endParaRPr lang="en-US" sz="2000" dirty="0">
+              <a:solidFill>
+                <a:srgbClr val="374151"/>
+              </a:solidFill>
+              <a:latin typeface="Verdana" panose="020B0604030504040204" pitchFamily="34" charset="0"/>
+              <a:ea typeface="Verdana" panose="020B0604030504040204" pitchFamily="34" charset="0"/>
+            </a:endParaRPr>
+          </a:p>
+          <a:p>
+            <a:pPr marL="800100" lvl="1" indent="-342900">
+              <a:buFont typeface="+mj-lt"/>
+              <a:buAutoNum type="arabicPeriod"/>
+            </a:pPr>
+            <a:r>
+              <a:rPr lang="en-US" sz="1600" dirty="0">
+                <a:solidFill>
+                  <a:srgbClr val="374151"/>
+                </a:solidFill>
+                <a:latin typeface="Verdana" panose="020B0604030504040204" pitchFamily="34" charset="0"/>
+                <a:ea typeface="Verdana" panose="020B0604030504040204" pitchFamily="34" charset="0"/>
+              </a:rPr>
+              <a:t>We can go further with predicting sector and sub-sector labeling as shown below based on inputs from industry classification and using Sentence transformers and Logistic Regression</a:t>
+            </a:r>
+          </a:p>
+          <a:p>
+            <a:pPr marL="800100" lvl="1" indent="-342900">
+              <a:buFont typeface="+mj-lt"/>
+              <a:buAutoNum type="arabicPeriod"/>
+            </a:pPr>
+            <a:r>
+              <a:rPr lang="en-US" sz="1600" dirty="0">
+                <a:solidFill>
+                  <a:srgbClr val="374151"/>
+                </a:solidFill>
+                <a:latin typeface="Verdana" panose="020B0604030504040204" pitchFamily="34" charset="0"/>
+                <a:ea typeface="Verdana" panose="020B0604030504040204" pitchFamily="34" charset="0"/>
+              </a:rPr>
+              <a:t>Overall, industry classification from PitchBook data using Logistic Regression can provide business users in Investment Banking with valuable insights and decision support, helping them to source deals, value companies, conduct market research, and manage their portfolios effectively</a:t>
+            </a:r>
+          </a:p>
+        </p:txBody>
+      </p:sp>
+      <p:sp>
+        <p:nvSpPr>
+          <p:cNvPr id="17" name="Rectangle: Rounded Corners 16">
+            <a:extLst>
+              <a:ext uri="{FF2B5EF4-FFF2-40B4-BE49-F238E27FC236}">
+                <a16:creationId xmlns:a16="http://schemas.microsoft.com/office/drawing/2014/main" id="{11E8B7EC-C732-4D27-8B97-2DEFD2F3548E}"/>
+              </a:ext>
+            </a:extLst>
+          </p:cNvPr>
+          <p:cNvSpPr/>
+          <p:nvPr/>
+        </p:nvSpPr>
+        <p:spPr>
+          <a:xfrm>
+            <a:off x="3363037" y="294893"/>
+            <a:ext cx="1352550" cy="390525"/>
+          </a:xfrm>
+          <a:prstGeom prst="roundRect">
+            <a:avLst/>
+          </a:prstGeom>
+          <a:solidFill>
+            <a:schemeClr val="bg1">
+              <a:lumMod val="75000"/>
+            </a:schemeClr>
+          </a:solidFill>
+          <a:ln>
+            <a:noFill/>
+          </a:ln>
+        </p:spPr>
+        <p:style>
+          <a:lnRef idx="2">
+            <a:schemeClr val="accent1">
+              <a:shade val="50000"/>
+            </a:schemeClr>
+          </a:lnRef>
+          <a:fillRef idx="1">
+            <a:schemeClr val="accent1"/>
+          </a:fillRef>
+          <a:effectRef idx="0">
+            <a:schemeClr val="accent1"/>
+          </a:effectRef>
+          <a:fontRef idx="minor">
+            <a:schemeClr val="lt1"/>
+          </a:fontRef>
+        </p:style>
+        <p:txBody>
+          <a:bodyPr rtlCol="0" anchor="ctr"/>
+          <a:lstStyle/>
+          <a:p>
+            <a:pPr algn="ctr"/>
+            <a:r>
+              <a:rPr lang="en-US" sz="1000" dirty="0">
+                <a:latin typeface="Verdana" panose="020B0604030504040204" pitchFamily="34" charset="0"/>
+                <a:ea typeface="Verdana" panose="020B0604030504040204" pitchFamily="34" charset="0"/>
+              </a:rPr>
+              <a:t>Project Overview</a:t>
+            </a:r>
+          </a:p>
+        </p:txBody>
+      </p:sp>
+      <p:pic>
+        <p:nvPicPr>
+          <p:cNvPr id="4" name="Picture 3">
+            <a:extLst>
+              <a:ext uri="{FF2B5EF4-FFF2-40B4-BE49-F238E27FC236}">
+                <a16:creationId xmlns:a16="http://schemas.microsoft.com/office/drawing/2014/main" id="{ED0825DF-4E06-46F9-A9F8-EE9235861C09}"/>
+              </a:ext>
+            </a:extLst>
+          </p:cNvPr>
+          <p:cNvPicPr>
+            <a:picLocks noChangeAspect="1"/>
+          </p:cNvPicPr>
+          <p:nvPr/>
+        </p:nvPicPr>
+        <p:blipFill>
+          <a:blip r:embed="rId4"/>
+          <a:stretch>
+            <a:fillRect/>
+          </a:stretch>
+        </p:blipFill>
+        <p:spPr>
+          <a:xfrm>
+            <a:off x="6865060" y="3545644"/>
+            <a:ext cx="3722544" cy="2920145"/>
           </a:xfrm>
           <a:prstGeom prst="rect">
             <a:avLst/>
@@ -19848,7 +20814,7 @@
         <p:spPr>
           <a:xfrm>
             <a:off x="838199" y="1590674"/>
-            <a:ext cx="5882197" cy="4105226"/>
+            <a:ext cx="5882197" cy="4474558"/>
           </a:xfrm>
           <a:prstGeom prst="rect">
             <a:avLst/>
@@ -19889,7 +20855,7 @@
                 <a:latin typeface="Verdana" panose="020B0604030504040204" pitchFamily="34" charset="0"/>
                 <a:ea typeface="Verdana" panose="020B0604030504040204" pitchFamily="34" charset="0"/>
               </a:rPr>
-              <a:t>Key Stakeholders</a:t>
+              <a:t>Key Stakeholders &amp; Project Overview</a:t>
             </a:r>
           </a:p>
           <a:p>
@@ -19905,7 +20871,7 @@
                 <a:latin typeface="Verdana" panose="020B0604030504040204" pitchFamily="34" charset="0"/>
                 <a:ea typeface="Verdana" panose="020B0604030504040204" pitchFamily="34" charset="0"/>
               </a:rPr>
-              <a:t>Goals</a:t>
+              <a:t>Background &amp; Goals</a:t>
             </a:r>
           </a:p>
           <a:p>
@@ -19922,6 +20888,22 @@
                 <a:ea typeface="Verdana" panose="020B0604030504040204" pitchFamily="34" charset="0"/>
               </a:rPr>
               <a:t>Application Architecture</a:t>
+            </a:r>
+          </a:p>
+          <a:p>
+            <a:pPr marL="857250" lvl="1" indent="-400050">
+              <a:lnSpc>
+                <a:spcPct val="150000"/>
+              </a:lnSpc>
+              <a:buFont typeface="+mj-lt"/>
+              <a:buAutoNum type="romanUcPeriod"/>
+            </a:pPr>
+            <a:r>
+              <a:rPr lang="en-US" sz="1600" dirty="0">
+                <a:latin typeface="Verdana" panose="020B0604030504040204" pitchFamily="34" charset="0"/>
+                <a:ea typeface="Verdana" panose="020B0604030504040204" pitchFamily="34" charset="0"/>
+              </a:rPr>
+              <a:t>Current &amp; Proposed</a:t>
             </a:r>
           </a:p>
           <a:p>
@@ -20147,7 +21129,7 @@
                 <a:latin typeface="Verdana" panose="020B0604030504040204" pitchFamily="34" charset="0"/>
                 <a:ea typeface="Verdana" panose="020B0604030504040204" pitchFamily="34" charset="0"/>
               </a:rPr>
-              <a:t>Project Overview</a:t>
+              <a:t>Key Stakeholders</a:t>
             </a:r>
           </a:p>
         </p:txBody>
@@ -20196,64 +21178,6 @@
         <p:spPr>
           <a:xfrm>
             <a:off x="4775911" y="285726"/>
-            <a:ext cx="1352550" cy="390525"/>
-          </a:xfrm>
-          <a:prstGeom prst="roundRect">
-            <a:avLst/>
-          </a:prstGeom>
-          <a:solidFill>
-            <a:srgbClr val="9E2946"/>
-          </a:solidFill>
-          <a:ln>
-            <a:noFill/>
-          </a:ln>
-        </p:spPr>
-        <p:style>
-          <a:lnRef idx="2">
-            <a:schemeClr val="accent1">
-              <a:shade val="50000"/>
-            </a:schemeClr>
-          </a:lnRef>
-          <a:fillRef idx="1">
-            <a:schemeClr val="accent1"/>
-          </a:fillRef>
-          <a:effectRef idx="0">
-            <a:schemeClr val="accent1"/>
-          </a:effectRef>
-          <a:fontRef idx="minor">
-            <a:schemeClr val="lt1"/>
-          </a:fontRef>
-        </p:style>
-        <p:txBody>
-          <a:bodyPr rtlCol="0" anchor="ctr"/>
-          <a:lstStyle/>
-          <a:p>
-            <a:pPr algn="ctr"/>
-            <a:r>
-              <a:rPr lang="en-US" sz="1000" dirty="0">
-                <a:latin typeface="Verdana" panose="020B0604030504040204" pitchFamily="34" charset="0"/>
-                <a:ea typeface="Verdana" panose="020B0604030504040204" pitchFamily="34" charset="0"/>
-              </a:rPr>
-              <a:t>Background</a:t>
-            </a:r>
-          </a:p>
-        </p:txBody>
-      </p:sp>
-      <p:sp>
-        <p:nvSpPr>
-          <p:cNvPr id="10" name="Rectangle: Rounded Corners 9">
-            <a:extLst>
-              <a:ext uri="{FF2B5EF4-FFF2-40B4-BE49-F238E27FC236}">
-                <a16:creationId xmlns:a16="http://schemas.microsoft.com/office/drawing/2014/main" id="{D0CF06AE-5C66-40BE-AF92-C9254A0C3FD7}"/>
-              </a:ext>
-            </a:extLst>
-          </p:cNvPr>
-          <p:cNvSpPr/>
-          <p:nvPr/>
-        </p:nvSpPr>
-        <p:spPr>
-          <a:xfrm>
-            <a:off x="6188785" y="285727"/>
             <a:ext cx="1352550" cy="390525"/>
           </a:xfrm>
           <a:prstGeom prst="roundRect">
@@ -20294,17 +21218,17 @@
                 <a:latin typeface="Verdana" panose="020B0604030504040204" pitchFamily="34" charset="0"/>
                 <a:ea typeface="Verdana" panose="020B0604030504040204" pitchFamily="34" charset="0"/>
               </a:rPr>
-              <a:t>Architecture</a:t>
-            </a:r>
-          </a:p>
-        </p:txBody>
-      </p:sp>
-      <p:sp>
-        <p:nvSpPr>
-          <p:cNvPr id="11" name="Rectangle: Rounded Corners 10">
-            <a:extLst>
-              <a:ext uri="{FF2B5EF4-FFF2-40B4-BE49-F238E27FC236}">
-                <a16:creationId xmlns:a16="http://schemas.microsoft.com/office/drawing/2014/main" id="{9B2AA2F4-54FD-4548-A211-ABBC31F90EE6}"/>
+              <a:t>Background</a:t>
+            </a:r>
+          </a:p>
+        </p:txBody>
+      </p:sp>
+      <p:sp>
+        <p:nvSpPr>
+          <p:cNvPr id="10" name="Rectangle: Rounded Corners 9">
+            <a:extLst>
+              <a:ext uri="{FF2B5EF4-FFF2-40B4-BE49-F238E27FC236}">
+                <a16:creationId xmlns:a16="http://schemas.microsoft.com/office/drawing/2014/main" id="{D0CF06AE-5C66-40BE-AF92-C9254A0C3FD7}"/>
               </a:ext>
             </a:extLst>
           </p:cNvPr>
@@ -20313,7 +21237,7 @@
         </p:nvSpPr>
         <p:spPr>
           <a:xfrm>
-            <a:off x="7601659" y="285726"/>
+            <a:off x="6188785" y="285727"/>
             <a:ext cx="1352550" cy="390525"/>
           </a:xfrm>
           <a:prstGeom prst="roundRect">
@@ -20354,17 +21278,17 @@
                 <a:latin typeface="Verdana" panose="020B0604030504040204" pitchFamily="34" charset="0"/>
                 <a:ea typeface="Verdana" panose="020B0604030504040204" pitchFamily="34" charset="0"/>
               </a:rPr>
-              <a:t>Methodology</a:t>
-            </a:r>
-          </a:p>
-        </p:txBody>
-      </p:sp>
-      <p:sp>
-        <p:nvSpPr>
-          <p:cNvPr id="12" name="Rectangle: Rounded Corners 11">
-            <a:extLst>
-              <a:ext uri="{FF2B5EF4-FFF2-40B4-BE49-F238E27FC236}">
-                <a16:creationId xmlns:a16="http://schemas.microsoft.com/office/drawing/2014/main" id="{E7FD3417-382B-42E9-8B4D-A235C22130CA}"/>
+              <a:t>Architecture</a:t>
+            </a:r>
+          </a:p>
+        </p:txBody>
+      </p:sp>
+      <p:sp>
+        <p:nvSpPr>
+          <p:cNvPr id="11" name="Rectangle: Rounded Corners 10">
+            <a:extLst>
+              <a:ext uri="{FF2B5EF4-FFF2-40B4-BE49-F238E27FC236}">
+                <a16:creationId xmlns:a16="http://schemas.microsoft.com/office/drawing/2014/main" id="{9B2AA2F4-54FD-4548-A211-ABBC31F90EE6}"/>
               </a:ext>
             </a:extLst>
           </p:cNvPr>
@@ -20373,7 +21297,7 @@
         </p:nvSpPr>
         <p:spPr>
           <a:xfrm>
-            <a:off x="9014533" y="285726"/>
+            <a:off x="7601659" y="285726"/>
             <a:ext cx="1352550" cy="390525"/>
           </a:xfrm>
           <a:prstGeom prst="roundRect">
@@ -20414,17 +21338,17 @@
                 <a:latin typeface="Verdana" panose="020B0604030504040204" pitchFamily="34" charset="0"/>
                 <a:ea typeface="Verdana" panose="020B0604030504040204" pitchFamily="34" charset="0"/>
               </a:rPr>
-              <a:t>Outcome</a:t>
-            </a:r>
-          </a:p>
-        </p:txBody>
-      </p:sp>
-      <p:sp>
-        <p:nvSpPr>
-          <p:cNvPr id="14" name="Rectangle: Rounded Corners 13">
-            <a:extLst>
-              <a:ext uri="{FF2B5EF4-FFF2-40B4-BE49-F238E27FC236}">
-                <a16:creationId xmlns:a16="http://schemas.microsoft.com/office/drawing/2014/main" id="{66AC8B29-1893-4A94-9715-56E1E25E3B7A}"/>
+              <a:t>Methodology</a:t>
+            </a:r>
+          </a:p>
+        </p:txBody>
+      </p:sp>
+      <p:sp>
+        <p:nvSpPr>
+          <p:cNvPr id="12" name="Rectangle: Rounded Corners 11">
+            <a:extLst>
+              <a:ext uri="{FF2B5EF4-FFF2-40B4-BE49-F238E27FC236}">
+                <a16:creationId xmlns:a16="http://schemas.microsoft.com/office/drawing/2014/main" id="{E7FD3417-382B-42E9-8B4D-A235C22130CA}"/>
               </a:ext>
             </a:extLst>
           </p:cNvPr>
@@ -20433,7 +21357,7 @@
         </p:nvSpPr>
         <p:spPr>
           <a:xfrm>
-            <a:off x="10427407" y="285726"/>
+            <a:off x="9014533" y="285726"/>
             <a:ext cx="1352550" cy="390525"/>
           </a:xfrm>
           <a:prstGeom prst="roundRect">
@@ -20474,6 +21398,66 @@
                 <a:latin typeface="Verdana" panose="020B0604030504040204" pitchFamily="34" charset="0"/>
                 <a:ea typeface="Verdana" panose="020B0604030504040204" pitchFamily="34" charset="0"/>
               </a:rPr>
+              <a:t>Outcome</a:t>
+            </a:r>
+          </a:p>
+        </p:txBody>
+      </p:sp>
+      <p:sp>
+        <p:nvSpPr>
+          <p:cNvPr id="14" name="Rectangle: Rounded Corners 13">
+            <a:extLst>
+              <a:ext uri="{FF2B5EF4-FFF2-40B4-BE49-F238E27FC236}">
+                <a16:creationId xmlns:a16="http://schemas.microsoft.com/office/drawing/2014/main" id="{66AC8B29-1893-4A94-9715-56E1E25E3B7A}"/>
+              </a:ext>
+            </a:extLst>
+          </p:cNvPr>
+          <p:cNvSpPr/>
+          <p:nvPr/>
+        </p:nvSpPr>
+        <p:spPr>
+          <a:xfrm>
+            <a:off x="10427407" y="285726"/>
+            <a:ext cx="1352550" cy="390525"/>
+          </a:xfrm>
+          <a:prstGeom prst="roundRect">
+            <a:avLst/>
+          </a:prstGeom>
+          <a:solidFill>
+            <a:schemeClr val="bg1">
+              <a:lumMod val="75000"/>
+            </a:schemeClr>
+          </a:solidFill>
+          <a:ln>
+            <a:noFill/>
+          </a:ln>
+        </p:spPr>
+        <p:style>
+          <a:lnRef idx="2">
+            <a:schemeClr val="accent1">
+              <a:shade val="50000"/>
+            </a:schemeClr>
+          </a:lnRef>
+          <a:fillRef idx="1">
+            <a:schemeClr val="accent1"/>
+          </a:fillRef>
+          <a:effectRef idx="0">
+            <a:schemeClr val="accent1"/>
+          </a:effectRef>
+          <a:fontRef idx="minor">
+            <a:schemeClr val="lt1"/>
+          </a:fontRef>
+        </p:style>
+        <p:txBody>
+          <a:bodyPr rtlCol="0" anchor="ctr"/>
+          <a:lstStyle/>
+          <a:p>
+            <a:pPr algn="ctr"/>
+            <a:r>
+              <a:rPr lang="en-US" sz="1000" dirty="0">
+                <a:latin typeface="Verdana" panose="020B0604030504040204" pitchFamily="34" charset="0"/>
+                <a:ea typeface="Verdana" panose="020B0604030504040204" pitchFamily="34" charset="0"/>
+              </a:rPr>
               <a:t>Conclusion</a:t>
             </a:r>
           </a:p>
@@ -20511,10 +21495,10 @@
       </p:pic>
       <p:sp>
         <p:nvSpPr>
-          <p:cNvPr id="2" name="TextBox 1">
-            <a:extLst>
-              <a:ext uri="{FF2B5EF4-FFF2-40B4-BE49-F238E27FC236}">
-                <a16:creationId xmlns:a16="http://schemas.microsoft.com/office/drawing/2014/main" id="{3A3FD9DD-A15F-4830-AEFD-19922D0844E4}"/>
+          <p:cNvPr id="13" name="TextBox 12">
+            <a:extLst>
+              <a:ext uri="{FF2B5EF4-FFF2-40B4-BE49-F238E27FC236}">
+                <a16:creationId xmlns:a16="http://schemas.microsoft.com/office/drawing/2014/main" id="{E1BB4B80-B2A0-4B71-84A2-CAB750EE95D7}"/>
               </a:ext>
             </a:extLst>
           </p:cNvPr>
@@ -20523,8 +21507,8 @@
         </p:nvSpPr>
         <p:spPr>
           <a:xfrm>
-            <a:off x="1016000" y="1443841"/>
-            <a:ext cx="9777047" cy="4247317"/>
+            <a:off x="1041644" y="889849"/>
+            <a:ext cx="10515600" cy="4154984"/>
           </a:xfrm>
           <a:prstGeom prst="rect">
             <a:avLst/>
@@ -20540,65 +21524,222 @@
             <a:endParaRPr lang="en-US" dirty="0"/>
           </a:p>
           <a:p>
-            <a:r>
-              <a:rPr lang="en-US" b="1" dirty="0"/>
-              <a:t>Unsupervised companies' categorization</a:t>
-            </a:r>
-          </a:p>
-          <a:p>
-            <a:pPr marL="742950" lvl="1" indent="-285750">
+            <a:pPr marL="285750" indent="-285750">
               <a:buFont typeface="Arial" panose="020B0604020202020204" pitchFamily="34" charset="0"/>
               <a:buChar char="•"/>
             </a:pPr>
             <a:r>
-              <a:rPr lang="en-US" b="1" dirty="0"/>
-              <a:t>Categorize brands basis their history using Artificial Intelligence</a:t>
-            </a:r>
-          </a:p>
-          <a:p>
-            <a:endParaRPr lang="en-US" b="1" dirty="0"/>
-          </a:p>
-          <a:p>
-            <a:r>
-              <a:rPr lang="en-US" dirty="0"/>
-              <a:t>100s –1000s of companies exist belonging to various industries. Today these are manually categorized and grouped under various industry classification schemes like NAICS, SIC, NIC, etc. These schemes are pre-determined and don’t reflect the changing nature of a business or brand.</a:t>
-            </a:r>
-            <a:endParaRPr lang="en-US" b="1" dirty="0"/>
-          </a:p>
-          <a:p>
-            <a:endParaRPr lang="en-US" b="1" dirty="0"/>
-          </a:p>
-          <a:p>
-            <a:endParaRPr lang="en-US" b="1" dirty="0"/>
-          </a:p>
-          <a:p>
-            <a:r>
-              <a:rPr lang="en-US" b="1" dirty="0"/>
-              <a:t>Question:  </a:t>
-            </a:r>
-            <a:r>
-              <a:rPr lang="en-US" dirty="0"/>
-              <a:t>Can we create a more dynamic categorization basis the journey of a company using a machine learning model?</a:t>
-            </a:r>
-          </a:p>
-          <a:p>
-            <a:endParaRPr lang="en-US" b="1" dirty="0"/>
-          </a:p>
-          <a:p>
-            <a:r>
-              <a:rPr lang="en-US" b="1" dirty="0"/>
-              <a:t>Answer: </a:t>
-            </a:r>
-            <a:r>
-              <a:rPr lang="en-US" dirty="0"/>
-              <a:t>Yes, we can!</a:t>
-            </a:r>
-          </a:p>
-          <a:p>
+              <a:rPr lang="en-US" sz="1600" b="1" dirty="0">
+                <a:solidFill>
+                  <a:srgbClr val="374151"/>
+                </a:solidFill>
+                <a:latin typeface="Verdana" panose="020B0604030504040204" pitchFamily="34" charset="0"/>
+                <a:ea typeface="Verdana" panose="020B0604030504040204" pitchFamily="34" charset="0"/>
+              </a:rPr>
+              <a:t>Investment bankers</a:t>
+            </a:r>
+            <a:r>
+              <a:rPr lang="en-US" sz="1600" dirty="0">
+                <a:solidFill>
+                  <a:srgbClr val="374151"/>
+                </a:solidFill>
+                <a:latin typeface="Verdana" panose="020B0604030504040204" pitchFamily="34" charset="0"/>
+                <a:ea typeface="Verdana" panose="020B0604030504040204" pitchFamily="34" charset="0"/>
+              </a:rPr>
+              <a:t>: They are the primary stakeholders and use industry classification to identify promising companies and sectors for investment, compare valuation metrics across different industries, and diversify their portfolios across different sectors</a:t>
+            </a:r>
+          </a:p>
+          <a:p>
+            <a:pPr marL="285750" indent="-285750">
+              <a:buFont typeface="Arial" panose="020B0604020202020204" pitchFamily="34" charset="0"/>
+              <a:buChar char="•"/>
+            </a:pPr>
+            <a:endParaRPr lang="en-US" sz="1600" dirty="0">
+              <a:solidFill>
+                <a:srgbClr val="374151"/>
+              </a:solidFill>
+              <a:latin typeface="Söhne"/>
+            </a:endParaRPr>
+          </a:p>
+          <a:p>
+            <a:pPr marL="285750" indent="-285750">
+              <a:buFont typeface="Arial" panose="020B0604020202020204" pitchFamily="34" charset="0"/>
+              <a:buChar char="•"/>
+            </a:pPr>
+            <a:r>
+              <a:rPr lang="en-US" sz="1600" b="1" dirty="0">
+                <a:solidFill>
+                  <a:srgbClr val="374151"/>
+                </a:solidFill>
+                <a:latin typeface="Verdana" panose="020B0604030504040204" pitchFamily="34" charset="0"/>
+                <a:ea typeface="Verdana" panose="020B0604030504040204" pitchFamily="34" charset="0"/>
+              </a:rPr>
+              <a:t>Corporate executives</a:t>
+            </a:r>
+            <a:r>
+              <a:rPr lang="en-US" sz="1600" dirty="0">
+                <a:solidFill>
+                  <a:srgbClr val="374151"/>
+                </a:solidFill>
+                <a:latin typeface="Verdana" panose="020B0604030504040204" pitchFamily="34" charset="0"/>
+                <a:ea typeface="Verdana" panose="020B0604030504040204" pitchFamily="34" charset="0"/>
+              </a:rPr>
+              <a:t>: Use industry classification to identify market trends, analyze competitors, and make informed decisions about new business ventures or investments.</a:t>
+            </a:r>
+          </a:p>
+          <a:p>
+            <a:pPr marL="285750" indent="-285750">
+              <a:buFont typeface="Arial" panose="020B0604020202020204" pitchFamily="34" charset="0"/>
+              <a:buChar char="•"/>
+            </a:pPr>
+            <a:endParaRPr lang="en-US" dirty="0">
+              <a:solidFill>
+                <a:srgbClr val="374151"/>
+              </a:solidFill>
+              <a:latin typeface="Söhne"/>
+            </a:endParaRPr>
+          </a:p>
+          <a:p>
+            <a:pPr marL="285750" indent="-285750">
+              <a:buFont typeface="Arial" panose="020B0604020202020204" pitchFamily="34" charset="0"/>
+              <a:buChar char="•"/>
+            </a:pPr>
+            <a:r>
+              <a:rPr lang="en-US" sz="1600" b="1" dirty="0">
+                <a:solidFill>
+                  <a:srgbClr val="374151"/>
+                </a:solidFill>
+                <a:latin typeface="Verdana" panose="020B0604030504040204" pitchFamily="34" charset="0"/>
+                <a:ea typeface="Verdana" panose="020B0604030504040204" pitchFamily="34" charset="0"/>
+              </a:rPr>
+              <a:t>Investors</a:t>
+            </a:r>
+            <a:r>
+              <a:rPr lang="en-US" sz="1600" dirty="0">
+                <a:solidFill>
+                  <a:srgbClr val="374151"/>
+                </a:solidFill>
+                <a:latin typeface="Verdana" panose="020B0604030504040204" pitchFamily="34" charset="0"/>
+                <a:ea typeface="Verdana" panose="020B0604030504040204" pitchFamily="34" charset="0"/>
+              </a:rPr>
+              <a:t>: Investors are also stakeholders and use industry classification to identify companies with strong growth potential, analyze market trends, and make informed decisions about portfolio allocation.</a:t>
+            </a:r>
+          </a:p>
+          <a:p>
+            <a:pPr marL="285750" indent="-285750">
+              <a:buFont typeface="Arial" panose="020B0604020202020204" pitchFamily="34" charset="0"/>
+              <a:buChar char="•"/>
+            </a:pPr>
+            <a:endParaRPr lang="en-US" b="0" i="0" dirty="0">
+              <a:solidFill>
+                <a:srgbClr val="374151"/>
+              </a:solidFill>
+              <a:effectLst/>
+              <a:latin typeface="Söhne"/>
+            </a:endParaRPr>
+          </a:p>
+          <a:p>
+            <a:pPr marL="285750" indent="-285750">
+              <a:buFont typeface="Arial" panose="020B0604020202020204" pitchFamily="34" charset="0"/>
+              <a:buChar char="•"/>
+            </a:pPr>
+            <a:r>
+              <a:rPr lang="en-US" sz="1600" b="1" dirty="0">
+                <a:solidFill>
+                  <a:srgbClr val="374151"/>
+                </a:solidFill>
+                <a:latin typeface="Verdana" panose="020B0604030504040204" pitchFamily="34" charset="0"/>
+                <a:ea typeface="Verdana" panose="020B0604030504040204" pitchFamily="34" charset="0"/>
+              </a:rPr>
+              <a:t>Regulators: </a:t>
+            </a:r>
+            <a:r>
+              <a:rPr lang="en-US" sz="1600" dirty="0">
+                <a:solidFill>
+                  <a:srgbClr val="374151"/>
+                </a:solidFill>
+                <a:latin typeface="Verdana" panose="020B0604030504040204" pitchFamily="34" charset="0"/>
+                <a:ea typeface="Verdana" panose="020B0604030504040204" pitchFamily="34" charset="0"/>
+              </a:rPr>
+              <a:t>Regulators are also stakeholders for industry classification in investment banking, as they use industry data to monitor compliance with regulations and guidelines. </a:t>
+            </a:r>
+          </a:p>
+          <a:p>
+            <a:pPr marL="285750" indent="-285750">
+              <a:buFont typeface="Arial" panose="020B0604020202020204" pitchFamily="34" charset="0"/>
+              <a:buChar char="•"/>
+            </a:pPr>
+            <a:endParaRPr lang="en-US" sz="1600" dirty="0">
+              <a:solidFill>
+                <a:srgbClr val="374151"/>
+              </a:solidFill>
+              <a:latin typeface="Söhne"/>
+            </a:endParaRPr>
+          </a:p>
+          <a:p>
+            <a:pPr marL="285750" indent="-285750">
+              <a:buFont typeface="Arial" panose="020B0604020202020204" pitchFamily="34" charset="0"/>
+              <a:buChar char="•"/>
+            </a:pPr>
             <a:endParaRPr lang="en-US" dirty="0"/>
           </a:p>
-          <a:p>
-            <a:endParaRPr lang="en-US" dirty="0"/>
+        </p:txBody>
+      </p:sp>
+      <p:sp>
+        <p:nvSpPr>
+          <p:cNvPr id="17" name="Rectangle: Rounded Corners 16">
+            <a:extLst>
+              <a:ext uri="{FF2B5EF4-FFF2-40B4-BE49-F238E27FC236}">
+                <a16:creationId xmlns:a16="http://schemas.microsoft.com/office/drawing/2014/main" id="{8399D49D-6BD6-40DB-8930-3F3260CA5548}"/>
+              </a:ext>
+            </a:extLst>
+          </p:cNvPr>
+          <p:cNvSpPr/>
+          <p:nvPr/>
+        </p:nvSpPr>
+        <p:spPr>
+          <a:xfrm>
+            <a:off x="3363037" y="294893"/>
+            <a:ext cx="1352550" cy="390525"/>
+          </a:xfrm>
+          <a:prstGeom prst="roundRect">
+            <a:avLst/>
+          </a:prstGeom>
+          <a:solidFill>
+            <a:srgbClr val="9E2946"/>
+          </a:solidFill>
+          <a:ln>
+            <a:noFill/>
+          </a:ln>
+        </p:spPr>
+        <p:style>
+          <a:lnRef idx="2">
+            <a:schemeClr val="accent1">
+              <a:shade val="50000"/>
+            </a:schemeClr>
+          </a:lnRef>
+          <a:fillRef idx="1">
+            <a:schemeClr val="accent1"/>
+          </a:fillRef>
+          <a:effectRef idx="0">
+            <a:schemeClr val="accent1"/>
+          </a:effectRef>
+          <a:fontRef idx="minor">
+            <a:schemeClr val="lt1"/>
+          </a:fontRef>
+        </p:style>
+        <p:txBody>
+          <a:bodyPr rtlCol="0" anchor="ctr"/>
+          <a:lstStyle/>
+          <a:p>
+            <a:pPr algn="ctr"/>
+            <a:r>
+              <a:rPr lang="en-US" sz="1000" dirty="0">
+                <a:latin typeface="Verdana" panose="020B0604030504040204" pitchFamily="34" charset="0"/>
+                <a:ea typeface="Verdana" panose="020B0604030504040204" pitchFamily="34" charset="0"/>
+              </a:rPr>
+              <a:t>Project Overview</a:t>
+            </a:r>
           </a:p>
         </p:txBody>
       </p:sp>
@@ -20634,47 +21775,6 @@
       </p:grpSpPr>
       <p:sp>
         <p:nvSpPr>
-          <p:cNvPr id="76" name="Title 1">
-            <a:extLst>
-              <a:ext uri="{FF2B5EF4-FFF2-40B4-BE49-F238E27FC236}">
-                <a16:creationId xmlns:a16="http://schemas.microsoft.com/office/drawing/2014/main" id="{77C709C5-536F-43E0-8949-0992532DEB8C}"/>
-              </a:ext>
-            </a:extLst>
-          </p:cNvPr>
-          <p:cNvSpPr>
-            <a:spLocks noGrp="1"/>
-          </p:cNvSpPr>
-          <p:nvPr>
-            <p:ph type="title"/>
-          </p:nvPr>
-        </p:nvSpPr>
-        <p:spPr>
-          <a:xfrm>
-            <a:off x="412043" y="480988"/>
-            <a:ext cx="10515600" cy="817723"/>
-          </a:xfrm>
-        </p:spPr>
-        <p:txBody>
-          <a:bodyPr>
-            <a:normAutofit/>
-          </a:bodyPr>
-          <a:lstStyle/>
-          <a:p>
-            <a:r>
-              <a:rPr lang="en-US" sz="2400" b="1" dirty="0">
-                <a:solidFill>
-                  <a:srgbClr val="9E2946"/>
-                </a:solidFill>
-                <a:latin typeface="Verdana" panose="020B0604030504040204" pitchFamily="34" charset="0"/>
-                <a:ea typeface="Verdana" panose="020B0604030504040204" pitchFamily="34" charset="0"/>
-              </a:rPr>
-              <a:t>Background</a:t>
-            </a:r>
-          </a:p>
-        </p:txBody>
-      </p:sp>
-      <p:sp>
-        <p:nvSpPr>
           <p:cNvPr id="3" name="Slide Number Placeholder 2">
             <a:extLst>
               <a:ext uri="{FF2B5EF4-FFF2-40B4-BE49-F238E27FC236}">
@@ -20717,64 +21817,6 @@
         <p:spPr>
           <a:xfrm>
             <a:off x="4775911" y="285726"/>
-            <a:ext cx="1352550" cy="390525"/>
-          </a:xfrm>
-          <a:prstGeom prst="roundRect">
-            <a:avLst/>
-          </a:prstGeom>
-          <a:solidFill>
-            <a:srgbClr val="9E2946"/>
-          </a:solidFill>
-          <a:ln>
-            <a:noFill/>
-          </a:ln>
-        </p:spPr>
-        <p:style>
-          <a:lnRef idx="2">
-            <a:schemeClr val="accent1">
-              <a:shade val="50000"/>
-            </a:schemeClr>
-          </a:lnRef>
-          <a:fillRef idx="1">
-            <a:schemeClr val="accent1"/>
-          </a:fillRef>
-          <a:effectRef idx="0">
-            <a:schemeClr val="accent1"/>
-          </a:effectRef>
-          <a:fontRef idx="minor">
-            <a:schemeClr val="lt1"/>
-          </a:fontRef>
-        </p:style>
-        <p:txBody>
-          <a:bodyPr rtlCol="0" anchor="ctr"/>
-          <a:lstStyle/>
-          <a:p>
-            <a:pPr algn="ctr"/>
-            <a:r>
-              <a:rPr lang="en-US" sz="1000" dirty="0">
-                <a:latin typeface="Verdana" panose="020B0604030504040204" pitchFamily="34" charset="0"/>
-                <a:ea typeface="Verdana" panose="020B0604030504040204" pitchFamily="34" charset="0"/>
-              </a:rPr>
-              <a:t>Background</a:t>
-            </a:r>
-          </a:p>
-        </p:txBody>
-      </p:sp>
-      <p:sp>
-        <p:nvSpPr>
-          <p:cNvPr id="10" name="Rectangle: Rounded Corners 9">
-            <a:extLst>
-              <a:ext uri="{FF2B5EF4-FFF2-40B4-BE49-F238E27FC236}">
-                <a16:creationId xmlns:a16="http://schemas.microsoft.com/office/drawing/2014/main" id="{D0CF06AE-5C66-40BE-AF92-C9254A0C3FD7}"/>
-              </a:ext>
-            </a:extLst>
-          </p:cNvPr>
-          <p:cNvSpPr/>
-          <p:nvPr/>
-        </p:nvSpPr>
-        <p:spPr>
-          <a:xfrm>
-            <a:off x="6188785" y="285727"/>
             <a:ext cx="1352550" cy="390525"/>
           </a:xfrm>
           <a:prstGeom prst="roundRect">
@@ -20815,17 +21857,17 @@
                 <a:latin typeface="Verdana" panose="020B0604030504040204" pitchFamily="34" charset="0"/>
                 <a:ea typeface="Verdana" panose="020B0604030504040204" pitchFamily="34" charset="0"/>
               </a:rPr>
-              <a:t>Architecture</a:t>
-            </a:r>
-          </a:p>
-        </p:txBody>
-      </p:sp>
-      <p:sp>
-        <p:nvSpPr>
-          <p:cNvPr id="11" name="Rectangle: Rounded Corners 10">
-            <a:extLst>
-              <a:ext uri="{FF2B5EF4-FFF2-40B4-BE49-F238E27FC236}">
-                <a16:creationId xmlns:a16="http://schemas.microsoft.com/office/drawing/2014/main" id="{9B2AA2F4-54FD-4548-A211-ABBC31F90EE6}"/>
+              <a:t>Background</a:t>
+            </a:r>
+          </a:p>
+        </p:txBody>
+      </p:sp>
+      <p:sp>
+        <p:nvSpPr>
+          <p:cNvPr id="10" name="Rectangle: Rounded Corners 9">
+            <a:extLst>
+              <a:ext uri="{FF2B5EF4-FFF2-40B4-BE49-F238E27FC236}">
+                <a16:creationId xmlns:a16="http://schemas.microsoft.com/office/drawing/2014/main" id="{D0CF06AE-5C66-40BE-AF92-C9254A0C3FD7}"/>
               </a:ext>
             </a:extLst>
           </p:cNvPr>
@@ -20834,7 +21876,7 @@
         </p:nvSpPr>
         <p:spPr>
           <a:xfrm>
-            <a:off x="7601659" y="285726"/>
+            <a:off x="6188785" y="285727"/>
             <a:ext cx="1352550" cy="390525"/>
           </a:xfrm>
           <a:prstGeom prst="roundRect">
@@ -20875,17 +21917,17 @@
                 <a:latin typeface="Verdana" panose="020B0604030504040204" pitchFamily="34" charset="0"/>
                 <a:ea typeface="Verdana" panose="020B0604030504040204" pitchFamily="34" charset="0"/>
               </a:rPr>
-              <a:t>Methodology</a:t>
-            </a:r>
-          </a:p>
-        </p:txBody>
-      </p:sp>
-      <p:sp>
-        <p:nvSpPr>
-          <p:cNvPr id="12" name="Rectangle: Rounded Corners 11">
-            <a:extLst>
-              <a:ext uri="{FF2B5EF4-FFF2-40B4-BE49-F238E27FC236}">
-                <a16:creationId xmlns:a16="http://schemas.microsoft.com/office/drawing/2014/main" id="{E7FD3417-382B-42E9-8B4D-A235C22130CA}"/>
+              <a:t>Architecture</a:t>
+            </a:r>
+          </a:p>
+        </p:txBody>
+      </p:sp>
+      <p:sp>
+        <p:nvSpPr>
+          <p:cNvPr id="11" name="Rectangle: Rounded Corners 10">
+            <a:extLst>
+              <a:ext uri="{FF2B5EF4-FFF2-40B4-BE49-F238E27FC236}">
+                <a16:creationId xmlns:a16="http://schemas.microsoft.com/office/drawing/2014/main" id="{9B2AA2F4-54FD-4548-A211-ABBC31F90EE6}"/>
               </a:ext>
             </a:extLst>
           </p:cNvPr>
@@ -20894,7 +21936,7 @@
         </p:nvSpPr>
         <p:spPr>
           <a:xfrm>
-            <a:off x="9014533" y="285726"/>
+            <a:off x="7601659" y="285726"/>
             <a:ext cx="1352550" cy="390525"/>
           </a:xfrm>
           <a:prstGeom prst="roundRect">
@@ -20935,17 +21977,17 @@
                 <a:latin typeface="Verdana" panose="020B0604030504040204" pitchFamily="34" charset="0"/>
                 <a:ea typeface="Verdana" panose="020B0604030504040204" pitchFamily="34" charset="0"/>
               </a:rPr>
-              <a:t>Outcome</a:t>
-            </a:r>
-          </a:p>
-        </p:txBody>
-      </p:sp>
-      <p:sp>
-        <p:nvSpPr>
-          <p:cNvPr id="14" name="Rectangle: Rounded Corners 13">
-            <a:extLst>
-              <a:ext uri="{FF2B5EF4-FFF2-40B4-BE49-F238E27FC236}">
-                <a16:creationId xmlns:a16="http://schemas.microsoft.com/office/drawing/2014/main" id="{66AC8B29-1893-4A94-9715-56E1E25E3B7A}"/>
+              <a:t>Methodology</a:t>
+            </a:r>
+          </a:p>
+        </p:txBody>
+      </p:sp>
+      <p:sp>
+        <p:nvSpPr>
+          <p:cNvPr id="12" name="Rectangle: Rounded Corners 11">
+            <a:extLst>
+              <a:ext uri="{FF2B5EF4-FFF2-40B4-BE49-F238E27FC236}">
+                <a16:creationId xmlns:a16="http://schemas.microsoft.com/office/drawing/2014/main" id="{E7FD3417-382B-42E9-8B4D-A235C22130CA}"/>
               </a:ext>
             </a:extLst>
           </p:cNvPr>
@@ -20954,7 +21996,7 @@
         </p:nvSpPr>
         <p:spPr>
           <a:xfrm>
-            <a:off x="10427407" y="285726"/>
+            <a:off x="9014533" y="285726"/>
             <a:ext cx="1352550" cy="390525"/>
           </a:xfrm>
           <a:prstGeom prst="roundRect">
@@ -20995,6 +22037,66 @@
                 <a:latin typeface="Verdana" panose="020B0604030504040204" pitchFamily="34" charset="0"/>
                 <a:ea typeface="Verdana" panose="020B0604030504040204" pitchFamily="34" charset="0"/>
               </a:rPr>
+              <a:t>Outcome</a:t>
+            </a:r>
+          </a:p>
+        </p:txBody>
+      </p:sp>
+      <p:sp>
+        <p:nvSpPr>
+          <p:cNvPr id="14" name="Rectangle: Rounded Corners 13">
+            <a:extLst>
+              <a:ext uri="{FF2B5EF4-FFF2-40B4-BE49-F238E27FC236}">
+                <a16:creationId xmlns:a16="http://schemas.microsoft.com/office/drawing/2014/main" id="{66AC8B29-1893-4A94-9715-56E1E25E3B7A}"/>
+              </a:ext>
+            </a:extLst>
+          </p:cNvPr>
+          <p:cNvSpPr/>
+          <p:nvPr/>
+        </p:nvSpPr>
+        <p:spPr>
+          <a:xfrm>
+            <a:off x="10427407" y="285726"/>
+            <a:ext cx="1352550" cy="390525"/>
+          </a:xfrm>
+          <a:prstGeom prst="roundRect">
+            <a:avLst/>
+          </a:prstGeom>
+          <a:solidFill>
+            <a:schemeClr val="bg1">
+              <a:lumMod val="75000"/>
+            </a:schemeClr>
+          </a:solidFill>
+          <a:ln>
+            <a:noFill/>
+          </a:ln>
+        </p:spPr>
+        <p:style>
+          <a:lnRef idx="2">
+            <a:schemeClr val="accent1">
+              <a:shade val="50000"/>
+            </a:schemeClr>
+          </a:lnRef>
+          <a:fillRef idx="1">
+            <a:schemeClr val="accent1"/>
+          </a:fillRef>
+          <a:effectRef idx="0">
+            <a:schemeClr val="accent1"/>
+          </a:effectRef>
+          <a:fontRef idx="minor">
+            <a:schemeClr val="lt1"/>
+          </a:fontRef>
+        </p:style>
+        <p:txBody>
+          <a:bodyPr rtlCol="0" anchor="ctr"/>
+          <a:lstStyle/>
+          <a:p>
+            <a:pPr algn="ctr"/>
+            <a:r>
+              <a:rPr lang="en-US" sz="1000" dirty="0">
+                <a:latin typeface="Verdana" panose="020B0604030504040204" pitchFamily="34" charset="0"/>
+                <a:ea typeface="Verdana" panose="020B0604030504040204" pitchFamily="34" charset="0"/>
+              </a:rPr>
               <a:t>Conclusion</a:t>
             </a:r>
           </a:p>
@@ -21044,8 +22146,8 @@
         </p:nvSpPr>
         <p:spPr>
           <a:xfrm>
-            <a:off x="1016000" y="1443841"/>
-            <a:ext cx="9777047" cy="4801314"/>
+            <a:off x="1041644" y="1103251"/>
+            <a:ext cx="10515600" cy="5078313"/>
           </a:xfrm>
           <a:prstGeom prst="rect">
             <a:avLst/>
@@ -21058,59 +22160,352 @@
           </a:bodyPr>
           <a:lstStyle/>
           <a:p>
-            <a:r>
-              <a:rPr lang="en-US" b="1" dirty="0"/>
-              <a:t>What Are Stock Market Sectors?</a:t>
-            </a:r>
-          </a:p>
-          <a:p>
-            <a:r>
-              <a:rPr lang="en-US" dirty="0"/>
-              <a:t>A stock sector is a collection of publicly-traded companies that work within the same general field of business—healthcare, energy, real estate, etc. The stocks in each sector, in turn, carry similar characteristics.</a:t>
-            </a:r>
-          </a:p>
-          <a:p>
             <a:endParaRPr lang="en-US" dirty="0"/>
           </a:p>
           <a:p>
+            <a:r>
+              <a:rPr lang="en-US" sz="1600" dirty="0">
+                <a:solidFill>
+                  <a:srgbClr val="374151"/>
+                </a:solidFill>
+                <a:latin typeface="Verdana" panose="020B0604030504040204" pitchFamily="34" charset="0"/>
+                <a:ea typeface="Verdana" panose="020B0604030504040204" pitchFamily="34" charset="0"/>
+              </a:rPr>
+              <a:t>Industry classification from PitchBook data can help business users in Investment Banking in several ways:</a:t>
+            </a:r>
+          </a:p>
+          <a:p>
+            <a:endParaRPr lang="en-US" sz="1600" dirty="0">
+              <a:solidFill>
+                <a:srgbClr val="374151"/>
+              </a:solidFill>
+              <a:latin typeface="Verdana" panose="020B0604030504040204" pitchFamily="34" charset="0"/>
+              <a:ea typeface="Verdana" panose="020B0604030504040204" pitchFamily="34" charset="0"/>
+            </a:endParaRPr>
+          </a:p>
+          <a:p>
+            <a:pPr marL="285750" indent="-285750">
+              <a:buFont typeface="Arial" panose="020B0604020202020204" pitchFamily="34" charset="0"/>
+              <a:buChar char="•"/>
+            </a:pPr>
+            <a:r>
+              <a:rPr lang="en-US" sz="1600" b="1" dirty="0">
+                <a:solidFill>
+                  <a:srgbClr val="374151"/>
+                </a:solidFill>
+                <a:latin typeface="Verdana" panose="020B0604030504040204" pitchFamily="34" charset="0"/>
+                <a:ea typeface="Verdana" panose="020B0604030504040204" pitchFamily="34" charset="0"/>
+              </a:rPr>
+              <a:t>Deal sourcing</a:t>
+            </a:r>
+            <a:r>
+              <a:rPr lang="en-US" sz="1600" dirty="0">
+                <a:solidFill>
+                  <a:srgbClr val="374151"/>
+                </a:solidFill>
+                <a:latin typeface="Verdana" panose="020B0604030504040204" pitchFamily="34" charset="0"/>
+                <a:ea typeface="Verdana" panose="020B0604030504040204" pitchFamily="34" charset="0"/>
+              </a:rPr>
+              <a:t>: Investment banks rely on deal flow to generate revenue, and industry classification can help banks to identify promising companies or sectors for investment.</a:t>
+            </a:r>
+          </a:p>
+          <a:p>
+            <a:pPr marL="285750" indent="-285750">
+              <a:buFont typeface="Arial" panose="020B0604020202020204" pitchFamily="34" charset="0"/>
+              <a:buChar char="•"/>
+            </a:pPr>
+            <a:endParaRPr lang="en-US" sz="1600" dirty="0">
+              <a:solidFill>
+                <a:srgbClr val="374151"/>
+              </a:solidFill>
+              <a:latin typeface="Verdana" panose="020B0604030504040204" pitchFamily="34" charset="0"/>
+              <a:ea typeface="Verdana" panose="020B0604030504040204" pitchFamily="34" charset="0"/>
+            </a:endParaRPr>
+          </a:p>
+          <a:p>
+            <a:pPr marL="285750" indent="-285750">
+              <a:buFont typeface="Arial" panose="020B0604020202020204" pitchFamily="34" charset="0"/>
+              <a:buChar char="•"/>
+            </a:pPr>
+            <a:r>
+              <a:rPr lang="en-US" sz="1600" b="1" dirty="0">
+                <a:solidFill>
+                  <a:srgbClr val="374151"/>
+                </a:solidFill>
+                <a:latin typeface="Verdana" panose="020B0604030504040204" pitchFamily="34" charset="0"/>
+                <a:ea typeface="Verdana" panose="020B0604030504040204" pitchFamily="34" charset="0"/>
+              </a:rPr>
+              <a:t>Valuation</a:t>
+            </a:r>
+            <a:r>
+              <a:rPr lang="en-US" sz="1600" dirty="0">
+                <a:solidFill>
+                  <a:srgbClr val="374151"/>
+                </a:solidFill>
+                <a:latin typeface="Verdana" panose="020B0604030504040204" pitchFamily="34" charset="0"/>
+                <a:ea typeface="Verdana" panose="020B0604030504040204" pitchFamily="34" charset="0"/>
+              </a:rPr>
+              <a:t>: Industry classification can also be useful for company valuation, as different industries may have different valuations based on market trends and other factors.</a:t>
+            </a:r>
+          </a:p>
+          <a:p>
+            <a:pPr marL="285750" indent="-285750">
+              <a:buFont typeface="Arial" panose="020B0604020202020204" pitchFamily="34" charset="0"/>
+              <a:buChar char="•"/>
+            </a:pPr>
+            <a:endParaRPr lang="en-US" sz="1600" dirty="0">
+              <a:solidFill>
+                <a:srgbClr val="374151"/>
+              </a:solidFill>
+              <a:latin typeface="Verdana" panose="020B0604030504040204" pitchFamily="34" charset="0"/>
+              <a:ea typeface="Verdana" panose="020B0604030504040204" pitchFamily="34" charset="0"/>
+            </a:endParaRPr>
+          </a:p>
+          <a:p>
+            <a:pPr marL="285750" indent="-285750">
+              <a:buFont typeface="Arial" panose="020B0604020202020204" pitchFamily="34" charset="0"/>
+              <a:buChar char="•"/>
+            </a:pPr>
+            <a:r>
+              <a:rPr lang="en-US" sz="1600" b="1" dirty="0">
+                <a:solidFill>
+                  <a:srgbClr val="374151"/>
+                </a:solidFill>
+                <a:latin typeface="Verdana" panose="020B0604030504040204" pitchFamily="34" charset="0"/>
+                <a:ea typeface="Verdana" panose="020B0604030504040204" pitchFamily="34" charset="0"/>
+              </a:rPr>
+              <a:t>Market research</a:t>
+            </a:r>
+            <a:r>
+              <a:rPr lang="en-US" sz="1600" dirty="0">
+                <a:solidFill>
+                  <a:srgbClr val="374151"/>
+                </a:solidFill>
+                <a:latin typeface="Verdana" panose="020B0604030504040204" pitchFamily="34" charset="0"/>
+                <a:ea typeface="Verdana" panose="020B0604030504040204" pitchFamily="34" charset="0"/>
+              </a:rPr>
+              <a:t>: Industry classification can be useful for market research, as it allows banks to identify trends and patterns in different industries.</a:t>
+            </a:r>
+          </a:p>
+          <a:p>
+            <a:pPr marL="285750" indent="-285750">
+              <a:buFont typeface="Arial" panose="020B0604020202020204" pitchFamily="34" charset="0"/>
+              <a:buChar char="•"/>
+            </a:pPr>
+            <a:endParaRPr lang="en-US" sz="1600" dirty="0">
+              <a:solidFill>
+                <a:srgbClr val="374151"/>
+              </a:solidFill>
+              <a:latin typeface="Verdana" panose="020B0604030504040204" pitchFamily="34" charset="0"/>
+              <a:ea typeface="Verdana" panose="020B0604030504040204" pitchFamily="34" charset="0"/>
+            </a:endParaRPr>
+          </a:p>
+          <a:p>
+            <a:pPr marL="285750" indent="-285750">
+              <a:buFont typeface="Arial" panose="020B0604020202020204" pitchFamily="34" charset="0"/>
+              <a:buChar char="•"/>
+            </a:pPr>
+            <a:r>
+              <a:rPr lang="en-US" sz="1600" b="1" dirty="0">
+                <a:solidFill>
+                  <a:srgbClr val="374151"/>
+                </a:solidFill>
+                <a:latin typeface="Verdana" panose="020B0604030504040204" pitchFamily="34" charset="0"/>
+                <a:ea typeface="Verdana" panose="020B0604030504040204" pitchFamily="34" charset="0"/>
+              </a:rPr>
+              <a:t>Portfolio management</a:t>
+            </a:r>
+            <a:r>
+              <a:rPr lang="en-US" sz="1600" dirty="0">
+                <a:solidFill>
+                  <a:srgbClr val="374151"/>
+                </a:solidFill>
+                <a:latin typeface="Verdana" panose="020B0604030504040204" pitchFamily="34" charset="0"/>
+                <a:ea typeface="Verdana" panose="020B0604030504040204" pitchFamily="34" charset="0"/>
+              </a:rPr>
+              <a:t>: Industry classification can be useful for portfolio management, as it allows banks to diversify their investments across different industries and reduce risk.</a:t>
+            </a:r>
+          </a:p>
+          <a:p>
+            <a:pPr marL="285750" indent="-285750">
+              <a:buFont typeface="Arial" panose="020B0604020202020204" pitchFamily="34" charset="0"/>
+              <a:buChar char="•"/>
+            </a:pPr>
+            <a:endParaRPr lang="en-US" sz="1600" b="0" i="0" dirty="0">
+              <a:solidFill>
+                <a:srgbClr val="374151"/>
+              </a:solidFill>
+              <a:effectLst/>
+              <a:latin typeface="Verdana" panose="020B0604030504040204" pitchFamily="34" charset="0"/>
+              <a:ea typeface="Verdana" panose="020B0604030504040204" pitchFamily="34" charset="0"/>
+            </a:endParaRPr>
+          </a:p>
+          <a:p>
+            <a:pPr marL="285750" indent="-285750">
+              <a:buFont typeface="Arial" panose="020B0604020202020204" pitchFamily="34" charset="0"/>
+              <a:buChar char="•"/>
+            </a:pPr>
+            <a:r>
+              <a:rPr lang="en-US" sz="1600" b="1" dirty="0">
+                <a:solidFill>
+                  <a:srgbClr val="374151"/>
+                </a:solidFill>
+                <a:latin typeface="Verdana" panose="020B0604030504040204" pitchFamily="34" charset="0"/>
+                <a:ea typeface="Verdana" panose="020B0604030504040204" pitchFamily="34" charset="0"/>
+              </a:rPr>
+              <a:t>Regulators</a:t>
+            </a:r>
+            <a:r>
+              <a:rPr lang="en-US" sz="1600" dirty="0">
+                <a:solidFill>
+                  <a:srgbClr val="374151"/>
+                </a:solidFill>
+                <a:latin typeface="Verdana" panose="020B0604030504040204" pitchFamily="34" charset="0"/>
+                <a:ea typeface="Verdana" panose="020B0604030504040204" pitchFamily="34" charset="0"/>
+              </a:rPr>
+              <a:t>: Use industry classification to identify trends and patterns in different industries, and to ensure that investment banks are operating within regulatory requirements.</a:t>
+            </a:r>
+          </a:p>
+          <a:p>
+            <a:pPr marL="285750" indent="-285750">
+              <a:buFont typeface="Arial" panose="020B0604020202020204" pitchFamily="34" charset="0"/>
+              <a:buChar char="•"/>
+            </a:pPr>
+            <a:endParaRPr lang="en-US" sz="1600" dirty="0">
+              <a:solidFill>
+                <a:srgbClr val="374151"/>
+              </a:solidFill>
+              <a:latin typeface="Verdana" panose="020B0604030504040204" pitchFamily="34" charset="0"/>
+              <a:ea typeface="Verdana" panose="020B0604030504040204" pitchFamily="34" charset="0"/>
+            </a:endParaRPr>
+          </a:p>
+          <a:p>
             <a:endParaRPr lang="en-US" dirty="0"/>
           </a:p>
-          <a:p>
-            <a:r>
-              <a:rPr lang="en-US" b="1" dirty="0"/>
-              <a:t>Stock Market Sector Classifications</a:t>
-            </a:r>
-          </a:p>
-          <a:p>
-            <a:r>
-              <a:rPr lang="en-US" dirty="0"/>
-              <a:t>There are three competing systems for classifying stocks into sectors and industries: the Global Industry Classification Standard (GICS), the Industrial Classification Benchmark (ICB), and Morningstar's stock sector structure. For the most part, the systems are functionally equivalent, but unfortunately the terminology is different. </a:t>
-            </a:r>
-          </a:p>
-          <a:p>
-            <a:endParaRPr lang="en-US" dirty="0"/>
-          </a:p>
-          <a:p>
-            <a:endParaRPr lang="en-US" dirty="0"/>
-          </a:p>
-          <a:p>
-            <a:endParaRPr lang="en-US" dirty="0"/>
-          </a:p>
-          <a:p>
-            <a:endParaRPr lang="en-US" dirty="0"/>
-          </a:p>
-          <a:p>
-            <a:endParaRPr lang="en-US" dirty="0"/>
-          </a:p>
-          <a:p>
-            <a:endParaRPr lang="en-US" dirty="0"/>
+        </p:txBody>
+      </p:sp>
+      <p:sp>
+        <p:nvSpPr>
+          <p:cNvPr id="16" name="Title 1">
+            <a:extLst>
+              <a:ext uri="{FF2B5EF4-FFF2-40B4-BE49-F238E27FC236}">
+                <a16:creationId xmlns:a16="http://schemas.microsoft.com/office/drawing/2014/main" id="{203B9C46-3EA7-4E2B-B416-A22CE4E04205}"/>
+              </a:ext>
+            </a:extLst>
+          </p:cNvPr>
+          <p:cNvSpPr txBox="1">
+            <a:spLocks/>
+          </p:cNvSpPr>
+          <p:nvPr/>
+        </p:nvSpPr>
+        <p:spPr>
+          <a:xfrm>
+            <a:off x="412043" y="500886"/>
+            <a:ext cx="10515600" cy="817723"/>
+          </a:xfrm>
+          <a:prstGeom prst="rect">
+            <a:avLst/>
+          </a:prstGeom>
+        </p:spPr>
+        <p:txBody>
+          <a:bodyPr vert="horz" lIns="91440" tIns="45720" rIns="91440" bIns="45720" rtlCol="0" anchor="ctr">
+            <a:normAutofit/>
+          </a:bodyPr>
+          <a:lstStyle>
+            <a:lvl1pPr algn="l" defTabSz="914400" rtl="0" eaLnBrk="1" latinLnBrk="0" hangingPunct="1">
+              <a:lnSpc>
+                <a:spcPct val="90000"/>
+              </a:lnSpc>
+              <a:spcBef>
+                <a:spcPct val="0"/>
+              </a:spcBef>
+              <a:buNone/>
+              <a:defRPr sz="4400" kern="1200">
+                <a:solidFill>
+                  <a:schemeClr val="tx1"/>
+                </a:solidFill>
+                <a:latin typeface="+mj-lt"/>
+                <a:ea typeface="+mj-ea"/>
+                <a:cs typeface="+mj-cs"/>
+              </a:defRPr>
+            </a:lvl1pPr>
+          </a:lstStyle>
+          <a:p>
+            <a:r>
+              <a:rPr lang="en-US" sz="2400" b="1" dirty="0">
+                <a:solidFill>
+                  <a:srgbClr val="9E2946"/>
+                </a:solidFill>
+                <a:latin typeface="Verdana" panose="020B0604030504040204" pitchFamily="34" charset="0"/>
+                <a:ea typeface="Verdana" panose="020B0604030504040204" pitchFamily="34" charset="0"/>
+              </a:rPr>
+              <a:t>Project Overview</a:t>
+            </a:r>
+          </a:p>
+        </p:txBody>
+      </p:sp>
+      <p:sp>
+        <p:nvSpPr>
+          <p:cNvPr id="17" name="Rectangle: Rounded Corners 16">
+            <a:extLst>
+              <a:ext uri="{FF2B5EF4-FFF2-40B4-BE49-F238E27FC236}">
+                <a16:creationId xmlns:a16="http://schemas.microsoft.com/office/drawing/2014/main" id="{AE43A23D-86D7-4450-A442-572A1853020B}"/>
+              </a:ext>
+            </a:extLst>
+          </p:cNvPr>
+          <p:cNvSpPr/>
+          <p:nvPr/>
+        </p:nvSpPr>
+        <p:spPr>
+          <a:xfrm>
+            <a:off x="3363037" y="294893"/>
+            <a:ext cx="1352550" cy="390525"/>
+          </a:xfrm>
+          <a:prstGeom prst="roundRect">
+            <a:avLst/>
+          </a:prstGeom>
+          <a:solidFill>
+            <a:srgbClr val="9E2946"/>
+          </a:solidFill>
+          <a:ln>
+            <a:noFill/>
+          </a:ln>
+        </p:spPr>
+        <p:style>
+          <a:lnRef idx="2">
+            <a:schemeClr val="accent1">
+              <a:shade val="50000"/>
+            </a:schemeClr>
+          </a:lnRef>
+          <a:fillRef idx="1">
+            <a:schemeClr val="accent1"/>
+          </a:fillRef>
+          <a:effectRef idx="0">
+            <a:schemeClr val="accent1"/>
+          </a:effectRef>
+          <a:fontRef idx="minor">
+            <a:schemeClr val="lt1"/>
+          </a:fontRef>
+        </p:style>
+        <p:txBody>
+          <a:bodyPr rtlCol="0" anchor="ctr"/>
+          <a:lstStyle/>
+          <a:p>
+            <a:pPr algn="ctr"/>
+            <a:r>
+              <a:rPr lang="en-US" sz="1000" dirty="0">
+                <a:latin typeface="Verdana" panose="020B0604030504040204" pitchFamily="34" charset="0"/>
+                <a:ea typeface="Verdana" panose="020B0604030504040204" pitchFamily="34" charset="0"/>
+              </a:rPr>
+              <a:t>Project Overview</a:t>
+            </a:r>
           </a:p>
         </p:txBody>
       </p:sp>
     </p:spTree>
     <p:extLst>
       <p:ext uri="{BB962C8B-B14F-4D97-AF65-F5344CB8AC3E}">
-        <p14:creationId xmlns:p14="http://schemas.microsoft.com/office/powerpoint/2010/main" val="1831166835"/>
+        <p14:creationId xmlns:p14="http://schemas.microsoft.com/office/powerpoint/2010/main" val="1301332700"/>
       </p:ext>
     </p:extLst>
   </p:cSld>
@@ -21173,7 +22568,7 @@
                 <a:latin typeface="Verdana" panose="020B0604030504040204" pitchFamily="34" charset="0"/>
                 <a:ea typeface="Verdana" panose="020B0604030504040204" pitchFamily="34" charset="0"/>
               </a:rPr>
-              <a:t>Project Overview</a:t>
+              <a:t>Background</a:t>
             </a:r>
           </a:p>
         </p:txBody>
@@ -21549,8 +22944,8 @@
         </p:nvSpPr>
         <p:spPr>
           <a:xfrm>
-            <a:off x="1016000" y="1314341"/>
-            <a:ext cx="9777047" cy="2031325"/>
+            <a:off x="1016000" y="1097005"/>
+            <a:ext cx="10650483" cy="3477875"/>
           </a:xfrm>
           <a:prstGeom prst="rect">
             <a:avLst/>
@@ -21563,31 +22958,145 @@
           </a:bodyPr>
           <a:lstStyle/>
           <a:p>
+            <a:r>
+              <a:rPr lang="en-US" sz="1600" dirty="0">
+                <a:solidFill>
+                  <a:srgbClr val="374151"/>
+                </a:solidFill>
+                <a:latin typeface="Verdana" panose="020B0604030504040204" pitchFamily="34" charset="0"/>
+                <a:ea typeface="Verdana" panose="020B0604030504040204" pitchFamily="34" charset="0"/>
+              </a:rPr>
+              <a:t>100s –1000s of companies exist belonging to various industries. Today these are manually categorized by investment banking business users in financial firm using the domain experience and grouped under various industry classification schemes like NAICS, SIC, NIC, etc. and tracked in their internal Salesforce CRM repository. Below are some of the examples of manual mapping between Salesforce CRM and PitchBook industry classification</a:t>
+            </a:r>
+          </a:p>
+          <a:p>
+            <a:endParaRPr lang="en-US" sz="1600" dirty="0">
+              <a:solidFill>
+                <a:srgbClr val="374151"/>
+              </a:solidFill>
+              <a:latin typeface="Verdana" panose="020B0604030504040204" pitchFamily="34" charset="0"/>
+              <a:ea typeface="Verdana" panose="020B0604030504040204" pitchFamily="34" charset="0"/>
+            </a:endParaRPr>
+          </a:p>
+          <a:p>
+            <a:endParaRPr lang="en-US" sz="1600" dirty="0"/>
+          </a:p>
+          <a:p>
             <a:endParaRPr lang="en-US" dirty="0"/>
           </a:p>
           <a:p>
-            <a:r>
-              <a:rPr lang="en-US" b="1" dirty="0"/>
-              <a:t>How Many Sectors Are in the Stock Market?</a:t>
-            </a:r>
-          </a:p>
-          <a:p>
-            <a:r>
-              <a:rPr lang="en-US" dirty="0"/>
-              <a:t>There are 11 stock market sectors, according to the Global Industry Classification Standard, or GICS, which is an industry taxonomy developed in 1999 by MSCI and Standard &amp; Poor's. Within the entire GICS structure, there are 11 sectors, 24 industry groups, 69 industries and 158 sub-industries into which all major public companies are categorized.</a:t>
-            </a:r>
-          </a:p>
-          <a:p>
             <a:endParaRPr lang="en-US" dirty="0"/>
           </a:p>
-        </p:txBody>
-      </p:sp>
-      <p:sp>
-        <p:nvSpPr>
-          <p:cNvPr id="5" name="TextBox 4">
-            <a:extLst>
-              <a:ext uri="{FF2B5EF4-FFF2-40B4-BE49-F238E27FC236}">
-                <a16:creationId xmlns:a16="http://schemas.microsoft.com/office/drawing/2014/main" id="{4D016CAF-C6FE-4BE0-99DD-DB0604DE3DD0}"/>
+          <a:p>
+            <a:endParaRPr lang="en-US" dirty="0"/>
+          </a:p>
+          <a:p>
+            <a:endParaRPr lang="en-US" dirty="0"/>
+          </a:p>
+          <a:p>
+            <a:endParaRPr lang="en-US" dirty="0"/>
+          </a:p>
+          <a:p>
+            <a:endParaRPr lang="en-US" dirty="0"/>
+          </a:p>
+        </p:txBody>
+      </p:sp>
+      <p:sp>
+        <p:nvSpPr>
+          <p:cNvPr id="13" name="Rectangle: Rounded Corners 12">
+            <a:extLst>
+              <a:ext uri="{FF2B5EF4-FFF2-40B4-BE49-F238E27FC236}">
+                <a16:creationId xmlns:a16="http://schemas.microsoft.com/office/drawing/2014/main" id="{3F7039C6-ABC4-4F24-AC40-6A845A15ED54}"/>
+              </a:ext>
+            </a:extLst>
+          </p:cNvPr>
+          <p:cNvSpPr/>
+          <p:nvPr/>
+        </p:nvSpPr>
+        <p:spPr>
+          <a:xfrm>
+            <a:off x="3363037" y="294893"/>
+            <a:ext cx="1352550" cy="390525"/>
+          </a:xfrm>
+          <a:prstGeom prst="roundRect">
+            <a:avLst/>
+          </a:prstGeom>
+          <a:solidFill>
+            <a:schemeClr val="bg1">
+              <a:lumMod val="75000"/>
+            </a:schemeClr>
+          </a:solidFill>
+          <a:ln>
+            <a:noFill/>
+          </a:ln>
+        </p:spPr>
+        <p:style>
+          <a:lnRef idx="2">
+            <a:schemeClr val="accent1">
+              <a:shade val="50000"/>
+            </a:schemeClr>
+          </a:lnRef>
+          <a:fillRef idx="1">
+            <a:schemeClr val="accent1"/>
+          </a:fillRef>
+          <a:effectRef idx="0">
+            <a:schemeClr val="accent1"/>
+          </a:effectRef>
+          <a:fontRef idx="minor">
+            <a:schemeClr val="lt1"/>
+          </a:fontRef>
+        </p:style>
+        <p:txBody>
+          <a:bodyPr rtlCol="0" anchor="ctr"/>
+          <a:lstStyle/>
+          <a:p>
+            <a:pPr algn="ctr"/>
+            <a:r>
+              <a:rPr lang="en-US" sz="1000" dirty="0">
+                <a:latin typeface="Verdana" panose="020B0604030504040204" pitchFamily="34" charset="0"/>
+                <a:ea typeface="Verdana" panose="020B0604030504040204" pitchFamily="34" charset="0"/>
+              </a:rPr>
+              <a:t>Project Overview</a:t>
+            </a:r>
+          </a:p>
+        </p:txBody>
+      </p:sp>
+      <p:pic>
+        <p:nvPicPr>
+          <p:cNvPr id="5" name="Picture 4">
+            <a:extLst>
+              <a:ext uri="{FF2B5EF4-FFF2-40B4-BE49-F238E27FC236}">
+                <a16:creationId xmlns:a16="http://schemas.microsoft.com/office/drawing/2014/main" id="{74A4C315-9A48-404E-A526-F5325EF642A6}"/>
+              </a:ext>
+            </a:extLst>
+          </p:cNvPr>
+          <p:cNvPicPr>
+            <a:picLocks noChangeAspect="1"/>
+          </p:cNvPicPr>
+          <p:nvPr/>
+        </p:nvPicPr>
+        <p:blipFill>
+          <a:blip r:embed="rId4"/>
+          <a:stretch>
+            <a:fillRect/>
+          </a:stretch>
+        </p:blipFill>
+        <p:spPr>
+          <a:xfrm>
+            <a:off x="8277934" y="2457721"/>
+            <a:ext cx="3410425" cy="3669810"/>
+          </a:xfrm>
+          <a:prstGeom prst="rect">
+            <a:avLst/>
+          </a:prstGeom>
+        </p:spPr>
+      </p:pic>
+      <p:sp>
+        <p:nvSpPr>
+          <p:cNvPr id="16" name="TextBox 15">
+            <a:extLst>
+              <a:ext uri="{FF2B5EF4-FFF2-40B4-BE49-F238E27FC236}">
+                <a16:creationId xmlns:a16="http://schemas.microsoft.com/office/drawing/2014/main" id="{73971661-0A59-4823-9404-30D195A3A67F}"/>
               </a:ext>
             </a:extLst>
           </p:cNvPr>
@@ -21596,8 +23105,8 @@
         </p:nvSpPr>
         <p:spPr>
           <a:xfrm>
-            <a:off x="1029470" y="3686935"/>
-            <a:ext cx="9280745" cy="1477328"/>
+            <a:off x="1016000" y="4781819"/>
+            <a:ext cx="7404595" cy="1354217"/>
           </a:xfrm>
           <a:prstGeom prst="rect">
             <a:avLst/>
@@ -21605,135 +23114,69 @@
           <a:noFill/>
         </p:spPr>
         <p:txBody>
-          <a:bodyPr wrap="square" numCol="3" rtlCol="0">
+          <a:bodyPr wrap="square">
             <a:spAutoFit/>
           </a:bodyPr>
           <a:lstStyle/>
           <a:p>
             <a:r>
-              <a:rPr lang="en-US" b="1" dirty="0"/>
-              <a:t>The 11 stock GICS market sectors are: </a:t>
-            </a:r>
-          </a:p>
-          <a:p>
-            <a:pPr marL="342900" indent="-342900">
-              <a:buFont typeface="+mj-lt"/>
-              <a:buAutoNum type="arabicPeriod"/>
-            </a:pPr>
-            <a:r>
-              <a:rPr lang="en-US" dirty="0"/>
-              <a:t>Healthcare Sector</a:t>
-            </a:r>
-          </a:p>
-          <a:p>
-            <a:pPr marL="342900" indent="-342900">
-              <a:buFont typeface="+mj-lt"/>
-              <a:buAutoNum type="arabicPeriod"/>
-            </a:pPr>
-            <a:r>
-              <a:rPr lang="en-US" dirty="0"/>
-              <a:t>Materials Sector</a:t>
-            </a:r>
-          </a:p>
-          <a:p>
-            <a:pPr marL="342900" indent="-342900">
-              <a:buFont typeface="+mj-lt"/>
-              <a:buAutoNum type="arabicPeriod"/>
-            </a:pPr>
-            <a:r>
-              <a:rPr lang="en-US" dirty="0"/>
-              <a:t>Real Estate Sector</a:t>
-            </a:r>
-          </a:p>
-          <a:p>
-            <a:pPr marL="342900" indent="-342900">
-              <a:buFont typeface="+mj-lt"/>
-              <a:buAutoNum type="arabicPeriod"/>
-            </a:pPr>
-            <a:r>
-              <a:rPr lang="en-US" dirty="0"/>
-              <a:t>Consumer Staples Sector</a:t>
-            </a:r>
-          </a:p>
-          <a:p>
-            <a:pPr marL="342900" indent="-342900">
-              <a:buFont typeface="+mj-lt"/>
-              <a:buAutoNum type="arabicPeriod"/>
-            </a:pPr>
-            <a:r>
-              <a:rPr lang="en-US" dirty="0"/>
-              <a:t>Consumer Discretionary Sector</a:t>
-            </a:r>
-          </a:p>
-          <a:p>
-            <a:pPr marL="342900" indent="-342900">
-              <a:buFont typeface="+mj-lt"/>
-              <a:buAutoNum type="arabicPeriod"/>
-            </a:pPr>
-            <a:r>
-              <a:rPr lang="en-US" dirty="0"/>
-              <a:t>Utilities Sector</a:t>
-            </a:r>
-          </a:p>
-          <a:p>
-            <a:pPr marL="342900" indent="-342900">
-              <a:buFont typeface="+mj-lt"/>
-              <a:buAutoNum type="arabicPeriod"/>
-            </a:pPr>
-            <a:r>
-              <a:rPr lang="en-US" dirty="0"/>
-              <a:t>Energy Sector</a:t>
-            </a:r>
-          </a:p>
-          <a:p>
-            <a:pPr marL="342900" indent="-342900">
-              <a:buFont typeface="+mj-lt"/>
-              <a:buAutoNum type="arabicPeriod"/>
-            </a:pPr>
-            <a:r>
-              <a:rPr lang="en-US" dirty="0"/>
-              <a:t>Industrials Sector</a:t>
-            </a:r>
-          </a:p>
-          <a:p>
-            <a:pPr marL="342900" indent="-342900">
-              <a:buFont typeface="+mj-lt"/>
-              <a:buAutoNum type="arabicPeriod"/>
-            </a:pPr>
-            <a:r>
-              <a:rPr lang="en-US" dirty="0"/>
-              <a:t>Consumer Services Sector</a:t>
-            </a:r>
-          </a:p>
-          <a:p>
-            <a:pPr marL="342900" indent="-342900">
-              <a:buFont typeface="+mj-lt"/>
-              <a:buAutoNum type="arabicPeriod"/>
-            </a:pPr>
-            <a:r>
-              <a:rPr lang="en-US" dirty="0"/>
-              <a:t>Financials Sector</a:t>
-            </a:r>
-          </a:p>
-          <a:p>
-            <a:pPr marL="342900" indent="-342900">
-              <a:buFont typeface="+mj-lt"/>
-              <a:buAutoNum type="arabicPeriod"/>
-            </a:pPr>
-            <a:r>
-              <a:rPr lang="en-US" dirty="0"/>
-              <a:t>Technology Sector</a:t>
-            </a:r>
-          </a:p>
-          <a:p>
-            <a:endParaRPr lang="en-US" dirty="0"/>
+              <a:rPr lang="en-US" sz="1600" b="1" dirty="0">
+                <a:solidFill>
+                  <a:srgbClr val="374151"/>
+                </a:solidFill>
+                <a:latin typeface="Verdana" panose="020B0604030504040204" pitchFamily="34" charset="0"/>
+                <a:ea typeface="Verdana" panose="020B0604030504040204" pitchFamily="34" charset="0"/>
+              </a:rPr>
+              <a:t>Question</a:t>
+            </a:r>
+            <a:r>
+              <a:rPr lang="en-US" sz="1600" dirty="0">
+                <a:solidFill>
+                  <a:srgbClr val="374151"/>
+                </a:solidFill>
+                <a:latin typeface="Verdana" panose="020B0604030504040204" pitchFamily="34" charset="0"/>
+                <a:ea typeface="Verdana" panose="020B0604030504040204" pitchFamily="34" charset="0"/>
+              </a:rPr>
+              <a:t>:  Can we create a more dynamic categorization basis the journey of a company using a machine learning model?</a:t>
+            </a:r>
+          </a:p>
+          <a:p>
+            <a:endParaRPr lang="en-US" sz="1800" dirty="0">
+              <a:solidFill>
+                <a:srgbClr val="374151"/>
+              </a:solidFill>
+              <a:latin typeface="Verdana" panose="020B0604030504040204" pitchFamily="34" charset="0"/>
+              <a:ea typeface="Verdana" panose="020B0604030504040204" pitchFamily="34" charset="0"/>
+            </a:endParaRPr>
+          </a:p>
+          <a:p>
+            <a:r>
+              <a:rPr lang="en-US" sz="1600" b="1" dirty="0">
+                <a:solidFill>
+                  <a:srgbClr val="374151"/>
+                </a:solidFill>
+                <a:latin typeface="Verdana" panose="020B0604030504040204" pitchFamily="34" charset="0"/>
+                <a:ea typeface="Verdana" panose="020B0604030504040204" pitchFamily="34" charset="0"/>
+              </a:rPr>
+              <a:t>Answer</a:t>
+            </a:r>
+            <a:r>
+              <a:rPr lang="en-US" sz="1600" dirty="0">
+                <a:solidFill>
+                  <a:srgbClr val="374151"/>
+                </a:solidFill>
+                <a:latin typeface="Verdana" panose="020B0604030504040204" pitchFamily="34" charset="0"/>
+                <a:ea typeface="Verdana" panose="020B0604030504040204" pitchFamily="34" charset="0"/>
+              </a:rPr>
+              <a:t>: Yes, we can!. And that’s what we are going to explore in subsequent slides</a:t>
+            </a:r>
           </a:p>
         </p:txBody>
       </p:sp>
     </p:spTree>
     <p:extLst>
       <p:ext uri="{BB962C8B-B14F-4D97-AF65-F5344CB8AC3E}">
-        <p14:creationId xmlns:p14="http://schemas.microsoft.com/office/powerpoint/2010/main" val="1992080985"/>
+        <p14:creationId xmlns:p14="http://schemas.microsoft.com/office/powerpoint/2010/main" val="1978710946"/>
       </p:ext>
     </p:extLst>
   </p:cSld>
@@ -24076,6 +25519,66 @@
           </a:fontRef>
         </p:style>
       </p:cxnSp>
+      <p:sp>
+        <p:nvSpPr>
+          <p:cNvPr id="54" name="Rectangle: Rounded Corners 53">
+            <a:extLst>
+              <a:ext uri="{FF2B5EF4-FFF2-40B4-BE49-F238E27FC236}">
+                <a16:creationId xmlns:a16="http://schemas.microsoft.com/office/drawing/2014/main" id="{E7821CCE-733A-4A12-A72E-CFEDC6A118DB}"/>
+              </a:ext>
+            </a:extLst>
+          </p:cNvPr>
+          <p:cNvSpPr/>
+          <p:nvPr/>
+        </p:nvSpPr>
+        <p:spPr>
+          <a:xfrm>
+            <a:off x="3363037" y="294893"/>
+            <a:ext cx="1352550" cy="390525"/>
+          </a:xfrm>
+          <a:prstGeom prst="roundRect">
+            <a:avLst/>
+          </a:prstGeom>
+          <a:solidFill>
+            <a:schemeClr val="bg1">
+              <a:lumMod val="75000"/>
+            </a:schemeClr>
+          </a:solidFill>
+          <a:ln>
+            <a:noFill/>
+          </a:ln>
+        </p:spPr>
+        <p:style>
+          <a:lnRef idx="2">
+            <a:schemeClr val="accent1">
+              <a:shade val="50000"/>
+            </a:schemeClr>
+          </a:lnRef>
+          <a:fillRef idx="1">
+            <a:schemeClr val="accent1"/>
+          </a:fillRef>
+          <a:effectRef idx="0">
+            <a:schemeClr val="accent1"/>
+          </a:effectRef>
+          <a:fontRef idx="minor">
+            <a:schemeClr val="lt1"/>
+          </a:fontRef>
+        </p:style>
+        <p:txBody>
+          <a:bodyPr rtlCol="0" anchor="ctr"/>
+          <a:lstStyle/>
+          <a:p>
+            <a:pPr algn="ctr"/>
+            <a:r>
+              <a:rPr lang="en-US" sz="1000" dirty="0">
+                <a:latin typeface="Verdana" panose="020B0604030504040204" pitchFamily="34" charset="0"/>
+                <a:ea typeface="Verdana" panose="020B0604030504040204" pitchFamily="34" charset="0"/>
+              </a:rPr>
+              <a:t>Project Overview</a:t>
+            </a:r>
+          </a:p>
+        </p:txBody>
+      </p:sp>
     </p:spTree>
     <p:extLst>
       <p:ext uri="{BB962C8B-B14F-4D97-AF65-F5344CB8AC3E}">
@@ -27395,6 +28898,66 @@
           </a:fontRef>
         </p:style>
       </p:cxnSp>
+      <p:sp>
+        <p:nvSpPr>
+          <p:cNvPr id="69" name="Rectangle: Rounded Corners 68">
+            <a:extLst>
+              <a:ext uri="{FF2B5EF4-FFF2-40B4-BE49-F238E27FC236}">
+                <a16:creationId xmlns:a16="http://schemas.microsoft.com/office/drawing/2014/main" id="{0AD3049B-9D11-4F17-9D45-D3BD2EE77CA0}"/>
+              </a:ext>
+            </a:extLst>
+          </p:cNvPr>
+          <p:cNvSpPr/>
+          <p:nvPr/>
+        </p:nvSpPr>
+        <p:spPr>
+          <a:xfrm>
+            <a:off x="3363037" y="294893"/>
+            <a:ext cx="1352550" cy="390525"/>
+          </a:xfrm>
+          <a:prstGeom prst="roundRect">
+            <a:avLst/>
+          </a:prstGeom>
+          <a:solidFill>
+            <a:schemeClr val="bg1">
+              <a:lumMod val="75000"/>
+            </a:schemeClr>
+          </a:solidFill>
+          <a:ln>
+            <a:noFill/>
+          </a:ln>
+        </p:spPr>
+        <p:style>
+          <a:lnRef idx="2">
+            <a:schemeClr val="accent1">
+              <a:shade val="50000"/>
+            </a:schemeClr>
+          </a:lnRef>
+          <a:fillRef idx="1">
+            <a:schemeClr val="accent1"/>
+          </a:fillRef>
+          <a:effectRef idx="0">
+            <a:schemeClr val="accent1"/>
+          </a:effectRef>
+          <a:fontRef idx="minor">
+            <a:schemeClr val="lt1"/>
+          </a:fontRef>
+        </p:style>
+        <p:txBody>
+          <a:bodyPr rtlCol="0" anchor="ctr"/>
+          <a:lstStyle/>
+          <a:p>
+            <a:pPr algn="ctr"/>
+            <a:r>
+              <a:rPr lang="en-US" sz="1000" dirty="0">
+                <a:latin typeface="Verdana" panose="020B0604030504040204" pitchFamily="34" charset="0"/>
+                <a:ea typeface="Verdana" panose="020B0604030504040204" pitchFamily="34" charset="0"/>
+              </a:rPr>
+              <a:t>Project Overview</a:t>
+            </a:r>
+          </a:p>
+        </p:txBody>
+      </p:sp>
     </p:spTree>
     <p:extLst>
       <p:ext uri="{BB962C8B-B14F-4D97-AF65-F5344CB8AC3E}">
@@ -30390,6 +31953,66 @@
           </a:p>
         </p:txBody>
       </p:sp>
+      <p:sp>
+        <p:nvSpPr>
+          <p:cNvPr id="49" name="Rectangle: Rounded Corners 48">
+            <a:extLst>
+              <a:ext uri="{FF2B5EF4-FFF2-40B4-BE49-F238E27FC236}">
+                <a16:creationId xmlns:a16="http://schemas.microsoft.com/office/drawing/2014/main" id="{9A5F7D35-2C06-4E3E-AFA8-C8C8477B9EB6}"/>
+              </a:ext>
+            </a:extLst>
+          </p:cNvPr>
+          <p:cNvSpPr/>
+          <p:nvPr/>
+        </p:nvSpPr>
+        <p:spPr>
+          <a:xfrm>
+            <a:off x="3363037" y="294893"/>
+            <a:ext cx="1352550" cy="390525"/>
+          </a:xfrm>
+          <a:prstGeom prst="roundRect">
+            <a:avLst/>
+          </a:prstGeom>
+          <a:solidFill>
+            <a:schemeClr val="bg1">
+              <a:lumMod val="75000"/>
+            </a:schemeClr>
+          </a:solidFill>
+          <a:ln>
+            <a:noFill/>
+          </a:ln>
+        </p:spPr>
+        <p:style>
+          <a:lnRef idx="2">
+            <a:schemeClr val="accent1">
+              <a:shade val="50000"/>
+            </a:schemeClr>
+          </a:lnRef>
+          <a:fillRef idx="1">
+            <a:schemeClr val="accent1"/>
+          </a:fillRef>
+          <a:effectRef idx="0">
+            <a:schemeClr val="accent1"/>
+          </a:effectRef>
+          <a:fontRef idx="minor">
+            <a:schemeClr val="lt1"/>
+          </a:fontRef>
+        </p:style>
+        <p:txBody>
+          <a:bodyPr rtlCol="0" anchor="ctr"/>
+          <a:lstStyle/>
+          <a:p>
+            <a:pPr algn="ctr"/>
+            <a:r>
+              <a:rPr lang="en-US" sz="1000" dirty="0">
+                <a:latin typeface="Verdana" panose="020B0604030504040204" pitchFamily="34" charset="0"/>
+                <a:ea typeface="Verdana" panose="020B0604030504040204" pitchFamily="34" charset="0"/>
+              </a:rPr>
+              <a:t>Project Overview</a:t>
+            </a:r>
+          </a:p>
+        </p:txBody>
+      </p:sp>
     </p:spTree>
     <p:extLst>
       <p:ext uri="{BB962C8B-B14F-4D97-AF65-F5344CB8AC3E}">
@@ -31081,6 +32704,66 @@
                 <a:cs typeface="+mj-cs"/>
               </a:rPr>
               <a:t>Salesforce Data</a:t>
+            </a:r>
+          </a:p>
+        </p:txBody>
+      </p:sp>
+      <p:sp>
+        <p:nvSpPr>
+          <p:cNvPr id="16" name="Rectangle: Rounded Corners 15">
+            <a:extLst>
+              <a:ext uri="{FF2B5EF4-FFF2-40B4-BE49-F238E27FC236}">
+                <a16:creationId xmlns:a16="http://schemas.microsoft.com/office/drawing/2014/main" id="{56236CEA-A259-4D65-85E0-50D1A68BDD80}"/>
+              </a:ext>
+            </a:extLst>
+          </p:cNvPr>
+          <p:cNvSpPr/>
+          <p:nvPr/>
+        </p:nvSpPr>
+        <p:spPr>
+          <a:xfrm>
+            <a:off x="3363037" y="294893"/>
+            <a:ext cx="1352550" cy="390525"/>
+          </a:xfrm>
+          <a:prstGeom prst="roundRect">
+            <a:avLst/>
+          </a:prstGeom>
+          <a:solidFill>
+            <a:schemeClr val="bg1">
+              <a:lumMod val="75000"/>
+            </a:schemeClr>
+          </a:solidFill>
+          <a:ln>
+            <a:noFill/>
+          </a:ln>
+        </p:spPr>
+        <p:style>
+          <a:lnRef idx="2">
+            <a:schemeClr val="accent1">
+              <a:shade val="50000"/>
+            </a:schemeClr>
+          </a:lnRef>
+          <a:fillRef idx="1">
+            <a:schemeClr val="accent1"/>
+          </a:fillRef>
+          <a:effectRef idx="0">
+            <a:schemeClr val="accent1"/>
+          </a:effectRef>
+          <a:fontRef idx="minor">
+            <a:schemeClr val="lt1"/>
+          </a:fontRef>
+        </p:style>
+        <p:txBody>
+          <a:bodyPr rtlCol="0" anchor="ctr"/>
+          <a:lstStyle/>
+          <a:p>
+            <a:pPr algn="ctr"/>
+            <a:r>
+              <a:rPr lang="en-US" sz="1000" dirty="0">
+                <a:latin typeface="Verdana" panose="020B0604030504040204" pitchFamily="34" charset="0"/>
+                <a:ea typeface="Verdana" panose="020B0604030504040204" pitchFamily="34" charset="0"/>
+              </a:rPr>
+              <a:t>Project Overview</a:t>
             </a:r>
           </a:p>
         </p:txBody>

--- a/Final_project/MScA_31008_Final_Project_Presentation - Pitchbook Industry Classification.pptx
+++ b/Final_project/MScA_31008_Final_Project_Presentation - Pitchbook Industry Classification.pptx
@@ -5,7 +5,7 @@
     <p:sldMasterId id="2147483648" r:id="rId1"/>
   </p:sldMasterIdLst>
   <p:notesMasterIdLst>
-    <p:notesMasterId r:id="rId20"/>
+    <p:notesMasterId r:id="rId22"/>
   </p:notesMasterIdLst>
   <p:sldIdLst>
     <p:sldId id="261" r:id="rId2"/>
@@ -24,8 +24,10 @@
     <p:sldId id="268" r:id="rId15"/>
     <p:sldId id="276" r:id="rId16"/>
     <p:sldId id="277" r:id="rId17"/>
-    <p:sldId id="272" r:id="rId18"/>
-    <p:sldId id="278" r:id="rId19"/>
+    <p:sldId id="281" r:id="rId18"/>
+    <p:sldId id="283" r:id="rId19"/>
+    <p:sldId id="284" r:id="rId20"/>
+    <p:sldId id="278" r:id="rId21"/>
   </p:sldIdLst>
   <p:sldSz cx="12192000" cy="6858000"/>
   <p:notesSz cx="6858000" cy="9144000"/>
@@ -214,7 +216,7 @@
           <a:p>
             <a:fld id="{935E1275-E3BC-4924-9D21-14A811C77763}" type="datetimeFigureOut">
               <a:rPr lang="en-US" smtClean="0"/>
-              <a:t>3/3/2023</a:t>
+              <a:t>3/4/2023</a:t>
             </a:fld>
             <a:endParaRPr lang="en-US"/>
           </a:p>
@@ -2251,6 +2253,176 @@
     </p:spTree>
     <p:extLst>
       <p:ext uri="{BB962C8B-B14F-4D97-AF65-F5344CB8AC3E}">
+        <p14:creationId xmlns:p14="http://schemas.microsoft.com/office/powerpoint/2010/main" val="2060415887"/>
+      </p:ext>
+    </p:extLst>
+  </p:cSld>
+  <p:clrMapOvr>
+    <a:masterClrMapping/>
+  </p:clrMapOvr>
+</p:notes>
+</file>
+
+<file path=ppt/notesSlides/notesSlide17.xml><?xml version="1.0" encoding="utf-8"?>
+<p:notes xmlns:a="http://schemas.openxmlformats.org/drawingml/2006/main" xmlns:r="http://schemas.openxmlformats.org/officeDocument/2006/relationships" xmlns:p="http://schemas.openxmlformats.org/presentationml/2006/main">
+  <p:cSld>
+    <p:spTree>
+      <p:nvGrpSpPr>
+        <p:cNvPr id="1" name=""/>
+        <p:cNvGrpSpPr/>
+        <p:nvPr/>
+      </p:nvGrpSpPr>
+      <p:grpSpPr>
+        <a:xfrm>
+          <a:off x="0" y="0"/>
+          <a:ext cx="0" cy="0"/>
+          <a:chOff x="0" y="0"/>
+          <a:chExt cx="0" cy="0"/>
+        </a:xfrm>
+      </p:grpSpPr>
+      <p:sp>
+        <p:nvSpPr>
+          <p:cNvPr id="2" name="Slide Image Placeholder 1"/>
+          <p:cNvSpPr>
+            <a:spLocks noGrp="1" noRot="1" noChangeAspect="1"/>
+          </p:cNvSpPr>
+          <p:nvPr>
+            <p:ph type="sldImg"/>
+          </p:nvPr>
+        </p:nvSpPr>
+        <p:spPr/>
+      </p:sp>
+      <p:sp>
+        <p:nvSpPr>
+          <p:cNvPr id="3" name="Notes Placeholder 2"/>
+          <p:cNvSpPr>
+            <a:spLocks noGrp="1"/>
+          </p:cNvSpPr>
+          <p:nvPr>
+            <p:ph type="body" idx="1"/>
+          </p:nvPr>
+        </p:nvSpPr>
+        <p:spPr/>
+        <p:txBody>
+          <a:bodyPr/>
+          <a:lstStyle/>
+          <a:p>
+            <a:pPr algn="l"/>
+            <a:endParaRPr lang="en-US" dirty="0"/>
+          </a:p>
+        </p:txBody>
+      </p:sp>
+      <p:sp>
+        <p:nvSpPr>
+          <p:cNvPr id="4" name="Slide Number Placeholder 3"/>
+          <p:cNvSpPr>
+            <a:spLocks noGrp="1"/>
+          </p:cNvSpPr>
+          <p:nvPr>
+            <p:ph type="sldNum" sz="quarter" idx="5"/>
+          </p:nvPr>
+        </p:nvSpPr>
+        <p:spPr/>
+        <p:txBody>
+          <a:bodyPr/>
+          <a:lstStyle/>
+          <a:p>
+            <a:fld id="{159A4FC4-B7B2-41AD-A47A-6BEA82EF40C3}" type="slidenum">
+              <a:rPr lang="en-US" smtClean="0"/>
+              <a:t>19</a:t>
+            </a:fld>
+            <a:endParaRPr lang="en-US"/>
+          </a:p>
+        </p:txBody>
+      </p:sp>
+    </p:spTree>
+    <p:extLst>
+      <p:ext uri="{BB962C8B-B14F-4D97-AF65-F5344CB8AC3E}">
+        <p14:creationId xmlns:p14="http://schemas.microsoft.com/office/powerpoint/2010/main" val="4286181778"/>
+      </p:ext>
+    </p:extLst>
+  </p:cSld>
+  <p:clrMapOvr>
+    <a:masterClrMapping/>
+  </p:clrMapOvr>
+</p:notes>
+</file>
+
+<file path=ppt/notesSlides/notesSlide18.xml><?xml version="1.0" encoding="utf-8"?>
+<p:notes xmlns:a="http://schemas.openxmlformats.org/drawingml/2006/main" xmlns:r="http://schemas.openxmlformats.org/officeDocument/2006/relationships" xmlns:p="http://schemas.openxmlformats.org/presentationml/2006/main">
+  <p:cSld>
+    <p:spTree>
+      <p:nvGrpSpPr>
+        <p:cNvPr id="1" name=""/>
+        <p:cNvGrpSpPr/>
+        <p:nvPr/>
+      </p:nvGrpSpPr>
+      <p:grpSpPr>
+        <a:xfrm>
+          <a:off x="0" y="0"/>
+          <a:ext cx="0" cy="0"/>
+          <a:chOff x="0" y="0"/>
+          <a:chExt cx="0" cy="0"/>
+        </a:xfrm>
+      </p:grpSpPr>
+      <p:sp>
+        <p:nvSpPr>
+          <p:cNvPr id="2" name="Slide Image Placeholder 1"/>
+          <p:cNvSpPr>
+            <a:spLocks noGrp="1" noRot="1" noChangeAspect="1"/>
+          </p:cNvSpPr>
+          <p:nvPr>
+            <p:ph type="sldImg"/>
+          </p:nvPr>
+        </p:nvSpPr>
+        <p:spPr/>
+      </p:sp>
+      <p:sp>
+        <p:nvSpPr>
+          <p:cNvPr id="3" name="Notes Placeholder 2"/>
+          <p:cNvSpPr>
+            <a:spLocks noGrp="1"/>
+          </p:cNvSpPr>
+          <p:nvPr>
+            <p:ph type="body" idx="1"/>
+          </p:nvPr>
+        </p:nvSpPr>
+        <p:spPr/>
+        <p:txBody>
+          <a:bodyPr/>
+          <a:lstStyle/>
+          <a:p>
+            <a:pPr algn="l"/>
+            <a:endParaRPr lang="en-US" dirty="0"/>
+          </a:p>
+        </p:txBody>
+      </p:sp>
+      <p:sp>
+        <p:nvSpPr>
+          <p:cNvPr id="4" name="Slide Number Placeholder 3"/>
+          <p:cNvSpPr>
+            <a:spLocks noGrp="1"/>
+          </p:cNvSpPr>
+          <p:nvPr>
+            <p:ph type="sldNum" sz="quarter" idx="5"/>
+          </p:nvPr>
+        </p:nvSpPr>
+        <p:spPr/>
+        <p:txBody>
+          <a:bodyPr/>
+          <a:lstStyle/>
+          <a:p>
+            <a:fld id="{159A4FC4-B7B2-41AD-A47A-6BEA82EF40C3}" type="slidenum">
+              <a:rPr lang="en-US" smtClean="0"/>
+              <a:t>20</a:t>
+            </a:fld>
+            <a:endParaRPr lang="en-US"/>
+          </a:p>
+        </p:txBody>
+      </p:sp>
+    </p:spTree>
+    <p:extLst>
+      <p:ext uri="{BB962C8B-B14F-4D97-AF65-F5344CB8AC3E}">
         <p14:creationId xmlns:p14="http://schemas.microsoft.com/office/powerpoint/2010/main" val="3277634468"/>
       </p:ext>
     </p:extLst>
@@ -3455,7 +3627,7 @@
           <a:p>
             <a:fld id="{38744EF7-277B-4C2F-8C3D-AA5604BF70B5}" type="datetimeFigureOut">
               <a:rPr lang="en-US" smtClean="0"/>
-              <a:t>3/3/2023</a:t>
+              <a:t>3/4/2023</a:t>
             </a:fld>
             <a:endParaRPr lang="en-US"/>
           </a:p>
@@ -3653,7 +3825,7 @@
           <a:p>
             <a:fld id="{38744EF7-277B-4C2F-8C3D-AA5604BF70B5}" type="datetimeFigureOut">
               <a:rPr lang="en-US" smtClean="0"/>
-              <a:t>3/3/2023</a:t>
+              <a:t>3/4/2023</a:t>
             </a:fld>
             <a:endParaRPr lang="en-US"/>
           </a:p>
@@ -3861,7 +4033,7 @@
           <a:p>
             <a:fld id="{38744EF7-277B-4C2F-8C3D-AA5604BF70B5}" type="datetimeFigureOut">
               <a:rPr lang="en-US" smtClean="0"/>
-              <a:t>3/3/2023</a:t>
+              <a:t>3/4/2023</a:t>
             </a:fld>
             <a:endParaRPr lang="en-US"/>
           </a:p>
@@ -4059,7 +4231,7 @@
           <a:p>
             <a:fld id="{38744EF7-277B-4C2F-8C3D-AA5604BF70B5}" type="datetimeFigureOut">
               <a:rPr lang="en-US" smtClean="0"/>
-              <a:t>3/3/2023</a:t>
+              <a:t>3/4/2023</a:t>
             </a:fld>
             <a:endParaRPr lang="en-US"/>
           </a:p>
@@ -4334,7 +4506,7 @@
           <a:p>
             <a:fld id="{38744EF7-277B-4C2F-8C3D-AA5604BF70B5}" type="datetimeFigureOut">
               <a:rPr lang="en-US" smtClean="0"/>
-              <a:t>3/3/2023</a:t>
+              <a:t>3/4/2023</a:t>
             </a:fld>
             <a:endParaRPr lang="en-US"/>
           </a:p>
@@ -4599,7 +4771,7 @@
           <a:p>
             <a:fld id="{38744EF7-277B-4C2F-8C3D-AA5604BF70B5}" type="datetimeFigureOut">
               <a:rPr lang="en-US" smtClean="0"/>
-              <a:t>3/3/2023</a:t>
+              <a:t>3/4/2023</a:t>
             </a:fld>
             <a:endParaRPr lang="en-US"/>
           </a:p>
@@ -5011,7 +5183,7 @@
           <a:p>
             <a:fld id="{38744EF7-277B-4C2F-8C3D-AA5604BF70B5}" type="datetimeFigureOut">
               <a:rPr lang="en-US" smtClean="0"/>
-              <a:t>3/3/2023</a:t>
+              <a:t>3/4/2023</a:t>
             </a:fld>
             <a:endParaRPr lang="en-US"/>
           </a:p>
@@ -5152,7 +5324,7 @@
           <a:p>
             <a:fld id="{38744EF7-277B-4C2F-8C3D-AA5604BF70B5}" type="datetimeFigureOut">
               <a:rPr lang="en-US" smtClean="0"/>
-              <a:t>3/3/2023</a:t>
+              <a:t>3/4/2023</a:t>
             </a:fld>
             <a:endParaRPr lang="en-US"/>
           </a:p>
@@ -5265,7 +5437,7 @@
           <a:p>
             <a:fld id="{38744EF7-277B-4C2F-8C3D-AA5604BF70B5}" type="datetimeFigureOut">
               <a:rPr lang="en-US" smtClean="0"/>
-              <a:t>3/3/2023</a:t>
+              <a:t>3/4/2023</a:t>
             </a:fld>
             <a:endParaRPr lang="en-US"/>
           </a:p>
@@ -5576,7 +5748,7 @@
           <a:p>
             <a:fld id="{38744EF7-277B-4C2F-8C3D-AA5604BF70B5}" type="datetimeFigureOut">
               <a:rPr lang="en-US" smtClean="0"/>
-              <a:t>3/3/2023</a:t>
+              <a:t>3/4/2023</a:t>
             </a:fld>
             <a:endParaRPr lang="en-US"/>
           </a:p>
@@ -5864,7 +6036,7 @@
           <a:p>
             <a:fld id="{38744EF7-277B-4C2F-8C3D-AA5604BF70B5}" type="datetimeFigureOut">
               <a:rPr lang="en-US" smtClean="0"/>
-              <a:t>3/3/2023</a:t>
+              <a:t>3/4/2023</a:t>
             </a:fld>
             <a:endParaRPr lang="en-US"/>
           </a:p>
@@ -6105,7 +6277,7 @@
           <a:p>
             <a:fld id="{38744EF7-277B-4C2F-8C3D-AA5604BF70B5}" type="datetimeFigureOut">
               <a:rPr lang="en-US" smtClean="0"/>
-              <a:t>3/3/2023</a:t>
+              <a:t>3/4/2023</a:t>
             </a:fld>
             <a:endParaRPr lang="en-US"/>
           </a:p>
@@ -8955,7 +9127,7 @@
                 <a:latin typeface="Verdana" panose="020B0604030504040204" pitchFamily="34" charset="0"/>
                 <a:ea typeface="Verdana" panose="020B0604030504040204" pitchFamily="34" charset="0"/>
               </a:rPr>
-              <a:t>Application</a:t>
+              <a:t>Outcome</a:t>
             </a:r>
           </a:p>
         </p:txBody>
@@ -20091,10 +20263,392 @@
           </a:p>
         </p:txBody>
       </p:sp>
+      <p:sp>
+        <p:nvSpPr>
+          <p:cNvPr id="4" name="TextBox 3">
+            <a:extLst>
+              <a:ext uri="{FF2B5EF4-FFF2-40B4-BE49-F238E27FC236}">
+                <a16:creationId xmlns:a16="http://schemas.microsoft.com/office/drawing/2014/main" id="{7B8F37D7-894F-6AD9-E54B-A2FC5E0BEC28}"/>
+              </a:ext>
+            </a:extLst>
+          </p:cNvPr>
+          <p:cNvSpPr txBox="1"/>
+          <p:nvPr/>
+        </p:nvSpPr>
+        <p:spPr>
+          <a:xfrm>
+            <a:off x="412750" y="1361465"/>
+            <a:ext cx="5782385" cy="4124206"/>
+          </a:xfrm>
+          <a:prstGeom prst="rect">
+            <a:avLst/>
+          </a:prstGeom>
+          <a:noFill/>
+        </p:spPr>
+        <p:txBody>
+          <a:bodyPr wrap="square">
+            <a:spAutoFit/>
+          </a:bodyPr>
+          <a:lstStyle/>
+          <a:p>
+            <a:pPr algn="just"/>
+            <a:r>
+              <a:rPr lang="en-NG" sz="1600" dirty="0">
+                <a:solidFill>
+                  <a:schemeClr val="tx2"/>
+                </a:solidFill>
+                <a:latin typeface="Verdana" panose="020B0604030504040204" pitchFamily="34" charset="0"/>
+                <a:ea typeface="Verdana" panose="020B0604030504040204" pitchFamily="34" charset="0"/>
+                <a:cs typeface="Verdana" panose="020B0604030504040204" pitchFamily="34" charset="0"/>
+              </a:rPr>
+              <a:t>Using the best </a:t>
+            </a:r>
+            <a:r>
+              <a:rPr lang="en-US" sz="1600" dirty="0">
+                <a:solidFill>
+                  <a:schemeClr val="tx2"/>
+                </a:solidFill>
+                <a:latin typeface="Verdana" panose="020B0604030504040204" pitchFamily="34" charset="0"/>
+                <a:ea typeface="Verdana" panose="020B0604030504040204" pitchFamily="34" charset="0"/>
+                <a:cs typeface="Verdana" panose="020B0604030504040204" pitchFamily="34" charset="0"/>
+              </a:rPr>
+              <a:t>hyper</a:t>
+            </a:r>
+            <a:r>
+              <a:rPr lang="en-NG" sz="1600" dirty="0">
+                <a:solidFill>
+                  <a:schemeClr val="tx2"/>
+                </a:solidFill>
+                <a:latin typeface="Verdana" panose="020B0604030504040204" pitchFamily="34" charset="0"/>
+                <a:ea typeface="Verdana" panose="020B0604030504040204" pitchFamily="34" charset="0"/>
+                <a:cs typeface="Verdana" panose="020B0604030504040204" pitchFamily="34" charset="0"/>
+              </a:rPr>
+              <a:t>paramater</a:t>
+            </a:r>
+            <a:r>
+              <a:rPr lang="en-US" sz="1600" dirty="0">
+                <a:solidFill>
+                  <a:schemeClr val="tx2"/>
+                </a:solidFill>
+                <a:latin typeface="Verdana" panose="020B0604030504040204" pitchFamily="34" charset="0"/>
+                <a:ea typeface="Verdana" panose="020B0604030504040204" pitchFamily="34" charset="0"/>
+                <a:cs typeface="Verdana" panose="020B0604030504040204" pitchFamily="34" charset="0"/>
+              </a:rPr>
+              <a:t>s</a:t>
+            </a:r>
+            <a:r>
+              <a:rPr lang="en-NG" sz="1600" dirty="0">
+                <a:solidFill>
+                  <a:schemeClr val="tx2"/>
+                </a:solidFill>
+                <a:latin typeface="Verdana" panose="020B0604030504040204" pitchFamily="34" charset="0"/>
+                <a:ea typeface="Verdana" panose="020B0604030504040204" pitchFamily="34" charset="0"/>
+                <a:cs typeface="Verdana" panose="020B0604030504040204" pitchFamily="34" charset="0"/>
+              </a:rPr>
+              <a:t> from the gridsearch cross validation , we generated predictions for our test data. Our model was able to predict accurately for </a:t>
+            </a:r>
+            <a:r>
+              <a:rPr lang="en-US" sz="1600" dirty="0">
+                <a:solidFill>
+                  <a:schemeClr val="tx2"/>
+                </a:solidFill>
+                <a:latin typeface="Verdana" panose="020B0604030504040204" pitchFamily="34" charset="0"/>
+                <a:ea typeface="Verdana" panose="020B0604030504040204" pitchFamily="34" charset="0"/>
+                <a:cs typeface="Verdana" panose="020B0604030504040204" pitchFamily="34" charset="0"/>
+              </a:rPr>
+              <a:t>80%</a:t>
+            </a:r>
+            <a:r>
+              <a:rPr lang="en-NG" sz="1600" dirty="0">
+                <a:solidFill>
+                  <a:schemeClr val="tx2"/>
+                </a:solidFill>
+                <a:latin typeface="Verdana" panose="020B0604030504040204" pitchFamily="34" charset="0"/>
+                <a:ea typeface="Verdana" panose="020B0604030504040204" pitchFamily="34" charset="0"/>
+                <a:cs typeface="Verdana" panose="020B0604030504040204" pitchFamily="34" charset="0"/>
+              </a:rPr>
+              <a:t> of our test</a:t>
+            </a:r>
+            <a:r>
+              <a:rPr lang="en-US" sz="1600" dirty="0">
+                <a:solidFill>
+                  <a:schemeClr val="tx2"/>
+                </a:solidFill>
+                <a:latin typeface="Verdana" panose="020B0604030504040204" pitchFamily="34" charset="0"/>
+                <a:ea typeface="Verdana" panose="020B0604030504040204" pitchFamily="34" charset="0"/>
+                <a:cs typeface="Verdana" panose="020B0604030504040204" pitchFamily="34" charset="0"/>
+              </a:rPr>
+              <a:t> </a:t>
+            </a:r>
+            <a:r>
+              <a:rPr lang="en-NG" sz="1600" dirty="0">
+                <a:solidFill>
+                  <a:schemeClr val="tx2"/>
+                </a:solidFill>
+                <a:latin typeface="Verdana" panose="020B0604030504040204" pitchFamily="34" charset="0"/>
+                <a:ea typeface="Verdana" panose="020B0604030504040204" pitchFamily="34" charset="0"/>
+                <a:cs typeface="Verdana" panose="020B0604030504040204" pitchFamily="34" charset="0"/>
+              </a:rPr>
+              <a:t>data.</a:t>
+            </a:r>
+            <a:r>
+              <a:rPr lang="en-US" sz="1600" dirty="0">
+                <a:solidFill>
+                  <a:schemeClr val="tx2"/>
+                </a:solidFill>
+                <a:latin typeface="Verdana" panose="020B0604030504040204" pitchFamily="34" charset="0"/>
+                <a:ea typeface="Verdana" panose="020B0604030504040204" pitchFamily="34" charset="0"/>
+                <a:cs typeface="Verdana" panose="020B0604030504040204" pitchFamily="34" charset="0"/>
+              </a:rPr>
+              <a:t> </a:t>
+            </a:r>
+            <a:r>
+              <a:rPr lang="en-NG" sz="1600" dirty="0">
+                <a:solidFill>
+                  <a:schemeClr val="tx2"/>
+                </a:solidFill>
+                <a:latin typeface="Verdana" panose="020B0604030504040204" pitchFamily="34" charset="0"/>
+                <a:ea typeface="Verdana" panose="020B0604030504040204" pitchFamily="34" charset="0"/>
+                <a:cs typeface="Verdana" panose="020B0604030504040204" pitchFamily="34" charset="0"/>
+              </a:rPr>
+              <a:t>Our </a:t>
+            </a:r>
+            <a:r>
+              <a:rPr lang="en-NG" sz="1600" dirty="0">
+                <a:solidFill>
+                  <a:schemeClr val="tx2"/>
+                </a:solidFill>
+                <a:latin typeface="Verdana" panose="020B0604030504040204" pitchFamily="34" charset="0"/>
+                <a:ea typeface="Verdana" panose="020B0604030504040204" pitchFamily="34" charset="0"/>
+              </a:rPr>
+              <a:t>overall</a:t>
+            </a:r>
+            <a:r>
+              <a:rPr lang="en-NG" sz="1600" dirty="0">
+                <a:solidFill>
+                  <a:schemeClr val="tx2"/>
+                </a:solidFill>
+                <a:latin typeface="Verdana" panose="020B0604030504040204" pitchFamily="34" charset="0"/>
+                <a:ea typeface="Verdana" panose="020B0604030504040204" pitchFamily="34" charset="0"/>
+                <a:cs typeface="Verdana" panose="020B0604030504040204" pitchFamily="34" charset="0"/>
+              </a:rPr>
+              <a:t> model accuracy score was 0.81.</a:t>
+            </a:r>
+          </a:p>
+          <a:p>
+            <a:pPr algn="just"/>
+            <a:endParaRPr lang="en-NG" sz="1600" dirty="0">
+              <a:solidFill>
+                <a:schemeClr val="tx2"/>
+              </a:solidFill>
+              <a:latin typeface="Verdana" panose="020B0604030504040204" pitchFamily="34" charset="0"/>
+              <a:ea typeface="Verdana" panose="020B0604030504040204" pitchFamily="34" charset="0"/>
+              <a:cs typeface="Verdana" panose="020B0604030504040204" pitchFamily="34" charset="0"/>
+            </a:endParaRPr>
+          </a:p>
+          <a:p>
+            <a:pPr algn="just"/>
+            <a:r>
+              <a:rPr lang="en-NG" sz="1600" dirty="0">
+                <a:solidFill>
+                  <a:schemeClr val="tx2"/>
+                </a:solidFill>
+                <a:latin typeface="Verdana" panose="020B0604030504040204" pitchFamily="34" charset="0"/>
+                <a:ea typeface="Verdana" panose="020B0604030504040204" pitchFamily="34" charset="0"/>
+                <a:cs typeface="Verdana" panose="020B0604030504040204" pitchFamily="34" charset="0"/>
+              </a:rPr>
+              <a:t>We found out that Healthcare sector performed best with f1</a:t>
+            </a:r>
+            <a:r>
+              <a:rPr lang="en-US" sz="1600" dirty="0">
+                <a:solidFill>
+                  <a:schemeClr val="tx2"/>
+                </a:solidFill>
+                <a:latin typeface="Verdana" panose="020B0604030504040204" pitchFamily="34" charset="0"/>
+                <a:ea typeface="Verdana" panose="020B0604030504040204" pitchFamily="34" charset="0"/>
+                <a:cs typeface="Verdana" panose="020B0604030504040204" pitchFamily="34" charset="0"/>
+              </a:rPr>
+              <a:t> </a:t>
+            </a:r>
+            <a:r>
+              <a:rPr lang="en-NG" sz="1600" dirty="0">
+                <a:solidFill>
+                  <a:schemeClr val="tx2"/>
+                </a:solidFill>
+                <a:latin typeface="Verdana" panose="020B0604030504040204" pitchFamily="34" charset="0"/>
+                <a:ea typeface="Verdana" panose="020B0604030504040204" pitchFamily="34" charset="0"/>
+                <a:cs typeface="Verdana" panose="020B0604030504040204" pitchFamily="34" charset="0"/>
+              </a:rPr>
+              <a:t>score of 0.93</a:t>
+            </a:r>
+            <a:r>
+              <a:rPr lang="en-US" sz="1600" dirty="0">
+                <a:solidFill>
+                  <a:schemeClr val="tx2"/>
+                </a:solidFill>
+                <a:latin typeface="Verdana" panose="020B0604030504040204" pitchFamily="34" charset="0"/>
+                <a:ea typeface="Verdana" panose="020B0604030504040204" pitchFamily="34" charset="0"/>
+                <a:cs typeface="Verdana" panose="020B0604030504040204" pitchFamily="34" charset="0"/>
+              </a:rPr>
+              <a:t>, followed by 0.85 for Technology</a:t>
+            </a:r>
+            <a:r>
+              <a:rPr lang="en-NG" sz="1600" dirty="0">
+                <a:solidFill>
+                  <a:schemeClr val="tx2"/>
+                </a:solidFill>
+                <a:latin typeface="Verdana" panose="020B0604030504040204" pitchFamily="34" charset="0"/>
+                <a:ea typeface="Verdana" panose="020B0604030504040204" pitchFamily="34" charset="0"/>
+                <a:cs typeface="Verdana" panose="020B0604030504040204" pitchFamily="34" charset="0"/>
+              </a:rPr>
+              <a:t> and ADGS performed worse with an F1 score of 0.51 as shown. This means given Pitchbook data</a:t>
+            </a:r>
+            <a:r>
+              <a:rPr lang="en-US" sz="1600" dirty="0">
+                <a:solidFill>
+                  <a:schemeClr val="tx2"/>
+                </a:solidFill>
+                <a:latin typeface="Verdana" panose="020B0604030504040204" pitchFamily="34" charset="0"/>
+                <a:ea typeface="Verdana" panose="020B0604030504040204" pitchFamily="34" charset="0"/>
+                <a:cs typeface="Verdana" panose="020B0604030504040204" pitchFamily="34" charset="0"/>
+              </a:rPr>
+              <a:t>,</a:t>
+            </a:r>
+            <a:r>
+              <a:rPr lang="en-NG" sz="1600" dirty="0">
+                <a:solidFill>
+                  <a:schemeClr val="tx2"/>
+                </a:solidFill>
+                <a:latin typeface="Verdana" panose="020B0604030504040204" pitchFamily="34" charset="0"/>
+                <a:ea typeface="Verdana" panose="020B0604030504040204" pitchFamily="34" charset="0"/>
+                <a:cs typeface="Verdana" panose="020B0604030504040204" pitchFamily="34" charset="0"/>
+              </a:rPr>
+              <a:t> our model will accurately classify industries in the healthcare</a:t>
+            </a:r>
+            <a:r>
+              <a:rPr lang="en-US" sz="1600" dirty="0">
+                <a:solidFill>
+                  <a:schemeClr val="tx2"/>
+                </a:solidFill>
+                <a:latin typeface="Verdana" panose="020B0604030504040204" pitchFamily="34" charset="0"/>
+                <a:ea typeface="Verdana" panose="020B0604030504040204" pitchFamily="34" charset="0"/>
+                <a:cs typeface="Verdana" panose="020B0604030504040204" pitchFamily="34" charset="0"/>
+              </a:rPr>
+              <a:t> &amp; technology</a:t>
+            </a:r>
+            <a:r>
+              <a:rPr lang="en-NG" sz="1600" dirty="0">
+                <a:solidFill>
+                  <a:schemeClr val="tx2"/>
+                </a:solidFill>
+                <a:latin typeface="Verdana" panose="020B0604030504040204" pitchFamily="34" charset="0"/>
+                <a:ea typeface="Verdana" panose="020B0604030504040204" pitchFamily="34" charset="0"/>
+                <a:cs typeface="Verdana" panose="020B0604030504040204" pitchFamily="34" charset="0"/>
+              </a:rPr>
+              <a:t> sector </a:t>
+            </a:r>
+            <a:r>
+              <a:rPr lang="en-US" sz="1600" dirty="0">
+                <a:solidFill>
+                  <a:schemeClr val="tx2"/>
+                </a:solidFill>
+                <a:latin typeface="Verdana" panose="020B0604030504040204" pitchFamily="34" charset="0"/>
+                <a:ea typeface="Verdana" panose="020B0604030504040204" pitchFamily="34" charset="0"/>
+                <a:cs typeface="Verdana" panose="020B0604030504040204" pitchFamily="34" charset="0"/>
+              </a:rPr>
+              <a:t>b</a:t>
+            </a:r>
+            <a:r>
+              <a:rPr lang="en-NG" sz="1600" dirty="0">
+                <a:solidFill>
+                  <a:schemeClr val="tx2"/>
+                </a:solidFill>
+                <a:latin typeface="Verdana" panose="020B0604030504040204" pitchFamily="34" charset="0"/>
+                <a:ea typeface="Verdana" panose="020B0604030504040204" pitchFamily="34" charset="0"/>
+                <a:cs typeface="Verdana" panose="020B0604030504040204" pitchFamily="34" charset="0"/>
+              </a:rPr>
+              <a:t>est </a:t>
+            </a:r>
+            <a:r>
+              <a:rPr lang="en-US" sz="1600" dirty="0">
+                <a:solidFill>
+                  <a:schemeClr val="tx2"/>
+                </a:solidFill>
+                <a:latin typeface="Verdana" panose="020B0604030504040204" pitchFamily="34" charset="0"/>
+                <a:ea typeface="Verdana" panose="020B0604030504040204" pitchFamily="34" charset="0"/>
+                <a:cs typeface="Verdana" panose="020B0604030504040204" pitchFamily="34" charset="0"/>
+              </a:rPr>
+              <a:t>when </a:t>
+            </a:r>
+            <a:r>
+              <a:rPr lang="en-NG" sz="1600" dirty="0">
+                <a:solidFill>
+                  <a:schemeClr val="tx2"/>
+                </a:solidFill>
+                <a:latin typeface="Verdana" panose="020B0604030504040204" pitchFamily="34" charset="0"/>
+                <a:ea typeface="Verdana" panose="020B0604030504040204" pitchFamily="34" charset="0"/>
+                <a:cs typeface="Verdana" panose="020B0604030504040204" pitchFamily="34" charset="0"/>
+              </a:rPr>
+              <a:t>compared to other industries.</a:t>
+            </a:r>
+          </a:p>
+          <a:p>
+            <a:endParaRPr lang="en-NG" sz="1800" dirty="0">
+              <a:latin typeface="Verdana" panose="020B0604030504040204" pitchFamily="34" charset="0"/>
+              <a:ea typeface="Verdana" panose="020B0604030504040204" pitchFamily="34" charset="0"/>
+              <a:cs typeface="Verdana" panose="020B0604030504040204" pitchFamily="34" charset="0"/>
+            </a:endParaRPr>
+          </a:p>
+          <a:p>
+            <a:endParaRPr lang="en-NG" sz="1800" dirty="0">
+              <a:latin typeface="Verdana" panose="020B0604030504040204" pitchFamily="34" charset="0"/>
+              <a:ea typeface="Verdana" panose="020B0604030504040204" pitchFamily="34" charset="0"/>
+              <a:cs typeface="Verdana" panose="020B0604030504040204" pitchFamily="34" charset="0"/>
+            </a:endParaRPr>
+          </a:p>
+          <a:p>
+            <a:endParaRPr lang="en-NG" sz="1800" dirty="0">
+              <a:latin typeface="Verdana" panose="020B0604030504040204" pitchFamily="34" charset="0"/>
+              <a:ea typeface="Verdana" panose="020B0604030504040204" pitchFamily="34" charset="0"/>
+              <a:cs typeface="Verdana" panose="020B0604030504040204" pitchFamily="34" charset="0"/>
+            </a:endParaRPr>
+          </a:p>
+        </p:txBody>
+      </p:sp>
+      <p:pic>
+        <p:nvPicPr>
+          <p:cNvPr id="5" name="Picture 4">
+            <a:extLst>
+              <a:ext uri="{FF2B5EF4-FFF2-40B4-BE49-F238E27FC236}">
+                <a16:creationId xmlns:a16="http://schemas.microsoft.com/office/drawing/2014/main" id="{1905A337-B32E-4DA8-9BD4-0087A1C606D8}"/>
+              </a:ext>
+            </a:extLst>
+          </p:cNvPr>
+          <p:cNvPicPr>
+            <a:picLocks noChangeAspect="1"/>
+          </p:cNvPicPr>
+          <p:nvPr/>
+        </p:nvPicPr>
+        <p:blipFill>
+          <a:blip r:embed="rId4"/>
+          <a:stretch>
+            <a:fillRect/>
+          </a:stretch>
+        </p:blipFill>
+        <p:spPr>
+          <a:xfrm>
+            <a:off x="6620124" y="1876467"/>
+            <a:ext cx="5161450" cy="2716553"/>
+          </a:xfrm>
+          <a:prstGeom prst="rect">
+            <a:avLst/>
+          </a:prstGeom>
+        </p:spPr>
+      </p:pic>
     </p:spTree>
     <p:extLst>
       <p:ext uri="{BB962C8B-B14F-4D97-AF65-F5344CB8AC3E}">
-        <p14:creationId xmlns:p14="http://schemas.microsoft.com/office/powerpoint/2010/main" val="3756774165"/>
+        <p14:creationId xmlns:p14="http://schemas.microsoft.com/office/powerpoint/2010/main" val="4268726035"/>
       </p:ext>
     </p:extLst>
   </p:cSld>
@@ -20163,7 +20717,7 @@
                 <a:ea typeface="Verdana" panose="020B0604030504040204" pitchFamily="34" charset="0"/>
                 <a:cs typeface="+mj-cs"/>
               </a:rPr>
-              <a:t>Conclusion</a:t>
+              <a:t>Results and Evaluation</a:t>
             </a:r>
           </a:p>
         </p:txBody>
@@ -20398,9 +20952,7 @@
             <a:avLst/>
           </a:prstGeom>
           <a:solidFill>
-            <a:schemeClr val="bg1">
-              <a:lumMod val="75000"/>
-            </a:schemeClr>
+            <a:srgbClr val="9E2946"/>
           </a:solidFill>
           <a:ln>
             <a:noFill/>
@@ -20452,178 +21004,6 @@
         <p:spPr>
           <a:xfrm>
             <a:off x="10427407" y="285726"/>
-            <a:ext cx="1352550" cy="390525"/>
-          </a:xfrm>
-          <a:prstGeom prst="roundRect">
-            <a:avLst/>
-          </a:prstGeom>
-          <a:solidFill>
-            <a:srgbClr val="9E2946"/>
-          </a:solidFill>
-          <a:ln>
-            <a:noFill/>
-          </a:ln>
-        </p:spPr>
-        <p:style>
-          <a:lnRef idx="2">
-            <a:schemeClr val="accent1">
-              <a:shade val="50000"/>
-            </a:schemeClr>
-          </a:lnRef>
-          <a:fillRef idx="1">
-            <a:schemeClr val="accent1"/>
-          </a:fillRef>
-          <a:effectRef idx="0">
-            <a:schemeClr val="accent1"/>
-          </a:effectRef>
-          <a:fontRef idx="minor">
-            <a:schemeClr val="lt1"/>
-          </a:fontRef>
-        </p:style>
-        <p:txBody>
-          <a:bodyPr rtlCol="0" anchor="ctr"/>
-          <a:lstStyle/>
-          <a:p>
-            <a:pPr algn="ctr"/>
-            <a:r>
-              <a:rPr lang="en-US" sz="1000" dirty="0">
-                <a:latin typeface="Verdana" panose="020B0604030504040204" pitchFamily="34" charset="0"/>
-                <a:ea typeface="Verdana" panose="020B0604030504040204" pitchFamily="34" charset="0"/>
-              </a:rPr>
-              <a:t>Conclusion</a:t>
-            </a:r>
-          </a:p>
-        </p:txBody>
-      </p:sp>
-      <p:pic>
-        <p:nvPicPr>
-          <p:cNvPr id="15" name="Picture 14">
-            <a:extLst>
-              <a:ext uri="{FF2B5EF4-FFF2-40B4-BE49-F238E27FC236}">
-                <a16:creationId xmlns:a16="http://schemas.microsoft.com/office/drawing/2014/main" id="{59A5F746-0E95-4CB3-A1F8-8161B70AD447}"/>
-              </a:ext>
-            </a:extLst>
-          </p:cNvPr>
-          <p:cNvPicPr>
-            <a:picLocks noChangeAspect="1"/>
-          </p:cNvPicPr>
-          <p:nvPr/>
-        </p:nvPicPr>
-        <p:blipFill>
-          <a:blip r:embed="rId3"/>
-          <a:stretch>
-            <a:fillRect/>
-          </a:stretch>
-        </p:blipFill>
-        <p:spPr>
-          <a:xfrm>
-            <a:off x="261546" y="6238912"/>
-            <a:ext cx="1885714" cy="600000"/>
-          </a:xfrm>
-          <a:prstGeom prst="rect">
-            <a:avLst/>
-          </a:prstGeom>
-        </p:spPr>
-      </p:pic>
-      <p:sp>
-        <p:nvSpPr>
-          <p:cNvPr id="16" name="TextBox 15">
-            <a:extLst>
-              <a:ext uri="{FF2B5EF4-FFF2-40B4-BE49-F238E27FC236}">
-                <a16:creationId xmlns:a16="http://schemas.microsoft.com/office/drawing/2014/main" id="{9E214889-36FA-4860-B127-89940829984A}"/>
-              </a:ext>
-            </a:extLst>
-          </p:cNvPr>
-          <p:cNvSpPr txBox="1"/>
-          <p:nvPr/>
-        </p:nvSpPr>
-        <p:spPr>
-          <a:xfrm>
-            <a:off x="261546" y="1550245"/>
-            <a:ext cx="11391877" cy="1815882"/>
-          </a:xfrm>
-          <a:prstGeom prst="rect">
-            <a:avLst/>
-          </a:prstGeom>
-          <a:noFill/>
-        </p:spPr>
-        <p:txBody>
-          <a:bodyPr wrap="square">
-            <a:spAutoFit/>
-          </a:bodyPr>
-          <a:lstStyle/>
-          <a:p>
-            <a:pPr marL="800100" lvl="1" indent="-342900">
-              <a:buFont typeface="+mj-lt"/>
-              <a:buAutoNum type="arabicPeriod"/>
-            </a:pPr>
-            <a:r>
-              <a:rPr lang="en-US" sz="1600" dirty="0">
-                <a:solidFill>
-                  <a:srgbClr val="374151"/>
-                </a:solidFill>
-                <a:latin typeface="Verdana" panose="020B0604030504040204" pitchFamily="34" charset="0"/>
-                <a:ea typeface="Verdana" panose="020B0604030504040204" pitchFamily="34" charset="0"/>
-              </a:rPr>
-              <a:t>Using Logistic Regression, we were able to infer the industry classification with 80% accuracy from PitchBook descriptions</a:t>
-            </a:r>
-            <a:endParaRPr lang="en-US" sz="2000" dirty="0">
-              <a:solidFill>
-                <a:srgbClr val="374151"/>
-              </a:solidFill>
-              <a:latin typeface="Verdana" panose="020B0604030504040204" pitchFamily="34" charset="0"/>
-              <a:ea typeface="Verdana" panose="020B0604030504040204" pitchFamily="34" charset="0"/>
-            </a:endParaRPr>
-          </a:p>
-          <a:p>
-            <a:pPr marL="800100" lvl="1" indent="-342900">
-              <a:buFont typeface="+mj-lt"/>
-              <a:buAutoNum type="arabicPeriod"/>
-            </a:pPr>
-            <a:r>
-              <a:rPr lang="en-US" sz="1600" dirty="0">
-                <a:solidFill>
-                  <a:srgbClr val="374151"/>
-                </a:solidFill>
-                <a:latin typeface="Verdana" panose="020B0604030504040204" pitchFamily="34" charset="0"/>
-                <a:ea typeface="Verdana" panose="020B0604030504040204" pitchFamily="34" charset="0"/>
-              </a:rPr>
-              <a:t>We can go further with predicting sector and sub-sector labeling as shown below based on inputs from industry classification and using Sentence transformers and Logistic Regression</a:t>
-            </a:r>
-          </a:p>
-          <a:p>
-            <a:pPr marL="800100" lvl="1" indent="-342900">
-              <a:buFont typeface="+mj-lt"/>
-              <a:buAutoNum type="arabicPeriod"/>
-            </a:pPr>
-            <a:r>
-              <a:rPr lang="en-US" sz="1600" dirty="0">
-                <a:solidFill>
-                  <a:srgbClr val="374151"/>
-                </a:solidFill>
-                <a:latin typeface="Verdana" panose="020B0604030504040204" pitchFamily="34" charset="0"/>
-                <a:ea typeface="Verdana" panose="020B0604030504040204" pitchFamily="34" charset="0"/>
-              </a:rPr>
-              <a:t>Overall, industry classification from PitchBook data using Logistic Regression can provide business users in Investment Banking with valuable insights and decision support, helping them to source deals, value companies, conduct market research, and manage their portfolios effectively</a:t>
-            </a:r>
-          </a:p>
-        </p:txBody>
-      </p:sp>
-      <p:sp>
-        <p:nvSpPr>
-          <p:cNvPr id="17" name="Rectangle: Rounded Corners 16">
-            <a:extLst>
-              <a:ext uri="{FF2B5EF4-FFF2-40B4-BE49-F238E27FC236}">
-                <a16:creationId xmlns:a16="http://schemas.microsoft.com/office/drawing/2014/main" id="{11E8B7EC-C732-4D27-8B97-2DEFD2F3548E}"/>
-              </a:ext>
-            </a:extLst>
-          </p:cNvPr>
-          <p:cNvSpPr/>
-          <p:nvPr/>
-        </p:nvSpPr>
-        <p:spPr>
-          <a:xfrm>
-            <a:off x="3363037" y="294893"/>
             <a:ext cx="1352550" cy="390525"/>
           </a:xfrm>
           <a:prstGeom prst="roundRect">
@@ -20664,17 +21044,254 @@
                 <a:latin typeface="Verdana" panose="020B0604030504040204" pitchFamily="34" charset="0"/>
                 <a:ea typeface="Verdana" panose="020B0604030504040204" pitchFamily="34" charset="0"/>
               </a:rPr>
-              <a:t>Project Overview</a:t>
+              <a:t>Conclusion</a:t>
             </a:r>
           </a:p>
         </p:txBody>
       </p:sp>
       <p:pic>
         <p:nvPicPr>
-          <p:cNvPr id="4" name="Picture 3">
-            <a:extLst>
-              <a:ext uri="{FF2B5EF4-FFF2-40B4-BE49-F238E27FC236}">
-                <a16:creationId xmlns:a16="http://schemas.microsoft.com/office/drawing/2014/main" id="{ED0825DF-4E06-46F9-A9F8-EE9235861C09}"/>
+          <p:cNvPr id="15" name="Picture 14">
+            <a:extLst>
+              <a:ext uri="{FF2B5EF4-FFF2-40B4-BE49-F238E27FC236}">
+                <a16:creationId xmlns:a16="http://schemas.microsoft.com/office/drawing/2014/main" id="{59A5F746-0E95-4CB3-A1F8-8161B70AD447}"/>
+              </a:ext>
+            </a:extLst>
+          </p:cNvPr>
+          <p:cNvPicPr>
+            <a:picLocks noChangeAspect="1"/>
+          </p:cNvPicPr>
+          <p:nvPr/>
+        </p:nvPicPr>
+        <p:blipFill>
+          <a:blip r:embed="rId3"/>
+          <a:stretch>
+            <a:fillRect/>
+          </a:stretch>
+        </p:blipFill>
+        <p:spPr>
+          <a:xfrm>
+            <a:off x="261546" y="6238912"/>
+            <a:ext cx="1885714" cy="600000"/>
+          </a:xfrm>
+          <a:prstGeom prst="rect">
+            <a:avLst/>
+          </a:prstGeom>
+        </p:spPr>
+      </p:pic>
+      <p:sp>
+        <p:nvSpPr>
+          <p:cNvPr id="16" name="Rectangle: Rounded Corners 15">
+            <a:extLst>
+              <a:ext uri="{FF2B5EF4-FFF2-40B4-BE49-F238E27FC236}">
+                <a16:creationId xmlns:a16="http://schemas.microsoft.com/office/drawing/2014/main" id="{A7BA931D-AAC3-4AFD-A805-9E4193B8964F}"/>
+              </a:ext>
+            </a:extLst>
+          </p:cNvPr>
+          <p:cNvSpPr/>
+          <p:nvPr/>
+        </p:nvSpPr>
+        <p:spPr>
+          <a:xfrm>
+            <a:off x="3363037" y="294893"/>
+            <a:ext cx="1352550" cy="390525"/>
+          </a:xfrm>
+          <a:prstGeom prst="roundRect">
+            <a:avLst/>
+          </a:prstGeom>
+          <a:solidFill>
+            <a:schemeClr val="bg1">
+              <a:lumMod val="75000"/>
+            </a:schemeClr>
+          </a:solidFill>
+          <a:ln>
+            <a:noFill/>
+          </a:ln>
+        </p:spPr>
+        <p:style>
+          <a:lnRef idx="2">
+            <a:schemeClr val="accent1">
+              <a:shade val="50000"/>
+            </a:schemeClr>
+          </a:lnRef>
+          <a:fillRef idx="1">
+            <a:schemeClr val="accent1"/>
+          </a:fillRef>
+          <a:effectRef idx="0">
+            <a:schemeClr val="accent1"/>
+          </a:effectRef>
+          <a:fontRef idx="minor">
+            <a:schemeClr val="lt1"/>
+          </a:fontRef>
+        </p:style>
+        <p:txBody>
+          <a:bodyPr rtlCol="0" anchor="ctr"/>
+          <a:lstStyle/>
+          <a:p>
+            <a:pPr algn="ctr"/>
+            <a:r>
+              <a:rPr lang="en-US" sz="1000" dirty="0">
+                <a:latin typeface="Verdana" panose="020B0604030504040204" pitchFamily="34" charset="0"/>
+                <a:ea typeface="Verdana" panose="020B0604030504040204" pitchFamily="34" charset="0"/>
+              </a:rPr>
+              <a:t>Project Overview</a:t>
+            </a:r>
+          </a:p>
+        </p:txBody>
+      </p:sp>
+      <p:sp>
+        <p:nvSpPr>
+          <p:cNvPr id="4" name="TextBox 3">
+            <a:extLst>
+              <a:ext uri="{FF2B5EF4-FFF2-40B4-BE49-F238E27FC236}">
+                <a16:creationId xmlns:a16="http://schemas.microsoft.com/office/drawing/2014/main" id="{7B8F37D7-894F-6AD9-E54B-A2FC5E0BEC28}"/>
+              </a:ext>
+            </a:extLst>
+          </p:cNvPr>
+          <p:cNvSpPr txBox="1"/>
+          <p:nvPr/>
+        </p:nvSpPr>
+        <p:spPr>
+          <a:xfrm>
+            <a:off x="261546" y="1495839"/>
+            <a:ext cx="5782385" cy="2800767"/>
+          </a:xfrm>
+          <a:prstGeom prst="rect">
+            <a:avLst/>
+          </a:prstGeom>
+          <a:noFill/>
+        </p:spPr>
+        <p:txBody>
+          <a:bodyPr wrap="square">
+            <a:spAutoFit/>
+          </a:bodyPr>
+          <a:lstStyle/>
+          <a:p>
+            <a:pPr algn="just"/>
+            <a:r>
+              <a:rPr lang="en-NG" sz="1600" dirty="0">
+                <a:solidFill>
+                  <a:schemeClr val="tx2"/>
+                </a:solidFill>
+                <a:latin typeface="Verdana" panose="020B0604030504040204" pitchFamily="34" charset="0"/>
+                <a:ea typeface="Verdana" panose="020B0604030504040204" pitchFamily="34" charset="0"/>
+                <a:cs typeface="Verdana" panose="020B0604030504040204" pitchFamily="34" charset="0"/>
+              </a:rPr>
+              <a:t>As shown from the confusion matrix we can see the counts for the true positives i.e correct predictions is high </a:t>
+            </a:r>
+            <a:r>
+              <a:rPr lang="en-US" sz="1600" dirty="0">
+                <a:solidFill>
+                  <a:schemeClr val="tx2"/>
+                </a:solidFill>
+                <a:latin typeface="Verdana" panose="020B0604030504040204" pitchFamily="34" charset="0"/>
+                <a:ea typeface="Verdana" panose="020B0604030504040204" pitchFamily="34" charset="0"/>
+                <a:cs typeface="Verdana" panose="020B0604030504040204" pitchFamily="34" charset="0"/>
+              </a:rPr>
+              <a:t>compared to the counts of </a:t>
+            </a:r>
+            <a:r>
+              <a:rPr lang="en-NG" sz="1600" dirty="0">
+                <a:solidFill>
+                  <a:schemeClr val="tx2"/>
+                </a:solidFill>
+                <a:latin typeface="Verdana" panose="020B0604030504040204" pitchFamily="34" charset="0"/>
+                <a:ea typeface="Verdana" panose="020B0604030504040204" pitchFamily="34" charset="0"/>
+                <a:cs typeface="Verdana" panose="020B0604030504040204" pitchFamily="34" charset="0"/>
+              </a:rPr>
+              <a:t>the wrong predictions given a sector for the different sectors.</a:t>
+            </a:r>
+          </a:p>
+          <a:p>
+            <a:pPr algn="just"/>
+            <a:endParaRPr lang="en-NG" sz="1600" dirty="0">
+              <a:solidFill>
+                <a:schemeClr val="tx2"/>
+              </a:solidFill>
+              <a:latin typeface="Verdana" panose="020B0604030504040204" pitchFamily="34" charset="0"/>
+              <a:ea typeface="Verdana" panose="020B0604030504040204" pitchFamily="34" charset="0"/>
+              <a:cs typeface="Verdana" panose="020B0604030504040204" pitchFamily="34" charset="0"/>
+            </a:endParaRPr>
+          </a:p>
+          <a:p>
+            <a:pPr algn="just"/>
+            <a:r>
+              <a:rPr lang="en-NG" sz="1600" dirty="0">
+                <a:solidFill>
+                  <a:schemeClr val="tx2"/>
+                </a:solidFill>
+                <a:latin typeface="Verdana" panose="020B0604030504040204" pitchFamily="34" charset="0"/>
+                <a:ea typeface="Verdana" panose="020B0604030504040204" pitchFamily="34" charset="0"/>
+                <a:cs typeface="Verdana" panose="020B0604030504040204" pitchFamily="34" charset="0"/>
+              </a:rPr>
+              <a:t>Most of the wrong </a:t>
+            </a:r>
+            <a:r>
+              <a:rPr lang="en-NG" sz="1600" dirty="0">
+                <a:solidFill>
+                  <a:srgbClr val="374151"/>
+                </a:solidFill>
+                <a:latin typeface="Verdana" panose="020B0604030504040204" pitchFamily="34" charset="0"/>
+                <a:ea typeface="Verdana" panose="020B0604030504040204" pitchFamily="34" charset="0"/>
+              </a:rPr>
+              <a:t>predictions</a:t>
+            </a:r>
+            <a:r>
+              <a:rPr lang="en-NG" sz="1600" dirty="0">
+                <a:solidFill>
+                  <a:schemeClr val="tx2"/>
+                </a:solidFill>
+                <a:latin typeface="Verdana" panose="020B0604030504040204" pitchFamily="34" charset="0"/>
+                <a:ea typeface="Verdana" panose="020B0604030504040204" pitchFamily="34" charset="0"/>
+                <a:cs typeface="Verdana" panose="020B0604030504040204" pitchFamily="34" charset="0"/>
+              </a:rPr>
+              <a:t> for all the variables were classified as Technology while other variables were least likely to be predicted as ADGS.</a:t>
+            </a:r>
+          </a:p>
+          <a:p>
+            <a:pPr algn="just"/>
+            <a:endParaRPr lang="en-NG" sz="1600" dirty="0">
+              <a:solidFill>
+                <a:schemeClr val="tx2"/>
+              </a:solidFill>
+              <a:latin typeface="Verdana" panose="020B0604030504040204" pitchFamily="34" charset="0"/>
+              <a:ea typeface="Verdana" panose="020B0604030504040204" pitchFamily="34" charset="0"/>
+              <a:cs typeface="Verdana" panose="020B0604030504040204" pitchFamily="34" charset="0"/>
+            </a:endParaRPr>
+          </a:p>
+          <a:p>
+            <a:pPr algn="just"/>
+            <a:r>
+              <a:rPr lang="en-US" sz="1600" dirty="0">
+                <a:solidFill>
+                  <a:schemeClr val="tx2"/>
+                </a:solidFill>
+                <a:latin typeface="Verdana" panose="020B0604030504040204" pitchFamily="34" charset="0"/>
+                <a:ea typeface="Verdana" panose="020B0604030504040204" pitchFamily="34" charset="0"/>
+                <a:cs typeface="Verdana" panose="020B0604030504040204" pitchFamily="34" charset="0"/>
+              </a:rPr>
+              <a:t>Overall,</a:t>
+            </a:r>
+            <a:r>
+              <a:rPr lang="en-NG" sz="1600" dirty="0">
+                <a:solidFill>
+                  <a:schemeClr val="tx2"/>
+                </a:solidFill>
+                <a:latin typeface="Verdana" panose="020B0604030504040204" pitchFamily="34" charset="0"/>
+                <a:ea typeface="Verdana" panose="020B0604030504040204" pitchFamily="34" charset="0"/>
+                <a:cs typeface="Verdana" panose="020B0604030504040204" pitchFamily="34" charset="0"/>
+              </a:rPr>
+              <a:t> our model performed well as shown from the different metrics but can be improved upon.</a:t>
+            </a:r>
+          </a:p>
+        </p:txBody>
+      </p:sp>
+      <p:pic>
+        <p:nvPicPr>
+          <p:cNvPr id="6" name="Picture 5">
+            <a:extLst>
+              <a:ext uri="{FF2B5EF4-FFF2-40B4-BE49-F238E27FC236}">
+                <a16:creationId xmlns:a16="http://schemas.microsoft.com/office/drawing/2014/main" id="{519ECB8F-193F-4BAE-B581-FE4F4BEE1811}"/>
               </a:ext>
             </a:extLst>
           </p:cNvPr>
@@ -20691,8 +21308,8 @@
         </p:blipFill>
         <p:spPr>
           <a:xfrm>
-            <a:off x="6865060" y="3545644"/>
-            <a:ext cx="3722544" cy="2920145"/>
+            <a:off x="6322144" y="1349292"/>
+            <a:ext cx="5435510" cy="5383182"/>
           </a:xfrm>
           <a:prstGeom prst="rect">
             <a:avLst/>
@@ -20702,7 +21319,667 @@
     </p:spTree>
     <p:extLst>
       <p:ext uri="{BB962C8B-B14F-4D97-AF65-F5344CB8AC3E}">
-        <p14:creationId xmlns:p14="http://schemas.microsoft.com/office/powerpoint/2010/main" val="1778845116"/>
+        <p14:creationId xmlns:p14="http://schemas.microsoft.com/office/powerpoint/2010/main" val="3945763353"/>
+      </p:ext>
+    </p:extLst>
+  </p:cSld>
+  <p:clrMapOvr>
+    <a:masterClrMapping/>
+  </p:clrMapOvr>
+</p:sld>
+</file>
+
+<file path=ppt/slides/slide19.xml><?xml version="1.0" encoding="utf-8"?>
+<p:sld xmlns:a="http://schemas.openxmlformats.org/drawingml/2006/main" xmlns:r="http://schemas.openxmlformats.org/officeDocument/2006/relationships" xmlns:p="http://schemas.openxmlformats.org/presentationml/2006/main">
+  <p:cSld>
+    <p:spTree>
+      <p:nvGrpSpPr>
+        <p:cNvPr id="1" name=""/>
+        <p:cNvGrpSpPr/>
+        <p:nvPr/>
+      </p:nvGrpSpPr>
+      <p:grpSpPr>
+        <a:xfrm>
+          <a:off x="0" y="0"/>
+          <a:ext cx="0" cy="0"/>
+          <a:chOff x="0" y="0"/>
+          <a:chExt cx="0" cy="0"/>
+        </a:xfrm>
+      </p:grpSpPr>
+      <p:sp>
+        <p:nvSpPr>
+          <p:cNvPr id="76" name="Title 1">
+            <a:extLst>
+              <a:ext uri="{FF2B5EF4-FFF2-40B4-BE49-F238E27FC236}">
+                <a16:creationId xmlns:a16="http://schemas.microsoft.com/office/drawing/2014/main" id="{77C709C5-536F-43E0-8949-0992532DEB8C}"/>
+              </a:ext>
+            </a:extLst>
+          </p:cNvPr>
+          <p:cNvSpPr>
+            <a:spLocks noGrp="1"/>
+          </p:cNvSpPr>
+          <p:nvPr>
+            <p:ph type="title"/>
+          </p:nvPr>
+        </p:nvSpPr>
+        <p:spPr>
+          <a:xfrm>
+            <a:off x="-227150" y="392211"/>
+            <a:ext cx="10515600" cy="817723"/>
+          </a:xfrm>
+        </p:spPr>
+        <p:txBody>
+          <a:bodyPr>
+            <a:normAutofit/>
+          </a:bodyPr>
+          <a:lstStyle/>
+          <a:p>
+            <a:pPr marL="457200" lvl="1">
+              <a:lnSpc>
+                <a:spcPct val="150000"/>
+              </a:lnSpc>
+            </a:pPr>
+            <a:r>
+              <a:rPr lang="en-US" sz="2400" b="1" kern="1200" dirty="0">
+                <a:solidFill>
+                  <a:srgbClr val="9E2946"/>
+                </a:solidFill>
+                <a:latin typeface="Verdana" panose="020B0604030504040204" pitchFamily="34" charset="0"/>
+                <a:ea typeface="Verdana" panose="020B0604030504040204" pitchFamily="34" charset="0"/>
+                <a:cs typeface="+mj-cs"/>
+              </a:rPr>
+              <a:t>Inferencing Pitchbook Industry Classification</a:t>
+            </a:r>
+          </a:p>
+        </p:txBody>
+      </p:sp>
+      <p:sp>
+        <p:nvSpPr>
+          <p:cNvPr id="3" name="Slide Number Placeholder 2">
+            <a:extLst>
+              <a:ext uri="{FF2B5EF4-FFF2-40B4-BE49-F238E27FC236}">
+                <a16:creationId xmlns:a16="http://schemas.microsoft.com/office/drawing/2014/main" id="{26DF549E-0929-4558-B72A-C49F4959F13A}"/>
+              </a:ext>
+            </a:extLst>
+          </p:cNvPr>
+          <p:cNvSpPr>
+            <a:spLocks noGrp="1"/>
+          </p:cNvSpPr>
+          <p:nvPr>
+            <p:ph type="sldNum" sz="quarter" idx="12"/>
+          </p:nvPr>
+        </p:nvSpPr>
+        <p:spPr/>
+        <p:txBody>
+          <a:bodyPr/>
+          <a:lstStyle/>
+          <a:p>
+            <a:fld id="{CE94D1BC-D86E-4D7F-8F02-7A51C792EE04}" type="slidenum">
+              <a:rPr lang="en-US" smtClean="0"/>
+              <a:t>19</a:t>
+            </a:fld>
+            <a:endParaRPr lang="en-US"/>
+          </a:p>
+        </p:txBody>
+      </p:sp>
+      <p:sp>
+        <p:nvSpPr>
+          <p:cNvPr id="8" name="Rectangle: Rounded Corners 7">
+            <a:extLst>
+              <a:ext uri="{FF2B5EF4-FFF2-40B4-BE49-F238E27FC236}">
+                <a16:creationId xmlns:a16="http://schemas.microsoft.com/office/drawing/2014/main" id="{A94466D1-B61C-4EF1-908E-89E940596724}"/>
+              </a:ext>
+            </a:extLst>
+          </p:cNvPr>
+          <p:cNvSpPr/>
+          <p:nvPr/>
+        </p:nvSpPr>
+        <p:spPr>
+          <a:xfrm>
+            <a:off x="4775911" y="285726"/>
+            <a:ext cx="1352550" cy="390525"/>
+          </a:xfrm>
+          <a:prstGeom prst="roundRect">
+            <a:avLst/>
+          </a:prstGeom>
+          <a:solidFill>
+            <a:schemeClr val="bg1">
+              <a:lumMod val="75000"/>
+            </a:schemeClr>
+          </a:solidFill>
+          <a:ln>
+            <a:noFill/>
+          </a:ln>
+        </p:spPr>
+        <p:style>
+          <a:lnRef idx="2">
+            <a:schemeClr val="accent1">
+              <a:shade val="50000"/>
+            </a:schemeClr>
+          </a:lnRef>
+          <a:fillRef idx="1">
+            <a:schemeClr val="accent1"/>
+          </a:fillRef>
+          <a:effectRef idx="0">
+            <a:schemeClr val="accent1"/>
+          </a:effectRef>
+          <a:fontRef idx="minor">
+            <a:schemeClr val="lt1"/>
+          </a:fontRef>
+        </p:style>
+        <p:txBody>
+          <a:bodyPr rtlCol="0" anchor="ctr"/>
+          <a:lstStyle/>
+          <a:p>
+            <a:pPr algn="ctr"/>
+            <a:r>
+              <a:rPr lang="en-US" sz="1000" dirty="0">
+                <a:latin typeface="Verdana" panose="020B0604030504040204" pitchFamily="34" charset="0"/>
+                <a:ea typeface="Verdana" panose="020B0604030504040204" pitchFamily="34" charset="0"/>
+              </a:rPr>
+              <a:t>Background</a:t>
+            </a:r>
+          </a:p>
+        </p:txBody>
+      </p:sp>
+      <p:sp>
+        <p:nvSpPr>
+          <p:cNvPr id="10" name="Rectangle: Rounded Corners 9">
+            <a:extLst>
+              <a:ext uri="{FF2B5EF4-FFF2-40B4-BE49-F238E27FC236}">
+                <a16:creationId xmlns:a16="http://schemas.microsoft.com/office/drawing/2014/main" id="{D0CF06AE-5C66-40BE-AF92-C9254A0C3FD7}"/>
+              </a:ext>
+            </a:extLst>
+          </p:cNvPr>
+          <p:cNvSpPr/>
+          <p:nvPr/>
+        </p:nvSpPr>
+        <p:spPr>
+          <a:xfrm>
+            <a:off x="6188785" y="285727"/>
+            <a:ext cx="1352550" cy="390525"/>
+          </a:xfrm>
+          <a:prstGeom prst="roundRect">
+            <a:avLst/>
+          </a:prstGeom>
+          <a:solidFill>
+            <a:schemeClr val="bg1">
+              <a:lumMod val="75000"/>
+            </a:schemeClr>
+          </a:solidFill>
+          <a:ln>
+            <a:noFill/>
+          </a:ln>
+        </p:spPr>
+        <p:style>
+          <a:lnRef idx="2">
+            <a:schemeClr val="accent1">
+              <a:shade val="50000"/>
+            </a:schemeClr>
+          </a:lnRef>
+          <a:fillRef idx="1">
+            <a:schemeClr val="accent1"/>
+          </a:fillRef>
+          <a:effectRef idx="0">
+            <a:schemeClr val="accent1"/>
+          </a:effectRef>
+          <a:fontRef idx="minor">
+            <a:schemeClr val="lt1"/>
+          </a:fontRef>
+        </p:style>
+        <p:txBody>
+          <a:bodyPr rtlCol="0" anchor="ctr"/>
+          <a:lstStyle/>
+          <a:p>
+            <a:pPr algn="ctr"/>
+            <a:r>
+              <a:rPr lang="en-US" sz="1000" dirty="0">
+                <a:latin typeface="Verdana" panose="020B0604030504040204" pitchFamily="34" charset="0"/>
+                <a:ea typeface="Verdana" panose="020B0604030504040204" pitchFamily="34" charset="0"/>
+              </a:rPr>
+              <a:t>Architecture</a:t>
+            </a:r>
+          </a:p>
+        </p:txBody>
+      </p:sp>
+      <p:sp>
+        <p:nvSpPr>
+          <p:cNvPr id="11" name="Rectangle: Rounded Corners 10">
+            <a:extLst>
+              <a:ext uri="{FF2B5EF4-FFF2-40B4-BE49-F238E27FC236}">
+                <a16:creationId xmlns:a16="http://schemas.microsoft.com/office/drawing/2014/main" id="{9B2AA2F4-54FD-4548-A211-ABBC31F90EE6}"/>
+              </a:ext>
+            </a:extLst>
+          </p:cNvPr>
+          <p:cNvSpPr/>
+          <p:nvPr/>
+        </p:nvSpPr>
+        <p:spPr>
+          <a:xfrm>
+            <a:off x="7601659" y="285726"/>
+            <a:ext cx="1352550" cy="390525"/>
+          </a:xfrm>
+          <a:prstGeom prst="roundRect">
+            <a:avLst/>
+          </a:prstGeom>
+          <a:solidFill>
+            <a:schemeClr val="bg1">
+              <a:lumMod val="75000"/>
+            </a:schemeClr>
+          </a:solidFill>
+          <a:ln>
+            <a:noFill/>
+          </a:ln>
+        </p:spPr>
+        <p:style>
+          <a:lnRef idx="2">
+            <a:schemeClr val="accent1">
+              <a:shade val="50000"/>
+            </a:schemeClr>
+          </a:lnRef>
+          <a:fillRef idx="1">
+            <a:schemeClr val="accent1"/>
+          </a:fillRef>
+          <a:effectRef idx="0">
+            <a:schemeClr val="accent1"/>
+          </a:effectRef>
+          <a:fontRef idx="minor">
+            <a:schemeClr val="lt1"/>
+          </a:fontRef>
+        </p:style>
+        <p:txBody>
+          <a:bodyPr rtlCol="0" anchor="ctr"/>
+          <a:lstStyle/>
+          <a:p>
+            <a:pPr algn="ctr"/>
+            <a:r>
+              <a:rPr lang="en-US" sz="1000" dirty="0">
+                <a:latin typeface="Verdana" panose="020B0604030504040204" pitchFamily="34" charset="0"/>
+                <a:ea typeface="Verdana" panose="020B0604030504040204" pitchFamily="34" charset="0"/>
+              </a:rPr>
+              <a:t>Methodology</a:t>
+            </a:r>
+          </a:p>
+        </p:txBody>
+      </p:sp>
+      <p:sp>
+        <p:nvSpPr>
+          <p:cNvPr id="12" name="Rectangle: Rounded Corners 11">
+            <a:extLst>
+              <a:ext uri="{FF2B5EF4-FFF2-40B4-BE49-F238E27FC236}">
+                <a16:creationId xmlns:a16="http://schemas.microsoft.com/office/drawing/2014/main" id="{E7FD3417-382B-42E9-8B4D-A235C22130CA}"/>
+              </a:ext>
+            </a:extLst>
+          </p:cNvPr>
+          <p:cNvSpPr/>
+          <p:nvPr/>
+        </p:nvSpPr>
+        <p:spPr>
+          <a:xfrm>
+            <a:off x="9014533" y="285726"/>
+            <a:ext cx="1352550" cy="390525"/>
+          </a:xfrm>
+          <a:prstGeom prst="roundRect">
+            <a:avLst/>
+          </a:prstGeom>
+          <a:solidFill>
+            <a:srgbClr val="9E2946"/>
+          </a:solidFill>
+          <a:ln>
+            <a:noFill/>
+          </a:ln>
+        </p:spPr>
+        <p:style>
+          <a:lnRef idx="2">
+            <a:schemeClr val="accent1">
+              <a:shade val="50000"/>
+            </a:schemeClr>
+          </a:lnRef>
+          <a:fillRef idx="1">
+            <a:schemeClr val="accent1"/>
+          </a:fillRef>
+          <a:effectRef idx="0">
+            <a:schemeClr val="accent1"/>
+          </a:effectRef>
+          <a:fontRef idx="minor">
+            <a:schemeClr val="lt1"/>
+          </a:fontRef>
+        </p:style>
+        <p:txBody>
+          <a:bodyPr rtlCol="0" anchor="ctr"/>
+          <a:lstStyle/>
+          <a:p>
+            <a:pPr algn="ctr"/>
+            <a:r>
+              <a:rPr lang="en-US" sz="1000" dirty="0">
+                <a:latin typeface="Verdana" panose="020B0604030504040204" pitchFamily="34" charset="0"/>
+                <a:ea typeface="Verdana" panose="020B0604030504040204" pitchFamily="34" charset="0"/>
+              </a:rPr>
+              <a:t>Outcome</a:t>
+            </a:r>
+          </a:p>
+        </p:txBody>
+      </p:sp>
+      <p:sp>
+        <p:nvSpPr>
+          <p:cNvPr id="14" name="Rectangle: Rounded Corners 13">
+            <a:extLst>
+              <a:ext uri="{FF2B5EF4-FFF2-40B4-BE49-F238E27FC236}">
+                <a16:creationId xmlns:a16="http://schemas.microsoft.com/office/drawing/2014/main" id="{66AC8B29-1893-4A94-9715-56E1E25E3B7A}"/>
+              </a:ext>
+            </a:extLst>
+          </p:cNvPr>
+          <p:cNvSpPr/>
+          <p:nvPr/>
+        </p:nvSpPr>
+        <p:spPr>
+          <a:xfrm>
+            <a:off x="10427407" y="285726"/>
+            <a:ext cx="1352550" cy="390525"/>
+          </a:xfrm>
+          <a:prstGeom prst="roundRect">
+            <a:avLst/>
+          </a:prstGeom>
+          <a:solidFill>
+            <a:schemeClr val="bg1">
+              <a:lumMod val="75000"/>
+            </a:schemeClr>
+          </a:solidFill>
+          <a:ln>
+            <a:noFill/>
+          </a:ln>
+        </p:spPr>
+        <p:style>
+          <a:lnRef idx="2">
+            <a:schemeClr val="accent1">
+              <a:shade val="50000"/>
+            </a:schemeClr>
+          </a:lnRef>
+          <a:fillRef idx="1">
+            <a:schemeClr val="accent1"/>
+          </a:fillRef>
+          <a:effectRef idx="0">
+            <a:schemeClr val="accent1"/>
+          </a:effectRef>
+          <a:fontRef idx="minor">
+            <a:schemeClr val="lt1"/>
+          </a:fontRef>
+        </p:style>
+        <p:txBody>
+          <a:bodyPr rtlCol="0" anchor="ctr"/>
+          <a:lstStyle/>
+          <a:p>
+            <a:pPr algn="ctr"/>
+            <a:r>
+              <a:rPr lang="en-US" sz="1000" dirty="0">
+                <a:latin typeface="Verdana" panose="020B0604030504040204" pitchFamily="34" charset="0"/>
+                <a:ea typeface="Verdana" panose="020B0604030504040204" pitchFamily="34" charset="0"/>
+              </a:rPr>
+              <a:t>Conclusion</a:t>
+            </a:r>
+          </a:p>
+        </p:txBody>
+      </p:sp>
+      <p:pic>
+        <p:nvPicPr>
+          <p:cNvPr id="15" name="Picture 14">
+            <a:extLst>
+              <a:ext uri="{FF2B5EF4-FFF2-40B4-BE49-F238E27FC236}">
+                <a16:creationId xmlns:a16="http://schemas.microsoft.com/office/drawing/2014/main" id="{59A5F746-0E95-4CB3-A1F8-8161B70AD447}"/>
+              </a:ext>
+            </a:extLst>
+          </p:cNvPr>
+          <p:cNvPicPr>
+            <a:picLocks noChangeAspect="1"/>
+          </p:cNvPicPr>
+          <p:nvPr/>
+        </p:nvPicPr>
+        <p:blipFill>
+          <a:blip r:embed="rId3"/>
+          <a:stretch>
+            <a:fillRect/>
+          </a:stretch>
+        </p:blipFill>
+        <p:spPr>
+          <a:xfrm>
+            <a:off x="261546" y="6238912"/>
+            <a:ext cx="1885714" cy="600000"/>
+          </a:xfrm>
+          <a:prstGeom prst="rect">
+            <a:avLst/>
+          </a:prstGeom>
+        </p:spPr>
+      </p:pic>
+      <p:sp>
+        <p:nvSpPr>
+          <p:cNvPr id="16" name="Rectangle: Rounded Corners 15">
+            <a:extLst>
+              <a:ext uri="{FF2B5EF4-FFF2-40B4-BE49-F238E27FC236}">
+                <a16:creationId xmlns:a16="http://schemas.microsoft.com/office/drawing/2014/main" id="{A7BA931D-AAC3-4AFD-A805-9E4193B8964F}"/>
+              </a:ext>
+            </a:extLst>
+          </p:cNvPr>
+          <p:cNvSpPr/>
+          <p:nvPr/>
+        </p:nvSpPr>
+        <p:spPr>
+          <a:xfrm>
+            <a:off x="3363037" y="294893"/>
+            <a:ext cx="1352550" cy="390525"/>
+          </a:xfrm>
+          <a:prstGeom prst="roundRect">
+            <a:avLst/>
+          </a:prstGeom>
+          <a:solidFill>
+            <a:schemeClr val="bg1">
+              <a:lumMod val="75000"/>
+            </a:schemeClr>
+          </a:solidFill>
+          <a:ln>
+            <a:noFill/>
+          </a:ln>
+        </p:spPr>
+        <p:style>
+          <a:lnRef idx="2">
+            <a:schemeClr val="accent1">
+              <a:shade val="50000"/>
+            </a:schemeClr>
+          </a:lnRef>
+          <a:fillRef idx="1">
+            <a:schemeClr val="accent1"/>
+          </a:fillRef>
+          <a:effectRef idx="0">
+            <a:schemeClr val="accent1"/>
+          </a:effectRef>
+          <a:fontRef idx="minor">
+            <a:schemeClr val="lt1"/>
+          </a:fontRef>
+        </p:style>
+        <p:txBody>
+          <a:bodyPr rtlCol="0" anchor="ctr"/>
+          <a:lstStyle/>
+          <a:p>
+            <a:pPr algn="ctr"/>
+            <a:r>
+              <a:rPr lang="en-US" sz="1000" dirty="0">
+                <a:latin typeface="Verdana" panose="020B0604030504040204" pitchFamily="34" charset="0"/>
+                <a:ea typeface="Verdana" panose="020B0604030504040204" pitchFamily="34" charset="0"/>
+              </a:rPr>
+              <a:t>Project Overview</a:t>
+            </a:r>
+          </a:p>
+        </p:txBody>
+      </p:sp>
+      <p:sp>
+        <p:nvSpPr>
+          <p:cNvPr id="4" name="TextBox 3">
+            <a:extLst>
+              <a:ext uri="{FF2B5EF4-FFF2-40B4-BE49-F238E27FC236}">
+                <a16:creationId xmlns:a16="http://schemas.microsoft.com/office/drawing/2014/main" id="{7B8F37D7-894F-6AD9-E54B-A2FC5E0BEC28}"/>
+              </a:ext>
+            </a:extLst>
+          </p:cNvPr>
+          <p:cNvSpPr txBox="1"/>
+          <p:nvPr/>
+        </p:nvSpPr>
+        <p:spPr>
+          <a:xfrm>
+            <a:off x="261546" y="1422269"/>
+            <a:ext cx="10658702" cy="1077218"/>
+          </a:xfrm>
+          <a:prstGeom prst="rect">
+            <a:avLst/>
+          </a:prstGeom>
+          <a:noFill/>
+        </p:spPr>
+        <p:txBody>
+          <a:bodyPr wrap="square">
+            <a:spAutoFit/>
+          </a:bodyPr>
+          <a:lstStyle/>
+          <a:p>
+            <a:pPr algn="just"/>
+            <a:r>
+              <a:rPr lang="en-US" sz="1600" dirty="0">
+                <a:solidFill>
+                  <a:schemeClr val="tx2"/>
+                </a:solidFill>
+                <a:latin typeface="Verdana" panose="020B0604030504040204" pitchFamily="34" charset="0"/>
+                <a:ea typeface="Verdana" panose="020B0604030504040204" pitchFamily="34" charset="0"/>
+                <a:cs typeface="Verdana" panose="020B0604030504040204" pitchFamily="34" charset="0"/>
+              </a:rPr>
+              <a:t>PitchBook data streamed real-time are preprocessed, feature engineered and inputted to inference model endpoint and the predicted industry classification are merged to Salesforce CRM as ‘</a:t>
+            </a:r>
+            <a:r>
+              <a:rPr lang="en-US" sz="1600" b="1" dirty="0" err="1">
+                <a:solidFill>
+                  <a:schemeClr val="tx2"/>
+                </a:solidFill>
+                <a:latin typeface="Verdana" panose="020B0604030504040204" pitchFamily="34" charset="0"/>
+                <a:ea typeface="Verdana" panose="020B0604030504040204" pitchFamily="34" charset="0"/>
+                <a:cs typeface="Verdana" panose="020B0604030504040204" pitchFamily="34" charset="0"/>
+              </a:rPr>
+              <a:t>Primary_Industry</a:t>
+            </a:r>
+            <a:r>
+              <a:rPr lang="en-US" sz="1600" dirty="0">
+                <a:solidFill>
+                  <a:schemeClr val="tx2"/>
+                </a:solidFill>
+                <a:latin typeface="Verdana" panose="020B0604030504040204" pitchFamily="34" charset="0"/>
+                <a:ea typeface="Verdana" panose="020B0604030504040204" pitchFamily="34" charset="0"/>
+                <a:cs typeface="Verdana" panose="020B0604030504040204" pitchFamily="34" charset="0"/>
+              </a:rPr>
+              <a:t>’ column</a:t>
+            </a:r>
+            <a:r>
+              <a:rPr lang="en-NG" sz="1600" dirty="0">
+                <a:solidFill>
+                  <a:schemeClr val="tx2"/>
+                </a:solidFill>
+                <a:latin typeface="Verdana" panose="020B0604030504040204" pitchFamily="34" charset="0"/>
+                <a:ea typeface="Verdana" panose="020B0604030504040204" pitchFamily="34" charset="0"/>
+                <a:cs typeface="Verdana" panose="020B0604030504040204" pitchFamily="34" charset="0"/>
+              </a:rPr>
+              <a:t>.</a:t>
+            </a:r>
+            <a:r>
+              <a:rPr lang="en-US" sz="1600" dirty="0">
+                <a:solidFill>
+                  <a:schemeClr val="tx2"/>
+                </a:solidFill>
+                <a:latin typeface="Verdana" panose="020B0604030504040204" pitchFamily="34" charset="0"/>
+                <a:ea typeface="Verdana" panose="020B0604030504040204" pitchFamily="34" charset="0"/>
+                <a:cs typeface="Verdana" panose="020B0604030504040204" pitchFamily="34" charset="0"/>
+              </a:rPr>
+              <a:t> Also, you can see how close the accuracy is with custom mapped industry label column </a:t>
+            </a:r>
+            <a:r>
+              <a:rPr lang="en-US" sz="1600" dirty="0">
+                <a:solidFill>
+                  <a:schemeClr val="tx2"/>
+                </a:solidFill>
+                <a:latin typeface="Verdana" panose="020B0604030504040204" pitchFamily="34" charset="0"/>
+                <a:ea typeface="Verdana" panose="020B0604030504040204" pitchFamily="34" charset="0"/>
+              </a:rPr>
+              <a:t>‘</a:t>
+            </a:r>
+            <a:r>
+              <a:rPr lang="en-US" sz="1600" b="1" dirty="0" err="1">
+                <a:solidFill>
+                  <a:schemeClr val="tx2"/>
+                </a:solidFill>
+                <a:latin typeface="Verdana" panose="020B0604030504040204" pitchFamily="34" charset="0"/>
+                <a:ea typeface="Verdana" panose="020B0604030504040204" pitchFamily="34" charset="0"/>
+              </a:rPr>
+              <a:t>Orginal_Industry_From_SF</a:t>
+            </a:r>
+            <a:r>
+              <a:rPr lang="en-US" sz="1600" dirty="0">
+                <a:solidFill>
+                  <a:schemeClr val="tx2"/>
+                </a:solidFill>
+                <a:latin typeface="Verdana" panose="020B0604030504040204" pitchFamily="34" charset="0"/>
+                <a:ea typeface="Verdana" panose="020B0604030504040204" pitchFamily="34" charset="0"/>
+              </a:rPr>
+              <a:t>’ </a:t>
+            </a:r>
+            <a:r>
+              <a:rPr lang="en-US" sz="1600" dirty="0">
+                <a:solidFill>
+                  <a:schemeClr val="tx2"/>
+                </a:solidFill>
+                <a:latin typeface="Verdana" panose="020B0604030504040204" pitchFamily="34" charset="0"/>
+                <a:ea typeface="Verdana" panose="020B0604030504040204" pitchFamily="34" charset="0"/>
+                <a:cs typeface="Verdana" panose="020B0604030504040204" pitchFamily="34" charset="0"/>
+              </a:rPr>
+              <a:t>in Salesforce</a:t>
+            </a:r>
+            <a:endParaRPr lang="en-NG" sz="1600" dirty="0">
+              <a:solidFill>
+                <a:schemeClr val="tx2"/>
+              </a:solidFill>
+              <a:latin typeface="Verdana" panose="020B0604030504040204" pitchFamily="34" charset="0"/>
+              <a:ea typeface="Verdana" panose="020B0604030504040204" pitchFamily="34" charset="0"/>
+              <a:cs typeface="Verdana" panose="020B0604030504040204" pitchFamily="34" charset="0"/>
+            </a:endParaRPr>
+          </a:p>
+        </p:txBody>
+      </p:sp>
+      <p:pic>
+        <p:nvPicPr>
+          <p:cNvPr id="5" name="Picture 4">
+            <a:extLst>
+              <a:ext uri="{FF2B5EF4-FFF2-40B4-BE49-F238E27FC236}">
+                <a16:creationId xmlns:a16="http://schemas.microsoft.com/office/drawing/2014/main" id="{0929BAF2-D404-4BB9-903F-C9FBDC1CC5AC}"/>
+              </a:ext>
+            </a:extLst>
+          </p:cNvPr>
+          <p:cNvPicPr>
+            <a:picLocks noChangeAspect="1"/>
+          </p:cNvPicPr>
+          <p:nvPr/>
+        </p:nvPicPr>
+        <p:blipFill>
+          <a:blip r:embed="rId4"/>
+          <a:stretch>
+            <a:fillRect/>
+          </a:stretch>
+        </p:blipFill>
+        <p:spPr>
+          <a:xfrm>
+            <a:off x="775412" y="2708102"/>
+            <a:ext cx="9695238" cy="3219048"/>
+          </a:xfrm>
+          <a:prstGeom prst="rect">
+            <a:avLst/>
+          </a:prstGeom>
+        </p:spPr>
+      </p:pic>
+    </p:spTree>
+    <p:extLst>
+      <p:ext uri="{BB962C8B-B14F-4D97-AF65-F5344CB8AC3E}">
+        <p14:creationId xmlns:p14="http://schemas.microsoft.com/office/powerpoint/2010/main" val="4243572511"/>
       </p:ext>
     </p:extLst>
   </p:cSld>
@@ -21067,6 +22344,614 @@
     <p:extLst>
       <p:ext uri="{BB962C8B-B14F-4D97-AF65-F5344CB8AC3E}">
         <p14:creationId xmlns:p14="http://schemas.microsoft.com/office/powerpoint/2010/main" val="3678782919"/>
+      </p:ext>
+    </p:extLst>
+  </p:cSld>
+  <p:clrMapOvr>
+    <a:masterClrMapping/>
+  </p:clrMapOvr>
+</p:sld>
+</file>
+
+<file path=ppt/slides/slide20.xml><?xml version="1.0" encoding="utf-8"?>
+<p:sld xmlns:a="http://schemas.openxmlformats.org/drawingml/2006/main" xmlns:r="http://schemas.openxmlformats.org/officeDocument/2006/relationships" xmlns:p="http://schemas.openxmlformats.org/presentationml/2006/main">
+  <p:cSld>
+    <p:spTree>
+      <p:nvGrpSpPr>
+        <p:cNvPr id="1" name=""/>
+        <p:cNvGrpSpPr/>
+        <p:nvPr/>
+      </p:nvGrpSpPr>
+      <p:grpSpPr>
+        <a:xfrm>
+          <a:off x="0" y="0"/>
+          <a:ext cx="0" cy="0"/>
+          <a:chOff x="0" y="0"/>
+          <a:chExt cx="0" cy="0"/>
+        </a:xfrm>
+      </p:grpSpPr>
+      <p:sp>
+        <p:nvSpPr>
+          <p:cNvPr id="76" name="Title 1">
+            <a:extLst>
+              <a:ext uri="{FF2B5EF4-FFF2-40B4-BE49-F238E27FC236}">
+                <a16:creationId xmlns:a16="http://schemas.microsoft.com/office/drawing/2014/main" id="{77C709C5-536F-43E0-8949-0992532DEB8C}"/>
+              </a:ext>
+            </a:extLst>
+          </p:cNvPr>
+          <p:cNvSpPr>
+            <a:spLocks noGrp="1"/>
+          </p:cNvSpPr>
+          <p:nvPr>
+            <p:ph type="title"/>
+          </p:nvPr>
+        </p:nvSpPr>
+        <p:spPr>
+          <a:xfrm>
+            <a:off x="-227150" y="392211"/>
+            <a:ext cx="10515600" cy="817723"/>
+          </a:xfrm>
+        </p:spPr>
+        <p:txBody>
+          <a:bodyPr>
+            <a:normAutofit/>
+          </a:bodyPr>
+          <a:lstStyle/>
+          <a:p>
+            <a:pPr marL="457200" lvl="1">
+              <a:lnSpc>
+                <a:spcPct val="150000"/>
+              </a:lnSpc>
+            </a:pPr>
+            <a:r>
+              <a:rPr lang="en-US" sz="2400" b="1" kern="1200" dirty="0">
+                <a:solidFill>
+                  <a:srgbClr val="9E2946"/>
+                </a:solidFill>
+                <a:latin typeface="Verdana" panose="020B0604030504040204" pitchFamily="34" charset="0"/>
+                <a:ea typeface="Verdana" panose="020B0604030504040204" pitchFamily="34" charset="0"/>
+                <a:cs typeface="+mj-cs"/>
+              </a:rPr>
+              <a:t>Conclusion</a:t>
+            </a:r>
+          </a:p>
+        </p:txBody>
+      </p:sp>
+      <p:sp>
+        <p:nvSpPr>
+          <p:cNvPr id="3" name="Slide Number Placeholder 2">
+            <a:extLst>
+              <a:ext uri="{FF2B5EF4-FFF2-40B4-BE49-F238E27FC236}">
+                <a16:creationId xmlns:a16="http://schemas.microsoft.com/office/drawing/2014/main" id="{26DF549E-0929-4558-B72A-C49F4959F13A}"/>
+              </a:ext>
+            </a:extLst>
+          </p:cNvPr>
+          <p:cNvSpPr>
+            <a:spLocks noGrp="1"/>
+          </p:cNvSpPr>
+          <p:nvPr>
+            <p:ph type="sldNum" sz="quarter" idx="12"/>
+          </p:nvPr>
+        </p:nvSpPr>
+        <p:spPr/>
+        <p:txBody>
+          <a:bodyPr/>
+          <a:lstStyle/>
+          <a:p>
+            <a:fld id="{CE94D1BC-D86E-4D7F-8F02-7A51C792EE04}" type="slidenum">
+              <a:rPr lang="en-US" smtClean="0"/>
+              <a:t>20</a:t>
+            </a:fld>
+            <a:endParaRPr lang="en-US"/>
+          </a:p>
+        </p:txBody>
+      </p:sp>
+      <p:sp>
+        <p:nvSpPr>
+          <p:cNvPr id="8" name="Rectangle: Rounded Corners 7">
+            <a:extLst>
+              <a:ext uri="{FF2B5EF4-FFF2-40B4-BE49-F238E27FC236}">
+                <a16:creationId xmlns:a16="http://schemas.microsoft.com/office/drawing/2014/main" id="{A94466D1-B61C-4EF1-908E-89E940596724}"/>
+              </a:ext>
+            </a:extLst>
+          </p:cNvPr>
+          <p:cNvSpPr/>
+          <p:nvPr/>
+        </p:nvSpPr>
+        <p:spPr>
+          <a:xfrm>
+            <a:off x="4775911" y="285726"/>
+            <a:ext cx="1352550" cy="390525"/>
+          </a:xfrm>
+          <a:prstGeom prst="roundRect">
+            <a:avLst/>
+          </a:prstGeom>
+          <a:solidFill>
+            <a:schemeClr val="bg1">
+              <a:lumMod val="75000"/>
+            </a:schemeClr>
+          </a:solidFill>
+          <a:ln>
+            <a:noFill/>
+          </a:ln>
+        </p:spPr>
+        <p:style>
+          <a:lnRef idx="2">
+            <a:schemeClr val="accent1">
+              <a:shade val="50000"/>
+            </a:schemeClr>
+          </a:lnRef>
+          <a:fillRef idx="1">
+            <a:schemeClr val="accent1"/>
+          </a:fillRef>
+          <a:effectRef idx="0">
+            <a:schemeClr val="accent1"/>
+          </a:effectRef>
+          <a:fontRef idx="minor">
+            <a:schemeClr val="lt1"/>
+          </a:fontRef>
+        </p:style>
+        <p:txBody>
+          <a:bodyPr rtlCol="0" anchor="ctr"/>
+          <a:lstStyle/>
+          <a:p>
+            <a:pPr algn="ctr"/>
+            <a:r>
+              <a:rPr lang="en-US" sz="1000" dirty="0">
+                <a:latin typeface="Verdana" panose="020B0604030504040204" pitchFamily="34" charset="0"/>
+                <a:ea typeface="Verdana" panose="020B0604030504040204" pitchFamily="34" charset="0"/>
+              </a:rPr>
+              <a:t>Background</a:t>
+            </a:r>
+          </a:p>
+        </p:txBody>
+      </p:sp>
+      <p:sp>
+        <p:nvSpPr>
+          <p:cNvPr id="10" name="Rectangle: Rounded Corners 9">
+            <a:extLst>
+              <a:ext uri="{FF2B5EF4-FFF2-40B4-BE49-F238E27FC236}">
+                <a16:creationId xmlns:a16="http://schemas.microsoft.com/office/drawing/2014/main" id="{D0CF06AE-5C66-40BE-AF92-C9254A0C3FD7}"/>
+              </a:ext>
+            </a:extLst>
+          </p:cNvPr>
+          <p:cNvSpPr/>
+          <p:nvPr/>
+        </p:nvSpPr>
+        <p:spPr>
+          <a:xfrm>
+            <a:off x="6188785" y="285727"/>
+            <a:ext cx="1352550" cy="390525"/>
+          </a:xfrm>
+          <a:prstGeom prst="roundRect">
+            <a:avLst/>
+          </a:prstGeom>
+          <a:solidFill>
+            <a:schemeClr val="bg1">
+              <a:lumMod val="75000"/>
+            </a:schemeClr>
+          </a:solidFill>
+          <a:ln>
+            <a:noFill/>
+          </a:ln>
+        </p:spPr>
+        <p:style>
+          <a:lnRef idx="2">
+            <a:schemeClr val="accent1">
+              <a:shade val="50000"/>
+            </a:schemeClr>
+          </a:lnRef>
+          <a:fillRef idx="1">
+            <a:schemeClr val="accent1"/>
+          </a:fillRef>
+          <a:effectRef idx="0">
+            <a:schemeClr val="accent1"/>
+          </a:effectRef>
+          <a:fontRef idx="minor">
+            <a:schemeClr val="lt1"/>
+          </a:fontRef>
+        </p:style>
+        <p:txBody>
+          <a:bodyPr rtlCol="0" anchor="ctr"/>
+          <a:lstStyle/>
+          <a:p>
+            <a:pPr algn="ctr"/>
+            <a:r>
+              <a:rPr lang="en-US" sz="1000" dirty="0">
+                <a:latin typeface="Verdana" panose="020B0604030504040204" pitchFamily="34" charset="0"/>
+                <a:ea typeface="Verdana" panose="020B0604030504040204" pitchFamily="34" charset="0"/>
+              </a:rPr>
+              <a:t>Architecture</a:t>
+            </a:r>
+          </a:p>
+        </p:txBody>
+      </p:sp>
+      <p:sp>
+        <p:nvSpPr>
+          <p:cNvPr id="11" name="Rectangle: Rounded Corners 10">
+            <a:extLst>
+              <a:ext uri="{FF2B5EF4-FFF2-40B4-BE49-F238E27FC236}">
+                <a16:creationId xmlns:a16="http://schemas.microsoft.com/office/drawing/2014/main" id="{9B2AA2F4-54FD-4548-A211-ABBC31F90EE6}"/>
+              </a:ext>
+            </a:extLst>
+          </p:cNvPr>
+          <p:cNvSpPr/>
+          <p:nvPr/>
+        </p:nvSpPr>
+        <p:spPr>
+          <a:xfrm>
+            <a:off x="7601659" y="285726"/>
+            <a:ext cx="1352550" cy="390525"/>
+          </a:xfrm>
+          <a:prstGeom prst="roundRect">
+            <a:avLst/>
+          </a:prstGeom>
+          <a:solidFill>
+            <a:schemeClr val="bg1">
+              <a:lumMod val="75000"/>
+            </a:schemeClr>
+          </a:solidFill>
+          <a:ln>
+            <a:noFill/>
+          </a:ln>
+        </p:spPr>
+        <p:style>
+          <a:lnRef idx="2">
+            <a:schemeClr val="accent1">
+              <a:shade val="50000"/>
+            </a:schemeClr>
+          </a:lnRef>
+          <a:fillRef idx="1">
+            <a:schemeClr val="accent1"/>
+          </a:fillRef>
+          <a:effectRef idx="0">
+            <a:schemeClr val="accent1"/>
+          </a:effectRef>
+          <a:fontRef idx="minor">
+            <a:schemeClr val="lt1"/>
+          </a:fontRef>
+        </p:style>
+        <p:txBody>
+          <a:bodyPr rtlCol="0" anchor="ctr"/>
+          <a:lstStyle/>
+          <a:p>
+            <a:pPr algn="ctr"/>
+            <a:r>
+              <a:rPr lang="en-US" sz="1000" dirty="0">
+                <a:latin typeface="Verdana" panose="020B0604030504040204" pitchFamily="34" charset="0"/>
+                <a:ea typeface="Verdana" panose="020B0604030504040204" pitchFamily="34" charset="0"/>
+              </a:rPr>
+              <a:t>Methodology</a:t>
+            </a:r>
+          </a:p>
+        </p:txBody>
+      </p:sp>
+      <p:sp>
+        <p:nvSpPr>
+          <p:cNvPr id="12" name="Rectangle: Rounded Corners 11">
+            <a:extLst>
+              <a:ext uri="{FF2B5EF4-FFF2-40B4-BE49-F238E27FC236}">
+                <a16:creationId xmlns:a16="http://schemas.microsoft.com/office/drawing/2014/main" id="{E7FD3417-382B-42E9-8B4D-A235C22130CA}"/>
+              </a:ext>
+            </a:extLst>
+          </p:cNvPr>
+          <p:cNvSpPr/>
+          <p:nvPr/>
+        </p:nvSpPr>
+        <p:spPr>
+          <a:xfrm>
+            <a:off x="9014533" y="285726"/>
+            <a:ext cx="1352550" cy="390525"/>
+          </a:xfrm>
+          <a:prstGeom prst="roundRect">
+            <a:avLst/>
+          </a:prstGeom>
+          <a:solidFill>
+            <a:schemeClr val="bg1">
+              <a:lumMod val="75000"/>
+            </a:schemeClr>
+          </a:solidFill>
+          <a:ln>
+            <a:noFill/>
+          </a:ln>
+        </p:spPr>
+        <p:style>
+          <a:lnRef idx="2">
+            <a:schemeClr val="accent1">
+              <a:shade val="50000"/>
+            </a:schemeClr>
+          </a:lnRef>
+          <a:fillRef idx="1">
+            <a:schemeClr val="accent1"/>
+          </a:fillRef>
+          <a:effectRef idx="0">
+            <a:schemeClr val="accent1"/>
+          </a:effectRef>
+          <a:fontRef idx="minor">
+            <a:schemeClr val="lt1"/>
+          </a:fontRef>
+        </p:style>
+        <p:txBody>
+          <a:bodyPr rtlCol="0" anchor="ctr"/>
+          <a:lstStyle/>
+          <a:p>
+            <a:pPr algn="ctr"/>
+            <a:r>
+              <a:rPr lang="en-US" sz="1000" dirty="0">
+                <a:latin typeface="Verdana" panose="020B0604030504040204" pitchFamily="34" charset="0"/>
+                <a:ea typeface="Verdana" panose="020B0604030504040204" pitchFamily="34" charset="0"/>
+              </a:rPr>
+              <a:t>Outcome</a:t>
+            </a:r>
+          </a:p>
+        </p:txBody>
+      </p:sp>
+      <p:sp>
+        <p:nvSpPr>
+          <p:cNvPr id="14" name="Rectangle: Rounded Corners 13">
+            <a:extLst>
+              <a:ext uri="{FF2B5EF4-FFF2-40B4-BE49-F238E27FC236}">
+                <a16:creationId xmlns:a16="http://schemas.microsoft.com/office/drawing/2014/main" id="{66AC8B29-1893-4A94-9715-56E1E25E3B7A}"/>
+              </a:ext>
+            </a:extLst>
+          </p:cNvPr>
+          <p:cNvSpPr/>
+          <p:nvPr/>
+        </p:nvSpPr>
+        <p:spPr>
+          <a:xfrm>
+            <a:off x="10427407" y="285726"/>
+            <a:ext cx="1352550" cy="390525"/>
+          </a:xfrm>
+          <a:prstGeom prst="roundRect">
+            <a:avLst/>
+          </a:prstGeom>
+          <a:solidFill>
+            <a:srgbClr val="9E2946"/>
+          </a:solidFill>
+          <a:ln>
+            <a:noFill/>
+          </a:ln>
+        </p:spPr>
+        <p:style>
+          <a:lnRef idx="2">
+            <a:schemeClr val="accent1">
+              <a:shade val="50000"/>
+            </a:schemeClr>
+          </a:lnRef>
+          <a:fillRef idx="1">
+            <a:schemeClr val="accent1"/>
+          </a:fillRef>
+          <a:effectRef idx="0">
+            <a:schemeClr val="accent1"/>
+          </a:effectRef>
+          <a:fontRef idx="minor">
+            <a:schemeClr val="lt1"/>
+          </a:fontRef>
+        </p:style>
+        <p:txBody>
+          <a:bodyPr rtlCol="0" anchor="ctr"/>
+          <a:lstStyle/>
+          <a:p>
+            <a:pPr algn="ctr"/>
+            <a:r>
+              <a:rPr lang="en-US" sz="1000" dirty="0">
+                <a:latin typeface="Verdana" panose="020B0604030504040204" pitchFamily="34" charset="0"/>
+                <a:ea typeface="Verdana" panose="020B0604030504040204" pitchFamily="34" charset="0"/>
+              </a:rPr>
+              <a:t>Conclusion</a:t>
+            </a:r>
+          </a:p>
+        </p:txBody>
+      </p:sp>
+      <p:pic>
+        <p:nvPicPr>
+          <p:cNvPr id="15" name="Picture 14">
+            <a:extLst>
+              <a:ext uri="{FF2B5EF4-FFF2-40B4-BE49-F238E27FC236}">
+                <a16:creationId xmlns:a16="http://schemas.microsoft.com/office/drawing/2014/main" id="{59A5F746-0E95-4CB3-A1F8-8161B70AD447}"/>
+              </a:ext>
+            </a:extLst>
+          </p:cNvPr>
+          <p:cNvPicPr>
+            <a:picLocks noChangeAspect="1"/>
+          </p:cNvPicPr>
+          <p:nvPr/>
+        </p:nvPicPr>
+        <p:blipFill>
+          <a:blip r:embed="rId3"/>
+          <a:stretch>
+            <a:fillRect/>
+          </a:stretch>
+        </p:blipFill>
+        <p:spPr>
+          <a:xfrm>
+            <a:off x="261546" y="6238912"/>
+            <a:ext cx="1885714" cy="600000"/>
+          </a:xfrm>
+          <a:prstGeom prst="rect">
+            <a:avLst/>
+          </a:prstGeom>
+        </p:spPr>
+      </p:pic>
+      <p:sp>
+        <p:nvSpPr>
+          <p:cNvPr id="16" name="TextBox 15">
+            <a:extLst>
+              <a:ext uri="{FF2B5EF4-FFF2-40B4-BE49-F238E27FC236}">
+                <a16:creationId xmlns:a16="http://schemas.microsoft.com/office/drawing/2014/main" id="{9E214889-36FA-4860-B127-89940829984A}"/>
+              </a:ext>
+            </a:extLst>
+          </p:cNvPr>
+          <p:cNvSpPr txBox="1"/>
+          <p:nvPr/>
+        </p:nvSpPr>
+        <p:spPr>
+          <a:xfrm>
+            <a:off x="261546" y="1550245"/>
+            <a:ext cx="11391877" cy="1815882"/>
+          </a:xfrm>
+          <a:prstGeom prst="rect">
+            <a:avLst/>
+          </a:prstGeom>
+          <a:noFill/>
+        </p:spPr>
+        <p:txBody>
+          <a:bodyPr wrap="square">
+            <a:spAutoFit/>
+          </a:bodyPr>
+          <a:lstStyle/>
+          <a:p>
+            <a:pPr marL="800100" lvl="1" indent="-342900">
+              <a:buFont typeface="+mj-lt"/>
+              <a:buAutoNum type="arabicPeriod"/>
+            </a:pPr>
+            <a:r>
+              <a:rPr lang="en-US" sz="1600" dirty="0">
+                <a:solidFill>
+                  <a:srgbClr val="374151"/>
+                </a:solidFill>
+                <a:latin typeface="Verdana" panose="020B0604030504040204" pitchFamily="34" charset="0"/>
+                <a:ea typeface="Verdana" panose="020B0604030504040204" pitchFamily="34" charset="0"/>
+              </a:rPr>
+              <a:t>Using Logistic Regression, we were able to infer the industry classification with 80% accuracy from PitchBook descriptions</a:t>
+            </a:r>
+            <a:endParaRPr lang="en-US" sz="2000" dirty="0">
+              <a:solidFill>
+                <a:srgbClr val="374151"/>
+              </a:solidFill>
+              <a:latin typeface="Verdana" panose="020B0604030504040204" pitchFamily="34" charset="0"/>
+              <a:ea typeface="Verdana" panose="020B0604030504040204" pitchFamily="34" charset="0"/>
+            </a:endParaRPr>
+          </a:p>
+          <a:p>
+            <a:pPr marL="800100" lvl="1" indent="-342900">
+              <a:buFont typeface="+mj-lt"/>
+              <a:buAutoNum type="arabicPeriod"/>
+            </a:pPr>
+            <a:r>
+              <a:rPr lang="en-US" sz="1600" dirty="0">
+                <a:solidFill>
+                  <a:srgbClr val="374151"/>
+                </a:solidFill>
+                <a:latin typeface="Verdana" panose="020B0604030504040204" pitchFamily="34" charset="0"/>
+                <a:ea typeface="Verdana" panose="020B0604030504040204" pitchFamily="34" charset="0"/>
+              </a:rPr>
+              <a:t>We can go further with predicting sector and sub-sector labeling as shown below based on inputs from industry classification and using Sentence transformers and Logistic Regression</a:t>
+            </a:r>
+          </a:p>
+          <a:p>
+            <a:pPr marL="800100" lvl="1" indent="-342900">
+              <a:buFont typeface="+mj-lt"/>
+              <a:buAutoNum type="arabicPeriod"/>
+            </a:pPr>
+            <a:r>
+              <a:rPr lang="en-US" sz="1600" dirty="0">
+                <a:solidFill>
+                  <a:srgbClr val="374151"/>
+                </a:solidFill>
+                <a:latin typeface="Verdana" panose="020B0604030504040204" pitchFamily="34" charset="0"/>
+                <a:ea typeface="Verdana" panose="020B0604030504040204" pitchFamily="34" charset="0"/>
+              </a:rPr>
+              <a:t>Overall, industry classification from PitchBook data using Logistic Regression can provide business users in Investment Banking with valuable insights and decision support, helping them to source deals, value companies, conduct market research, and manage their portfolios effectively</a:t>
+            </a:r>
+          </a:p>
+        </p:txBody>
+      </p:sp>
+      <p:sp>
+        <p:nvSpPr>
+          <p:cNvPr id="17" name="Rectangle: Rounded Corners 16">
+            <a:extLst>
+              <a:ext uri="{FF2B5EF4-FFF2-40B4-BE49-F238E27FC236}">
+                <a16:creationId xmlns:a16="http://schemas.microsoft.com/office/drawing/2014/main" id="{11E8B7EC-C732-4D27-8B97-2DEFD2F3548E}"/>
+              </a:ext>
+            </a:extLst>
+          </p:cNvPr>
+          <p:cNvSpPr/>
+          <p:nvPr/>
+        </p:nvSpPr>
+        <p:spPr>
+          <a:xfrm>
+            <a:off x="3363037" y="294893"/>
+            <a:ext cx="1352550" cy="390525"/>
+          </a:xfrm>
+          <a:prstGeom prst="roundRect">
+            <a:avLst/>
+          </a:prstGeom>
+          <a:solidFill>
+            <a:schemeClr val="bg1">
+              <a:lumMod val="75000"/>
+            </a:schemeClr>
+          </a:solidFill>
+          <a:ln>
+            <a:noFill/>
+          </a:ln>
+        </p:spPr>
+        <p:style>
+          <a:lnRef idx="2">
+            <a:schemeClr val="accent1">
+              <a:shade val="50000"/>
+            </a:schemeClr>
+          </a:lnRef>
+          <a:fillRef idx="1">
+            <a:schemeClr val="accent1"/>
+          </a:fillRef>
+          <a:effectRef idx="0">
+            <a:schemeClr val="accent1"/>
+          </a:effectRef>
+          <a:fontRef idx="minor">
+            <a:schemeClr val="lt1"/>
+          </a:fontRef>
+        </p:style>
+        <p:txBody>
+          <a:bodyPr rtlCol="0" anchor="ctr"/>
+          <a:lstStyle/>
+          <a:p>
+            <a:pPr algn="ctr"/>
+            <a:r>
+              <a:rPr lang="en-US" sz="1000" dirty="0">
+                <a:latin typeface="Verdana" panose="020B0604030504040204" pitchFamily="34" charset="0"/>
+                <a:ea typeface="Verdana" panose="020B0604030504040204" pitchFamily="34" charset="0"/>
+              </a:rPr>
+              <a:t>Project Overview</a:t>
+            </a:r>
+          </a:p>
+        </p:txBody>
+      </p:sp>
+      <p:pic>
+        <p:nvPicPr>
+          <p:cNvPr id="4" name="Picture 3">
+            <a:extLst>
+              <a:ext uri="{FF2B5EF4-FFF2-40B4-BE49-F238E27FC236}">
+                <a16:creationId xmlns:a16="http://schemas.microsoft.com/office/drawing/2014/main" id="{ED0825DF-4E06-46F9-A9F8-EE9235861C09}"/>
+              </a:ext>
+            </a:extLst>
+          </p:cNvPr>
+          <p:cNvPicPr>
+            <a:picLocks noChangeAspect="1"/>
+          </p:cNvPicPr>
+          <p:nvPr/>
+        </p:nvPicPr>
+        <p:blipFill>
+          <a:blip r:embed="rId4"/>
+          <a:stretch>
+            <a:fillRect/>
+          </a:stretch>
+        </p:blipFill>
+        <p:spPr>
+          <a:xfrm>
+            <a:off x="6865060" y="3545644"/>
+            <a:ext cx="3722544" cy="2920145"/>
+          </a:xfrm>
+          <a:prstGeom prst="rect">
+            <a:avLst/>
+          </a:prstGeom>
+        </p:spPr>
+      </p:pic>
+    </p:spTree>
+    <p:extLst>
+      <p:ext uri="{BB962C8B-B14F-4D97-AF65-F5344CB8AC3E}">
+        <p14:creationId xmlns:p14="http://schemas.microsoft.com/office/powerpoint/2010/main" val="1778845116"/>
       </p:ext>
     </p:extLst>
   </p:cSld>
